--- a/images/update.pptx
+++ b/images/update.pptx
@@ -134,7 +134,7 @@
           <p:cNvPr id="2" name="제목 1">
             <a:extLst>
               <a:ext uri="{FF2B5EF4-FFF2-40B4-BE49-F238E27FC236}">
-                <a16:creationId xmlns="" xmlns:a16="http://schemas.microsoft.com/office/drawing/2014/main" id="{709C3663-1325-4932-A62B-0B761DBD4910}"/>
+                <a16:creationId xmlns:a16="http://schemas.microsoft.com/office/drawing/2014/main" xmlns="" id="{709C3663-1325-4932-A62B-0B761DBD4910}"/>
               </a:ext>
             </a:extLst>
           </p:cNvPr>
@@ -171,7 +171,7 @@
           <p:cNvPr id="3" name="부제목 2">
             <a:extLst>
               <a:ext uri="{FF2B5EF4-FFF2-40B4-BE49-F238E27FC236}">
-                <a16:creationId xmlns="" xmlns:a16="http://schemas.microsoft.com/office/drawing/2014/main" id="{BBBDED7A-5236-41C5-B7C9-27913CCE0685}"/>
+                <a16:creationId xmlns:a16="http://schemas.microsoft.com/office/drawing/2014/main" xmlns="" id="{BBBDED7A-5236-41C5-B7C9-27913CCE0685}"/>
               </a:ext>
             </a:extLst>
           </p:cNvPr>
@@ -241,7 +241,7 @@
           <p:cNvPr id="4" name="날짜 개체 틀 3">
             <a:extLst>
               <a:ext uri="{FF2B5EF4-FFF2-40B4-BE49-F238E27FC236}">
-                <a16:creationId xmlns="" xmlns:a16="http://schemas.microsoft.com/office/drawing/2014/main" id="{2BB2662A-58B5-4209-B7D6-490DD0A2F449}"/>
+                <a16:creationId xmlns:a16="http://schemas.microsoft.com/office/drawing/2014/main" xmlns="" id="{2BB2662A-58B5-4209-B7D6-490DD0A2F449}"/>
               </a:ext>
             </a:extLst>
           </p:cNvPr>
@@ -270,7 +270,7 @@
           <p:cNvPr id="5" name="바닥글 개체 틀 4">
             <a:extLst>
               <a:ext uri="{FF2B5EF4-FFF2-40B4-BE49-F238E27FC236}">
-                <a16:creationId xmlns="" xmlns:a16="http://schemas.microsoft.com/office/drawing/2014/main" id="{C5DA137A-B415-4505-8390-A9ED526FF33D}"/>
+                <a16:creationId xmlns:a16="http://schemas.microsoft.com/office/drawing/2014/main" xmlns="" id="{C5DA137A-B415-4505-8390-A9ED526FF33D}"/>
               </a:ext>
             </a:extLst>
           </p:cNvPr>
@@ -295,7 +295,7 @@
           <p:cNvPr id="6" name="슬라이드 번호 개체 틀 5">
             <a:extLst>
               <a:ext uri="{FF2B5EF4-FFF2-40B4-BE49-F238E27FC236}">
-                <a16:creationId xmlns="" xmlns:a16="http://schemas.microsoft.com/office/drawing/2014/main" id="{428C23D2-FF8D-4584-9E1A-0026BAA39595}"/>
+                <a16:creationId xmlns:a16="http://schemas.microsoft.com/office/drawing/2014/main" xmlns="" id="{428C23D2-FF8D-4584-9E1A-0026BAA39595}"/>
               </a:ext>
             </a:extLst>
           </p:cNvPr>
@@ -354,7 +354,7 @@
           <p:cNvPr id="2" name="제목 1">
             <a:extLst>
               <a:ext uri="{FF2B5EF4-FFF2-40B4-BE49-F238E27FC236}">
-                <a16:creationId xmlns="" xmlns:a16="http://schemas.microsoft.com/office/drawing/2014/main" id="{180EFAF5-6A95-4191-A5F4-5652B8DB7B8C}"/>
+                <a16:creationId xmlns:a16="http://schemas.microsoft.com/office/drawing/2014/main" xmlns="" id="{180EFAF5-6A95-4191-A5F4-5652B8DB7B8C}"/>
               </a:ext>
             </a:extLst>
           </p:cNvPr>
@@ -382,7 +382,7 @@
           <p:cNvPr id="3" name="세로 텍스트 개체 틀 2">
             <a:extLst>
               <a:ext uri="{FF2B5EF4-FFF2-40B4-BE49-F238E27FC236}">
-                <a16:creationId xmlns="" xmlns:a16="http://schemas.microsoft.com/office/drawing/2014/main" id="{17E9374A-C70A-4C65-9EE2-758D1751FCD1}"/>
+                <a16:creationId xmlns:a16="http://schemas.microsoft.com/office/drawing/2014/main" xmlns="" id="{17E9374A-C70A-4C65-9EE2-758D1751FCD1}"/>
               </a:ext>
             </a:extLst>
           </p:cNvPr>
@@ -439,7 +439,7 @@
           <p:cNvPr id="4" name="날짜 개체 틀 3">
             <a:extLst>
               <a:ext uri="{FF2B5EF4-FFF2-40B4-BE49-F238E27FC236}">
-                <a16:creationId xmlns="" xmlns:a16="http://schemas.microsoft.com/office/drawing/2014/main" id="{A203BD37-1A57-4385-BB19-A38A57208826}"/>
+                <a16:creationId xmlns:a16="http://schemas.microsoft.com/office/drawing/2014/main" xmlns="" id="{A203BD37-1A57-4385-BB19-A38A57208826}"/>
               </a:ext>
             </a:extLst>
           </p:cNvPr>
@@ -468,7 +468,7 @@
           <p:cNvPr id="5" name="바닥글 개체 틀 4">
             <a:extLst>
               <a:ext uri="{FF2B5EF4-FFF2-40B4-BE49-F238E27FC236}">
-                <a16:creationId xmlns="" xmlns:a16="http://schemas.microsoft.com/office/drawing/2014/main" id="{30F03180-F227-48F5-B188-4B8903BDD52F}"/>
+                <a16:creationId xmlns:a16="http://schemas.microsoft.com/office/drawing/2014/main" xmlns="" id="{30F03180-F227-48F5-B188-4B8903BDD52F}"/>
               </a:ext>
             </a:extLst>
           </p:cNvPr>
@@ -493,7 +493,7 @@
           <p:cNvPr id="6" name="슬라이드 번호 개체 틀 5">
             <a:extLst>
               <a:ext uri="{FF2B5EF4-FFF2-40B4-BE49-F238E27FC236}">
-                <a16:creationId xmlns="" xmlns:a16="http://schemas.microsoft.com/office/drawing/2014/main" id="{F4F76F8E-8CD7-4695-BC80-9B8B6789DFF8}"/>
+                <a16:creationId xmlns:a16="http://schemas.microsoft.com/office/drawing/2014/main" xmlns="" id="{F4F76F8E-8CD7-4695-BC80-9B8B6789DFF8}"/>
               </a:ext>
             </a:extLst>
           </p:cNvPr>
@@ -552,7 +552,7 @@
           <p:cNvPr id="2" name="세로 제목 1">
             <a:extLst>
               <a:ext uri="{FF2B5EF4-FFF2-40B4-BE49-F238E27FC236}">
-                <a16:creationId xmlns="" xmlns:a16="http://schemas.microsoft.com/office/drawing/2014/main" id="{7D4CC50E-E65E-4620-90A2-D7E5A1FF15FE}"/>
+                <a16:creationId xmlns:a16="http://schemas.microsoft.com/office/drawing/2014/main" xmlns="" id="{7D4CC50E-E65E-4620-90A2-D7E5A1FF15FE}"/>
               </a:ext>
             </a:extLst>
           </p:cNvPr>
@@ -585,7 +585,7 @@
           <p:cNvPr id="3" name="세로 텍스트 개체 틀 2">
             <a:extLst>
               <a:ext uri="{FF2B5EF4-FFF2-40B4-BE49-F238E27FC236}">
-                <a16:creationId xmlns="" xmlns:a16="http://schemas.microsoft.com/office/drawing/2014/main" id="{841960AE-4FD6-465E-AC97-C18204D299C4}"/>
+                <a16:creationId xmlns:a16="http://schemas.microsoft.com/office/drawing/2014/main" xmlns="" id="{841960AE-4FD6-465E-AC97-C18204D299C4}"/>
               </a:ext>
             </a:extLst>
           </p:cNvPr>
@@ -647,7 +647,7 @@
           <p:cNvPr id="4" name="날짜 개체 틀 3">
             <a:extLst>
               <a:ext uri="{FF2B5EF4-FFF2-40B4-BE49-F238E27FC236}">
-                <a16:creationId xmlns="" xmlns:a16="http://schemas.microsoft.com/office/drawing/2014/main" id="{25C68F3B-21B4-404C-A9DD-07DC7ADA055D}"/>
+                <a16:creationId xmlns:a16="http://schemas.microsoft.com/office/drawing/2014/main" xmlns="" id="{25C68F3B-21B4-404C-A9DD-07DC7ADA055D}"/>
               </a:ext>
             </a:extLst>
           </p:cNvPr>
@@ -676,7 +676,7 @@
           <p:cNvPr id="5" name="바닥글 개체 틀 4">
             <a:extLst>
               <a:ext uri="{FF2B5EF4-FFF2-40B4-BE49-F238E27FC236}">
-                <a16:creationId xmlns="" xmlns:a16="http://schemas.microsoft.com/office/drawing/2014/main" id="{A4C56A2A-4832-4A47-9E78-B16B78ABA1A5}"/>
+                <a16:creationId xmlns:a16="http://schemas.microsoft.com/office/drawing/2014/main" xmlns="" id="{A4C56A2A-4832-4A47-9E78-B16B78ABA1A5}"/>
               </a:ext>
             </a:extLst>
           </p:cNvPr>
@@ -701,7 +701,7 @@
           <p:cNvPr id="6" name="슬라이드 번호 개체 틀 5">
             <a:extLst>
               <a:ext uri="{FF2B5EF4-FFF2-40B4-BE49-F238E27FC236}">
-                <a16:creationId xmlns="" xmlns:a16="http://schemas.microsoft.com/office/drawing/2014/main" id="{6C982E65-1974-4B8A-A8E1-E05F386ED37E}"/>
+                <a16:creationId xmlns:a16="http://schemas.microsoft.com/office/drawing/2014/main" xmlns="" id="{6C982E65-1974-4B8A-A8E1-E05F386ED37E}"/>
               </a:ext>
             </a:extLst>
           </p:cNvPr>
@@ -760,7 +760,7 @@
           <p:cNvPr id="2" name="제목 1">
             <a:extLst>
               <a:ext uri="{FF2B5EF4-FFF2-40B4-BE49-F238E27FC236}">
-                <a16:creationId xmlns="" xmlns:a16="http://schemas.microsoft.com/office/drawing/2014/main" id="{F02D6E3A-CF0E-4C48-9844-BEB255A68D74}"/>
+                <a16:creationId xmlns:a16="http://schemas.microsoft.com/office/drawing/2014/main" xmlns="" id="{F02D6E3A-CF0E-4C48-9844-BEB255A68D74}"/>
               </a:ext>
             </a:extLst>
           </p:cNvPr>
@@ -788,7 +788,7 @@
           <p:cNvPr id="3" name="내용 개체 틀 2">
             <a:extLst>
               <a:ext uri="{FF2B5EF4-FFF2-40B4-BE49-F238E27FC236}">
-                <a16:creationId xmlns="" xmlns:a16="http://schemas.microsoft.com/office/drawing/2014/main" id="{BC694769-9407-4067-A842-CAA2875D964A}"/>
+                <a16:creationId xmlns:a16="http://schemas.microsoft.com/office/drawing/2014/main" xmlns="" id="{BC694769-9407-4067-A842-CAA2875D964A}"/>
               </a:ext>
             </a:extLst>
           </p:cNvPr>
@@ -845,7 +845,7 @@
           <p:cNvPr id="4" name="날짜 개체 틀 3">
             <a:extLst>
               <a:ext uri="{FF2B5EF4-FFF2-40B4-BE49-F238E27FC236}">
-                <a16:creationId xmlns="" xmlns:a16="http://schemas.microsoft.com/office/drawing/2014/main" id="{FFBFB471-450B-45F0-A532-4E68ECD8378B}"/>
+                <a16:creationId xmlns:a16="http://schemas.microsoft.com/office/drawing/2014/main" xmlns="" id="{FFBFB471-450B-45F0-A532-4E68ECD8378B}"/>
               </a:ext>
             </a:extLst>
           </p:cNvPr>
@@ -874,7 +874,7 @@
           <p:cNvPr id="5" name="바닥글 개체 틀 4">
             <a:extLst>
               <a:ext uri="{FF2B5EF4-FFF2-40B4-BE49-F238E27FC236}">
-                <a16:creationId xmlns="" xmlns:a16="http://schemas.microsoft.com/office/drawing/2014/main" id="{C19F9A36-96F1-40A0-BF9B-4E17ED6424CA}"/>
+                <a16:creationId xmlns:a16="http://schemas.microsoft.com/office/drawing/2014/main" xmlns="" id="{C19F9A36-96F1-40A0-BF9B-4E17ED6424CA}"/>
               </a:ext>
             </a:extLst>
           </p:cNvPr>
@@ -899,7 +899,7 @@
           <p:cNvPr id="6" name="슬라이드 번호 개체 틀 5">
             <a:extLst>
               <a:ext uri="{FF2B5EF4-FFF2-40B4-BE49-F238E27FC236}">
-                <a16:creationId xmlns="" xmlns:a16="http://schemas.microsoft.com/office/drawing/2014/main" id="{F40827E4-96FB-4626-B42E-B85DCC5FA294}"/>
+                <a16:creationId xmlns:a16="http://schemas.microsoft.com/office/drawing/2014/main" xmlns="" id="{F40827E4-96FB-4626-B42E-B85DCC5FA294}"/>
               </a:ext>
             </a:extLst>
           </p:cNvPr>
@@ -958,7 +958,7 @@
           <p:cNvPr id="2" name="제목 1">
             <a:extLst>
               <a:ext uri="{FF2B5EF4-FFF2-40B4-BE49-F238E27FC236}">
-                <a16:creationId xmlns="" xmlns:a16="http://schemas.microsoft.com/office/drawing/2014/main" id="{A89D2F2F-F6A8-4AED-BEB7-A7448E450AE2}"/>
+                <a16:creationId xmlns:a16="http://schemas.microsoft.com/office/drawing/2014/main" xmlns="" id="{A89D2F2F-F6A8-4AED-BEB7-A7448E450AE2}"/>
               </a:ext>
             </a:extLst>
           </p:cNvPr>
@@ -995,7 +995,7 @@
           <p:cNvPr id="3" name="텍스트 개체 틀 2">
             <a:extLst>
               <a:ext uri="{FF2B5EF4-FFF2-40B4-BE49-F238E27FC236}">
-                <a16:creationId xmlns="" xmlns:a16="http://schemas.microsoft.com/office/drawing/2014/main" id="{1C920E00-1018-40AA-AFA1-47256FF76AD1}"/>
+                <a16:creationId xmlns:a16="http://schemas.microsoft.com/office/drawing/2014/main" xmlns="" id="{1C920E00-1018-40AA-AFA1-47256FF76AD1}"/>
               </a:ext>
             </a:extLst>
           </p:cNvPr>
@@ -1120,7 +1120,7 @@
           <p:cNvPr id="4" name="날짜 개체 틀 3">
             <a:extLst>
               <a:ext uri="{FF2B5EF4-FFF2-40B4-BE49-F238E27FC236}">
-                <a16:creationId xmlns="" xmlns:a16="http://schemas.microsoft.com/office/drawing/2014/main" id="{5DED6BBC-E01F-4AE9-8E55-2DF9E2AA7532}"/>
+                <a16:creationId xmlns:a16="http://schemas.microsoft.com/office/drawing/2014/main" xmlns="" id="{5DED6BBC-E01F-4AE9-8E55-2DF9E2AA7532}"/>
               </a:ext>
             </a:extLst>
           </p:cNvPr>
@@ -1149,7 +1149,7 @@
           <p:cNvPr id="5" name="바닥글 개체 틀 4">
             <a:extLst>
               <a:ext uri="{FF2B5EF4-FFF2-40B4-BE49-F238E27FC236}">
-                <a16:creationId xmlns="" xmlns:a16="http://schemas.microsoft.com/office/drawing/2014/main" id="{DB4D867E-A3C9-4C1D-9012-66E62C961C14}"/>
+                <a16:creationId xmlns:a16="http://schemas.microsoft.com/office/drawing/2014/main" xmlns="" id="{DB4D867E-A3C9-4C1D-9012-66E62C961C14}"/>
               </a:ext>
             </a:extLst>
           </p:cNvPr>
@@ -1174,7 +1174,7 @@
           <p:cNvPr id="6" name="슬라이드 번호 개체 틀 5">
             <a:extLst>
               <a:ext uri="{FF2B5EF4-FFF2-40B4-BE49-F238E27FC236}">
-                <a16:creationId xmlns="" xmlns:a16="http://schemas.microsoft.com/office/drawing/2014/main" id="{3C7BB8C6-2239-44B5-80E6-73F79D5D7042}"/>
+                <a16:creationId xmlns:a16="http://schemas.microsoft.com/office/drawing/2014/main" xmlns="" id="{3C7BB8C6-2239-44B5-80E6-73F79D5D7042}"/>
               </a:ext>
             </a:extLst>
           </p:cNvPr>
@@ -1233,7 +1233,7 @@
           <p:cNvPr id="2" name="제목 1">
             <a:extLst>
               <a:ext uri="{FF2B5EF4-FFF2-40B4-BE49-F238E27FC236}">
-                <a16:creationId xmlns="" xmlns:a16="http://schemas.microsoft.com/office/drawing/2014/main" id="{4CE6D0DC-FA61-4211-AA7D-7E7EF178661C}"/>
+                <a16:creationId xmlns:a16="http://schemas.microsoft.com/office/drawing/2014/main" xmlns="" id="{4CE6D0DC-FA61-4211-AA7D-7E7EF178661C}"/>
               </a:ext>
             </a:extLst>
           </p:cNvPr>
@@ -1261,7 +1261,7 @@
           <p:cNvPr id="3" name="내용 개체 틀 2">
             <a:extLst>
               <a:ext uri="{FF2B5EF4-FFF2-40B4-BE49-F238E27FC236}">
-                <a16:creationId xmlns="" xmlns:a16="http://schemas.microsoft.com/office/drawing/2014/main" id="{7043EACC-AF6E-4998-9489-A015AF45174F}"/>
+                <a16:creationId xmlns:a16="http://schemas.microsoft.com/office/drawing/2014/main" xmlns="" id="{7043EACC-AF6E-4998-9489-A015AF45174F}"/>
               </a:ext>
             </a:extLst>
           </p:cNvPr>
@@ -1323,7 +1323,7 @@
           <p:cNvPr id="4" name="내용 개체 틀 3">
             <a:extLst>
               <a:ext uri="{FF2B5EF4-FFF2-40B4-BE49-F238E27FC236}">
-                <a16:creationId xmlns="" xmlns:a16="http://schemas.microsoft.com/office/drawing/2014/main" id="{432FA007-1455-4C73-9864-D1A8AE49BF39}"/>
+                <a16:creationId xmlns:a16="http://schemas.microsoft.com/office/drawing/2014/main" xmlns="" id="{432FA007-1455-4C73-9864-D1A8AE49BF39}"/>
               </a:ext>
             </a:extLst>
           </p:cNvPr>
@@ -1385,7 +1385,7 @@
           <p:cNvPr id="5" name="날짜 개체 틀 4">
             <a:extLst>
               <a:ext uri="{FF2B5EF4-FFF2-40B4-BE49-F238E27FC236}">
-                <a16:creationId xmlns="" xmlns:a16="http://schemas.microsoft.com/office/drawing/2014/main" id="{37B741FF-157F-40D5-A150-75A2EE4C9E26}"/>
+                <a16:creationId xmlns:a16="http://schemas.microsoft.com/office/drawing/2014/main" xmlns="" id="{37B741FF-157F-40D5-A150-75A2EE4C9E26}"/>
               </a:ext>
             </a:extLst>
           </p:cNvPr>
@@ -1414,7 +1414,7 @@
           <p:cNvPr id="6" name="바닥글 개체 틀 5">
             <a:extLst>
               <a:ext uri="{FF2B5EF4-FFF2-40B4-BE49-F238E27FC236}">
-                <a16:creationId xmlns="" xmlns:a16="http://schemas.microsoft.com/office/drawing/2014/main" id="{C8338BD1-A5B5-41B8-829F-20A052C2AB04}"/>
+                <a16:creationId xmlns:a16="http://schemas.microsoft.com/office/drawing/2014/main" xmlns="" id="{C8338BD1-A5B5-41B8-829F-20A052C2AB04}"/>
               </a:ext>
             </a:extLst>
           </p:cNvPr>
@@ -1439,7 +1439,7 @@
           <p:cNvPr id="7" name="슬라이드 번호 개체 틀 6">
             <a:extLst>
               <a:ext uri="{FF2B5EF4-FFF2-40B4-BE49-F238E27FC236}">
-                <a16:creationId xmlns="" xmlns:a16="http://schemas.microsoft.com/office/drawing/2014/main" id="{41C61354-ADE2-4C09-BF98-114510514B79}"/>
+                <a16:creationId xmlns:a16="http://schemas.microsoft.com/office/drawing/2014/main" xmlns="" id="{41C61354-ADE2-4C09-BF98-114510514B79}"/>
               </a:ext>
             </a:extLst>
           </p:cNvPr>
@@ -1498,7 +1498,7 @@
           <p:cNvPr id="2" name="제목 1">
             <a:extLst>
               <a:ext uri="{FF2B5EF4-FFF2-40B4-BE49-F238E27FC236}">
-                <a16:creationId xmlns="" xmlns:a16="http://schemas.microsoft.com/office/drawing/2014/main" id="{98E0CDAF-1805-4623-80D6-E68E95AC0077}"/>
+                <a16:creationId xmlns:a16="http://schemas.microsoft.com/office/drawing/2014/main" xmlns="" id="{98E0CDAF-1805-4623-80D6-E68E95AC0077}"/>
               </a:ext>
             </a:extLst>
           </p:cNvPr>
@@ -1531,7 +1531,7 @@
           <p:cNvPr id="3" name="텍스트 개체 틀 2">
             <a:extLst>
               <a:ext uri="{FF2B5EF4-FFF2-40B4-BE49-F238E27FC236}">
-                <a16:creationId xmlns="" xmlns:a16="http://schemas.microsoft.com/office/drawing/2014/main" id="{19EAA552-FB12-4F4F-9114-E5851423FEB2}"/>
+                <a16:creationId xmlns:a16="http://schemas.microsoft.com/office/drawing/2014/main" xmlns="" id="{19EAA552-FB12-4F4F-9114-E5851423FEB2}"/>
               </a:ext>
             </a:extLst>
           </p:cNvPr>
@@ -1602,7 +1602,7 @@
           <p:cNvPr id="4" name="내용 개체 틀 3">
             <a:extLst>
               <a:ext uri="{FF2B5EF4-FFF2-40B4-BE49-F238E27FC236}">
-                <a16:creationId xmlns="" xmlns:a16="http://schemas.microsoft.com/office/drawing/2014/main" id="{57C41A33-1C13-4189-954C-A0BECB20E9C9}"/>
+                <a16:creationId xmlns:a16="http://schemas.microsoft.com/office/drawing/2014/main" xmlns="" id="{57C41A33-1C13-4189-954C-A0BECB20E9C9}"/>
               </a:ext>
             </a:extLst>
           </p:cNvPr>
@@ -1664,7 +1664,7 @@
           <p:cNvPr id="5" name="텍스트 개체 틀 4">
             <a:extLst>
               <a:ext uri="{FF2B5EF4-FFF2-40B4-BE49-F238E27FC236}">
-                <a16:creationId xmlns="" xmlns:a16="http://schemas.microsoft.com/office/drawing/2014/main" id="{34AA4E1F-43A2-47F0-8ADC-8E51F62E69D9}"/>
+                <a16:creationId xmlns:a16="http://schemas.microsoft.com/office/drawing/2014/main" xmlns="" id="{34AA4E1F-43A2-47F0-8ADC-8E51F62E69D9}"/>
               </a:ext>
             </a:extLst>
           </p:cNvPr>
@@ -1735,7 +1735,7 @@
           <p:cNvPr id="6" name="내용 개체 틀 5">
             <a:extLst>
               <a:ext uri="{FF2B5EF4-FFF2-40B4-BE49-F238E27FC236}">
-                <a16:creationId xmlns="" xmlns:a16="http://schemas.microsoft.com/office/drawing/2014/main" id="{EFBA4AAA-700C-48B0-9717-D14F467276B8}"/>
+                <a16:creationId xmlns:a16="http://schemas.microsoft.com/office/drawing/2014/main" xmlns="" id="{EFBA4AAA-700C-48B0-9717-D14F467276B8}"/>
               </a:ext>
             </a:extLst>
           </p:cNvPr>
@@ -1797,7 +1797,7 @@
           <p:cNvPr id="7" name="날짜 개체 틀 6">
             <a:extLst>
               <a:ext uri="{FF2B5EF4-FFF2-40B4-BE49-F238E27FC236}">
-                <a16:creationId xmlns="" xmlns:a16="http://schemas.microsoft.com/office/drawing/2014/main" id="{E1E6C05D-D90B-40BD-A788-3E6B0CAAF589}"/>
+                <a16:creationId xmlns:a16="http://schemas.microsoft.com/office/drawing/2014/main" xmlns="" id="{E1E6C05D-D90B-40BD-A788-3E6B0CAAF589}"/>
               </a:ext>
             </a:extLst>
           </p:cNvPr>
@@ -1826,7 +1826,7 @@
           <p:cNvPr id="8" name="바닥글 개체 틀 7">
             <a:extLst>
               <a:ext uri="{FF2B5EF4-FFF2-40B4-BE49-F238E27FC236}">
-                <a16:creationId xmlns="" xmlns:a16="http://schemas.microsoft.com/office/drawing/2014/main" id="{92A330DA-8A57-446E-82F0-6213E5B7008B}"/>
+                <a16:creationId xmlns:a16="http://schemas.microsoft.com/office/drawing/2014/main" xmlns="" id="{92A330DA-8A57-446E-82F0-6213E5B7008B}"/>
               </a:ext>
             </a:extLst>
           </p:cNvPr>
@@ -1851,7 +1851,7 @@
           <p:cNvPr id="9" name="슬라이드 번호 개체 틀 8">
             <a:extLst>
               <a:ext uri="{FF2B5EF4-FFF2-40B4-BE49-F238E27FC236}">
-                <a16:creationId xmlns="" xmlns:a16="http://schemas.microsoft.com/office/drawing/2014/main" id="{319BE11D-71D0-4A41-A374-9663D7690536}"/>
+                <a16:creationId xmlns:a16="http://schemas.microsoft.com/office/drawing/2014/main" xmlns="" id="{319BE11D-71D0-4A41-A374-9663D7690536}"/>
               </a:ext>
             </a:extLst>
           </p:cNvPr>
@@ -1910,7 +1910,7 @@
           <p:cNvPr id="2" name="제목 1">
             <a:extLst>
               <a:ext uri="{FF2B5EF4-FFF2-40B4-BE49-F238E27FC236}">
-                <a16:creationId xmlns="" xmlns:a16="http://schemas.microsoft.com/office/drawing/2014/main" id="{1BD63754-3DD4-48B0-AE43-31CE7464971A}"/>
+                <a16:creationId xmlns:a16="http://schemas.microsoft.com/office/drawing/2014/main" xmlns="" id="{1BD63754-3DD4-48B0-AE43-31CE7464971A}"/>
               </a:ext>
             </a:extLst>
           </p:cNvPr>
@@ -1938,7 +1938,7 @@
           <p:cNvPr id="3" name="날짜 개체 틀 2">
             <a:extLst>
               <a:ext uri="{FF2B5EF4-FFF2-40B4-BE49-F238E27FC236}">
-                <a16:creationId xmlns="" xmlns:a16="http://schemas.microsoft.com/office/drawing/2014/main" id="{5118F6CD-4955-4CCA-9A08-6D2985CDDD5F}"/>
+                <a16:creationId xmlns:a16="http://schemas.microsoft.com/office/drawing/2014/main" xmlns="" id="{5118F6CD-4955-4CCA-9A08-6D2985CDDD5F}"/>
               </a:ext>
             </a:extLst>
           </p:cNvPr>
@@ -1967,7 +1967,7 @@
           <p:cNvPr id="4" name="바닥글 개체 틀 3">
             <a:extLst>
               <a:ext uri="{FF2B5EF4-FFF2-40B4-BE49-F238E27FC236}">
-                <a16:creationId xmlns="" xmlns:a16="http://schemas.microsoft.com/office/drawing/2014/main" id="{6FFFE331-316E-4FDA-B823-0F5415EC817A}"/>
+                <a16:creationId xmlns:a16="http://schemas.microsoft.com/office/drawing/2014/main" xmlns="" id="{6FFFE331-316E-4FDA-B823-0F5415EC817A}"/>
               </a:ext>
             </a:extLst>
           </p:cNvPr>
@@ -1992,7 +1992,7 @@
           <p:cNvPr id="5" name="슬라이드 번호 개체 틀 4">
             <a:extLst>
               <a:ext uri="{FF2B5EF4-FFF2-40B4-BE49-F238E27FC236}">
-                <a16:creationId xmlns="" xmlns:a16="http://schemas.microsoft.com/office/drawing/2014/main" id="{BFBCB44E-E20E-4FE5-9F36-E4873B2D7214}"/>
+                <a16:creationId xmlns:a16="http://schemas.microsoft.com/office/drawing/2014/main" xmlns="" id="{BFBCB44E-E20E-4FE5-9F36-E4873B2D7214}"/>
               </a:ext>
             </a:extLst>
           </p:cNvPr>
@@ -2051,7 +2051,7 @@
           <p:cNvPr id="2" name="날짜 개체 틀 1">
             <a:extLst>
               <a:ext uri="{FF2B5EF4-FFF2-40B4-BE49-F238E27FC236}">
-                <a16:creationId xmlns="" xmlns:a16="http://schemas.microsoft.com/office/drawing/2014/main" id="{F149E85E-9FB0-4D6A-B05F-281805E3B569}"/>
+                <a16:creationId xmlns:a16="http://schemas.microsoft.com/office/drawing/2014/main" xmlns="" id="{F149E85E-9FB0-4D6A-B05F-281805E3B569}"/>
               </a:ext>
             </a:extLst>
           </p:cNvPr>
@@ -2080,7 +2080,7 @@
           <p:cNvPr id="3" name="바닥글 개체 틀 2">
             <a:extLst>
               <a:ext uri="{FF2B5EF4-FFF2-40B4-BE49-F238E27FC236}">
-                <a16:creationId xmlns="" xmlns:a16="http://schemas.microsoft.com/office/drawing/2014/main" id="{0BA2D510-EF27-4C47-9AC6-83F56C7721F8}"/>
+                <a16:creationId xmlns:a16="http://schemas.microsoft.com/office/drawing/2014/main" xmlns="" id="{0BA2D510-EF27-4C47-9AC6-83F56C7721F8}"/>
               </a:ext>
             </a:extLst>
           </p:cNvPr>
@@ -2105,7 +2105,7 @@
           <p:cNvPr id="4" name="슬라이드 번호 개체 틀 3">
             <a:extLst>
               <a:ext uri="{FF2B5EF4-FFF2-40B4-BE49-F238E27FC236}">
-                <a16:creationId xmlns="" xmlns:a16="http://schemas.microsoft.com/office/drawing/2014/main" id="{541696B9-C94C-4284-AF3E-DFB2C90CA59E}"/>
+                <a16:creationId xmlns:a16="http://schemas.microsoft.com/office/drawing/2014/main" xmlns="" id="{541696B9-C94C-4284-AF3E-DFB2C90CA59E}"/>
               </a:ext>
             </a:extLst>
           </p:cNvPr>
@@ -2164,7 +2164,7 @@
           <p:cNvPr id="2" name="제목 1">
             <a:extLst>
               <a:ext uri="{FF2B5EF4-FFF2-40B4-BE49-F238E27FC236}">
-                <a16:creationId xmlns="" xmlns:a16="http://schemas.microsoft.com/office/drawing/2014/main" id="{6D0128B9-D37C-4665-82B0-B7029CF43239}"/>
+                <a16:creationId xmlns:a16="http://schemas.microsoft.com/office/drawing/2014/main" xmlns="" id="{6D0128B9-D37C-4665-82B0-B7029CF43239}"/>
               </a:ext>
             </a:extLst>
           </p:cNvPr>
@@ -2201,7 +2201,7 @@
           <p:cNvPr id="3" name="내용 개체 틀 2">
             <a:extLst>
               <a:ext uri="{FF2B5EF4-FFF2-40B4-BE49-F238E27FC236}">
-                <a16:creationId xmlns="" xmlns:a16="http://schemas.microsoft.com/office/drawing/2014/main" id="{44605527-4E96-4904-A6B2-8622C9593818}"/>
+                <a16:creationId xmlns:a16="http://schemas.microsoft.com/office/drawing/2014/main" xmlns="" id="{44605527-4E96-4904-A6B2-8622C9593818}"/>
               </a:ext>
             </a:extLst>
           </p:cNvPr>
@@ -2291,7 +2291,7 @@
           <p:cNvPr id="4" name="텍스트 개체 틀 3">
             <a:extLst>
               <a:ext uri="{FF2B5EF4-FFF2-40B4-BE49-F238E27FC236}">
-                <a16:creationId xmlns="" xmlns:a16="http://schemas.microsoft.com/office/drawing/2014/main" id="{8F31B321-590E-4BCA-8998-60BC0A7C7C6F}"/>
+                <a16:creationId xmlns:a16="http://schemas.microsoft.com/office/drawing/2014/main" xmlns="" id="{8F31B321-590E-4BCA-8998-60BC0A7C7C6F}"/>
               </a:ext>
             </a:extLst>
           </p:cNvPr>
@@ -2362,7 +2362,7 @@
           <p:cNvPr id="5" name="날짜 개체 틀 4">
             <a:extLst>
               <a:ext uri="{FF2B5EF4-FFF2-40B4-BE49-F238E27FC236}">
-                <a16:creationId xmlns="" xmlns:a16="http://schemas.microsoft.com/office/drawing/2014/main" id="{1CF7311C-C7E7-4F04-9479-43845C862DF7}"/>
+                <a16:creationId xmlns:a16="http://schemas.microsoft.com/office/drawing/2014/main" xmlns="" id="{1CF7311C-C7E7-4F04-9479-43845C862DF7}"/>
               </a:ext>
             </a:extLst>
           </p:cNvPr>
@@ -2391,7 +2391,7 @@
           <p:cNvPr id="6" name="바닥글 개체 틀 5">
             <a:extLst>
               <a:ext uri="{FF2B5EF4-FFF2-40B4-BE49-F238E27FC236}">
-                <a16:creationId xmlns="" xmlns:a16="http://schemas.microsoft.com/office/drawing/2014/main" id="{E12F5C9B-82C0-4359-A13D-DB40DE35BBD3}"/>
+                <a16:creationId xmlns:a16="http://schemas.microsoft.com/office/drawing/2014/main" xmlns="" id="{E12F5C9B-82C0-4359-A13D-DB40DE35BBD3}"/>
               </a:ext>
             </a:extLst>
           </p:cNvPr>
@@ -2416,7 +2416,7 @@
           <p:cNvPr id="7" name="슬라이드 번호 개체 틀 6">
             <a:extLst>
               <a:ext uri="{FF2B5EF4-FFF2-40B4-BE49-F238E27FC236}">
-                <a16:creationId xmlns="" xmlns:a16="http://schemas.microsoft.com/office/drawing/2014/main" id="{085CA861-7EE0-43CD-9E3A-9144CA36D8DD}"/>
+                <a16:creationId xmlns:a16="http://schemas.microsoft.com/office/drawing/2014/main" xmlns="" id="{085CA861-7EE0-43CD-9E3A-9144CA36D8DD}"/>
               </a:ext>
             </a:extLst>
           </p:cNvPr>
@@ -2475,7 +2475,7 @@
           <p:cNvPr id="2" name="제목 1">
             <a:extLst>
               <a:ext uri="{FF2B5EF4-FFF2-40B4-BE49-F238E27FC236}">
-                <a16:creationId xmlns="" xmlns:a16="http://schemas.microsoft.com/office/drawing/2014/main" id="{BA1255EE-8429-41C5-9E1B-58DBB7AD77FA}"/>
+                <a16:creationId xmlns:a16="http://schemas.microsoft.com/office/drawing/2014/main" xmlns="" id="{BA1255EE-8429-41C5-9E1B-58DBB7AD77FA}"/>
               </a:ext>
             </a:extLst>
           </p:cNvPr>
@@ -2512,7 +2512,7 @@
           <p:cNvPr id="3" name="그림 개체 틀 2">
             <a:extLst>
               <a:ext uri="{FF2B5EF4-FFF2-40B4-BE49-F238E27FC236}">
-                <a16:creationId xmlns="" xmlns:a16="http://schemas.microsoft.com/office/drawing/2014/main" id="{32BC6078-6693-4173-B484-D9A3DB6CCB8F}"/>
+                <a16:creationId xmlns:a16="http://schemas.microsoft.com/office/drawing/2014/main" xmlns="" id="{32BC6078-6693-4173-B484-D9A3DB6CCB8F}"/>
               </a:ext>
             </a:extLst>
           </p:cNvPr>
@@ -2579,7 +2579,7 @@
           <p:cNvPr id="4" name="텍스트 개체 틀 3">
             <a:extLst>
               <a:ext uri="{FF2B5EF4-FFF2-40B4-BE49-F238E27FC236}">
-                <a16:creationId xmlns="" xmlns:a16="http://schemas.microsoft.com/office/drawing/2014/main" id="{343F604B-6B24-4228-A21A-665074087735}"/>
+                <a16:creationId xmlns:a16="http://schemas.microsoft.com/office/drawing/2014/main" xmlns="" id="{343F604B-6B24-4228-A21A-665074087735}"/>
               </a:ext>
             </a:extLst>
           </p:cNvPr>
@@ -2650,7 +2650,7 @@
           <p:cNvPr id="5" name="날짜 개체 틀 4">
             <a:extLst>
               <a:ext uri="{FF2B5EF4-FFF2-40B4-BE49-F238E27FC236}">
-                <a16:creationId xmlns="" xmlns:a16="http://schemas.microsoft.com/office/drawing/2014/main" id="{C024A9A6-F061-42B3-897F-689BD4920E2A}"/>
+                <a16:creationId xmlns:a16="http://schemas.microsoft.com/office/drawing/2014/main" xmlns="" id="{C024A9A6-F061-42B3-897F-689BD4920E2A}"/>
               </a:ext>
             </a:extLst>
           </p:cNvPr>
@@ -2679,7 +2679,7 @@
           <p:cNvPr id="6" name="바닥글 개체 틀 5">
             <a:extLst>
               <a:ext uri="{FF2B5EF4-FFF2-40B4-BE49-F238E27FC236}">
-                <a16:creationId xmlns="" xmlns:a16="http://schemas.microsoft.com/office/drawing/2014/main" id="{3485ED0B-5CDC-4243-88F7-F16156F99B1E}"/>
+                <a16:creationId xmlns:a16="http://schemas.microsoft.com/office/drawing/2014/main" xmlns="" id="{3485ED0B-5CDC-4243-88F7-F16156F99B1E}"/>
               </a:ext>
             </a:extLst>
           </p:cNvPr>
@@ -2704,7 +2704,7 @@
           <p:cNvPr id="7" name="슬라이드 번호 개체 틀 6">
             <a:extLst>
               <a:ext uri="{FF2B5EF4-FFF2-40B4-BE49-F238E27FC236}">
-                <a16:creationId xmlns="" xmlns:a16="http://schemas.microsoft.com/office/drawing/2014/main" id="{383D4234-91E5-4D1F-86FC-2172F3B26AE2}"/>
+                <a16:creationId xmlns:a16="http://schemas.microsoft.com/office/drawing/2014/main" xmlns="" id="{383D4234-91E5-4D1F-86FC-2172F3B26AE2}"/>
               </a:ext>
             </a:extLst>
           </p:cNvPr>
@@ -2768,7 +2768,7 @@
           <p:cNvPr id="2" name="제목 개체 틀 1">
             <a:extLst>
               <a:ext uri="{FF2B5EF4-FFF2-40B4-BE49-F238E27FC236}">
-                <a16:creationId xmlns="" xmlns:a16="http://schemas.microsoft.com/office/drawing/2014/main" id="{D083DC12-01C9-4E8E-B22A-FF059DD3E181}"/>
+                <a16:creationId xmlns:a16="http://schemas.microsoft.com/office/drawing/2014/main" xmlns="" id="{D083DC12-01C9-4E8E-B22A-FF059DD3E181}"/>
               </a:ext>
             </a:extLst>
           </p:cNvPr>
@@ -2806,7 +2806,7 @@
           <p:cNvPr id="3" name="텍스트 개체 틀 2">
             <a:extLst>
               <a:ext uri="{FF2B5EF4-FFF2-40B4-BE49-F238E27FC236}">
-                <a16:creationId xmlns="" xmlns:a16="http://schemas.microsoft.com/office/drawing/2014/main" id="{FBF310E0-44DD-4B51-843A-CD4025EBDF0D}"/>
+                <a16:creationId xmlns:a16="http://schemas.microsoft.com/office/drawing/2014/main" xmlns="" id="{FBF310E0-44DD-4B51-843A-CD4025EBDF0D}"/>
               </a:ext>
             </a:extLst>
           </p:cNvPr>
@@ -2873,7 +2873,7 @@
           <p:cNvPr id="4" name="날짜 개체 틀 3">
             <a:extLst>
               <a:ext uri="{FF2B5EF4-FFF2-40B4-BE49-F238E27FC236}">
-                <a16:creationId xmlns="" xmlns:a16="http://schemas.microsoft.com/office/drawing/2014/main" id="{581B4236-D507-466A-AF70-992AD57A84D1}"/>
+                <a16:creationId xmlns:a16="http://schemas.microsoft.com/office/drawing/2014/main" xmlns="" id="{581B4236-D507-466A-AF70-992AD57A84D1}"/>
               </a:ext>
             </a:extLst>
           </p:cNvPr>
@@ -2920,7 +2920,7 @@
           <p:cNvPr id="5" name="바닥글 개체 틀 4">
             <a:extLst>
               <a:ext uri="{FF2B5EF4-FFF2-40B4-BE49-F238E27FC236}">
-                <a16:creationId xmlns="" xmlns:a16="http://schemas.microsoft.com/office/drawing/2014/main" id="{E4E12799-AC88-4344-94E8-D9A34CC68A77}"/>
+                <a16:creationId xmlns:a16="http://schemas.microsoft.com/office/drawing/2014/main" xmlns="" id="{E4E12799-AC88-4344-94E8-D9A34CC68A77}"/>
               </a:ext>
             </a:extLst>
           </p:cNvPr>
@@ -2963,7 +2963,7 @@
           <p:cNvPr id="6" name="슬라이드 번호 개체 틀 5">
             <a:extLst>
               <a:ext uri="{FF2B5EF4-FFF2-40B4-BE49-F238E27FC236}">
-                <a16:creationId xmlns="" xmlns:a16="http://schemas.microsoft.com/office/drawing/2014/main" id="{7DB528A9-39F2-4A16-9C88-78DAE1B9433F}"/>
+                <a16:creationId xmlns:a16="http://schemas.microsoft.com/office/drawing/2014/main" xmlns="" id="{7DB528A9-39F2-4A16-9C88-78DAE1B9433F}"/>
               </a:ext>
             </a:extLst>
           </p:cNvPr>
@@ -3331,7 +3331,7 @@
           <p:cNvPr id="4" name="표 3">
             <a:extLst>
               <a:ext uri="{FF2B5EF4-FFF2-40B4-BE49-F238E27FC236}">
-                <a16:creationId xmlns="" xmlns:a16="http://schemas.microsoft.com/office/drawing/2014/main" id="{C4E80E41-2EE6-4421-B2AC-92D2C4C05599}"/>
+                <a16:creationId xmlns:a16="http://schemas.microsoft.com/office/drawing/2014/main" xmlns="" id="{C4E80E41-2EE6-4421-B2AC-92D2C4C05599}"/>
               </a:ext>
             </a:extLst>
           </p:cNvPr>
@@ -3341,87 +3341,80 @@
           <p:nvPr>
             <p:extLst>
               <p:ext uri="{D42A27DB-BD31-4B8C-83A1-F6EECF244321}">
-                <p14:modId xmlns:p14="http://schemas.microsoft.com/office/powerpoint/2010/main" val="3707386459"/>
+                <p14:modId xmlns:p14="http://schemas.microsoft.com/office/powerpoint/2010/main" val="2797946887"/>
               </p:ext>
             </p:extLst>
           </p:nvPr>
         </p:nvGraphicFramePr>
         <p:xfrm>
           <a:off x="3506730" y="334494"/>
-          <a:ext cx="5417137" cy="6953691"/>
+          <a:ext cx="4853498" cy="6817682"/>
         </p:xfrm>
         <a:graphic>
           <a:graphicData uri="http://schemas.openxmlformats.org/drawingml/2006/table">
             <a:tbl>
               <a:tblPr/>
               <a:tblGrid>
-                <a:gridCol w="388831">
+                <a:gridCol w="404664">
                   <a:extLst>
                     <a:ext uri="{9D8B030D-6E8A-4147-A177-3AD203B41FA5}">
-                      <a16:colId xmlns="" xmlns:a16="http://schemas.microsoft.com/office/drawing/2014/main" val="1158775166"/>
+                      <a16:colId xmlns:a16="http://schemas.microsoft.com/office/drawing/2014/main" xmlns="" val="1158775166"/>
                     </a:ext>
                   </a:extLst>
                 </a:gridCol>
-                <a:gridCol w="369222">
+                <a:gridCol w="384256">
                   <a:extLst>
                     <a:ext uri="{9D8B030D-6E8A-4147-A177-3AD203B41FA5}">
-                      <a16:colId xmlns="" xmlns:a16="http://schemas.microsoft.com/office/drawing/2014/main" val="2043008770"/>
+                      <a16:colId xmlns:a16="http://schemas.microsoft.com/office/drawing/2014/main" xmlns="" val="2043008770"/>
                     </a:ext>
                   </a:extLst>
                 </a:gridCol>
-                <a:gridCol w="369222">
+                <a:gridCol w="384256">
                   <a:extLst>
                     <a:ext uri="{9D8B030D-6E8A-4147-A177-3AD203B41FA5}">
-                      <a16:colId xmlns="" xmlns:a16="http://schemas.microsoft.com/office/drawing/2014/main" val="563148870"/>
+                      <a16:colId xmlns:a16="http://schemas.microsoft.com/office/drawing/2014/main" xmlns="" val="563148870"/>
                     </a:ext>
                   </a:extLst>
                 </a:gridCol>
-                <a:gridCol w="499798">
+                <a:gridCol w="520149">
                   <a:extLst>
                     <a:ext uri="{9D8B030D-6E8A-4147-A177-3AD203B41FA5}">
-                      <a16:colId xmlns="" xmlns:a16="http://schemas.microsoft.com/office/drawing/2014/main" val="3860621261"/>
+                      <a16:colId xmlns:a16="http://schemas.microsoft.com/office/drawing/2014/main" xmlns="" val="3860621261"/>
                     </a:ext>
                   </a:extLst>
                 </a:gridCol>
-                <a:gridCol w="405208">
+                <a:gridCol w="421708">
                   <a:extLst>
                     <a:ext uri="{9D8B030D-6E8A-4147-A177-3AD203B41FA5}">
-                      <a16:colId xmlns="" xmlns:a16="http://schemas.microsoft.com/office/drawing/2014/main" val="4109762151"/>
+                      <a16:colId xmlns:a16="http://schemas.microsoft.com/office/drawing/2014/main" xmlns="" val="4109762151"/>
                     </a:ext>
                   </a:extLst>
                 </a:gridCol>
-                <a:gridCol w="499798">
+                <a:gridCol w="520149">
                   <a:extLst>
                     <a:ext uri="{9D8B030D-6E8A-4147-A177-3AD203B41FA5}">
-                      <a16:colId xmlns="" xmlns:a16="http://schemas.microsoft.com/office/drawing/2014/main" val="2003688482"/>
+                      <a16:colId xmlns:a16="http://schemas.microsoft.com/office/drawing/2014/main" xmlns="" val="2003688482"/>
                     </a:ext>
                   </a:extLst>
                 </a:gridCol>
-                <a:gridCol w="493002">
+                <a:gridCol w="513076">
                   <a:extLst>
                     <a:ext uri="{9D8B030D-6E8A-4147-A177-3AD203B41FA5}">
-                      <a16:colId xmlns="" xmlns:a16="http://schemas.microsoft.com/office/drawing/2014/main" val="3961368747"/>
+                      <a16:colId xmlns:a16="http://schemas.microsoft.com/office/drawing/2014/main" xmlns="" val="3961368747"/>
                     </a:ext>
                   </a:extLst>
                 </a:gridCol>
-                <a:gridCol w="1003522">
+                <a:gridCol w="1044384">
                   <a:extLst>
                     <a:ext uri="{9D8B030D-6E8A-4147-A177-3AD203B41FA5}">
-                      <a16:colId xmlns="" xmlns:a16="http://schemas.microsoft.com/office/drawing/2014/main" val="1959172409"/>
+                      <a16:colId xmlns:a16="http://schemas.microsoft.com/office/drawing/2014/main" xmlns="" val="1959172409"/>
                     </a:ext>
                   </a:extLst>
                 </a:gridCol>
-                <a:gridCol w="635000">
+                <a:gridCol w="660856">
                   <a:extLst>
                     <a:ext uri="{9D8B030D-6E8A-4147-A177-3AD203B41FA5}">
-                      <a16:colId xmlns="" xmlns:a16="http://schemas.microsoft.com/office/drawing/2014/main" val="4223562706"/>
-                    </a:ext>
-                  </a:extLst>
-                </a:gridCol>
-                <a:gridCol w="753534">
-                  <a:extLst>
-                    <a:ext uri="{9D8B030D-6E8A-4147-A177-3AD203B41FA5}">
-                      <a16:colId xmlns="" xmlns:a16="http://schemas.microsoft.com/office/drawing/2014/main" val="3656873726"/>
+                      <a16:colId xmlns:a16="http://schemas.microsoft.com/office/drawing/2014/main" xmlns="" val="4223562706"/>
                     </a:ext>
                   </a:extLst>
                 </a:gridCol>
@@ -4316,7 +4309,7 @@
                         </a:spcAft>
                       </a:pPr>
                       <a:r>
-                        <a:rPr lang="en-US" altLang="ko-KR" sz="1100" b="1" kern="0" spc="-180" dirty="0">
+                        <a:rPr lang="en-US" altLang="ko-KR" sz="1100" b="1" kern="0" spc="-180" dirty="0" smtClean="0">
                           <a:solidFill>
                             <a:srgbClr val="000000"/>
                           </a:solidFill>
@@ -4324,10 +4317,10 @@
                           <a:latin typeface="나눔바른고딕" panose="020B0603020101020101" pitchFamily="50" charset="-127"/>
                           <a:ea typeface="나눔바른고딕" panose="020B0603020101020101" pitchFamily="50" charset="-127"/>
                         </a:rPr>
-                        <a:t>(1,318</a:t>
+                        <a:t>(956</a:t>
                       </a:r>
                       <a:r>
-                        <a:rPr lang="ko-KR" altLang="en-US" sz="1100" b="1" kern="0" spc="-180" dirty="0">
+                        <a:rPr lang="ko-KR" altLang="en-US" sz="1100" b="1" kern="0" spc="-180" dirty="0" smtClean="0">
                           <a:solidFill>
                             <a:srgbClr val="000000"/>
                           </a:solidFill>
@@ -4410,130 +4403,9 @@
                     </a:solidFill>
                   </a:tcPr>
                 </a:tc>
-                <a:tc>
-                  <a:txBody>
-                    <a:bodyPr/>
-                    <a:lstStyle/>
-                    <a:p>
-                      <a:pPr marL="0" marR="0" indent="0" algn="ctr" fontAlgn="base" latinLnBrk="0">
-                        <a:lnSpc>
-                          <a:spcPct val="130000"/>
-                        </a:lnSpc>
-                        <a:spcBef>
-                          <a:spcPts val="0"/>
-                        </a:spcBef>
-                        <a:spcAft>
-                          <a:spcPts val="0"/>
-                        </a:spcAft>
-                      </a:pPr>
-                      <a:r>
-                        <a:rPr lang="ko-KR" altLang="en-US" sz="1100" b="1" kern="0" spc="-180" dirty="0">
-                          <a:solidFill>
-                            <a:srgbClr val="000000"/>
-                          </a:solidFill>
-                          <a:effectLst/>
-                          <a:latin typeface="나눔바른고딕" panose="020B0603020101020101" pitchFamily="50" charset="-127"/>
-                          <a:ea typeface="나눔바른고딕" panose="020B0603020101020101" pitchFamily="50" charset="-127"/>
-                        </a:rPr>
-                        <a:t>접촉자중</a:t>
-                      </a:r>
-                      <a:endParaRPr lang="ko-KR" altLang="en-US" sz="1050" kern="0" spc="0" dirty="0">
-                        <a:solidFill>
-                          <a:srgbClr val="000000"/>
-                        </a:solidFill>
-                        <a:effectLst/>
-                        <a:latin typeface="나눔바른고딕" panose="020B0603020101020101" pitchFamily="50" charset="-127"/>
-                        <a:ea typeface="나눔바른고딕" panose="020B0603020101020101" pitchFamily="50" charset="-127"/>
-                      </a:endParaRPr>
-                    </a:p>
-                    <a:p>
-                      <a:pPr marL="0" marR="0" indent="0" algn="ctr" fontAlgn="base" latinLnBrk="0">
-                        <a:lnSpc>
-                          <a:spcPct val="130000"/>
-                        </a:lnSpc>
-                        <a:spcBef>
-                          <a:spcPts val="0"/>
-                        </a:spcBef>
-                        <a:spcAft>
-                          <a:spcPts val="0"/>
-                        </a:spcAft>
-                      </a:pPr>
-                      <a:r>
-                        <a:rPr lang="ko-KR" altLang="en-US" sz="1100" b="1" kern="0" spc="-180" dirty="0">
-                          <a:solidFill>
-                            <a:srgbClr val="000000"/>
-                          </a:solidFill>
-                          <a:effectLst/>
-                          <a:latin typeface="나눔바른고딕" panose="020B0603020101020101" pitchFamily="50" charset="-127"/>
-                          <a:ea typeface="나눔바른고딕" panose="020B0603020101020101" pitchFamily="50" charset="-127"/>
-                        </a:rPr>
-                        <a:t>검사결과</a:t>
-                      </a:r>
-                      <a:endParaRPr lang="ko-KR" altLang="en-US" sz="1050" kern="0" spc="0" dirty="0">
-                        <a:solidFill>
-                          <a:srgbClr val="000000"/>
-                        </a:solidFill>
-                        <a:effectLst/>
-                        <a:latin typeface="나눔바른고딕" panose="020B0603020101020101" pitchFamily="50" charset="-127"/>
-                        <a:ea typeface="나눔바른고딕" panose="020B0603020101020101" pitchFamily="50" charset="-127"/>
-                      </a:endParaRPr>
-                    </a:p>
-                  </a:txBody>
-                  <a:tcPr marL="56821" marR="56821" marT="15709" marB="15709" anchor="ctr">
-                    <a:lnL w="12700" cap="flat" cmpd="sng" algn="ctr">
-                      <a:solidFill>
-                        <a:schemeClr val="bg1">
-                          <a:lumMod val="50000"/>
-                        </a:schemeClr>
-                      </a:solidFill>
-                      <a:prstDash val="solid"/>
-                      <a:round/>
-                      <a:headEnd type="none" w="med" len="med"/>
-                      <a:tailEnd type="none" w="med" len="med"/>
-                    </a:lnL>
-                    <a:lnR w="12700" cap="flat" cmpd="sng" algn="ctr">
-                      <a:solidFill>
-                        <a:schemeClr val="bg1">
-                          <a:lumMod val="50000"/>
-                        </a:schemeClr>
-                      </a:solidFill>
-                      <a:prstDash val="solid"/>
-                      <a:round/>
-                      <a:headEnd type="none" w="med" len="med"/>
-                      <a:tailEnd type="none" w="med" len="med"/>
-                    </a:lnR>
-                    <a:lnT w="12700" cap="flat" cmpd="sng" algn="ctr">
-                      <a:solidFill>
-                        <a:schemeClr val="bg1">
-                          <a:lumMod val="50000"/>
-                        </a:schemeClr>
-                      </a:solidFill>
-                      <a:prstDash val="solid"/>
-                      <a:round/>
-                      <a:headEnd type="none" w="med" len="med"/>
-                      <a:tailEnd type="none" w="med" len="med"/>
-                    </a:lnT>
-                    <a:lnB w="12700" cap="flat" cmpd="sng" algn="ctr">
-                      <a:solidFill>
-                        <a:schemeClr val="bg1">
-                          <a:lumMod val="50000"/>
-                        </a:schemeClr>
-                      </a:solidFill>
-                      <a:prstDash val="solid"/>
-                      <a:round/>
-                      <a:headEnd type="none" w="med" len="med"/>
-                      <a:tailEnd type="none" w="med" len="med"/>
-                    </a:lnB>
-                    <a:solidFill>
-                      <a:schemeClr val="bg1">
-                        <a:alpha val="50000"/>
-                      </a:schemeClr>
-                    </a:solidFill>
-                  </a:tcPr>
-                </a:tc>
                 <a:extLst>
                   <a:ext uri="{0D108BD9-81ED-4DB2-BD59-A6C34878D82A}">
-                    <a16:rowId xmlns="" xmlns:a16="http://schemas.microsoft.com/office/drawing/2014/main" val="1915782648"/>
+                    <a16:rowId xmlns:a16="http://schemas.microsoft.com/office/drawing/2014/main" xmlns="" val="1915782648"/>
                   </a:ext>
                 </a:extLst>
               </a:tr>
@@ -5169,7 +5041,7 @@
                         </a:spcAft>
                       </a:pPr>
                       <a:r>
-                        <a:rPr lang="ko-KR" altLang="en-US" sz="1000" kern="0" spc="0" dirty="0">
+                        <a:rPr lang="ko-KR" altLang="en-US" sz="1000" b="1" kern="0" spc="0" dirty="0">
                           <a:solidFill>
                             <a:schemeClr val="bg1">
                               <a:lumMod val="75000"/>
@@ -5178,6 +5050,7 @@
                           <a:effectLst/>
                           <a:latin typeface="나눔바른고딕" panose="020B0603020101020101" pitchFamily="50" charset="-127"/>
                           <a:ea typeface="나눔바른고딕" panose="020B0603020101020101" pitchFamily="50" charset="-127"/>
+                          <a:cs typeface="+mn-cs"/>
                         </a:rPr>
                         <a:t>인천의료원</a:t>
                       </a:r>
@@ -5248,7 +5121,7 @@
                         </a:spcAft>
                       </a:pPr>
                       <a:r>
-                        <a:rPr lang="en-US" sz="1050" kern="0" spc="0">
+                        <a:rPr lang="en-US" sz="1050" kern="0" spc="0" dirty="0">
                           <a:solidFill>
                             <a:schemeClr val="bg1">
                               <a:lumMod val="75000"/>
@@ -5310,101 +5183,9 @@
                     <a:noFill/>
                   </a:tcPr>
                 </a:tc>
-                <a:tc>
-                  <a:txBody>
-                    <a:bodyPr/>
-                    <a:lstStyle/>
-                    <a:p>
-                      <a:pPr marL="0" marR="0" indent="0" algn="ctr" fontAlgn="base" latinLnBrk="0">
-                        <a:lnSpc>
-                          <a:spcPct val="100000"/>
-                        </a:lnSpc>
-                        <a:spcBef>
-                          <a:spcPts val="0"/>
-                        </a:spcBef>
-                        <a:spcAft>
-                          <a:spcPts val="0"/>
-                        </a:spcAft>
-                      </a:pPr>
-                      <a:r>
-                        <a:rPr lang="en-US" altLang="ko-KR" sz="1050" kern="0" spc="0" dirty="0">
-                          <a:solidFill>
-                            <a:schemeClr val="bg1">
-                              <a:lumMod val="75000"/>
-                            </a:schemeClr>
-                          </a:solidFill>
-                          <a:effectLst/>
-                          <a:latin typeface="나눔바른고딕" panose="020B0603020101020101" pitchFamily="50" charset="-127"/>
-                          <a:ea typeface="나눔바른고딕" panose="020B0603020101020101" pitchFamily="50" charset="-127"/>
-                        </a:rPr>
-                        <a:t>4</a:t>
-                      </a:r>
-                      <a:r>
-                        <a:rPr lang="ko-KR" altLang="en-US" sz="1050" kern="0" spc="0" dirty="0">
-                          <a:solidFill>
-                            <a:schemeClr val="bg1">
-                              <a:lumMod val="75000"/>
-                            </a:schemeClr>
-                          </a:solidFill>
-                          <a:effectLst/>
-                          <a:latin typeface="나눔바른고딕" panose="020B0603020101020101" pitchFamily="50" charset="-127"/>
-                          <a:ea typeface="나눔바른고딕" panose="020B0603020101020101" pitchFamily="50" charset="-127"/>
-                        </a:rPr>
-                        <a:t>명 음성</a:t>
-                      </a:r>
-                    </a:p>
-                  </a:txBody>
-                  <a:tcPr marL="36000" marR="36000" marT="15709" marB="15709" anchor="ctr">
-                    <a:lnL w="12700" cap="flat" cmpd="sng" algn="ctr">
-                      <a:solidFill>
-                        <a:schemeClr val="bg1">
-                          <a:lumMod val="50000"/>
-                        </a:schemeClr>
-                      </a:solidFill>
-                      <a:prstDash val="solid"/>
-                      <a:round/>
-                      <a:headEnd type="none" w="med" len="med"/>
-                      <a:tailEnd type="none" w="med" len="med"/>
-                    </a:lnL>
-                    <a:lnR w="12700" cap="flat" cmpd="sng" algn="ctr">
-                      <a:solidFill>
-                        <a:schemeClr val="bg1">
-                          <a:lumMod val="50000"/>
-                        </a:schemeClr>
-                      </a:solidFill>
-                      <a:prstDash val="solid"/>
-                      <a:round/>
-                      <a:headEnd type="none" w="med" len="med"/>
-                      <a:tailEnd type="none" w="med" len="med"/>
-                    </a:lnR>
-                    <a:lnT w="12700" cap="flat" cmpd="sng" algn="ctr">
-                      <a:solidFill>
-                        <a:schemeClr val="bg1">
-                          <a:lumMod val="50000"/>
-                        </a:schemeClr>
-                      </a:solidFill>
-                      <a:prstDash val="solid"/>
-                      <a:round/>
-                      <a:headEnd type="none" w="med" len="med"/>
-                      <a:tailEnd type="none" w="med" len="med"/>
-                    </a:lnT>
-                    <a:lnB w="12700" cap="flat" cmpd="sng" algn="ctr">
-                      <a:solidFill>
-                        <a:schemeClr val="bg1">
-                          <a:lumMod val="50000"/>
-                        </a:schemeClr>
-                      </a:solidFill>
-                      <a:prstDash val="solid"/>
-                      <a:round/>
-                      <a:headEnd type="none" w="med" len="med"/>
-                      <a:tailEnd type="none" w="med" len="med"/>
-                    </a:lnB>
-                    <a:noFill/>
-                  </a:tcPr>
-                </a:tc>
                 <a:extLst>
                   <a:ext uri="{0D108BD9-81ED-4DB2-BD59-A6C34878D82A}">
-                    <a16:rowId xmlns="" xmlns:a16="http://schemas.microsoft.com/office/drawing/2014/main" val="3142838666"/>
+                    <a16:rowId xmlns:a16="http://schemas.microsoft.com/office/drawing/2014/main" xmlns="" val="3142838666"/>
                   </a:ext>
                 </a:extLst>
               </a:tr>
@@ -6040,7 +5821,7 @@
                         </a:spcAft>
                       </a:pPr>
                       <a:r>
-                        <a:rPr lang="ko-KR" altLang="en-US" sz="1000" kern="0" spc="0" dirty="0" smtClean="0">
+                        <a:rPr lang="ko-KR" altLang="en-US" sz="1000" b="1" kern="0" spc="0" dirty="0" smtClean="0">
                           <a:solidFill>
                             <a:schemeClr val="bg1">
                               <a:lumMod val="75000"/>
@@ -6049,10 +5830,11 @@
                           <a:effectLst/>
                           <a:latin typeface="나눔바른고딕" panose="020B0603020101020101" pitchFamily="50" charset="-127"/>
                           <a:ea typeface="나눔바른고딕" panose="020B0603020101020101" pitchFamily="50" charset="-127"/>
+                          <a:cs typeface="+mn-cs"/>
                         </a:rPr>
                         <a:t>국립중앙의료원</a:t>
                       </a:r>
-                      <a:endParaRPr lang="ko-KR" altLang="en-US" sz="1000" kern="0" spc="0" dirty="0">
+                      <a:endParaRPr lang="ko-KR" altLang="en-US" sz="1000" b="1" kern="0" spc="0" dirty="0">
                         <a:solidFill>
                           <a:schemeClr val="bg1">
                             <a:lumMod val="75000"/>
@@ -6061,6 +5843,7 @@
                         <a:effectLst/>
                         <a:latin typeface="나눔바른고딕" panose="020B0603020101020101" pitchFamily="50" charset="-127"/>
                         <a:ea typeface="나눔바른고딕" panose="020B0603020101020101" pitchFamily="50" charset="-127"/>
+                        <a:cs typeface="+mn-cs"/>
                       </a:endParaRPr>
                     </a:p>
                   </a:txBody>
@@ -6191,101 +5974,9 @@
                     <a:noFill/>
                   </a:tcPr>
                 </a:tc>
-                <a:tc>
-                  <a:txBody>
-                    <a:bodyPr/>
-                    <a:lstStyle/>
-                    <a:p>
-                      <a:pPr marL="0" marR="0" indent="0" algn="ctr" fontAlgn="base" latinLnBrk="0">
-                        <a:lnSpc>
-                          <a:spcPct val="100000"/>
-                        </a:lnSpc>
-                        <a:spcBef>
-                          <a:spcPts val="0"/>
-                        </a:spcBef>
-                        <a:spcAft>
-                          <a:spcPts val="0"/>
-                        </a:spcAft>
-                      </a:pPr>
-                      <a:r>
-                        <a:rPr lang="en-US" altLang="ko-KR" sz="1050" kern="0" spc="0">
-                          <a:solidFill>
-                            <a:schemeClr val="bg1">
-                              <a:lumMod val="75000"/>
-                            </a:schemeClr>
-                          </a:solidFill>
-                          <a:effectLst/>
-                          <a:latin typeface="나눔바른고딕" panose="020B0603020101020101" pitchFamily="50" charset="-127"/>
-                          <a:ea typeface="나눔바른고딕" panose="020B0603020101020101" pitchFamily="50" charset="-127"/>
-                        </a:rPr>
-                        <a:t>7</a:t>
-                      </a:r>
-                      <a:r>
-                        <a:rPr lang="ko-KR" altLang="en-US" sz="1050" kern="0" spc="0">
-                          <a:solidFill>
-                            <a:schemeClr val="bg1">
-                              <a:lumMod val="75000"/>
-                            </a:schemeClr>
-                          </a:solidFill>
-                          <a:effectLst/>
-                          <a:latin typeface="나눔바른고딕" panose="020B0603020101020101" pitchFamily="50" charset="-127"/>
-                          <a:ea typeface="나눔바른고딕" panose="020B0603020101020101" pitchFamily="50" charset="-127"/>
-                        </a:rPr>
-                        <a:t>명 음성</a:t>
-                      </a:r>
-                    </a:p>
-                  </a:txBody>
-                  <a:tcPr marL="36000" marR="36000" marT="15709" marB="15709" anchor="ctr">
-                    <a:lnL w="12700" cap="flat" cmpd="sng" algn="ctr">
-                      <a:solidFill>
-                        <a:schemeClr val="bg1">
-                          <a:lumMod val="50000"/>
-                        </a:schemeClr>
-                      </a:solidFill>
-                      <a:prstDash val="solid"/>
-                      <a:round/>
-                      <a:headEnd type="none" w="med" len="med"/>
-                      <a:tailEnd type="none" w="med" len="med"/>
-                    </a:lnL>
-                    <a:lnR w="12700" cap="flat" cmpd="sng" algn="ctr">
-                      <a:solidFill>
-                        <a:schemeClr val="bg1">
-                          <a:lumMod val="50000"/>
-                        </a:schemeClr>
-                      </a:solidFill>
-                      <a:prstDash val="solid"/>
-                      <a:round/>
-                      <a:headEnd type="none" w="med" len="med"/>
-                      <a:tailEnd type="none" w="med" len="med"/>
-                    </a:lnR>
-                    <a:lnT w="12700" cap="flat" cmpd="sng" algn="ctr">
-                      <a:solidFill>
-                        <a:schemeClr val="bg1">
-                          <a:lumMod val="50000"/>
-                        </a:schemeClr>
-                      </a:solidFill>
-                      <a:prstDash val="solid"/>
-                      <a:round/>
-                      <a:headEnd type="none" w="med" len="med"/>
-                      <a:tailEnd type="none" w="med" len="med"/>
-                    </a:lnT>
-                    <a:lnB w="12700" cap="flat" cmpd="sng" algn="ctr">
-                      <a:solidFill>
-                        <a:schemeClr val="bg1">
-                          <a:lumMod val="50000"/>
-                        </a:schemeClr>
-                      </a:solidFill>
-                      <a:prstDash val="solid"/>
-                      <a:round/>
-                      <a:headEnd type="none" w="med" len="med"/>
-                      <a:tailEnd type="none" w="med" len="med"/>
-                    </a:lnB>
-                    <a:noFill/>
-                  </a:tcPr>
-                </a:tc>
                 <a:extLst>
                   <a:ext uri="{0D108BD9-81ED-4DB2-BD59-A6C34878D82A}">
-                    <a16:rowId xmlns="" xmlns:a16="http://schemas.microsoft.com/office/drawing/2014/main" val="1441534338"/>
+                    <a16:rowId xmlns:a16="http://schemas.microsoft.com/office/drawing/2014/main" xmlns="" val="1441534338"/>
                   </a:ext>
                 </a:extLst>
               </a:tr>
@@ -6921,7 +6612,7 @@
                         </a:spcAft>
                       </a:pPr>
                       <a:r>
-                        <a:rPr lang="ko-KR" altLang="en-US" sz="1000" kern="0" spc="0">
+                        <a:rPr lang="ko-KR" altLang="en-US" sz="1000" b="1" kern="0" spc="0">
                           <a:solidFill>
                             <a:schemeClr val="bg1">
                               <a:lumMod val="75000"/>
@@ -6930,6 +6621,7 @@
                           <a:effectLst/>
                           <a:latin typeface="나눔바른고딕" panose="020B0603020101020101" pitchFamily="50" charset="-127"/>
                           <a:ea typeface="나눔바른고딕" panose="020B0603020101020101" pitchFamily="50" charset="-127"/>
+                          <a:cs typeface="+mn-cs"/>
                         </a:rPr>
                         <a:t>명지병원</a:t>
                       </a:r>
@@ -7000,7 +6692,7 @@
                         </a:spcAft>
                       </a:pPr>
                       <a:r>
-                        <a:rPr lang="en-US" sz="1050" kern="0" spc="0">
+                        <a:rPr lang="en-US" sz="1050" kern="0" spc="0" dirty="0" smtClean="0">
                           <a:solidFill>
                             <a:schemeClr val="bg1">
                               <a:lumMod val="75000"/>
@@ -7010,139 +6702,18 @@
                           <a:latin typeface="나눔바른고딕" panose="020B0603020101020101" pitchFamily="50" charset="-127"/>
                           <a:ea typeface="나눔바른고딕" panose="020B0603020101020101" pitchFamily="50" charset="-127"/>
                         </a:rPr>
-                        <a:t>98</a:t>
+                        <a:t>16</a:t>
                       </a:r>
-                    </a:p>
-                  </a:txBody>
-                  <a:tcPr marL="36000" marR="36000" marT="15709" marB="15709" anchor="ctr">
-                    <a:lnL w="12700" cap="flat" cmpd="sng" algn="ctr">
-                      <a:solidFill>
-                        <a:schemeClr val="bg1">
-                          <a:lumMod val="50000"/>
-                        </a:schemeClr>
-                      </a:solidFill>
-                      <a:prstDash val="solid"/>
-                      <a:round/>
-                      <a:headEnd type="none" w="med" len="med"/>
-                      <a:tailEnd type="none" w="med" len="med"/>
-                    </a:lnL>
-                    <a:lnR w="12700" cap="flat" cmpd="sng" algn="ctr">
-                      <a:solidFill>
-                        <a:schemeClr val="bg1">
-                          <a:lumMod val="50000"/>
-                        </a:schemeClr>
-                      </a:solidFill>
-                      <a:prstDash val="solid"/>
-                      <a:round/>
-                      <a:headEnd type="none" w="med" len="med"/>
-                      <a:tailEnd type="none" w="med" len="med"/>
-                    </a:lnR>
-                    <a:lnT w="12700" cap="flat" cmpd="sng" algn="ctr">
-                      <a:solidFill>
-                        <a:schemeClr val="bg1">
-                          <a:lumMod val="50000"/>
-                        </a:schemeClr>
-                      </a:solidFill>
-                      <a:prstDash val="solid"/>
-                      <a:round/>
-                      <a:headEnd type="none" w="med" len="med"/>
-                      <a:tailEnd type="none" w="med" len="med"/>
-                    </a:lnT>
-                    <a:lnB w="12700" cap="flat" cmpd="sng" algn="ctr">
-                      <a:solidFill>
-                        <a:schemeClr val="bg1">
-                          <a:lumMod val="50000"/>
-                        </a:schemeClr>
-                      </a:solidFill>
-                      <a:prstDash val="solid"/>
-                      <a:round/>
-                      <a:headEnd type="none" w="med" len="med"/>
-                      <a:tailEnd type="none" w="med" len="med"/>
-                    </a:lnB>
-                    <a:noFill/>
-                  </a:tcPr>
-                </a:tc>
-                <a:tc>
-                  <a:txBody>
-                    <a:bodyPr/>
-                    <a:lstStyle/>
-                    <a:p>
-                      <a:pPr marL="0" marR="0" indent="0" algn="ctr" fontAlgn="base" latinLnBrk="0">
-                        <a:lnSpc>
-                          <a:spcPct val="100000"/>
-                        </a:lnSpc>
-                        <a:spcBef>
-                          <a:spcPts val="0"/>
-                        </a:spcBef>
-                        <a:spcAft>
-                          <a:spcPts val="0"/>
-                        </a:spcAft>
-                      </a:pPr>
-                      <a:r>
-                        <a:rPr lang="en-US" altLang="ko-KR" sz="1050" kern="0" spc="0" dirty="0">
-                          <a:solidFill>
-                            <a:schemeClr val="bg1">
-                              <a:lumMod val="75000"/>
-                            </a:schemeClr>
-                          </a:solidFill>
-                          <a:effectLst/>
-                          <a:latin typeface="나눔바른고딕" panose="020B0603020101020101" pitchFamily="50" charset="-127"/>
-                          <a:ea typeface="나눔바른고딕" panose="020B0603020101020101" pitchFamily="50" charset="-127"/>
-                        </a:rPr>
-                        <a:t>3</a:t>
-                      </a:r>
-                      <a:r>
-                        <a:rPr lang="ko-KR" altLang="en-US" sz="1050" kern="0" spc="0" dirty="0">
-                          <a:solidFill>
-                            <a:schemeClr val="bg1">
-                              <a:lumMod val="75000"/>
-                            </a:schemeClr>
-                          </a:solidFill>
-                          <a:effectLst/>
-                          <a:latin typeface="나눔바른고딕" panose="020B0603020101020101" pitchFamily="50" charset="-127"/>
-                          <a:ea typeface="나눔바른고딕" panose="020B0603020101020101" pitchFamily="50" charset="-127"/>
-                        </a:rPr>
-                        <a:t>명 음성</a:t>
-                      </a:r>
-                    </a:p>
-                    <a:p>
-                      <a:pPr marL="0" marR="0" indent="0" algn="ctr" fontAlgn="base" latinLnBrk="0">
-                        <a:lnSpc>
-                          <a:spcPct val="100000"/>
-                        </a:lnSpc>
-                        <a:spcBef>
-                          <a:spcPts val="0"/>
-                        </a:spcBef>
-                        <a:spcAft>
-                          <a:spcPts val="0"/>
-                        </a:spcAft>
-                      </a:pPr>
-                      <a:r>
-                        <a:rPr lang="en-US" altLang="ko-KR" sz="1050" kern="0" spc="0" dirty="0">
-                          <a:solidFill>
-                            <a:schemeClr val="bg1">
-                              <a:lumMod val="75000"/>
-                            </a:schemeClr>
-                          </a:solidFill>
-                          <a:effectLst/>
-                          <a:latin typeface="나눔바른고딕" panose="020B0603020101020101" pitchFamily="50" charset="-127"/>
-                          <a:ea typeface="나눔바른고딕" panose="020B0603020101020101" pitchFamily="50" charset="-127"/>
-                        </a:rPr>
-                        <a:t>1</a:t>
-                      </a:r>
-                      <a:r>
-                        <a:rPr lang="ko-KR" altLang="en-US" sz="1050" kern="0" spc="0" dirty="0">
-                          <a:solidFill>
-                            <a:schemeClr val="bg1">
-                              <a:lumMod val="75000"/>
-                            </a:schemeClr>
-                          </a:solidFill>
-                          <a:effectLst/>
-                          <a:latin typeface="나눔바른고딕" panose="020B0603020101020101" pitchFamily="50" charset="-127"/>
-                          <a:ea typeface="나눔바른고딕" panose="020B0603020101020101" pitchFamily="50" charset="-127"/>
-                        </a:rPr>
-                        <a:t>명 양성</a:t>
-                      </a:r>
+                      <a:endParaRPr lang="en-US" sz="1050" kern="0" spc="0" dirty="0">
+                        <a:solidFill>
+                          <a:schemeClr val="bg1">
+                            <a:lumMod val="75000"/>
+                          </a:schemeClr>
+                        </a:solidFill>
+                        <a:effectLst/>
+                        <a:latin typeface="나눔바른고딕" panose="020B0603020101020101" pitchFamily="50" charset="-127"/>
+                        <a:ea typeface="나눔바른고딕" panose="020B0603020101020101" pitchFamily="50" charset="-127"/>
+                      </a:endParaRPr>
                     </a:p>
                   </a:txBody>
                   <a:tcPr marL="36000" marR="36000" marT="15709" marB="15709" anchor="ctr">
@@ -7195,7 +6766,7 @@
                 </a:tc>
                 <a:extLst>
                   <a:ext uri="{0D108BD9-81ED-4DB2-BD59-A6C34878D82A}">
-                    <a16:rowId xmlns="" xmlns:a16="http://schemas.microsoft.com/office/drawing/2014/main" val="22170610"/>
+                    <a16:rowId xmlns:a16="http://schemas.microsoft.com/office/drawing/2014/main" xmlns="" val="22170610"/>
                   </a:ext>
                 </a:extLst>
               </a:tr>
@@ -7831,7 +7402,7 @@
                         </a:spcAft>
                       </a:pPr>
                       <a:r>
-                        <a:rPr lang="ko-KR" altLang="en-US" sz="1000" kern="0" spc="0" dirty="0">
+                        <a:rPr lang="ko-KR" altLang="en-US" sz="1000" b="1" kern="0" spc="0" dirty="0">
                           <a:solidFill>
                             <a:schemeClr val="bg1">
                               <a:lumMod val="75000"/>
@@ -7840,6 +7411,7 @@
                           <a:effectLst/>
                           <a:latin typeface="나눔바른고딕" panose="020B0603020101020101" pitchFamily="50" charset="-127"/>
                           <a:ea typeface="나눔바른고딕" panose="020B0603020101020101" pitchFamily="50" charset="-127"/>
+                          <a:cs typeface="+mn-cs"/>
                         </a:rPr>
                         <a:t>분당서울대병원</a:t>
                       </a:r>
@@ -7910,7 +7482,7 @@
                         </a:spcAft>
                       </a:pPr>
                       <a:r>
-                        <a:rPr lang="en-US" sz="1050" kern="0" spc="0">
+                        <a:rPr lang="en-US" sz="1050" kern="0" spc="0" dirty="0" smtClean="0">
                           <a:solidFill>
                             <a:schemeClr val="bg1">
                               <a:lumMod val="75000"/>
@@ -7920,100 +7492,18 @@
                           <a:latin typeface="나눔바른고딕" panose="020B0603020101020101" pitchFamily="50" charset="-127"/>
                           <a:ea typeface="나눔바른고딕" panose="020B0603020101020101" pitchFamily="50" charset="-127"/>
                         </a:rPr>
-                        <a:t>172</a:t>
+                        <a:t>95</a:t>
                       </a:r>
-                    </a:p>
-                  </a:txBody>
-                  <a:tcPr marL="36000" marR="36000" marT="15709" marB="15709" anchor="ctr">
-                    <a:lnL w="12700" cap="flat" cmpd="sng" algn="ctr">
-                      <a:solidFill>
-                        <a:schemeClr val="bg1">
-                          <a:lumMod val="50000"/>
-                        </a:schemeClr>
-                      </a:solidFill>
-                      <a:prstDash val="solid"/>
-                      <a:round/>
-                      <a:headEnd type="none" w="med" len="med"/>
-                      <a:tailEnd type="none" w="med" len="med"/>
-                    </a:lnL>
-                    <a:lnR w="12700" cap="flat" cmpd="sng" algn="ctr">
-                      <a:solidFill>
-                        <a:schemeClr val="bg1">
-                          <a:lumMod val="50000"/>
-                        </a:schemeClr>
-                      </a:solidFill>
-                      <a:prstDash val="solid"/>
-                      <a:round/>
-                      <a:headEnd type="none" w="med" len="med"/>
-                      <a:tailEnd type="none" w="med" len="med"/>
-                    </a:lnR>
-                    <a:lnT w="12700" cap="flat" cmpd="sng" algn="ctr">
-                      <a:solidFill>
-                        <a:schemeClr val="bg1">
-                          <a:lumMod val="50000"/>
-                        </a:schemeClr>
-                      </a:solidFill>
-                      <a:prstDash val="solid"/>
-                      <a:round/>
-                      <a:headEnd type="none" w="med" len="med"/>
-                      <a:tailEnd type="none" w="med" len="med"/>
-                    </a:lnT>
-                    <a:lnB w="12700" cap="flat" cmpd="sng" algn="ctr">
-                      <a:solidFill>
-                        <a:schemeClr val="bg1">
-                          <a:lumMod val="50000"/>
-                        </a:schemeClr>
-                      </a:solidFill>
-                      <a:prstDash val="solid"/>
-                      <a:round/>
-                      <a:headEnd type="none" w="med" len="med"/>
-                      <a:tailEnd type="none" w="med" len="med"/>
-                    </a:lnB>
-                    <a:noFill/>
-                  </a:tcPr>
-                </a:tc>
-                <a:tc>
-                  <a:txBody>
-                    <a:bodyPr/>
-                    <a:lstStyle/>
-                    <a:p>
-                      <a:pPr marL="0" marR="0" indent="0" algn="ctr" fontAlgn="base" latinLnBrk="0">
-                        <a:lnSpc>
-                          <a:spcPct val="100000"/>
-                        </a:lnSpc>
-                        <a:spcBef>
-                          <a:spcPts val="0"/>
-                        </a:spcBef>
-                        <a:spcAft>
-                          <a:spcPts val="0"/>
-                        </a:spcAft>
-                      </a:pPr>
-                      <a:r>
-                        <a:rPr lang="en-US" altLang="ko-KR" sz="1050" kern="0" spc="0">
-                          <a:solidFill>
-                            <a:schemeClr val="bg1">
-                              <a:lumMod val="75000"/>
-                            </a:schemeClr>
-                          </a:solidFill>
-                          <a:effectLst/>
-                          <a:latin typeface="나눔바른고딕" panose="020B0603020101020101" pitchFamily="50" charset="-127"/>
-                          <a:ea typeface="나눔바른고딕" panose="020B0603020101020101" pitchFamily="50" charset="-127"/>
-                        </a:rPr>
-                        <a:t>3</a:t>
-                      </a:r>
-                      <a:r>
-                        <a:rPr lang="ko-KR" altLang="en-US" sz="1050" kern="0" spc="0">
-                          <a:solidFill>
-                            <a:schemeClr val="bg1">
-                              <a:lumMod val="75000"/>
-                            </a:schemeClr>
-                          </a:solidFill>
-                          <a:effectLst/>
-                          <a:latin typeface="나눔바른고딕" panose="020B0603020101020101" pitchFamily="50" charset="-127"/>
-                          <a:ea typeface="나눔바른고딕" panose="020B0603020101020101" pitchFamily="50" charset="-127"/>
-                        </a:rPr>
-                        <a:t>명 음성</a:t>
-                      </a:r>
+                      <a:endParaRPr lang="en-US" sz="1050" kern="0" spc="0" dirty="0">
+                        <a:solidFill>
+                          <a:schemeClr val="bg1">
+                            <a:lumMod val="75000"/>
+                          </a:schemeClr>
+                        </a:solidFill>
+                        <a:effectLst/>
+                        <a:latin typeface="나눔바른고딕" panose="020B0603020101020101" pitchFamily="50" charset="-127"/>
+                        <a:ea typeface="나눔바른고딕" panose="020B0603020101020101" pitchFamily="50" charset="-127"/>
+                      </a:endParaRPr>
                     </a:p>
                   </a:txBody>
                   <a:tcPr marL="36000" marR="36000" marT="15709" marB="15709" anchor="ctr">
@@ -8066,7 +7556,7 @@
                 </a:tc>
                 <a:extLst>
                   <a:ext uri="{0D108BD9-81ED-4DB2-BD59-A6C34878D82A}">
-                    <a16:rowId xmlns="" xmlns:a16="http://schemas.microsoft.com/office/drawing/2014/main" val="3965066583"/>
+                    <a16:rowId xmlns:a16="http://schemas.microsoft.com/office/drawing/2014/main" xmlns="" val="3965066583"/>
                   </a:ext>
                 </a:extLst>
               </a:tr>
@@ -8702,7 +8192,7 @@
                         </a:spcAft>
                       </a:pPr>
                       <a:r>
-                        <a:rPr lang="ko-KR" altLang="en-US" sz="1000" kern="0" spc="0">
+                        <a:rPr lang="ko-KR" altLang="en-US" sz="1000" b="1" kern="0" spc="0">
                           <a:solidFill>
                             <a:schemeClr val="bg1">
                               <a:lumMod val="75000"/>
@@ -8711,6 +8201,7 @@
                           <a:effectLst/>
                           <a:latin typeface="나눔바른고딕" panose="020B0603020101020101" pitchFamily="50" charset="-127"/>
                           <a:ea typeface="나눔바른고딕" panose="020B0603020101020101" pitchFamily="50" charset="-127"/>
+                          <a:cs typeface="+mn-cs"/>
                         </a:rPr>
                         <a:t>서울의료원</a:t>
                       </a:r>
@@ -8781,7 +8272,7 @@
                         </a:spcAft>
                       </a:pPr>
                       <a:r>
-                        <a:rPr lang="en-US" sz="1050" kern="0" spc="0">
+                        <a:rPr lang="en-US" sz="1050" kern="0" spc="0" dirty="0" smtClean="0">
                           <a:solidFill>
                             <a:schemeClr val="bg1">
                               <a:lumMod val="75000"/>
@@ -8791,139 +8282,18 @@
                           <a:latin typeface="나눔바른고딕" panose="020B0603020101020101" pitchFamily="50" charset="-127"/>
                           <a:ea typeface="나눔바른고딕" panose="020B0603020101020101" pitchFamily="50" charset="-127"/>
                         </a:rPr>
-                        <a:t>35</a:t>
+                        <a:t>23</a:t>
                       </a:r>
-                    </a:p>
-                  </a:txBody>
-                  <a:tcPr marL="36000" marR="36000" marT="15709" marB="15709" anchor="ctr">
-                    <a:lnL w="12700" cap="flat" cmpd="sng" algn="ctr">
-                      <a:solidFill>
-                        <a:schemeClr val="bg1">
-                          <a:lumMod val="50000"/>
-                        </a:schemeClr>
-                      </a:solidFill>
-                      <a:prstDash val="solid"/>
-                      <a:round/>
-                      <a:headEnd type="none" w="med" len="med"/>
-                      <a:tailEnd type="none" w="med" len="med"/>
-                    </a:lnL>
-                    <a:lnR w="12700" cap="flat" cmpd="sng" algn="ctr">
-                      <a:solidFill>
-                        <a:schemeClr val="bg1">
-                          <a:lumMod val="50000"/>
-                        </a:schemeClr>
-                      </a:solidFill>
-                      <a:prstDash val="solid"/>
-                      <a:round/>
-                      <a:headEnd type="none" w="med" len="med"/>
-                      <a:tailEnd type="none" w="med" len="med"/>
-                    </a:lnR>
-                    <a:lnT w="12700" cap="flat" cmpd="sng" algn="ctr">
-                      <a:solidFill>
-                        <a:schemeClr val="bg1">
-                          <a:lumMod val="50000"/>
-                        </a:schemeClr>
-                      </a:solidFill>
-                      <a:prstDash val="solid"/>
-                      <a:round/>
-                      <a:headEnd type="none" w="med" len="med"/>
-                      <a:tailEnd type="none" w="med" len="med"/>
-                    </a:lnT>
-                    <a:lnB w="12700" cap="flat" cmpd="sng" algn="ctr">
-                      <a:solidFill>
-                        <a:schemeClr val="bg1">
-                          <a:lumMod val="50000"/>
-                        </a:schemeClr>
-                      </a:solidFill>
-                      <a:prstDash val="solid"/>
-                      <a:round/>
-                      <a:headEnd type="none" w="med" len="med"/>
-                      <a:tailEnd type="none" w="med" len="med"/>
-                    </a:lnB>
-                    <a:noFill/>
-                  </a:tcPr>
-                </a:tc>
-                <a:tc>
-                  <a:txBody>
-                    <a:bodyPr/>
-                    <a:lstStyle/>
-                    <a:p>
-                      <a:pPr marL="0" marR="0" indent="0" algn="ctr" fontAlgn="base" latinLnBrk="0">
-                        <a:lnSpc>
-                          <a:spcPct val="100000"/>
-                        </a:lnSpc>
-                        <a:spcBef>
-                          <a:spcPts val="0"/>
-                        </a:spcBef>
-                        <a:spcAft>
-                          <a:spcPts val="0"/>
-                        </a:spcAft>
-                      </a:pPr>
-                      <a:r>
-                        <a:rPr lang="en-US" altLang="ko-KR" sz="1050" kern="0" spc="0" dirty="0">
-                          <a:solidFill>
-                            <a:schemeClr val="bg1">
-                              <a:lumMod val="75000"/>
-                            </a:schemeClr>
-                          </a:solidFill>
-                          <a:effectLst/>
-                          <a:latin typeface="나눔바른고딕" panose="020B0603020101020101" pitchFamily="50" charset="-127"/>
-                          <a:ea typeface="나눔바른고딕" panose="020B0603020101020101" pitchFamily="50" charset="-127"/>
-                        </a:rPr>
-                        <a:t>1</a:t>
-                      </a:r>
-                      <a:r>
-                        <a:rPr lang="ko-KR" altLang="en-US" sz="1050" kern="0" spc="0" dirty="0">
-                          <a:solidFill>
-                            <a:schemeClr val="bg1">
-                              <a:lumMod val="75000"/>
-                            </a:schemeClr>
-                          </a:solidFill>
-                          <a:effectLst/>
-                          <a:latin typeface="나눔바른고딕" panose="020B0603020101020101" pitchFamily="50" charset="-127"/>
-                          <a:ea typeface="나눔바른고딕" panose="020B0603020101020101" pitchFamily="50" charset="-127"/>
-                        </a:rPr>
-                        <a:t>명 양성</a:t>
-                      </a:r>
-                    </a:p>
-                    <a:p>
-                      <a:pPr marL="0" marR="0" indent="0" algn="ctr" fontAlgn="base" latinLnBrk="0">
-                        <a:lnSpc>
-                          <a:spcPct val="100000"/>
-                        </a:lnSpc>
-                        <a:spcBef>
-                          <a:spcPts val="0"/>
-                        </a:spcBef>
-                        <a:spcAft>
-                          <a:spcPts val="0"/>
-                        </a:spcAft>
-                      </a:pPr>
-                      <a:r>
-                        <a:rPr lang="en-US" altLang="ko-KR" sz="1050" kern="0" spc="0" dirty="0">
-                          <a:solidFill>
-                            <a:schemeClr val="bg1">
-                              <a:lumMod val="75000"/>
-                            </a:schemeClr>
-                          </a:solidFill>
-                          <a:effectLst/>
-                          <a:latin typeface="나눔바른고딕" panose="020B0603020101020101" pitchFamily="50" charset="-127"/>
-                          <a:ea typeface="나눔바른고딕" panose="020B0603020101020101" pitchFamily="50" charset="-127"/>
-                        </a:rPr>
-                        <a:t>1</a:t>
-                      </a:r>
-                      <a:r>
-                        <a:rPr lang="ko-KR" altLang="en-US" sz="1050" kern="0" spc="0" dirty="0">
-                          <a:solidFill>
-                            <a:schemeClr val="bg1">
-                              <a:lumMod val="75000"/>
-                            </a:schemeClr>
-                          </a:solidFill>
-                          <a:effectLst/>
-                          <a:latin typeface="나눔바른고딕" panose="020B0603020101020101" pitchFamily="50" charset="-127"/>
-                          <a:ea typeface="나눔바른고딕" panose="020B0603020101020101" pitchFamily="50" charset="-127"/>
-                        </a:rPr>
-                        <a:t>명 음성</a:t>
-                      </a:r>
+                      <a:endParaRPr lang="en-US" sz="1050" kern="0" spc="0" dirty="0">
+                        <a:solidFill>
+                          <a:schemeClr val="bg1">
+                            <a:lumMod val="75000"/>
+                          </a:schemeClr>
+                        </a:solidFill>
+                        <a:effectLst/>
+                        <a:latin typeface="나눔바른고딕" panose="020B0603020101020101" pitchFamily="50" charset="-127"/>
+                        <a:ea typeface="나눔바른고딕" panose="020B0603020101020101" pitchFamily="50" charset="-127"/>
+                      </a:endParaRPr>
                     </a:p>
                   </a:txBody>
                   <a:tcPr marL="36000" marR="36000" marT="15709" marB="15709" anchor="ctr">
@@ -8976,7 +8346,7 @@
                 </a:tc>
                 <a:extLst>
                   <a:ext uri="{0D108BD9-81ED-4DB2-BD59-A6C34878D82A}">
-                    <a16:rowId xmlns="" xmlns:a16="http://schemas.microsoft.com/office/drawing/2014/main" val="3133379929"/>
+                    <a16:rowId xmlns:a16="http://schemas.microsoft.com/office/drawing/2014/main" xmlns="" val="3133379929"/>
                   </a:ext>
                 </a:extLst>
               </a:tr>
@@ -9612,7 +8982,7 @@
                         </a:spcAft>
                       </a:pPr>
                       <a:r>
-                        <a:rPr lang="ko-KR" altLang="en-US" sz="1000" kern="0" spc="0">
+                        <a:rPr lang="ko-KR" altLang="en-US" sz="1000" b="1" kern="0" spc="0">
                           <a:solidFill>
                             <a:schemeClr val="bg1">
                               <a:lumMod val="75000"/>
@@ -9621,6 +8991,7 @@
                           <a:effectLst/>
                           <a:latin typeface="나눔바른고딕" panose="020B0603020101020101" pitchFamily="50" charset="-127"/>
                           <a:ea typeface="나눔바른고딕" panose="020B0603020101020101" pitchFamily="50" charset="-127"/>
+                          <a:cs typeface="+mn-cs"/>
                         </a:rPr>
                         <a:t>서울대병원</a:t>
                       </a:r>
@@ -9691,7 +9062,7 @@
                         </a:spcAft>
                       </a:pPr>
                       <a:r>
-                        <a:rPr lang="en-US" sz="1050" kern="0" spc="0">
+                        <a:rPr lang="en-US" sz="1050" kern="0" spc="0" dirty="0" smtClean="0">
                           <a:solidFill>
                             <a:schemeClr val="bg1">
                               <a:lumMod val="75000"/>
@@ -9701,139 +9072,18 @@
                           <a:latin typeface="나눔바른고딕" panose="020B0603020101020101" pitchFamily="50" charset="-127"/>
                           <a:ea typeface="나눔바른고딕" panose="020B0603020101020101" pitchFamily="50" charset="-127"/>
                         </a:rPr>
-                        <a:t>25</a:t>
+                        <a:t>17</a:t>
                       </a:r>
-                    </a:p>
-                  </a:txBody>
-                  <a:tcPr marL="36000" marR="36000" marT="15709" marB="15709" anchor="ctr">
-                    <a:lnL w="12700" cap="flat" cmpd="sng" algn="ctr">
-                      <a:solidFill>
-                        <a:schemeClr val="bg1">
-                          <a:lumMod val="50000"/>
-                        </a:schemeClr>
-                      </a:solidFill>
-                      <a:prstDash val="solid"/>
-                      <a:round/>
-                      <a:headEnd type="none" w="med" len="med"/>
-                      <a:tailEnd type="none" w="med" len="med"/>
-                    </a:lnL>
-                    <a:lnR w="12700" cap="flat" cmpd="sng" algn="ctr">
-                      <a:solidFill>
-                        <a:schemeClr val="bg1">
-                          <a:lumMod val="50000"/>
-                        </a:schemeClr>
-                      </a:solidFill>
-                      <a:prstDash val="solid"/>
-                      <a:round/>
-                      <a:headEnd type="none" w="med" len="med"/>
-                      <a:tailEnd type="none" w="med" len="med"/>
-                    </a:lnR>
-                    <a:lnT w="12700" cap="flat" cmpd="sng" algn="ctr">
-                      <a:solidFill>
-                        <a:schemeClr val="bg1">
-                          <a:lumMod val="50000"/>
-                        </a:schemeClr>
-                      </a:solidFill>
-                      <a:prstDash val="solid"/>
-                      <a:round/>
-                      <a:headEnd type="none" w="med" len="med"/>
-                      <a:tailEnd type="none" w="med" len="med"/>
-                    </a:lnT>
-                    <a:lnB w="12700" cap="flat" cmpd="sng" algn="ctr">
-                      <a:solidFill>
-                        <a:schemeClr val="bg1">
-                          <a:lumMod val="50000"/>
-                        </a:schemeClr>
-                      </a:solidFill>
-                      <a:prstDash val="solid"/>
-                      <a:round/>
-                      <a:headEnd type="none" w="med" len="med"/>
-                      <a:tailEnd type="none" w="med" len="med"/>
-                    </a:lnB>
-                    <a:noFill/>
-                  </a:tcPr>
-                </a:tc>
-                <a:tc>
-                  <a:txBody>
-                    <a:bodyPr/>
-                    <a:lstStyle/>
-                    <a:p>
-                      <a:pPr marL="0" marR="0" indent="0" algn="ctr" fontAlgn="base" latinLnBrk="0">
-                        <a:lnSpc>
-                          <a:spcPct val="100000"/>
-                        </a:lnSpc>
-                        <a:spcBef>
-                          <a:spcPts val="0"/>
-                        </a:spcBef>
-                        <a:spcAft>
-                          <a:spcPts val="0"/>
-                        </a:spcAft>
-                      </a:pPr>
-                      <a:r>
-                        <a:rPr lang="en-US" altLang="ko-KR" sz="1050" kern="0" spc="0" dirty="0">
-                          <a:solidFill>
-                            <a:schemeClr val="bg1">
-                              <a:lumMod val="75000"/>
-                            </a:schemeClr>
-                          </a:solidFill>
-                          <a:effectLst/>
-                          <a:latin typeface="나눔바른고딕" panose="020B0603020101020101" pitchFamily="50" charset="-127"/>
-                          <a:ea typeface="나눔바른고딕" panose="020B0603020101020101" pitchFamily="50" charset="-127"/>
-                        </a:rPr>
-                        <a:t>2</a:t>
-                      </a:r>
-                      <a:r>
-                        <a:rPr lang="ko-KR" altLang="en-US" sz="1050" kern="0" spc="0" dirty="0">
-                          <a:solidFill>
-                            <a:schemeClr val="bg1">
-                              <a:lumMod val="75000"/>
-                            </a:schemeClr>
-                          </a:solidFill>
-                          <a:effectLst/>
-                          <a:latin typeface="나눔바른고딕" panose="020B0603020101020101" pitchFamily="50" charset="-127"/>
-                          <a:ea typeface="나눔바른고딕" panose="020B0603020101020101" pitchFamily="50" charset="-127"/>
-                        </a:rPr>
-                        <a:t>명 양성</a:t>
-                      </a:r>
-                    </a:p>
-                    <a:p>
-                      <a:pPr marL="0" marR="0" indent="0" algn="ctr" fontAlgn="base" latinLnBrk="0">
-                        <a:lnSpc>
-                          <a:spcPct val="100000"/>
-                        </a:lnSpc>
-                        <a:spcBef>
-                          <a:spcPts val="0"/>
-                        </a:spcBef>
-                        <a:spcAft>
-                          <a:spcPts val="0"/>
-                        </a:spcAft>
-                      </a:pPr>
-                      <a:r>
-                        <a:rPr lang="en-US" altLang="ko-KR" sz="1050" kern="0" spc="0" dirty="0">
-                          <a:solidFill>
-                            <a:schemeClr val="bg1">
-                              <a:lumMod val="75000"/>
-                            </a:schemeClr>
-                          </a:solidFill>
-                          <a:effectLst/>
-                          <a:latin typeface="나눔바른고딕" panose="020B0603020101020101" pitchFamily="50" charset="-127"/>
-                          <a:ea typeface="나눔바른고딕" panose="020B0603020101020101" pitchFamily="50" charset="-127"/>
-                        </a:rPr>
-                        <a:t>4</a:t>
-                      </a:r>
-                      <a:r>
-                        <a:rPr lang="ko-KR" altLang="en-US" sz="1050" kern="0" spc="0" dirty="0">
-                          <a:solidFill>
-                            <a:schemeClr val="bg1">
-                              <a:lumMod val="75000"/>
-                            </a:schemeClr>
-                          </a:solidFill>
-                          <a:effectLst/>
-                          <a:latin typeface="나눔바른고딕" panose="020B0603020101020101" pitchFamily="50" charset="-127"/>
-                          <a:ea typeface="나눔바른고딕" panose="020B0603020101020101" pitchFamily="50" charset="-127"/>
-                        </a:rPr>
-                        <a:t>명 음성</a:t>
-                      </a:r>
+                      <a:endParaRPr lang="en-US" sz="1050" kern="0" spc="0" dirty="0">
+                        <a:solidFill>
+                          <a:schemeClr val="bg1">
+                            <a:lumMod val="75000"/>
+                          </a:schemeClr>
+                        </a:solidFill>
+                        <a:effectLst/>
+                        <a:latin typeface="나눔바른고딕" panose="020B0603020101020101" pitchFamily="50" charset="-127"/>
+                        <a:ea typeface="나눔바른고딕" panose="020B0603020101020101" pitchFamily="50" charset="-127"/>
+                      </a:endParaRPr>
                     </a:p>
                   </a:txBody>
                   <a:tcPr marL="36000" marR="36000" marT="15709" marB="15709" anchor="ctr">
@@ -9886,7 +9136,7 @@
                 </a:tc>
                 <a:extLst>
                   <a:ext uri="{0D108BD9-81ED-4DB2-BD59-A6C34878D82A}">
-                    <a16:rowId xmlns="" xmlns:a16="http://schemas.microsoft.com/office/drawing/2014/main" val="3767571966"/>
+                    <a16:rowId xmlns:a16="http://schemas.microsoft.com/office/drawing/2014/main" xmlns="" val="3767571966"/>
                   </a:ext>
                 </a:extLst>
               </a:tr>
@@ -10522,7 +9772,7 @@
                         </a:spcAft>
                       </a:pPr>
                       <a:r>
-                        <a:rPr lang="ko-KR" altLang="en-US" sz="1000" kern="0" spc="0" dirty="0">
+                        <a:rPr lang="ko-KR" altLang="en-US" sz="1000" b="1" kern="0" spc="0" dirty="0">
                           <a:solidFill>
                             <a:schemeClr val="bg1">
                               <a:lumMod val="75000"/>
@@ -10531,6 +9781,7 @@
                           <a:effectLst/>
                           <a:latin typeface="나눔바른고딕" panose="020B0603020101020101" pitchFamily="50" charset="-127"/>
                           <a:ea typeface="나눔바른고딕" panose="020B0603020101020101" pitchFamily="50" charset="-127"/>
+                          <a:cs typeface="+mn-cs"/>
                         </a:rPr>
                         <a:t>서울의료원</a:t>
                       </a:r>
@@ -10601,7 +9852,7 @@
                         </a:spcAft>
                       </a:pPr>
                       <a:r>
-                        <a:rPr lang="en-US" sz="1050" kern="0" spc="0">
+                        <a:rPr lang="en-US" sz="1050" kern="0" spc="0" dirty="0" smtClean="0">
                           <a:solidFill>
                             <a:schemeClr val="bg1">
                               <a:lumMod val="75000"/>
@@ -10611,153 +9862,9 @@
                           <a:latin typeface="나눔바른고딕" panose="020B0603020101020101" pitchFamily="50" charset="-127"/>
                           <a:ea typeface="나눔바른고딕" panose="020B0603020101020101" pitchFamily="50" charset="-127"/>
                         </a:rPr>
-                        <a:t>21</a:t>
+                        <a:t>7</a:t>
                       </a:r>
-                    </a:p>
-                  </a:txBody>
-                  <a:tcPr marL="36000" marR="36000" marT="15709" marB="15709" anchor="ctr">
-                    <a:lnL w="12700" cap="flat" cmpd="sng" algn="ctr">
-                      <a:solidFill>
-                        <a:schemeClr val="bg1">
-                          <a:lumMod val="50000"/>
-                        </a:schemeClr>
-                      </a:solidFill>
-                      <a:prstDash val="solid"/>
-                      <a:round/>
-                      <a:headEnd type="none" w="med" len="med"/>
-                      <a:tailEnd type="none" w="med" len="med"/>
-                    </a:lnL>
-                    <a:lnR w="12700" cap="flat" cmpd="sng" algn="ctr">
-                      <a:solidFill>
-                        <a:schemeClr val="bg1">
-                          <a:lumMod val="50000"/>
-                        </a:schemeClr>
-                      </a:solidFill>
-                      <a:prstDash val="solid"/>
-                      <a:round/>
-                      <a:headEnd type="none" w="med" len="med"/>
-                      <a:tailEnd type="none" w="med" len="med"/>
-                    </a:lnR>
-                    <a:lnT w="12700" cap="flat" cmpd="sng" algn="ctr">
-                      <a:solidFill>
-                        <a:schemeClr val="bg1">
-                          <a:lumMod val="50000"/>
-                        </a:schemeClr>
-                      </a:solidFill>
-                      <a:prstDash val="solid"/>
-                      <a:round/>
-                      <a:headEnd type="none" w="med" len="med"/>
-                      <a:tailEnd type="none" w="med" len="med"/>
-                    </a:lnT>
-                    <a:lnB w="12700" cap="flat" cmpd="sng" algn="ctr">
-                      <a:solidFill>
-                        <a:schemeClr val="bg1">
-                          <a:lumMod val="50000"/>
-                        </a:schemeClr>
-                      </a:solidFill>
-                      <a:prstDash val="solid"/>
-                      <a:round/>
-                      <a:headEnd type="none" w="med" len="med"/>
-                      <a:tailEnd type="none" w="med" len="med"/>
-                    </a:lnB>
-                    <a:noFill/>
-                  </a:tcPr>
-                </a:tc>
-                <a:tc>
-                  <a:txBody>
-                    <a:bodyPr/>
-                    <a:lstStyle/>
-                    <a:p>
-                      <a:pPr marL="0" marR="0" indent="0" algn="ctr" fontAlgn="base" latinLnBrk="0">
-                        <a:lnSpc>
-                          <a:spcPct val="100000"/>
-                        </a:lnSpc>
-                        <a:spcBef>
-                          <a:spcPts val="0"/>
-                        </a:spcBef>
-                        <a:spcAft>
-                          <a:spcPts val="0"/>
-                        </a:spcAft>
-                      </a:pPr>
-                      <a:r>
-                        <a:rPr lang="en-US" altLang="ko-KR" sz="1050" kern="0" spc="0" dirty="0">
-                          <a:solidFill>
-                            <a:schemeClr val="bg1">
-                              <a:lumMod val="75000"/>
-                            </a:schemeClr>
-                          </a:solidFill>
-                          <a:effectLst/>
-                          <a:latin typeface="나눔바른고딕" panose="020B0603020101020101" pitchFamily="50" charset="-127"/>
-                          <a:ea typeface="나눔바른고딕" panose="020B0603020101020101" pitchFamily="50" charset="-127"/>
-                        </a:rPr>
-                        <a:t>2</a:t>
-                      </a:r>
-                      <a:r>
-                        <a:rPr lang="ko-KR" altLang="en-US" sz="1050" kern="0" spc="0" dirty="0">
-                          <a:solidFill>
-                            <a:schemeClr val="bg1">
-                              <a:lumMod val="75000"/>
-                            </a:schemeClr>
-                          </a:solidFill>
-                          <a:effectLst/>
-                          <a:latin typeface="나눔바른고딕" panose="020B0603020101020101" pitchFamily="50" charset="-127"/>
-                          <a:ea typeface="나눔바른고딕" panose="020B0603020101020101" pitchFamily="50" charset="-127"/>
-                        </a:rPr>
-                        <a:t>명 음성</a:t>
-                      </a:r>
-                    </a:p>
-                    <a:p>
-                      <a:pPr marL="0" marR="0" indent="0" algn="ctr" fontAlgn="base" latinLnBrk="0">
-                        <a:lnSpc>
-                          <a:spcPct val="100000"/>
-                        </a:lnSpc>
-                        <a:spcBef>
-                          <a:spcPts val="0"/>
-                        </a:spcBef>
-                        <a:spcAft>
-                          <a:spcPts val="0"/>
-                        </a:spcAft>
-                      </a:pPr>
-                      <a:r>
-                        <a:rPr lang="en-US" altLang="ko-KR" sz="1050" kern="0" spc="0" dirty="0">
-                          <a:solidFill>
-                            <a:schemeClr val="bg1">
-                              <a:lumMod val="75000"/>
-                            </a:schemeClr>
-                          </a:solidFill>
-                          <a:effectLst/>
-                          <a:latin typeface="나눔바른고딕" panose="020B0603020101020101" pitchFamily="50" charset="-127"/>
-                          <a:ea typeface="나눔바른고딕" panose="020B0603020101020101" pitchFamily="50" charset="-127"/>
-                        </a:rPr>
-                        <a:t>4</a:t>
-                      </a:r>
-                      <a:r>
-                        <a:rPr lang="ko-KR" altLang="en-US" sz="1050" kern="0" spc="0" dirty="0">
-                          <a:solidFill>
-                            <a:schemeClr val="bg1">
-                              <a:lumMod val="75000"/>
-                            </a:schemeClr>
-                          </a:solidFill>
-                          <a:effectLst/>
-                          <a:latin typeface="나눔바른고딕" panose="020B0603020101020101" pitchFamily="50" charset="-127"/>
-                          <a:ea typeface="나눔바른고딕" panose="020B0603020101020101" pitchFamily="50" charset="-127"/>
-                        </a:rPr>
-                        <a:t>명 </a:t>
-                      </a:r>
-                      <a:r>
-                        <a:rPr lang="ko-KR" altLang="en-US" sz="1050" kern="0" spc="0" dirty="0" err="1">
-                          <a:solidFill>
-                            <a:schemeClr val="bg1">
-                              <a:lumMod val="75000"/>
-                            </a:schemeClr>
-                          </a:solidFill>
-                          <a:effectLst/>
-                          <a:latin typeface="나눔바른고딕" panose="020B0603020101020101" pitchFamily="50" charset="-127"/>
-                          <a:ea typeface="나눔바른고딕" panose="020B0603020101020101" pitchFamily="50" charset="-127"/>
-                        </a:rPr>
-                        <a:t>검사중</a:t>
-                      </a:r>
-                      <a:endParaRPr lang="ko-KR" altLang="en-US" sz="1050" kern="0" spc="0" dirty="0">
+                      <a:endParaRPr lang="en-US" sz="1050" kern="0" spc="0" dirty="0">
                         <a:solidFill>
                           <a:schemeClr val="bg1">
                             <a:lumMod val="75000"/>
@@ -10819,7 +9926,7 @@
                 </a:tc>
                 <a:extLst>
                   <a:ext uri="{0D108BD9-81ED-4DB2-BD59-A6C34878D82A}">
-                    <a16:rowId xmlns="" xmlns:a16="http://schemas.microsoft.com/office/drawing/2014/main" val="3402339324"/>
+                    <a16:rowId xmlns:a16="http://schemas.microsoft.com/office/drawing/2014/main" xmlns="" val="3402339324"/>
                   </a:ext>
                 </a:extLst>
               </a:tr>
@@ -11455,7 +10562,7 @@
                         </a:spcAft>
                       </a:pPr>
                       <a:r>
-                        <a:rPr lang="ko-KR" altLang="en-US" sz="1000" kern="0" spc="0" dirty="0" err="1">
+                        <a:rPr lang="ko-KR" altLang="en-US" sz="1000" b="1" kern="0" spc="0" dirty="0" err="1">
                           <a:solidFill>
                             <a:schemeClr val="bg1">
                               <a:lumMod val="75000"/>
@@ -11464,10 +10571,11 @@
                           <a:effectLst/>
                           <a:latin typeface="나눔바른고딕" panose="020B0603020101020101" pitchFamily="50" charset="-127"/>
                           <a:ea typeface="나눔바른고딕" panose="020B0603020101020101" pitchFamily="50" charset="-127"/>
+                          <a:cs typeface="+mn-cs"/>
                         </a:rPr>
                         <a:t>원광대병원</a:t>
                       </a:r>
-                      <a:endParaRPr lang="ko-KR" altLang="en-US" sz="1000" kern="0" spc="0" dirty="0">
+                      <a:endParaRPr lang="ko-KR" altLang="en-US" sz="1000" b="1" kern="0" spc="0" dirty="0">
                         <a:solidFill>
                           <a:schemeClr val="bg1">
                             <a:lumMod val="75000"/>
@@ -11476,6 +10584,7 @@
                         <a:effectLst/>
                         <a:latin typeface="나눔바른고딕" panose="020B0603020101020101" pitchFamily="50" charset="-127"/>
                         <a:ea typeface="나눔바른고딕" panose="020B0603020101020101" pitchFamily="50" charset="-127"/>
+                        <a:cs typeface="+mn-cs"/>
                       </a:endParaRPr>
                     </a:p>
                   </a:txBody>
@@ -11544,7 +10653,7 @@
                         </a:spcAft>
                       </a:pPr>
                       <a:r>
-                        <a:rPr lang="en-US" sz="1050" kern="0" spc="0" dirty="0">
+                        <a:rPr lang="en-US" sz="1050" kern="0" spc="0" dirty="0" smtClean="0">
                           <a:solidFill>
                             <a:schemeClr val="bg1">
                               <a:lumMod val="75000"/>
@@ -11554,87 +10663,18 @@
                           <a:latin typeface="나눔바른고딕" panose="020B0603020101020101" pitchFamily="50" charset="-127"/>
                           <a:ea typeface="나눔바른고딕" panose="020B0603020101020101" pitchFamily="50" charset="-127"/>
                         </a:rPr>
-                        <a:t>76</a:t>
+                        <a:t>95</a:t>
                       </a:r>
-                    </a:p>
-                  </a:txBody>
-                  <a:tcPr marL="36000" marR="36000" marT="15709" marB="15709" anchor="ctr">
-                    <a:lnL w="12700" cap="flat" cmpd="sng" algn="ctr">
-                      <a:solidFill>
-                        <a:schemeClr val="bg1">
-                          <a:lumMod val="50000"/>
-                        </a:schemeClr>
-                      </a:solidFill>
-                      <a:prstDash val="solid"/>
-                      <a:round/>
-                      <a:headEnd type="none" w="med" len="med"/>
-                      <a:tailEnd type="none" w="med" len="med"/>
-                    </a:lnL>
-                    <a:lnR w="12700" cap="flat" cmpd="sng" algn="ctr">
-                      <a:solidFill>
-                        <a:schemeClr val="bg1">
-                          <a:lumMod val="50000"/>
-                        </a:schemeClr>
-                      </a:solidFill>
-                      <a:prstDash val="solid"/>
-                      <a:round/>
-                      <a:headEnd type="none" w="med" len="med"/>
-                      <a:tailEnd type="none" w="med" len="med"/>
-                    </a:lnR>
-                    <a:lnT w="12700" cap="flat" cmpd="sng" algn="ctr">
-                      <a:solidFill>
-                        <a:schemeClr val="bg1">
-                          <a:lumMod val="50000"/>
-                        </a:schemeClr>
-                      </a:solidFill>
-                      <a:prstDash val="solid"/>
-                      <a:round/>
-                      <a:headEnd type="none" w="med" len="med"/>
-                      <a:tailEnd type="none" w="med" len="med"/>
-                    </a:lnT>
-                    <a:lnB w="12700" cap="flat" cmpd="sng" algn="ctr">
-                      <a:solidFill>
-                        <a:schemeClr val="bg1">
-                          <a:lumMod val="50000"/>
-                        </a:schemeClr>
-                      </a:solidFill>
-                      <a:prstDash val="solid"/>
-                      <a:round/>
-                      <a:headEnd type="none" w="med" len="med"/>
-                      <a:tailEnd type="none" w="med" len="med"/>
-                    </a:lnB>
-                    <a:noFill/>
-                  </a:tcPr>
-                </a:tc>
-                <a:tc>
-                  <a:txBody>
-                    <a:bodyPr/>
-                    <a:lstStyle/>
-                    <a:p>
-                      <a:pPr marL="0" marR="0" indent="0" algn="ctr" fontAlgn="base" latinLnBrk="0">
-                        <a:lnSpc>
-                          <a:spcPct val="100000"/>
-                        </a:lnSpc>
-                        <a:spcBef>
-                          <a:spcPts val="0"/>
-                        </a:spcBef>
-                        <a:spcAft>
-                          <a:spcPts val="0"/>
-                        </a:spcAft>
-                      </a:pPr>
-                      <a:r>
-                        <a:rPr lang="en-US" sz="1050" kern="0" spc="0">
-                          <a:solidFill>
-                            <a:schemeClr val="bg1">
-                              <a:lumMod val="75000"/>
-                            </a:schemeClr>
-                          </a:solidFill>
-                          <a:effectLst/>
-                          <a:latin typeface="나눔바른고딕" panose="020B0603020101020101" pitchFamily="50" charset="-127"/>
-                          <a:ea typeface="나눔바른고딕" panose="020B0603020101020101" pitchFamily="50" charset="-127"/>
-                        </a:rPr>
-                        <a:t>-</a:t>
-                      </a:r>
+                      <a:endParaRPr lang="en-US" sz="1050" kern="0" spc="0" dirty="0">
+                        <a:solidFill>
+                          <a:schemeClr val="bg1">
+                            <a:lumMod val="75000"/>
+                          </a:schemeClr>
+                        </a:solidFill>
+                        <a:effectLst/>
+                        <a:latin typeface="나눔바른고딕" panose="020B0603020101020101" pitchFamily="50" charset="-127"/>
+                        <a:ea typeface="나눔바른고딕" panose="020B0603020101020101" pitchFamily="50" charset="-127"/>
+                      </a:endParaRPr>
                     </a:p>
                   </a:txBody>
                   <a:tcPr marL="36000" marR="36000" marT="15709" marB="15709" anchor="ctr">
@@ -11687,7 +10727,7 @@
                 </a:tc>
                 <a:extLst>
                   <a:ext uri="{0D108BD9-81ED-4DB2-BD59-A6C34878D82A}">
-                    <a16:rowId xmlns="" xmlns:a16="http://schemas.microsoft.com/office/drawing/2014/main" val="1909014694"/>
+                    <a16:rowId xmlns:a16="http://schemas.microsoft.com/office/drawing/2014/main" xmlns="" val="1909014694"/>
                   </a:ext>
                 </a:extLst>
               </a:tr>
@@ -12323,7 +11363,7 @@
                         </a:spcAft>
                       </a:pPr>
                       <a:r>
-                        <a:rPr lang="ko-KR" altLang="en-US" sz="1000" kern="0" spc="0" dirty="0">
+                        <a:rPr lang="ko-KR" altLang="en-US" sz="1000" b="1" kern="0" spc="0" dirty="0">
                           <a:solidFill>
                             <a:schemeClr val="bg1">
                               <a:lumMod val="75000"/>
@@ -12332,6 +11372,7 @@
                           <a:effectLst/>
                           <a:latin typeface="나눔바른고딕" panose="020B0603020101020101" pitchFamily="50" charset="-127"/>
                           <a:ea typeface="나눔바른고딕" panose="020B0603020101020101" pitchFamily="50" charset="-127"/>
+                          <a:cs typeface="+mn-cs"/>
                         </a:rPr>
                         <a:t>서울의료원</a:t>
                       </a:r>
@@ -12464,88 +11505,9 @@
                     <a:noFill/>
                   </a:tcPr>
                 </a:tc>
-                <a:tc>
-                  <a:txBody>
-                    <a:bodyPr/>
-                    <a:lstStyle/>
-                    <a:p>
-                      <a:pPr marL="0" marR="0" indent="0" algn="ctr" fontAlgn="base" latinLnBrk="0">
-                        <a:lnSpc>
-                          <a:spcPct val="100000"/>
-                        </a:lnSpc>
-                        <a:spcBef>
-                          <a:spcPts val="0"/>
-                        </a:spcBef>
-                        <a:spcAft>
-                          <a:spcPts val="0"/>
-                        </a:spcAft>
-                      </a:pPr>
-                      <a:r>
-                        <a:rPr lang="en-US" sz="1050" kern="0" spc="0" dirty="0">
-                          <a:solidFill>
-                            <a:schemeClr val="bg1">
-                              <a:lumMod val="75000"/>
-                            </a:schemeClr>
-                          </a:solidFill>
-                          <a:effectLst/>
-                          <a:latin typeface="나눔바른고딕" panose="020B0603020101020101" pitchFamily="50" charset="-127"/>
-                          <a:ea typeface="나눔바른고딕" panose="020B0603020101020101" pitchFamily="50" charset="-127"/>
-                        </a:rPr>
-                        <a:t>-</a:t>
-                      </a:r>
-                    </a:p>
-                  </a:txBody>
-                  <a:tcPr marL="36000" marR="36000" marT="15709" marB="15709" anchor="ctr">
-                    <a:lnL w="12700" cap="flat" cmpd="sng" algn="ctr">
-                      <a:solidFill>
-                        <a:schemeClr val="bg1">
-                          <a:lumMod val="50000"/>
-                        </a:schemeClr>
-                      </a:solidFill>
-                      <a:prstDash val="solid"/>
-                      <a:round/>
-                      <a:headEnd type="none" w="med" len="med"/>
-                      <a:tailEnd type="none" w="med" len="med"/>
-                    </a:lnL>
-                    <a:lnR w="12700" cap="flat" cmpd="sng" algn="ctr">
-                      <a:solidFill>
-                        <a:schemeClr val="bg1">
-                          <a:lumMod val="50000"/>
-                        </a:schemeClr>
-                      </a:solidFill>
-                      <a:prstDash val="solid"/>
-                      <a:round/>
-                      <a:headEnd type="none" w="med" len="med"/>
-                      <a:tailEnd type="none" w="med" len="med"/>
-                    </a:lnR>
-                    <a:lnT w="12700" cap="flat" cmpd="sng" algn="ctr">
-                      <a:solidFill>
-                        <a:schemeClr val="bg1">
-                          <a:lumMod val="50000"/>
-                        </a:schemeClr>
-                      </a:solidFill>
-                      <a:prstDash val="solid"/>
-                      <a:round/>
-                      <a:headEnd type="none" w="med" len="med"/>
-                      <a:tailEnd type="none" w="med" len="med"/>
-                    </a:lnT>
-                    <a:lnB w="12700" cap="flat" cmpd="sng" algn="ctr">
-                      <a:solidFill>
-                        <a:schemeClr val="bg1">
-                          <a:lumMod val="50000"/>
-                        </a:schemeClr>
-                      </a:solidFill>
-                      <a:prstDash val="solid"/>
-                      <a:round/>
-                      <a:headEnd type="none" w="med" len="med"/>
-                      <a:tailEnd type="none" w="med" len="med"/>
-                    </a:lnB>
-                    <a:noFill/>
-                  </a:tcPr>
-                </a:tc>
                 <a:extLst>
                   <a:ext uri="{0D108BD9-81ED-4DB2-BD59-A6C34878D82A}">
-                    <a16:rowId xmlns="" xmlns:a16="http://schemas.microsoft.com/office/drawing/2014/main" val="2621453899"/>
+                    <a16:rowId xmlns:a16="http://schemas.microsoft.com/office/drawing/2014/main" xmlns="" val="2621453899"/>
                   </a:ext>
                 </a:extLst>
               </a:tr>
@@ -13181,7 +12143,7 @@
                         </a:spcAft>
                       </a:pPr>
                       <a:r>
-                        <a:rPr lang="ko-KR" altLang="en-US" sz="1000" kern="0" spc="0" dirty="0">
+                        <a:rPr lang="ko-KR" altLang="en-US" sz="1000" b="1" kern="0" spc="0" dirty="0">
                           <a:solidFill>
                             <a:schemeClr val="bg1">
                               <a:lumMod val="75000"/>
@@ -13190,6 +12152,7 @@
                           <a:effectLst/>
                           <a:latin typeface="나눔바른고딕" panose="020B0603020101020101" pitchFamily="50" charset="-127"/>
                           <a:ea typeface="나눔바른고딕" panose="020B0603020101020101" pitchFamily="50" charset="-127"/>
+                          <a:cs typeface="+mn-cs"/>
                         </a:rPr>
                         <a:t>서울대병원</a:t>
                       </a:r>
@@ -13260,7 +12223,7 @@
                         </a:spcAft>
                       </a:pPr>
                       <a:r>
-                        <a:rPr lang="en-US" sz="1050" kern="0" spc="0" dirty="0">
+                        <a:rPr lang="en-US" sz="1050" kern="0" spc="0" dirty="0" smtClean="0">
                           <a:solidFill>
                             <a:schemeClr val="bg1">
                               <a:lumMod val="75000"/>
@@ -13270,87 +12233,18 @@
                           <a:latin typeface="나눔바른고딕" panose="020B0603020101020101" pitchFamily="50" charset="-127"/>
                           <a:ea typeface="나눔바른고딕" panose="020B0603020101020101" pitchFamily="50" charset="-127"/>
                         </a:rPr>
-                        <a:t>91</a:t>
+                        <a:t>39</a:t>
                       </a:r>
-                    </a:p>
-                  </a:txBody>
-                  <a:tcPr marL="36000" marR="36000" marT="15709" marB="15709" anchor="ctr">
-                    <a:lnL w="12700" cap="flat" cmpd="sng" algn="ctr">
-                      <a:solidFill>
-                        <a:schemeClr val="bg1">
-                          <a:lumMod val="50000"/>
-                        </a:schemeClr>
-                      </a:solidFill>
-                      <a:prstDash val="solid"/>
-                      <a:round/>
-                      <a:headEnd type="none" w="med" len="med"/>
-                      <a:tailEnd type="none" w="med" len="med"/>
-                    </a:lnL>
-                    <a:lnR w="12700" cap="flat" cmpd="sng" algn="ctr">
-                      <a:solidFill>
-                        <a:schemeClr val="bg1">
-                          <a:lumMod val="50000"/>
-                        </a:schemeClr>
-                      </a:solidFill>
-                      <a:prstDash val="solid"/>
-                      <a:round/>
-                      <a:headEnd type="none" w="med" len="med"/>
-                      <a:tailEnd type="none" w="med" len="med"/>
-                    </a:lnR>
-                    <a:lnT w="12700" cap="flat" cmpd="sng" algn="ctr">
-                      <a:solidFill>
-                        <a:schemeClr val="bg1">
-                          <a:lumMod val="50000"/>
-                        </a:schemeClr>
-                      </a:solidFill>
-                      <a:prstDash val="solid"/>
-                      <a:round/>
-                      <a:headEnd type="none" w="med" len="med"/>
-                      <a:tailEnd type="none" w="med" len="med"/>
-                    </a:lnT>
-                    <a:lnB w="12700" cap="flat" cmpd="sng" algn="ctr">
-                      <a:solidFill>
-                        <a:schemeClr val="bg1">
-                          <a:lumMod val="50000"/>
-                        </a:schemeClr>
-                      </a:solidFill>
-                      <a:prstDash val="solid"/>
-                      <a:round/>
-                      <a:headEnd type="none" w="med" len="med"/>
-                      <a:tailEnd type="none" w="med" len="med"/>
-                    </a:lnB>
-                    <a:noFill/>
-                  </a:tcPr>
-                </a:tc>
-                <a:tc>
-                  <a:txBody>
-                    <a:bodyPr/>
-                    <a:lstStyle/>
-                    <a:p>
-                      <a:pPr marL="0" marR="0" indent="0" algn="ctr" fontAlgn="base" latinLnBrk="0">
-                        <a:lnSpc>
-                          <a:spcPct val="100000"/>
-                        </a:lnSpc>
-                        <a:spcBef>
-                          <a:spcPts val="0"/>
-                        </a:spcBef>
-                        <a:spcAft>
-                          <a:spcPts val="0"/>
-                        </a:spcAft>
-                      </a:pPr>
-                      <a:r>
-                        <a:rPr lang="en-US" sz="1050" kern="0" spc="0" dirty="0">
-                          <a:solidFill>
-                            <a:schemeClr val="bg1">
-                              <a:lumMod val="75000"/>
-                            </a:schemeClr>
-                          </a:solidFill>
-                          <a:effectLst/>
-                          <a:latin typeface="나눔바른고딕" panose="020B0603020101020101" pitchFamily="50" charset="-127"/>
-                          <a:ea typeface="나눔바른고딕" panose="020B0603020101020101" pitchFamily="50" charset="-127"/>
-                        </a:rPr>
-                        <a:t>-</a:t>
-                      </a:r>
+                      <a:endParaRPr lang="en-US" sz="1050" kern="0" spc="0" dirty="0">
+                        <a:solidFill>
+                          <a:schemeClr val="bg1">
+                            <a:lumMod val="75000"/>
+                          </a:schemeClr>
+                        </a:solidFill>
+                        <a:effectLst/>
+                        <a:latin typeface="나눔바른고딕" panose="020B0603020101020101" pitchFamily="50" charset="-127"/>
+                        <a:ea typeface="나눔바른고딕" panose="020B0603020101020101" pitchFamily="50" charset="-127"/>
+                      </a:endParaRPr>
                     </a:p>
                   </a:txBody>
                   <a:tcPr marL="36000" marR="36000" marT="15709" marB="15709" anchor="ctr">
@@ -13403,7 +12297,7 @@
                 </a:tc>
                 <a:extLst>
                   <a:ext uri="{0D108BD9-81ED-4DB2-BD59-A6C34878D82A}">
-                    <a16:rowId xmlns="" xmlns:a16="http://schemas.microsoft.com/office/drawing/2014/main" val="1727322252"/>
+                    <a16:rowId xmlns:a16="http://schemas.microsoft.com/office/drawing/2014/main" xmlns="" val="1727322252"/>
                   </a:ext>
                 </a:extLst>
               </a:tr>
@@ -14039,7 +12933,7 @@
                         </a:spcAft>
                       </a:pPr>
                       <a:r>
-                        <a:rPr lang="ko-KR" altLang="en-US" sz="1000" kern="0" spc="0" dirty="0">
+                        <a:rPr lang="ko-KR" altLang="en-US" sz="1000" b="1" kern="0" spc="0" dirty="0">
                           <a:solidFill>
                             <a:schemeClr val="bg1">
                               <a:lumMod val="75000"/>
@@ -14048,6 +12942,7 @@
                           <a:effectLst/>
                           <a:latin typeface="나눔바른고딕" panose="020B0603020101020101" pitchFamily="50" charset="-127"/>
                           <a:ea typeface="나눔바른고딕" panose="020B0603020101020101" pitchFamily="50" charset="-127"/>
+                          <a:cs typeface="+mn-cs"/>
                         </a:rPr>
                         <a:t>서울대병원</a:t>
                       </a:r>
@@ -14118,7 +13013,7 @@
                         </a:spcAft>
                       </a:pPr>
                       <a:r>
-                        <a:rPr lang="en-US" sz="1050" kern="0" spc="0" dirty="0">
+                        <a:rPr lang="en-US" sz="1050" kern="0" spc="0" dirty="0" smtClean="0">
                           <a:solidFill>
                             <a:schemeClr val="bg1">
                               <a:lumMod val="75000"/>
@@ -14129,19 +13024,6 @@
                           <a:ea typeface="나눔바른고딕" panose="020B0603020101020101" pitchFamily="50" charset="-127"/>
                         </a:rPr>
                         <a:t>0</a:t>
-                      </a:r>
-                      <a:r>
-                        <a:rPr lang="en-US" sz="1050" kern="0" spc="0" baseline="30000" dirty="0">
-                          <a:solidFill>
-                            <a:schemeClr val="bg1">
-                              <a:lumMod val="75000"/>
-                            </a:schemeClr>
-                          </a:solidFill>
-                          <a:effectLst/>
-                          <a:latin typeface="나눔바른고딕" panose="020B0603020101020101" pitchFamily="50" charset="-127"/>
-                          <a:ea typeface="나눔바른고딕" panose="020B0603020101020101" pitchFamily="50" charset="-127"/>
-                        </a:rPr>
-                        <a:t>1)</a:t>
                       </a:r>
                       <a:endParaRPr lang="en-US" sz="1050" kern="0" spc="0" dirty="0">
                         <a:solidFill>
@@ -14203,88 +13085,9 @@
                     <a:noFill/>
                   </a:tcPr>
                 </a:tc>
-                <a:tc>
-                  <a:txBody>
-                    <a:bodyPr/>
-                    <a:lstStyle/>
-                    <a:p>
-                      <a:pPr marL="0" marR="0" indent="0" algn="ctr" fontAlgn="base" latinLnBrk="0">
-                        <a:lnSpc>
-                          <a:spcPct val="100000"/>
-                        </a:lnSpc>
-                        <a:spcBef>
-                          <a:spcPts val="0"/>
-                        </a:spcBef>
-                        <a:spcAft>
-                          <a:spcPts val="0"/>
-                        </a:spcAft>
-                      </a:pPr>
-                      <a:r>
-                        <a:rPr lang="en-US" sz="1050" kern="0" spc="0" dirty="0">
-                          <a:solidFill>
-                            <a:schemeClr val="bg1">
-                              <a:lumMod val="75000"/>
-                            </a:schemeClr>
-                          </a:solidFill>
-                          <a:effectLst/>
-                          <a:latin typeface="나눔바른고딕" panose="020B0603020101020101" pitchFamily="50" charset="-127"/>
-                          <a:ea typeface="나눔바른고딕" panose="020B0603020101020101" pitchFamily="50" charset="-127"/>
-                        </a:rPr>
-                        <a:t>-</a:t>
-                      </a:r>
-                    </a:p>
-                  </a:txBody>
-                  <a:tcPr marL="36000" marR="36000" marT="15709" marB="15709" anchor="ctr">
-                    <a:lnL w="12700" cap="flat" cmpd="sng" algn="ctr">
-                      <a:solidFill>
-                        <a:schemeClr val="bg1">
-                          <a:lumMod val="50000"/>
-                        </a:schemeClr>
-                      </a:solidFill>
-                      <a:prstDash val="solid"/>
-                      <a:round/>
-                      <a:headEnd type="none" w="med" len="med"/>
-                      <a:tailEnd type="none" w="med" len="med"/>
-                    </a:lnL>
-                    <a:lnR w="12700" cap="flat" cmpd="sng" algn="ctr">
-                      <a:solidFill>
-                        <a:schemeClr val="bg1">
-                          <a:lumMod val="50000"/>
-                        </a:schemeClr>
-                      </a:solidFill>
-                      <a:prstDash val="solid"/>
-                      <a:round/>
-                      <a:headEnd type="none" w="med" len="med"/>
-                      <a:tailEnd type="none" w="med" len="med"/>
-                    </a:lnR>
-                    <a:lnT w="12700" cap="flat" cmpd="sng" algn="ctr">
-                      <a:solidFill>
-                        <a:schemeClr val="bg1">
-                          <a:lumMod val="50000"/>
-                        </a:schemeClr>
-                      </a:solidFill>
-                      <a:prstDash val="solid"/>
-                      <a:round/>
-                      <a:headEnd type="none" w="med" len="med"/>
-                      <a:tailEnd type="none" w="med" len="med"/>
-                    </a:lnT>
-                    <a:lnB w="12700" cap="flat" cmpd="sng" algn="ctr">
-                      <a:solidFill>
-                        <a:schemeClr val="bg1">
-                          <a:lumMod val="50000"/>
-                        </a:schemeClr>
-                      </a:solidFill>
-                      <a:prstDash val="solid"/>
-                      <a:round/>
-                      <a:headEnd type="none" w="med" len="med"/>
-                      <a:tailEnd type="none" w="med" len="med"/>
-                    </a:lnB>
-                    <a:noFill/>
-                  </a:tcPr>
-                </a:tc>
                 <a:extLst>
                   <a:ext uri="{0D108BD9-81ED-4DB2-BD59-A6C34878D82A}">
-                    <a16:rowId xmlns="" xmlns:a16="http://schemas.microsoft.com/office/drawing/2014/main" val="1466450458"/>
+                    <a16:rowId xmlns:a16="http://schemas.microsoft.com/office/drawing/2014/main" xmlns="" val="1466450458"/>
                   </a:ext>
                 </a:extLst>
               </a:tr>
@@ -14919,7 +13722,7 @@
                         </a:spcAft>
                       </a:pPr>
                       <a:r>
-                        <a:rPr lang="ko-KR" altLang="en-US" sz="1000" kern="0" spc="0">
+                        <a:rPr lang="ko-KR" altLang="en-US" sz="1000" b="1" kern="0" spc="0">
                           <a:solidFill>
                             <a:schemeClr val="bg1">
                               <a:lumMod val="75000"/>
@@ -14928,6 +13731,7 @@
                           <a:effectLst/>
                           <a:latin typeface="나눔바른고딕" panose="020B0603020101020101" pitchFamily="50" charset="-127"/>
                           <a:ea typeface="나눔바른고딕" panose="020B0603020101020101" pitchFamily="50" charset="-127"/>
+                          <a:cs typeface="+mn-cs"/>
                         </a:rPr>
                         <a:t>분당서울대병원</a:t>
                       </a:r>
@@ -14998,7 +13802,7 @@
                         </a:spcAft>
                       </a:pPr>
                       <a:r>
-                        <a:rPr lang="en-US" sz="1050" kern="0" spc="0" dirty="0">
+                        <a:rPr lang="en-US" sz="1050" kern="0" spc="0" dirty="0" smtClean="0">
                           <a:solidFill>
                             <a:schemeClr val="bg1">
                               <a:lumMod val="75000"/>
@@ -15008,192 +13812,9 @@
                           <a:latin typeface="나눔바른고딕" panose="020B0603020101020101" pitchFamily="50" charset="-127"/>
                           <a:ea typeface="나눔바른고딕" panose="020B0603020101020101" pitchFamily="50" charset="-127"/>
                         </a:rPr>
-                        <a:t>666</a:t>
+                        <a:t>219</a:t>
                       </a:r>
-                    </a:p>
-                  </a:txBody>
-                  <a:tcPr marL="36000" marR="36000" marT="15709" marB="15709" anchor="ctr">
-                    <a:lnL w="12700" cap="flat" cmpd="sng" algn="ctr">
-                      <a:solidFill>
-                        <a:schemeClr val="bg1">
-                          <a:lumMod val="50000"/>
-                        </a:schemeClr>
-                      </a:solidFill>
-                      <a:prstDash val="solid"/>
-                      <a:round/>
-                      <a:headEnd type="none" w="med" len="med"/>
-                      <a:tailEnd type="none" w="med" len="med"/>
-                    </a:lnL>
-                    <a:lnR w="12700" cap="flat" cmpd="sng" algn="ctr">
-                      <a:solidFill>
-                        <a:schemeClr val="bg1">
-                          <a:lumMod val="50000"/>
-                        </a:schemeClr>
-                      </a:solidFill>
-                      <a:prstDash val="solid"/>
-                      <a:round/>
-                      <a:headEnd type="none" w="med" len="med"/>
-                      <a:tailEnd type="none" w="med" len="med"/>
-                    </a:lnR>
-                    <a:lnT w="12700" cap="flat" cmpd="sng" algn="ctr">
-                      <a:solidFill>
-                        <a:schemeClr val="bg1">
-                          <a:lumMod val="50000"/>
-                        </a:schemeClr>
-                      </a:solidFill>
-                      <a:prstDash val="solid"/>
-                      <a:round/>
-                      <a:headEnd type="none" w="med" len="med"/>
-                      <a:tailEnd type="none" w="med" len="med"/>
-                    </a:lnT>
-                    <a:lnB w="12700" cap="flat" cmpd="sng" algn="ctr">
-                      <a:solidFill>
-                        <a:schemeClr val="bg1">
-                          <a:lumMod val="50000"/>
-                        </a:schemeClr>
-                      </a:solidFill>
-                      <a:prstDash val="solid"/>
-                      <a:round/>
-                      <a:headEnd type="none" w="med" len="med"/>
-                      <a:tailEnd type="none" w="med" len="med"/>
-                    </a:lnB>
-                    <a:noFill/>
-                  </a:tcPr>
-                </a:tc>
-                <a:tc>
-                  <a:txBody>
-                    <a:bodyPr/>
-                    <a:lstStyle/>
-                    <a:p>
-                      <a:pPr marL="0" marR="0" indent="0" algn="ctr" fontAlgn="base" latinLnBrk="0">
-                        <a:lnSpc>
-                          <a:spcPct val="100000"/>
-                        </a:lnSpc>
-                        <a:spcBef>
-                          <a:spcPts val="0"/>
-                        </a:spcBef>
-                        <a:spcAft>
-                          <a:spcPts val="0"/>
-                        </a:spcAft>
-                      </a:pPr>
-                      <a:r>
-                        <a:rPr lang="en-US" altLang="ko-KR" sz="1050" kern="0" spc="0" dirty="0">
-                          <a:solidFill>
-                            <a:schemeClr val="bg1">
-                              <a:lumMod val="75000"/>
-                            </a:schemeClr>
-                          </a:solidFill>
-                          <a:effectLst/>
-                          <a:latin typeface="나눔바른고딕" panose="020B0603020101020101" pitchFamily="50" charset="-127"/>
-                          <a:ea typeface="나눔바른고딕" panose="020B0603020101020101" pitchFamily="50" charset="-127"/>
-                        </a:rPr>
-                        <a:t>1</a:t>
-                      </a:r>
-                      <a:r>
-                        <a:rPr lang="ko-KR" altLang="en-US" sz="1050" kern="0" spc="0" dirty="0">
-                          <a:solidFill>
-                            <a:schemeClr val="bg1">
-                              <a:lumMod val="75000"/>
-                            </a:schemeClr>
-                          </a:solidFill>
-                          <a:effectLst/>
-                          <a:latin typeface="나눔바른고딕" panose="020B0603020101020101" pitchFamily="50" charset="-127"/>
-                          <a:ea typeface="나눔바른고딕" panose="020B0603020101020101" pitchFamily="50" charset="-127"/>
-                        </a:rPr>
-                        <a:t>명 양성</a:t>
-                      </a:r>
-                    </a:p>
-                    <a:p>
-                      <a:pPr marL="0" marR="0" indent="0" algn="ctr" fontAlgn="base" latinLnBrk="0">
-                        <a:lnSpc>
-                          <a:spcPct val="100000"/>
-                        </a:lnSpc>
-                        <a:spcBef>
-                          <a:spcPts val="0"/>
-                        </a:spcBef>
-                        <a:spcAft>
-                          <a:spcPts val="0"/>
-                        </a:spcAft>
-                      </a:pPr>
-                      <a:r>
-                        <a:rPr lang="en-US" altLang="ko-KR" sz="1050" kern="0" spc="0" dirty="0">
-                          <a:solidFill>
-                            <a:schemeClr val="bg1">
-                              <a:lumMod val="75000"/>
-                            </a:schemeClr>
-                          </a:solidFill>
-                          <a:effectLst/>
-                          <a:latin typeface="나눔바른고딕" panose="020B0603020101020101" pitchFamily="50" charset="-127"/>
-                          <a:ea typeface="나눔바른고딕" panose="020B0603020101020101" pitchFamily="50" charset="-127"/>
-                        </a:rPr>
-                        <a:t>3</a:t>
-                      </a:r>
-                      <a:r>
-                        <a:rPr lang="ko-KR" altLang="en-US" sz="1050" kern="0" spc="0" dirty="0">
-                          <a:solidFill>
-                            <a:schemeClr val="bg1">
-                              <a:lumMod val="75000"/>
-                            </a:schemeClr>
-                          </a:solidFill>
-                          <a:effectLst/>
-                          <a:latin typeface="나눔바른고딕" panose="020B0603020101020101" pitchFamily="50" charset="-127"/>
-                          <a:ea typeface="나눔바른고딕" panose="020B0603020101020101" pitchFamily="50" charset="-127"/>
-                        </a:rPr>
-                        <a:t>명 음성</a:t>
-                      </a:r>
-                    </a:p>
-                    <a:p>
-                      <a:pPr marL="0" marR="0" indent="0" algn="ctr" fontAlgn="base" latinLnBrk="0">
-                        <a:lnSpc>
-                          <a:spcPct val="100000"/>
-                        </a:lnSpc>
-                        <a:spcBef>
-                          <a:spcPts val="0"/>
-                        </a:spcBef>
-                        <a:spcAft>
-                          <a:spcPts val="0"/>
-                        </a:spcAft>
-                      </a:pPr>
-                      <a:r>
-                        <a:rPr lang="en-US" altLang="ko-KR" sz="1050" kern="0" spc="0" dirty="0">
-                          <a:solidFill>
-                            <a:schemeClr val="bg1">
-                              <a:lumMod val="75000"/>
-                            </a:schemeClr>
-                          </a:solidFill>
-                          <a:effectLst/>
-                          <a:latin typeface="나눔바른고딕" panose="020B0603020101020101" pitchFamily="50" charset="-127"/>
-                          <a:ea typeface="나눔바른고딕" panose="020B0603020101020101" pitchFamily="50" charset="-127"/>
-                        </a:rPr>
-                        <a:t>4</a:t>
-                      </a:r>
-                      <a:r>
-                        <a:rPr lang="ko-KR" altLang="en-US" sz="1050" kern="0" spc="0" dirty="0">
-                          <a:solidFill>
-                            <a:schemeClr val="bg1">
-                              <a:lumMod val="75000"/>
-                            </a:schemeClr>
-                          </a:solidFill>
-                          <a:effectLst/>
-                          <a:latin typeface="나눔바른고딕" panose="020B0603020101020101" pitchFamily="50" charset="-127"/>
-                          <a:ea typeface="나눔바른고딕" panose="020B0603020101020101" pitchFamily="50" charset="-127"/>
-                        </a:rPr>
-                        <a:t>명 </a:t>
-                      </a:r>
-                      <a:r>
-                        <a:rPr lang="ko-KR" altLang="en-US" sz="1050" kern="0" spc="0" dirty="0" err="1">
-                          <a:solidFill>
-                            <a:schemeClr val="bg1">
-                              <a:lumMod val="75000"/>
-                            </a:schemeClr>
-                          </a:solidFill>
-                          <a:effectLst/>
-                          <a:latin typeface="나눔바른고딕" panose="020B0603020101020101" pitchFamily="50" charset="-127"/>
-                          <a:ea typeface="나눔바른고딕" panose="020B0603020101020101" pitchFamily="50" charset="-127"/>
-                        </a:rPr>
-                        <a:t>검사중</a:t>
-                      </a:r>
-                      <a:endParaRPr lang="ko-KR" altLang="en-US" sz="1050" kern="0" spc="0" dirty="0">
+                      <a:endParaRPr lang="en-US" sz="1050" kern="0" spc="0" dirty="0">
                         <a:solidFill>
                           <a:schemeClr val="bg1">
                             <a:lumMod val="75000"/>
@@ -15255,7 +13876,7 @@
                 </a:tc>
                 <a:extLst>
                   <a:ext uri="{0D108BD9-81ED-4DB2-BD59-A6C34878D82A}">
-                    <a16:rowId xmlns="" xmlns:a16="http://schemas.microsoft.com/office/drawing/2014/main" val="1758572221"/>
+                    <a16:rowId xmlns:a16="http://schemas.microsoft.com/office/drawing/2014/main" xmlns="" val="1758572221"/>
                   </a:ext>
                 </a:extLst>
               </a:tr>
@@ -15890,7 +14511,7 @@
                         </a:spcAft>
                       </a:pPr>
                       <a:r>
-                        <a:rPr lang="ko-KR" altLang="en-US" sz="1000" kern="0" spc="0" dirty="0">
+                        <a:rPr lang="ko-KR" altLang="en-US" sz="1000" b="1" kern="0" spc="0" dirty="0">
                           <a:solidFill>
                             <a:schemeClr val="bg1">
                               <a:lumMod val="75000"/>
@@ -15899,6 +14520,7 @@
                           <a:effectLst/>
                           <a:latin typeface="나눔바른고딕" panose="020B0603020101020101" pitchFamily="50" charset="-127"/>
                           <a:ea typeface="나눔바른고딕" panose="020B0603020101020101" pitchFamily="50" charset="-127"/>
+                          <a:cs typeface="+mn-cs"/>
                         </a:rPr>
                         <a:t>국립중앙의료원</a:t>
                       </a:r>
@@ -15969,7 +14591,7 @@
                         </a:spcAft>
                       </a:pPr>
                       <a:r>
-                        <a:rPr lang="en-US" sz="1050" kern="0" spc="0" dirty="0">
+                        <a:rPr lang="en-US" sz="1050" kern="0" spc="0" dirty="0" smtClean="0">
                           <a:solidFill>
                             <a:schemeClr val="bg1">
                               <a:lumMod val="75000"/>
@@ -15982,7 +14604,7 @@
                         <a:t>0</a:t>
                       </a:r>
                       <a:r>
-                        <a:rPr lang="en-US" sz="1050" kern="0" spc="0" baseline="30000" dirty="0">
+                        <a:rPr lang="en-US" sz="1050" kern="0" spc="0" baseline="30000" dirty="0" smtClean="0">
                           <a:solidFill>
                             <a:schemeClr val="bg1">
                               <a:lumMod val="75000"/>
@@ -15992,7 +14614,7 @@
                           <a:latin typeface="나눔바른고딕" panose="020B0603020101020101" pitchFamily="50" charset="-127"/>
                           <a:ea typeface="나눔바른고딕" panose="020B0603020101020101" pitchFamily="50" charset="-127"/>
                         </a:rPr>
-                        <a:t>2)</a:t>
+                        <a:t>)</a:t>
                       </a:r>
                       <a:endParaRPr lang="en-US" sz="1050" kern="0" spc="0" dirty="0">
                         <a:solidFill>
@@ -16054,88 +14676,9 @@
                     <a:noFill/>
                   </a:tcPr>
                 </a:tc>
-                <a:tc>
-                  <a:txBody>
-                    <a:bodyPr/>
-                    <a:lstStyle/>
-                    <a:p>
-                      <a:pPr marL="0" marR="0" indent="0" algn="ctr" fontAlgn="base" latinLnBrk="0">
-                        <a:lnSpc>
-                          <a:spcPct val="100000"/>
-                        </a:lnSpc>
-                        <a:spcBef>
-                          <a:spcPts val="0"/>
-                        </a:spcBef>
-                        <a:spcAft>
-                          <a:spcPts val="0"/>
-                        </a:spcAft>
-                      </a:pPr>
-                      <a:r>
-                        <a:rPr lang="en-US" sz="1050" kern="0" spc="0" dirty="0">
-                          <a:solidFill>
-                            <a:schemeClr val="bg1">
-                              <a:lumMod val="75000"/>
-                            </a:schemeClr>
-                          </a:solidFill>
-                          <a:effectLst/>
-                          <a:latin typeface="나눔바른고딕" panose="020B0603020101020101" pitchFamily="50" charset="-127"/>
-                          <a:ea typeface="나눔바른고딕" panose="020B0603020101020101" pitchFamily="50" charset="-127"/>
-                        </a:rPr>
-                        <a:t>-</a:t>
-                      </a:r>
-                    </a:p>
-                  </a:txBody>
-                  <a:tcPr marL="36000" marR="36000" marT="15709" marB="15709" anchor="ctr">
-                    <a:lnL w="12700" cap="flat" cmpd="sng" algn="ctr">
-                      <a:solidFill>
-                        <a:schemeClr val="bg1">
-                          <a:lumMod val="50000"/>
-                        </a:schemeClr>
-                      </a:solidFill>
-                      <a:prstDash val="solid"/>
-                      <a:round/>
-                      <a:headEnd type="none" w="med" len="med"/>
-                      <a:tailEnd type="none" w="med" len="med"/>
-                    </a:lnL>
-                    <a:lnR w="12700" cap="flat" cmpd="sng" algn="ctr">
-                      <a:solidFill>
-                        <a:schemeClr val="bg1">
-                          <a:lumMod val="50000"/>
-                        </a:schemeClr>
-                      </a:solidFill>
-                      <a:prstDash val="solid"/>
-                      <a:round/>
-                      <a:headEnd type="none" w="med" len="med"/>
-                      <a:tailEnd type="none" w="med" len="med"/>
-                    </a:lnR>
-                    <a:lnT w="12700" cap="flat" cmpd="sng" algn="ctr">
-                      <a:solidFill>
-                        <a:schemeClr val="bg1">
-                          <a:lumMod val="50000"/>
-                        </a:schemeClr>
-                      </a:solidFill>
-                      <a:prstDash val="solid"/>
-                      <a:round/>
-                      <a:headEnd type="none" w="med" len="med"/>
-                      <a:tailEnd type="none" w="med" len="med"/>
-                    </a:lnT>
-                    <a:lnB w="12700" cap="flat" cmpd="sng" algn="ctr">
-                      <a:solidFill>
-                        <a:schemeClr val="bg1">
-                          <a:lumMod val="50000"/>
-                        </a:schemeClr>
-                      </a:solidFill>
-                      <a:prstDash val="solid"/>
-                      <a:round/>
-                      <a:headEnd type="none" w="med" len="med"/>
-                      <a:tailEnd type="none" w="med" len="med"/>
-                    </a:lnB>
-                    <a:noFill/>
-                  </a:tcPr>
-                </a:tc>
                 <a:extLst>
                   <a:ext uri="{0D108BD9-81ED-4DB2-BD59-A6C34878D82A}">
-                    <a16:rowId xmlns="" xmlns:a16="http://schemas.microsoft.com/office/drawing/2014/main" val="591793903"/>
+                    <a16:rowId xmlns:a16="http://schemas.microsoft.com/office/drawing/2014/main" xmlns="" val="591793903"/>
                   </a:ext>
                 </a:extLst>
               </a:tr>
@@ -16770,7 +15313,7 @@
                         </a:spcAft>
                       </a:pPr>
                       <a:r>
-                        <a:rPr lang="ko-KR" altLang="en-US" sz="1000" kern="0" spc="0" dirty="0">
+                        <a:rPr lang="ko-KR" altLang="en-US" sz="1000" b="1" kern="0" spc="0" dirty="0">
                           <a:solidFill>
                             <a:schemeClr val="bg1">
                               <a:lumMod val="75000"/>
@@ -16779,6 +15322,7 @@
                           <a:effectLst/>
                           <a:latin typeface="나눔바른고딕" panose="020B0603020101020101" pitchFamily="50" charset="-127"/>
                           <a:ea typeface="나눔바른고딕" panose="020B0603020101020101" pitchFamily="50" charset="-127"/>
+                          <a:cs typeface="+mn-cs"/>
                         </a:rPr>
                         <a:t>분당서울대병원</a:t>
                       </a:r>
@@ -16849,7 +15393,7 @@
                         </a:spcAft>
                       </a:pPr>
                       <a:r>
-                        <a:rPr lang="en-US" sz="1050" kern="0" spc="0" dirty="0">
+                        <a:rPr lang="en-US" sz="1050" kern="0" spc="0" dirty="0" smtClean="0">
                           <a:solidFill>
                             <a:schemeClr val="bg1">
                               <a:lumMod val="75000"/>
@@ -16859,20 +15403,7 @@
                           <a:latin typeface="나눔바른고딕" panose="020B0603020101020101" pitchFamily="50" charset="-127"/>
                           <a:ea typeface="나눔바른고딕" panose="020B0603020101020101" pitchFamily="50" charset="-127"/>
                         </a:rPr>
-                        <a:t>0</a:t>
-                      </a:r>
-                      <a:r>
-                        <a:rPr lang="en-US" sz="1050" kern="0" spc="0" baseline="30000" dirty="0">
-                          <a:solidFill>
-                            <a:schemeClr val="bg1">
-                              <a:lumMod val="75000"/>
-                            </a:schemeClr>
-                          </a:solidFill>
-                          <a:effectLst/>
-                          <a:latin typeface="나눔바른고딕" panose="020B0603020101020101" pitchFamily="50" charset="-127"/>
-                          <a:ea typeface="나눔바른고딕" panose="020B0603020101020101" pitchFamily="50" charset="-127"/>
-                        </a:rPr>
-                        <a:t>1)</a:t>
+                        <a:t>3</a:t>
                       </a:r>
                       <a:endParaRPr lang="en-US" sz="1050" kern="0" spc="0" dirty="0">
                         <a:solidFill>
@@ -16934,88 +15465,9 @@
                     <a:noFill/>
                   </a:tcPr>
                 </a:tc>
-                <a:tc>
-                  <a:txBody>
-                    <a:bodyPr/>
-                    <a:lstStyle/>
-                    <a:p>
-                      <a:pPr marL="0" marR="0" indent="0" algn="ctr" fontAlgn="base" latinLnBrk="0">
-                        <a:lnSpc>
-                          <a:spcPct val="100000"/>
-                        </a:lnSpc>
-                        <a:spcBef>
-                          <a:spcPts val="0"/>
-                        </a:spcBef>
-                        <a:spcAft>
-                          <a:spcPts val="0"/>
-                        </a:spcAft>
-                      </a:pPr>
-                      <a:r>
-                        <a:rPr lang="en-US" sz="1050" kern="0" spc="0" dirty="0">
-                          <a:solidFill>
-                            <a:schemeClr val="bg1">
-                              <a:lumMod val="75000"/>
-                            </a:schemeClr>
-                          </a:solidFill>
-                          <a:effectLst/>
-                          <a:latin typeface="나눔바른고딕" panose="020B0603020101020101" pitchFamily="50" charset="-127"/>
-                          <a:ea typeface="나눔바른고딕" panose="020B0603020101020101" pitchFamily="50" charset="-127"/>
-                        </a:rPr>
-                        <a:t>-</a:t>
-                      </a:r>
-                    </a:p>
-                  </a:txBody>
-                  <a:tcPr marL="36000" marR="36000" marT="15709" marB="15709" anchor="ctr">
-                    <a:lnL w="12700" cap="flat" cmpd="sng" algn="ctr">
-                      <a:solidFill>
-                        <a:schemeClr val="bg1">
-                          <a:lumMod val="50000"/>
-                        </a:schemeClr>
-                      </a:solidFill>
-                      <a:prstDash val="solid"/>
-                      <a:round/>
-                      <a:headEnd type="none" w="med" len="med"/>
-                      <a:tailEnd type="none" w="med" len="med"/>
-                    </a:lnL>
-                    <a:lnR w="12700" cap="flat" cmpd="sng" algn="ctr">
-                      <a:solidFill>
-                        <a:schemeClr val="bg1">
-                          <a:lumMod val="50000"/>
-                        </a:schemeClr>
-                      </a:solidFill>
-                      <a:prstDash val="solid"/>
-                      <a:round/>
-                      <a:headEnd type="none" w="med" len="med"/>
-                      <a:tailEnd type="none" w="med" len="med"/>
-                    </a:lnR>
-                    <a:lnT w="12700" cap="flat" cmpd="sng" algn="ctr">
-                      <a:solidFill>
-                        <a:schemeClr val="bg1">
-                          <a:lumMod val="50000"/>
-                        </a:schemeClr>
-                      </a:solidFill>
-                      <a:prstDash val="solid"/>
-                      <a:round/>
-                      <a:headEnd type="none" w="med" len="med"/>
-                      <a:tailEnd type="none" w="med" len="med"/>
-                    </a:lnT>
-                    <a:lnB w="12700" cap="flat" cmpd="sng" algn="ctr">
-                      <a:solidFill>
-                        <a:schemeClr val="bg1">
-                          <a:lumMod val="50000"/>
-                        </a:schemeClr>
-                      </a:solidFill>
-                      <a:prstDash val="solid"/>
-                      <a:round/>
-                      <a:headEnd type="none" w="med" len="med"/>
-                      <a:tailEnd type="none" w="med" len="med"/>
-                    </a:lnB>
-                    <a:noFill/>
-                  </a:tcPr>
-                </a:tc>
                 <a:extLst>
                   <a:ext uri="{0D108BD9-81ED-4DB2-BD59-A6C34878D82A}">
-                    <a16:rowId xmlns="" xmlns:a16="http://schemas.microsoft.com/office/drawing/2014/main" val="2167617470"/>
+                    <a16:rowId xmlns:a16="http://schemas.microsoft.com/office/drawing/2014/main" xmlns="" val="2167617470"/>
                   </a:ext>
                 </a:extLst>
               </a:tr>
@@ -17597,7 +16049,7 @@
                         </a:spcAft>
                       </a:pPr>
                       <a:r>
-                        <a:rPr lang="ko-KR" altLang="en-US" sz="1000" b="1" kern="0" spc="0">
+                        <a:rPr lang="ko-KR" altLang="en-US" sz="1000" b="1" kern="0" spc="0" dirty="0">
                           <a:solidFill>
                             <a:schemeClr val="bg1">
                               <a:lumMod val="75000"/>
@@ -17677,7 +16129,7 @@
                         </a:spcAft>
                       </a:pPr>
                       <a:r>
-                        <a:rPr lang="en-US" sz="1050" b="1" kern="0" spc="0" dirty="0">
+                        <a:rPr lang="en-US" sz="1050" b="1" kern="0" spc="0" dirty="0" smtClean="0">
                           <a:solidFill>
                             <a:schemeClr val="bg1">
                               <a:lumMod val="75000"/>
@@ -17688,88 +16140,19 @@
                           <a:ea typeface="나눔바른고딕" panose="020B0603020101020101" pitchFamily="50" charset="-127"/>
                           <a:cs typeface="+mn-cs"/>
                         </a:rPr>
-                        <a:t>12</a:t>
+                        <a:t>14</a:t>
                       </a:r>
-                    </a:p>
-                  </a:txBody>
-                  <a:tcPr marL="36000" marR="36000" marT="15709" marB="15709" anchor="ctr">
-                    <a:lnL w="12700" cap="flat" cmpd="sng" algn="ctr">
-                      <a:solidFill>
-                        <a:schemeClr val="bg1">
-                          <a:lumMod val="50000"/>
-                        </a:schemeClr>
-                      </a:solidFill>
-                      <a:prstDash val="solid"/>
-                      <a:round/>
-                      <a:headEnd type="none" w="med" len="med"/>
-                      <a:tailEnd type="none" w="med" len="med"/>
-                    </a:lnL>
-                    <a:lnR w="12700" cap="flat" cmpd="sng" algn="ctr">
-                      <a:solidFill>
-                        <a:schemeClr val="bg1">
-                          <a:lumMod val="50000"/>
-                        </a:schemeClr>
-                      </a:solidFill>
-                      <a:prstDash val="solid"/>
-                      <a:round/>
-                      <a:headEnd type="none" w="med" len="med"/>
-                      <a:tailEnd type="none" w="med" len="med"/>
-                    </a:lnR>
-                    <a:lnT w="12700" cap="flat" cmpd="sng" algn="ctr">
-                      <a:solidFill>
-                        <a:schemeClr val="bg1">
-                          <a:lumMod val="50000"/>
-                        </a:schemeClr>
-                      </a:solidFill>
-                      <a:prstDash val="solid"/>
-                      <a:round/>
-                      <a:headEnd type="none" w="med" len="med"/>
-                      <a:tailEnd type="none" w="med" len="med"/>
-                    </a:lnT>
-                    <a:lnB w="12700" cap="flat" cmpd="sng" algn="ctr">
-                      <a:solidFill>
-                        <a:schemeClr val="bg1">
-                          <a:lumMod val="50000"/>
-                        </a:schemeClr>
-                      </a:solidFill>
-                      <a:prstDash val="solid"/>
-                      <a:round/>
-                      <a:headEnd type="none" w="med" len="med"/>
-                      <a:tailEnd type="none" w="med" len="med"/>
-                    </a:lnB>
-                    <a:noFill/>
-                  </a:tcPr>
-                </a:tc>
-                <a:tc>
-                  <a:txBody>
-                    <a:bodyPr/>
-                    <a:lstStyle/>
-                    <a:p>
-                      <a:pPr marL="0" marR="0" indent="0" algn="ctr" fontAlgn="base" latinLnBrk="0">
-                        <a:lnSpc>
-                          <a:spcPct val="100000"/>
-                        </a:lnSpc>
-                        <a:spcBef>
-                          <a:spcPts val="0"/>
-                        </a:spcBef>
-                        <a:spcAft>
-                          <a:spcPts val="0"/>
-                        </a:spcAft>
-                      </a:pPr>
-                      <a:r>
-                        <a:rPr lang="en-US" sz="1050" b="1" kern="0" spc="0" dirty="0">
-                          <a:solidFill>
-                            <a:schemeClr val="bg1">
-                              <a:lumMod val="75000"/>
-                            </a:schemeClr>
-                          </a:solidFill>
-                          <a:effectLst/>
-                          <a:latin typeface="나눔바른고딕" panose="020B0603020101020101" pitchFamily="50" charset="-127"/>
-                          <a:ea typeface="나눔바른고딕" panose="020B0603020101020101" pitchFamily="50" charset="-127"/>
-                          <a:cs typeface="+mn-cs"/>
-                        </a:rPr>
-                        <a:t>-</a:t>
-                      </a:r>
+                      <a:endParaRPr lang="en-US" sz="1050" b="1" kern="0" spc="0" dirty="0">
+                        <a:solidFill>
+                          <a:schemeClr val="bg1">
+                            <a:lumMod val="75000"/>
+                          </a:schemeClr>
+                        </a:solidFill>
+                        <a:effectLst/>
+                        <a:latin typeface="나눔바른고딕" panose="020B0603020101020101" pitchFamily="50" charset="-127"/>
+                        <a:ea typeface="나눔바른고딕" panose="020B0603020101020101" pitchFamily="50" charset="-127"/>
+                        <a:cs typeface="+mn-cs"/>
+                      </a:endParaRPr>
                     </a:p>
                   </a:txBody>
                   <a:tcPr marL="36000" marR="36000" marT="15709" marB="15709" anchor="ctr">
@@ -17822,7 +16205,7 @@
                 </a:tc>
                 <a:extLst>
                   <a:ext uri="{0D108BD9-81ED-4DB2-BD59-A6C34878D82A}">
-                    <a16:rowId xmlns="" xmlns:a16="http://schemas.microsoft.com/office/drawing/2014/main" val="2045471854"/>
+                    <a16:rowId xmlns:a16="http://schemas.microsoft.com/office/drawing/2014/main" xmlns="" val="2045471854"/>
                   </a:ext>
                 </a:extLst>
               </a:tr>
@@ -18164,7 +16547,7 @@
                         </a:spcAft>
                       </a:pPr>
                       <a:r>
-                        <a:rPr lang="en-US" sz="1050" b="1" kern="0" spc="0">
+                        <a:rPr lang="en-US" sz="1050" b="1" kern="0" spc="0" dirty="0">
                           <a:solidFill>
                             <a:schemeClr val="bg1">
                               <a:lumMod val="75000"/>
@@ -18244,7 +16627,7 @@
                         </a:spcAft>
                       </a:pPr>
                       <a:r>
-                        <a:rPr lang="en-US" sz="1050" b="1" kern="0" spc="0">
+                        <a:rPr lang="en-US" sz="1050" b="1" kern="0" spc="0" dirty="0">
                           <a:solidFill>
                             <a:schemeClr val="bg1">
                               <a:lumMod val="75000"/>
@@ -18404,7 +16787,7 @@
                         </a:spcAft>
                       </a:pPr>
                       <a:r>
-                        <a:rPr lang="ko-KR" altLang="en-US" sz="1000" b="1" kern="0" spc="0">
+                        <a:rPr lang="ko-KR" altLang="en-US" sz="1000" b="1" kern="0" spc="0" dirty="0" err="1">
                           <a:solidFill>
                             <a:schemeClr val="bg1">
                               <a:lumMod val="75000"/>
@@ -18417,6 +16800,17 @@
                         </a:rPr>
                         <a:t>전남대병원</a:t>
                       </a:r>
+                      <a:endParaRPr lang="ko-KR" altLang="en-US" sz="1000" b="1" kern="0" spc="0" dirty="0">
+                        <a:solidFill>
+                          <a:schemeClr val="bg1">
+                            <a:lumMod val="75000"/>
+                          </a:schemeClr>
+                        </a:solidFill>
+                        <a:effectLst/>
+                        <a:latin typeface="나눔바른고딕" panose="020B0603020101020101" pitchFamily="50" charset="-127"/>
+                        <a:ea typeface="나눔바른고딕" panose="020B0603020101020101" pitchFamily="50" charset="-127"/>
+                        <a:cs typeface="+mn-cs"/>
+                      </a:endParaRPr>
                     </a:p>
                   </a:txBody>
                   <a:tcPr marL="36000" marR="36000" marT="15709" marB="15709" anchor="ctr">
@@ -18484,7 +16878,7 @@
                         </a:spcAft>
                       </a:pPr>
                       <a:r>
-                        <a:rPr lang="ko-KR" altLang="en-US" sz="1050" b="1" kern="0" spc="0" dirty="0">
+                        <a:rPr lang="en-US" altLang="ko-KR" sz="1050" b="1" kern="0" spc="0" dirty="0" smtClean="0">
                           <a:solidFill>
                             <a:schemeClr val="bg1">
                               <a:lumMod val="75000"/>
@@ -18495,74 +16889,8 @@
                           <a:ea typeface="나눔바른고딕" panose="020B0603020101020101" pitchFamily="50" charset="-127"/>
                           <a:cs typeface="+mn-cs"/>
                         </a:rPr>
-                        <a:t>조사중</a:t>
+                        <a:t>306</a:t>
                       </a:r>
-                    </a:p>
-                  </a:txBody>
-                  <a:tcPr marL="36000" marR="36000" marT="15709" marB="15709" anchor="ctr">
-                    <a:lnL w="12700" cap="flat" cmpd="sng" algn="ctr">
-                      <a:solidFill>
-                        <a:schemeClr val="bg1">
-                          <a:lumMod val="50000"/>
-                        </a:schemeClr>
-                      </a:solidFill>
-                      <a:prstDash val="solid"/>
-                      <a:round/>
-                      <a:headEnd type="none" w="med" len="med"/>
-                      <a:tailEnd type="none" w="med" len="med"/>
-                    </a:lnL>
-                    <a:lnR w="12700" cap="flat" cmpd="sng" algn="ctr">
-                      <a:solidFill>
-                        <a:schemeClr val="bg1">
-                          <a:lumMod val="50000"/>
-                        </a:schemeClr>
-                      </a:solidFill>
-                      <a:prstDash val="solid"/>
-                      <a:round/>
-                      <a:headEnd type="none" w="med" len="med"/>
-                      <a:tailEnd type="none" w="med" len="med"/>
-                    </a:lnR>
-                    <a:lnT w="12700" cap="flat" cmpd="sng" algn="ctr">
-                      <a:solidFill>
-                        <a:schemeClr val="bg1">
-                          <a:lumMod val="50000"/>
-                        </a:schemeClr>
-                      </a:solidFill>
-                      <a:prstDash val="solid"/>
-                      <a:round/>
-                      <a:headEnd type="none" w="med" len="med"/>
-                      <a:tailEnd type="none" w="med" len="med"/>
-                    </a:lnT>
-                    <a:lnB w="12700" cap="flat" cmpd="sng" algn="ctr">
-                      <a:solidFill>
-                        <a:schemeClr val="bg1">
-                          <a:lumMod val="50000"/>
-                        </a:schemeClr>
-                      </a:solidFill>
-                      <a:prstDash val="solid"/>
-                      <a:round/>
-                      <a:headEnd type="none" w="med" len="med"/>
-                      <a:tailEnd type="none" w="med" len="med"/>
-                    </a:lnB>
-                    <a:noFill/>
-                  </a:tcPr>
-                </a:tc>
-                <a:tc>
-                  <a:txBody>
-                    <a:bodyPr/>
-                    <a:lstStyle/>
-                    <a:p>
-                      <a:pPr marL="0" marR="0" indent="0" algn="ctr" fontAlgn="base" latinLnBrk="0">
-                        <a:lnSpc>
-                          <a:spcPct val="100000"/>
-                        </a:lnSpc>
-                        <a:spcBef>
-                          <a:spcPts val="0"/>
-                        </a:spcBef>
-                        <a:spcAft>
-                          <a:spcPts val="0"/>
-                        </a:spcAft>
-                      </a:pPr>
                       <a:endParaRPr lang="ko-KR" altLang="en-US" sz="1050" b="1" kern="0" spc="0" dirty="0">
                         <a:solidFill>
                           <a:schemeClr val="bg1">
@@ -18626,7 +16954,7 @@
                 </a:tc>
                 <a:extLst>
                   <a:ext uri="{0D108BD9-81ED-4DB2-BD59-A6C34878D82A}">
-                    <a16:rowId xmlns="" xmlns:a16="http://schemas.microsoft.com/office/drawing/2014/main" val="1396846476"/>
+                    <a16:rowId xmlns:a16="http://schemas.microsoft.com/office/drawing/2014/main" xmlns="" val="1396846476"/>
                   </a:ext>
                 </a:extLst>
               </a:tr>
@@ -19000,7 +17328,7 @@
                     <a:bodyPr/>
                     <a:lstStyle/>
                     <a:p>
-                      <a:pPr marL="0" marR="0" indent="0" algn="ctr" fontAlgn="base" latinLnBrk="0">
+                      <a:pPr marL="0" marR="0" indent="0" algn="ctr" defTabSz="914400" rtl="0" eaLnBrk="1" fontAlgn="base" latinLnBrk="0" hangingPunct="1">
                         <a:lnSpc>
                           <a:spcPct val="100000"/>
                         </a:lnSpc>
@@ -19010,18 +17338,27 @@
                         <a:spcAft>
                           <a:spcPts val="0"/>
                         </a:spcAft>
+                        <a:buClrTx/>
+                        <a:buSzTx/>
+                        <a:buFontTx/>
+                        <a:buNone/>
+                        <a:tabLst/>
+                        <a:defRPr/>
                       </a:pPr>
-                      <a:endParaRPr lang="en-US" sz="1050" b="1" kern="0" spc="0" dirty="0">
-                        <a:solidFill>
-                          <a:schemeClr val="bg1">
-                            <a:lumMod val="75000"/>
-                          </a:schemeClr>
-                        </a:solidFill>
-                        <a:effectLst/>
-                        <a:latin typeface="나눔바른고딕" panose="020B0603020101020101" pitchFamily="50" charset="-127"/>
-                        <a:ea typeface="나눔바른고딕" panose="020B0603020101020101" pitchFamily="50" charset="-127"/>
-                        <a:cs typeface="+mn-cs"/>
-                      </a:endParaRPr>
+                      <a:r>
+                        <a:rPr lang="en-US" altLang="ko-KR" sz="1050" b="1" kern="0" spc="0" dirty="0" smtClean="0">
+                          <a:solidFill>
+                            <a:schemeClr val="bg1">
+                              <a:lumMod val="75000"/>
+                            </a:schemeClr>
+                          </a:solidFill>
+                          <a:effectLst/>
+                          <a:latin typeface="나눔바른고딕" panose="020B0603020101020101" pitchFamily="50" charset="-127"/>
+                          <a:ea typeface="나눔바른고딕" panose="020B0603020101020101" pitchFamily="50" charset="-127"/>
+                          <a:cs typeface="+mn-cs"/>
+                        </a:rPr>
+                        <a:t>X</a:t>
+                      </a:r>
                     </a:p>
                   </a:txBody>
                   <a:tcPr marL="36000" marR="36000" marT="15709" marB="15709" anchor="ctr">
@@ -19088,6 +17425,20 @@
                           <a:spcPts val="0"/>
                         </a:spcAft>
                       </a:pPr>
+                      <a:r>
+                        <a:rPr lang="en-US" sz="1050" b="1" kern="0" spc="0" dirty="0" smtClean="0">
+                          <a:solidFill>
+                            <a:schemeClr val="bg1">
+                              <a:lumMod val="75000"/>
+                            </a:schemeClr>
+                          </a:solidFill>
+                          <a:effectLst/>
+                          <a:latin typeface="나눔바른고딕" panose="020B0603020101020101" pitchFamily="50" charset="-127"/>
+                          <a:ea typeface="나눔바른고딕" panose="020B0603020101020101" pitchFamily="50" charset="-127"/>
+                          <a:cs typeface="+mn-cs"/>
+                        </a:rPr>
+                        <a:t>1.24</a:t>
+                      </a:r>
                       <a:endParaRPr lang="en-US" sz="1050" b="1" kern="0" spc="0" dirty="0">
                         <a:solidFill>
                           <a:schemeClr val="bg1">
@@ -19256,7 +17607,21 @@
                           <a:spcPts val="0"/>
                         </a:spcAft>
                       </a:pPr>
-                      <a:endParaRPr lang="ko-KR" altLang="en-US" sz="1000" b="1" kern="0" spc="0">
+                      <a:r>
+                        <a:rPr lang="ko-KR" altLang="en-US" sz="1000" b="1" kern="0" spc="0" dirty="0" smtClean="0">
+                          <a:solidFill>
+                            <a:schemeClr val="bg1">
+                              <a:lumMod val="75000"/>
+                            </a:schemeClr>
+                          </a:solidFill>
+                          <a:effectLst/>
+                          <a:latin typeface="나눔바른고딕" panose="020B0603020101020101" pitchFamily="50" charset="-127"/>
+                          <a:ea typeface="나눔바른고딕" panose="020B0603020101020101" pitchFamily="50" charset="-127"/>
+                          <a:cs typeface="+mn-cs"/>
+                        </a:rPr>
+                        <a:t>명지병원</a:t>
+                      </a:r>
+                      <a:endParaRPr lang="ko-KR" altLang="en-US" sz="1000" b="1" kern="0" spc="0" dirty="0">
                         <a:solidFill>
                           <a:schemeClr val="bg1">
                             <a:lumMod val="75000"/>
@@ -19333,83 +17698,20 @@
                           <a:spcPts val="0"/>
                         </a:spcAft>
                       </a:pPr>
-                      <a:endParaRPr lang="ko-KR" altLang="en-US" sz="1050" b="1" kern="0" spc="0" dirty="0">
-                        <a:solidFill>
-                          <a:schemeClr val="bg1">
-                            <a:lumMod val="75000"/>
-                          </a:schemeClr>
-                        </a:solidFill>
-                        <a:effectLst/>
-                        <a:latin typeface="나눔바른고딕" panose="020B0603020101020101" pitchFamily="50" charset="-127"/>
-                        <a:ea typeface="나눔바른고딕" panose="020B0603020101020101" pitchFamily="50" charset="-127"/>
-                        <a:cs typeface="+mn-cs"/>
-                      </a:endParaRPr>
-                    </a:p>
-                  </a:txBody>
-                  <a:tcPr marL="36000" marR="36000" marT="15709" marB="15709" anchor="ctr">
-                    <a:lnL w="12700" cap="flat" cmpd="sng" algn="ctr">
-                      <a:solidFill>
-                        <a:schemeClr val="bg1">
-                          <a:lumMod val="50000"/>
-                        </a:schemeClr>
-                      </a:solidFill>
-                      <a:prstDash val="solid"/>
-                      <a:round/>
-                      <a:headEnd type="none" w="med" len="med"/>
-                      <a:tailEnd type="none" w="med" len="med"/>
-                    </a:lnL>
-                    <a:lnR w="12700" cap="flat" cmpd="sng" algn="ctr">
-                      <a:solidFill>
-                        <a:schemeClr val="bg1">
-                          <a:lumMod val="50000"/>
-                        </a:schemeClr>
-                      </a:solidFill>
-                      <a:prstDash val="solid"/>
-                      <a:round/>
-                      <a:headEnd type="none" w="med" len="med"/>
-                      <a:tailEnd type="none" w="med" len="med"/>
-                    </a:lnR>
-                    <a:lnT w="12700" cap="flat" cmpd="sng" algn="ctr">
-                      <a:solidFill>
-                        <a:schemeClr val="bg1">
-                          <a:lumMod val="50000"/>
-                        </a:schemeClr>
-                      </a:solidFill>
-                      <a:prstDash val="solid"/>
-                      <a:round/>
-                      <a:headEnd type="none" w="med" len="med"/>
-                      <a:tailEnd type="none" w="med" len="med"/>
-                    </a:lnT>
-                    <a:lnB w="12700" cap="flat" cmpd="sng" algn="ctr">
-                      <a:solidFill>
-                        <a:schemeClr val="bg1">
-                          <a:lumMod val="50000"/>
-                        </a:schemeClr>
-                      </a:solidFill>
-                      <a:prstDash val="solid"/>
-                      <a:round/>
-                      <a:headEnd type="none" w="med" len="med"/>
-                      <a:tailEnd type="none" w="med" len="med"/>
-                    </a:lnB>
-                    <a:noFill/>
-                  </a:tcPr>
-                </a:tc>
-                <a:tc>
-                  <a:txBody>
-                    <a:bodyPr/>
-                    <a:lstStyle/>
-                    <a:p>
-                      <a:pPr marL="0" marR="0" indent="0" algn="ctr" fontAlgn="base" latinLnBrk="0">
-                        <a:lnSpc>
-                          <a:spcPct val="100000"/>
-                        </a:lnSpc>
-                        <a:spcBef>
-                          <a:spcPts val="0"/>
-                        </a:spcBef>
-                        <a:spcAft>
-                          <a:spcPts val="0"/>
-                        </a:spcAft>
-                      </a:pPr>
+                      <a:r>
+                        <a:rPr lang="ko-KR" altLang="en-US" sz="1050" b="1" kern="0" spc="0" dirty="0" err="1" smtClean="0">
+                          <a:solidFill>
+                            <a:schemeClr val="bg1">
+                              <a:lumMod val="75000"/>
+                            </a:schemeClr>
+                          </a:solidFill>
+                          <a:effectLst/>
+                          <a:latin typeface="나눔바른고딕" panose="020B0603020101020101" pitchFamily="50" charset="-127"/>
+                          <a:ea typeface="나눔바른고딕" panose="020B0603020101020101" pitchFamily="50" charset="-127"/>
+                          <a:cs typeface="+mn-cs"/>
+                        </a:rPr>
+                        <a:t>확인중</a:t>
+                      </a:r>
                       <a:endParaRPr lang="ko-KR" altLang="en-US" sz="1050" b="1" kern="0" spc="0" dirty="0">
                         <a:solidFill>
                           <a:schemeClr val="bg1">
@@ -19853,7 +18155,21 @@
                           <a:spcPts val="0"/>
                         </a:spcAft>
                       </a:pPr>
-                      <a:endParaRPr lang="en-US" sz="1050" b="1" kern="0" spc="0" dirty="0">
+                      <a:r>
+                        <a:rPr lang="en-US" altLang="ko-KR" sz="1050" b="1" kern="0" spc="0" dirty="0" smtClean="0">
+                          <a:solidFill>
+                            <a:schemeClr val="bg1">
+                              <a:lumMod val="75000"/>
+                            </a:schemeClr>
+                          </a:solidFill>
+                          <a:effectLst/>
+                          <a:latin typeface="나눔바른고딕" panose="020B0603020101020101" pitchFamily="50" charset="-127"/>
+                          <a:ea typeface="나눔바른고딕" panose="020B0603020101020101" pitchFamily="50" charset="-127"/>
+                          <a:cs typeface="+mn-cs"/>
+                        </a:rPr>
+                        <a:t>X</a:t>
+                      </a:r>
+                      <a:endParaRPr lang="en-US" altLang="ko-KR" sz="1050" b="1" kern="0" spc="0" dirty="0">
                         <a:solidFill>
                           <a:schemeClr val="bg1">
                             <a:lumMod val="75000"/>
@@ -19930,6 +18246,20 @@
                           <a:spcPts val="0"/>
                         </a:spcAft>
                       </a:pPr>
+                      <a:r>
+                        <a:rPr lang="en-US" sz="1050" b="1" kern="0" spc="0" dirty="0" smtClean="0">
+                          <a:solidFill>
+                            <a:schemeClr val="bg1">
+                              <a:lumMod val="75000"/>
+                            </a:schemeClr>
+                          </a:solidFill>
+                          <a:effectLst/>
+                          <a:latin typeface="나눔바른고딕" panose="020B0603020101020101" pitchFamily="50" charset="-127"/>
+                          <a:ea typeface="나눔바른고딕" panose="020B0603020101020101" pitchFamily="50" charset="-127"/>
+                          <a:cs typeface="+mn-cs"/>
+                        </a:rPr>
+                        <a:t>1.19</a:t>
+                      </a:r>
                       <a:endParaRPr lang="en-US" sz="1050" b="1" kern="0" spc="0" dirty="0">
                         <a:solidFill>
                           <a:schemeClr val="bg1">
@@ -20098,6 +18428,20 @@
                           <a:spcPts val="0"/>
                         </a:spcAft>
                       </a:pPr>
+                      <a:r>
+                        <a:rPr lang="ko-KR" altLang="en-US" sz="1000" b="1" kern="0" spc="0" dirty="0" err="1" smtClean="0">
+                          <a:solidFill>
+                            <a:schemeClr val="bg1">
+                              <a:lumMod val="75000"/>
+                            </a:schemeClr>
+                          </a:solidFill>
+                          <a:effectLst/>
+                          <a:latin typeface="나눔바른고딕" panose="020B0603020101020101" pitchFamily="50" charset="-127"/>
+                          <a:ea typeface="나눔바른고딕" panose="020B0603020101020101" pitchFamily="50" charset="-127"/>
+                          <a:cs typeface="+mn-cs"/>
+                        </a:rPr>
+                        <a:t>전남대병원</a:t>
+                      </a:r>
                       <a:endParaRPr lang="ko-KR" altLang="en-US" sz="1000" b="1" kern="0" spc="0" dirty="0">
                         <a:solidFill>
                           <a:schemeClr val="bg1">
@@ -20175,83 +18519,20 @@
                           <a:spcPts val="0"/>
                         </a:spcAft>
                       </a:pPr>
-                      <a:endParaRPr lang="ko-KR" altLang="en-US" sz="1050" b="1" kern="0" spc="0" dirty="0">
-                        <a:solidFill>
-                          <a:schemeClr val="bg1">
-                            <a:lumMod val="75000"/>
-                          </a:schemeClr>
-                        </a:solidFill>
-                        <a:effectLst/>
-                        <a:latin typeface="나눔바른고딕" panose="020B0603020101020101" pitchFamily="50" charset="-127"/>
-                        <a:ea typeface="나눔바른고딕" panose="020B0603020101020101" pitchFamily="50" charset="-127"/>
-                        <a:cs typeface="+mn-cs"/>
-                      </a:endParaRPr>
-                    </a:p>
-                  </a:txBody>
-                  <a:tcPr marL="36000" marR="36000" marT="15709" marB="15709" anchor="ctr">
-                    <a:lnL w="12700" cap="flat" cmpd="sng" algn="ctr">
-                      <a:solidFill>
-                        <a:schemeClr val="bg1">
-                          <a:lumMod val="50000"/>
-                        </a:schemeClr>
-                      </a:solidFill>
-                      <a:prstDash val="solid"/>
-                      <a:round/>
-                      <a:headEnd type="none" w="med" len="med"/>
-                      <a:tailEnd type="none" w="med" len="med"/>
-                    </a:lnL>
-                    <a:lnR w="12700" cap="flat" cmpd="sng" algn="ctr">
-                      <a:solidFill>
-                        <a:schemeClr val="bg1">
-                          <a:lumMod val="50000"/>
-                        </a:schemeClr>
-                      </a:solidFill>
-                      <a:prstDash val="solid"/>
-                      <a:round/>
-                      <a:headEnd type="none" w="med" len="med"/>
-                      <a:tailEnd type="none" w="med" len="med"/>
-                    </a:lnR>
-                    <a:lnT w="12700" cap="flat" cmpd="sng" algn="ctr">
-                      <a:solidFill>
-                        <a:schemeClr val="bg1">
-                          <a:lumMod val="50000"/>
-                        </a:schemeClr>
-                      </a:solidFill>
-                      <a:prstDash val="solid"/>
-                      <a:round/>
-                      <a:headEnd type="none" w="med" len="med"/>
-                      <a:tailEnd type="none" w="med" len="med"/>
-                    </a:lnT>
-                    <a:lnB w="12700" cap="flat" cmpd="sng" algn="ctr">
-                      <a:solidFill>
-                        <a:schemeClr val="bg1">
-                          <a:lumMod val="50000"/>
-                        </a:schemeClr>
-                      </a:solidFill>
-                      <a:prstDash val="solid"/>
-                      <a:round/>
-                      <a:headEnd type="none" w="med" len="med"/>
-                      <a:tailEnd type="none" w="med" len="med"/>
-                    </a:lnB>
-                    <a:noFill/>
-                  </a:tcPr>
-                </a:tc>
-                <a:tc>
-                  <a:txBody>
-                    <a:bodyPr/>
-                    <a:lstStyle/>
-                    <a:p>
-                      <a:pPr marL="0" marR="0" indent="0" algn="ctr" fontAlgn="base" latinLnBrk="0">
-                        <a:lnSpc>
-                          <a:spcPct val="100000"/>
-                        </a:lnSpc>
-                        <a:spcBef>
-                          <a:spcPts val="0"/>
-                        </a:spcBef>
-                        <a:spcAft>
-                          <a:spcPts val="0"/>
-                        </a:spcAft>
-                      </a:pPr>
+                      <a:r>
+                        <a:rPr lang="ko-KR" altLang="en-US" sz="1050" b="1" kern="0" spc="0" dirty="0" err="1" smtClean="0">
+                          <a:solidFill>
+                            <a:schemeClr val="bg1">
+                              <a:lumMod val="75000"/>
+                            </a:schemeClr>
+                          </a:solidFill>
+                          <a:effectLst/>
+                          <a:latin typeface="나눔바른고딕" panose="020B0603020101020101" pitchFamily="50" charset="-127"/>
+                          <a:ea typeface="나눔바른고딕" panose="020B0603020101020101" pitchFamily="50" charset="-127"/>
+                          <a:cs typeface="+mn-cs"/>
+                        </a:rPr>
+                        <a:t>확인중</a:t>
+                      </a:r>
                       <a:endParaRPr lang="ko-KR" altLang="en-US" sz="1050" b="1" kern="0" spc="0" dirty="0">
                         <a:solidFill>
                           <a:schemeClr val="bg1">

--- a/images/update.pptx
+++ b/images/update.pptx
@@ -134,7 +134,7 @@
           <p:cNvPr id="2" name="제목 1">
             <a:extLst>
               <a:ext uri="{FF2B5EF4-FFF2-40B4-BE49-F238E27FC236}">
-                <a16:creationId xmlns:a16="http://schemas.microsoft.com/office/drawing/2014/main" xmlns="" id="{709C3663-1325-4932-A62B-0B761DBD4910}"/>
+                <a16:creationId xmlns:a16="http://schemas.microsoft.com/office/drawing/2014/main" id="{709C3663-1325-4932-A62B-0B761DBD4910}"/>
               </a:ext>
             </a:extLst>
           </p:cNvPr>
@@ -171,7 +171,7 @@
           <p:cNvPr id="3" name="부제목 2">
             <a:extLst>
               <a:ext uri="{FF2B5EF4-FFF2-40B4-BE49-F238E27FC236}">
-                <a16:creationId xmlns:a16="http://schemas.microsoft.com/office/drawing/2014/main" xmlns="" id="{BBBDED7A-5236-41C5-B7C9-27913CCE0685}"/>
+                <a16:creationId xmlns:a16="http://schemas.microsoft.com/office/drawing/2014/main" id="{BBBDED7A-5236-41C5-B7C9-27913CCE0685}"/>
               </a:ext>
             </a:extLst>
           </p:cNvPr>
@@ -241,7 +241,7 @@
           <p:cNvPr id="4" name="날짜 개체 틀 3">
             <a:extLst>
               <a:ext uri="{FF2B5EF4-FFF2-40B4-BE49-F238E27FC236}">
-                <a16:creationId xmlns:a16="http://schemas.microsoft.com/office/drawing/2014/main" xmlns="" id="{2BB2662A-58B5-4209-B7D6-490DD0A2F449}"/>
+                <a16:creationId xmlns:a16="http://schemas.microsoft.com/office/drawing/2014/main" id="{2BB2662A-58B5-4209-B7D6-490DD0A2F449}"/>
               </a:ext>
             </a:extLst>
           </p:cNvPr>
@@ -270,7 +270,7 @@
           <p:cNvPr id="5" name="바닥글 개체 틀 4">
             <a:extLst>
               <a:ext uri="{FF2B5EF4-FFF2-40B4-BE49-F238E27FC236}">
-                <a16:creationId xmlns:a16="http://schemas.microsoft.com/office/drawing/2014/main" xmlns="" id="{C5DA137A-B415-4505-8390-A9ED526FF33D}"/>
+                <a16:creationId xmlns:a16="http://schemas.microsoft.com/office/drawing/2014/main" id="{C5DA137A-B415-4505-8390-A9ED526FF33D}"/>
               </a:ext>
             </a:extLst>
           </p:cNvPr>
@@ -295,7 +295,7 @@
           <p:cNvPr id="6" name="슬라이드 번호 개체 틀 5">
             <a:extLst>
               <a:ext uri="{FF2B5EF4-FFF2-40B4-BE49-F238E27FC236}">
-                <a16:creationId xmlns:a16="http://schemas.microsoft.com/office/drawing/2014/main" xmlns="" id="{428C23D2-FF8D-4584-9E1A-0026BAA39595}"/>
+                <a16:creationId xmlns:a16="http://schemas.microsoft.com/office/drawing/2014/main" id="{428C23D2-FF8D-4584-9E1A-0026BAA39595}"/>
               </a:ext>
             </a:extLst>
           </p:cNvPr>
@@ -354,7 +354,7 @@
           <p:cNvPr id="2" name="제목 1">
             <a:extLst>
               <a:ext uri="{FF2B5EF4-FFF2-40B4-BE49-F238E27FC236}">
-                <a16:creationId xmlns:a16="http://schemas.microsoft.com/office/drawing/2014/main" xmlns="" id="{180EFAF5-6A95-4191-A5F4-5652B8DB7B8C}"/>
+                <a16:creationId xmlns:a16="http://schemas.microsoft.com/office/drawing/2014/main" id="{180EFAF5-6A95-4191-A5F4-5652B8DB7B8C}"/>
               </a:ext>
             </a:extLst>
           </p:cNvPr>
@@ -382,7 +382,7 @@
           <p:cNvPr id="3" name="세로 텍스트 개체 틀 2">
             <a:extLst>
               <a:ext uri="{FF2B5EF4-FFF2-40B4-BE49-F238E27FC236}">
-                <a16:creationId xmlns:a16="http://schemas.microsoft.com/office/drawing/2014/main" xmlns="" id="{17E9374A-C70A-4C65-9EE2-758D1751FCD1}"/>
+                <a16:creationId xmlns:a16="http://schemas.microsoft.com/office/drawing/2014/main" id="{17E9374A-C70A-4C65-9EE2-758D1751FCD1}"/>
               </a:ext>
             </a:extLst>
           </p:cNvPr>
@@ -439,7 +439,7 @@
           <p:cNvPr id="4" name="날짜 개체 틀 3">
             <a:extLst>
               <a:ext uri="{FF2B5EF4-FFF2-40B4-BE49-F238E27FC236}">
-                <a16:creationId xmlns:a16="http://schemas.microsoft.com/office/drawing/2014/main" xmlns="" id="{A203BD37-1A57-4385-BB19-A38A57208826}"/>
+                <a16:creationId xmlns:a16="http://schemas.microsoft.com/office/drawing/2014/main" id="{A203BD37-1A57-4385-BB19-A38A57208826}"/>
               </a:ext>
             </a:extLst>
           </p:cNvPr>
@@ -468,7 +468,7 @@
           <p:cNvPr id="5" name="바닥글 개체 틀 4">
             <a:extLst>
               <a:ext uri="{FF2B5EF4-FFF2-40B4-BE49-F238E27FC236}">
-                <a16:creationId xmlns:a16="http://schemas.microsoft.com/office/drawing/2014/main" xmlns="" id="{30F03180-F227-48F5-B188-4B8903BDD52F}"/>
+                <a16:creationId xmlns:a16="http://schemas.microsoft.com/office/drawing/2014/main" id="{30F03180-F227-48F5-B188-4B8903BDD52F}"/>
               </a:ext>
             </a:extLst>
           </p:cNvPr>
@@ -493,7 +493,7 @@
           <p:cNvPr id="6" name="슬라이드 번호 개체 틀 5">
             <a:extLst>
               <a:ext uri="{FF2B5EF4-FFF2-40B4-BE49-F238E27FC236}">
-                <a16:creationId xmlns:a16="http://schemas.microsoft.com/office/drawing/2014/main" xmlns="" id="{F4F76F8E-8CD7-4695-BC80-9B8B6789DFF8}"/>
+                <a16:creationId xmlns:a16="http://schemas.microsoft.com/office/drawing/2014/main" id="{F4F76F8E-8CD7-4695-BC80-9B8B6789DFF8}"/>
               </a:ext>
             </a:extLst>
           </p:cNvPr>
@@ -552,7 +552,7 @@
           <p:cNvPr id="2" name="세로 제목 1">
             <a:extLst>
               <a:ext uri="{FF2B5EF4-FFF2-40B4-BE49-F238E27FC236}">
-                <a16:creationId xmlns:a16="http://schemas.microsoft.com/office/drawing/2014/main" xmlns="" id="{7D4CC50E-E65E-4620-90A2-D7E5A1FF15FE}"/>
+                <a16:creationId xmlns:a16="http://schemas.microsoft.com/office/drawing/2014/main" id="{7D4CC50E-E65E-4620-90A2-D7E5A1FF15FE}"/>
               </a:ext>
             </a:extLst>
           </p:cNvPr>
@@ -585,7 +585,7 @@
           <p:cNvPr id="3" name="세로 텍스트 개체 틀 2">
             <a:extLst>
               <a:ext uri="{FF2B5EF4-FFF2-40B4-BE49-F238E27FC236}">
-                <a16:creationId xmlns:a16="http://schemas.microsoft.com/office/drawing/2014/main" xmlns="" id="{841960AE-4FD6-465E-AC97-C18204D299C4}"/>
+                <a16:creationId xmlns:a16="http://schemas.microsoft.com/office/drawing/2014/main" id="{841960AE-4FD6-465E-AC97-C18204D299C4}"/>
               </a:ext>
             </a:extLst>
           </p:cNvPr>
@@ -647,7 +647,7 @@
           <p:cNvPr id="4" name="날짜 개체 틀 3">
             <a:extLst>
               <a:ext uri="{FF2B5EF4-FFF2-40B4-BE49-F238E27FC236}">
-                <a16:creationId xmlns:a16="http://schemas.microsoft.com/office/drawing/2014/main" xmlns="" id="{25C68F3B-21B4-404C-A9DD-07DC7ADA055D}"/>
+                <a16:creationId xmlns:a16="http://schemas.microsoft.com/office/drawing/2014/main" id="{25C68F3B-21B4-404C-A9DD-07DC7ADA055D}"/>
               </a:ext>
             </a:extLst>
           </p:cNvPr>
@@ -676,7 +676,7 @@
           <p:cNvPr id="5" name="바닥글 개체 틀 4">
             <a:extLst>
               <a:ext uri="{FF2B5EF4-FFF2-40B4-BE49-F238E27FC236}">
-                <a16:creationId xmlns:a16="http://schemas.microsoft.com/office/drawing/2014/main" xmlns="" id="{A4C56A2A-4832-4A47-9E78-B16B78ABA1A5}"/>
+                <a16:creationId xmlns:a16="http://schemas.microsoft.com/office/drawing/2014/main" id="{A4C56A2A-4832-4A47-9E78-B16B78ABA1A5}"/>
               </a:ext>
             </a:extLst>
           </p:cNvPr>
@@ -701,7 +701,7 @@
           <p:cNvPr id="6" name="슬라이드 번호 개체 틀 5">
             <a:extLst>
               <a:ext uri="{FF2B5EF4-FFF2-40B4-BE49-F238E27FC236}">
-                <a16:creationId xmlns:a16="http://schemas.microsoft.com/office/drawing/2014/main" xmlns="" id="{6C982E65-1974-4B8A-A8E1-E05F386ED37E}"/>
+                <a16:creationId xmlns:a16="http://schemas.microsoft.com/office/drawing/2014/main" id="{6C982E65-1974-4B8A-A8E1-E05F386ED37E}"/>
               </a:ext>
             </a:extLst>
           </p:cNvPr>
@@ -760,7 +760,7 @@
           <p:cNvPr id="2" name="제목 1">
             <a:extLst>
               <a:ext uri="{FF2B5EF4-FFF2-40B4-BE49-F238E27FC236}">
-                <a16:creationId xmlns:a16="http://schemas.microsoft.com/office/drawing/2014/main" xmlns="" id="{F02D6E3A-CF0E-4C48-9844-BEB255A68D74}"/>
+                <a16:creationId xmlns:a16="http://schemas.microsoft.com/office/drawing/2014/main" id="{F02D6E3A-CF0E-4C48-9844-BEB255A68D74}"/>
               </a:ext>
             </a:extLst>
           </p:cNvPr>
@@ -788,7 +788,7 @@
           <p:cNvPr id="3" name="내용 개체 틀 2">
             <a:extLst>
               <a:ext uri="{FF2B5EF4-FFF2-40B4-BE49-F238E27FC236}">
-                <a16:creationId xmlns:a16="http://schemas.microsoft.com/office/drawing/2014/main" xmlns="" id="{BC694769-9407-4067-A842-CAA2875D964A}"/>
+                <a16:creationId xmlns:a16="http://schemas.microsoft.com/office/drawing/2014/main" id="{BC694769-9407-4067-A842-CAA2875D964A}"/>
               </a:ext>
             </a:extLst>
           </p:cNvPr>
@@ -845,7 +845,7 @@
           <p:cNvPr id="4" name="날짜 개체 틀 3">
             <a:extLst>
               <a:ext uri="{FF2B5EF4-FFF2-40B4-BE49-F238E27FC236}">
-                <a16:creationId xmlns:a16="http://schemas.microsoft.com/office/drawing/2014/main" xmlns="" id="{FFBFB471-450B-45F0-A532-4E68ECD8378B}"/>
+                <a16:creationId xmlns:a16="http://schemas.microsoft.com/office/drawing/2014/main" id="{FFBFB471-450B-45F0-A532-4E68ECD8378B}"/>
               </a:ext>
             </a:extLst>
           </p:cNvPr>
@@ -874,7 +874,7 @@
           <p:cNvPr id="5" name="바닥글 개체 틀 4">
             <a:extLst>
               <a:ext uri="{FF2B5EF4-FFF2-40B4-BE49-F238E27FC236}">
-                <a16:creationId xmlns:a16="http://schemas.microsoft.com/office/drawing/2014/main" xmlns="" id="{C19F9A36-96F1-40A0-BF9B-4E17ED6424CA}"/>
+                <a16:creationId xmlns:a16="http://schemas.microsoft.com/office/drawing/2014/main" id="{C19F9A36-96F1-40A0-BF9B-4E17ED6424CA}"/>
               </a:ext>
             </a:extLst>
           </p:cNvPr>
@@ -899,7 +899,7 @@
           <p:cNvPr id="6" name="슬라이드 번호 개체 틀 5">
             <a:extLst>
               <a:ext uri="{FF2B5EF4-FFF2-40B4-BE49-F238E27FC236}">
-                <a16:creationId xmlns:a16="http://schemas.microsoft.com/office/drawing/2014/main" xmlns="" id="{F40827E4-96FB-4626-B42E-B85DCC5FA294}"/>
+                <a16:creationId xmlns:a16="http://schemas.microsoft.com/office/drawing/2014/main" id="{F40827E4-96FB-4626-B42E-B85DCC5FA294}"/>
               </a:ext>
             </a:extLst>
           </p:cNvPr>
@@ -958,7 +958,7 @@
           <p:cNvPr id="2" name="제목 1">
             <a:extLst>
               <a:ext uri="{FF2B5EF4-FFF2-40B4-BE49-F238E27FC236}">
-                <a16:creationId xmlns:a16="http://schemas.microsoft.com/office/drawing/2014/main" xmlns="" id="{A89D2F2F-F6A8-4AED-BEB7-A7448E450AE2}"/>
+                <a16:creationId xmlns:a16="http://schemas.microsoft.com/office/drawing/2014/main" id="{A89D2F2F-F6A8-4AED-BEB7-A7448E450AE2}"/>
               </a:ext>
             </a:extLst>
           </p:cNvPr>
@@ -995,7 +995,7 @@
           <p:cNvPr id="3" name="텍스트 개체 틀 2">
             <a:extLst>
               <a:ext uri="{FF2B5EF4-FFF2-40B4-BE49-F238E27FC236}">
-                <a16:creationId xmlns:a16="http://schemas.microsoft.com/office/drawing/2014/main" xmlns="" id="{1C920E00-1018-40AA-AFA1-47256FF76AD1}"/>
+                <a16:creationId xmlns:a16="http://schemas.microsoft.com/office/drawing/2014/main" id="{1C920E00-1018-40AA-AFA1-47256FF76AD1}"/>
               </a:ext>
             </a:extLst>
           </p:cNvPr>
@@ -1120,7 +1120,7 @@
           <p:cNvPr id="4" name="날짜 개체 틀 3">
             <a:extLst>
               <a:ext uri="{FF2B5EF4-FFF2-40B4-BE49-F238E27FC236}">
-                <a16:creationId xmlns:a16="http://schemas.microsoft.com/office/drawing/2014/main" xmlns="" id="{5DED6BBC-E01F-4AE9-8E55-2DF9E2AA7532}"/>
+                <a16:creationId xmlns:a16="http://schemas.microsoft.com/office/drawing/2014/main" id="{5DED6BBC-E01F-4AE9-8E55-2DF9E2AA7532}"/>
               </a:ext>
             </a:extLst>
           </p:cNvPr>
@@ -1149,7 +1149,7 @@
           <p:cNvPr id="5" name="바닥글 개체 틀 4">
             <a:extLst>
               <a:ext uri="{FF2B5EF4-FFF2-40B4-BE49-F238E27FC236}">
-                <a16:creationId xmlns:a16="http://schemas.microsoft.com/office/drawing/2014/main" xmlns="" id="{DB4D867E-A3C9-4C1D-9012-66E62C961C14}"/>
+                <a16:creationId xmlns:a16="http://schemas.microsoft.com/office/drawing/2014/main" id="{DB4D867E-A3C9-4C1D-9012-66E62C961C14}"/>
               </a:ext>
             </a:extLst>
           </p:cNvPr>
@@ -1174,7 +1174,7 @@
           <p:cNvPr id="6" name="슬라이드 번호 개체 틀 5">
             <a:extLst>
               <a:ext uri="{FF2B5EF4-FFF2-40B4-BE49-F238E27FC236}">
-                <a16:creationId xmlns:a16="http://schemas.microsoft.com/office/drawing/2014/main" xmlns="" id="{3C7BB8C6-2239-44B5-80E6-73F79D5D7042}"/>
+                <a16:creationId xmlns:a16="http://schemas.microsoft.com/office/drawing/2014/main" id="{3C7BB8C6-2239-44B5-80E6-73F79D5D7042}"/>
               </a:ext>
             </a:extLst>
           </p:cNvPr>
@@ -1233,7 +1233,7 @@
           <p:cNvPr id="2" name="제목 1">
             <a:extLst>
               <a:ext uri="{FF2B5EF4-FFF2-40B4-BE49-F238E27FC236}">
-                <a16:creationId xmlns:a16="http://schemas.microsoft.com/office/drawing/2014/main" xmlns="" id="{4CE6D0DC-FA61-4211-AA7D-7E7EF178661C}"/>
+                <a16:creationId xmlns:a16="http://schemas.microsoft.com/office/drawing/2014/main" id="{4CE6D0DC-FA61-4211-AA7D-7E7EF178661C}"/>
               </a:ext>
             </a:extLst>
           </p:cNvPr>
@@ -1261,7 +1261,7 @@
           <p:cNvPr id="3" name="내용 개체 틀 2">
             <a:extLst>
               <a:ext uri="{FF2B5EF4-FFF2-40B4-BE49-F238E27FC236}">
-                <a16:creationId xmlns:a16="http://schemas.microsoft.com/office/drawing/2014/main" xmlns="" id="{7043EACC-AF6E-4998-9489-A015AF45174F}"/>
+                <a16:creationId xmlns:a16="http://schemas.microsoft.com/office/drawing/2014/main" id="{7043EACC-AF6E-4998-9489-A015AF45174F}"/>
               </a:ext>
             </a:extLst>
           </p:cNvPr>
@@ -1323,7 +1323,7 @@
           <p:cNvPr id="4" name="내용 개체 틀 3">
             <a:extLst>
               <a:ext uri="{FF2B5EF4-FFF2-40B4-BE49-F238E27FC236}">
-                <a16:creationId xmlns:a16="http://schemas.microsoft.com/office/drawing/2014/main" xmlns="" id="{432FA007-1455-4C73-9864-D1A8AE49BF39}"/>
+                <a16:creationId xmlns:a16="http://schemas.microsoft.com/office/drawing/2014/main" id="{432FA007-1455-4C73-9864-D1A8AE49BF39}"/>
               </a:ext>
             </a:extLst>
           </p:cNvPr>
@@ -1385,7 +1385,7 @@
           <p:cNvPr id="5" name="날짜 개체 틀 4">
             <a:extLst>
               <a:ext uri="{FF2B5EF4-FFF2-40B4-BE49-F238E27FC236}">
-                <a16:creationId xmlns:a16="http://schemas.microsoft.com/office/drawing/2014/main" xmlns="" id="{37B741FF-157F-40D5-A150-75A2EE4C9E26}"/>
+                <a16:creationId xmlns:a16="http://schemas.microsoft.com/office/drawing/2014/main" id="{37B741FF-157F-40D5-A150-75A2EE4C9E26}"/>
               </a:ext>
             </a:extLst>
           </p:cNvPr>
@@ -1414,7 +1414,7 @@
           <p:cNvPr id="6" name="바닥글 개체 틀 5">
             <a:extLst>
               <a:ext uri="{FF2B5EF4-FFF2-40B4-BE49-F238E27FC236}">
-                <a16:creationId xmlns:a16="http://schemas.microsoft.com/office/drawing/2014/main" xmlns="" id="{C8338BD1-A5B5-41B8-829F-20A052C2AB04}"/>
+                <a16:creationId xmlns:a16="http://schemas.microsoft.com/office/drawing/2014/main" id="{C8338BD1-A5B5-41B8-829F-20A052C2AB04}"/>
               </a:ext>
             </a:extLst>
           </p:cNvPr>
@@ -1439,7 +1439,7 @@
           <p:cNvPr id="7" name="슬라이드 번호 개체 틀 6">
             <a:extLst>
               <a:ext uri="{FF2B5EF4-FFF2-40B4-BE49-F238E27FC236}">
-                <a16:creationId xmlns:a16="http://schemas.microsoft.com/office/drawing/2014/main" xmlns="" id="{41C61354-ADE2-4C09-BF98-114510514B79}"/>
+                <a16:creationId xmlns:a16="http://schemas.microsoft.com/office/drawing/2014/main" id="{41C61354-ADE2-4C09-BF98-114510514B79}"/>
               </a:ext>
             </a:extLst>
           </p:cNvPr>
@@ -1498,7 +1498,7 @@
           <p:cNvPr id="2" name="제목 1">
             <a:extLst>
               <a:ext uri="{FF2B5EF4-FFF2-40B4-BE49-F238E27FC236}">
-                <a16:creationId xmlns:a16="http://schemas.microsoft.com/office/drawing/2014/main" xmlns="" id="{98E0CDAF-1805-4623-80D6-E68E95AC0077}"/>
+                <a16:creationId xmlns:a16="http://schemas.microsoft.com/office/drawing/2014/main" id="{98E0CDAF-1805-4623-80D6-E68E95AC0077}"/>
               </a:ext>
             </a:extLst>
           </p:cNvPr>
@@ -1531,7 +1531,7 @@
           <p:cNvPr id="3" name="텍스트 개체 틀 2">
             <a:extLst>
               <a:ext uri="{FF2B5EF4-FFF2-40B4-BE49-F238E27FC236}">
-                <a16:creationId xmlns:a16="http://schemas.microsoft.com/office/drawing/2014/main" xmlns="" id="{19EAA552-FB12-4F4F-9114-E5851423FEB2}"/>
+                <a16:creationId xmlns:a16="http://schemas.microsoft.com/office/drawing/2014/main" id="{19EAA552-FB12-4F4F-9114-E5851423FEB2}"/>
               </a:ext>
             </a:extLst>
           </p:cNvPr>
@@ -1602,7 +1602,7 @@
           <p:cNvPr id="4" name="내용 개체 틀 3">
             <a:extLst>
               <a:ext uri="{FF2B5EF4-FFF2-40B4-BE49-F238E27FC236}">
-                <a16:creationId xmlns:a16="http://schemas.microsoft.com/office/drawing/2014/main" xmlns="" id="{57C41A33-1C13-4189-954C-A0BECB20E9C9}"/>
+                <a16:creationId xmlns:a16="http://schemas.microsoft.com/office/drawing/2014/main" id="{57C41A33-1C13-4189-954C-A0BECB20E9C9}"/>
               </a:ext>
             </a:extLst>
           </p:cNvPr>
@@ -1664,7 +1664,7 @@
           <p:cNvPr id="5" name="텍스트 개체 틀 4">
             <a:extLst>
               <a:ext uri="{FF2B5EF4-FFF2-40B4-BE49-F238E27FC236}">
-                <a16:creationId xmlns:a16="http://schemas.microsoft.com/office/drawing/2014/main" xmlns="" id="{34AA4E1F-43A2-47F0-8ADC-8E51F62E69D9}"/>
+                <a16:creationId xmlns:a16="http://schemas.microsoft.com/office/drawing/2014/main" id="{34AA4E1F-43A2-47F0-8ADC-8E51F62E69D9}"/>
               </a:ext>
             </a:extLst>
           </p:cNvPr>
@@ -1735,7 +1735,7 @@
           <p:cNvPr id="6" name="내용 개체 틀 5">
             <a:extLst>
               <a:ext uri="{FF2B5EF4-FFF2-40B4-BE49-F238E27FC236}">
-                <a16:creationId xmlns:a16="http://schemas.microsoft.com/office/drawing/2014/main" xmlns="" id="{EFBA4AAA-700C-48B0-9717-D14F467276B8}"/>
+                <a16:creationId xmlns:a16="http://schemas.microsoft.com/office/drawing/2014/main" id="{EFBA4AAA-700C-48B0-9717-D14F467276B8}"/>
               </a:ext>
             </a:extLst>
           </p:cNvPr>
@@ -1797,7 +1797,7 @@
           <p:cNvPr id="7" name="날짜 개체 틀 6">
             <a:extLst>
               <a:ext uri="{FF2B5EF4-FFF2-40B4-BE49-F238E27FC236}">
-                <a16:creationId xmlns:a16="http://schemas.microsoft.com/office/drawing/2014/main" xmlns="" id="{E1E6C05D-D90B-40BD-A788-3E6B0CAAF589}"/>
+                <a16:creationId xmlns:a16="http://schemas.microsoft.com/office/drawing/2014/main" id="{E1E6C05D-D90B-40BD-A788-3E6B0CAAF589}"/>
               </a:ext>
             </a:extLst>
           </p:cNvPr>
@@ -1826,7 +1826,7 @@
           <p:cNvPr id="8" name="바닥글 개체 틀 7">
             <a:extLst>
               <a:ext uri="{FF2B5EF4-FFF2-40B4-BE49-F238E27FC236}">
-                <a16:creationId xmlns:a16="http://schemas.microsoft.com/office/drawing/2014/main" xmlns="" id="{92A330DA-8A57-446E-82F0-6213E5B7008B}"/>
+                <a16:creationId xmlns:a16="http://schemas.microsoft.com/office/drawing/2014/main" id="{92A330DA-8A57-446E-82F0-6213E5B7008B}"/>
               </a:ext>
             </a:extLst>
           </p:cNvPr>
@@ -1851,7 +1851,7 @@
           <p:cNvPr id="9" name="슬라이드 번호 개체 틀 8">
             <a:extLst>
               <a:ext uri="{FF2B5EF4-FFF2-40B4-BE49-F238E27FC236}">
-                <a16:creationId xmlns:a16="http://schemas.microsoft.com/office/drawing/2014/main" xmlns="" id="{319BE11D-71D0-4A41-A374-9663D7690536}"/>
+                <a16:creationId xmlns:a16="http://schemas.microsoft.com/office/drawing/2014/main" id="{319BE11D-71D0-4A41-A374-9663D7690536}"/>
               </a:ext>
             </a:extLst>
           </p:cNvPr>
@@ -1910,7 +1910,7 @@
           <p:cNvPr id="2" name="제목 1">
             <a:extLst>
               <a:ext uri="{FF2B5EF4-FFF2-40B4-BE49-F238E27FC236}">
-                <a16:creationId xmlns:a16="http://schemas.microsoft.com/office/drawing/2014/main" xmlns="" id="{1BD63754-3DD4-48B0-AE43-31CE7464971A}"/>
+                <a16:creationId xmlns:a16="http://schemas.microsoft.com/office/drawing/2014/main" id="{1BD63754-3DD4-48B0-AE43-31CE7464971A}"/>
               </a:ext>
             </a:extLst>
           </p:cNvPr>
@@ -1938,7 +1938,7 @@
           <p:cNvPr id="3" name="날짜 개체 틀 2">
             <a:extLst>
               <a:ext uri="{FF2B5EF4-FFF2-40B4-BE49-F238E27FC236}">
-                <a16:creationId xmlns:a16="http://schemas.microsoft.com/office/drawing/2014/main" xmlns="" id="{5118F6CD-4955-4CCA-9A08-6D2985CDDD5F}"/>
+                <a16:creationId xmlns:a16="http://schemas.microsoft.com/office/drawing/2014/main" id="{5118F6CD-4955-4CCA-9A08-6D2985CDDD5F}"/>
               </a:ext>
             </a:extLst>
           </p:cNvPr>
@@ -1967,7 +1967,7 @@
           <p:cNvPr id="4" name="바닥글 개체 틀 3">
             <a:extLst>
               <a:ext uri="{FF2B5EF4-FFF2-40B4-BE49-F238E27FC236}">
-                <a16:creationId xmlns:a16="http://schemas.microsoft.com/office/drawing/2014/main" xmlns="" id="{6FFFE331-316E-4FDA-B823-0F5415EC817A}"/>
+                <a16:creationId xmlns:a16="http://schemas.microsoft.com/office/drawing/2014/main" id="{6FFFE331-316E-4FDA-B823-0F5415EC817A}"/>
               </a:ext>
             </a:extLst>
           </p:cNvPr>
@@ -1992,7 +1992,7 @@
           <p:cNvPr id="5" name="슬라이드 번호 개체 틀 4">
             <a:extLst>
               <a:ext uri="{FF2B5EF4-FFF2-40B4-BE49-F238E27FC236}">
-                <a16:creationId xmlns:a16="http://schemas.microsoft.com/office/drawing/2014/main" xmlns="" id="{BFBCB44E-E20E-4FE5-9F36-E4873B2D7214}"/>
+                <a16:creationId xmlns:a16="http://schemas.microsoft.com/office/drawing/2014/main" id="{BFBCB44E-E20E-4FE5-9F36-E4873B2D7214}"/>
               </a:ext>
             </a:extLst>
           </p:cNvPr>
@@ -2051,7 +2051,7 @@
           <p:cNvPr id="2" name="날짜 개체 틀 1">
             <a:extLst>
               <a:ext uri="{FF2B5EF4-FFF2-40B4-BE49-F238E27FC236}">
-                <a16:creationId xmlns:a16="http://schemas.microsoft.com/office/drawing/2014/main" xmlns="" id="{F149E85E-9FB0-4D6A-B05F-281805E3B569}"/>
+                <a16:creationId xmlns:a16="http://schemas.microsoft.com/office/drawing/2014/main" id="{F149E85E-9FB0-4D6A-B05F-281805E3B569}"/>
               </a:ext>
             </a:extLst>
           </p:cNvPr>
@@ -2080,7 +2080,7 @@
           <p:cNvPr id="3" name="바닥글 개체 틀 2">
             <a:extLst>
               <a:ext uri="{FF2B5EF4-FFF2-40B4-BE49-F238E27FC236}">
-                <a16:creationId xmlns:a16="http://schemas.microsoft.com/office/drawing/2014/main" xmlns="" id="{0BA2D510-EF27-4C47-9AC6-83F56C7721F8}"/>
+                <a16:creationId xmlns:a16="http://schemas.microsoft.com/office/drawing/2014/main" id="{0BA2D510-EF27-4C47-9AC6-83F56C7721F8}"/>
               </a:ext>
             </a:extLst>
           </p:cNvPr>
@@ -2105,7 +2105,7 @@
           <p:cNvPr id="4" name="슬라이드 번호 개체 틀 3">
             <a:extLst>
               <a:ext uri="{FF2B5EF4-FFF2-40B4-BE49-F238E27FC236}">
-                <a16:creationId xmlns:a16="http://schemas.microsoft.com/office/drawing/2014/main" xmlns="" id="{541696B9-C94C-4284-AF3E-DFB2C90CA59E}"/>
+                <a16:creationId xmlns:a16="http://schemas.microsoft.com/office/drawing/2014/main" id="{541696B9-C94C-4284-AF3E-DFB2C90CA59E}"/>
               </a:ext>
             </a:extLst>
           </p:cNvPr>
@@ -2164,7 +2164,7 @@
           <p:cNvPr id="2" name="제목 1">
             <a:extLst>
               <a:ext uri="{FF2B5EF4-FFF2-40B4-BE49-F238E27FC236}">
-                <a16:creationId xmlns:a16="http://schemas.microsoft.com/office/drawing/2014/main" xmlns="" id="{6D0128B9-D37C-4665-82B0-B7029CF43239}"/>
+                <a16:creationId xmlns:a16="http://schemas.microsoft.com/office/drawing/2014/main" id="{6D0128B9-D37C-4665-82B0-B7029CF43239}"/>
               </a:ext>
             </a:extLst>
           </p:cNvPr>
@@ -2201,7 +2201,7 @@
           <p:cNvPr id="3" name="내용 개체 틀 2">
             <a:extLst>
               <a:ext uri="{FF2B5EF4-FFF2-40B4-BE49-F238E27FC236}">
-                <a16:creationId xmlns:a16="http://schemas.microsoft.com/office/drawing/2014/main" xmlns="" id="{44605527-4E96-4904-A6B2-8622C9593818}"/>
+                <a16:creationId xmlns:a16="http://schemas.microsoft.com/office/drawing/2014/main" id="{44605527-4E96-4904-A6B2-8622C9593818}"/>
               </a:ext>
             </a:extLst>
           </p:cNvPr>
@@ -2291,7 +2291,7 @@
           <p:cNvPr id="4" name="텍스트 개체 틀 3">
             <a:extLst>
               <a:ext uri="{FF2B5EF4-FFF2-40B4-BE49-F238E27FC236}">
-                <a16:creationId xmlns:a16="http://schemas.microsoft.com/office/drawing/2014/main" xmlns="" id="{8F31B321-590E-4BCA-8998-60BC0A7C7C6F}"/>
+                <a16:creationId xmlns:a16="http://schemas.microsoft.com/office/drawing/2014/main" id="{8F31B321-590E-4BCA-8998-60BC0A7C7C6F}"/>
               </a:ext>
             </a:extLst>
           </p:cNvPr>
@@ -2362,7 +2362,7 @@
           <p:cNvPr id="5" name="날짜 개체 틀 4">
             <a:extLst>
               <a:ext uri="{FF2B5EF4-FFF2-40B4-BE49-F238E27FC236}">
-                <a16:creationId xmlns:a16="http://schemas.microsoft.com/office/drawing/2014/main" xmlns="" id="{1CF7311C-C7E7-4F04-9479-43845C862DF7}"/>
+                <a16:creationId xmlns:a16="http://schemas.microsoft.com/office/drawing/2014/main" id="{1CF7311C-C7E7-4F04-9479-43845C862DF7}"/>
               </a:ext>
             </a:extLst>
           </p:cNvPr>
@@ -2391,7 +2391,7 @@
           <p:cNvPr id="6" name="바닥글 개체 틀 5">
             <a:extLst>
               <a:ext uri="{FF2B5EF4-FFF2-40B4-BE49-F238E27FC236}">
-                <a16:creationId xmlns:a16="http://schemas.microsoft.com/office/drawing/2014/main" xmlns="" id="{E12F5C9B-82C0-4359-A13D-DB40DE35BBD3}"/>
+                <a16:creationId xmlns:a16="http://schemas.microsoft.com/office/drawing/2014/main" id="{E12F5C9B-82C0-4359-A13D-DB40DE35BBD3}"/>
               </a:ext>
             </a:extLst>
           </p:cNvPr>
@@ -2416,7 +2416,7 @@
           <p:cNvPr id="7" name="슬라이드 번호 개체 틀 6">
             <a:extLst>
               <a:ext uri="{FF2B5EF4-FFF2-40B4-BE49-F238E27FC236}">
-                <a16:creationId xmlns:a16="http://schemas.microsoft.com/office/drawing/2014/main" xmlns="" id="{085CA861-7EE0-43CD-9E3A-9144CA36D8DD}"/>
+                <a16:creationId xmlns:a16="http://schemas.microsoft.com/office/drawing/2014/main" id="{085CA861-7EE0-43CD-9E3A-9144CA36D8DD}"/>
               </a:ext>
             </a:extLst>
           </p:cNvPr>
@@ -2475,7 +2475,7 @@
           <p:cNvPr id="2" name="제목 1">
             <a:extLst>
               <a:ext uri="{FF2B5EF4-FFF2-40B4-BE49-F238E27FC236}">
-                <a16:creationId xmlns:a16="http://schemas.microsoft.com/office/drawing/2014/main" xmlns="" id="{BA1255EE-8429-41C5-9E1B-58DBB7AD77FA}"/>
+                <a16:creationId xmlns:a16="http://schemas.microsoft.com/office/drawing/2014/main" id="{BA1255EE-8429-41C5-9E1B-58DBB7AD77FA}"/>
               </a:ext>
             </a:extLst>
           </p:cNvPr>
@@ -2512,7 +2512,7 @@
           <p:cNvPr id="3" name="그림 개체 틀 2">
             <a:extLst>
               <a:ext uri="{FF2B5EF4-FFF2-40B4-BE49-F238E27FC236}">
-                <a16:creationId xmlns:a16="http://schemas.microsoft.com/office/drawing/2014/main" xmlns="" id="{32BC6078-6693-4173-B484-D9A3DB6CCB8F}"/>
+                <a16:creationId xmlns:a16="http://schemas.microsoft.com/office/drawing/2014/main" id="{32BC6078-6693-4173-B484-D9A3DB6CCB8F}"/>
               </a:ext>
             </a:extLst>
           </p:cNvPr>
@@ -2579,7 +2579,7 @@
           <p:cNvPr id="4" name="텍스트 개체 틀 3">
             <a:extLst>
               <a:ext uri="{FF2B5EF4-FFF2-40B4-BE49-F238E27FC236}">
-                <a16:creationId xmlns:a16="http://schemas.microsoft.com/office/drawing/2014/main" xmlns="" id="{343F604B-6B24-4228-A21A-665074087735}"/>
+                <a16:creationId xmlns:a16="http://schemas.microsoft.com/office/drawing/2014/main" id="{343F604B-6B24-4228-A21A-665074087735}"/>
               </a:ext>
             </a:extLst>
           </p:cNvPr>
@@ -2650,7 +2650,7 @@
           <p:cNvPr id="5" name="날짜 개체 틀 4">
             <a:extLst>
               <a:ext uri="{FF2B5EF4-FFF2-40B4-BE49-F238E27FC236}">
-                <a16:creationId xmlns:a16="http://schemas.microsoft.com/office/drawing/2014/main" xmlns="" id="{C024A9A6-F061-42B3-897F-689BD4920E2A}"/>
+                <a16:creationId xmlns:a16="http://schemas.microsoft.com/office/drawing/2014/main" id="{C024A9A6-F061-42B3-897F-689BD4920E2A}"/>
               </a:ext>
             </a:extLst>
           </p:cNvPr>
@@ -2679,7 +2679,7 @@
           <p:cNvPr id="6" name="바닥글 개체 틀 5">
             <a:extLst>
               <a:ext uri="{FF2B5EF4-FFF2-40B4-BE49-F238E27FC236}">
-                <a16:creationId xmlns:a16="http://schemas.microsoft.com/office/drawing/2014/main" xmlns="" id="{3485ED0B-5CDC-4243-88F7-F16156F99B1E}"/>
+                <a16:creationId xmlns:a16="http://schemas.microsoft.com/office/drawing/2014/main" id="{3485ED0B-5CDC-4243-88F7-F16156F99B1E}"/>
               </a:ext>
             </a:extLst>
           </p:cNvPr>
@@ -2704,7 +2704,7 @@
           <p:cNvPr id="7" name="슬라이드 번호 개체 틀 6">
             <a:extLst>
               <a:ext uri="{FF2B5EF4-FFF2-40B4-BE49-F238E27FC236}">
-                <a16:creationId xmlns:a16="http://schemas.microsoft.com/office/drawing/2014/main" xmlns="" id="{383D4234-91E5-4D1F-86FC-2172F3B26AE2}"/>
+                <a16:creationId xmlns:a16="http://schemas.microsoft.com/office/drawing/2014/main" id="{383D4234-91E5-4D1F-86FC-2172F3B26AE2}"/>
               </a:ext>
             </a:extLst>
           </p:cNvPr>
@@ -2768,7 +2768,7 @@
           <p:cNvPr id="2" name="제목 개체 틀 1">
             <a:extLst>
               <a:ext uri="{FF2B5EF4-FFF2-40B4-BE49-F238E27FC236}">
-                <a16:creationId xmlns:a16="http://schemas.microsoft.com/office/drawing/2014/main" xmlns="" id="{D083DC12-01C9-4E8E-B22A-FF059DD3E181}"/>
+                <a16:creationId xmlns:a16="http://schemas.microsoft.com/office/drawing/2014/main" id="{D083DC12-01C9-4E8E-B22A-FF059DD3E181}"/>
               </a:ext>
             </a:extLst>
           </p:cNvPr>
@@ -2806,7 +2806,7 @@
           <p:cNvPr id="3" name="텍스트 개체 틀 2">
             <a:extLst>
               <a:ext uri="{FF2B5EF4-FFF2-40B4-BE49-F238E27FC236}">
-                <a16:creationId xmlns:a16="http://schemas.microsoft.com/office/drawing/2014/main" xmlns="" id="{FBF310E0-44DD-4B51-843A-CD4025EBDF0D}"/>
+                <a16:creationId xmlns:a16="http://schemas.microsoft.com/office/drawing/2014/main" id="{FBF310E0-44DD-4B51-843A-CD4025EBDF0D}"/>
               </a:ext>
             </a:extLst>
           </p:cNvPr>
@@ -2873,7 +2873,7 @@
           <p:cNvPr id="4" name="날짜 개체 틀 3">
             <a:extLst>
               <a:ext uri="{FF2B5EF4-FFF2-40B4-BE49-F238E27FC236}">
-                <a16:creationId xmlns:a16="http://schemas.microsoft.com/office/drawing/2014/main" xmlns="" id="{581B4236-D507-466A-AF70-992AD57A84D1}"/>
+                <a16:creationId xmlns:a16="http://schemas.microsoft.com/office/drawing/2014/main" id="{581B4236-D507-466A-AF70-992AD57A84D1}"/>
               </a:ext>
             </a:extLst>
           </p:cNvPr>
@@ -2920,7 +2920,7 @@
           <p:cNvPr id="5" name="바닥글 개체 틀 4">
             <a:extLst>
               <a:ext uri="{FF2B5EF4-FFF2-40B4-BE49-F238E27FC236}">
-                <a16:creationId xmlns:a16="http://schemas.microsoft.com/office/drawing/2014/main" xmlns="" id="{E4E12799-AC88-4344-94E8-D9A34CC68A77}"/>
+                <a16:creationId xmlns:a16="http://schemas.microsoft.com/office/drawing/2014/main" id="{E4E12799-AC88-4344-94E8-D9A34CC68A77}"/>
               </a:ext>
             </a:extLst>
           </p:cNvPr>
@@ -2963,7 +2963,7 @@
           <p:cNvPr id="6" name="슬라이드 번호 개체 틀 5">
             <a:extLst>
               <a:ext uri="{FF2B5EF4-FFF2-40B4-BE49-F238E27FC236}">
-                <a16:creationId xmlns:a16="http://schemas.microsoft.com/office/drawing/2014/main" xmlns="" id="{7DB528A9-39F2-4A16-9C88-78DAE1B9433F}"/>
+                <a16:creationId xmlns:a16="http://schemas.microsoft.com/office/drawing/2014/main" id="{7DB528A9-39F2-4A16-9C88-78DAE1B9433F}"/>
               </a:ext>
             </a:extLst>
           </p:cNvPr>
@@ -3331,7 +3331,7 @@
           <p:cNvPr id="4" name="표 3">
             <a:extLst>
               <a:ext uri="{FF2B5EF4-FFF2-40B4-BE49-F238E27FC236}">
-                <a16:creationId xmlns:a16="http://schemas.microsoft.com/office/drawing/2014/main" xmlns="" id="{C4E80E41-2EE6-4421-B2AC-92D2C4C05599}"/>
+                <a16:creationId xmlns:a16="http://schemas.microsoft.com/office/drawing/2014/main" id="{C4E80E41-2EE6-4421-B2AC-92D2C4C05599}"/>
               </a:ext>
             </a:extLst>
           </p:cNvPr>
@@ -3341,14 +3341,14 @@
           <p:nvPr>
             <p:extLst>
               <p:ext uri="{D42A27DB-BD31-4B8C-83A1-F6EECF244321}">
-                <p14:modId xmlns:p14="http://schemas.microsoft.com/office/powerpoint/2010/main" val="2797946887"/>
+                <p14:modId xmlns:p14="http://schemas.microsoft.com/office/powerpoint/2010/main" val="1194896558"/>
               </p:ext>
             </p:extLst>
           </p:nvPr>
         </p:nvGraphicFramePr>
         <p:xfrm>
           <a:off x="3506730" y="334494"/>
-          <a:ext cx="4853498" cy="6817682"/>
+          <a:ext cx="4853498" cy="5926709"/>
         </p:xfrm>
         <a:graphic>
           <a:graphicData uri="http://schemas.openxmlformats.org/drawingml/2006/table">
@@ -3358,68 +3358,68 @@
                 <a:gridCol w="404664">
                   <a:extLst>
                     <a:ext uri="{9D8B030D-6E8A-4147-A177-3AD203B41FA5}">
-                      <a16:colId xmlns:a16="http://schemas.microsoft.com/office/drawing/2014/main" xmlns="" val="1158775166"/>
+                      <a16:colId xmlns:a16="http://schemas.microsoft.com/office/drawing/2014/main" val="1158775166"/>
                     </a:ext>
                   </a:extLst>
                 </a:gridCol>
                 <a:gridCol w="384256">
                   <a:extLst>
                     <a:ext uri="{9D8B030D-6E8A-4147-A177-3AD203B41FA5}">
-                      <a16:colId xmlns:a16="http://schemas.microsoft.com/office/drawing/2014/main" xmlns="" val="2043008770"/>
+                      <a16:colId xmlns:a16="http://schemas.microsoft.com/office/drawing/2014/main" val="2043008770"/>
                     </a:ext>
                   </a:extLst>
                 </a:gridCol>
                 <a:gridCol w="384256">
                   <a:extLst>
                     <a:ext uri="{9D8B030D-6E8A-4147-A177-3AD203B41FA5}">
-                      <a16:colId xmlns:a16="http://schemas.microsoft.com/office/drawing/2014/main" xmlns="" val="563148870"/>
+                      <a16:colId xmlns:a16="http://schemas.microsoft.com/office/drawing/2014/main" val="563148870"/>
                     </a:ext>
                   </a:extLst>
                 </a:gridCol>
                 <a:gridCol w="520149">
                   <a:extLst>
                     <a:ext uri="{9D8B030D-6E8A-4147-A177-3AD203B41FA5}">
-                      <a16:colId xmlns:a16="http://schemas.microsoft.com/office/drawing/2014/main" xmlns="" val="3860621261"/>
+                      <a16:colId xmlns:a16="http://schemas.microsoft.com/office/drawing/2014/main" val="3860621261"/>
                     </a:ext>
                   </a:extLst>
                 </a:gridCol>
                 <a:gridCol w="421708">
                   <a:extLst>
                     <a:ext uri="{9D8B030D-6E8A-4147-A177-3AD203B41FA5}">
-                      <a16:colId xmlns:a16="http://schemas.microsoft.com/office/drawing/2014/main" xmlns="" val="4109762151"/>
+                      <a16:colId xmlns:a16="http://schemas.microsoft.com/office/drawing/2014/main" val="4109762151"/>
                     </a:ext>
                   </a:extLst>
                 </a:gridCol>
                 <a:gridCol w="520149">
                   <a:extLst>
                     <a:ext uri="{9D8B030D-6E8A-4147-A177-3AD203B41FA5}">
-                      <a16:colId xmlns:a16="http://schemas.microsoft.com/office/drawing/2014/main" xmlns="" val="2003688482"/>
+                      <a16:colId xmlns:a16="http://schemas.microsoft.com/office/drawing/2014/main" val="2003688482"/>
                     </a:ext>
                   </a:extLst>
                 </a:gridCol>
                 <a:gridCol w="513076">
                   <a:extLst>
                     <a:ext uri="{9D8B030D-6E8A-4147-A177-3AD203B41FA5}">
-                      <a16:colId xmlns:a16="http://schemas.microsoft.com/office/drawing/2014/main" xmlns="" val="3961368747"/>
+                      <a16:colId xmlns:a16="http://schemas.microsoft.com/office/drawing/2014/main" val="3961368747"/>
                     </a:ext>
                   </a:extLst>
                 </a:gridCol>
                 <a:gridCol w="1044384">
                   <a:extLst>
                     <a:ext uri="{9D8B030D-6E8A-4147-A177-3AD203B41FA5}">
-                      <a16:colId xmlns:a16="http://schemas.microsoft.com/office/drawing/2014/main" xmlns="" val="1959172409"/>
+                      <a16:colId xmlns:a16="http://schemas.microsoft.com/office/drawing/2014/main" val="1959172409"/>
                     </a:ext>
                   </a:extLst>
                 </a:gridCol>
                 <a:gridCol w="660856">
                   <a:extLst>
                     <a:ext uri="{9D8B030D-6E8A-4147-A177-3AD203B41FA5}">
-                      <a16:colId xmlns:a16="http://schemas.microsoft.com/office/drawing/2014/main" xmlns="" val="4223562706"/>
+                      <a16:colId xmlns:a16="http://schemas.microsoft.com/office/drawing/2014/main" val="4223562706"/>
                     </a:ext>
                   </a:extLst>
                 </a:gridCol>
               </a:tblGrid>
-              <a:tr h="275711">
+              <a:tr h="186002">
                 <a:tc>
                   <a:txBody>
                     <a:bodyPr/>
@@ -4309,7 +4309,7 @@
                         </a:spcAft>
                       </a:pPr>
                       <a:r>
-                        <a:rPr lang="en-US" altLang="ko-KR" sz="1100" b="1" kern="0" spc="-180" dirty="0" smtClean="0">
+                        <a:rPr lang="en-US" altLang="ko-KR" sz="1100" b="1" kern="0" spc="-180" dirty="0">
                           <a:solidFill>
                             <a:srgbClr val="000000"/>
                           </a:solidFill>
@@ -4320,7 +4320,7 @@
                         <a:t>(956</a:t>
                       </a:r>
                       <a:r>
-                        <a:rPr lang="ko-KR" altLang="en-US" sz="1100" b="1" kern="0" spc="-180" dirty="0" smtClean="0">
+                        <a:rPr lang="ko-KR" altLang="en-US" sz="1100" b="1" kern="0" spc="-180" dirty="0">
                           <a:solidFill>
                             <a:srgbClr val="000000"/>
                           </a:solidFill>
@@ -4405,11 +4405,11 @@
                 </a:tc>
                 <a:extLst>
                   <a:ext uri="{0D108BD9-81ED-4DB2-BD59-A6C34878D82A}">
-                    <a16:rowId xmlns:a16="http://schemas.microsoft.com/office/drawing/2014/main" xmlns="" val="1915782648"/>
+                    <a16:rowId xmlns:a16="http://schemas.microsoft.com/office/drawing/2014/main" val="1915782648"/>
                   </a:ext>
                 </a:extLst>
               </a:tr>
-              <a:tr h="352800">
+              <a:tr h="288000">
                 <a:tc>
                   <a:txBody>
                     <a:bodyPr/>
@@ -5185,11 +5185,11 @@
                 </a:tc>
                 <a:extLst>
                   <a:ext uri="{0D108BD9-81ED-4DB2-BD59-A6C34878D82A}">
-                    <a16:rowId xmlns:a16="http://schemas.microsoft.com/office/drawing/2014/main" xmlns="" val="3142838666"/>
+                    <a16:rowId xmlns:a16="http://schemas.microsoft.com/office/drawing/2014/main" val="3142838666"/>
                   </a:ext>
                 </a:extLst>
               </a:tr>
-              <a:tr h="352800">
+              <a:tr h="288000">
                 <a:tc>
                   <a:txBody>
                     <a:bodyPr/>
@@ -5821,7 +5821,7 @@
                         </a:spcAft>
                       </a:pPr>
                       <a:r>
-                        <a:rPr lang="ko-KR" altLang="en-US" sz="1000" b="1" kern="0" spc="0" dirty="0" smtClean="0">
+                        <a:rPr lang="ko-KR" altLang="en-US" sz="1000" b="1" kern="0" spc="0" dirty="0">
                           <a:solidFill>
                             <a:schemeClr val="bg1">
                               <a:lumMod val="75000"/>
@@ -5834,17 +5834,6 @@
                         </a:rPr>
                         <a:t>국립중앙의료원</a:t>
                       </a:r>
-                      <a:endParaRPr lang="ko-KR" altLang="en-US" sz="1000" b="1" kern="0" spc="0" dirty="0">
-                        <a:solidFill>
-                          <a:schemeClr val="bg1">
-                            <a:lumMod val="75000"/>
-                          </a:schemeClr>
-                        </a:solidFill>
-                        <a:effectLst/>
-                        <a:latin typeface="나눔바른고딕" panose="020B0603020101020101" pitchFamily="50" charset="-127"/>
-                        <a:ea typeface="나눔바른고딕" panose="020B0603020101020101" pitchFamily="50" charset="-127"/>
-                        <a:cs typeface="+mn-cs"/>
-                      </a:endParaRPr>
                     </a:p>
                   </a:txBody>
                   <a:tcPr marL="36000" marR="36000" marT="15709" marB="15709" anchor="ctr">
@@ -5976,11 +5965,11 @@
                 </a:tc>
                 <a:extLst>
                   <a:ext uri="{0D108BD9-81ED-4DB2-BD59-A6C34878D82A}">
-                    <a16:rowId xmlns:a16="http://schemas.microsoft.com/office/drawing/2014/main" xmlns="" val="1441534338"/>
+                    <a16:rowId xmlns:a16="http://schemas.microsoft.com/office/drawing/2014/main" val="1441534338"/>
                   </a:ext>
                 </a:extLst>
               </a:tr>
-              <a:tr h="352800">
+              <a:tr h="288000">
                 <a:tc>
                   <a:txBody>
                     <a:bodyPr/>
@@ -6692,7 +6681,7 @@
                         </a:spcAft>
                       </a:pPr>
                       <a:r>
-                        <a:rPr lang="en-US" sz="1050" kern="0" spc="0" dirty="0" smtClean="0">
+                        <a:rPr lang="en-US" sz="1050" kern="0" spc="0" dirty="0">
                           <a:solidFill>
                             <a:schemeClr val="bg1">
                               <a:lumMod val="75000"/>
@@ -6704,16 +6693,6 @@
                         </a:rPr>
                         <a:t>16</a:t>
                       </a:r>
-                      <a:endParaRPr lang="en-US" sz="1050" kern="0" spc="0" dirty="0">
-                        <a:solidFill>
-                          <a:schemeClr val="bg1">
-                            <a:lumMod val="75000"/>
-                          </a:schemeClr>
-                        </a:solidFill>
-                        <a:effectLst/>
-                        <a:latin typeface="나눔바른고딕" panose="020B0603020101020101" pitchFamily="50" charset="-127"/>
-                        <a:ea typeface="나눔바른고딕" panose="020B0603020101020101" pitchFamily="50" charset="-127"/>
-                      </a:endParaRPr>
                     </a:p>
                   </a:txBody>
                   <a:tcPr marL="36000" marR="36000" marT="15709" marB="15709" anchor="ctr">
@@ -6766,11 +6745,11 @@
                 </a:tc>
                 <a:extLst>
                   <a:ext uri="{0D108BD9-81ED-4DB2-BD59-A6C34878D82A}">
-                    <a16:rowId xmlns:a16="http://schemas.microsoft.com/office/drawing/2014/main" xmlns="" val="22170610"/>
+                    <a16:rowId xmlns:a16="http://schemas.microsoft.com/office/drawing/2014/main" val="22170610"/>
                   </a:ext>
                 </a:extLst>
               </a:tr>
-              <a:tr h="352800">
+              <a:tr h="288000">
                 <a:tc>
                   <a:txBody>
                     <a:bodyPr/>
@@ -7482,7 +7461,7 @@
                         </a:spcAft>
                       </a:pPr>
                       <a:r>
-                        <a:rPr lang="en-US" sz="1050" kern="0" spc="0" dirty="0" smtClean="0">
+                        <a:rPr lang="en-US" sz="1050" kern="0" spc="0" dirty="0">
                           <a:solidFill>
                             <a:schemeClr val="bg1">
                               <a:lumMod val="75000"/>
@@ -7494,16 +7473,6 @@
                         </a:rPr>
                         <a:t>95</a:t>
                       </a:r>
-                      <a:endParaRPr lang="en-US" sz="1050" kern="0" spc="0" dirty="0">
-                        <a:solidFill>
-                          <a:schemeClr val="bg1">
-                            <a:lumMod val="75000"/>
-                          </a:schemeClr>
-                        </a:solidFill>
-                        <a:effectLst/>
-                        <a:latin typeface="나눔바른고딕" panose="020B0603020101020101" pitchFamily="50" charset="-127"/>
-                        <a:ea typeface="나눔바른고딕" panose="020B0603020101020101" pitchFamily="50" charset="-127"/>
-                      </a:endParaRPr>
                     </a:p>
                   </a:txBody>
                   <a:tcPr marL="36000" marR="36000" marT="15709" marB="15709" anchor="ctr">
@@ -7556,11 +7525,11 @@
                 </a:tc>
                 <a:extLst>
                   <a:ext uri="{0D108BD9-81ED-4DB2-BD59-A6C34878D82A}">
-                    <a16:rowId xmlns:a16="http://schemas.microsoft.com/office/drawing/2014/main" xmlns="" val="3965066583"/>
+                    <a16:rowId xmlns:a16="http://schemas.microsoft.com/office/drawing/2014/main" val="3965066583"/>
                   </a:ext>
                 </a:extLst>
               </a:tr>
-              <a:tr h="352800">
+              <a:tr h="288000">
                 <a:tc>
                   <a:txBody>
                     <a:bodyPr/>
@@ -8272,7 +8241,7 @@
                         </a:spcAft>
                       </a:pPr>
                       <a:r>
-                        <a:rPr lang="en-US" sz="1050" kern="0" spc="0" dirty="0" smtClean="0">
+                        <a:rPr lang="en-US" sz="1050" kern="0" spc="0" dirty="0">
                           <a:solidFill>
                             <a:schemeClr val="bg1">
                               <a:lumMod val="75000"/>
@@ -8284,16 +8253,6 @@
                         </a:rPr>
                         <a:t>23</a:t>
                       </a:r>
-                      <a:endParaRPr lang="en-US" sz="1050" kern="0" spc="0" dirty="0">
-                        <a:solidFill>
-                          <a:schemeClr val="bg1">
-                            <a:lumMod val="75000"/>
-                          </a:schemeClr>
-                        </a:solidFill>
-                        <a:effectLst/>
-                        <a:latin typeface="나눔바른고딕" panose="020B0603020101020101" pitchFamily="50" charset="-127"/>
-                        <a:ea typeface="나눔바른고딕" panose="020B0603020101020101" pitchFamily="50" charset="-127"/>
-                      </a:endParaRPr>
                     </a:p>
                   </a:txBody>
                   <a:tcPr marL="36000" marR="36000" marT="15709" marB="15709" anchor="ctr">
@@ -8346,11 +8305,11 @@
                 </a:tc>
                 <a:extLst>
                   <a:ext uri="{0D108BD9-81ED-4DB2-BD59-A6C34878D82A}">
-                    <a16:rowId xmlns:a16="http://schemas.microsoft.com/office/drawing/2014/main" xmlns="" val="3133379929"/>
+                    <a16:rowId xmlns:a16="http://schemas.microsoft.com/office/drawing/2014/main" val="3133379929"/>
                   </a:ext>
                 </a:extLst>
               </a:tr>
-              <a:tr h="352800">
+              <a:tr h="288000">
                 <a:tc>
                   <a:txBody>
                     <a:bodyPr/>
@@ -9062,7 +9021,7 @@
                         </a:spcAft>
                       </a:pPr>
                       <a:r>
-                        <a:rPr lang="en-US" sz="1050" kern="0" spc="0" dirty="0" smtClean="0">
+                        <a:rPr lang="en-US" sz="1050" kern="0" spc="0" dirty="0">
                           <a:solidFill>
                             <a:schemeClr val="bg1">
                               <a:lumMod val="75000"/>
@@ -9074,16 +9033,6 @@
                         </a:rPr>
                         <a:t>17</a:t>
                       </a:r>
-                      <a:endParaRPr lang="en-US" sz="1050" kern="0" spc="0" dirty="0">
-                        <a:solidFill>
-                          <a:schemeClr val="bg1">
-                            <a:lumMod val="75000"/>
-                          </a:schemeClr>
-                        </a:solidFill>
-                        <a:effectLst/>
-                        <a:latin typeface="나눔바른고딕" panose="020B0603020101020101" pitchFamily="50" charset="-127"/>
-                        <a:ea typeface="나눔바른고딕" panose="020B0603020101020101" pitchFamily="50" charset="-127"/>
-                      </a:endParaRPr>
                     </a:p>
                   </a:txBody>
                   <a:tcPr marL="36000" marR="36000" marT="15709" marB="15709" anchor="ctr">
@@ -9136,11 +9085,11 @@
                 </a:tc>
                 <a:extLst>
                   <a:ext uri="{0D108BD9-81ED-4DB2-BD59-A6C34878D82A}">
-                    <a16:rowId xmlns:a16="http://schemas.microsoft.com/office/drawing/2014/main" xmlns="" val="3767571966"/>
+                    <a16:rowId xmlns:a16="http://schemas.microsoft.com/office/drawing/2014/main" val="3767571966"/>
                   </a:ext>
                 </a:extLst>
               </a:tr>
-              <a:tr h="352800">
+              <a:tr h="288000">
                 <a:tc>
                   <a:txBody>
                     <a:bodyPr/>
@@ -9852,7 +9801,7 @@
                         </a:spcAft>
                       </a:pPr>
                       <a:r>
-                        <a:rPr lang="en-US" sz="1050" kern="0" spc="0" dirty="0" smtClean="0">
+                        <a:rPr lang="en-US" sz="1050" kern="0" spc="0" dirty="0">
                           <a:solidFill>
                             <a:schemeClr val="bg1">
                               <a:lumMod val="75000"/>
@@ -9864,16 +9813,6 @@
                         </a:rPr>
                         <a:t>7</a:t>
                       </a:r>
-                      <a:endParaRPr lang="en-US" sz="1050" kern="0" spc="0" dirty="0">
-                        <a:solidFill>
-                          <a:schemeClr val="bg1">
-                            <a:lumMod val="75000"/>
-                          </a:schemeClr>
-                        </a:solidFill>
-                        <a:effectLst/>
-                        <a:latin typeface="나눔바른고딕" panose="020B0603020101020101" pitchFamily="50" charset="-127"/>
-                        <a:ea typeface="나눔바른고딕" panose="020B0603020101020101" pitchFamily="50" charset="-127"/>
-                      </a:endParaRPr>
                     </a:p>
                   </a:txBody>
                   <a:tcPr marL="36000" marR="36000" marT="15709" marB="15709" anchor="ctr">
@@ -9926,11 +9865,11 @@
                 </a:tc>
                 <a:extLst>
                   <a:ext uri="{0D108BD9-81ED-4DB2-BD59-A6C34878D82A}">
-                    <a16:rowId xmlns:a16="http://schemas.microsoft.com/office/drawing/2014/main" xmlns="" val="3402339324"/>
+                    <a16:rowId xmlns:a16="http://schemas.microsoft.com/office/drawing/2014/main" val="3402339324"/>
                   </a:ext>
                 </a:extLst>
               </a:tr>
-              <a:tr h="352800">
+              <a:tr h="288000">
                 <a:tc>
                   <a:txBody>
                     <a:bodyPr/>
@@ -10653,7 +10592,7 @@
                         </a:spcAft>
                       </a:pPr>
                       <a:r>
-                        <a:rPr lang="en-US" sz="1050" kern="0" spc="0" dirty="0" smtClean="0">
+                        <a:rPr lang="en-US" sz="1050" kern="0" spc="0" dirty="0">
                           <a:solidFill>
                             <a:schemeClr val="bg1">
                               <a:lumMod val="75000"/>
@@ -10665,16 +10604,6 @@
                         </a:rPr>
                         <a:t>95</a:t>
                       </a:r>
-                      <a:endParaRPr lang="en-US" sz="1050" kern="0" spc="0" dirty="0">
-                        <a:solidFill>
-                          <a:schemeClr val="bg1">
-                            <a:lumMod val="75000"/>
-                          </a:schemeClr>
-                        </a:solidFill>
-                        <a:effectLst/>
-                        <a:latin typeface="나눔바른고딕" panose="020B0603020101020101" pitchFamily="50" charset="-127"/>
-                        <a:ea typeface="나눔바른고딕" panose="020B0603020101020101" pitchFamily="50" charset="-127"/>
-                      </a:endParaRPr>
                     </a:p>
                   </a:txBody>
                   <a:tcPr marL="36000" marR="36000" marT="15709" marB="15709" anchor="ctr">
@@ -10727,11 +10656,11 @@
                 </a:tc>
                 <a:extLst>
                   <a:ext uri="{0D108BD9-81ED-4DB2-BD59-A6C34878D82A}">
-                    <a16:rowId xmlns:a16="http://schemas.microsoft.com/office/drawing/2014/main" xmlns="" val="1909014694"/>
+                    <a16:rowId xmlns:a16="http://schemas.microsoft.com/office/drawing/2014/main" val="1909014694"/>
                   </a:ext>
                 </a:extLst>
               </a:tr>
-              <a:tr h="352800">
+              <a:tr h="288000">
                 <a:tc>
                   <a:txBody>
                     <a:bodyPr/>
@@ -11194,7 +11123,7 @@
                         </a:spcAft>
                       </a:pPr>
                       <a:r>
-                        <a:rPr lang="en-US" sz="1050" b="1" kern="0" spc="0">
+                        <a:rPr lang="en-US" sz="1050" b="1" kern="0" spc="0" dirty="0">
                           <a:solidFill>
                             <a:schemeClr val="bg1">
                               <a:lumMod val="75000"/>
@@ -11206,7 +11135,7 @@
                         </a:rPr>
                         <a:t>-</a:t>
                       </a:r>
-                      <a:endParaRPr lang="en-US" sz="1050" kern="0" spc="0">
+                      <a:endParaRPr lang="en-US" sz="1050" kern="0" spc="0" dirty="0">
                         <a:solidFill>
                           <a:schemeClr val="bg1">
                             <a:lumMod val="75000"/>
@@ -11507,11 +11436,11 @@
                 </a:tc>
                 <a:extLst>
                   <a:ext uri="{0D108BD9-81ED-4DB2-BD59-A6C34878D82A}">
-                    <a16:rowId xmlns:a16="http://schemas.microsoft.com/office/drawing/2014/main" xmlns="" val="2621453899"/>
+                    <a16:rowId xmlns:a16="http://schemas.microsoft.com/office/drawing/2014/main" val="2621453899"/>
                   </a:ext>
                 </a:extLst>
               </a:tr>
-              <a:tr h="352800">
+              <a:tr h="288000">
                 <a:tc>
                   <a:txBody>
                     <a:bodyPr/>
@@ -11974,7 +11903,7 @@
                         </a:spcAft>
                       </a:pPr>
                       <a:r>
-                        <a:rPr lang="en-US" sz="1050" b="1" kern="0" spc="0">
+                        <a:rPr lang="en-US" sz="1050" b="1" kern="0" spc="0" dirty="0">
                           <a:solidFill>
                             <a:schemeClr val="bg1">
                               <a:lumMod val="75000"/>
@@ -11986,7 +11915,7 @@
                         </a:rPr>
                         <a:t>-</a:t>
                       </a:r>
-                      <a:endParaRPr lang="en-US" sz="1050" kern="0" spc="0">
+                      <a:endParaRPr lang="en-US" sz="1050" kern="0" spc="0" dirty="0">
                         <a:solidFill>
                           <a:schemeClr val="bg1">
                             <a:lumMod val="75000"/>
@@ -12223,7 +12152,7 @@
                         </a:spcAft>
                       </a:pPr>
                       <a:r>
-                        <a:rPr lang="en-US" sz="1050" kern="0" spc="0" dirty="0" smtClean="0">
+                        <a:rPr lang="en-US" sz="1050" kern="0" spc="0" dirty="0">
                           <a:solidFill>
                             <a:schemeClr val="bg1">
                               <a:lumMod val="75000"/>
@@ -12235,16 +12164,6 @@
                         </a:rPr>
                         <a:t>39</a:t>
                       </a:r>
-                      <a:endParaRPr lang="en-US" sz="1050" kern="0" spc="0" dirty="0">
-                        <a:solidFill>
-                          <a:schemeClr val="bg1">
-                            <a:lumMod val="75000"/>
-                          </a:schemeClr>
-                        </a:solidFill>
-                        <a:effectLst/>
-                        <a:latin typeface="나눔바른고딕" panose="020B0603020101020101" pitchFamily="50" charset="-127"/>
-                        <a:ea typeface="나눔바른고딕" panose="020B0603020101020101" pitchFamily="50" charset="-127"/>
-                      </a:endParaRPr>
                     </a:p>
                   </a:txBody>
                   <a:tcPr marL="36000" marR="36000" marT="15709" marB="15709" anchor="ctr">
@@ -12297,11 +12216,11 @@
                 </a:tc>
                 <a:extLst>
                   <a:ext uri="{0D108BD9-81ED-4DB2-BD59-A6C34878D82A}">
-                    <a16:rowId xmlns:a16="http://schemas.microsoft.com/office/drawing/2014/main" xmlns="" val="1727322252"/>
+                    <a16:rowId xmlns:a16="http://schemas.microsoft.com/office/drawing/2014/main" val="1727322252"/>
                   </a:ext>
                 </a:extLst>
               </a:tr>
-              <a:tr h="352800">
+              <a:tr h="288000">
                 <a:tc>
                   <a:txBody>
                     <a:bodyPr/>
@@ -13013,7 +12932,7 @@
                         </a:spcAft>
                       </a:pPr>
                       <a:r>
-                        <a:rPr lang="en-US" sz="1050" kern="0" spc="0" dirty="0" smtClean="0">
+                        <a:rPr lang="en-US" sz="1050" kern="0" spc="0" dirty="0">
                           <a:solidFill>
                             <a:schemeClr val="bg1">
                               <a:lumMod val="75000"/>
@@ -13025,16 +12944,6 @@
                         </a:rPr>
                         <a:t>0</a:t>
                       </a:r>
-                      <a:endParaRPr lang="en-US" sz="1050" kern="0" spc="0" dirty="0">
-                        <a:solidFill>
-                          <a:schemeClr val="bg1">
-                            <a:lumMod val="75000"/>
-                          </a:schemeClr>
-                        </a:solidFill>
-                        <a:effectLst/>
-                        <a:latin typeface="나눔바른고딕" panose="020B0603020101020101" pitchFamily="50" charset="-127"/>
-                        <a:ea typeface="나눔바른고딕" panose="020B0603020101020101" pitchFamily="50" charset="-127"/>
-                      </a:endParaRPr>
                     </a:p>
                   </a:txBody>
                   <a:tcPr marL="36000" marR="36000" marT="15709" marB="15709" anchor="ctr">
@@ -13087,11 +12996,11 @@
                 </a:tc>
                 <a:extLst>
                   <a:ext uri="{0D108BD9-81ED-4DB2-BD59-A6C34878D82A}">
-                    <a16:rowId xmlns:a16="http://schemas.microsoft.com/office/drawing/2014/main" xmlns="" val="1466450458"/>
+                    <a16:rowId xmlns:a16="http://schemas.microsoft.com/office/drawing/2014/main" val="1466450458"/>
                   </a:ext>
                 </a:extLst>
               </a:tr>
-              <a:tr h="352800">
+              <a:tr h="288000">
                 <a:tc>
                   <a:txBody>
                     <a:bodyPr/>
@@ -13802,7 +13711,7 @@
                         </a:spcAft>
                       </a:pPr>
                       <a:r>
-                        <a:rPr lang="en-US" sz="1050" kern="0" spc="0" dirty="0" smtClean="0">
+                        <a:rPr lang="en-US" sz="1050" kern="0" spc="0" dirty="0">
                           <a:solidFill>
                             <a:schemeClr val="bg1">
                               <a:lumMod val="75000"/>
@@ -13814,16 +13723,6 @@
                         </a:rPr>
                         <a:t>219</a:t>
                       </a:r>
-                      <a:endParaRPr lang="en-US" sz="1050" kern="0" spc="0" dirty="0">
-                        <a:solidFill>
-                          <a:schemeClr val="bg1">
-                            <a:lumMod val="75000"/>
-                          </a:schemeClr>
-                        </a:solidFill>
-                        <a:effectLst/>
-                        <a:latin typeface="나눔바른고딕" panose="020B0603020101020101" pitchFamily="50" charset="-127"/>
-                        <a:ea typeface="나눔바른고딕" panose="020B0603020101020101" pitchFamily="50" charset="-127"/>
-                      </a:endParaRPr>
                     </a:p>
                   </a:txBody>
                   <a:tcPr marL="36000" marR="36000" marT="15709" marB="15709" anchor="ctr">
@@ -13876,11 +13775,11 @@
                 </a:tc>
                 <a:extLst>
                   <a:ext uri="{0D108BD9-81ED-4DB2-BD59-A6C34878D82A}">
-                    <a16:rowId xmlns:a16="http://schemas.microsoft.com/office/drawing/2014/main" xmlns="" val="1758572221"/>
+                    <a16:rowId xmlns:a16="http://schemas.microsoft.com/office/drawing/2014/main" val="1758572221"/>
                   </a:ext>
                 </a:extLst>
               </a:tr>
-              <a:tr h="352800">
+              <a:tr h="288000">
                 <a:tc>
                   <a:txBody>
                     <a:bodyPr/>
@@ -14591,7 +14490,7 @@
                         </a:spcAft>
                       </a:pPr>
                       <a:r>
-                        <a:rPr lang="en-US" sz="1050" kern="0" spc="0" dirty="0" smtClean="0">
+                        <a:rPr lang="en-US" sz="1050" kern="0" spc="0" dirty="0">
                           <a:solidFill>
                             <a:schemeClr val="bg1">
                               <a:lumMod val="75000"/>
@@ -14603,29 +14502,6 @@
                         </a:rPr>
                         <a:t>0</a:t>
                       </a:r>
-                      <a:r>
-                        <a:rPr lang="en-US" sz="1050" kern="0" spc="0" baseline="30000" dirty="0" smtClean="0">
-                          <a:solidFill>
-                            <a:schemeClr val="bg1">
-                              <a:lumMod val="75000"/>
-                            </a:schemeClr>
-                          </a:solidFill>
-                          <a:effectLst/>
-                          <a:latin typeface="나눔바른고딕" panose="020B0603020101020101" pitchFamily="50" charset="-127"/>
-                          <a:ea typeface="나눔바른고딕" panose="020B0603020101020101" pitchFamily="50" charset="-127"/>
-                        </a:rPr>
-                        <a:t>)</a:t>
-                      </a:r>
-                      <a:endParaRPr lang="en-US" sz="1050" kern="0" spc="0" dirty="0">
-                        <a:solidFill>
-                          <a:schemeClr val="bg1">
-                            <a:lumMod val="75000"/>
-                          </a:schemeClr>
-                        </a:solidFill>
-                        <a:effectLst/>
-                        <a:latin typeface="나눔바른고딕" panose="020B0603020101020101" pitchFamily="50" charset="-127"/>
-                        <a:ea typeface="나눔바른고딕" panose="020B0603020101020101" pitchFamily="50" charset="-127"/>
-                      </a:endParaRPr>
                     </a:p>
                   </a:txBody>
                   <a:tcPr marL="36000" marR="36000" marT="15709" marB="15709" anchor="ctr">
@@ -14678,11 +14554,11 @@
                 </a:tc>
                 <a:extLst>
                   <a:ext uri="{0D108BD9-81ED-4DB2-BD59-A6C34878D82A}">
-                    <a16:rowId xmlns:a16="http://schemas.microsoft.com/office/drawing/2014/main" xmlns="" val="591793903"/>
+                    <a16:rowId xmlns:a16="http://schemas.microsoft.com/office/drawing/2014/main" val="591793903"/>
                   </a:ext>
                 </a:extLst>
               </a:tr>
-              <a:tr h="352800">
+              <a:tr h="288000">
                 <a:tc>
                   <a:txBody>
                     <a:bodyPr/>
@@ -15393,7 +15269,7 @@
                         </a:spcAft>
                       </a:pPr>
                       <a:r>
-                        <a:rPr lang="en-US" sz="1050" kern="0" spc="0" dirty="0" smtClean="0">
+                        <a:rPr lang="en-US" sz="1050" kern="0" spc="0" dirty="0">
                           <a:solidFill>
                             <a:schemeClr val="bg1">
                               <a:lumMod val="75000"/>
@@ -15405,16 +15281,6 @@
                         </a:rPr>
                         <a:t>3</a:t>
                       </a:r>
-                      <a:endParaRPr lang="en-US" sz="1050" kern="0" spc="0" dirty="0">
-                        <a:solidFill>
-                          <a:schemeClr val="bg1">
-                            <a:lumMod val="75000"/>
-                          </a:schemeClr>
-                        </a:solidFill>
-                        <a:effectLst/>
-                        <a:latin typeface="나눔바른고딕" panose="020B0603020101020101" pitchFamily="50" charset="-127"/>
-                        <a:ea typeface="나눔바른고딕" panose="020B0603020101020101" pitchFamily="50" charset="-127"/>
-                      </a:endParaRPr>
                     </a:p>
                   </a:txBody>
                   <a:tcPr marL="36000" marR="36000" marT="15709" marB="15709" anchor="ctr">
@@ -15467,11 +15333,11 @@
                 </a:tc>
                 <a:extLst>
                   <a:ext uri="{0D108BD9-81ED-4DB2-BD59-A6C34878D82A}">
-                    <a16:rowId xmlns:a16="http://schemas.microsoft.com/office/drawing/2014/main" xmlns="" val="2167617470"/>
+                    <a16:rowId xmlns:a16="http://schemas.microsoft.com/office/drawing/2014/main" val="2167617470"/>
                   </a:ext>
                 </a:extLst>
               </a:tr>
-              <a:tr h="352800">
+              <a:tr h="288000">
                 <a:tc>
                   <a:txBody>
                     <a:bodyPr/>
@@ -16129,7 +15995,7 @@
                         </a:spcAft>
                       </a:pPr>
                       <a:r>
-                        <a:rPr lang="en-US" sz="1050" b="1" kern="0" spc="0" dirty="0" smtClean="0">
+                        <a:rPr lang="en-US" sz="1050" b="1" kern="0" spc="0" dirty="0">
                           <a:solidFill>
                             <a:schemeClr val="bg1">
                               <a:lumMod val="75000"/>
@@ -16142,17 +16008,6 @@
                         </a:rPr>
                         <a:t>14</a:t>
                       </a:r>
-                      <a:endParaRPr lang="en-US" sz="1050" b="1" kern="0" spc="0" dirty="0">
-                        <a:solidFill>
-                          <a:schemeClr val="bg1">
-                            <a:lumMod val="75000"/>
-                          </a:schemeClr>
-                        </a:solidFill>
-                        <a:effectLst/>
-                        <a:latin typeface="나눔바른고딕" panose="020B0603020101020101" pitchFamily="50" charset="-127"/>
-                        <a:ea typeface="나눔바른고딕" panose="020B0603020101020101" pitchFamily="50" charset="-127"/>
-                        <a:cs typeface="+mn-cs"/>
-                      </a:endParaRPr>
                     </a:p>
                   </a:txBody>
                   <a:tcPr marL="36000" marR="36000" marT="15709" marB="15709" anchor="ctr">
@@ -16205,11 +16060,11 @@
                 </a:tc>
                 <a:extLst>
                   <a:ext uri="{0D108BD9-81ED-4DB2-BD59-A6C34878D82A}">
-                    <a16:rowId xmlns:a16="http://schemas.microsoft.com/office/drawing/2014/main" xmlns="" val="2045471854"/>
+                    <a16:rowId xmlns:a16="http://schemas.microsoft.com/office/drawing/2014/main" val="2045471854"/>
                   </a:ext>
                 </a:extLst>
               </a:tr>
-              <a:tr h="352800">
+              <a:tr h="288000">
                 <a:tc>
                   <a:txBody>
                     <a:bodyPr/>
@@ -16878,7 +16733,7 @@
                         </a:spcAft>
                       </a:pPr>
                       <a:r>
-                        <a:rPr lang="en-US" altLang="ko-KR" sz="1050" b="1" kern="0" spc="0" dirty="0" smtClean="0">
+                        <a:rPr lang="en-US" altLang="ko-KR" sz="1050" b="1" kern="0" spc="0" dirty="0">
                           <a:solidFill>
                             <a:schemeClr val="bg1">
                               <a:lumMod val="75000"/>
@@ -16954,11 +16809,11 @@
                 </a:tc>
                 <a:extLst>
                   <a:ext uri="{0D108BD9-81ED-4DB2-BD59-A6C34878D82A}">
-                    <a16:rowId xmlns:a16="http://schemas.microsoft.com/office/drawing/2014/main" xmlns="" val="1396846476"/>
+                    <a16:rowId xmlns:a16="http://schemas.microsoft.com/office/drawing/2014/main" val="1396846476"/>
                   </a:ext>
                 </a:extLst>
               </a:tr>
-              <a:tr h="352800">
+              <a:tr h="288000">
                 <a:tc>
                   <a:txBody>
                     <a:bodyPr/>
@@ -16976,7 +16831,7 @@
                         </a:spcAft>
                       </a:pPr>
                       <a:r>
-                        <a:rPr lang="en-US" sz="1050" b="1" kern="0" spc="0" dirty="0" smtClean="0">
+                        <a:rPr lang="en-US" sz="1050" b="1" kern="0" spc="0" dirty="0">
                           <a:solidFill>
                             <a:schemeClr val="bg1">
                               <a:lumMod val="75000"/>
@@ -16989,17 +16844,6 @@
                         </a:rPr>
                         <a:t>17</a:t>
                       </a:r>
-                      <a:endParaRPr lang="en-US" sz="1050" b="1" kern="0" spc="0" dirty="0">
-                        <a:solidFill>
-                          <a:schemeClr val="bg1">
-                            <a:lumMod val="75000"/>
-                          </a:schemeClr>
-                        </a:solidFill>
-                        <a:effectLst/>
-                        <a:latin typeface="나눔바른고딕" panose="020B0603020101020101" pitchFamily="50" charset="-127"/>
-                        <a:ea typeface="나눔바른고딕" panose="020B0603020101020101" pitchFamily="50" charset="-127"/>
-                        <a:cs typeface="+mn-cs"/>
-                      </a:endParaRPr>
                     </a:p>
                   </a:txBody>
                   <a:tcPr marL="36000" marR="36000" marT="15709" marB="15709" anchor="ctr">
@@ -17067,7 +16911,7 @@
                         </a:spcAft>
                       </a:pPr>
                       <a:r>
-                        <a:rPr lang="ko-KR" altLang="en-US" sz="1050" b="1" kern="0" spc="0" dirty="0" smtClean="0">
+                        <a:rPr lang="ko-KR" altLang="en-US" sz="1050" b="1" kern="0" spc="0" dirty="0">
                           <a:solidFill>
                             <a:schemeClr val="bg1">
                               <a:lumMod val="75000"/>
@@ -17079,6 +16923,572 @@
                           <a:cs typeface="+mn-cs"/>
                         </a:rPr>
                         <a:t>남</a:t>
+                      </a:r>
+                    </a:p>
+                  </a:txBody>
+                  <a:tcPr marL="36000" marR="36000" marT="15709" marB="15709" anchor="ctr">
+                    <a:lnL w="12700" cap="flat" cmpd="sng" algn="ctr">
+                      <a:solidFill>
+                        <a:schemeClr val="bg1">
+                          <a:lumMod val="50000"/>
+                        </a:schemeClr>
+                      </a:solidFill>
+                      <a:prstDash val="solid"/>
+                      <a:round/>
+                      <a:headEnd type="none" w="med" len="med"/>
+                      <a:tailEnd type="none" w="med" len="med"/>
+                    </a:lnL>
+                    <a:lnR w="12700" cap="flat" cmpd="sng" algn="ctr">
+                      <a:solidFill>
+                        <a:schemeClr val="bg1">
+                          <a:lumMod val="50000"/>
+                        </a:schemeClr>
+                      </a:solidFill>
+                      <a:prstDash val="solid"/>
+                      <a:round/>
+                      <a:headEnd type="none" w="med" len="med"/>
+                      <a:tailEnd type="none" w="med" len="med"/>
+                    </a:lnR>
+                    <a:lnT w="12700" cap="flat" cmpd="sng" algn="ctr">
+                      <a:solidFill>
+                        <a:schemeClr val="bg1">
+                          <a:lumMod val="50000"/>
+                        </a:schemeClr>
+                      </a:solidFill>
+                      <a:prstDash val="solid"/>
+                      <a:round/>
+                      <a:headEnd type="none" w="med" len="med"/>
+                      <a:tailEnd type="none" w="med" len="med"/>
+                    </a:lnT>
+                    <a:lnB w="12700" cap="flat" cmpd="sng" algn="ctr">
+                      <a:solidFill>
+                        <a:schemeClr val="bg1">
+                          <a:lumMod val="50000"/>
+                        </a:schemeClr>
+                      </a:solidFill>
+                      <a:prstDash val="solid"/>
+                      <a:round/>
+                      <a:headEnd type="none" w="med" len="med"/>
+                      <a:tailEnd type="none" w="med" len="med"/>
+                    </a:lnB>
+                    <a:noFill/>
+                  </a:tcPr>
+                </a:tc>
+                <a:tc>
+                  <a:txBody>
+                    <a:bodyPr/>
+                    <a:lstStyle/>
+                    <a:p>
+                      <a:pPr marL="0" marR="0" indent="0" algn="ctr" fontAlgn="base" latinLnBrk="0">
+                        <a:lnSpc>
+                          <a:spcPct val="100000"/>
+                        </a:lnSpc>
+                        <a:spcBef>
+                          <a:spcPts val="0"/>
+                        </a:spcBef>
+                        <a:spcAft>
+                          <a:spcPts val="0"/>
+                        </a:spcAft>
+                      </a:pPr>
+                      <a:r>
+                        <a:rPr lang="en-US" sz="1050" b="1" kern="0" spc="0" dirty="0">
+                          <a:solidFill>
+                            <a:schemeClr val="bg1">
+                              <a:lumMod val="75000"/>
+                            </a:schemeClr>
+                          </a:solidFill>
+                          <a:effectLst/>
+                          <a:latin typeface="나눔바른고딕" panose="020B0603020101020101" pitchFamily="50" charset="-127"/>
+                          <a:ea typeface="나눔바른고딕" panose="020B0603020101020101" pitchFamily="50" charset="-127"/>
+                          <a:cs typeface="+mn-cs"/>
+                        </a:rPr>
+                        <a:t>37</a:t>
+                      </a:r>
+                    </a:p>
+                  </a:txBody>
+                  <a:tcPr marL="36000" marR="36000" marT="15709" marB="15709" anchor="ctr">
+                    <a:lnL w="12700" cap="flat" cmpd="sng" algn="ctr">
+                      <a:solidFill>
+                        <a:schemeClr val="bg1">
+                          <a:lumMod val="50000"/>
+                        </a:schemeClr>
+                      </a:solidFill>
+                      <a:prstDash val="solid"/>
+                      <a:round/>
+                      <a:headEnd type="none" w="med" len="med"/>
+                      <a:tailEnd type="none" w="med" len="med"/>
+                    </a:lnL>
+                    <a:lnR w="12700" cap="flat" cmpd="sng" algn="ctr">
+                      <a:solidFill>
+                        <a:schemeClr val="bg1">
+                          <a:lumMod val="50000"/>
+                        </a:schemeClr>
+                      </a:solidFill>
+                      <a:prstDash val="solid"/>
+                      <a:round/>
+                      <a:headEnd type="none" w="med" len="med"/>
+                      <a:tailEnd type="none" w="med" len="med"/>
+                    </a:lnR>
+                    <a:lnT w="12700" cap="flat" cmpd="sng" algn="ctr">
+                      <a:solidFill>
+                        <a:schemeClr val="bg1">
+                          <a:lumMod val="50000"/>
+                        </a:schemeClr>
+                      </a:solidFill>
+                      <a:prstDash val="solid"/>
+                      <a:round/>
+                      <a:headEnd type="none" w="med" len="med"/>
+                      <a:tailEnd type="none" w="med" len="med"/>
+                    </a:lnT>
+                    <a:lnB w="12700" cap="flat" cmpd="sng" algn="ctr">
+                      <a:solidFill>
+                        <a:schemeClr val="bg1">
+                          <a:lumMod val="50000"/>
+                        </a:schemeClr>
+                      </a:solidFill>
+                      <a:prstDash val="solid"/>
+                      <a:round/>
+                      <a:headEnd type="none" w="med" len="med"/>
+                      <a:tailEnd type="none" w="med" len="med"/>
+                    </a:lnB>
+                    <a:noFill/>
+                  </a:tcPr>
+                </a:tc>
+                <a:tc>
+                  <a:txBody>
+                    <a:bodyPr/>
+                    <a:lstStyle/>
+                    <a:p>
+                      <a:pPr marL="0" marR="0" indent="0" algn="ctr" fontAlgn="base" latinLnBrk="0">
+                        <a:lnSpc>
+                          <a:spcPct val="100000"/>
+                        </a:lnSpc>
+                        <a:spcBef>
+                          <a:spcPts val="0"/>
+                        </a:spcBef>
+                        <a:spcAft>
+                          <a:spcPts val="0"/>
+                        </a:spcAft>
+                      </a:pPr>
+                      <a:r>
+                        <a:rPr lang="ko-KR" altLang="en-US" sz="1050" b="1" kern="0" spc="0" dirty="0">
+                          <a:solidFill>
+                            <a:schemeClr val="bg1">
+                              <a:lumMod val="75000"/>
+                            </a:schemeClr>
+                          </a:solidFill>
+                          <a:effectLst/>
+                          <a:latin typeface="나눔바른고딕" panose="020B0603020101020101" pitchFamily="50" charset="-127"/>
+                          <a:ea typeface="나눔바른고딕" panose="020B0603020101020101" pitchFamily="50" charset="-127"/>
+                          <a:cs typeface="+mn-cs"/>
+                        </a:rPr>
+                        <a:t>한국</a:t>
+                      </a:r>
+                    </a:p>
+                  </a:txBody>
+                  <a:tcPr marL="36000" marR="36000" marT="15709" marB="15709" anchor="ctr">
+                    <a:lnL w="12700" cap="flat" cmpd="sng" algn="ctr">
+                      <a:solidFill>
+                        <a:schemeClr val="bg1">
+                          <a:lumMod val="50000"/>
+                        </a:schemeClr>
+                      </a:solidFill>
+                      <a:prstDash val="solid"/>
+                      <a:round/>
+                      <a:headEnd type="none" w="med" len="med"/>
+                      <a:tailEnd type="none" w="med" len="med"/>
+                    </a:lnL>
+                    <a:lnR w="12700" cap="flat" cmpd="sng" algn="ctr">
+                      <a:solidFill>
+                        <a:schemeClr val="bg1">
+                          <a:lumMod val="50000"/>
+                        </a:schemeClr>
+                      </a:solidFill>
+                      <a:prstDash val="solid"/>
+                      <a:round/>
+                      <a:headEnd type="none" w="med" len="med"/>
+                      <a:tailEnd type="none" w="med" len="med"/>
+                    </a:lnR>
+                    <a:lnT w="12700" cap="flat" cmpd="sng" algn="ctr">
+                      <a:solidFill>
+                        <a:schemeClr val="bg1">
+                          <a:lumMod val="50000"/>
+                        </a:schemeClr>
+                      </a:solidFill>
+                      <a:prstDash val="solid"/>
+                      <a:round/>
+                      <a:headEnd type="none" w="med" len="med"/>
+                      <a:tailEnd type="none" w="med" len="med"/>
+                    </a:lnT>
+                    <a:lnB w="12700" cap="flat" cmpd="sng" algn="ctr">
+                      <a:solidFill>
+                        <a:schemeClr val="bg1">
+                          <a:lumMod val="50000"/>
+                        </a:schemeClr>
+                      </a:solidFill>
+                      <a:prstDash val="solid"/>
+                      <a:round/>
+                      <a:headEnd type="none" w="med" len="med"/>
+                      <a:tailEnd type="none" w="med" len="med"/>
+                    </a:lnB>
+                    <a:noFill/>
+                  </a:tcPr>
+                </a:tc>
+                <a:tc>
+                  <a:txBody>
+                    <a:bodyPr/>
+                    <a:lstStyle/>
+                    <a:p>
+                      <a:pPr marL="0" marR="0" indent="0" algn="ctr" defTabSz="914400" rtl="0" eaLnBrk="1" fontAlgn="base" latinLnBrk="0" hangingPunct="1">
+                        <a:lnSpc>
+                          <a:spcPct val="100000"/>
+                        </a:lnSpc>
+                        <a:spcBef>
+                          <a:spcPts val="0"/>
+                        </a:spcBef>
+                        <a:spcAft>
+                          <a:spcPts val="0"/>
+                        </a:spcAft>
+                        <a:buClrTx/>
+                        <a:buSzTx/>
+                        <a:buFontTx/>
+                        <a:buNone/>
+                        <a:tabLst/>
+                        <a:defRPr/>
+                      </a:pPr>
+                      <a:r>
+                        <a:rPr lang="en-US" altLang="ko-KR" sz="1050" b="1" kern="0" spc="0" dirty="0">
+                          <a:solidFill>
+                            <a:schemeClr val="bg1">
+                              <a:lumMod val="75000"/>
+                            </a:schemeClr>
+                          </a:solidFill>
+                          <a:effectLst/>
+                          <a:latin typeface="나눔바른고딕" panose="020B0603020101020101" pitchFamily="50" charset="-127"/>
+                          <a:ea typeface="나눔바른고딕" panose="020B0603020101020101" pitchFamily="50" charset="-127"/>
+                          <a:cs typeface="+mn-cs"/>
+                        </a:rPr>
+                        <a:t>X</a:t>
+                      </a:r>
+                    </a:p>
+                  </a:txBody>
+                  <a:tcPr marL="36000" marR="36000" marT="15709" marB="15709" anchor="ctr">
+                    <a:lnL w="12700" cap="flat" cmpd="sng" algn="ctr">
+                      <a:solidFill>
+                        <a:schemeClr val="bg1">
+                          <a:lumMod val="50000"/>
+                        </a:schemeClr>
+                      </a:solidFill>
+                      <a:prstDash val="solid"/>
+                      <a:round/>
+                      <a:headEnd type="none" w="med" len="med"/>
+                      <a:tailEnd type="none" w="med" len="med"/>
+                    </a:lnL>
+                    <a:lnR w="12700" cap="flat" cmpd="sng" algn="ctr">
+                      <a:solidFill>
+                        <a:schemeClr val="bg1">
+                          <a:lumMod val="50000"/>
+                        </a:schemeClr>
+                      </a:solidFill>
+                      <a:prstDash val="solid"/>
+                      <a:round/>
+                      <a:headEnd type="none" w="med" len="med"/>
+                      <a:tailEnd type="none" w="med" len="med"/>
+                    </a:lnR>
+                    <a:lnT w="12700" cap="flat" cmpd="sng" algn="ctr">
+                      <a:solidFill>
+                        <a:schemeClr val="bg1">
+                          <a:lumMod val="50000"/>
+                        </a:schemeClr>
+                      </a:solidFill>
+                      <a:prstDash val="solid"/>
+                      <a:round/>
+                      <a:headEnd type="none" w="med" len="med"/>
+                      <a:tailEnd type="none" w="med" len="med"/>
+                    </a:lnT>
+                    <a:lnB w="12700" cap="flat" cmpd="sng" algn="ctr">
+                      <a:solidFill>
+                        <a:schemeClr val="bg1">
+                          <a:lumMod val="50000"/>
+                        </a:schemeClr>
+                      </a:solidFill>
+                      <a:prstDash val="solid"/>
+                      <a:round/>
+                      <a:headEnd type="none" w="med" len="med"/>
+                      <a:tailEnd type="none" w="med" len="med"/>
+                    </a:lnB>
+                    <a:noFill/>
+                  </a:tcPr>
+                </a:tc>
+                <a:tc>
+                  <a:txBody>
+                    <a:bodyPr/>
+                    <a:lstStyle/>
+                    <a:p>
+                      <a:pPr marL="0" marR="0" indent="0" algn="ctr" fontAlgn="base" latinLnBrk="0">
+                        <a:lnSpc>
+                          <a:spcPct val="100000"/>
+                        </a:lnSpc>
+                        <a:spcBef>
+                          <a:spcPts val="0"/>
+                        </a:spcBef>
+                        <a:spcAft>
+                          <a:spcPts val="0"/>
+                        </a:spcAft>
+                      </a:pPr>
+                      <a:r>
+                        <a:rPr lang="en-US" sz="1050" b="1" kern="0" spc="0" dirty="0">
+                          <a:solidFill>
+                            <a:schemeClr val="bg1">
+                              <a:lumMod val="75000"/>
+                            </a:schemeClr>
+                          </a:solidFill>
+                          <a:effectLst/>
+                          <a:latin typeface="나눔바른고딕" panose="020B0603020101020101" pitchFamily="50" charset="-127"/>
+                          <a:ea typeface="나눔바른고딕" panose="020B0603020101020101" pitchFamily="50" charset="-127"/>
+                          <a:cs typeface="+mn-cs"/>
+                        </a:rPr>
+                        <a:t>1.24</a:t>
+                      </a:r>
+                    </a:p>
+                  </a:txBody>
+                  <a:tcPr marL="36000" marR="36000" marT="15709" marB="15709" anchor="ctr">
+                    <a:lnL w="12700" cap="flat" cmpd="sng" algn="ctr">
+                      <a:solidFill>
+                        <a:schemeClr val="bg1">
+                          <a:lumMod val="50000"/>
+                        </a:schemeClr>
+                      </a:solidFill>
+                      <a:prstDash val="solid"/>
+                      <a:round/>
+                      <a:headEnd type="none" w="med" len="med"/>
+                      <a:tailEnd type="none" w="med" len="med"/>
+                    </a:lnL>
+                    <a:lnR w="12700" cap="flat" cmpd="sng" algn="ctr">
+                      <a:solidFill>
+                        <a:schemeClr val="bg1">
+                          <a:lumMod val="50000"/>
+                        </a:schemeClr>
+                      </a:solidFill>
+                      <a:prstDash val="solid"/>
+                      <a:round/>
+                      <a:headEnd type="none" w="med" len="med"/>
+                      <a:tailEnd type="none" w="med" len="med"/>
+                    </a:lnR>
+                    <a:lnT w="12700" cap="flat" cmpd="sng" algn="ctr">
+                      <a:solidFill>
+                        <a:schemeClr val="bg1">
+                          <a:lumMod val="50000"/>
+                        </a:schemeClr>
+                      </a:solidFill>
+                      <a:prstDash val="solid"/>
+                      <a:round/>
+                      <a:headEnd type="none" w="med" len="med"/>
+                      <a:tailEnd type="none" w="med" len="med"/>
+                    </a:lnT>
+                    <a:lnB w="12700" cap="flat" cmpd="sng" algn="ctr">
+                      <a:solidFill>
+                        <a:schemeClr val="bg1">
+                          <a:lumMod val="50000"/>
+                        </a:schemeClr>
+                      </a:solidFill>
+                      <a:prstDash val="solid"/>
+                      <a:round/>
+                      <a:headEnd type="none" w="med" len="med"/>
+                      <a:tailEnd type="none" w="med" len="med"/>
+                    </a:lnB>
+                    <a:noFill/>
+                  </a:tcPr>
+                </a:tc>
+                <a:tc>
+                  <a:txBody>
+                    <a:bodyPr/>
+                    <a:lstStyle/>
+                    <a:p>
+                      <a:pPr marL="0" marR="0" indent="0" algn="ctr" fontAlgn="base" latinLnBrk="0">
+                        <a:lnSpc>
+                          <a:spcPct val="100000"/>
+                        </a:lnSpc>
+                        <a:spcBef>
+                          <a:spcPts val="0"/>
+                        </a:spcBef>
+                        <a:spcAft>
+                          <a:spcPts val="0"/>
+                        </a:spcAft>
+                      </a:pPr>
+                      <a:r>
+                        <a:rPr lang="en-US" sz="1050" b="1" kern="0" spc="0" dirty="0">
+                          <a:solidFill>
+                            <a:schemeClr val="bg1">
+                              <a:lumMod val="75000"/>
+                            </a:schemeClr>
+                          </a:solidFill>
+                          <a:effectLst/>
+                          <a:latin typeface="나눔바른고딕" panose="020B0603020101020101" pitchFamily="50" charset="-127"/>
+                          <a:ea typeface="나눔바른고딕" panose="020B0603020101020101" pitchFamily="50" charset="-127"/>
+                          <a:cs typeface="+mn-cs"/>
+                        </a:rPr>
+                        <a:t>2.5</a:t>
+                      </a:r>
+                    </a:p>
+                  </a:txBody>
+                  <a:tcPr marL="36000" marR="36000" marT="15709" marB="15709" anchor="ctr">
+                    <a:lnL w="12700" cap="flat" cmpd="sng" algn="ctr">
+                      <a:solidFill>
+                        <a:schemeClr val="bg1">
+                          <a:lumMod val="50000"/>
+                        </a:schemeClr>
+                      </a:solidFill>
+                      <a:prstDash val="solid"/>
+                      <a:round/>
+                      <a:headEnd type="none" w="med" len="med"/>
+                      <a:tailEnd type="none" w="med" len="med"/>
+                    </a:lnL>
+                    <a:lnR w="12700" cap="flat" cmpd="sng" algn="ctr">
+                      <a:solidFill>
+                        <a:schemeClr val="bg1">
+                          <a:lumMod val="50000"/>
+                        </a:schemeClr>
+                      </a:solidFill>
+                      <a:prstDash val="solid"/>
+                      <a:round/>
+                      <a:headEnd type="none" w="med" len="med"/>
+                      <a:tailEnd type="none" w="med" len="med"/>
+                    </a:lnR>
+                    <a:lnT w="12700" cap="flat" cmpd="sng" algn="ctr">
+                      <a:solidFill>
+                        <a:schemeClr val="bg1">
+                          <a:lumMod val="50000"/>
+                        </a:schemeClr>
+                      </a:solidFill>
+                      <a:prstDash val="solid"/>
+                      <a:round/>
+                      <a:headEnd type="none" w="med" len="med"/>
+                      <a:tailEnd type="none" w="med" len="med"/>
+                    </a:lnT>
+                    <a:lnB w="12700" cap="flat" cmpd="sng" algn="ctr">
+                      <a:solidFill>
+                        <a:schemeClr val="bg1">
+                          <a:lumMod val="50000"/>
+                        </a:schemeClr>
+                      </a:solidFill>
+                      <a:prstDash val="solid"/>
+                      <a:round/>
+                      <a:headEnd type="none" w="med" len="med"/>
+                      <a:tailEnd type="none" w="med" len="med"/>
+                    </a:lnB>
+                    <a:noFill/>
+                  </a:tcPr>
+                </a:tc>
+                <a:tc>
+                  <a:txBody>
+                    <a:bodyPr/>
+                    <a:lstStyle/>
+                    <a:p>
+                      <a:pPr marL="0" marR="0" indent="0" algn="ctr" fontAlgn="base" latinLnBrk="0">
+                        <a:lnSpc>
+                          <a:spcPct val="100000"/>
+                        </a:lnSpc>
+                        <a:spcBef>
+                          <a:spcPts val="0"/>
+                        </a:spcBef>
+                        <a:spcAft>
+                          <a:spcPts val="0"/>
+                        </a:spcAft>
+                      </a:pPr>
+                      <a:r>
+                        <a:rPr lang="ko-KR" altLang="en-US" sz="1000" b="1" kern="0" spc="0" dirty="0">
+                          <a:solidFill>
+                            <a:schemeClr val="bg1">
+                              <a:lumMod val="75000"/>
+                            </a:schemeClr>
+                          </a:solidFill>
+                          <a:effectLst/>
+                          <a:latin typeface="나눔바른고딕" panose="020B0603020101020101" pitchFamily="50" charset="-127"/>
+                          <a:ea typeface="나눔바른고딕" panose="020B0603020101020101" pitchFamily="50" charset="-127"/>
+                          <a:cs typeface="+mn-cs"/>
+                        </a:rPr>
+                        <a:t>명지병원</a:t>
+                      </a:r>
+                    </a:p>
+                  </a:txBody>
+                  <a:tcPr marL="36000" marR="36000" marT="15709" marB="15709" anchor="ctr">
+                    <a:lnL w="12700" cap="flat" cmpd="sng" algn="ctr">
+                      <a:solidFill>
+                        <a:schemeClr val="bg1">
+                          <a:lumMod val="50000"/>
+                        </a:schemeClr>
+                      </a:solidFill>
+                      <a:prstDash val="solid"/>
+                      <a:round/>
+                      <a:headEnd type="none" w="med" len="med"/>
+                      <a:tailEnd type="none" w="med" len="med"/>
+                    </a:lnL>
+                    <a:lnR w="12700" cap="flat" cmpd="sng" algn="ctr">
+                      <a:solidFill>
+                        <a:schemeClr val="bg1">
+                          <a:lumMod val="50000"/>
+                        </a:schemeClr>
+                      </a:solidFill>
+                      <a:prstDash val="solid"/>
+                      <a:round/>
+                      <a:headEnd type="none" w="med" len="med"/>
+                      <a:tailEnd type="none" w="med" len="med"/>
+                    </a:lnR>
+                    <a:lnT w="12700" cap="flat" cmpd="sng" algn="ctr">
+                      <a:solidFill>
+                        <a:schemeClr val="bg1">
+                          <a:lumMod val="50000"/>
+                        </a:schemeClr>
+                      </a:solidFill>
+                      <a:prstDash val="solid"/>
+                      <a:round/>
+                      <a:headEnd type="none" w="med" len="med"/>
+                      <a:tailEnd type="none" w="med" len="med"/>
+                    </a:lnT>
+                    <a:lnB w="12700" cap="flat" cmpd="sng" algn="ctr">
+                      <a:solidFill>
+                        <a:schemeClr val="bg1">
+                          <a:lumMod val="50000"/>
+                        </a:schemeClr>
+                      </a:solidFill>
+                      <a:prstDash val="solid"/>
+                      <a:round/>
+                      <a:headEnd type="none" w="med" len="med"/>
+                      <a:tailEnd type="none" w="med" len="med"/>
+                    </a:lnB>
+                    <a:noFill/>
+                  </a:tcPr>
+                </a:tc>
+                <a:tc>
+                  <a:txBody>
+                    <a:bodyPr/>
+                    <a:lstStyle/>
+                    <a:p>
+                      <a:pPr marL="0" marR="0" indent="0" algn="ctr" fontAlgn="base" latinLnBrk="0">
+                        <a:lnSpc>
+                          <a:spcPct val="100000"/>
+                        </a:lnSpc>
+                        <a:spcBef>
+                          <a:spcPts val="0"/>
+                        </a:spcBef>
+                        <a:spcAft>
+                          <a:spcPts val="0"/>
+                        </a:spcAft>
+                      </a:pPr>
+                      <a:r>
+                        <a:rPr lang="ko-KR" altLang="en-US" sz="1050" b="1" kern="0" spc="0" dirty="0" err="1">
+                          <a:solidFill>
+                            <a:schemeClr val="bg1">
+                              <a:lumMod val="75000"/>
+                            </a:schemeClr>
+                          </a:solidFill>
+                          <a:effectLst/>
+                          <a:latin typeface="나눔바른고딕" panose="020B0603020101020101" pitchFamily="50" charset="-127"/>
+                          <a:ea typeface="나눔바른고딕" panose="020B0603020101020101" pitchFamily="50" charset="-127"/>
+                          <a:cs typeface="+mn-cs"/>
+                        </a:rPr>
+                        <a:t>확인중</a:t>
                       </a:r>
                       <a:endParaRPr lang="ko-KR" altLang="en-US" sz="1050" b="1" kern="0" spc="0" dirty="0">
                         <a:solidFill>
@@ -17141,6 +17551,13 @@
                     <a:noFill/>
                   </a:tcPr>
                 </a:tc>
+                <a:extLst>
+                  <a:ext uri="{0D108BD9-81ED-4DB2-BD59-A6C34878D82A}">
+                    <a16:rowId xmlns:a16="http://schemas.microsoft.com/office/drawing/2014/main" val="10017"/>
+                  </a:ext>
+                </a:extLst>
+              </a:tr>
+              <a:tr h="288000">
                 <a:tc>
                   <a:txBody>
                     <a:bodyPr/>
@@ -17158,7 +17575,7 @@
                         </a:spcAft>
                       </a:pPr>
                       <a:r>
-                        <a:rPr lang="en-US" sz="1050" b="1" kern="0" spc="0" dirty="0" smtClean="0">
+                        <a:rPr lang="en-US" sz="1050" b="1" kern="0" spc="0" dirty="0">
                           <a:solidFill>
                             <a:schemeClr val="bg1">
                               <a:lumMod val="75000"/>
@@ -17169,9 +17586,569 @@
                           <a:ea typeface="나눔바른고딕" panose="020B0603020101020101" pitchFamily="50" charset="-127"/>
                           <a:cs typeface="+mn-cs"/>
                         </a:rPr>
-                        <a:t>38</a:t>
+                        <a:t>18</a:t>
                       </a:r>
-                      <a:endParaRPr lang="en-US" sz="1050" b="1" kern="0" spc="0" dirty="0">
+                    </a:p>
+                  </a:txBody>
+                  <a:tcPr marL="36000" marR="36000" marT="15709" marB="15709" anchor="ctr">
+                    <a:lnL w="12700" cap="flat" cmpd="sng" algn="ctr">
+                      <a:solidFill>
+                        <a:schemeClr val="bg1">
+                          <a:lumMod val="50000"/>
+                        </a:schemeClr>
+                      </a:solidFill>
+                      <a:prstDash val="solid"/>
+                      <a:round/>
+                      <a:headEnd type="none" w="med" len="med"/>
+                      <a:tailEnd type="none" w="med" len="med"/>
+                    </a:lnL>
+                    <a:lnR w="12700" cap="flat" cmpd="sng" algn="ctr">
+                      <a:solidFill>
+                        <a:schemeClr val="bg1">
+                          <a:lumMod val="50000"/>
+                        </a:schemeClr>
+                      </a:solidFill>
+                      <a:prstDash val="solid"/>
+                      <a:round/>
+                      <a:headEnd type="none" w="med" len="med"/>
+                      <a:tailEnd type="none" w="med" len="med"/>
+                    </a:lnR>
+                    <a:lnT w="12700" cap="flat" cmpd="sng" algn="ctr">
+                      <a:solidFill>
+                        <a:schemeClr val="bg1">
+                          <a:lumMod val="50000"/>
+                        </a:schemeClr>
+                      </a:solidFill>
+                      <a:prstDash val="solid"/>
+                      <a:round/>
+                      <a:headEnd type="none" w="med" len="med"/>
+                      <a:tailEnd type="none" w="med" len="med"/>
+                    </a:lnT>
+                    <a:lnB w="12700" cap="flat" cmpd="sng" algn="ctr">
+                      <a:solidFill>
+                        <a:schemeClr val="bg1">
+                          <a:lumMod val="50000"/>
+                        </a:schemeClr>
+                      </a:solidFill>
+                      <a:prstDash val="solid"/>
+                      <a:round/>
+                      <a:headEnd type="none" w="med" len="med"/>
+                      <a:tailEnd type="none" w="med" len="med"/>
+                    </a:lnB>
+                    <a:noFill/>
+                  </a:tcPr>
+                </a:tc>
+                <a:tc>
+                  <a:txBody>
+                    <a:bodyPr/>
+                    <a:lstStyle/>
+                    <a:p>
+                      <a:pPr marL="0" marR="0" indent="0" algn="ctr" fontAlgn="base" latinLnBrk="0">
+                        <a:lnSpc>
+                          <a:spcPct val="100000"/>
+                        </a:lnSpc>
+                        <a:spcBef>
+                          <a:spcPts val="0"/>
+                        </a:spcBef>
+                        <a:spcAft>
+                          <a:spcPts val="0"/>
+                        </a:spcAft>
+                      </a:pPr>
+                      <a:r>
+                        <a:rPr lang="ko-KR" altLang="en-US" sz="1050" b="1" kern="0" spc="0" dirty="0">
+                          <a:solidFill>
+                            <a:schemeClr val="bg1">
+                              <a:lumMod val="75000"/>
+                            </a:schemeClr>
+                          </a:solidFill>
+                          <a:effectLst/>
+                          <a:latin typeface="나눔바른고딕" panose="020B0603020101020101" pitchFamily="50" charset="-127"/>
+                          <a:ea typeface="나눔바른고딕" panose="020B0603020101020101" pitchFamily="50" charset="-127"/>
+                          <a:cs typeface="+mn-cs"/>
+                        </a:rPr>
+                        <a:t>여</a:t>
+                      </a:r>
+                    </a:p>
+                  </a:txBody>
+                  <a:tcPr marL="36000" marR="36000" marT="15709" marB="15709" anchor="ctr">
+                    <a:lnL w="12700" cap="flat" cmpd="sng" algn="ctr">
+                      <a:solidFill>
+                        <a:schemeClr val="bg1">
+                          <a:lumMod val="50000"/>
+                        </a:schemeClr>
+                      </a:solidFill>
+                      <a:prstDash val="solid"/>
+                      <a:round/>
+                      <a:headEnd type="none" w="med" len="med"/>
+                      <a:tailEnd type="none" w="med" len="med"/>
+                    </a:lnL>
+                    <a:lnR w="12700" cap="flat" cmpd="sng" algn="ctr">
+                      <a:solidFill>
+                        <a:schemeClr val="bg1">
+                          <a:lumMod val="50000"/>
+                        </a:schemeClr>
+                      </a:solidFill>
+                      <a:prstDash val="solid"/>
+                      <a:round/>
+                      <a:headEnd type="none" w="med" len="med"/>
+                      <a:tailEnd type="none" w="med" len="med"/>
+                    </a:lnR>
+                    <a:lnT w="12700" cap="flat" cmpd="sng" algn="ctr">
+                      <a:solidFill>
+                        <a:schemeClr val="bg1">
+                          <a:lumMod val="50000"/>
+                        </a:schemeClr>
+                      </a:solidFill>
+                      <a:prstDash val="solid"/>
+                      <a:round/>
+                      <a:headEnd type="none" w="med" len="med"/>
+                      <a:tailEnd type="none" w="med" len="med"/>
+                    </a:lnT>
+                    <a:lnB w="12700" cap="flat" cmpd="sng" algn="ctr">
+                      <a:solidFill>
+                        <a:schemeClr val="bg1">
+                          <a:lumMod val="50000"/>
+                        </a:schemeClr>
+                      </a:solidFill>
+                      <a:prstDash val="solid"/>
+                      <a:round/>
+                      <a:headEnd type="none" w="med" len="med"/>
+                      <a:tailEnd type="none" w="med" len="med"/>
+                    </a:lnB>
+                    <a:noFill/>
+                  </a:tcPr>
+                </a:tc>
+                <a:tc>
+                  <a:txBody>
+                    <a:bodyPr/>
+                    <a:lstStyle/>
+                    <a:p>
+                      <a:pPr marL="0" marR="0" indent="0" algn="ctr" fontAlgn="base" latinLnBrk="0">
+                        <a:lnSpc>
+                          <a:spcPct val="100000"/>
+                        </a:lnSpc>
+                        <a:spcBef>
+                          <a:spcPts val="0"/>
+                        </a:spcBef>
+                        <a:spcAft>
+                          <a:spcPts val="0"/>
+                        </a:spcAft>
+                      </a:pPr>
+                      <a:r>
+                        <a:rPr lang="en-US" sz="1050" b="1" kern="0" spc="0" dirty="0">
+                          <a:solidFill>
+                            <a:schemeClr val="bg1">
+                              <a:lumMod val="75000"/>
+                            </a:schemeClr>
+                          </a:solidFill>
+                          <a:effectLst/>
+                          <a:latin typeface="나눔바른고딕" panose="020B0603020101020101" pitchFamily="50" charset="-127"/>
+                          <a:ea typeface="나눔바른고딕" panose="020B0603020101020101" pitchFamily="50" charset="-127"/>
+                          <a:cs typeface="+mn-cs"/>
+                        </a:rPr>
+                        <a:t>20</a:t>
+                      </a:r>
+                    </a:p>
+                  </a:txBody>
+                  <a:tcPr marL="36000" marR="36000" marT="15709" marB="15709" anchor="ctr">
+                    <a:lnL w="12700" cap="flat" cmpd="sng" algn="ctr">
+                      <a:solidFill>
+                        <a:schemeClr val="bg1">
+                          <a:lumMod val="50000"/>
+                        </a:schemeClr>
+                      </a:solidFill>
+                      <a:prstDash val="solid"/>
+                      <a:round/>
+                      <a:headEnd type="none" w="med" len="med"/>
+                      <a:tailEnd type="none" w="med" len="med"/>
+                    </a:lnL>
+                    <a:lnR w="12700" cap="flat" cmpd="sng" algn="ctr">
+                      <a:solidFill>
+                        <a:schemeClr val="bg1">
+                          <a:lumMod val="50000"/>
+                        </a:schemeClr>
+                      </a:solidFill>
+                      <a:prstDash val="solid"/>
+                      <a:round/>
+                      <a:headEnd type="none" w="med" len="med"/>
+                      <a:tailEnd type="none" w="med" len="med"/>
+                    </a:lnR>
+                    <a:lnT w="12700" cap="flat" cmpd="sng" algn="ctr">
+                      <a:solidFill>
+                        <a:schemeClr val="bg1">
+                          <a:lumMod val="50000"/>
+                        </a:schemeClr>
+                      </a:solidFill>
+                      <a:prstDash val="solid"/>
+                      <a:round/>
+                      <a:headEnd type="none" w="med" len="med"/>
+                      <a:tailEnd type="none" w="med" len="med"/>
+                    </a:lnT>
+                    <a:lnB w="12700" cap="flat" cmpd="sng" algn="ctr">
+                      <a:solidFill>
+                        <a:schemeClr val="bg1">
+                          <a:lumMod val="50000"/>
+                        </a:schemeClr>
+                      </a:solidFill>
+                      <a:prstDash val="solid"/>
+                      <a:round/>
+                      <a:headEnd type="none" w="med" len="med"/>
+                      <a:tailEnd type="none" w="med" len="med"/>
+                    </a:lnB>
+                    <a:noFill/>
+                  </a:tcPr>
+                </a:tc>
+                <a:tc>
+                  <a:txBody>
+                    <a:bodyPr/>
+                    <a:lstStyle/>
+                    <a:p>
+                      <a:pPr marL="0" marR="0" indent="0" algn="ctr" fontAlgn="base" latinLnBrk="0">
+                        <a:lnSpc>
+                          <a:spcPct val="100000"/>
+                        </a:lnSpc>
+                        <a:spcBef>
+                          <a:spcPts val="0"/>
+                        </a:spcBef>
+                        <a:spcAft>
+                          <a:spcPts val="0"/>
+                        </a:spcAft>
+                      </a:pPr>
+                      <a:r>
+                        <a:rPr lang="ko-KR" altLang="en-US" sz="1050" b="1" kern="0" spc="0" dirty="0">
+                          <a:solidFill>
+                            <a:schemeClr val="bg1">
+                              <a:lumMod val="75000"/>
+                            </a:schemeClr>
+                          </a:solidFill>
+                          <a:effectLst/>
+                          <a:latin typeface="나눔바른고딕" panose="020B0603020101020101" pitchFamily="50" charset="-127"/>
+                          <a:ea typeface="나눔바른고딕" panose="020B0603020101020101" pitchFamily="50" charset="-127"/>
+                          <a:cs typeface="+mn-cs"/>
+                        </a:rPr>
+                        <a:t>한국</a:t>
+                      </a:r>
+                    </a:p>
+                  </a:txBody>
+                  <a:tcPr marL="36000" marR="36000" marT="15709" marB="15709" anchor="ctr">
+                    <a:lnL w="12700" cap="flat" cmpd="sng" algn="ctr">
+                      <a:solidFill>
+                        <a:schemeClr val="bg1">
+                          <a:lumMod val="50000"/>
+                        </a:schemeClr>
+                      </a:solidFill>
+                      <a:prstDash val="solid"/>
+                      <a:round/>
+                      <a:headEnd type="none" w="med" len="med"/>
+                      <a:tailEnd type="none" w="med" len="med"/>
+                    </a:lnL>
+                    <a:lnR w="12700" cap="flat" cmpd="sng" algn="ctr">
+                      <a:solidFill>
+                        <a:schemeClr val="bg1">
+                          <a:lumMod val="50000"/>
+                        </a:schemeClr>
+                      </a:solidFill>
+                      <a:prstDash val="solid"/>
+                      <a:round/>
+                      <a:headEnd type="none" w="med" len="med"/>
+                      <a:tailEnd type="none" w="med" len="med"/>
+                    </a:lnR>
+                    <a:lnT w="12700" cap="flat" cmpd="sng" algn="ctr">
+                      <a:solidFill>
+                        <a:schemeClr val="bg1">
+                          <a:lumMod val="50000"/>
+                        </a:schemeClr>
+                      </a:solidFill>
+                      <a:prstDash val="solid"/>
+                      <a:round/>
+                      <a:headEnd type="none" w="med" len="med"/>
+                      <a:tailEnd type="none" w="med" len="med"/>
+                    </a:lnT>
+                    <a:lnB w="12700" cap="flat" cmpd="sng" algn="ctr">
+                      <a:solidFill>
+                        <a:schemeClr val="bg1">
+                          <a:lumMod val="50000"/>
+                        </a:schemeClr>
+                      </a:solidFill>
+                      <a:prstDash val="solid"/>
+                      <a:round/>
+                      <a:headEnd type="none" w="med" len="med"/>
+                      <a:tailEnd type="none" w="med" len="med"/>
+                    </a:lnB>
+                    <a:noFill/>
+                  </a:tcPr>
+                </a:tc>
+                <a:tc>
+                  <a:txBody>
+                    <a:bodyPr/>
+                    <a:lstStyle/>
+                    <a:p>
+                      <a:pPr marL="0" marR="0" indent="0" algn="ctr" fontAlgn="base" latinLnBrk="0">
+                        <a:lnSpc>
+                          <a:spcPct val="100000"/>
+                        </a:lnSpc>
+                        <a:spcBef>
+                          <a:spcPts val="0"/>
+                        </a:spcBef>
+                        <a:spcAft>
+                          <a:spcPts val="0"/>
+                        </a:spcAft>
+                      </a:pPr>
+                      <a:r>
+                        <a:rPr lang="en-US" altLang="ko-KR" sz="1050" b="1" kern="0" spc="0" dirty="0">
+                          <a:solidFill>
+                            <a:schemeClr val="bg1">
+                              <a:lumMod val="75000"/>
+                            </a:schemeClr>
+                          </a:solidFill>
+                          <a:effectLst/>
+                          <a:latin typeface="나눔바른고딕" panose="020B0603020101020101" pitchFamily="50" charset="-127"/>
+                          <a:ea typeface="나눔바른고딕" panose="020B0603020101020101" pitchFamily="50" charset="-127"/>
+                          <a:cs typeface="+mn-cs"/>
+                        </a:rPr>
+                        <a:t>X</a:t>
+                      </a:r>
+                    </a:p>
+                  </a:txBody>
+                  <a:tcPr marL="36000" marR="36000" marT="15709" marB="15709" anchor="ctr">
+                    <a:lnL w="12700" cap="flat" cmpd="sng" algn="ctr">
+                      <a:solidFill>
+                        <a:schemeClr val="bg1">
+                          <a:lumMod val="50000"/>
+                        </a:schemeClr>
+                      </a:solidFill>
+                      <a:prstDash val="solid"/>
+                      <a:round/>
+                      <a:headEnd type="none" w="med" len="med"/>
+                      <a:tailEnd type="none" w="med" len="med"/>
+                    </a:lnL>
+                    <a:lnR w="12700" cap="flat" cmpd="sng" algn="ctr">
+                      <a:solidFill>
+                        <a:schemeClr val="bg1">
+                          <a:lumMod val="50000"/>
+                        </a:schemeClr>
+                      </a:solidFill>
+                      <a:prstDash val="solid"/>
+                      <a:round/>
+                      <a:headEnd type="none" w="med" len="med"/>
+                      <a:tailEnd type="none" w="med" len="med"/>
+                    </a:lnR>
+                    <a:lnT w="12700" cap="flat" cmpd="sng" algn="ctr">
+                      <a:solidFill>
+                        <a:schemeClr val="bg1">
+                          <a:lumMod val="50000"/>
+                        </a:schemeClr>
+                      </a:solidFill>
+                      <a:prstDash val="solid"/>
+                      <a:round/>
+                      <a:headEnd type="none" w="med" len="med"/>
+                      <a:tailEnd type="none" w="med" len="med"/>
+                    </a:lnT>
+                    <a:lnB w="12700" cap="flat" cmpd="sng" algn="ctr">
+                      <a:solidFill>
+                        <a:schemeClr val="bg1">
+                          <a:lumMod val="50000"/>
+                        </a:schemeClr>
+                      </a:solidFill>
+                      <a:prstDash val="solid"/>
+                      <a:round/>
+                      <a:headEnd type="none" w="med" len="med"/>
+                      <a:tailEnd type="none" w="med" len="med"/>
+                    </a:lnB>
+                    <a:noFill/>
+                  </a:tcPr>
+                </a:tc>
+                <a:tc>
+                  <a:txBody>
+                    <a:bodyPr/>
+                    <a:lstStyle/>
+                    <a:p>
+                      <a:pPr marL="0" marR="0" indent="0" algn="ctr" fontAlgn="base" latinLnBrk="0">
+                        <a:lnSpc>
+                          <a:spcPct val="100000"/>
+                        </a:lnSpc>
+                        <a:spcBef>
+                          <a:spcPts val="0"/>
+                        </a:spcBef>
+                        <a:spcAft>
+                          <a:spcPts val="0"/>
+                        </a:spcAft>
+                      </a:pPr>
+                      <a:r>
+                        <a:rPr lang="en-US" sz="1050" b="1" kern="0" spc="0" dirty="0">
+                          <a:solidFill>
+                            <a:schemeClr val="bg1">
+                              <a:lumMod val="75000"/>
+                            </a:schemeClr>
+                          </a:solidFill>
+                          <a:effectLst/>
+                          <a:latin typeface="나눔바른고딕" panose="020B0603020101020101" pitchFamily="50" charset="-127"/>
+                          <a:ea typeface="나눔바른고딕" panose="020B0603020101020101" pitchFamily="50" charset="-127"/>
+                          <a:cs typeface="+mn-cs"/>
+                        </a:rPr>
+                        <a:t>1.19</a:t>
+                      </a:r>
+                    </a:p>
+                  </a:txBody>
+                  <a:tcPr marL="36000" marR="36000" marT="15709" marB="15709" anchor="ctr">
+                    <a:lnL w="12700" cap="flat" cmpd="sng" algn="ctr">
+                      <a:solidFill>
+                        <a:schemeClr val="bg1">
+                          <a:lumMod val="50000"/>
+                        </a:schemeClr>
+                      </a:solidFill>
+                      <a:prstDash val="solid"/>
+                      <a:round/>
+                      <a:headEnd type="none" w="med" len="med"/>
+                      <a:tailEnd type="none" w="med" len="med"/>
+                    </a:lnL>
+                    <a:lnR w="12700" cap="flat" cmpd="sng" algn="ctr">
+                      <a:solidFill>
+                        <a:schemeClr val="bg1">
+                          <a:lumMod val="50000"/>
+                        </a:schemeClr>
+                      </a:solidFill>
+                      <a:prstDash val="solid"/>
+                      <a:round/>
+                      <a:headEnd type="none" w="med" len="med"/>
+                      <a:tailEnd type="none" w="med" len="med"/>
+                    </a:lnR>
+                    <a:lnT w="12700" cap="flat" cmpd="sng" algn="ctr">
+                      <a:solidFill>
+                        <a:schemeClr val="bg1">
+                          <a:lumMod val="50000"/>
+                        </a:schemeClr>
+                      </a:solidFill>
+                      <a:prstDash val="solid"/>
+                      <a:round/>
+                      <a:headEnd type="none" w="med" len="med"/>
+                      <a:tailEnd type="none" w="med" len="med"/>
+                    </a:lnT>
+                    <a:lnB w="12700" cap="flat" cmpd="sng" algn="ctr">
+                      <a:solidFill>
+                        <a:schemeClr val="bg1">
+                          <a:lumMod val="50000"/>
+                        </a:schemeClr>
+                      </a:solidFill>
+                      <a:prstDash val="solid"/>
+                      <a:round/>
+                      <a:headEnd type="none" w="med" len="med"/>
+                      <a:tailEnd type="none" w="med" len="med"/>
+                    </a:lnB>
+                    <a:noFill/>
+                  </a:tcPr>
+                </a:tc>
+                <a:tc>
+                  <a:txBody>
+                    <a:bodyPr/>
+                    <a:lstStyle/>
+                    <a:p>
+                      <a:pPr marL="0" marR="0" indent="0" algn="ctr" fontAlgn="base" latinLnBrk="0">
+                        <a:lnSpc>
+                          <a:spcPct val="100000"/>
+                        </a:lnSpc>
+                        <a:spcBef>
+                          <a:spcPts val="0"/>
+                        </a:spcBef>
+                        <a:spcAft>
+                          <a:spcPts val="0"/>
+                        </a:spcAft>
+                      </a:pPr>
+                      <a:r>
+                        <a:rPr lang="en-US" sz="1050" b="1" kern="0" spc="0" dirty="0">
+                          <a:solidFill>
+                            <a:schemeClr val="bg1">
+                              <a:lumMod val="75000"/>
+                            </a:schemeClr>
+                          </a:solidFill>
+                          <a:effectLst/>
+                          <a:latin typeface="나눔바른고딕" panose="020B0603020101020101" pitchFamily="50" charset="-127"/>
+                          <a:ea typeface="나눔바른고딕" panose="020B0603020101020101" pitchFamily="50" charset="-127"/>
+                          <a:cs typeface="+mn-cs"/>
+                        </a:rPr>
+                        <a:t>2.5</a:t>
+                      </a:r>
+                    </a:p>
+                  </a:txBody>
+                  <a:tcPr marL="36000" marR="36000" marT="15709" marB="15709" anchor="ctr">
+                    <a:lnL w="12700" cap="flat" cmpd="sng" algn="ctr">
+                      <a:solidFill>
+                        <a:schemeClr val="bg1">
+                          <a:lumMod val="50000"/>
+                        </a:schemeClr>
+                      </a:solidFill>
+                      <a:prstDash val="solid"/>
+                      <a:round/>
+                      <a:headEnd type="none" w="med" len="med"/>
+                      <a:tailEnd type="none" w="med" len="med"/>
+                    </a:lnL>
+                    <a:lnR w="12700" cap="flat" cmpd="sng" algn="ctr">
+                      <a:solidFill>
+                        <a:schemeClr val="bg1">
+                          <a:lumMod val="50000"/>
+                        </a:schemeClr>
+                      </a:solidFill>
+                      <a:prstDash val="solid"/>
+                      <a:round/>
+                      <a:headEnd type="none" w="med" len="med"/>
+                      <a:tailEnd type="none" w="med" len="med"/>
+                    </a:lnR>
+                    <a:lnT w="12700" cap="flat" cmpd="sng" algn="ctr">
+                      <a:solidFill>
+                        <a:schemeClr val="bg1">
+                          <a:lumMod val="50000"/>
+                        </a:schemeClr>
+                      </a:solidFill>
+                      <a:prstDash val="solid"/>
+                      <a:round/>
+                      <a:headEnd type="none" w="med" len="med"/>
+                      <a:tailEnd type="none" w="med" len="med"/>
+                    </a:lnT>
+                    <a:lnB w="12700" cap="flat" cmpd="sng" algn="ctr">
+                      <a:solidFill>
+                        <a:schemeClr val="bg1">
+                          <a:lumMod val="50000"/>
+                        </a:schemeClr>
+                      </a:solidFill>
+                      <a:prstDash val="solid"/>
+                      <a:round/>
+                      <a:headEnd type="none" w="med" len="med"/>
+                      <a:tailEnd type="none" w="med" len="med"/>
+                    </a:lnB>
+                    <a:noFill/>
+                  </a:tcPr>
+                </a:tc>
+                <a:tc>
+                  <a:txBody>
+                    <a:bodyPr/>
+                    <a:lstStyle/>
+                    <a:p>
+                      <a:pPr marL="0" marR="0" indent="0" algn="ctr" fontAlgn="base" latinLnBrk="0">
+                        <a:lnSpc>
+                          <a:spcPct val="100000"/>
+                        </a:lnSpc>
+                        <a:spcBef>
+                          <a:spcPts val="0"/>
+                        </a:spcBef>
+                        <a:spcAft>
+                          <a:spcPts val="0"/>
+                        </a:spcAft>
+                      </a:pPr>
+                      <a:r>
+                        <a:rPr lang="ko-KR" altLang="en-US" sz="1000" b="1" kern="0" spc="0" dirty="0" err="1">
+                          <a:solidFill>
+                            <a:schemeClr val="bg1">
+                              <a:lumMod val="75000"/>
+                            </a:schemeClr>
+                          </a:solidFill>
+                          <a:effectLst/>
+                          <a:latin typeface="나눔바른고딕" panose="020B0603020101020101" pitchFamily="50" charset="-127"/>
+                          <a:ea typeface="나눔바른고딕" panose="020B0603020101020101" pitchFamily="50" charset="-127"/>
+                          <a:cs typeface="+mn-cs"/>
+                        </a:rPr>
+                        <a:t>전남대병원</a:t>
+                      </a:r>
+                      <a:endParaRPr lang="ko-KR" altLang="en-US" sz="1000" b="1" kern="0" spc="0" dirty="0">
                         <a:solidFill>
                           <a:schemeClr val="bg1">
                             <a:lumMod val="75000"/>
@@ -17249,7 +18226,7 @@
                         </a:spcAft>
                       </a:pPr>
                       <a:r>
-                        <a:rPr lang="ko-KR" altLang="en-US" sz="1050" b="1" kern="0" spc="0" dirty="0" smtClean="0">
+                        <a:rPr lang="ko-KR" altLang="en-US" sz="1050" b="1" kern="0" spc="0" dirty="0" err="1">
                           <a:solidFill>
                             <a:schemeClr val="bg1">
                               <a:lumMod val="75000"/>
@@ -17260,7 +18237,7 @@
                           <a:ea typeface="나눔바른고딕" panose="020B0603020101020101" pitchFamily="50" charset="-127"/>
                           <a:cs typeface="+mn-cs"/>
                         </a:rPr>
-                        <a:t>한국</a:t>
+                        <a:t>확인중</a:t>
                       </a:r>
                       <a:endParaRPr lang="ko-KR" altLang="en-US" sz="1050" b="1" kern="0" spc="0" dirty="0">
                         <a:solidFill>
@@ -17323,12 +18300,19 @@
                     <a:noFill/>
                   </a:tcPr>
                 </a:tc>
+                <a:extLst>
+                  <a:ext uri="{0D108BD9-81ED-4DB2-BD59-A6C34878D82A}">
+                    <a16:rowId xmlns:a16="http://schemas.microsoft.com/office/drawing/2014/main" val="10018"/>
+                  </a:ext>
+                </a:extLst>
+              </a:tr>
+              <a:tr h="288000">
                 <a:tc>
                   <a:txBody>
                     <a:bodyPr/>
                     <a:lstStyle/>
                     <a:p>
-                      <a:pPr marL="0" marR="0" indent="0" algn="ctr" defTabSz="914400" rtl="0" eaLnBrk="1" fontAlgn="base" latinLnBrk="0" hangingPunct="1">
+                      <a:pPr marL="0" marR="0" indent="0" algn="ctr" fontAlgn="base" latinLnBrk="0">
                         <a:lnSpc>
                           <a:spcPct val="100000"/>
                         </a:lnSpc>
@@ -17338,15 +18322,329 @@
                         <a:spcAft>
                           <a:spcPts val="0"/>
                         </a:spcAft>
-                        <a:buClrTx/>
-                        <a:buSzTx/>
-                        <a:buFontTx/>
-                        <a:buNone/>
-                        <a:tabLst/>
-                        <a:defRPr/>
                       </a:pPr>
                       <a:r>
-                        <a:rPr lang="en-US" altLang="ko-KR" sz="1050" b="1" kern="0" spc="0" dirty="0" smtClean="0">
+                        <a:rPr lang="en-US" sz="1050" b="1" kern="0" spc="0" dirty="0">
+                          <a:solidFill>
+                            <a:schemeClr val="bg1">
+                              <a:lumMod val="75000"/>
+                            </a:schemeClr>
+                          </a:solidFill>
+                          <a:effectLst/>
+                          <a:latin typeface="나눔바른고딕" panose="020B0603020101020101" pitchFamily="50" charset="-127"/>
+                          <a:ea typeface="나눔바른고딕" panose="020B0603020101020101" pitchFamily="50" charset="-127"/>
+                          <a:cs typeface="+mn-cs"/>
+                        </a:rPr>
+                        <a:t>19</a:t>
+                      </a:r>
+                    </a:p>
+                  </a:txBody>
+                  <a:tcPr marL="36000" marR="36000" marT="15709" marB="15709" anchor="ctr">
+                    <a:lnL w="12700" cap="flat" cmpd="sng" algn="ctr">
+                      <a:solidFill>
+                        <a:schemeClr val="bg1">
+                          <a:lumMod val="50000"/>
+                        </a:schemeClr>
+                      </a:solidFill>
+                      <a:prstDash val="solid"/>
+                      <a:round/>
+                      <a:headEnd type="none" w="med" len="med"/>
+                      <a:tailEnd type="none" w="med" len="med"/>
+                    </a:lnL>
+                    <a:lnR w="12700" cap="flat" cmpd="sng" algn="ctr">
+                      <a:solidFill>
+                        <a:schemeClr val="bg1">
+                          <a:lumMod val="50000"/>
+                        </a:schemeClr>
+                      </a:solidFill>
+                      <a:prstDash val="solid"/>
+                      <a:round/>
+                      <a:headEnd type="none" w="med" len="med"/>
+                      <a:tailEnd type="none" w="med" len="med"/>
+                    </a:lnR>
+                    <a:lnT w="12700" cap="flat" cmpd="sng" algn="ctr">
+                      <a:solidFill>
+                        <a:schemeClr val="bg1">
+                          <a:lumMod val="50000"/>
+                        </a:schemeClr>
+                      </a:solidFill>
+                      <a:prstDash val="solid"/>
+                      <a:round/>
+                      <a:headEnd type="none" w="med" len="med"/>
+                      <a:tailEnd type="none" w="med" len="med"/>
+                    </a:lnT>
+                    <a:lnB w="12700" cap="flat" cmpd="sng" algn="ctr">
+                      <a:solidFill>
+                        <a:schemeClr val="bg1">
+                          <a:lumMod val="50000"/>
+                        </a:schemeClr>
+                      </a:solidFill>
+                      <a:prstDash val="solid"/>
+                      <a:round/>
+                      <a:headEnd type="none" w="med" len="med"/>
+                      <a:tailEnd type="none" w="med" len="med"/>
+                    </a:lnB>
+                    <a:noFill/>
+                  </a:tcPr>
+                </a:tc>
+                <a:tc>
+                  <a:txBody>
+                    <a:bodyPr/>
+                    <a:lstStyle/>
+                    <a:p>
+                      <a:pPr marL="0" marR="0" indent="0" algn="ctr" fontAlgn="base" latinLnBrk="0">
+                        <a:lnSpc>
+                          <a:spcPct val="100000"/>
+                        </a:lnSpc>
+                        <a:spcBef>
+                          <a:spcPts val="0"/>
+                        </a:spcBef>
+                        <a:spcAft>
+                          <a:spcPts val="0"/>
+                        </a:spcAft>
+                      </a:pPr>
+                      <a:r>
+                        <a:rPr lang="ko-KR" altLang="en-US" sz="1050" b="1" kern="0" spc="0" dirty="0">
+                          <a:solidFill>
+                            <a:schemeClr val="bg1">
+                              <a:lumMod val="75000"/>
+                            </a:schemeClr>
+                          </a:solidFill>
+                          <a:effectLst/>
+                          <a:latin typeface="나눔바른고딕" panose="020B0603020101020101" pitchFamily="50" charset="-127"/>
+                          <a:ea typeface="나눔바른고딕" panose="020B0603020101020101" pitchFamily="50" charset="-127"/>
+                          <a:cs typeface="+mn-cs"/>
+                        </a:rPr>
+                        <a:t>남</a:t>
+                      </a:r>
+                    </a:p>
+                  </a:txBody>
+                  <a:tcPr marL="36000" marR="36000" marT="15709" marB="15709" anchor="ctr">
+                    <a:lnL w="12700" cap="flat" cmpd="sng" algn="ctr">
+                      <a:solidFill>
+                        <a:schemeClr val="bg1">
+                          <a:lumMod val="50000"/>
+                        </a:schemeClr>
+                      </a:solidFill>
+                      <a:prstDash val="solid"/>
+                      <a:round/>
+                      <a:headEnd type="none" w="med" len="med"/>
+                      <a:tailEnd type="none" w="med" len="med"/>
+                    </a:lnL>
+                    <a:lnR w="12700" cap="flat" cmpd="sng" algn="ctr">
+                      <a:solidFill>
+                        <a:schemeClr val="bg1">
+                          <a:lumMod val="50000"/>
+                        </a:schemeClr>
+                      </a:solidFill>
+                      <a:prstDash val="solid"/>
+                      <a:round/>
+                      <a:headEnd type="none" w="med" len="med"/>
+                      <a:tailEnd type="none" w="med" len="med"/>
+                    </a:lnR>
+                    <a:lnT w="12700" cap="flat" cmpd="sng" algn="ctr">
+                      <a:solidFill>
+                        <a:schemeClr val="bg1">
+                          <a:lumMod val="50000"/>
+                        </a:schemeClr>
+                      </a:solidFill>
+                      <a:prstDash val="solid"/>
+                      <a:round/>
+                      <a:headEnd type="none" w="med" len="med"/>
+                      <a:tailEnd type="none" w="med" len="med"/>
+                    </a:lnT>
+                    <a:lnB w="12700" cap="flat" cmpd="sng" algn="ctr">
+                      <a:solidFill>
+                        <a:schemeClr val="bg1">
+                          <a:lumMod val="50000"/>
+                        </a:schemeClr>
+                      </a:solidFill>
+                      <a:prstDash val="solid"/>
+                      <a:round/>
+                      <a:headEnd type="none" w="med" len="med"/>
+                      <a:tailEnd type="none" w="med" len="med"/>
+                    </a:lnB>
+                    <a:noFill/>
+                  </a:tcPr>
+                </a:tc>
+                <a:tc>
+                  <a:txBody>
+                    <a:bodyPr/>
+                    <a:lstStyle/>
+                    <a:p>
+                      <a:pPr marL="0" marR="0" indent="0" algn="ctr" fontAlgn="base" latinLnBrk="0">
+                        <a:lnSpc>
+                          <a:spcPct val="100000"/>
+                        </a:lnSpc>
+                        <a:spcBef>
+                          <a:spcPts val="0"/>
+                        </a:spcBef>
+                        <a:spcAft>
+                          <a:spcPts val="0"/>
+                        </a:spcAft>
+                      </a:pPr>
+                      <a:r>
+                        <a:rPr lang="en-US" sz="1050" b="1" kern="0" spc="0" dirty="0">
+                          <a:solidFill>
+                            <a:schemeClr val="bg1">
+                              <a:lumMod val="75000"/>
+                            </a:schemeClr>
+                          </a:solidFill>
+                          <a:effectLst/>
+                          <a:latin typeface="나눔바른고딕" panose="020B0603020101020101" pitchFamily="50" charset="-127"/>
+                          <a:ea typeface="나눔바른고딕" panose="020B0603020101020101" pitchFamily="50" charset="-127"/>
+                          <a:cs typeface="+mn-cs"/>
+                        </a:rPr>
+                        <a:t>36</a:t>
+                      </a:r>
+                    </a:p>
+                  </a:txBody>
+                  <a:tcPr marL="36000" marR="36000" marT="15709" marB="15709" anchor="ctr">
+                    <a:lnL w="12700" cap="flat" cmpd="sng" algn="ctr">
+                      <a:solidFill>
+                        <a:schemeClr val="bg1">
+                          <a:lumMod val="50000"/>
+                        </a:schemeClr>
+                      </a:solidFill>
+                      <a:prstDash val="solid"/>
+                      <a:round/>
+                      <a:headEnd type="none" w="med" len="med"/>
+                      <a:tailEnd type="none" w="med" len="med"/>
+                    </a:lnL>
+                    <a:lnR w="12700" cap="flat" cmpd="sng" algn="ctr">
+                      <a:solidFill>
+                        <a:schemeClr val="bg1">
+                          <a:lumMod val="50000"/>
+                        </a:schemeClr>
+                      </a:solidFill>
+                      <a:prstDash val="solid"/>
+                      <a:round/>
+                      <a:headEnd type="none" w="med" len="med"/>
+                      <a:tailEnd type="none" w="med" len="med"/>
+                    </a:lnR>
+                    <a:lnT w="12700" cap="flat" cmpd="sng" algn="ctr">
+                      <a:solidFill>
+                        <a:schemeClr val="bg1">
+                          <a:lumMod val="50000"/>
+                        </a:schemeClr>
+                      </a:solidFill>
+                      <a:prstDash val="solid"/>
+                      <a:round/>
+                      <a:headEnd type="none" w="med" len="med"/>
+                      <a:tailEnd type="none" w="med" len="med"/>
+                    </a:lnT>
+                    <a:lnB w="12700" cap="flat" cmpd="sng" algn="ctr">
+                      <a:solidFill>
+                        <a:schemeClr val="bg1">
+                          <a:lumMod val="50000"/>
+                        </a:schemeClr>
+                      </a:solidFill>
+                      <a:prstDash val="solid"/>
+                      <a:round/>
+                      <a:headEnd type="none" w="med" len="med"/>
+                      <a:tailEnd type="none" w="med" len="med"/>
+                    </a:lnB>
+                    <a:noFill/>
+                  </a:tcPr>
+                </a:tc>
+                <a:tc>
+                  <a:txBody>
+                    <a:bodyPr/>
+                    <a:lstStyle/>
+                    <a:p>
+                      <a:pPr marL="0" marR="0" indent="0" algn="ctr" fontAlgn="base" latinLnBrk="0">
+                        <a:lnSpc>
+                          <a:spcPct val="100000"/>
+                        </a:lnSpc>
+                        <a:spcBef>
+                          <a:spcPts val="0"/>
+                        </a:spcBef>
+                        <a:spcAft>
+                          <a:spcPts val="0"/>
+                        </a:spcAft>
+                      </a:pPr>
+                      <a:r>
+                        <a:rPr lang="ko-KR" altLang="en-US" sz="1050" b="1" kern="0" spc="0" dirty="0">
+                          <a:solidFill>
+                            <a:schemeClr val="bg1">
+                              <a:lumMod val="75000"/>
+                            </a:schemeClr>
+                          </a:solidFill>
+                          <a:effectLst/>
+                          <a:latin typeface="나눔바른고딕" panose="020B0603020101020101" pitchFamily="50" charset="-127"/>
+                          <a:ea typeface="나눔바른고딕" panose="020B0603020101020101" pitchFamily="50" charset="-127"/>
+                          <a:cs typeface="+mn-cs"/>
+                        </a:rPr>
+                        <a:t>한국</a:t>
+                      </a:r>
+                    </a:p>
+                  </a:txBody>
+                  <a:tcPr marL="36000" marR="36000" marT="15709" marB="15709" anchor="ctr">
+                    <a:lnL w="12700" cap="flat" cmpd="sng" algn="ctr">
+                      <a:solidFill>
+                        <a:schemeClr val="bg1">
+                          <a:lumMod val="50000"/>
+                        </a:schemeClr>
+                      </a:solidFill>
+                      <a:prstDash val="solid"/>
+                      <a:round/>
+                      <a:headEnd type="none" w="med" len="med"/>
+                      <a:tailEnd type="none" w="med" len="med"/>
+                    </a:lnL>
+                    <a:lnR w="12700" cap="flat" cmpd="sng" algn="ctr">
+                      <a:solidFill>
+                        <a:schemeClr val="bg1">
+                          <a:lumMod val="50000"/>
+                        </a:schemeClr>
+                      </a:solidFill>
+                      <a:prstDash val="solid"/>
+                      <a:round/>
+                      <a:headEnd type="none" w="med" len="med"/>
+                      <a:tailEnd type="none" w="med" len="med"/>
+                    </a:lnR>
+                    <a:lnT w="12700" cap="flat" cmpd="sng" algn="ctr">
+                      <a:solidFill>
+                        <a:schemeClr val="bg1">
+                          <a:lumMod val="50000"/>
+                        </a:schemeClr>
+                      </a:solidFill>
+                      <a:prstDash val="solid"/>
+                      <a:round/>
+                      <a:headEnd type="none" w="med" len="med"/>
+                      <a:tailEnd type="none" w="med" len="med"/>
+                    </a:lnT>
+                    <a:lnB w="12700" cap="flat" cmpd="sng" algn="ctr">
+                      <a:solidFill>
+                        <a:schemeClr val="bg1">
+                          <a:lumMod val="50000"/>
+                        </a:schemeClr>
+                      </a:solidFill>
+                      <a:prstDash val="solid"/>
+                      <a:round/>
+                      <a:headEnd type="none" w="med" len="med"/>
+                      <a:tailEnd type="none" w="med" len="med"/>
+                    </a:lnB>
+                    <a:noFill/>
+                  </a:tcPr>
+                </a:tc>
+                <a:tc>
+                  <a:txBody>
+                    <a:bodyPr/>
+                    <a:lstStyle/>
+                    <a:p>
+                      <a:pPr marL="0" marR="0" indent="0" algn="ctr" fontAlgn="base" latinLnBrk="0">
+                        <a:lnSpc>
+                          <a:spcPct val="100000"/>
+                        </a:lnSpc>
+                        <a:spcBef>
+                          <a:spcPts val="0"/>
+                        </a:spcBef>
+                        <a:spcAft>
+                          <a:spcPts val="0"/>
+                        </a:spcAft>
+                      </a:pPr>
+                      <a:r>
+                        <a:rPr lang="en-US" altLang="ko-KR" sz="1050" b="1" kern="0" spc="0" dirty="0">
                           <a:solidFill>
                             <a:schemeClr val="bg1">
                               <a:lumMod val="75000"/>
@@ -17426,7 +18724,7 @@
                         </a:spcAft>
                       </a:pPr>
                       <a:r>
-                        <a:rPr lang="en-US" sz="1050" b="1" kern="0" spc="0" dirty="0" smtClean="0">
+                        <a:rPr lang="en-US" altLang="ko-KR" sz="1050" b="1" kern="0" spc="0" dirty="0">
                           <a:solidFill>
                             <a:schemeClr val="bg1">
                               <a:lumMod val="75000"/>
@@ -17517,7 +18815,7 @@
                         </a:spcAft>
                       </a:pPr>
                       <a:r>
-                        <a:rPr lang="en-US" sz="1050" b="1" kern="0" spc="0" dirty="0" smtClean="0">
+                        <a:rPr lang="en-US" sz="1050" b="1" kern="0" spc="0" dirty="0">
                           <a:solidFill>
                             <a:schemeClr val="bg1">
                               <a:lumMod val="75000"/>
@@ -17530,17 +18828,6 @@
                         </a:rPr>
                         <a:t>2.5</a:t>
                       </a:r>
-                      <a:endParaRPr lang="en-US" sz="1050" b="1" kern="0" spc="0" dirty="0">
-                        <a:solidFill>
-                          <a:schemeClr val="bg1">
-                            <a:lumMod val="75000"/>
-                          </a:schemeClr>
-                        </a:solidFill>
-                        <a:effectLst/>
-                        <a:latin typeface="나눔바른고딕" panose="020B0603020101020101" pitchFamily="50" charset="-127"/>
-                        <a:ea typeface="나눔바른고딕" panose="020B0603020101020101" pitchFamily="50" charset="-127"/>
-                        <a:cs typeface="+mn-cs"/>
-                      </a:endParaRPr>
                     </a:p>
                   </a:txBody>
                   <a:tcPr marL="36000" marR="36000" marT="15709" marB="15709" anchor="ctr">
@@ -17608,7 +18895,7 @@
                         </a:spcAft>
                       </a:pPr>
                       <a:r>
-                        <a:rPr lang="ko-KR" altLang="en-US" sz="1000" b="1" kern="0" spc="0" dirty="0" smtClean="0">
+                        <a:rPr lang="ko-KR" altLang="en-US" sz="1000" b="1" kern="0" spc="0" dirty="0">
                           <a:solidFill>
                             <a:schemeClr val="bg1">
                               <a:lumMod val="75000"/>
@@ -17619,19 +18906,8 @@
                           <a:ea typeface="나눔바른고딕" panose="020B0603020101020101" pitchFamily="50" charset="-127"/>
                           <a:cs typeface="+mn-cs"/>
                         </a:rPr>
-                        <a:t>명지병원</a:t>
+                        <a:t>서울의료원</a:t>
                       </a:r>
-                      <a:endParaRPr lang="ko-KR" altLang="en-US" sz="1000" b="1" kern="0" spc="0" dirty="0">
-                        <a:solidFill>
-                          <a:schemeClr val="bg1">
-                            <a:lumMod val="75000"/>
-                          </a:schemeClr>
-                        </a:solidFill>
-                        <a:effectLst/>
-                        <a:latin typeface="나눔바른고딕" panose="020B0603020101020101" pitchFamily="50" charset="-127"/>
-                        <a:ea typeface="나눔바른고딕" panose="020B0603020101020101" pitchFamily="50" charset="-127"/>
-                        <a:cs typeface="+mn-cs"/>
-                      </a:endParaRPr>
                     </a:p>
                   </a:txBody>
                   <a:tcPr marL="36000" marR="36000" marT="15709" marB="15709" anchor="ctr">
@@ -17699,7 +18975,7 @@
                         </a:spcAft>
                       </a:pPr>
                       <a:r>
-                        <a:rPr lang="ko-KR" altLang="en-US" sz="1050" b="1" kern="0" spc="0" dirty="0" err="1" smtClean="0">
+                        <a:rPr lang="ko-KR" altLang="en-US" sz="1050" b="1" kern="0" spc="0" dirty="0" err="1">
                           <a:solidFill>
                             <a:schemeClr val="bg1">
                               <a:lumMod val="75000"/>
@@ -17773,827 +19049,11 @@
                     <a:noFill/>
                   </a:tcPr>
                 </a:tc>
-              </a:tr>
-              <a:tr h="352800">
-                <a:tc>
-                  <a:txBody>
-                    <a:bodyPr/>
-                    <a:lstStyle/>
-                    <a:p>
-                      <a:pPr marL="0" marR="0" indent="0" algn="ctr" fontAlgn="base" latinLnBrk="0">
-                        <a:lnSpc>
-                          <a:spcPct val="100000"/>
-                        </a:lnSpc>
-                        <a:spcBef>
-                          <a:spcPts val="0"/>
-                        </a:spcBef>
-                        <a:spcAft>
-                          <a:spcPts val="0"/>
-                        </a:spcAft>
-                      </a:pPr>
-                      <a:r>
-                        <a:rPr lang="en-US" sz="1050" b="1" kern="0" spc="0" dirty="0" smtClean="0">
-                          <a:solidFill>
-                            <a:schemeClr val="bg1">
-                              <a:lumMod val="75000"/>
-                            </a:schemeClr>
-                          </a:solidFill>
-                          <a:effectLst/>
-                          <a:latin typeface="나눔바른고딕" panose="020B0603020101020101" pitchFamily="50" charset="-127"/>
-                          <a:ea typeface="나눔바른고딕" panose="020B0603020101020101" pitchFamily="50" charset="-127"/>
-                          <a:cs typeface="+mn-cs"/>
-                        </a:rPr>
-                        <a:t>18</a:t>
-                      </a:r>
-                      <a:endParaRPr lang="en-US" sz="1050" b="1" kern="0" spc="0" dirty="0">
-                        <a:solidFill>
-                          <a:schemeClr val="bg1">
-                            <a:lumMod val="75000"/>
-                          </a:schemeClr>
-                        </a:solidFill>
-                        <a:effectLst/>
-                        <a:latin typeface="나눔바른고딕" panose="020B0603020101020101" pitchFamily="50" charset="-127"/>
-                        <a:ea typeface="나눔바른고딕" panose="020B0603020101020101" pitchFamily="50" charset="-127"/>
-                        <a:cs typeface="+mn-cs"/>
-                      </a:endParaRPr>
-                    </a:p>
-                  </a:txBody>
-                  <a:tcPr marL="36000" marR="36000" marT="15709" marB="15709" anchor="ctr">
-                    <a:lnL w="12700" cap="flat" cmpd="sng" algn="ctr">
-                      <a:solidFill>
-                        <a:schemeClr val="bg1">
-                          <a:lumMod val="50000"/>
-                        </a:schemeClr>
-                      </a:solidFill>
-                      <a:prstDash val="solid"/>
-                      <a:round/>
-                      <a:headEnd type="none" w="med" len="med"/>
-                      <a:tailEnd type="none" w="med" len="med"/>
-                    </a:lnL>
-                    <a:lnR w="12700" cap="flat" cmpd="sng" algn="ctr">
-                      <a:solidFill>
-                        <a:schemeClr val="bg1">
-                          <a:lumMod val="50000"/>
-                        </a:schemeClr>
-                      </a:solidFill>
-                      <a:prstDash val="solid"/>
-                      <a:round/>
-                      <a:headEnd type="none" w="med" len="med"/>
-                      <a:tailEnd type="none" w="med" len="med"/>
-                    </a:lnR>
-                    <a:lnT w="12700" cap="flat" cmpd="sng" algn="ctr">
-                      <a:solidFill>
-                        <a:schemeClr val="bg1">
-                          <a:lumMod val="50000"/>
-                        </a:schemeClr>
-                      </a:solidFill>
-                      <a:prstDash val="solid"/>
-                      <a:round/>
-                      <a:headEnd type="none" w="med" len="med"/>
-                      <a:tailEnd type="none" w="med" len="med"/>
-                    </a:lnT>
-                    <a:lnB w="12700" cap="flat" cmpd="sng" algn="ctr">
-                      <a:solidFill>
-                        <a:schemeClr val="bg1">
-                          <a:lumMod val="50000"/>
-                        </a:schemeClr>
-                      </a:solidFill>
-                      <a:prstDash val="solid"/>
-                      <a:round/>
-                      <a:headEnd type="none" w="med" len="med"/>
-                      <a:tailEnd type="none" w="med" len="med"/>
-                    </a:lnB>
-                    <a:noFill/>
-                  </a:tcPr>
-                </a:tc>
-                <a:tc>
-                  <a:txBody>
-                    <a:bodyPr/>
-                    <a:lstStyle/>
-                    <a:p>
-                      <a:pPr marL="0" marR="0" indent="0" algn="ctr" fontAlgn="base" latinLnBrk="0">
-                        <a:lnSpc>
-                          <a:spcPct val="100000"/>
-                        </a:lnSpc>
-                        <a:spcBef>
-                          <a:spcPts val="0"/>
-                        </a:spcBef>
-                        <a:spcAft>
-                          <a:spcPts val="0"/>
-                        </a:spcAft>
-                      </a:pPr>
-                      <a:r>
-                        <a:rPr lang="ko-KR" altLang="en-US" sz="1050" b="1" kern="0" spc="0" dirty="0" smtClean="0">
-                          <a:solidFill>
-                            <a:schemeClr val="bg1">
-                              <a:lumMod val="75000"/>
-                            </a:schemeClr>
-                          </a:solidFill>
-                          <a:effectLst/>
-                          <a:latin typeface="나눔바른고딕" panose="020B0603020101020101" pitchFamily="50" charset="-127"/>
-                          <a:ea typeface="나눔바른고딕" panose="020B0603020101020101" pitchFamily="50" charset="-127"/>
-                          <a:cs typeface="+mn-cs"/>
-                        </a:rPr>
-                        <a:t>여</a:t>
-                      </a:r>
-                      <a:endParaRPr lang="ko-KR" altLang="en-US" sz="1050" b="1" kern="0" spc="0" dirty="0">
-                        <a:solidFill>
-                          <a:schemeClr val="bg1">
-                            <a:lumMod val="75000"/>
-                          </a:schemeClr>
-                        </a:solidFill>
-                        <a:effectLst/>
-                        <a:latin typeface="나눔바른고딕" panose="020B0603020101020101" pitchFamily="50" charset="-127"/>
-                        <a:ea typeface="나눔바른고딕" panose="020B0603020101020101" pitchFamily="50" charset="-127"/>
-                        <a:cs typeface="+mn-cs"/>
-                      </a:endParaRPr>
-                    </a:p>
-                  </a:txBody>
-                  <a:tcPr marL="36000" marR="36000" marT="15709" marB="15709" anchor="ctr">
-                    <a:lnL w="12700" cap="flat" cmpd="sng" algn="ctr">
-                      <a:solidFill>
-                        <a:schemeClr val="bg1">
-                          <a:lumMod val="50000"/>
-                        </a:schemeClr>
-                      </a:solidFill>
-                      <a:prstDash val="solid"/>
-                      <a:round/>
-                      <a:headEnd type="none" w="med" len="med"/>
-                      <a:tailEnd type="none" w="med" len="med"/>
-                    </a:lnL>
-                    <a:lnR w="12700" cap="flat" cmpd="sng" algn="ctr">
-                      <a:solidFill>
-                        <a:schemeClr val="bg1">
-                          <a:lumMod val="50000"/>
-                        </a:schemeClr>
-                      </a:solidFill>
-                      <a:prstDash val="solid"/>
-                      <a:round/>
-                      <a:headEnd type="none" w="med" len="med"/>
-                      <a:tailEnd type="none" w="med" len="med"/>
-                    </a:lnR>
-                    <a:lnT w="12700" cap="flat" cmpd="sng" algn="ctr">
-                      <a:solidFill>
-                        <a:schemeClr val="bg1">
-                          <a:lumMod val="50000"/>
-                        </a:schemeClr>
-                      </a:solidFill>
-                      <a:prstDash val="solid"/>
-                      <a:round/>
-                      <a:headEnd type="none" w="med" len="med"/>
-                      <a:tailEnd type="none" w="med" len="med"/>
-                    </a:lnT>
-                    <a:lnB w="12700" cap="flat" cmpd="sng" algn="ctr">
-                      <a:solidFill>
-                        <a:schemeClr val="bg1">
-                          <a:lumMod val="50000"/>
-                        </a:schemeClr>
-                      </a:solidFill>
-                      <a:prstDash val="solid"/>
-                      <a:round/>
-                      <a:headEnd type="none" w="med" len="med"/>
-                      <a:tailEnd type="none" w="med" len="med"/>
-                    </a:lnB>
-                    <a:noFill/>
-                  </a:tcPr>
-                </a:tc>
-                <a:tc>
-                  <a:txBody>
-                    <a:bodyPr/>
-                    <a:lstStyle/>
-                    <a:p>
-                      <a:pPr marL="0" marR="0" indent="0" algn="ctr" fontAlgn="base" latinLnBrk="0">
-                        <a:lnSpc>
-                          <a:spcPct val="100000"/>
-                        </a:lnSpc>
-                        <a:spcBef>
-                          <a:spcPts val="0"/>
-                        </a:spcBef>
-                        <a:spcAft>
-                          <a:spcPts val="0"/>
-                        </a:spcAft>
-                      </a:pPr>
-                      <a:r>
-                        <a:rPr lang="en-US" sz="1050" b="1" kern="0" spc="0" dirty="0" smtClean="0">
-                          <a:solidFill>
-                            <a:schemeClr val="bg1">
-                              <a:lumMod val="75000"/>
-                            </a:schemeClr>
-                          </a:solidFill>
-                          <a:effectLst/>
-                          <a:latin typeface="나눔바른고딕" panose="020B0603020101020101" pitchFamily="50" charset="-127"/>
-                          <a:ea typeface="나눔바른고딕" panose="020B0603020101020101" pitchFamily="50" charset="-127"/>
-                          <a:cs typeface="+mn-cs"/>
-                        </a:rPr>
-                        <a:t>21</a:t>
-                      </a:r>
-                      <a:endParaRPr lang="en-US" sz="1050" b="1" kern="0" spc="0" dirty="0">
-                        <a:solidFill>
-                          <a:schemeClr val="bg1">
-                            <a:lumMod val="75000"/>
-                          </a:schemeClr>
-                        </a:solidFill>
-                        <a:effectLst/>
-                        <a:latin typeface="나눔바른고딕" panose="020B0603020101020101" pitchFamily="50" charset="-127"/>
-                        <a:ea typeface="나눔바른고딕" panose="020B0603020101020101" pitchFamily="50" charset="-127"/>
-                        <a:cs typeface="+mn-cs"/>
-                      </a:endParaRPr>
-                    </a:p>
-                  </a:txBody>
-                  <a:tcPr marL="36000" marR="36000" marT="15709" marB="15709" anchor="ctr">
-                    <a:lnL w="12700" cap="flat" cmpd="sng" algn="ctr">
-                      <a:solidFill>
-                        <a:schemeClr val="bg1">
-                          <a:lumMod val="50000"/>
-                        </a:schemeClr>
-                      </a:solidFill>
-                      <a:prstDash val="solid"/>
-                      <a:round/>
-                      <a:headEnd type="none" w="med" len="med"/>
-                      <a:tailEnd type="none" w="med" len="med"/>
-                    </a:lnL>
-                    <a:lnR w="12700" cap="flat" cmpd="sng" algn="ctr">
-                      <a:solidFill>
-                        <a:schemeClr val="bg1">
-                          <a:lumMod val="50000"/>
-                        </a:schemeClr>
-                      </a:solidFill>
-                      <a:prstDash val="solid"/>
-                      <a:round/>
-                      <a:headEnd type="none" w="med" len="med"/>
-                      <a:tailEnd type="none" w="med" len="med"/>
-                    </a:lnR>
-                    <a:lnT w="12700" cap="flat" cmpd="sng" algn="ctr">
-                      <a:solidFill>
-                        <a:schemeClr val="bg1">
-                          <a:lumMod val="50000"/>
-                        </a:schemeClr>
-                      </a:solidFill>
-                      <a:prstDash val="solid"/>
-                      <a:round/>
-                      <a:headEnd type="none" w="med" len="med"/>
-                      <a:tailEnd type="none" w="med" len="med"/>
-                    </a:lnT>
-                    <a:lnB w="12700" cap="flat" cmpd="sng" algn="ctr">
-                      <a:solidFill>
-                        <a:schemeClr val="bg1">
-                          <a:lumMod val="50000"/>
-                        </a:schemeClr>
-                      </a:solidFill>
-                      <a:prstDash val="solid"/>
-                      <a:round/>
-                      <a:headEnd type="none" w="med" len="med"/>
-                      <a:tailEnd type="none" w="med" len="med"/>
-                    </a:lnB>
-                    <a:noFill/>
-                  </a:tcPr>
-                </a:tc>
-                <a:tc>
-                  <a:txBody>
-                    <a:bodyPr/>
-                    <a:lstStyle/>
-                    <a:p>
-                      <a:pPr marL="0" marR="0" indent="0" algn="ctr" fontAlgn="base" latinLnBrk="0">
-                        <a:lnSpc>
-                          <a:spcPct val="100000"/>
-                        </a:lnSpc>
-                        <a:spcBef>
-                          <a:spcPts val="0"/>
-                        </a:spcBef>
-                        <a:spcAft>
-                          <a:spcPts val="0"/>
-                        </a:spcAft>
-                      </a:pPr>
-                      <a:r>
-                        <a:rPr lang="ko-KR" altLang="en-US" sz="1050" b="1" kern="0" spc="0" dirty="0" smtClean="0">
-                          <a:solidFill>
-                            <a:schemeClr val="bg1">
-                              <a:lumMod val="75000"/>
-                            </a:schemeClr>
-                          </a:solidFill>
-                          <a:effectLst/>
-                          <a:latin typeface="나눔바른고딕" panose="020B0603020101020101" pitchFamily="50" charset="-127"/>
-                          <a:ea typeface="나눔바른고딕" panose="020B0603020101020101" pitchFamily="50" charset="-127"/>
-                          <a:cs typeface="+mn-cs"/>
-                        </a:rPr>
-                        <a:t>한국</a:t>
-                      </a:r>
-                      <a:endParaRPr lang="ko-KR" altLang="en-US" sz="1050" b="1" kern="0" spc="0" dirty="0">
-                        <a:solidFill>
-                          <a:schemeClr val="bg1">
-                            <a:lumMod val="75000"/>
-                          </a:schemeClr>
-                        </a:solidFill>
-                        <a:effectLst/>
-                        <a:latin typeface="나눔바른고딕" panose="020B0603020101020101" pitchFamily="50" charset="-127"/>
-                        <a:ea typeface="나눔바른고딕" panose="020B0603020101020101" pitchFamily="50" charset="-127"/>
-                        <a:cs typeface="+mn-cs"/>
-                      </a:endParaRPr>
-                    </a:p>
-                  </a:txBody>
-                  <a:tcPr marL="36000" marR="36000" marT="15709" marB="15709" anchor="ctr">
-                    <a:lnL w="12700" cap="flat" cmpd="sng" algn="ctr">
-                      <a:solidFill>
-                        <a:schemeClr val="bg1">
-                          <a:lumMod val="50000"/>
-                        </a:schemeClr>
-                      </a:solidFill>
-                      <a:prstDash val="solid"/>
-                      <a:round/>
-                      <a:headEnd type="none" w="med" len="med"/>
-                      <a:tailEnd type="none" w="med" len="med"/>
-                    </a:lnL>
-                    <a:lnR w="12700" cap="flat" cmpd="sng" algn="ctr">
-                      <a:solidFill>
-                        <a:schemeClr val="bg1">
-                          <a:lumMod val="50000"/>
-                        </a:schemeClr>
-                      </a:solidFill>
-                      <a:prstDash val="solid"/>
-                      <a:round/>
-                      <a:headEnd type="none" w="med" len="med"/>
-                      <a:tailEnd type="none" w="med" len="med"/>
-                    </a:lnR>
-                    <a:lnT w="12700" cap="flat" cmpd="sng" algn="ctr">
-                      <a:solidFill>
-                        <a:schemeClr val="bg1">
-                          <a:lumMod val="50000"/>
-                        </a:schemeClr>
-                      </a:solidFill>
-                      <a:prstDash val="solid"/>
-                      <a:round/>
-                      <a:headEnd type="none" w="med" len="med"/>
-                      <a:tailEnd type="none" w="med" len="med"/>
-                    </a:lnT>
-                    <a:lnB w="12700" cap="flat" cmpd="sng" algn="ctr">
-                      <a:solidFill>
-                        <a:schemeClr val="bg1">
-                          <a:lumMod val="50000"/>
-                        </a:schemeClr>
-                      </a:solidFill>
-                      <a:prstDash val="solid"/>
-                      <a:round/>
-                      <a:headEnd type="none" w="med" len="med"/>
-                      <a:tailEnd type="none" w="med" len="med"/>
-                    </a:lnB>
-                    <a:noFill/>
-                  </a:tcPr>
-                </a:tc>
-                <a:tc>
-                  <a:txBody>
-                    <a:bodyPr/>
-                    <a:lstStyle/>
-                    <a:p>
-                      <a:pPr marL="0" marR="0" indent="0" algn="ctr" fontAlgn="base" latinLnBrk="0">
-                        <a:lnSpc>
-                          <a:spcPct val="100000"/>
-                        </a:lnSpc>
-                        <a:spcBef>
-                          <a:spcPts val="0"/>
-                        </a:spcBef>
-                        <a:spcAft>
-                          <a:spcPts val="0"/>
-                        </a:spcAft>
-                      </a:pPr>
-                      <a:r>
-                        <a:rPr lang="en-US" altLang="ko-KR" sz="1050" b="1" kern="0" spc="0" dirty="0" smtClean="0">
-                          <a:solidFill>
-                            <a:schemeClr val="bg1">
-                              <a:lumMod val="75000"/>
-                            </a:schemeClr>
-                          </a:solidFill>
-                          <a:effectLst/>
-                          <a:latin typeface="나눔바른고딕" panose="020B0603020101020101" pitchFamily="50" charset="-127"/>
-                          <a:ea typeface="나눔바른고딕" panose="020B0603020101020101" pitchFamily="50" charset="-127"/>
-                          <a:cs typeface="+mn-cs"/>
-                        </a:rPr>
-                        <a:t>X</a:t>
-                      </a:r>
-                      <a:endParaRPr lang="en-US" altLang="ko-KR" sz="1050" b="1" kern="0" spc="0" dirty="0">
-                        <a:solidFill>
-                          <a:schemeClr val="bg1">
-                            <a:lumMod val="75000"/>
-                          </a:schemeClr>
-                        </a:solidFill>
-                        <a:effectLst/>
-                        <a:latin typeface="나눔바른고딕" panose="020B0603020101020101" pitchFamily="50" charset="-127"/>
-                        <a:ea typeface="나눔바른고딕" panose="020B0603020101020101" pitchFamily="50" charset="-127"/>
-                        <a:cs typeface="+mn-cs"/>
-                      </a:endParaRPr>
-                    </a:p>
-                  </a:txBody>
-                  <a:tcPr marL="36000" marR="36000" marT="15709" marB="15709" anchor="ctr">
-                    <a:lnL w="12700" cap="flat" cmpd="sng" algn="ctr">
-                      <a:solidFill>
-                        <a:schemeClr val="bg1">
-                          <a:lumMod val="50000"/>
-                        </a:schemeClr>
-                      </a:solidFill>
-                      <a:prstDash val="solid"/>
-                      <a:round/>
-                      <a:headEnd type="none" w="med" len="med"/>
-                      <a:tailEnd type="none" w="med" len="med"/>
-                    </a:lnL>
-                    <a:lnR w="12700" cap="flat" cmpd="sng" algn="ctr">
-                      <a:solidFill>
-                        <a:schemeClr val="bg1">
-                          <a:lumMod val="50000"/>
-                        </a:schemeClr>
-                      </a:solidFill>
-                      <a:prstDash val="solid"/>
-                      <a:round/>
-                      <a:headEnd type="none" w="med" len="med"/>
-                      <a:tailEnd type="none" w="med" len="med"/>
-                    </a:lnR>
-                    <a:lnT w="12700" cap="flat" cmpd="sng" algn="ctr">
-                      <a:solidFill>
-                        <a:schemeClr val="bg1">
-                          <a:lumMod val="50000"/>
-                        </a:schemeClr>
-                      </a:solidFill>
-                      <a:prstDash val="solid"/>
-                      <a:round/>
-                      <a:headEnd type="none" w="med" len="med"/>
-                      <a:tailEnd type="none" w="med" len="med"/>
-                    </a:lnT>
-                    <a:lnB w="12700" cap="flat" cmpd="sng" algn="ctr">
-                      <a:solidFill>
-                        <a:schemeClr val="bg1">
-                          <a:lumMod val="50000"/>
-                        </a:schemeClr>
-                      </a:solidFill>
-                      <a:prstDash val="solid"/>
-                      <a:round/>
-                      <a:headEnd type="none" w="med" len="med"/>
-                      <a:tailEnd type="none" w="med" len="med"/>
-                    </a:lnB>
-                    <a:noFill/>
-                  </a:tcPr>
-                </a:tc>
-                <a:tc>
-                  <a:txBody>
-                    <a:bodyPr/>
-                    <a:lstStyle/>
-                    <a:p>
-                      <a:pPr marL="0" marR="0" indent="0" algn="ctr" fontAlgn="base" latinLnBrk="0">
-                        <a:lnSpc>
-                          <a:spcPct val="100000"/>
-                        </a:lnSpc>
-                        <a:spcBef>
-                          <a:spcPts val="0"/>
-                        </a:spcBef>
-                        <a:spcAft>
-                          <a:spcPts val="0"/>
-                        </a:spcAft>
-                      </a:pPr>
-                      <a:r>
-                        <a:rPr lang="en-US" sz="1050" b="1" kern="0" spc="0" dirty="0" smtClean="0">
-                          <a:solidFill>
-                            <a:schemeClr val="bg1">
-                              <a:lumMod val="75000"/>
-                            </a:schemeClr>
-                          </a:solidFill>
-                          <a:effectLst/>
-                          <a:latin typeface="나눔바른고딕" panose="020B0603020101020101" pitchFamily="50" charset="-127"/>
-                          <a:ea typeface="나눔바른고딕" panose="020B0603020101020101" pitchFamily="50" charset="-127"/>
-                          <a:cs typeface="+mn-cs"/>
-                        </a:rPr>
-                        <a:t>1.19</a:t>
-                      </a:r>
-                      <a:endParaRPr lang="en-US" sz="1050" b="1" kern="0" spc="0" dirty="0">
-                        <a:solidFill>
-                          <a:schemeClr val="bg1">
-                            <a:lumMod val="75000"/>
-                          </a:schemeClr>
-                        </a:solidFill>
-                        <a:effectLst/>
-                        <a:latin typeface="나눔바른고딕" panose="020B0603020101020101" pitchFamily="50" charset="-127"/>
-                        <a:ea typeface="나눔바른고딕" panose="020B0603020101020101" pitchFamily="50" charset="-127"/>
-                        <a:cs typeface="+mn-cs"/>
-                      </a:endParaRPr>
-                    </a:p>
-                  </a:txBody>
-                  <a:tcPr marL="36000" marR="36000" marT="15709" marB="15709" anchor="ctr">
-                    <a:lnL w="12700" cap="flat" cmpd="sng" algn="ctr">
-                      <a:solidFill>
-                        <a:schemeClr val="bg1">
-                          <a:lumMod val="50000"/>
-                        </a:schemeClr>
-                      </a:solidFill>
-                      <a:prstDash val="solid"/>
-                      <a:round/>
-                      <a:headEnd type="none" w="med" len="med"/>
-                      <a:tailEnd type="none" w="med" len="med"/>
-                    </a:lnL>
-                    <a:lnR w="12700" cap="flat" cmpd="sng" algn="ctr">
-                      <a:solidFill>
-                        <a:schemeClr val="bg1">
-                          <a:lumMod val="50000"/>
-                        </a:schemeClr>
-                      </a:solidFill>
-                      <a:prstDash val="solid"/>
-                      <a:round/>
-                      <a:headEnd type="none" w="med" len="med"/>
-                      <a:tailEnd type="none" w="med" len="med"/>
-                    </a:lnR>
-                    <a:lnT w="12700" cap="flat" cmpd="sng" algn="ctr">
-                      <a:solidFill>
-                        <a:schemeClr val="bg1">
-                          <a:lumMod val="50000"/>
-                        </a:schemeClr>
-                      </a:solidFill>
-                      <a:prstDash val="solid"/>
-                      <a:round/>
-                      <a:headEnd type="none" w="med" len="med"/>
-                      <a:tailEnd type="none" w="med" len="med"/>
-                    </a:lnT>
-                    <a:lnB w="12700" cap="flat" cmpd="sng" algn="ctr">
-                      <a:solidFill>
-                        <a:schemeClr val="bg1">
-                          <a:lumMod val="50000"/>
-                        </a:schemeClr>
-                      </a:solidFill>
-                      <a:prstDash val="solid"/>
-                      <a:round/>
-                      <a:headEnd type="none" w="med" len="med"/>
-                      <a:tailEnd type="none" w="med" len="med"/>
-                    </a:lnB>
-                    <a:noFill/>
-                  </a:tcPr>
-                </a:tc>
-                <a:tc>
-                  <a:txBody>
-                    <a:bodyPr/>
-                    <a:lstStyle/>
-                    <a:p>
-                      <a:pPr marL="0" marR="0" indent="0" algn="ctr" fontAlgn="base" latinLnBrk="0">
-                        <a:lnSpc>
-                          <a:spcPct val="100000"/>
-                        </a:lnSpc>
-                        <a:spcBef>
-                          <a:spcPts val="0"/>
-                        </a:spcBef>
-                        <a:spcAft>
-                          <a:spcPts val="0"/>
-                        </a:spcAft>
-                      </a:pPr>
-                      <a:r>
-                        <a:rPr lang="en-US" sz="1050" b="1" kern="0" spc="0" dirty="0" smtClean="0">
-                          <a:solidFill>
-                            <a:schemeClr val="bg1">
-                              <a:lumMod val="75000"/>
-                            </a:schemeClr>
-                          </a:solidFill>
-                          <a:effectLst/>
-                          <a:latin typeface="나눔바른고딕" panose="020B0603020101020101" pitchFamily="50" charset="-127"/>
-                          <a:ea typeface="나눔바른고딕" panose="020B0603020101020101" pitchFamily="50" charset="-127"/>
-                          <a:cs typeface="+mn-cs"/>
-                        </a:rPr>
-                        <a:t>2.5</a:t>
-                      </a:r>
-                      <a:endParaRPr lang="en-US" sz="1050" b="1" kern="0" spc="0" dirty="0">
-                        <a:solidFill>
-                          <a:schemeClr val="bg1">
-                            <a:lumMod val="75000"/>
-                          </a:schemeClr>
-                        </a:solidFill>
-                        <a:effectLst/>
-                        <a:latin typeface="나눔바른고딕" panose="020B0603020101020101" pitchFamily="50" charset="-127"/>
-                        <a:ea typeface="나눔바른고딕" panose="020B0603020101020101" pitchFamily="50" charset="-127"/>
-                        <a:cs typeface="+mn-cs"/>
-                      </a:endParaRPr>
-                    </a:p>
-                  </a:txBody>
-                  <a:tcPr marL="36000" marR="36000" marT="15709" marB="15709" anchor="ctr">
-                    <a:lnL w="12700" cap="flat" cmpd="sng" algn="ctr">
-                      <a:solidFill>
-                        <a:schemeClr val="bg1">
-                          <a:lumMod val="50000"/>
-                        </a:schemeClr>
-                      </a:solidFill>
-                      <a:prstDash val="solid"/>
-                      <a:round/>
-                      <a:headEnd type="none" w="med" len="med"/>
-                      <a:tailEnd type="none" w="med" len="med"/>
-                    </a:lnL>
-                    <a:lnR w="12700" cap="flat" cmpd="sng" algn="ctr">
-                      <a:solidFill>
-                        <a:schemeClr val="bg1">
-                          <a:lumMod val="50000"/>
-                        </a:schemeClr>
-                      </a:solidFill>
-                      <a:prstDash val="solid"/>
-                      <a:round/>
-                      <a:headEnd type="none" w="med" len="med"/>
-                      <a:tailEnd type="none" w="med" len="med"/>
-                    </a:lnR>
-                    <a:lnT w="12700" cap="flat" cmpd="sng" algn="ctr">
-                      <a:solidFill>
-                        <a:schemeClr val="bg1">
-                          <a:lumMod val="50000"/>
-                        </a:schemeClr>
-                      </a:solidFill>
-                      <a:prstDash val="solid"/>
-                      <a:round/>
-                      <a:headEnd type="none" w="med" len="med"/>
-                      <a:tailEnd type="none" w="med" len="med"/>
-                    </a:lnT>
-                    <a:lnB w="12700" cap="flat" cmpd="sng" algn="ctr">
-                      <a:solidFill>
-                        <a:schemeClr val="bg1">
-                          <a:lumMod val="50000"/>
-                        </a:schemeClr>
-                      </a:solidFill>
-                      <a:prstDash val="solid"/>
-                      <a:round/>
-                      <a:headEnd type="none" w="med" len="med"/>
-                      <a:tailEnd type="none" w="med" len="med"/>
-                    </a:lnB>
-                    <a:noFill/>
-                  </a:tcPr>
-                </a:tc>
-                <a:tc>
-                  <a:txBody>
-                    <a:bodyPr/>
-                    <a:lstStyle/>
-                    <a:p>
-                      <a:pPr marL="0" marR="0" indent="0" algn="ctr" fontAlgn="base" latinLnBrk="0">
-                        <a:lnSpc>
-                          <a:spcPct val="100000"/>
-                        </a:lnSpc>
-                        <a:spcBef>
-                          <a:spcPts val="0"/>
-                        </a:spcBef>
-                        <a:spcAft>
-                          <a:spcPts val="0"/>
-                        </a:spcAft>
-                      </a:pPr>
-                      <a:r>
-                        <a:rPr lang="ko-KR" altLang="en-US" sz="1000" b="1" kern="0" spc="0" dirty="0" err="1" smtClean="0">
-                          <a:solidFill>
-                            <a:schemeClr val="bg1">
-                              <a:lumMod val="75000"/>
-                            </a:schemeClr>
-                          </a:solidFill>
-                          <a:effectLst/>
-                          <a:latin typeface="나눔바른고딕" panose="020B0603020101020101" pitchFamily="50" charset="-127"/>
-                          <a:ea typeface="나눔바른고딕" panose="020B0603020101020101" pitchFamily="50" charset="-127"/>
-                          <a:cs typeface="+mn-cs"/>
-                        </a:rPr>
-                        <a:t>전남대병원</a:t>
-                      </a:r>
-                      <a:endParaRPr lang="ko-KR" altLang="en-US" sz="1000" b="1" kern="0" spc="0" dirty="0">
-                        <a:solidFill>
-                          <a:schemeClr val="bg1">
-                            <a:lumMod val="75000"/>
-                          </a:schemeClr>
-                        </a:solidFill>
-                        <a:effectLst/>
-                        <a:latin typeface="나눔바른고딕" panose="020B0603020101020101" pitchFamily="50" charset="-127"/>
-                        <a:ea typeface="나눔바른고딕" panose="020B0603020101020101" pitchFamily="50" charset="-127"/>
-                        <a:cs typeface="+mn-cs"/>
-                      </a:endParaRPr>
-                    </a:p>
-                  </a:txBody>
-                  <a:tcPr marL="36000" marR="36000" marT="15709" marB="15709" anchor="ctr">
-                    <a:lnL w="12700" cap="flat" cmpd="sng" algn="ctr">
-                      <a:solidFill>
-                        <a:schemeClr val="bg1">
-                          <a:lumMod val="50000"/>
-                        </a:schemeClr>
-                      </a:solidFill>
-                      <a:prstDash val="solid"/>
-                      <a:round/>
-                      <a:headEnd type="none" w="med" len="med"/>
-                      <a:tailEnd type="none" w="med" len="med"/>
-                    </a:lnL>
-                    <a:lnR w="12700" cap="flat" cmpd="sng" algn="ctr">
-                      <a:solidFill>
-                        <a:schemeClr val="bg1">
-                          <a:lumMod val="50000"/>
-                        </a:schemeClr>
-                      </a:solidFill>
-                      <a:prstDash val="solid"/>
-                      <a:round/>
-                      <a:headEnd type="none" w="med" len="med"/>
-                      <a:tailEnd type="none" w="med" len="med"/>
-                    </a:lnR>
-                    <a:lnT w="12700" cap="flat" cmpd="sng" algn="ctr">
-                      <a:solidFill>
-                        <a:schemeClr val="bg1">
-                          <a:lumMod val="50000"/>
-                        </a:schemeClr>
-                      </a:solidFill>
-                      <a:prstDash val="solid"/>
-                      <a:round/>
-                      <a:headEnd type="none" w="med" len="med"/>
-                      <a:tailEnd type="none" w="med" len="med"/>
-                    </a:lnT>
-                    <a:lnB w="12700" cap="flat" cmpd="sng" algn="ctr">
-                      <a:solidFill>
-                        <a:schemeClr val="bg1">
-                          <a:lumMod val="50000"/>
-                        </a:schemeClr>
-                      </a:solidFill>
-                      <a:prstDash val="solid"/>
-                      <a:round/>
-                      <a:headEnd type="none" w="med" len="med"/>
-                      <a:tailEnd type="none" w="med" len="med"/>
-                    </a:lnB>
-                    <a:noFill/>
-                  </a:tcPr>
-                </a:tc>
-                <a:tc>
-                  <a:txBody>
-                    <a:bodyPr/>
-                    <a:lstStyle/>
-                    <a:p>
-                      <a:pPr marL="0" marR="0" indent="0" algn="ctr" fontAlgn="base" latinLnBrk="0">
-                        <a:lnSpc>
-                          <a:spcPct val="100000"/>
-                        </a:lnSpc>
-                        <a:spcBef>
-                          <a:spcPts val="0"/>
-                        </a:spcBef>
-                        <a:spcAft>
-                          <a:spcPts val="0"/>
-                        </a:spcAft>
-                      </a:pPr>
-                      <a:r>
-                        <a:rPr lang="ko-KR" altLang="en-US" sz="1050" b="1" kern="0" spc="0" dirty="0" err="1" smtClean="0">
-                          <a:solidFill>
-                            <a:schemeClr val="bg1">
-                              <a:lumMod val="75000"/>
-                            </a:schemeClr>
-                          </a:solidFill>
-                          <a:effectLst/>
-                          <a:latin typeface="나눔바른고딕" panose="020B0603020101020101" pitchFamily="50" charset="-127"/>
-                          <a:ea typeface="나눔바른고딕" panose="020B0603020101020101" pitchFamily="50" charset="-127"/>
-                          <a:cs typeface="+mn-cs"/>
-                        </a:rPr>
-                        <a:t>확인중</a:t>
-                      </a:r>
-                      <a:endParaRPr lang="ko-KR" altLang="en-US" sz="1050" b="1" kern="0" spc="0" dirty="0">
-                        <a:solidFill>
-                          <a:schemeClr val="bg1">
-                            <a:lumMod val="75000"/>
-                          </a:schemeClr>
-                        </a:solidFill>
-                        <a:effectLst/>
-                        <a:latin typeface="나눔바른고딕" panose="020B0603020101020101" pitchFamily="50" charset="-127"/>
-                        <a:ea typeface="나눔바른고딕" panose="020B0603020101020101" pitchFamily="50" charset="-127"/>
-                        <a:cs typeface="+mn-cs"/>
-                      </a:endParaRPr>
-                    </a:p>
-                  </a:txBody>
-                  <a:tcPr marL="36000" marR="36000" marT="15709" marB="15709" anchor="ctr">
-                    <a:lnL w="12700" cap="flat" cmpd="sng" algn="ctr">
-                      <a:solidFill>
-                        <a:schemeClr val="bg1">
-                          <a:lumMod val="50000"/>
-                        </a:schemeClr>
-                      </a:solidFill>
-                      <a:prstDash val="solid"/>
-                      <a:round/>
-                      <a:headEnd type="none" w="med" len="med"/>
-                      <a:tailEnd type="none" w="med" len="med"/>
-                    </a:lnL>
-                    <a:lnR w="12700" cap="flat" cmpd="sng" algn="ctr">
-                      <a:solidFill>
-                        <a:schemeClr val="bg1">
-                          <a:lumMod val="50000"/>
-                        </a:schemeClr>
-                      </a:solidFill>
-                      <a:prstDash val="solid"/>
-                      <a:round/>
-                      <a:headEnd type="none" w="med" len="med"/>
-                      <a:tailEnd type="none" w="med" len="med"/>
-                    </a:lnR>
-                    <a:lnT w="12700" cap="flat" cmpd="sng" algn="ctr">
-                      <a:solidFill>
-                        <a:schemeClr val="bg1">
-                          <a:lumMod val="50000"/>
-                        </a:schemeClr>
-                      </a:solidFill>
-                      <a:prstDash val="solid"/>
-                      <a:round/>
-                      <a:headEnd type="none" w="med" len="med"/>
-                      <a:tailEnd type="none" w="med" len="med"/>
-                    </a:lnT>
-                    <a:lnB w="12700" cap="flat" cmpd="sng" algn="ctr">
-                      <a:solidFill>
-                        <a:schemeClr val="bg1">
-                          <a:lumMod val="50000"/>
-                        </a:schemeClr>
-                      </a:solidFill>
-                      <a:prstDash val="solid"/>
-                      <a:round/>
-                      <a:headEnd type="none" w="med" len="med"/>
-                      <a:tailEnd type="none" w="med" len="med"/>
-                    </a:lnB>
-                    <a:noFill/>
-                  </a:tcPr>
-                </a:tc>
+                <a:extLst>
+                  <a:ext uri="{0D108BD9-81ED-4DB2-BD59-A6C34878D82A}">
+                    <a16:rowId xmlns:a16="http://schemas.microsoft.com/office/drawing/2014/main" val="3062113762"/>
+                  </a:ext>
+                </a:extLst>
               </a:tr>
             </a:tbl>
           </a:graphicData>

--- a/images/update.pptx
+++ b/images/update.pptx
@@ -134,7 +134,7 @@
           <p:cNvPr id="2" name="제목 1">
             <a:extLst>
               <a:ext uri="{FF2B5EF4-FFF2-40B4-BE49-F238E27FC236}">
-                <a16:creationId xmlns:a16="http://schemas.microsoft.com/office/drawing/2014/main" id="{709C3663-1325-4932-A62B-0B761DBD4910}"/>
+                <a16:creationId xmlns:a16="http://schemas.microsoft.com/office/drawing/2014/main" xmlns="" id="{709C3663-1325-4932-A62B-0B761DBD4910}"/>
               </a:ext>
             </a:extLst>
           </p:cNvPr>
@@ -171,7 +171,7 @@
           <p:cNvPr id="3" name="부제목 2">
             <a:extLst>
               <a:ext uri="{FF2B5EF4-FFF2-40B4-BE49-F238E27FC236}">
-                <a16:creationId xmlns:a16="http://schemas.microsoft.com/office/drawing/2014/main" id="{BBBDED7A-5236-41C5-B7C9-27913CCE0685}"/>
+                <a16:creationId xmlns:a16="http://schemas.microsoft.com/office/drawing/2014/main" xmlns="" id="{BBBDED7A-5236-41C5-B7C9-27913CCE0685}"/>
               </a:ext>
             </a:extLst>
           </p:cNvPr>
@@ -241,7 +241,7 @@
           <p:cNvPr id="4" name="날짜 개체 틀 3">
             <a:extLst>
               <a:ext uri="{FF2B5EF4-FFF2-40B4-BE49-F238E27FC236}">
-                <a16:creationId xmlns:a16="http://schemas.microsoft.com/office/drawing/2014/main" id="{2BB2662A-58B5-4209-B7D6-490DD0A2F449}"/>
+                <a16:creationId xmlns:a16="http://schemas.microsoft.com/office/drawing/2014/main" xmlns="" id="{2BB2662A-58B5-4209-B7D6-490DD0A2F449}"/>
               </a:ext>
             </a:extLst>
           </p:cNvPr>
@@ -259,7 +259,7 @@
           <a:p>
             <a:fld id="{429AE3F6-67A9-4E6B-958C-6331EFEB065E}" type="datetimeFigureOut">
               <a:rPr lang="ko-KR" altLang="en-US" smtClean="0"/>
-              <a:t>2020-02-05</a:t>
+              <a:t>2020-02-06</a:t>
             </a:fld>
             <a:endParaRPr lang="ko-KR" altLang="en-US"/>
           </a:p>
@@ -270,7 +270,7 @@
           <p:cNvPr id="5" name="바닥글 개체 틀 4">
             <a:extLst>
               <a:ext uri="{FF2B5EF4-FFF2-40B4-BE49-F238E27FC236}">
-                <a16:creationId xmlns:a16="http://schemas.microsoft.com/office/drawing/2014/main" id="{C5DA137A-B415-4505-8390-A9ED526FF33D}"/>
+                <a16:creationId xmlns:a16="http://schemas.microsoft.com/office/drawing/2014/main" xmlns="" id="{C5DA137A-B415-4505-8390-A9ED526FF33D}"/>
               </a:ext>
             </a:extLst>
           </p:cNvPr>
@@ -295,7 +295,7 @@
           <p:cNvPr id="6" name="슬라이드 번호 개체 틀 5">
             <a:extLst>
               <a:ext uri="{FF2B5EF4-FFF2-40B4-BE49-F238E27FC236}">
-                <a16:creationId xmlns:a16="http://schemas.microsoft.com/office/drawing/2014/main" id="{428C23D2-FF8D-4584-9E1A-0026BAA39595}"/>
+                <a16:creationId xmlns:a16="http://schemas.microsoft.com/office/drawing/2014/main" xmlns="" id="{428C23D2-FF8D-4584-9E1A-0026BAA39595}"/>
               </a:ext>
             </a:extLst>
           </p:cNvPr>
@@ -354,7 +354,7 @@
           <p:cNvPr id="2" name="제목 1">
             <a:extLst>
               <a:ext uri="{FF2B5EF4-FFF2-40B4-BE49-F238E27FC236}">
-                <a16:creationId xmlns:a16="http://schemas.microsoft.com/office/drawing/2014/main" id="{180EFAF5-6A95-4191-A5F4-5652B8DB7B8C}"/>
+                <a16:creationId xmlns:a16="http://schemas.microsoft.com/office/drawing/2014/main" xmlns="" id="{180EFAF5-6A95-4191-A5F4-5652B8DB7B8C}"/>
               </a:ext>
             </a:extLst>
           </p:cNvPr>
@@ -382,7 +382,7 @@
           <p:cNvPr id="3" name="세로 텍스트 개체 틀 2">
             <a:extLst>
               <a:ext uri="{FF2B5EF4-FFF2-40B4-BE49-F238E27FC236}">
-                <a16:creationId xmlns:a16="http://schemas.microsoft.com/office/drawing/2014/main" id="{17E9374A-C70A-4C65-9EE2-758D1751FCD1}"/>
+                <a16:creationId xmlns:a16="http://schemas.microsoft.com/office/drawing/2014/main" xmlns="" id="{17E9374A-C70A-4C65-9EE2-758D1751FCD1}"/>
               </a:ext>
             </a:extLst>
           </p:cNvPr>
@@ -439,7 +439,7 @@
           <p:cNvPr id="4" name="날짜 개체 틀 3">
             <a:extLst>
               <a:ext uri="{FF2B5EF4-FFF2-40B4-BE49-F238E27FC236}">
-                <a16:creationId xmlns:a16="http://schemas.microsoft.com/office/drawing/2014/main" id="{A203BD37-1A57-4385-BB19-A38A57208826}"/>
+                <a16:creationId xmlns:a16="http://schemas.microsoft.com/office/drawing/2014/main" xmlns="" id="{A203BD37-1A57-4385-BB19-A38A57208826}"/>
               </a:ext>
             </a:extLst>
           </p:cNvPr>
@@ -457,7 +457,7 @@
           <a:p>
             <a:fld id="{429AE3F6-67A9-4E6B-958C-6331EFEB065E}" type="datetimeFigureOut">
               <a:rPr lang="ko-KR" altLang="en-US" smtClean="0"/>
-              <a:t>2020-02-05</a:t>
+              <a:t>2020-02-06</a:t>
             </a:fld>
             <a:endParaRPr lang="ko-KR" altLang="en-US"/>
           </a:p>
@@ -468,7 +468,7 @@
           <p:cNvPr id="5" name="바닥글 개체 틀 4">
             <a:extLst>
               <a:ext uri="{FF2B5EF4-FFF2-40B4-BE49-F238E27FC236}">
-                <a16:creationId xmlns:a16="http://schemas.microsoft.com/office/drawing/2014/main" id="{30F03180-F227-48F5-B188-4B8903BDD52F}"/>
+                <a16:creationId xmlns:a16="http://schemas.microsoft.com/office/drawing/2014/main" xmlns="" id="{30F03180-F227-48F5-B188-4B8903BDD52F}"/>
               </a:ext>
             </a:extLst>
           </p:cNvPr>
@@ -493,7 +493,7 @@
           <p:cNvPr id="6" name="슬라이드 번호 개체 틀 5">
             <a:extLst>
               <a:ext uri="{FF2B5EF4-FFF2-40B4-BE49-F238E27FC236}">
-                <a16:creationId xmlns:a16="http://schemas.microsoft.com/office/drawing/2014/main" id="{F4F76F8E-8CD7-4695-BC80-9B8B6789DFF8}"/>
+                <a16:creationId xmlns:a16="http://schemas.microsoft.com/office/drawing/2014/main" xmlns="" id="{F4F76F8E-8CD7-4695-BC80-9B8B6789DFF8}"/>
               </a:ext>
             </a:extLst>
           </p:cNvPr>
@@ -552,7 +552,7 @@
           <p:cNvPr id="2" name="세로 제목 1">
             <a:extLst>
               <a:ext uri="{FF2B5EF4-FFF2-40B4-BE49-F238E27FC236}">
-                <a16:creationId xmlns:a16="http://schemas.microsoft.com/office/drawing/2014/main" id="{7D4CC50E-E65E-4620-90A2-D7E5A1FF15FE}"/>
+                <a16:creationId xmlns:a16="http://schemas.microsoft.com/office/drawing/2014/main" xmlns="" id="{7D4CC50E-E65E-4620-90A2-D7E5A1FF15FE}"/>
               </a:ext>
             </a:extLst>
           </p:cNvPr>
@@ -585,7 +585,7 @@
           <p:cNvPr id="3" name="세로 텍스트 개체 틀 2">
             <a:extLst>
               <a:ext uri="{FF2B5EF4-FFF2-40B4-BE49-F238E27FC236}">
-                <a16:creationId xmlns:a16="http://schemas.microsoft.com/office/drawing/2014/main" id="{841960AE-4FD6-465E-AC97-C18204D299C4}"/>
+                <a16:creationId xmlns:a16="http://schemas.microsoft.com/office/drawing/2014/main" xmlns="" id="{841960AE-4FD6-465E-AC97-C18204D299C4}"/>
               </a:ext>
             </a:extLst>
           </p:cNvPr>
@@ -647,7 +647,7 @@
           <p:cNvPr id="4" name="날짜 개체 틀 3">
             <a:extLst>
               <a:ext uri="{FF2B5EF4-FFF2-40B4-BE49-F238E27FC236}">
-                <a16:creationId xmlns:a16="http://schemas.microsoft.com/office/drawing/2014/main" id="{25C68F3B-21B4-404C-A9DD-07DC7ADA055D}"/>
+                <a16:creationId xmlns:a16="http://schemas.microsoft.com/office/drawing/2014/main" xmlns="" id="{25C68F3B-21B4-404C-A9DD-07DC7ADA055D}"/>
               </a:ext>
             </a:extLst>
           </p:cNvPr>
@@ -665,7 +665,7 @@
           <a:p>
             <a:fld id="{429AE3F6-67A9-4E6B-958C-6331EFEB065E}" type="datetimeFigureOut">
               <a:rPr lang="ko-KR" altLang="en-US" smtClean="0"/>
-              <a:t>2020-02-05</a:t>
+              <a:t>2020-02-06</a:t>
             </a:fld>
             <a:endParaRPr lang="ko-KR" altLang="en-US"/>
           </a:p>
@@ -676,7 +676,7 @@
           <p:cNvPr id="5" name="바닥글 개체 틀 4">
             <a:extLst>
               <a:ext uri="{FF2B5EF4-FFF2-40B4-BE49-F238E27FC236}">
-                <a16:creationId xmlns:a16="http://schemas.microsoft.com/office/drawing/2014/main" id="{A4C56A2A-4832-4A47-9E78-B16B78ABA1A5}"/>
+                <a16:creationId xmlns:a16="http://schemas.microsoft.com/office/drawing/2014/main" xmlns="" id="{A4C56A2A-4832-4A47-9E78-B16B78ABA1A5}"/>
               </a:ext>
             </a:extLst>
           </p:cNvPr>
@@ -701,7 +701,7 @@
           <p:cNvPr id="6" name="슬라이드 번호 개체 틀 5">
             <a:extLst>
               <a:ext uri="{FF2B5EF4-FFF2-40B4-BE49-F238E27FC236}">
-                <a16:creationId xmlns:a16="http://schemas.microsoft.com/office/drawing/2014/main" id="{6C982E65-1974-4B8A-A8E1-E05F386ED37E}"/>
+                <a16:creationId xmlns:a16="http://schemas.microsoft.com/office/drawing/2014/main" xmlns="" id="{6C982E65-1974-4B8A-A8E1-E05F386ED37E}"/>
               </a:ext>
             </a:extLst>
           </p:cNvPr>
@@ -760,7 +760,7 @@
           <p:cNvPr id="2" name="제목 1">
             <a:extLst>
               <a:ext uri="{FF2B5EF4-FFF2-40B4-BE49-F238E27FC236}">
-                <a16:creationId xmlns:a16="http://schemas.microsoft.com/office/drawing/2014/main" id="{F02D6E3A-CF0E-4C48-9844-BEB255A68D74}"/>
+                <a16:creationId xmlns:a16="http://schemas.microsoft.com/office/drawing/2014/main" xmlns="" id="{F02D6E3A-CF0E-4C48-9844-BEB255A68D74}"/>
               </a:ext>
             </a:extLst>
           </p:cNvPr>
@@ -788,7 +788,7 @@
           <p:cNvPr id="3" name="내용 개체 틀 2">
             <a:extLst>
               <a:ext uri="{FF2B5EF4-FFF2-40B4-BE49-F238E27FC236}">
-                <a16:creationId xmlns:a16="http://schemas.microsoft.com/office/drawing/2014/main" id="{BC694769-9407-4067-A842-CAA2875D964A}"/>
+                <a16:creationId xmlns:a16="http://schemas.microsoft.com/office/drawing/2014/main" xmlns="" id="{BC694769-9407-4067-A842-CAA2875D964A}"/>
               </a:ext>
             </a:extLst>
           </p:cNvPr>
@@ -845,7 +845,7 @@
           <p:cNvPr id="4" name="날짜 개체 틀 3">
             <a:extLst>
               <a:ext uri="{FF2B5EF4-FFF2-40B4-BE49-F238E27FC236}">
-                <a16:creationId xmlns:a16="http://schemas.microsoft.com/office/drawing/2014/main" id="{FFBFB471-450B-45F0-A532-4E68ECD8378B}"/>
+                <a16:creationId xmlns:a16="http://schemas.microsoft.com/office/drawing/2014/main" xmlns="" id="{FFBFB471-450B-45F0-A532-4E68ECD8378B}"/>
               </a:ext>
             </a:extLst>
           </p:cNvPr>
@@ -863,7 +863,7 @@
           <a:p>
             <a:fld id="{429AE3F6-67A9-4E6B-958C-6331EFEB065E}" type="datetimeFigureOut">
               <a:rPr lang="ko-KR" altLang="en-US" smtClean="0"/>
-              <a:t>2020-02-05</a:t>
+              <a:t>2020-02-06</a:t>
             </a:fld>
             <a:endParaRPr lang="ko-KR" altLang="en-US"/>
           </a:p>
@@ -874,7 +874,7 @@
           <p:cNvPr id="5" name="바닥글 개체 틀 4">
             <a:extLst>
               <a:ext uri="{FF2B5EF4-FFF2-40B4-BE49-F238E27FC236}">
-                <a16:creationId xmlns:a16="http://schemas.microsoft.com/office/drawing/2014/main" id="{C19F9A36-96F1-40A0-BF9B-4E17ED6424CA}"/>
+                <a16:creationId xmlns:a16="http://schemas.microsoft.com/office/drawing/2014/main" xmlns="" id="{C19F9A36-96F1-40A0-BF9B-4E17ED6424CA}"/>
               </a:ext>
             </a:extLst>
           </p:cNvPr>
@@ -899,7 +899,7 @@
           <p:cNvPr id="6" name="슬라이드 번호 개체 틀 5">
             <a:extLst>
               <a:ext uri="{FF2B5EF4-FFF2-40B4-BE49-F238E27FC236}">
-                <a16:creationId xmlns:a16="http://schemas.microsoft.com/office/drawing/2014/main" id="{F40827E4-96FB-4626-B42E-B85DCC5FA294}"/>
+                <a16:creationId xmlns:a16="http://schemas.microsoft.com/office/drawing/2014/main" xmlns="" id="{F40827E4-96FB-4626-B42E-B85DCC5FA294}"/>
               </a:ext>
             </a:extLst>
           </p:cNvPr>
@@ -958,7 +958,7 @@
           <p:cNvPr id="2" name="제목 1">
             <a:extLst>
               <a:ext uri="{FF2B5EF4-FFF2-40B4-BE49-F238E27FC236}">
-                <a16:creationId xmlns:a16="http://schemas.microsoft.com/office/drawing/2014/main" id="{A89D2F2F-F6A8-4AED-BEB7-A7448E450AE2}"/>
+                <a16:creationId xmlns:a16="http://schemas.microsoft.com/office/drawing/2014/main" xmlns="" id="{A89D2F2F-F6A8-4AED-BEB7-A7448E450AE2}"/>
               </a:ext>
             </a:extLst>
           </p:cNvPr>
@@ -995,7 +995,7 @@
           <p:cNvPr id="3" name="텍스트 개체 틀 2">
             <a:extLst>
               <a:ext uri="{FF2B5EF4-FFF2-40B4-BE49-F238E27FC236}">
-                <a16:creationId xmlns:a16="http://schemas.microsoft.com/office/drawing/2014/main" id="{1C920E00-1018-40AA-AFA1-47256FF76AD1}"/>
+                <a16:creationId xmlns:a16="http://schemas.microsoft.com/office/drawing/2014/main" xmlns="" id="{1C920E00-1018-40AA-AFA1-47256FF76AD1}"/>
               </a:ext>
             </a:extLst>
           </p:cNvPr>
@@ -1120,7 +1120,7 @@
           <p:cNvPr id="4" name="날짜 개체 틀 3">
             <a:extLst>
               <a:ext uri="{FF2B5EF4-FFF2-40B4-BE49-F238E27FC236}">
-                <a16:creationId xmlns:a16="http://schemas.microsoft.com/office/drawing/2014/main" id="{5DED6BBC-E01F-4AE9-8E55-2DF9E2AA7532}"/>
+                <a16:creationId xmlns:a16="http://schemas.microsoft.com/office/drawing/2014/main" xmlns="" id="{5DED6BBC-E01F-4AE9-8E55-2DF9E2AA7532}"/>
               </a:ext>
             </a:extLst>
           </p:cNvPr>
@@ -1138,7 +1138,7 @@
           <a:p>
             <a:fld id="{429AE3F6-67A9-4E6B-958C-6331EFEB065E}" type="datetimeFigureOut">
               <a:rPr lang="ko-KR" altLang="en-US" smtClean="0"/>
-              <a:t>2020-02-05</a:t>
+              <a:t>2020-02-06</a:t>
             </a:fld>
             <a:endParaRPr lang="ko-KR" altLang="en-US"/>
           </a:p>
@@ -1149,7 +1149,7 @@
           <p:cNvPr id="5" name="바닥글 개체 틀 4">
             <a:extLst>
               <a:ext uri="{FF2B5EF4-FFF2-40B4-BE49-F238E27FC236}">
-                <a16:creationId xmlns:a16="http://schemas.microsoft.com/office/drawing/2014/main" id="{DB4D867E-A3C9-4C1D-9012-66E62C961C14}"/>
+                <a16:creationId xmlns:a16="http://schemas.microsoft.com/office/drawing/2014/main" xmlns="" id="{DB4D867E-A3C9-4C1D-9012-66E62C961C14}"/>
               </a:ext>
             </a:extLst>
           </p:cNvPr>
@@ -1174,7 +1174,7 @@
           <p:cNvPr id="6" name="슬라이드 번호 개체 틀 5">
             <a:extLst>
               <a:ext uri="{FF2B5EF4-FFF2-40B4-BE49-F238E27FC236}">
-                <a16:creationId xmlns:a16="http://schemas.microsoft.com/office/drawing/2014/main" id="{3C7BB8C6-2239-44B5-80E6-73F79D5D7042}"/>
+                <a16:creationId xmlns:a16="http://schemas.microsoft.com/office/drawing/2014/main" xmlns="" id="{3C7BB8C6-2239-44B5-80E6-73F79D5D7042}"/>
               </a:ext>
             </a:extLst>
           </p:cNvPr>
@@ -1233,7 +1233,7 @@
           <p:cNvPr id="2" name="제목 1">
             <a:extLst>
               <a:ext uri="{FF2B5EF4-FFF2-40B4-BE49-F238E27FC236}">
-                <a16:creationId xmlns:a16="http://schemas.microsoft.com/office/drawing/2014/main" id="{4CE6D0DC-FA61-4211-AA7D-7E7EF178661C}"/>
+                <a16:creationId xmlns:a16="http://schemas.microsoft.com/office/drawing/2014/main" xmlns="" id="{4CE6D0DC-FA61-4211-AA7D-7E7EF178661C}"/>
               </a:ext>
             </a:extLst>
           </p:cNvPr>
@@ -1261,7 +1261,7 @@
           <p:cNvPr id="3" name="내용 개체 틀 2">
             <a:extLst>
               <a:ext uri="{FF2B5EF4-FFF2-40B4-BE49-F238E27FC236}">
-                <a16:creationId xmlns:a16="http://schemas.microsoft.com/office/drawing/2014/main" id="{7043EACC-AF6E-4998-9489-A015AF45174F}"/>
+                <a16:creationId xmlns:a16="http://schemas.microsoft.com/office/drawing/2014/main" xmlns="" id="{7043EACC-AF6E-4998-9489-A015AF45174F}"/>
               </a:ext>
             </a:extLst>
           </p:cNvPr>
@@ -1323,7 +1323,7 @@
           <p:cNvPr id="4" name="내용 개체 틀 3">
             <a:extLst>
               <a:ext uri="{FF2B5EF4-FFF2-40B4-BE49-F238E27FC236}">
-                <a16:creationId xmlns:a16="http://schemas.microsoft.com/office/drawing/2014/main" id="{432FA007-1455-4C73-9864-D1A8AE49BF39}"/>
+                <a16:creationId xmlns:a16="http://schemas.microsoft.com/office/drawing/2014/main" xmlns="" id="{432FA007-1455-4C73-9864-D1A8AE49BF39}"/>
               </a:ext>
             </a:extLst>
           </p:cNvPr>
@@ -1385,7 +1385,7 @@
           <p:cNvPr id="5" name="날짜 개체 틀 4">
             <a:extLst>
               <a:ext uri="{FF2B5EF4-FFF2-40B4-BE49-F238E27FC236}">
-                <a16:creationId xmlns:a16="http://schemas.microsoft.com/office/drawing/2014/main" id="{37B741FF-157F-40D5-A150-75A2EE4C9E26}"/>
+                <a16:creationId xmlns:a16="http://schemas.microsoft.com/office/drawing/2014/main" xmlns="" id="{37B741FF-157F-40D5-A150-75A2EE4C9E26}"/>
               </a:ext>
             </a:extLst>
           </p:cNvPr>
@@ -1403,7 +1403,7 @@
           <a:p>
             <a:fld id="{429AE3F6-67A9-4E6B-958C-6331EFEB065E}" type="datetimeFigureOut">
               <a:rPr lang="ko-KR" altLang="en-US" smtClean="0"/>
-              <a:t>2020-02-05</a:t>
+              <a:t>2020-02-06</a:t>
             </a:fld>
             <a:endParaRPr lang="ko-KR" altLang="en-US"/>
           </a:p>
@@ -1414,7 +1414,7 @@
           <p:cNvPr id="6" name="바닥글 개체 틀 5">
             <a:extLst>
               <a:ext uri="{FF2B5EF4-FFF2-40B4-BE49-F238E27FC236}">
-                <a16:creationId xmlns:a16="http://schemas.microsoft.com/office/drawing/2014/main" id="{C8338BD1-A5B5-41B8-829F-20A052C2AB04}"/>
+                <a16:creationId xmlns:a16="http://schemas.microsoft.com/office/drawing/2014/main" xmlns="" id="{C8338BD1-A5B5-41B8-829F-20A052C2AB04}"/>
               </a:ext>
             </a:extLst>
           </p:cNvPr>
@@ -1439,7 +1439,7 @@
           <p:cNvPr id="7" name="슬라이드 번호 개체 틀 6">
             <a:extLst>
               <a:ext uri="{FF2B5EF4-FFF2-40B4-BE49-F238E27FC236}">
-                <a16:creationId xmlns:a16="http://schemas.microsoft.com/office/drawing/2014/main" id="{41C61354-ADE2-4C09-BF98-114510514B79}"/>
+                <a16:creationId xmlns:a16="http://schemas.microsoft.com/office/drawing/2014/main" xmlns="" id="{41C61354-ADE2-4C09-BF98-114510514B79}"/>
               </a:ext>
             </a:extLst>
           </p:cNvPr>
@@ -1498,7 +1498,7 @@
           <p:cNvPr id="2" name="제목 1">
             <a:extLst>
               <a:ext uri="{FF2B5EF4-FFF2-40B4-BE49-F238E27FC236}">
-                <a16:creationId xmlns:a16="http://schemas.microsoft.com/office/drawing/2014/main" id="{98E0CDAF-1805-4623-80D6-E68E95AC0077}"/>
+                <a16:creationId xmlns:a16="http://schemas.microsoft.com/office/drawing/2014/main" xmlns="" id="{98E0CDAF-1805-4623-80D6-E68E95AC0077}"/>
               </a:ext>
             </a:extLst>
           </p:cNvPr>
@@ -1531,7 +1531,7 @@
           <p:cNvPr id="3" name="텍스트 개체 틀 2">
             <a:extLst>
               <a:ext uri="{FF2B5EF4-FFF2-40B4-BE49-F238E27FC236}">
-                <a16:creationId xmlns:a16="http://schemas.microsoft.com/office/drawing/2014/main" id="{19EAA552-FB12-4F4F-9114-E5851423FEB2}"/>
+                <a16:creationId xmlns:a16="http://schemas.microsoft.com/office/drawing/2014/main" xmlns="" id="{19EAA552-FB12-4F4F-9114-E5851423FEB2}"/>
               </a:ext>
             </a:extLst>
           </p:cNvPr>
@@ -1602,7 +1602,7 @@
           <p:cNvPr id="4" name="내용 개체 틀 3">
             <a:extLst>
               <a:ext uri="{FF2B5EF4-FFF2-40B4-BE49-F238E27FC236}">
-                <a16:creationId xmlns:a16="http://schemas.microsoft.com/office/drawing/2014/main" id="{57C41A33-1C13-4189-954C-A0BECB20E9C9}"/>
+                <a16:creationId xmlns:a16="http://schemas.microsoft.com/office/drawing/2014/main" xmlns="" id="{57C41A33-1C13-4189-954C-A0BECB20E9C9}"/>
               </a:ext>
             </a:extLst>
           </p:cNvPr>
@@ -1664,7 +1664,7 @@
           <p:cNvPr id="5" name="텍스트 개체 틀 4">
             <a:extLst>
               <a:ext uri="{FF2B5EF4-FFF2-40B4-BE49-F238E27FC236}">
-                <a16:creationId xmlns:a16="http://schemas.microsoft.com/office/drawing/2014/main" id="{34AA4E1F-43A2-47F0-8ADC-8E51F62E69D9}"/>
+                <a16:creationId xmlns:a16="http://schemas.microsoft.com/office/drawing/2014/main" xmlns="" id="{34AA4E1F-43A2-47F0-8ADC-8E51F62E69D9}"/>
               </a:ext>
             </a:extLst>
           </p:cNvPr>
@@ -1735,7 +1735,7 @@
           <p:cNvPr id="6" name="내용 개체 틀 5">
             <a:extLst>
               <a:ext uri="{FF2B5EF4-FFF2-40B4-BE49-F238E27FC236}">
-                <a16:creationId xmlns:a16="http://schemas.microsoft.com/office/drawing/2014/main" id="{EFBA4AAA-700C-48B0-9717-D14F467276B8}"/>
+                <a16:creationId xmlns:a16="http://schemas.microsoft.com/office/drawing/2014/main" xmlns="" id="{EFBA4AAA-700C-48B0-9717-D14F467276B8}"/>
               </a:ext>
             </a:extLst>
           </p:cNvPr>
@@ -1797,7 +1797,7 @@
           <p:cNvPr id="7" name="날짜 개체 틀 6">
             <a:extLst>
               <a:ext uri="{FF2B5EF4-FFF2-40B4-BE49-F238E27FC236}">
-                <a16:creationId xmlns:a16="http://schemas.microsoft.com/office/drawing/2014/main" id="{E1E6C05D-D90B-40BD-A788-3E6B0CAAF589}"/>
+                <a16:creationId xmlns:a16="http://schemas.microsoft.com/office/drawing/2014/main" xmlns="" id="{E1E6C05D-D90B-40BD-A788-3E6B0CAAF589}"/>
               </a:ext>
             </a:extLst>
           </p:cNvPr>
@@ -1815,7 +1815,7 @@
           <a:p>
             <a:fld id="{429AE3F6-67A9-4E6B-958C-6331EFEB065E}" type="datetimeFigureOut">
               <a:rPr lang="ko-KR" altLang="en-US" smtClean="0"/>
-              <a:t>2020-02-05</a:t>
+              <a:t>2020-02-06</a:t>
             </a:fld>
             <a:endParaRPr lang="ko-KR" altLang="en-US"/>
           </a:p>
@@ -1826,7 +1826,7 @@
           <p:cNvPr id="8" name="바닥글 개체 틀 7">
             <a:extLst>
               <a:ext uri="{FF2B5EF4-FFF2-40B4-BE49-F238E27FC236}">
-                <a16:creationId xmlns:a16="http://schemas.microsoft.com/office/drawing/2014/main" id="{92A330DA-8A57-446E-82F0-6213E5B7008B}"/>
+                <a16:creationId xmlns:a16="http://schemas.microsoft.com/office/drawing/2014/main" xmlns="" id="{92A330DA-8A57-446E-82F0-6213E5B7008B}"/>
               </a:ext>
             </a:extLst>
           </p:cNvPr>
@@ -1851,7 +1851,7 @@
           <p:cNvPr id="9" name="슬라이드 번호 개체 틀 8">
             <a:extLst>
               <a:ext uri="{FF2B5EF4-FFF2-40B4-BE49-F238E27FC236}">
-                <a16:creationId xmlns:a16="http://schemas.microsoft.com/office/drawing/2014/main" id="{319BE11D-71D0-4A41-A374-9663D7690536}"/>
+                <a16:creationId xmlns:a16="http://schemas.microsoft.com/office/drawing/2014/main" xmlns="" id="{319BE11D-71D0-4A41-A374-9663D7690536}"/>
               </a:ext>
             </a:extLst>
           </p:cNvPr>
@@ -1910,7 +1910,7 @@
           <p:cNvPr id="2" name="제목 1">
             <a:extLst>
               <a:ext uri="{FF2B5EF4-FFF2-40B4-BE49-F238E27FC236}">
-                <a16:creationId xmlns:a16="http://schemas.microsoft.com/office/drawing/2014/main" id="{1BD63754-3DD4-48B0-AE43-31CE7464971A}"/>
+                <a16:creationId xmlns:a16="http://schemas.microsoft.com/office/drawing/2014/main" xmlns="" id="{1BD63754-3DD4-48B0-AE43-31CE7464971A}"/>
               </a:ext>
             </a:extLst>
           </p:cNvPr>
@@ -1938,7 +1938,7 @@
           <p:cNvPr id="3" name="날짜 개체 틀 2">
             <a:extLst>
               <a:ext uri="{FF2B5EF4-FFF2-40B4-BE49-F238E27FC236}">
-                <a16:creationId xmlns:a16="http://schemas.microsoft.com/office/drawing/2014/main" id="{5118F6CD-4955-4CCA-9A08-6D2985CDDD5F}"/>
+                <a16:creationId xmlns:a16="http://schemas.microsoft.com/office/drawing/2014/main" xmlns="" id="{5118F6CD-4955-4CCA-9A08-6D2985CDDD5F}"/>
               </a:ext>
             </a:extLst>
           </p:cNvPr>
@@ -1956,7 +1956,7 @@
           <a:p>
             <a:fld id="{429AE3F6-67A9-4E6B-958C-6331EFEB065E}" type="datetimeFigureOut">
               <a:rPr lang="ko-KR" altLang="en-US" smtClean="0"/>
-              <a:t>2020-02-05</a:t>
+              <a:t>2020-02-06</a:t>
             </a:fld>
             <a:endParaRPr lang="ko-KR" altLang="en-US"/>
           </a:p>
@@ -1967,7 +1967,7 @@
           <p:cNvPr id="4" name="바닥글 개체 틀 3">
             <a:extLst>
               <a:ext uri="{FF2B5EF4-FFF2-40B4-BE49-F238E27FC236}">
-                <a16:creationId xmlns:a16="http://schemas.microsoft.com/office/drawing/2014/main" id="{6FFFE331-316E-4FDA-B823-0F5415EC817A}"/>
+                <a16:creationId xmlns:a16="http://schemas.microsoft.com/office/drawing/2014/main" xmlns="" id="{6FFFE331-316E-4FDA-B823-0F5415EC817A}"/>
               </a:ext>
             </a:extLst>
           </p:cNvPr>
@@ -1992,7 +1992,7 @@
           <p:cNvPr id="5" name="슬라이드 번호 개체 틀 4">
             <a:extLst>
               <a:ext uri="{FF2B5EF4-FFF2-40B4-BE49-F238E27FC236}">
-                <a16:creationId xmlns:a16="http://schemas.microsoft.com/office/drawing/2014/main" id="{BFBCB44E-E20E-4FE5-9F36-E4873B2D7214}"/>
+                <a16:creationId xmlns:a16="http://schemas.microsoft.com/office/drawing/2014/main" xmlns="" id="{BFBCB44E-E20E-4FE5-9F36-E4873B2D7214}"/>
               </a:ext>
             </a:extLst>
           </p:cNvPr>
@@ -2051,7 +2051,7 @@
           <p:cNvPr id="2" name="날짜 개체 틀 1">
             <a:extLst>
               <a:ext uri="{FF2B5EF4-FFF2-40B4-BE49-F238E27FC236}">
-                <a16:creationId xmlns:a16="http://schemas.microsoft.com/office/drawing/2014/main" id="{F149E85E-9FB0-4D6A-B05F-281805E3B569}"/>
+                <a16:creationId xmlns:a16="http://schemas.microsoft.com/office/drawing/2014/main" xmlns="" id="{F149E85E-9FB0-4D6A-B05F-281805E3B569}"/>
               </a:ext>
             </a:extLst>
           </p:cNvPr>
@@ -2069,7 +2069,7 @@
           <a:p>
             <a:fld id="{429AE3F6-67A9-4E6B-958C-6331EFEB065E}" type="datetimeFigureOut">
               <a:rPr lang="ko-KR" altLang="en-US" smtClean="0"/>
-              <a:t>2020-02-05</a:t>
+              <a:t>2020-02-06</a:t>
             </a:fld>
             <a:endParaRPr lang="ko-KR" altLang="en-US"/>
           </a:p>
@@ -2080,7 +2080,7 @@
           <p:cNvPr id="3" name="바닥글 개체 틀 2">
             <a:extLst>
               <a:ext uri="{FF2B5EF4-FFF2-40B4-BE49-F238E27FC236}">
-                <a16:creationId xmlns:a16="http://schemas.microsoft.com/office/drawing/2014/main" id="{0BA2D510-EF27-4C47-9AC6-83F56C7721F8}"/>
+                <a16:creationId xmlns:a16="http://schemas.microsoft.com/office/drawing/2014/main" xmlns="" id="{0BA2D510-EF27-4C47-9AC6-83F56C7721F8}"/>
               </a:ext>
             </a:extLst>
           </p:cNvPr>
@@ -2105,7 +2105,7 @@
           <p:cNvPr id="4" name="슬라이드 번호 개체 틀 3">
             <a:extLst>
               <a:ext uri="{FF2B5EF4-FFF2-40B4-BE49-F238E27FC236}">
-                <a16:creationId xmlns:a16="http://schemas.microsoft.com/office/drawing/2014/main" id="{541696B9-C94C-4284-AF3E-DFB2C90CA59E}"/>
+                <a16:creationId xmlns:a16="http://schemas.microsoft.com/office/drawing/2014/main" xmlns="" id="{541696B9-C94C-4284-AF3E-DFB2C90CA59E}"/>
               </a:ext>
             </a:extLst>
           </p:cNvPr>
@@ -2164,7 +2164,7 @@
           <p:cNvPr id="2" name="제목 1">
             <a:extLst>
               <a:ext uri="{FF2B5EF4-FFF2-40B4-BE49-F238E27FC236}">
-                <a16:creationId xmlns:a16="http://schemas.microsoft.com/office/drawing/2014/main" id="{6D0128B9-D37C-4665-82B0-B7029CF43239}"/>
+                <a16:creationId xmlns:a16="http://schemas.microsoft.com/office/drawing/2014/main" xmlns="" id="{6D0128B9-D37C-4665-82B0-B7029CF43239}"/>
               </a:ext>
             </a:extLst>
           </p:cNvPr>
@@ -2201,7 +2201,7 @@
           <p:cNvPr id="3" name="내용 개체 틀 2">
             <a:extLst>
               <a:ext uri="{FF2B5EF4-FFF2-40B4-BE49-F238E27FC236}">
-                <a16:creationId xmlns:a16="http://schemas.microsoft.com/office/drawing/2014/main" id="{44605527-4E96-4904-A6B2-8622C9593818}"/>
+                <a16:creationId xmlns:a16="http://schemas.microsoft.com/office/drawing/2014/main" xmlns="" id="{44605527-4E96-4904-A6B2-8622C9593818}"/>
               </a:ext>
             </a:extLst>
           </p:cNvPr>
@@ -2291,7 +2291,7 @@
           <p:cNvPr id="4" name="텍스트 개체 틀 3">
             <a:extLst>
               <a:ext uri="{FF2B5EF4-FFF2-40B4-BE49-F238E27FC236}">
-                <a16:creationId xmlns:a16="http://schemas.microsoft.com/office/drawing/2014/main" id="{8F31B321-590E-4BCA-8998-60BC0A7C7C6F}"/>
+                <a16:creationId xmlns:a16="http://schemas.microsoft.com/office/drawing/2014/main" xmlns="" id="{8F31B321-590E-4BCA-8998-60BC0A7C7C6F}"/>
               </a:ext>
             </a:extLst>
           </p:cNvPr>
@@ -2362,7 +2362,7 @@
           <p:cNvPr id="5" name="날짜 개체 틀 4">
             <a:extLst>
               <a:ext uri="{FF2B5EF4-FFF2-40B4-BE49-F238E27FC236}">
-                <a16:creationId xmlns:a16="http://schemas.microsoft.com/office/drawing/2014/main" id="{1CF7311C-C7E7-4F04-9479-43845C862DF7}"/>
+                <a16:creationId xmlns:a16="http://schemas.microsoft.com/office/drawing/2014/main" xmlns="" id="{1CF7311C-C7E7-4F04-9479-43845C862DF7}"/>
               </a:ext>
             </a:extLst>
           </p:cNvPr>
@@ -2380,7 +2380,7 @@
           <a:p>
             <a:fld id="{429AE3F6-67A9-4E6B-958C-6331EFEB065E}" type="datetimeFigureOut">
               <a:rPr lang="ko-KR" altLang="en-US" smtClean="0"/>
-              <a:t>2020-02-05</a:t>
+              <a:t>2020-02-06</a:t>
             </a:fld>
             <a:endParaRPr lang="ko-KR" altLang="en-US"/>
           </a:p>
@@ -2391,7 +2391,7 @@
           <p:cNvPr id="6" name="바닥글 개체 틀 5">
             <a:extLst>
               <a:ext uri="{FF2B5EF4-FFF2-40B4-BE49-F238E27FC236}">
-                <a16:creationId xmlns:a16="http://schemas.microsoft.com/office/drawing/2014/main" id="{E12F5C9B-82C0-4359-A13D-DB40DE35BBD3}"/>
+                <a16:creationId xmlns:a16="http://schemas.microsoft.com/office/drawing/2014/main" xmlns="" id="{E12F5C9B-82C0-4359-A13D-DB40DE35BBD3}"/>
               </a:ext>
             </a:extLst>
           </p:cNvPr>
@@ -2416,7 +2416,7 @@
           <p:cNvPr id="7" name="슬라이드 번호 개체 틀 6">
             <a:extLst>
               <a:ext uri="{FF2B5EF4-FFF2-40B4-BE49-F238E27FC236}">
-                <a16:creationId xmlns:a16="http://schemas.microsoft.com/office/drawing/2014/main" id="{085CA861-7EE0-43CD-9E3A-9144CA36D8DD}"/>
+                <a16:creationId xmlns:a16="http://schemas.microsoft.com/office/drawing/2014/main" xmlns="" id="{085CA861-7EE0-43CD-9E3A-9144CA36D8DD}"/>
               </a:ext>
             </a:extLst>
           </p:cNvPr>
@@ -2475,7 +2475,7 @@
           <p:cNvPr id="2" name="제목 1">
             <a:extLst>
               <a:ext uri="{FF2B5EF4-FFF2-40B4-BE49-F238E27FC236}">
-                <a16:creationId xmlns:a16="http://schemas.microsoft.com/office/drawing/2014/main" id="{BA1255EE-8429-41C5-9E1B-58DBB7AD77FA}"/>
+                <a16:creationId xmlns:a16="http://schemas.microsoft.com/office/drawing/2014/main" xmlns="" id="{BA1255EE-8429-41C5-9E1B-58DBB7AD77FA}"/>
               </a:ext>
             </a:extLst>
           </p:cNvPr>
@@ -2512,7 +2512,7 @@
           <p:cNvPr id="3" name="그림 개체 틀 2">
             <a:extLst>
               <a:ext uri="{FF2B5EF4-FFF2-40B4-BE49-F238E27FC236}">
-                <a16:creationId xmlns:a16="http://schemas.microsoft.com/office/drawing/2014/main" id="{32BC6078-6693-4173-B484-D9A3DB6CCB8F}"/>
+                <a16:creationId xmlns:a16="http://schemas.microsoft.com/office/drawing/2014/main" xmlns="" id="{32BC6078-6693-4173-B484-D9A3DB6CCB8F}"/>
               </a:ext>
             </a:extLst>
           </p:cNvPr>
@@ -2579,7 +2579,7 @@
           <p:cNvPr id="4" name="텍스트 개체 틀 3">
             <a:extLst>
               <a:ext uri="{FF2B5EF4-FFF2-40B4-BE49-F238E27FC236}">
-                <a16:creationId xmlns:a16="http://schemas.microsoft.com/office/drawing/2014/main" id="{343F604B-6B24-4228-A21A-665074087735}"/>
+                <a16:creationId xmlns:a16="http://schemas.microsoft.com/office/drawing/2014/main" xmlns="" id="{343F604B-6B24-4228-A21A-665074087735}"/>
               </a:ext>
             </a:extLst>
           </p:cNvPr>
@@ -2650,7 +2650,7 @@
           <p:cNvPr id="5" name="날짜 개체 틀 4">
             <a:extLst>
               <a:ext uri="{FF2B5EF4-FFF2-40B4-BE49-F238E27FC236}">
-                <a16:creationId xmlns:a16="http://schemas.microsoft.com/office/drawing/2014/main" id="{C024A9A6-F061-42B3-897F-689BD4920E2A}"/>
+                <a16:creationId xmlns:a16="http://schemas.microsoft.com/office/drawing/2014/main" xmlns="" id="{C024A9A6-F061-42B3-897F-689BD4920E2A}"/>
               </a:ext>
             </a:extLst>
           </p:cNvPr>
@@ -2668,7 +2668,7 @@
           <a:p>
             <a:fld id="{429AE3F6-67A9-4E6B-958C-6331EFEB065E}" type="datetimeFigureOut">
               <a:rPr lang="ko-KR" altLang="en-US" smtClean="0"/>
-              <a:t>2020-02-05</a:t>
+              <a:t>2020-02-06</a:t>
             </a:fld>
             <a:endParaRPr lang="ko-KR" altLang="en-US"/>
           </a:p>
@@ -2679,7 +2679,7 @@
           <p:cNvPr id="6" name="바닥글 개체 틀 5">
             <a:extLst>
               <a:ext uri="{FF2B5EF4-FFF2-40B4-BE49-F238E27FC236}">
-                <a16:creationId xmlns:a16="http://schemas.microsoft.com/office/drawing/2014/main" id="{3485ED0B-5CDC-4243-88F7-F16156F99B1E}"/>
+                <a16:creationId xmlns:a16="http://schemas.microsoft.com/office/drawing/2014/main" xmlns="" id="{3485ED0B-5CDC-4243-88F7-F16156F99B1E}"/>
               </a:ext>
             </a:extLst>
           </p:cNvPr>
@@ -2704,7 +2704,7 @@
           <p:cNvPr id="7" name="슬라이드 번호 개체 틀 6">
             <a:extLst>
               <a:ext uri="{FF2B5EF4-FFF2-40B4-BE49-F238E27FC236}">
-                <a16:creationId xmlns:a16="http://schemas.microsoft.com/office/drawing/2014/main" id="{383D4234-91E5-4D1F-86FC-2172F3B26AE2}"/>
+                <a16:creationId xmlns:a16="http://schemas.microsoft.com/office/drawing/2014/main" xmlns="" id="{383D4234-91E5-4D1F-86FC-2172F3B26AE2}"/>
               </a:ext>
             </a:extLst>
           </p:cNvPr>
@@ -2768,7 +2768,7 @@
           <p:cNvPr id="2" name="제목 개체 틀 1">
             <a:extLst>
               <a:ext uri="{FF2B5EF4-FFF2-40B4-BE49-F238E27FC236}">
-                <a16:creationId xmlns:a16="http://schemas.microsoft.com/office/drawing/2014/main" id="{D083DC12-01C9-4E8E-B22A-FF059DD3E181}"/>
+                <a16:creationId xmlns:a16="http://schemas.microsoft.com/office/drawing/2014/main" xmlns="" id="{D083DC12-01C9-4E8E-B22A-FF059DD3E181}"/>
               </a:ext>
             </a:extLst>
           </p:cNvPr>
@@ -2806,7 +2806,7 @@
           <p:cNvPr id="3" name="텍스트 개체 틀 2">
             <a:extLst>
               <a:ext uri="{FF2B5EF4-FFF2-40B4-BE49-F238E27FC236}">
-                <a16:creationId xmlns:a16="http://schemas.microsoft.com/office/drawing/2014/main" id="{FBF310E0-44DD-4B51-843A-CD4025EBDF0D}"/>
+                <a16:creationId xmlns:a16="http://schemas.microsoft.com/office/drawing/2014/main" xmlns="" id="{FBF310E0-44DD-4B51-843A-CD4025EBDF0D}"/>
               </a:ext>
             </a:extLst>
           </p:cNvPr>
@@ -2873,7 +2873,7 @@
           <p:cNvPr id="4" name="날짜 개체 틀 3">
             <a:extLst>
               <a:ext uri="{FF2B5EF4-FFF2-40B4-BE49-F238E27FC236}">
-                <a16:creationId xmlns:a16="http://schemas.microsoft.com/office/drawing/2014/main" id="{581B4236-D507-466A-AF70-992AD57A84D1}"/>
+                <a16:creationId xmlns:a16="http://schemas.microsoft.com/office/drawing/2014/main" xmlns="" id="{581B4236-D507-466A-AF70-992AD57A84D1}"/>
               </a:ext>
             </a:extLst>
           </p:cNvPr>
@@ -2909,7 +2909,7 @@
           <a:p>
             <a:fld id="{429AE3F6-67A9-4E6B-958C-6331EFEB065E}" type="datetimeFigureOut">
               <a:rPr lang="ko-KR" altLang="en-US" smtClean="0"/>
-              <a:t>2020-02-05</a:t>
+              <a:t>2020-02-06</a:t>
             </a:fld>
             <a:endParaRPr lang="ko-KR" altLang="en-US"/>
           </a:p>
@@ -2920,7 +2920,7 @@
           <p:cNvPr id="5" name="바닥글 개체 틀 4">
             <a:extLst>
               <a:ext uri="{FF2B5EF4-FFF2-40B4-BE49-F238E27FC236}">
-                <a16:creationId xmlns:a16="http://schemas.microsoft.com/office/drawing/2014/main" id="{E4E12799-AC88-4344-94E8-D9A34CC68A77}"/>
+                <a16:creationId xmlns:a16="http://schemas.microsoft.com/office/drawing/2014/main" xmlns="" id="{E4E12799-AC88-4344-94E8-D9A34CC68A77}"/>
               </a:ext>
             </a:extLst>
           </p:cNvPr>
@@ -2963,7 +2963,7 @@
           <p:cNvPr id="6" name="슬라이드 번호 개체 틀 5">
             <a:extLst>
               <a:ext uri="{FF2B5EF4-FFF2-40B4-BE49-F238E27FC236}">
-                <a16:creationId xmlns:a16="http://schemas.microsoft.com/office/drawing/2014/main" id="{7DB528A9-39F2-4A16-9C88-78DAE1B9433F}"/>
+                <a16:creationId xmlns:a16="http://schemas.microsoft.com/office/drawing/2014/main" xmlns="" id="{7DB528A9-39F2-4A16-9C88-78DAE1B9433F}"/>
               </a:ext>
             </a:extLst>
           </p:cNvPr>
@@ -3331,7 +3331,7 @@
           <p:cNvPr id="4" name="표 3">
             <a:extLst>
               <a:ext uri="{FF2B5EF4-FFF2-40B4-BE49-F238E27FC236}">
-                <a16:creationId xmlns:a16="http://schemas.microsoft.com/office/drawing/2014/main" id="{C4E80E41-2EE6-4421-B2AC-92D2C4C05599}"/>
+                <a16:creationId xmlns:a16="http://schemas.microsoft.com/office/drawing/2014/main" xmlns="" id="{C4E80E41-2EE6-4421-B2AC-92D2C4C05599}"/>
               </a:ext>
             </a:extLst>
           </p:cNvPr>
@@ -3341,14 +3341,14 @@
           <p:nvPr>
             <p:extLst>
               <p:ext uri="{D42A27DB-BD31-4B8C-83A1-F6EECF244321}">
-                <p14:modId xmlns:p14="http://schemas.microsoft.com/office/powerpoint/2010/main" val="1194896558"/>
+                <p14:modId xmlns:p14="http://schemas.microsoft.com/office/powerpoint/2010/main" val="2633558410"/>
               </p:ext>
             </p:extLst>
           </p:nvPr>
         </p:nvGraphicFramePr>
         <p:xfrm>
           <a:off x="3506730" y="334494"/>
-          <a:ext cx="4853498" cy="5926709"/>
+          <a:ext cx="4853498" cy="7091282"/>
         </p:xfrm>
         <a:graphic>
           <a:graphicData uri="http://schemas.openxmlformats.org/drawingml/2006/table">
@@ -3358,63 +3358,63 @@
                 <a:gridCol w="404664">
                   <a:extLst>
                     <a:ext uri="{9D8B030D-6E8A-4147-A177-3AD203B41FA5}">
-                      <a16:colId xmlns:a16="http://schemas.microsoft.com/office/drawing/2014/main" val="1158775166"/>
+                      <a16:colId xmlns:a16="http://schemas.microsoft.com/office/drawing/2014/main" xmlns="" val="1158775166"/>
                     </a:ext>
                   </a:extLst>
                 </a:gridCol>
                 <a:gridCol w="384256">
                   <a:extLst>
                     <a:ext uri="{9D8B030D-6E8A-4147-A177-3AD203B41FA5}">
-                      <a16:colId xmlns:a16="http://schemas.microsoft.com/office/drawing/2014/main" val="2043008770"/>
+                      <a16:colId xmlns:a16="http://schemas.microsoft.com/office/drawing/2014/main" xmlns="" val="2043008770"/>
                     </a:ext>
                   </a:extLst>
                 </a:gridCol>
                 <a:gridCol w="384256">
                   <a:extLst>
                     <a:ext uri="{9D8B030D-6E8A-4147-A177-3AD203B41FA5}">
-                      <a16:colId xmlns:a16="http://schemas.microsoft.com/office/drawing/2014/main" val="563148870"/>
+                      <a16:colId xmlns:a16="http://schemas.microsoft.com/office/drawing/2014/main" xmlns="" val="563148870"/>
                     </a:ext>
                   </a:extLst>
                 </a:gridCol>
                 <a:gridCol w="520149">
                   <a:extLst>
                     <a:ext uri="{9D8B030D-6E8A-4147-A177-3AD203B41FA5}">
-                      <a16:colId xmlns:a16="http://schemas.microsoft.com/office/drawing/2014/main" val="3860621261"/>
+                      <a16:colId xmlns:a16="http://schemas.microsoft.com/office/drawing/2014/main" xmlns="" val="3860621261"/>
                     </a:ext>
                   </a:extLst>
                 </a:gridCol>
                 <a:gridCol w="421708">
                   <a:extLst>
                     <a:ext uri="{9D8B030D-6E8A-4147-A177-3AD203B41FA5}">
-                      <a16:colId xmlns:a16="http://schemas.microsoft.com/office/drawing/2014/main" val="4109762151"/>
+                      <a16:colId xmlns:a16="http://schemas.microsoft.com/office/drawing/2014/main" xmlns="" val="4109762151"/>
                     </a:ext>
                   </a:extLst>
                 </a:gridCol>
                 <a:gridCol w="520149">
                   <a:extLst>
                     <a:ext uri="{9D8B030D-6E8A-4147-A177-3AD203B41FA5}">
-                      <a16:colId xmlns:a16="http://schemas.microsoft.com/office/drawing/2014/main" val="2003688482"/>
+                      <a16:colId xmlns:a16="http://schemas.microsoft.com/office/drawing/2014/main" xmlns="" val="2003688482"/>
                     </a:ext>
                   </a:extLst>
                 </a:gridCol>
                 <a:gridCol w="513076">
                   <a:extLst>
                     <a:ext uri="{9D8B030D-6E8A-4147-A177-3AD203B41FA5}">
-                      <a16:colId xmlns:a16="http://schemas.microsoft.com/office/drawing/2014/main" val="3961368747"/>
+                      <a16:colId xmlns:a16="http://schemas.microsoft.com/office/drawing/2014/main" xmlns="" val="3961368747"/>
                     </a:ext>
                   </a:extLst>
                 </a:gridCol>
                 <a:gridCol w="1044384">
                   <a:extLst>
                     <a:ext uri="{9D8B030D-6E8A-4147-A177-3AD203B41FA5}">
-                      <a16:colId xmlns:a16="http://schemas.microsoft.com/office/drawing/2014/main" val="1959172409"/>
+                      <a16:colId xmlns:a16="http://schemas.microsoft.com/office/drawing/2014/main" xmlns="" val="1959172409"/>
                     </a:ext>
                   </a:extLst>
                 </a:gridCol>
                 <a:gridCol w="660856">
                   <a:extLst>
                     <a:ext uri="{9D8B030D-6E8A-4147-A177-3AD203B41FA5}">
-                      <a16:colId xmlns:a16="http://schemas.microsoft.com/office/drawing/2014/main" val="4223562706"/>
+                      <a16:colId xmlns:a16="http://schemas.microsoft.com/office/drawing/2014/main" xmlns="" val="4223562706"/>
                     </a:ext>
                   </a:extLst>
                 </a:gridCol>
@@ -4405,7 +4405,7 @@
                 </a:tc>
                 <a:extLst>
                   <a:ext uri="{0D108BD9-81ED-4DB2-BD59-A6C34878D82A}">
-                    <a16:rowId xmlns:a16="http://schemas.microsoft.com/office/drawing/2014/main" val="1915782648"/>
+                    <a16:rowId xmlns:a16="http://schemas.microsoft.com/office/drawing/2014/main" xmlns="" val="1915782648"/>
                   </a:ext>
                 </a:extLst>
               </a:tr>
@@ -5185,7 +5185,7 @@
                 </a:tc>
                 <a:extLst>
                   <a:ext uri="{0D108BD9-81ED-4DB2-BD59-A6C34878D82A}">
-                    <a16:rowId xmlns:a16="http://schemas.microsoft.com/office/drawing/2014/main" val="3142838666"/>
+                    <a16:rowId xmlns:a16="http://schemas.microsoft.com/office/drawing/2014/main" xmlns="" val="3142838666"/>
                   </a:ext>
                 </a:extLst>
               </a:tr>
@@ -5965,7 +5965,7 @@
                 </a:tc>
                 <a:extLst>
                   <a:ext uri="{0D108BD9-81ED-4DB2-BD59-A6C34878D82A}">
-                    <a16:rowId xmlns:a16="http://schemas.microsoft.com/office/drawing/2014/main" val="1441534338"/>
+                    <a16:rowId xmlns:a16="http://schemas.microsoft.com/office/drawing/2014/main" xmlns="" val="1441534338"/>
                   </a:ext>
                 </a:extLst>
               </a:tr>
@@ -6745,7 +6745,7 @@
                 </a:tc>
                 <a:extLst>
                   <a:ext uri="{0D108BD9-81ED-4DB2-BD59-A6C34878D82A}">
-                    <a16:rowId xmlns:a16="http://schemas.microsoft.com/office/drawing/2014/main" val="22170610"/>
+                    <a16:rowId xmlns:a16="http://schemas.microsoft.com/office/drawing/2014/main" xmlns="" val="22170610"/>
                   </a:ext>
                 </a:extLst>
               </a:tr>
@@ -7525,7 +7525,7 @@
                 </a:tc>
                 <a:extLst>
                   <a:ext uri="{0D108BD9-81ED-4DB2-BD59-A6C34878D82A}">
-                    <a16:rowId xmlns:a16="http://schemas.microsoft.com/office/drawing/2014/main" val="3965066583"/>
+                    <a16:rowId xmlns:a16="http://schemas.microsoft.com/office/drawing/2014/main" xmlns="" val="3965066583"/>
                   </a:ext>
                 </a:extLst>
               </a:tr>
@@ -8305,7 +8305,7 @@
                 </a:tc>
                 <a:extLst>
                   <a:ext uri="{0D108BD9-81ED-4DB2-BD59-A6C34878D82A}">
-                    <a16:rowId xmlns:a16="http://schemas.microsoft.com/office/drawing/2014/main" val="3133379929"/>
+                    <a16:rowId xmlns:a16="http://schemas.microsoft.com/office/drawing/2014/main" xmlns="" val="3133379929"/>
                   </a:ext>
                 </a:extLst>
               </a:tr>
@@ -8941,7 +8941,7 @@
                         </a:spcAft>
                       </a:pPr>
                       <a:r>
-                        <a:rPr lang="ko-KR" altLang="en-US" sz="1000" b="1" kern="0" spc="0">
+                        <a:rPr lang="ko-KR" altLang="en-US" sz="1000" b="1" kern="0" spc="0" dirty="0">
                           <a:solidFill>
                             <a:schemeClr val="bg1">
                               <a:lumMod val="75000"/>
@@ -9085,7 +9085,7 @@
                 </a:tc>
                 <a:extLst>
                   <a:ext uri="{0D108BD9-81ED-4DB2-BD59-A6C34878D82A}">
-                    <a16:rowId xmlns:a16="http://schemas.microsoft.com/office/drawing/2014/main" val="3767571966"/>
+                    <a16:rowId xmlns:a16="http://schemas.microsoft.com/office/drawing/2014/main" xmlns="" val="3767571966"/>
                   </a:ext>
                 </a:extLst>
               </a:tr>
@@ -9865,7 +9865,7 @@
                 </a:tc>
                 <a:extLst>
                   <a:ext uri="{0D108BD9-81ED-4DB2-BD59-A6C34878D82A}">
-                    <a16:rowId xmlns:a16="http://schemas.microsoft.com/office/drawing/2014/main" val="3402339324"/>
+                    <a16:rowId xmlns:a16="http://schemas.microsoft.com/office/drawing/2014/main" xmlns="" val="3402339324"/>
                   </a:ext>
                 </a:extLst>
               </a:tr>
@@ -10656,7 +10656,7 @@
                 </a:tc>
                 <a:extLst>
                   <a:ext uri="{0D108BD9-81ED-4DB2-BD59-A6C34878D82A}">
-                    <a16:rowId xmlns:a16="http://schemas.microsoft.com/office/drawing/2014/main" val="1909014694"/>
+                    <a16:rowId xmlns:a16="http://schemas.microsoft.com/office/drawing/2014/main" xmlns="" val="1909014694"/>
                   </a:ext>
                 </a:extLst>
               </a:tr>
@@ -11436,7 +11436,7 @@
                 </a:tc>
                 <a:extLst>
                   <a:ext uri="{0D108BD9-81ED-4DB2-BD59-A6C34878D82A}">
-                    <a16:rowId xmlns:a16="http://schemas.microsoft.com/office/drawing/2014/main" val="2621453899"/>
+                    <a16:rowId xmlns:a16="http://schemas.microsoft.com/office/drawing/2014/main" xmlns="" val="2621453899"/>
                   </a:ext>
                 </a:extLst>
               </a:tr>
@@ -12216,7 +12216,7 @@
                 </a:tc>
                 <a:extLst>
                   <a:ext uri="{0D108BD9-81ED-4DB2-BD59-A6C34878D82A}">
-                    <a16:rowId xmlns:a16="http://schemas.microsoft.com/office/drawing/2014/main" val="1727322252"/>
+                    <a16:rowId xmlns:a16="http://schemas.microsoft.com/office/drawing/2014/main" xmlns="" val="1727322252"/>
                   </a:ext>
                 </a:extLst>
               </a:tr>
@@ -12996,7 +12996,7 @@
                 </a:tc>
                 <a:extLst>
                   <a:ext uri="{0D108BD9-81ED-4DB2-BD59-A6C34878D82A}">
-                    <a16:rowId xmlns:a16="http://schemas.microsoft.com/office/drawing/2014/main" val="1466450458"/>
+                    <a16:rowId xmlns:a16="http://schemas.microsoft.com/office/drawing/2014/main" xmlns="" val="1466450458"/>
                   </a:ext>
                 </a:extLst>
               </a:tr>
@@ -13775,7 +13775,7 @@
                 </a:tc>
                 <a:extLst>
                   <a:ext uri="{0D108BD9-81ED-4DB2-BD59-A6C34878D82A}">
-                    <a16:rowId xmlns:a16="http://schemas.microsoft.com/office/drawing/2014/main" val="1758572221"/>
+                    <a16:rowId xmlns:a16="http://schemas.microsoft.com/office/drawing/2014/main" xmlns="" val="1758572221"/>
                   </a:ext>
                 </a:extLst>
               </a:tr>
@@ -14554,7 +14554,7 @@
                 </a:tc>
                 <a:extLst>
                   <a:ext uri="{0D108BD9-81ED-4DB2-BD59-A6C34878D82A}">
-                    <a16:rowId xmlns:a16="http://schemas.microsoft.com/office/drawing/2014/main" val="591793903"/>
+                    <a16:rowId xmlns:a16="http://schemas.microsoft.com/office/drawing/2014/main" xmlns="" val="591793903"/>
                   </a:ext>
                 </a:extLst>
               </a:tr>
@@ -15333,7 +15333,7 @@
                 </a:tc>
                 <a:extLst>
                   <a:ext uri="{0D108BD9-81ED-4DB2-BD59-A6C34878D82A}">
-                    <a16:rowId xmlns:a16="http://schemas.microsoft.com/office/drawing/2014/main" val="2167617470"/>
+                    <a16:rowId xmlns:a16="http://schemas.microsoft.com/office/drawing/2014/main" xmlns="" val="2167617470"/>
                   </a:ext>
                 </a:extLst>
               </a:tr>
@@ -16060,7 +16060,7 @@
                 </a:tc>
                 <a:extLst>
                   <a:ext uri="{0D108BD9-81ED-4DB2-BD59-A6C34878D82A}">
-                    <a16:rowId xmlns:a16="http://schemas.microsoft.com/office/drawing/2014/main" val="2045471854"/>
+                    <a16:rowId xmlns:a16="http://schemas.microsoft.com/office/drawing/2014/main" xmlns="" val="2045471854"/>
                   </a:ext>
                 </a:extLst>
               </a:tr>
@@ -16809,7 +16809,7 @@
                 </a:tc>
                 <a:extLst>
                   <a:ext uri="{0D108BD9-81ED-4DB2-BD59-A6C34878D82A}">
-                    <a16:rowId xmlns:a16="http://schemas.microsoft.com/office/drawing/2014/main" val="1396846476"/>
+                    <a16:rowId xmlns:a16="http://schemas.microsoft.com/office/drawing/2014/main" xmlns="" val="1396846476"/>
                   </a:ext>
                 </a:extLst>
               </a:tr>
@@ -17553,7 +17553,7 @@
                 </a:tc>
                 <a:extLst>
                   <a:ext uri="{0D108BD9-81ED-4DB2-BD59-A6C34878D82A}">
-                    <a16:rowId xmlns:a16="http://schemas.microsoft.com/office/drawing/2014/main" val="10017"/>
+                    <a16:rowId xmlns:a16="http://schemas.microsoft.com/office/drawing/2014/main" xmlns="" val="10017"/>
                   </a:ext>
                 </a:extLst>
               </a:tr>
@@ -18302,7 +18302,7 @@
                 </a:tc>
                 <a:extLst>
                   <a:ext uri="{0D108BD9-81ED-4DB2-BD59-A6C34878D82A}">
-                    <a16:rowId xmlns:a16="http://schemas.microsoft.com/office/drawing/2014/main" val="10018"/>
+                    <a16:rowId xmlns:a16="http://schemas.microsoft.com/office/drawing/2014/main" xmlns="" val="10018"/>
                   </a:ext>
                 </a:extLst>
               </a:tr>
@@ -19051,9 +19051,3180 @@
                 </a:tc>
                 <a:extLst>
                   <a:ext uri="{0D108BD9-81ED-4DB2-BD59-A6C34878D82A}">
-                    <a16:rowId xmlns:a16="http://schemas.microsoft.com/office/drawing/2014/main" val="3062113762"/>
+                    <a16:rowId xmlns:a16="http://schemas.microsoft.com/office/drawing/2014/main" xmlns="" val="3062113762"/>
                   </a:ext>
                 </a:extLst>
+              </a:tr>
+              <a:tr h="288000">
+                <a:tc>
+                  <a:txBody>
+                    <a:bodyPr/>
+                    <a:lstStyle/>
+                    <a:p>
+                      <a:pPr marL="0" marR="0" indent="0" algn="ctr" fontAlgn="base" latinLnBrk="0">
+                        <a:lnSpc>
+                          <a:spcPct val="100000"/>
+                        </a:lnSpc>
+                        <a:spcBef>
+                          <a:spcPts val="0"/>
+                        </a:spcBef>
+                        <a:spcAft>
+                          <a:spcPts val="0"/>
+                        </a:spcAft>
+                      </a:pPr>
+                      <a:r>
+                        <a:rPr lang="en-US" sz="1050" b="1" kern="0" spc="0" dirty="0" smtClean="0">
+                          <a:solidFill>
+                            <a:schemeClr val="bg1">
+                              <a:lumMod val="75000"/>
+                            </a:schemeClr>
+                          </a:solidFill>
+                          <a:effectLst/>
+                          <a:latin typeface="나눔바른고딕" panose="020B0603020101020101" pitchFamily="50" charset="-127"/>
+                          <a:ea typeface="나눔바른고딕" panose="020B0603020101020101" pitchFamily="50" charset="-127"/>
+                          <a:cs typeface="+mn-cs"/>
+                        </a:rPr>
+                        <a:t>20</a:t>
+                      </a:r>
+                      <a:endParaRPr lang="en-US" sz="1050" b="1" kern="0" spc="0" dirty="0">
+                        <a:solidFill>
+                          <a:schemeClr val="bg1">
+                            <a:lumMod val="75000"/>
+                          </a:schemeClr>
+                        </a:solidFill>
+                        <a:effectLst/>
+                        <a:latin typeface="나눔바른고딕" panose="020B0603020101020101" pitchFamily="50" charset="-127"/>
+                        <a:ea typeface="나눔바른고딕" panose="020B0603020101020101" pitchFamily="50" charset="-127"/>
+                        <a:cs typeface="+mn-cs"/>
+                      </a:endParaRPr>
+                    </a:p>
+                  </a:txBody>
+                  <a:tcPr marL="36000" marR="36000" marT="15709" marB="15709" anchor="ctr">
+                    <a:lnL w="12700" cap="flat" cmpd="sng" algn="ctr">
+                      <a:solidFill>
+                        <a:schemeClr val="bg1">
+                          <a:lumMod val="50000"/>
+                        </a:schemeClr>
+                      </a:solidFill>
+                      <a:prstDash val="solid"/>
+                      <a:round/>
+                      <a:headEnd type="none" w="med" len="med"/>
+                      <a:tailEnd type="none" w="med" len="med"/>
+                    </a:lnL>
+                    <a:lnR w="12700" cap="flat" cmpd="sng" algn="ctr">
+                      <a:solidFill>
+                        <a:schemeClr val="bg1">
+                          <a:lumMod val="50000"/>
+                        </a:schemeClr>
+                      </a:solidFill>
+                      <a:prstDash val="solid"/>
+                      <a:round/>
+                      <a:headEnd type="none" w="med" len="med"/>
+                      <a:tailEnd type="none" w="med" len="med"/>
+                    </a:lnR>
+                    <a:lnT w="12700" cap="flat" cmpd="sng" algn="ctr">
+                      <a:solidFill>
+                        <a:schemeClr val="bg1">
+                          <a:lumMod val="50000"/>
+                        </a:schemeClr>
+                      </a:solidFill>
+                      <a:prstDash val="solid"/>
+                      <a:round/>
+                      <a:headEnd type="none" w="med" len="med"/>
+                      <a:tailEnd type="none" w="med" len="med"/>
+                    </a:lnT>
+                    <a:lnB w="12700" cap="flat" cmpd="sng" algn="ctr">
+                      <a:solidFill>
+                        <a:schemeClr val="bg1">
+                          <a:lumMod val="50000"/>
+                        </a:schemeClr>
+                      </a:solidFill>
+                      <a:prstDash val="solid"/>
+                      <a:round/>
+                      <a:headEnd type="none" w="med" len="med"/>
+                      <a:tailEnd type="none" w="med" len="med"/>
+                    </a:lnB>
+                    <a:noFill/>
+                  </a:tcPr>
+                </a:tc>
+                <a:tc>
+                  <a:txBody>
+                    <a:bodyPr/>
+                    <a:lstStyle/>
+                    <a:p>
+                      <a:pPr marL="0" marR="0" indent="0" algn="ctr" fontAlgn="base" latinLnBrk="0">
+                        <a:lnSpc>
+                          <a:spcPct val="100000"/>
+                        </a:lnSpc>
+                        <a:spcBef>
+                          <a:spcPts val="0"/>
+                        </a:spcBef>
+                        <a:spcAft>
+                          <a:spcPts val="0"/>
+                        </a:spcAft>
+                      </a:pPr>
+                      <a:r>
+                        <a:rPr lang="ko-KR" altLang="en-US" sz="1050" b="1" kern="0" spc="0" dirty="0" smtClean="0">
+                          <a:solidFill>
+                            <a:schemeClr val="bg1">
+                              <a:lumMod val="75000"/>
+                            </a:schemeClr>
+                          </a:solidFill>
+                          <a:effectLst/>
+                          <a:latin typeface="나눔바른고딕" panose="020B0603020101020101" pitchFamily="50" charset="-127"/>
+                          <a:ea typeface="나눔바른고딕" panose="020B0603020101020101" pitchFamily="50" charset="-127"/>
+                          <a:cs typeface="+mn-cs"/>
+                        </a:rPr>
+                        <a:t>여</a:t>
+                      </a:r>
+                      <a:endParaRPr lang="ko-KR" altLang="en-US" sz="1050" b="1" kern="0" spc="0" dirty="0">
+                        <a:solidFill>
+                          <a:schemeClr val="bg1">
+                            <a:lumMod val="75000"/>
+                          </a:schemeClr>
+                        </a:solidFill>
+                        <a:effectLst/>
+                        <a:latin typeface="나눔바른고딕" panose="020B0603020101020101" pitchFamily="50" charset="-127"/>
+                        <a:ea typeface="나눔바른고딕" panose="020B0603020101020101" pitchFamily="50" charset="-127"/>
+                        <a:cs typeface="+mn-cs"/>
+                      </a:endParaRPr>
+                    </a:p>
+                  </a:txBody>
+                  <a:tcPr marL="36000" marR="36000" marT="15709" marB="15709" anchor="ctr">
+                    <a:lnL w="12700" cap="flat" cmpd="sng" algn="ctr">
+                      <a:solidFill>
+                        <a:schemeClr val="bg1">
+                          <a:lumMod val="50000"/>
+                        </a:schemeClr>
+                      </a:solidFill>
+                      <a:prstDash val="solid"/>
+                      <a:round/>
+                      <a:headEnd type="none" w="med" len="med"/>
+                      <a:tailEnd type="none" w="med" len="med"/>
+                    </a:lnL>
+                    <a:lnR w="12700" cap="flat" cmpd="sng" algn="ctr">
+                      <a:solidFill>
+                        <a:schemeClr val="bg1">
+                          <a:lumMod val="50000"/>
+                        </a:schemeClr>
+                      </a:solidFill>
+                      <a:prstDash val="solid"/>
+                      <a:round/>
+                      <a:headEnd type="none" w="med" len="med"/>
+                      <a:tailEnd type="none" w="med" len="med"/>
+                    </a:lnR>
+                    <a:lnT w="12700" cap="flat" cmpd="sng" algn="ctr">
+                      <a:solidFill>
+                        <a:schemeClr val="bg1">
+                          <a:lumMod val="50000"/>
+                        </a:schemeClr>
+                      </a:solidFill>
+                      <a:prstDash val="solid"/>
+                      <a:round/>
+                      <a:headEnd type="none" w="med" len="med"/>
+                      <a:tailEnd type="none" w="med" len="med"/>
+                    </a:lnT>
+                    <a:lnB w="12700" cap="flat" cmpd="sng" algn="ctr">
+                      <a:solidFill>
+                        <a:schemeClr val="bg1">
+                          <a:lumMod val="50000"/>
+                        </a:schemeClr>
+                      </a:solidFill>
+                      <a:prstDash val="solid"/>
+                      <a:round/>
+                      <a:headEnd type="none" w="med" len="med"/>
+                      <a:tailEnd type="none" w="med" len="med"/>
+                    </a:lnB>
+                    <a:noFill/>
+                  </a:tcPr>
+                </a:tc>
+                <a:tc>
+                  <a:txBody>
+                    <a:bodyPr/>
+                    <a:lstStyle/>
+                    <a:p>
+                      <a:pPr marL="0" marR="0" indent="0" algn="ctr" fontAlgn="base" latinLnBrk="0">
+                        <a:lnSpc>
+                          <a:spcPct val="100000"/>
+                        </a:lnSpc>
+                        <a:spcBef>
+                          <a:spcPts val="0"/>
+                        </a:spcBef>
+                        <a:spcAft>
+                          <a:spcPts val="0"/>
+                        </a:spcAft>
+                      </a:pPr>
+                      <a:r>
+                        <a:rPr lang="en-US" sz="1050" b="1" kern="0" spc="0" dirty="0" smtClean="0">
+                          <a:solidFill>
+                            <a:schemeClr val="bg1">
+                              <a:lumMod val="75000"/>
+                            </a:schemeClr>
+                          </a:solidFill>
+                          <a:effectLst/>
+                          <a:latin typeface="나눔바른고딕" panose="020B0603020101020101" pitchFamily="50" charset="-127"/>
+                          <a:ea typeface="나눔바른고딕" panose="020B0603020101020101" pitchFamily="50" charset="-127"/>
+                          <a:cs typeface="+mn-cs"/>
+                        </a:rPr>
+                        <a:t>41</a:t>
+                      </a:r>
+                      <a:endParaRPr lang="en-US" sz="1050" b="1" kern="0" spc="0" dirty="0">
+                        <a:solidFill>
+                          <a:schemeClr val="bg1">
+                            <a:lumMod val="75000"/>
+                          </a:schemeClr>
+                        </a:solidFill>
+                        <a:effectLst/>
+                        <a:latin typeface="나눔바른고딕" panose="020B0603020101020101" pitchFamily="50" charset="-127"/>
+                        <a:ea typeface="나눔바른고딕" panose="020B0603020101020101" pitchFamily="50" charset="-127"/>
+                        <a:cs typeface="+mn-cs"/>
+                      </a:endParaRPr>
+                    </a:p>
+                  </a:txBody>
+                  <a:tcPr marL="36000" marR="36000" marT="15709" marB="15709" anchor="ctr">
+                    <a:lnL w="12700" cap="flat" cmpd="sng" algn="ctr">
+                      <a:solidFill>
+                        <a:schemeClr val="bg1">
+                          <a:lumMod val="50000"/>
+                        </a:schemeClr>
+                      </a:solidFill>
+                      <a:prstDash val="solid"/>
+                      <a:round/>
+                      <a:headEnd type="none" w="med" len="med"/>
+                      <a:tailEnd type="none" w="med" len="med"/>
+                    </a:lnL>
+                    <a:lnR w="12700" cap="flat" cmpd="sng" algn="ctr">
+                      <a:solidFill>
+                        <a:schemeClr val="bg1">
+                          <a:lumMod val="50000"/>
+                        </a:schemeClr>
+                      </a:solidFill>
+                      <a:prstDash val="solid"/>
+                      <a:round/>
+                      <a:headEnd type="none" w="med" len="med"/>
+                      <a:tailEnd type="none" w="med" len="med"/>
+                    </a:lnR>
+                    <a:lnT w="12700" cap="flat" cmpd="sng" algn="ctr">
+                      <a:solidFill>
+                        <a:schemeClr val="bg1">
+                          <a:lumMod val="50000"/>
+                        </a:schemeClr>
+                      </a:solidFill>
+                      <a:prstDash val="solid"/>
+                      <a:round/>
+                      <a:headEnd type="none" w="med" len="med"/>
+                      <a:tailEnd type="none" w="med" len="med"/>
+                    </a:lnT>
+                    <a:lnB w="12700" cap="flat" cmpd="sng" algn="ctr">
+                      <a:solidFill>
+                        <a:schemeClr val="bg1">
+                          <a:lumMod val="50000"/>
+                        </a:schemeClr>
+                      </a:solidFill>
+                      <a:prstDash val="solid"/>
+                      <a:round/>
+                      <a:headEnd type="none" w="med" len="med"/>
+                      <a:tailEnd type="none" w="med" len="med"/>
+                    </a:lnB>
+                    <a:noFill/>
+                  </a:tcPr>
+                </a:tc>
+                <a:tc>
+                  <a:txBody>
+                    <a:bodyPr/>
+                    <a:lstStyle/>
+                    <a:p>
+                      <a:pPr marL="0" marR="0" indent="0" algn="ctr" fontAlgn="base" latinLnBrk="0">
+                        <a:lnSpc>
+                          <a:spcPct val="100000"/>
+                        </a:lnSpc>
+                        <a:spcBef>
+                          <a:spcPts val="0"/>
+                        </a:spcBef>
+                        <a:spcAft>
+                          <a:spcPts val="0"/>
+                        </a:spcAft>
+                      </a:pPr>
+                      <a:r>
+                        <a:rPr lang="ko-KR" altLang="en-US" sz="1050" b="1" kern="0" spc="0" dirty="0" smtClean="0">
+                          <a:solidFill>
+                            <a:schemeClr val="bg1">
+                              <a:lumMod val="75000"/>
+                            </a:schemeClr>
+                          </a:solidFill>
+                          <a:effectLst/>
+                          <a:latin typeface="나눔바른고딕" panose="020B0603020101020101" pitchFamily="50" charset="-127"/>
+                          <a:ea typeface="나눔바른고딕" panose="020B0603020101020101" pitchFamily="50" charset="-127"/>
+                          <a:cs typeface="+mn-cs"/>
+                        </a:rPr>
+                        <a:t>한국</a:t>
+                      </a:r>
+                      <a:endParaRPr lang="ko-KR" altLang="en-US" sz="1050" b="1" kern="0" spc="0" dirty="0">
+                        <a:solidFill>
+                          <a:schemeClr val="bg1">
+                            <a:lumMod val="75000"/>
+                          </a:schemeClr>
+                        </a:solidFill>
+                        <a:effectLst/>
+                        <a:latin typeface="나눔바른고딕" panose="020B0603020101020101" pitchFamily="50" charset="-127"/>
+                        <a:ea typeface="나눔바른고딕" panose="020B0603020101020101" pitchFamily="50" charset="-127"/>
+                        <a:cs typeface="+mn-cs"/>
+                      </a:endParaRPr>
+                    </a:p>
+                  </a:txBody>
+                  <a:tcPr marL="36000" marR="36000" marT="15709" marB="15709" anchor="ctr">
+                    <a:lnL w="12700" cap="flat" cmpd="sng" algn="ctr">
+                      <a:solidFill>
+                        <a:schemeClr val="bg1">
+                          <a:lumMod val="50000"/>
+                        </a:schemeClr>
+                      </a:solidFill>
+                      <a:prstDash val="solid"/>
+                      <a:round/>
+                      <a:headEnd type="none" w="med" len="med"/>
+                      <a:tailEnd type="none" w="med" len="med"/>
+                    </a:lnL>
+                    <a:lnR w="12700" cap="flat" cmpd="sng" algn="ctr">
+                      <a:solidFill>
+                        <a:schemeClr val="bg1">
+                          <a:lumMod val="50000"/>
+                        </a:schemeClr>
+                      </a:solidFill>
+                      <a:prstDash val="solid"/>
+                      <a:round/>
+                      <a:headEnd type="none" w="med" len="med"/>
+                      <a:tailEnd type="none" w="med" len="med"/>
+                    </a:lnR>
+                    <a:lnT w="12700" cap="flat" cmpd="sng" algn="ctr">
+                      <a:solidFill>
+                        <a:schemeClr val="bg1">
+                          <a:lumMod val="50000"/>
+                        </a:schemeClr>
+                      </a:solidFill>
+                      <a:prstDash val="solid"/>
+                      <a:round/>
+                      <a:headEnd type="none" w="med" len="med"/>
+                      <a:tailEnd type="none" w="med" len="med"/>
+                    </a:lnT>
+                    <a:lnB w="12700" cap="flat" cmpd="sng" algn="ctr">
+                      <a:solidFill>
+                        <a:schemeClr val="bg1">
+                          <a:lumMod val="50000"/>
+                        </a:schemeClr>
+                      </a:solidFill>
+                      <a:prstDash val="solid"/>
+                      <a:round/>
+                      <a:headEnd type="none" w="med" len="med"/>
+                      <a:tailEnd type="none" w="med" len="med"/>
+                    </a:lnB>
+                    <a:noFill/>
+                  </a:tcPr>
+                </a:tc>
+                <a:tc>
+                  <a:txBody>
+                    <a:bodyPr/>
+                    <a:lstStyle/>
+                    <a:p>
+                      <a:pPr marL="0" marR="0" indent="0" algn="ctr" fontAlgn="base" latinLnBrk="0">
+                        <a:lnSpc>
+                          <a:spcPct val="100000"/>
+                        </a:lnSpc>
+                        <a:spcBef>
+                          <a:spcPts val="0"/>
+                        </a:spcBef>
+                        <a:spcAft>
+                          <a:spcPts val="0"/>
+                        </a:spcAft>
+                      </a:pPr>
+                      <a:endParaRPr lang="en-US" altLang="ko-KR" sz="1050" b="1" kern="0" spc="0" dirty="0">
+                        <a:solidFill>
+                          <a:schemeClr val="bg1">
+                            <a:lumMod val="75000"/>
+                          </a:schemeClr>
+                        </a:solidFill>
+                        <a:effectLst/>
+                        <a:latin typeface="나눔바른고딕" panose="020B0603020101020101" pitchFamily="50" charset="-127"/>
+                        <a:ea typeface="나눔바른고딕" panose="020B0603020101020101" pitchFamily="50" charset="-127"/>
+                        <a:cs typeface="+mn-cs"/>
+                      </a:endParaRPr>
+                    </a:p>
+                  </a:txBody>
+                  <a:tcPr marL="36000" marR="36000" marT="15709" marB="15709" anchor="ctr">
+                    <a:lnL w="12700" cap="flat" cmpd="sng" algn="ctr">
+                      <a:solidFill>
+                        <a:schemeClr val="bg1">
+                          <a:lumMod val="50000"/>
+                        </a:schemeClr>
+                      </a:solidFill>
+                      <a:prstDash val="solid"/>
+                      <a:round/>
+                      <a:headEnd type="none" w="med" len="med"/>
+                      <a:tailEnd type="none" w="med" len="med"/>
+                    </a:lnL>
+                    <a:lnR w="12700" cap="flat" cmpd="sng" algn="ctr">
+                      <a:solidFill>
+                        <a:schemeClr val="bg1">
+                          <a:lumMod val="50000"/>
+                        </a:schemeClr>
+                      </a:solidFill>
+                      <a:prstDash val="solid"/>
+                      <a:round/>
+                      <a:headEnd type="none" w="med" len="med"/>
+                      <a:tailEnd type="none" w="med" len="med"/>
+                    </a:lnR>
+                    <a:lnT w="12700" cap="flat" cmpd="sng" algn="ctr">
+                      <a:solidFill>
+                        <a:schemeClr val="bg1">
+                          <a:lumMod val="50000"/>
+                        </a:schemeClr>
+                      </a:solidFill>
+                      <a:prstDash val="solid"/>
+                      <a:round/>
+                      <a:headEnd type="none" w="med" len="med"/>
+                      <a:tailEnd type="none" w="med" len="med"/>
+                    </a:lnT>
+                    <a:lnB w="12700" cap="flat" cmpd="sng" algn="ctr">
+                      <a:solidFill>
+                        <a:schemeClr val="bg1">
+                          <a:lumMod val="50000"/>
+                        </a:schemeClr>
+                      </a:solidFill>
+                      <a:prstDash val="solid"/>
+                      <a:round/>
+                      <a:headEnd type="none" w="med" len="med"/>
+                      <a:tailEnd type="none" w="med" len="med"/>
+                    </a:lnB>
+                    <a:noFill/>
+                  </a:tcPr>
+                </a:tc>
+                <a:tc>
+                  <a:txBody>
+                    <a:bodyPr/>
+                    <a:lstStyle/>
+                    <a:p>
+                      <a:pPr marL="0" marR="0" indent="0" algn="ctr" fontAlgn="base" latinLnBrk="0">
+                        <a:lnSpc>
+                          <a:spcPct val="100000"/>
+                        </a:lnSpc>
+                        <a:spcBef>
+                          <a:spcPts val="0"/>
+                        </a:spcBef>
+                        <a:spcAft>
+                          <a:spcPts val="0"/>
+                        </a:spcAft>
+                      </a:pPr>
+                      <a:endParaRPr lang="en-US" sz="1050" b="1" kern="0" spc="0" dirty="0">
+                        <a:solidFill>
+                          <a:schemeClr val="bg1">
+                            <a:lumMod val="75000"/>
+                          </a:schemeClr>
+                        </a:solidFill>
+                        <a:effectLst/>
+                        <a:latin typeface="나눔바른고딕" panose="020B0603020101020101" pitchFamily="50" charset="-127"/>
+                        <a:ea typeface="나눔바른고딕" panose="020B0603020101020101" pitchFamily="50" charset="-127"/>
+                        <a:cs typeface="+mn-cs"/>
+                      </a:endParaRPr>
+                    </a:p>
+                  </a:txBody>
+                  <a:tcPr marL="36000" marR="36000" marT="15709" marB="15709" anchor="ctr">
+                    <a:lnL w="12700" cap="flat" cmpd="sng" algn="ctr">
+                      <a:solidFill>
+                        <a:schemeClr val="bg1">
+                          <a:lumMod val="50000"/>
+                        </a:schemeClr>
+                      </a:solidFill>
+                      <a:prstDash val="solid"/>
+                      <a:round/>
+                      <a:headEnd type="none" w="med" len="med"/>
+                      <a:tailEnd type="none" w="med" len="med"/>
+                    </a:lnL>
+                    <a:lnR w="12700" cap="flat" cmpd="sng" algn="ctr">
+                      <a:solidFill>
+                        <a:schemeClr val="bg1">
+                          <a:lumMod val="50000"/>
+                        </a:schemeClr>
+                      </a:solidFill>
+                      <a:prstDash val="solid"/>
+                      <a:round/>
+                      <a:headEnd type="none" w="med" len="med"/>
+                      <a:tailEnd type="none" w="med" len="med"/>
+                    </a:lnR>
+                    <a:lnT w="12700" cap="flat" cmpd="sng" algn="ctr">
+                      <a:solidFill>
+                        <a:schemeClr val="bg1">
+                          <a:lumMod val="50000"/>
+                        </a:schemeClr>
+                      </a:solidFill>
+                      <a:prstDash val="solid"/>
+                      <a:round/>
+                      <a:headEnd type="none" w="med" len="med"/>
+                      <a:tailEnd type="none" w="med" len="med"/>
+                    </a:lnT>
+                    <a:lnB w="12700" cap="flat" cmpd="sng" algn="ctr">
+                      <a:solidFill>
+                        <a:schemeClr val="bg1">
+                          <a:lumMod val="50000"/>
+                        </a:schemeClr>
+                      </a:solidFill>
+                      <a:prstDash val="solid"/>
+                      <a:round/>
+                      <a:headEnd type="none" w="med" len="med"/>
+                      <a:tailEnd type="none" w="med" len="med"/>
+                    </a:lnB>
+                    <a:noFill/>
+                  </a:tcPr>
+                </a:tc>
+                <a:tc>
+                  <a:txBody>
+                    <a:bodyPr/>
+                    <a:lstStyle/>
+                    <a:p>
+                      <a:pPr marL="0" marR="0" indent="0" algn="ctr" fontAlgn="base" latinLnBrk="0">
+                        <a:lnSpc>
+                          <a:spcPct val="100000"/>
+                        </a:lnSpc>
+                        <a:spcBef>
+                          <a:spcPts val="0"/>
+                        </a:spcBef>
+                        <a:spcAft>
+                          <a:spcPts val="0"/>
+                        </a:spcAft>
+                      </a:pPr>
+                      <a:r>
+                        <a:rPr lang="en-US" sz="1050" b="1" kern="0" spc="0" dirty="0" smtClean="0">
+                          <a:solidFill>
+                            <a:schemeClr val="bg1">
+                              <a:lumMod val="75000"/>
+                            </a:schemeClr>
+                          </a:solidFill>
+                          <a:effectLst/>
+                          <a:latin typeface="나눔바른고딕" panose="020B0603020101020101" pitchFamily="50" charset="-127"/>
+                          <a:ea typeface="나눔바른고딕" panose="020B0603020101020101" pitchFamily="50" charset="-127"/>
+                          <a:cs typeface="+mn-cs"/>
+                        </a:rPr>
+                        <a:t>2.5</a:t>
+                      </a:r>
+                      <a:endParaRPr lang="en-US" sz="1050" b="1" kern="0" spc="0" dirty="0">
+                        <a:solidFill>
+                          <a:schemeClr val="bg1">
+                            <a:lumMod val="75000"/>
+                          </a:schemeClr>
+                        </a:solidFill>
+                        <a:effectLst/>
+                        <a:latin typeface="나눔바른고딕" panose="020B0603020101020101" pitchFamily="50" charset="-127"/>
+                        <a:ea typeface="나눔바른고딕" panose="020B0603020101020101" pitchFamily="50" charset="-127"/>
+                        <a:cs typeface="+mn-cs"/>
+                      </a:endParaRPr>
+                    </a:p>
+                  </a:txBody>
+                  <a:tcPr marL="36000" marR="36000" marT="15709" marB="15709" anchor="ctr">
+                    <a:lnL w="12700" cap="flat" cmpd="sng" algn="ctr">
+                      <a:solidFill>
+                        <a:schemeClr val="bg1">
+                          <a:lumMod val="50000"/>
+                        </a:schemeClr>
+                      </a:solidFill>
+                      <a:prstDash val="solid"/>
+                      <a:round/>
+                      <a:headEnd type="none" w="med" len="med"/>
+                      <a:tailEnd type="none" w="med" len="med"/>
+                    </a:lnL>
+                    <a:lnR w="12700" cap="flat" cmpd="sng" algn="ctr">
+                      <a:solidFill>
+                        <a:schemeClr val="bg1">
+                          <a:lumMod val="50000"/>
+                        </a:schemeClr>
+                      </a:solidFill>
+                      <a:prstDash val="solid"/>
+                      <a:round/>
+                      <a:headEnd type="none" w="med" len="med"/>
+                      <a:tailEnd type="none" w="med" len="med"/>
+                    </a:lnR>
+                    <a:lnT w="12700" cap="flat" cmpd="sng" algn="ctr">
+                      <a:solidFill>
+                        <a:schemeClr val="bg1">
+                          <a:lumMod val="50000"/>
+                        </a:schemeClr>
+                      </a:solidFill>
+                      <a:prstDash val="solid"/>
+                      <a:round/>
+                      <a:headEnd type="none" w="med" len="med"/>
+                      <a:tailEnd type="none" w="med" len="med"/>
+                    </a:lnT>
+                    <a:lnB w="12700" cap="flat" cmpd="sng" algn="ctr">
+                      <a:solidFill>
+                        <a:schemeClr val="bg1">
+                          <a:lumMod val="50000"/>
+                        </a:schemeClr>
+                      </a:solidFill>
+                      <a:prstDash val="solid"/>
+                      <a:round/>
+                      <a:headEnd type="none" w="med" len="med"/>
+                      <a:tailEnd type="none" w="med" len="med"/>
+                    </a:lnB>
+                    <a:noFill/>
+                  </a:tcPr>
+                </a:tc>
+                <a:tc>
+                  <a:txBody>
+                    <a:bodyPr/>
+                    <a:lstStyle/>
+                    <a:p>
+                      <a:pPr marL="0" marR="0" indent="0" algn="ctr" fontAlgn="base" latinLnBrk="0">
+                        <a:lnSpc>
+                          <a:spcPct val="100000"/>
+                        </a:lnSpc>
+                        <a:spcBef>
+                          <a:spcPts val="0"/>
+                        </a:spcBef>
+                        <a:spcAft>
+                          <a:spcPts val="0"/>
+                        </a:spcAft>
+                      </a:pPr>
+                      <a:r>
+                        <a:rPr lang="ko-KR" altLang="en-US" sz="1000" b="1" kern="0" spc="0" dirty="0" smtClean="0">
+                          <a:solidFill>
+                            <a:schemeClr val="bg1">
+                              <a:lumMod val="75000"/>
+                            </a:schemeClr>
+                          </a:solidFill>
+                          <a:effectLst/>
+                          <a:latin typeface="나눔바른고딕" panose="020B0603020101020101" pitchFamily="50" charset="-127"/>
+                          <a:ea typeface="나눔바른고딕" panose="020B0603020101020101" pitchFamily="50" charset="-127"/>
+                          <a:cs typeface="+mn-cs"/>
+                        </a:rPr>
+                        <a:t>국군수도병원</a:t>
+                      </a:r>
+                      <a:endParaRPr lang="ko-KR" altLang="en-US" sz="1000" b="1" kern="0" spc="0" dirty="0">
+                        <a:solidFill>
+                          <a:schemeClr val="bg1">
+                            <a:lumMod val="75000"/>
+                          </a:schemeClr>
+                        </a:solidFill>
+                        <a:effectLst/>
+                        <a:latin typeface="나눔바른고딕" panose="020B0603020101020101" pitchFamily="50" charset="-127"/>
+                        <a:ea typeface="나눔바른고딕" panose="020B0603020101020101" pitchFamily="50" charset="-127"/>
+                        <a:cs typeface="+mn-cs"/>
+                      </a:endParaRPr>
+                    </a:p>
+                  </a:txBody>
+                  <a:tcPr marL="36000" marR="36000" marT="15709" marB="15709" anchor="ctr">
+                    <a:lnL w="12700" cap="flat" cmpd="sng" algn="ctr">
+                      <a:solidFill>
+                        <a:schemeClr val="bg1">
+                          <a:lumMod val="50000"/>
+                        </a:schemeClr>
+                      </a:solidFill>
+                      <a:prstDash val="solid"/>
+                      <a:round/>
+                      <a:headEnd type="none" w="med" len="med"/>
+                      <a:tailEnd type="none" w="med" len="med"/>
+                    </a:lnL>
+                    <a:lnR w="12700" cap="flat" cmpd="sng" algn="ctr">
+                      <a:solidFill>
+                        <a:schemeClr val="bg1">
+                          <a:lumMod val="50000"/>
+                        </a:schemeClr>
+                      </a:solidFill>
+                      <a:prstDash val="solid"/>
+                      <a:round/>
+                      <a:headEnd type="none" w="med" len="med"/>
+                      <a:tailEnd type="none" w="med" len="med"/>
+                    </a:lnR>
+                    <a:lnT w="12700" cap="flat" cmpd="sng" algn="ctr">
+                      <a:solidFill>
+                        <a:schemeClr val="bg1">
+                          <a:lumMod val="50000"/>
+                        </a:schemeClr>
+                      </a:solidFill>
+                      <a:prstDash val="solid"/>
+                      <a:round/>
+                      <a:headEnd type="none" w="med" len="med"/>
+                      <a:tailEnd type="none" w="med" len="med"/>
+                    </a:lnT>
+                    <a:lnB w="12700" cap="flat" cmpd="sng" algn="ctr">
+                      <a:solidFill>
+                        <a:schemeClr val="bg1">
+                          <a:lumMod val="50000"/>
+                        </a:schemeClr>
+                      </a:solidFill>
+                      <a:prstDash val="solid"/>
+                      <a:round/>
+                      <a:headEnd type="none" w="med" len="med"/>
+                      <a:tailEnd type="none" w="med" len="med"/>
+                    </a:lnB>
+                    <a:noFill/>
+                  </a:tcPr>
+                </a:tc>
+                <a:tc>
+                  <a:txBody>
+                    <a:bodyPr/>
+                    <a:lstStyle/>
+                    <a:p>
+                      <a:pPr marL="0" marR="0" indent="0" algn="ctr" fontAlgn="base" latinLnBrk="0">
+                        <a:lnSpc>
+                          <a:spcPct val="100000"/>
+                        </a:lnSpc>
+                        <a:spcBef>
+                          <a:spcPts val="0"/>
+                        </a:spcBef>
+                        <a:spcAft>
+                          <a:spcPts val="0"/>
+                        </a:spcAft>
+                      </a:pPr>
+                      <a:r>
+                        <a:rPr lang="ko-KR" altLang="en-US" sz="1050" b="1" kern="0" spc="0" dirty="0" err="1" smtClean="0">
+                          <a:solidFill>
+                            <a:schemeClr val="bg1">
+                              <a:lumMod val="75000"/>
+                            </a:schemeClr>
+                          </a:solidFill>
+                          <a:effectLst/>
+                          <a:latin typeface="나눔바른고딕" panose="020B0603020101020101" pitchFamily="50" charset="-127"/>
+                          <a:ea typeface="나눔바른고딕" panose="020B0603020101020101" pitchFamily="50" charset="-127"/>
+                          <a:cs typeface="+mn-cs"/>
+                        </a:rPr>
+                        <a:t>확인중</a:t>
+                      </a:r>
+                      <a:endParaRPr lang="ko-KR" altLang="en-US" sz="1050" b="1" kern="0" spc="0" dirty="0">
+                        <a:solidFill>
+                          <a:schemeClr val="bg1">
+                            <a:lumMod val="75000"/>
+                          </a:schemeClr>
+                        </a:solidFill>
+                        <a:effectLst/>
+                        <a:latin typeface="나눔바른고딕" panose="020B0603020101020101" pitchFamily="50" charset="-127"/>
+                        <a:ea typeface="나눔바른고딕" panose="020B0603020101020101" pitchFamily="50" charset="-127"/>
+                        <a:cs typeface="+mn-cs"/>
+                      </a:endParaRPr>
+                    </a:p>
+                  </a:txBody>
+                  <a:tcPr marL="36000" marR="36000" marT="15709" marB="15709" anchor="ctr">
+                    <a:lnL w="12700" cap="flat" cmpd="sng" algn="ctr">
+                      <a:solidFill>
+                        <a:schemeClr val="bg1">
+                          <a:lumMod val="50000"/>
+                        </a:schemeClr>
+                      </a:solidFill>
+                      <a:prstDash val="solid"/>
+                      <a:round/>
+                      <a:headEnd type="none" w="med" len="med"/>
+                      <a:tailEnd type="none" w="med" len="med"/>
+                    </a:lnL>
+                    <a:lnR w="12700" cap="flat" cmpd="sng" algn="ctr">
+                      <a:solidFill>
+                        <a:schemeClr val="bg1">
+                          <a:lumMod val="50000"/>
+                        </a:schemeClr>
+                      </a:solidFill>
+                      <a:prstDash val="solid"/>
+                      <a:round/>
+                      <a:headEnd type="none" w="med" len="med"/>
+                      <a:tailEnd type="none" w="med" len="med"/>
+                    </a:lnR>
+                    <a:lnT w="12700" cap="flat" cmpd="sng" algn="ctr">
+                      <a:solidFill>
+                        <a:schemeClr val="bg1">
+                          <a:lumMod val="50000"/>
+                        </a:schemeClr>
+                      </a:solidFill>
+                      <a:prstDash val="solid"/>
+                      <a:round/>
+                      <a:headEnd type="none" w="med" len="med"/>
+                      <a:tailEnd type="none" w="med" len="med"/>
+                    </a:lnT>
+                    <a:lnB w="12700" cap="flat" cmpd="sng" algn="ctr">
+                      <a:solidFill>
+                        <a:schemeClr val="bg1">
+                          <a:lumMod val="50000"/>
+                        </a:schemeClr>
+                      </a:solidFill>
+                      <a:prstDash val="solid"/>
+                      <a:round/>
+                      <a:headEnd type="none" w="med" len="med"/>
+                      <a:tailEnd type="none" w="med" len="med"/>
+                    </a:lnB>
+                    <a:noFill/>
+                  </a:tcPr>
+                </a:tc>
+              </a:tr>
+              <a:tr h="288000">
+                <a:tc>
+                  <a:txBody>
+                    <a:bodyPr/>
+                    <a:lstStyle/>
+                    <a:p>
+                      <a:pPr marL="0" marR="0" indent="0" algn="ctr" fontAlgn="base" latinLnBrk="0">
+                        <a:lnSpc>
+                          <a:spcPct val="100000"/>
+                        </a:lnSpc>
+                        <a:spcBef>
+                          <a:spcPts val="0"/>
+                        </a:spcBef>
+                        <a:spcAft>
+                          <a:spcPts val="0"/>
+                        </a:spcAft>
+                      </a:pPr>
+                      <a:r>
+                        <a:rPr lang="en-US" sz="1050" b="1" kern="0" spc="0" dirty="0" smtClean="0">
+                          <a:solidFill>
+                            <a:schemeClr val="bg1">
+                              <a:lumMod val="75000"/>
+                            </a:schemeClr>
+                          </a:solidFill>
+                          <a:effectLst/>
+                          <a:latin typeface="나눔바른고딕" panose="020B0603020101020101" pitchFamily="50" charset="-127"/>
+                          <a:ea typeface="나눔바른고딕" panose="020B0603020101020101" pitchFamily="50" charset="-127"/>
+                          <a:cs typeface="+mn-cs"/>
+                        </a:rPr>
+                        <a:t>21</a:t>
+                      </a:r>
+                      <a:endParaRPr lang="en-US" sz="1050" b="1" kern="0" spc="0" dirty="0">
+                        <a:solidFill>
+                          <a:schemeClr val="bg1">
+                            <a:lumMod val="75000"/>
+                          </a:schemeClr>
+                        </a:solidFill>
+                        <a:effectLst/>
+                        <a:latin typeface="나눔바른고딕" panose="020B0603020101020101" pitchFamily="50" charset="-127"/>
+                        <a:ea typeface="나눔바른고딕" panose="020B0603020101020101" pitchFamily="50" charset="-127"/>
+                        <a:cs typeface="+mn-cs"/>
+                      </a:endParaRPr>
+                    </a:p>
+                  </a:txBody>
+                  <a:tcPr marL="36000" marR="36000" marT="15709" marB="15709" anchor="ctr">
+                    <a:lnL w="12700" cap="flat" cmpd="sng" algn="ctr">
+                      <a:solidFill>
+                        <a:schemeClr val="bg1">
+                          <a:lumMod val="50000"/>
+                        </a:schemeClr>
+                      </a:solidFill>
+                      <a:prstDash val="solid"/>
+                      <a:round/>
+                      <a:headEnd type="none" w="med" len="med"/>
+                      <a:tailEnd type="none" w="med" len="med"/>
+                    </a:lnL>
+                    <a:lnR w="12700" cap="flat" cmpd="sng" algn="ctr">
+                      <a:solidFill>
+                        <a:schemeClr val="bg1">
+                          <a:lumMod val="50000"/>
+                        </a:schemeClr>
+                      </a:solidFill>
+                      <a:prstDash val="solid"/>
+                      <a:round/>
+                      <a:headEnd type="none" w="med" len="med"/>
+                      <a:tailEnd type="none" w="med" len="med"/>
+                    </a:lnR>
+                    <a:lnT w="12700" cap="flat" cmpd="sng" algn="ctr">
+                      <a:solidFill>
+                        <a:schemeClr val="bg1">
+                          <a:lumMod val="50000"/>
+                        </a:schemeClr>
+                      </a:solidFill>
+                      <a:prstDash val="solid"/>
+                      <a:round/>
+                      <a:headEnd type="none" w="med" len="med"/>
+                      <a:tailEnd type="none" w="med" len="med"/>
+                    </a:lnT>
+                    <a:lnB w="12700" cap="flat" cmpd="sng" algn="ctr">
+                      <a:solidFill>
+                        <a:schemeClr val="bg1">
+                          <a:lumMod val="50000"/>
+                        </a:schemeClr>
+                      </a:solidFill>
+                      <a:prstDash val="solid"/>
+                      <a:round/>
+                      <a:headEnd type="none" w="med" len="med"/>
+                      <a:tailEnd type="none" w="med" len="med"/>
+                    </a:lnB>
+                    <a:noFill/>
+                  </a:tcPr>
+                </a:tc>
+                <a:tc>
+                  <a:txBody>
+                    <a:bodyPr/>
+                    <a:lstStyle/>
+                    <a:p>
+                      <a:pPr marL="0" marR="0" indent="0" algn="ctr" fontAlgn="base" latinLnBrk="0">
+                        <a:lnSpc>
+                          <a:spcPct val="100000"/>
+                        </a:lnSpc>
+                        <a:spcBef>
+                          <a:spcPts val="0"/>
+                        </a:spcBef>
+                        <a:spcAft>
+                          <a:spcPts val="0"/>
+                        </a:spcAft>
+                      </a:pPr>
+                      <a:r>
+                        <a:rPr lang="ko-KR" altLang="en-US" sz="1050" b="1" kern="0" spc="0" dirty="0" smtClean="0">
+                          <a:solidFill>
+                            <a:schemeClr val="bg1">
+                              <a:lumMod val="75000"/>
+                            </a:schemeClr>
+                          </a:solidFill>
+                          <a:effectLst/>
+                          <a:latin typeface="나눔바른고딕" panose="020B0603020101020101" pitchFamily="50" charset="-127"/>
+                          <a:ea typeface="나눔바른고딕" panose="020B0603020101020101" pitchFamily="50" charset="-127"/>
+                          <a:cs typeface="+mn-cs"/>
+                        </a:rPr>
+                        <a:t>여</a:t>
+                      </a:r>
+                      <a:endParaRPr lang="ko-KR" altLang="en-US" sz="1050" b="1" kern="0" spc="0" dirty="0">
+                        <a:solidFill>
+                          <a:schemeClr val="bg1">
+                            <a:lumMod val="75000"/>
+                          </a:schemeClr>
+                        </a:solidFill>
+                        <a:effectLst/>
+                        <a:latin typeface="나눔바른고딕" panose="020B0603020101020101" pitchFamily="50" charset="-127"/>
+                        <a:ea typeface="나눔바른고딕" panose="020B0603020101020101" pitchFamily="50" charset="-127"/>
+                        <a:cs typeface="+mn-cs"/>
+                      </a:endParaRPr>
+                    </a:p>
+                  </a:txBody>
+                  <a:tcPr marL="36000" marR="36000" marT="15709" marB="15709" anchor="ctr">
+                    <a:lnL w="12700" cap="flat" cmpd="sng" algn="ctr">
+                      <a:solidFill>
+                        <a:schemeClr val="bg1">
+                          <a:lumMod val="50000"/>
+                        </a:schemeClr>
+                      </a:solidFill>
+                      <a:prstDash val="solid"/>
+                      <a:round/>
+                      <a:headEnd type="none" w="med" len="med"/>
+                      <a:tailEnd type="none" w="med" len="med"/>
+                    </a:lnL>
+                    <a:lnR w="12700" cap="flat" cmpd="sng" algn="ctr">
+                      <a:solidFill>
+                        <a:schemeClr val="bg1">
+                          <a:lumMod val="50000"/>
+                        </a:schemeClr>
+                      </a:solidFill>
+                      <a:prstDash val="solid"/>
+                      <a:round/>
+                      <a:headEnd type="none" w="med" len="med"/>
+                      <a:tailEnd type="none" w="med" len="med"/>
+                    </a:lnR>
+                    <a:lnT w="12700" cap="flat" cmpd="sng" algn="ctr">
+                      <a:solidFill>
+                        <a:schemeClr val="bg1">
+                          <a:lumMod val="50000"/>
+                        </a:schemeClr>
+                      </a:solidFill>
+                      <a:prstDash val="solid"/>
+                      <a:round/>
+                      <a:headEnd type="none" w="med" len="med"/>
+                      <a:tailEnd type="none" w="med" len="med"/>
+                    </a:lnT>
+                    <a:lnB w="12700" cap="flat" cmpd="sng" algn="ctr">
+                      <a:solidFill>
+                        <a:schemeClr val="bg1">
+                          <a:lumMod val="50000"/>
+                        </a:schemeClr>
+                      </a:solidFill>
+                      <a:prstDash val="solid"/>
+                      <a:round/>
+                      <a:headEnd type="none" w="med" len="med"/>
+                      <a:tailEnd type="none" w="med" len="med"/>
+                    </a:lnB>
+                    <a:noFill/>
+                  </a:tcPr>
+                </a:tc>
+                <a:tc>
+                  <a:txBody>
+                    <a:bodyPr/>
+                    <a:lstStyle/>
+                    <a:p>
+                      <a:pPr marL="0" marR="0" indent="0" algn="ctr" fontAlgn="base" latinLnBrk="0">
+                        <a:lnSpc>
+                          <a:spcPct val="100000"/>
+                        </a:lnSpc>
+                        <a:spcBef>
+                          <a:spcPts val="0"/>
+                        </a:spcBef>
+                        <a:spcAft>
+                          <a:spcPts val="0"/>
+                        </a:spcAft>
+                      </a:pPr>
+                      <a:r>
+                        <a:rPr lang="en-US" sz="1050" b="1" kern="0" spc="0" dirty="0" smtClean="0">
+                          <a:solidFill>
+                            <a:schemeClr val="bg1">
+                              <a:lumMod val="75000"/>
+                            </a:schemeClr>
+                          </a:solidFill>
+                          <a:effectLst/>
+                          <a:latin typeface="나눔바른고딕" panose="020B0603020101020101" pitchFamily="50" charset="-127"/>
+                          <a:ea typeface="나눔바른고딕" panose="020B0603020101020101" pitchFamily="50" charset="-127"/>
+                          <a:cs typeface="+mn-cs"/>
+                        </a:rPr>
+                        <a:t>59</a:t>
+                      </a:r>
+                      <a:endParaRPr lang="en-US" sz="1050" b="1" kern="0" spc="0" dirty="0">
+                        <a:solidFill>
+                          <a:schemeClr val="bg1">
+                            <a:lumMod val="75000"/>
+                          </a:schemeClr>
+                        </a:solidFill>
+                        <a:effectLst/>
+                        <a:latin typeface="나눔바른고딕" panose="020B0603020101020101" pitchFamily="50" charset="-127"/>
+                        <a:ea typeface="나눔바른고딕" panose="020B0603020101020101" pitchFamily="50" charset="-127"/>
+                        <a:cs typeface="+mn-cs"/>
+                      </a:endParaRPr>
+                    </a:p>
+                  </a:txBody>
+                  <a:tcPr marL="36000" marR="36000" marT="15709" marB="15709" anchor="ctr">
+                    <a:lnL w="12700" cap="flat" cmpd="sng" algn="ctr">
+                      <a:solidFill>
+                        <a:schemeClr val="bg1">
+                          <a:lumMod val="50000"/>
+                        </a:schemeClr>
+                      </a:solidFill>
+                      <a:prstDash val="solid"/>
+                      <a:round/>
+                      <a:headEnd type="none" w="med" len="med"/>
+                      <a:tailEnd type="none" w="med" len="med"/>
+                    </a:lnL>
+                    <a:lnR w="12700" cap="flat" cmpd="sng" algn="ctr">
+                      <a:solidFill>
+                        <a:schemeClr val="bg1">
+                          <a:lumMod val="50000"/>
+                        </a:schemeClr>
+                      </a:solidFill>
+                      <a:prstDash val="solid"/>
+                      <a:round/>
+                      <a:headEnd type="none" w="med" len="med"/>
+                      <a:tailEnd type="none" w="med" len="med"/>
+                    </a:lnR>
+                    <a:lnT w="12700" cap="flat" cmpd="sng" algn="ctr">
+                      <a:solidFill>
+                        <a:schemeClr val="bg1">
+                          <a:lumMod val="50000"/>
+                        </a:schemeClr>
+                      </a:solidFill>
+                      <a:prstDash val="solid"/>
+                      <a:round/>
+                      <a:headEnd type="none" w="med" len="med"/>
+                      <a:tailEnd type="none" w="med" len="med"/>
+                    </a:lnT>
+                    <a:lnB w="12700" cap="flat" cmpd="sng" algn="ctr">
+                      <a:solidFill>
+                        <a:schemeClr val="bg1">
+                          <a:lumMod val="50000"/>
+                        </a:schemeClr>
+                      </a:solidFill>
+                      <a:prstDash val="solid"/>
+                      <a:round/>
+                      <a:headEnd type="none" w="med" len="med"/>
+                      <a:tailEnd type="none" w="med" len="med"/>
+                    </a:lnB>
+                    <a:noFill/>
+                  </a:tcPr>
+                </a:tc>
+                <a:tc>
+                  <a:txBody>
+                    <a:bodyPr/>
+                    <a:lstStyle/>
+                    <a:p>
+                      <a:pPr marL="0" marR="0" indent="0" algn="ctr" fontAlgn="base" latinLnBrk="0">
+                        <a:lnSpc>
+                          <a:spcPct val="100000"/>
+                        </a:lnSpc>
+                        <a:spcBef>
+                          <a:spcPts val="0"/>
+                        </a:spcBef>
+                        <a:spcAft>
+                          <a:spcPts val="0"/>
+                        </a:spcAft>
+                      </a:pPr>
+                      <a:r>
+                        <a:rPr lang="ko-KR" altLang="en-US" sz="1050" b="1" kern="0" spc="0" dirty="0" smtClean="0">
+                          <a:solidFill>
+                            <a:schemeClr val="bg1">
+                              <a:lumMod val="75000"/>
+                            </a:schemeClr>
+                          </a:solidFill>
+                          <a:effectLst/>
+                          <a:latin typeface="나눔바른고딕" panose="020B0603020101020101" pitchFamily="50" charset="-127"/>
+                          <a:ea typeface="나눔바른고딕" panose="020B0603020101020101" pitchFamily="50" charset="-127"/>
+                          <a:cs typeface="+mn-cs"/>
+                        </a:rPr>
+                        <a:t>한국</a:t>
+                      </a:r>
+                      <a:endParaRPr lang="ko-KR" altLang="en-US" sz="1050" b="1" kern="0" spc="0" dirty="0">
+                        <a:solidFill>
+                          <a:schemeClr val="bg1">
+                            <a:lumMod val="75000"/>
+                          </a:schemeClr>
+                        </a:solidFill>
+                        <a:effectLst/>
+                        <a:latin typeface="나눔바른고딕" panose="020B0603020101020101" pitchFamily="50" charset="-127"/>
+                        <a:ea typeface="나눔바른고딕" panose="020B0603020101020101" pitchFamily="50" charset="-127"/>
+                        <a:cs typeface="+mn-cs"/>
+                      </a:endParaRPr>
+                    </a:p>
+                  </a:txBody>
+                  <a:tcPr marL="36000" marR="36000" marT="15709" marB="15709" anchor="ctr">
+                    <a:lnL w="12700" cap="flat" cmpd="sng" algn="ctr">
+                      <a:solidFill>
+                        <a:schemeClr val="bg1">
+                          <a:lumMod val="50000"/>
+                        </a:schemeClr>
+                      </a:solidFill>
+                      <a:prstDash val="solid"/>
+                      <a:round/>
+                      <a:headEnd type="none" w="med" len="med"/>
+                      <a:tailEnd type="none" w="med" len="med"/>
+                    </a:lnL>
+                    <a:lnR w="12700" cap="flat" cmpd="sng" algn="ctr">
+                      <a:solidFill>
+                        <a:schemeClr val="bg1">
+                          <a:lumMod val="50000"/>
+                        </a:schemeClr>
+                      </a:solidFill>
+                      <a:prstDash val="solid"/>
+                      <a:round/>
+                      <a:headEnd type="none" w="med" len="med"/>
+                      <a:tailEnd type="none" w="med" len="med"/>
+                    </a:lnR>
+                    <a:lnT w="12700" cap="flat" cmpd="sng" algn="ctr">
+                      <a:solidFill>
+                        <a:schemeClr val="bg1">
+                          <a:lumMod val="50000"/>
+                        </a:schemeClr>
+                      </a:solidFill>
+                      <a:prstDash val="solid"/>
+                      <a:round/>
+                      <a:headEnd type="none" w="med" len="med"/>
+                      <a:tailEnd type="none" w="med" len="med"/>
+                    </a:lnT>
+                    <a:lnB w="12700" cap="flat" cmpd="sng" algn="ctr">
+                      <a:solidFill>
+                        <a:schemeClr val="bg1">
+                          <a:lumMod val="50000"/>
+                        </a:schemeClr>
+                      </a:solidFill>
+                      <a:prstDash val="solid"/>
+                      <a:round/>
+                      <a:headEnd type="none" w="med" len="med"/>
+                      <a:tailEnd type="none" w="med" len="med"/>
+                    </a:lnB>
+                    <a:noFill/>
+                  </a:tcPr>
+                </a:tc>
+                <a:tc>
+                  <a:txBody>
+                    <a:bodyPr/>
+                    <a:lstStyle/>
+                    <a:p>
+                      <a:pPr marL="0" marR="0" indent="0" algn="ctr" fontAlgn="base" latinLnBrk="0">
+                        <a:lnSpc>
+                          <a:spcPct val="100000"/>
+                        </a:lnSpc>
+                        <a:spcBef>
+                          <a:spcPts val="0"/>
+                        </a:spcBef>
+                        <a:spcAft>
+                          <a:spcPts val="0"/>
+                        </a:spcAft>
+                      </a:pPr>
+                      <a:endParaRPr lang="en-US" altLang="ko-KR" sz="1050" b="1" kern="0" spc="0" dirty="0">
+                        <a:solidFill>
+                          <a:schemeClr val="bg1">
+                            <a:lumMod val="75000"/>
+                          </a:schemeClr>
+                        </a:solidFill>
+                        <a:effectLst/>
+                        <a:latin typeface="나눔바른고딕" panose="020B0603020101020101" pitchFamily="50" charset="-127"/>
+                        <a:ea typeface="나눔바른고딕" panose="020B0603020101020101" pitchFamily="50" charset="-127"/>
+                        <a:cs typeface="+mn-cs"/>
+                      </a:endParaRPr>
+                    </a:p>
+                  </a:txBody>
+                  <a:tcPr marL="36000" marR="36000" marT="15709" marB="15709" anchor="ctr">
+                    <a:lnL w="12700" cap="flat" cmpd="sng" algn="ctr">
+                      <a:solidFill>
+                        <a:schemeClr val="bg1">
+                          <a:lumMod val="50000"/>
+                        </a:schemeClr>
+                      </a:solidFill>
+                      <a:prstDash val="solid"/>
+                      <a:round/>
+                      <a:headEnd type="none" w="med" len="med"/>
+                      <a:tailEnd type="none" w="med" len="med"/>
+                    </a:lnL>
+                    <a:lnR w="12700" cap="flat" cmpd="sng" algn="ctr">
+                      <a:solidFill>
+                        <a:schemeClr val="bg1">
+                          <a:lumMod val="50000"/>
+                        </a:schemeClr>
+                      </a:solidFill>
+                      <a:prstDash val="solid"/>
+                      <a:round/>
+                      <a:headEnd type="none" w="med" len="med"/>
+                      <a:tailEnd type="none" w="med" len="med"/>
+                    </a:lnR>
+                    <a:lnT w="12700" cap="flat" cmpd="sng" algn="ctr">
+                      <a:solidFill>
+                        <a:schemeClr val="bg1">
+                          <a:lumMod val="50000"/>
+                        </a:schemeClr>
+                      </a:solidFill>
+                      <a:prstDash val="solid"/>
+                      <a:round/>
+                      <a:headEnd type="none" w="med" len="med"/>
+                      <a:tailEnd type="none" w="med" len="med"/>
+                    </a:lnT>
+                    <a:lnB w="12700" cap="flat" cmpd="sng" algn="ctr">
+                      <a:solidFill>
+                        <a:schemeClr val="bg1">
+                          <a:lumMod val="50000"/>
+                        </a:schemeClr>
+                      </a:solidFill>
+                      <a:prstDash val="solid"/>
+                      <a:round/>
+                      <a:headEnd type="none" w="med" len="med"/>
+                      <a:tailEnd type="none" w="med" len="med"/>
+                    </a:lnB>
+                    <a:noFill/>
+                  </a:tcPr>
+                </a:tc>
+                <a:tc>
+                  <a:txBody>
+                    <a:bodyPr/>
+                    <a:lstStyle/>
+                    <a:p>
+                      <a:pPr marL="0" marR="0" indent="0" algn="ctr" fontAlgn="base" latinLnBrk="0">
+                        <a:lnSpc>
+                          <a:spcPct val="100000"/>
+                        </a:lnSpc>
+                        <a:spcBef>
+                          <a:spcPts val="0"/>
+                        </a:spcBef>
+                        <a:spcAft>
+                          <a:spcPts val="0"/>
+                        </a:spcAft>
+                      </a:pPr>
+                      <a:endParaRPr lang="en-US" sz="1050" b="1" kern="0" spc="0" dirty="0">
+                        <a:solidFill>
+                          <a:schemeClr val="bg1">
+                            <a:lumMod val="75000"/>
+                          </a:schemeClr>
+                        </a:solidFill>
+                        <a:effectLst/>
+                        <a:latin typeface="나눔바른고딕" panose="020B0603020101020101" pitchFamily="50" charset="-127"/>
+                        <a:ea typeface="나눔바른고딕" panose="020B0603020101020101" pitchFamily="50" charset="-127"/>
+                        <a:cs typeface="+mn-cs"/>
+                      </a:endParaRPr>
+                    </a:p>
+                  </a:txBody>
+                  <a:tcPr marL="36000" marR="36000" marT="15709" marB="15709" anchor="ctr">
+                    <a:lnL w="12700" cap="flat" cmpd="sng" algn="ctr">
+                      <a:solidFill>
+                        <a:schemeClr val="bg1">
+                          <a:lumMod val="50000"/>
+                        </a:schemeClr>
+                      </a:solidFill>
+                      <a:prstDash val="solid"/>
+                      <a:round/>
+                      <a:headEnd type="none" w="med" len="med"/>
+                      <a:tailEnd type="none" w="med" len="med"/>
+                    </a:lnL>
+                    <a:lnR w="12700" cap="flat" cmpd="sng" algn="ctr">
+                      <a:solidFill>
+                        <a:schemeClr val="bg1">
+                          <a:lumMod val="50000"/>
+                        </a:schemeClr>
+                      </a:solidFill>
+                      <a:prstDash val="solid"/>
+                      <a:round/>
+                      <a:headEnd type="none" w="med" len="med"/>
+                      <a:tailEnd type="none" w="med" len="med"/>
+                    </a:lnR>
+                    <a:lnT w="12700" cap="flat" cmpd="sng" algn="ctr">
+                      <a:solidFill>
+                        <a:schemeClr val="bg1">
+                          <a:lumMod val="50000"/>
+                        </a:schemeClr>
+                      </a:solidFill>
+                      <a:prstDash val="solid"/>
+                      <a:round/>
+                      <a:headEnd type="none" w="med" len="med"/>
+                      <a:tailEnd type="none" w="med" len="med"/>
+                    </a:lnT>
+                    <a:lnB w="12700" cap="flat" cmpd="sng" algn="ctr">
+                      <a:solidFill>
+                        <a:schemeClr val="bg1">
+                          <a:lumMod val="50000"/>
+                        </a:schemeClr>
+                      </a:solidFill>
+                      <a:prstDash val="solid"/>
+                      <a:round/>
+                      <a:headEnd type="none" w="med" len="med"/>
+                      <a:tailEnd type="none" w="med" len="med"/>
+                    </a:lnB>
+                    <a:noFill/>
+                  </a:tcPr>
+                </a:tc>
+                <a:tc>
+                  <a:txBody>
+                    <a:bodyPr/>
+                    <a:lstStyle/>
+                    <a:p>
+                      <a:pPr marL="0" marR="0" indent="0" algn="ctr" fontAlgn="base" latinLnBrk="0">
+                        <a:lnSpc>
+                          <a:spcPct val="100000"/>
+                        </a:lnSpc>
+                        <a:spcBef>
+                          <a:spcPts val="0"/>
+                        </a:spcBef>
+                        <a:spcAft>
+                          <a:spcPts val="0"/>
+                        </a:spcAft>
+                      </a:pPr>
+                      <a:r>
+                        <a:rPr lang="en-US" sz="1050" b="1" kern="0" spc="0" dirty="0" smtClean="0">
+                          <a:solidFill>
+                            <a:schemeClr val="bg1">
+                              <a:lumMod val="75000"/>
+                            </a:schemeClr>
+                          </a:solidFill>
+                          <a:effectLst/>
+                          <a:latin typeface="나눔바른고딕" panose="020B0603020101020101" pitchFamily="50" charset="-127"/>
+                          <a:ea typeface="나눔바른고딕" panose="020B0603020101020101" pitchFamily="50" charset="-127"/>
+                          <a:cs typeface="+mn-cs"/>
+                        </a:rPr>
+                        <a:t>2.5</a:t>
+                      </a:r>
+                      <a:endParaRPr lang="en-US" sz="1050" b="1" kern="0" spc="0" dirty="0">
+                        <a:solidFill>
+                          <a:schemeClr val="bg1">
+                            <a:lumMod val="75000"/>
+                          </a:schemeClr>
+                        </a:solidFill>
+                        <a:effectLst/>
+                        <a:latin typeface="나눔바른고딕" panose="020B0603020101020101" pitchFamily="50" charset="-127"/>
+                        <a:ea typeface="나눔바른고딕" panose="020B0603020101020101" pitchFamily="50" charset="-127"/>
+                        <a:cs typeface="+mn-cs"/>
+                      </a:endParaRPr>
+                    </a:p>
+                  </a:txBody>
+                  <a:tcPr marL="36000" marR="36000" marT="15709" marB="15709" anchor="ctr">
+                    <a:lnL w="12700" cap="flat" cmpd="sng" algn="ctr">
+                      <a:solidFill>
+                        <a:schemeClr val="bg1">
+                          <a:lumMod val="50000"/>
+                        </a:schemeClr>
+                      </a:solidFill>
+                      <a:prstDash val="solid"/>
+                      <a:round/>
+                      <a:headEnd type="none" w="med" len="med"/>
+                      <a:tailEnd type="none" w="med" len="med"/>
+                    </a:lnL>
+                    <a:lnR w="12700" cap="flat" cmpd="sng" algn="ctr">
+                      <a:solidFill>
+                        <a:schemeClr val="bg1">
+                          <a:lumMod val="50000"/>
+                        </a:schemeClr>
+                      </a:solidFill>
+                      <a:prstDash val="solid"/>
+                      <a:round/>
+                      <a:headEnd type="none" w="med" len="med"/>
+                      <a:tailEnd type="none" w="med" len="med"/>
+                    </a:lnR>
+                    <a:lnT w="12700" cap="flat" cmpd="sng" algn="ctr">
+                      <a:solidFill>
+                        <a:schemeClr val="bg1">
+                          <a:lumMod val="50000"/>
+                        </a:schemeClr>
+                      </a:solidFill>
+                      <a:prstDash val="solid"/>
+                      <a:round/>
+                      <a:headEnd type="none" w="med" len="med"/>
+                      <a:tailEnd type="none" w="med" len="med"/>
+                    </a:lnT>
+                    <a:lnB w="12700" cap="flat" cmpd="sng" algn="ctr">
+                      <a:solidFill>
+                        <a:schemeClr val="bg1">
+                          <a:lumMod val="50000"/>
+                        </a:schemeClr>
+                      </a:solidFill>
+                      <a:prstDash val="solid"/>
+                      <a:round/>
+                      <a:headEnd type="none" w="med" len="med"/>
+                      <a:tailEnd type="none" w="med" len="med"/>
+                    </a:lnB>
+                    <a:noFill/>
+                  </a:tcPr>
+                </a:tc>
+                <a:tc>
+                  <a:txBody>
+                    <a:bodyPr/>
+                    <a:lstStyle/>
+                    <a:p>
+                      <a:pPr marL="0" marR="0" indent="0" algn="ctr" fontAlgn="base" latinLnBrk="0">
+                        <a:lnSpc>
+                          <a:spcPct val="100000"/>
+                        </a:lnSpc>
+                        <a:spcBef>
+                          <a:spcPts val="0"/>
+                        </a:spcBef>
+                        <a:spcAft>
+                          <a:spcPts val="0"/>
+                        </a:spcAft>
+                      </a:pPr>
+                      <a:r>
+                        <a:rPr lang="ko-KR" altLang="en-US" sz="1000" b="1" kern="0" spc="0" dirty="0" smtClean="0">
+                          <a:solidFill>
+                            <a:schemeClr val="bg1">
+                              <a:lumMod val="75000"/>
+                            </a:schemeClr>
+                          </a:solidFill>
+                          <a:effectLst/>
+                          <a:latin typeface="나눔바른고딕" panose="020B0603020101020101" pitchFamily="50" charset="-127"/>
+                          <a:ea typeface="나눔바른고딕" panose="020B0603020101020101" pitchFamily="50" charset="-127"/>
+                          <a:cs typeface="+mn-cs"/>
+                        </a:rPr>
+                        <a:t>서울대병원</a:t>
+                      </a:r>
+                      <a:endParaRPr lang="ko-KR" altLang="en-US" sz="1000" b="1" kern="0" spc="0" dirty="0">
+                        <a:solidFill>
+                          <a:schemeClr val="bg1">
+                            <a:lumMod val="75000"/>
+                          </a:schemeClr>
+                        </a:solidFill>
+                        <a:effectLst/>
+                        <a:latin typeface="나눔바른고딕" panose="020B0603020101020101" pitchFamily="50" charset="-127"/>
+                        <a:ea typeface="나눔바른고딕" panose="020B0603020101020101" pitchFamily="50" charset="-127"/>
+                        <a:cs typeface="+mn-cs"/>
+                      </a:endParaRPr>
+                    </a:p>
+                  </a:txBody>
+                  <a:tcPr marL="36000" marR="36000" marT="15709" marB="15709" anchor="ctr">
+                    <a:lnL w="12700" cap="flat" cmpd="sng" algn="ctr">
+                      <a:solidFill>
+                        <a:schemeClr val="bg1">
+                          <a:lumMod val="50000"/>
+                        </a:schemeClr>
+                      </a:solidFill>
+                      <a:prstDash val="solid"/>
+                      <a:round/>
+                      <a:headEnd type="none" w="med" len="med"/>
+                      <a:tailEnd type="none" w="med" len="med"/>
+                    </a:lnL>
+                    <a:lnR w="12700" cap="flat" cmpd="sng" algn="ctr">
+                      <a:solidFill>
+                        <a:schemeClr val="bg1">
+                          <a:lumMod val="50000"/>
+                        </a:schemeClr>
+                      </a:solidFill>
+                      <a:prstDash val="solid"/>
+                      <a:round/>
+                      <a:headEnd type="none" w="med" len="med"/>
+                      <a:tailEnd type="none" w="med" len="med"/>
+                    </a:lnR>
+                    <a:lnT w="12700" cap="flat" cmpd="sng" algn="ctr">
+                      <a:solidFill>
+                        <a:schemeClr val="bg1">
+                          <a:lumMod val="50000"/>
+                        </a:schemeClr>
+                      </a:solidFill>
+                      <a:prstDash val="solid"/>
+                      <a:round/>
+                      <a:headEnd type="none" w="med" len="med"/>
+                      <a:tailEnd type="none" w="med" len="med"/>
+                    </a:lnT>
+                    <a:lnB w="12700" cap="flat" cmpd="sng" algn="ctr">
+                      <a:solidFill>
+                        <a:schemeClr val="bg1">
+                          <a:lumMod val="50000"/>
+                        </a:schemeClr>
+                      </a:solidFill>
+                      <a:prstDash val="solid"/>
+                      <a:round/>
+                      <a:headEnd type="none" w="med" len="med"/>
+                      <a:tailEnd type="none" w="med" len="med"/>
+                    </a:lnB>
+                    <a:noFill/>
+                  </a:tcPr>
+                </a:tc>
+                <a:tc>
+                  <a:txBody>
+                    <a:bodyPr/>
+                    <a:lstStyle/>
+                    <a:p>
+                      <a:pPr marL="0" marR="0" indent="0" algn="ctr" fontAlgn="base" latinLnBrk="0">
+                        <a:lnSpc>
+                          <a:spcPct val="100000"/>
+                        </a:lnSpc>
+                        <a:spcBef>
+                          <a:spcPts val="0"/>
+                        </a:spcBef>
+                        <a:spcAft>
+                          <a:spcPts val="0"/>
+                        </a:spcAft>
+                      </a:pPr>
+                      <a:r>
+                        <a:rPr lang="ko-KR" altLang="en-US" sz="1050" b="1" kern="0" spc="0" dirty="0" err="1" smtClean="0">
+                          <a:solidFill>
+                            <a:schemeClr val="bg1">
+                              <a:lumMod val="75000"/>
+                            </a:schemeClr>
+                          </a:solidFill>
+                          <a:effectLst/>
+                          <a:latin typeface="나눔바른고딕" panose="020B0603020101020101" pitchFamily="50" charset="-127"/>
+                          <a:ea typeface="나눔바른고딕" panose="020B0603020101020101" pitchFamily="50" charset="-127"/>
+                          <a:cs typeface="+mn-cs"/>
+                        </a:rPr>
+                        <a:t>확인중</a:t>
+                      </a:r>
+                      <a:endParaRPr lang="ko-KR" altLang="en-US" sz="1050" b="1" kern="0" spc="0" dirty="0">
+                        <a:solidFill>
+                          <a:schemeClr val="bg1">
+                            <a:lumMod val="75000"/>
+                          </a:schemeClr>
+                        </a:solidFill>
+                        <a:effectLst/>
+                        <a:latin typeface="나눔바른고딕" panose="020B0603020101020101" pitchFamily="50" charset="-127"/>
+                        <a:ea typeface="나눔바른고딕" panose="020B0603020101020101" pitchFamily="50" charset="-127"/>
+                        <a:cs typeface="+mn-cs"/>
+                      </a:endParaRPr>
+                    </a:p>
+                  </a:txBody>
+                  <a:tcPr marL="36000" marR="36000" marT="15709" marB="15709" anchor="ctr">
+                    <a:lnL w="12700" cap="flat" cmpd="sng" algn="ctr">
+                      <a:solidFill>
+                        <a:schemeClr val="bg1">
+                          <a:lumMod val="50000"/>
+                        </a:schemeClr>
+                      </a:solidFill>
+                      <a:prstDash val="solid"/>
+                      <a:round/>
+                      <a:headEnd type="none" w="med" len="med"/>
+                      <a:tailEnd type="none" w="med" len="med"/>
+                    </a:lnL>
+                    <a:lnR w="12700" cap="flat" cmpd="sng" algn="ctr">
+                      <a:solidFill>
+                        <a:schemeClr val="bg1">
+                          <a:lumMod val="50000"/>
+                        </a:schemeClr>
+                      </a:solidFill>
+                      <a:prstDash val="solid"/>
+                      <a:round/>
+                      <a:headEnd type="none" w="med" len="med"/>
+                      <a:tailEnd type="none" w="med" len="med"/>
+                    </a:lnR>
+                    <a:lnT w="12700" cap="flat" cmpd="sng" algn="ctr">
+                      <a:solidFill>
+                        <a:schemeClr val="bg1">
+                          <a:lumMod val="50000"/>
+                        </a:schemeClr>
+                      </a:solidFill>
+                      <a:prstDash val="solid"/>
+                      <a:round/>
+                      <a:headEnd type="none" w="med" len="med"/>
+                      <a:tailEnd type="none" w="med" len="med"/>
+                    </a:lnT>
+                    <a:lnB w="12700" cap="flat" cmpd="sng" algn="ctr">
+                      <a:solidFill>
+                        <a:schemeClr val="bg1">
+                          <a:lumMod val="50000"/>
+                        </a:schemeClr>
+                      </a:solidFill>
+                      <a:prstDash val="solid"/>
+                      <a:round/>
+                      <a:headEnd type="none" w="med" len="med"/>
+                      <a:tailEnd type="none" w="med" len="med"/>
+                    </a:lnB>
+                    <a:noFill/>
+                  </a:tcPr>
+                </a:tc>
+              </a:tr>
+              <a:tr h="288000">
+                <a:tc>
+                  <a:txBody>
+                    <a:bodyPr/>
+                    <a:lstStyle/>
+                    <a:p>
+                      <a:pPr marL="0" marR="0" indent="0" algn="ctr" fontAlgn="base" latinLnBrk="0">
+                        <a:lnSpc>
+                          <a:spcPct val="100000"/>
+                        </a:lnSpc>
+                        <a:spcBef>
+                          <a:spcPts val="0"/>
+                        </a:spcBef>
+                        <a:spcAft>
+                          <a:spcPts val="0"/>
+                        </a:spcAft>
+                      </a:pPr>
+                      <a:r>
+                        <a:rPr lang="en-US" sz="1050" b="1" kern="0" spc="0" dirty="0" smtClean="0">
+                          <a:solidFill>
+                            <a:schemeClr val="bg1">
+                              <a:lumMod val="75000"/>
+                            </a:schemeClr>
+                          </a:solidFill>
+                          <a:effectLst/>
+                          <a:latin typeface="나눔바른고딕" panose="020B0603020101020101" pitchFamily="50" charset="-127"/>
+                          <a:ea typeface="나눔바른고딕" panose="020B0603020101020101" pitchFamily="50" charset="-127"/>
+                          <a:cs typeface="+mn-cs"/>
+                        </a:rPr>
+                        <a:t>22</a:t>
+                      </a:r>
+                      <a:endParaRPr lang="en-US" sz="1050" b="1" kern="0" spc="0" dirty="0">
+                        <a:solidFill>
+                          <a:schemeClr val="bg1">
+                            <a:lumMod val="75000"/>
+                          </a:schemeClr>
+                        </a:solidFill>
+                        <a:effectLst/>
+                        <a:latin typeface="나눔바른고딕" panose="020B0603020101020101" pitchFamily="50" charset="-127"/>
+                        <a:ea typeface="나눔바른고딕" panose="020B0603020101020101" pitchFamily="50" charset="-127"/>
+                        <a:cs typeface="+mn-cs"/>
+                      </a:endParaRPr>
+                    </a:p>
+                  </a:txBody>
+                  <a:tcPr marL="36000" marR="36000" marT="15709" marB="15709" anchor="ctr">
+                    <a:lnL w="12700" cap="flat" cmpd="sng" algn="ctr">
+                      <a:solidFill>
+                        <a:schemeClr val="bg1">
+                          <a:lumMod val="50000"/>
+                        </a:schemeClr>
+                      </a:solidFill>
+                      <a:prstDash val="solid"/>
+                      <a:round/>
+                      <a:headEnd type="none" w="med" len="med"/>
+                      <a:tailEnd type="none" w="med" len="med"/>
+                    </a:lnL>
+                    <a:lnR w="12700" cap="flat" cmpd="sng" algn="ctr">
+                      <a:solidFill>
+                        <a:schemeClr val="bg1">
+                          <a:lumMod val="50000"/>
+                        </a:schemeClr>
+                      </a:solidFill>
+                      <a:prstDash val="solid"/>
+                      <a:round/>
+                      <a:headEnd type="none" w="med" len="med"/>
+                      <a:tailEnd type="none" w="med" len="med"/>
+                    </a:lnR>
+                    <a:lnT w="12700" cap="flat" cmpd="sng" algn="ctr">
+                      <a:solidFill>
+                        <a:schemeClr val="bg1">
+                          <a:lumMod val="50000"/>
+                        </a:schemeClr>
+                      </a:solidFill>
+                      <a:prstDash val="solid"/>
+                      <a:round/>
+                      <a:headEnd type="none" w="med" len="med"/>
+                      <a:tailEnd type="none" w="med" len="med"/>
+                    </a:lnT>
+                    <a:lnB w="12700" cap="flat" cmpd="sng" algn="ctr">
+                      <a:solidFill>
+                        <a:schemeClr val="bg1">
+                          <a:lumMod val="50000"/>
+                        </a:schemeClr>
+                      </a:solidFill>
+                      <a:prstDash val="solid"/>
+                      <a:round/>
+                      <a:headEnd type="none" w="med" len="med"/>
+                      <a:tailEnd type="none" w="med" len="med"/>
+                    </a:lnB>
+                    <a:noFill/>
+                  </a:tcPr>
+                </a:tc>
+                <a:tc>
+                  <a:txBody>
+                    <a:bodyPr/>
+                    <a:lstStyle/>
+                    <a:p>
+                      <a:pPr marL="0" marR="0" indent="0" algn="ctr" fontAlgn="base" latinLnBrk="0">
+                        <a:lnSpc>
+                          <a:spcPct val="100000"/>
+                        </a:lnSpc>
+                        <a:spcBef>
+                          <a:spcPts val="0"/>
+                        </a:spcBef>
+                        <a:spcAft>
+                          <a:spcPts val="0"/>
+                        </a:spcAft>
+                      </a:pPr>
+                      <a:r>
+                        <a:rPr lang="ko-KR" altLang="en-US" sz="1050" b="1" kern="0" spc="0" dirty="0" smtClean="0">
+                          <a:solidFill>
+                            <a:schemeClr val="bg1">
+                              <a:lumMod val="75000"/>
+                            </a:schemeClr>
+                          </a:solidFill>
+                          <a:effectLst/>
+                          <a:latin typeface="나눔바른고딕" panose="020B0603020101020101" pitchFamily="50" charset="-127"/>
+                          <a:ea typeface="나눔바른고딕" panose="020B0603020101020101" pitchFamily="50" charset="-127"/>
+                          <a:cs typeface="+mn-cs"/>
+                        </a:rPr>
+                        <a:t>남</a:t>
+                      </a:r>
+                      <a:endParaRPr lang="ko-KR" altLang="en-US" sz="1050" b="1" kern="0" spc="0" dirty="0">
+                        <a:solidFill>
+                          <a:schemeClr val="bg1">
+                            <a:lumMod val="75000"/>
+                          </a:schemeClr>
+                        </a:solidFill>
+                        <a:effectLst/>
+                        <a:latin typeface="나눔바른고딕" panose="020B0603020101020101" pitchFamily="50" charset="-127"/>
+                        <a:ea typeface="나눔바른고딕" panose="020B0603020101020101" pitchFamily="50" charset="-127"/>
+                        <a:cs typeface="+mn-cs"/>
+                      </a:endParaRPr>
+                    </a:p>
+                  </a:txBody>
+                  <a:tcPr marL="36000" marR="36000" marT="15709" marB="15709" anchor="ctr">
+                    <a:lnL w="12700" cap="flat" cmpd="sng" algn="ctr">
+                      <a:solidFill>
+                        <a:schemeClr val="bg1">
+                          <a:lumMod val="50000"/>
+                        </a:schemeClr>
+                      </a:solidFill>
+                      <a:prstDash val="solid"/>
+                      <a:round/>
+                      <a:headEnd type="none" w="med" len="med"/>
+                      <a:tailEnd type="none" w="med" len="med"/>
+                    </a:lnL>
+                    <a:lnR w="12700" cap="flat" cmpd="sng" algn="ctr">
+                      <a:solidFill>
+                        <a:schemeClr val="bg1">
+                          <a:lumMod val="50000"/>
+                        </a:schemeClr>
+                      </a:solidFill>
+                      <a:prstDash val="solid"/>
+                      <a:round/>
+                      <a:headEnd type="none" w="med" len="med"/>
+                      <a:tailEnd type="none" w="med" len="med"/>
+                    </a:lnR>
+                    <a:lnT w="12700" cap="flat" cmpd="sng" algn="ctr">
+                      <a:solidFill>
+                        <a:schemeClr val="bg1">
+                          <a:lumMod val="50000"/>
+                        </a:schemeClr>
+                      </a:solidFill>
+                      <a:prstDash val="solid"/>
+                      <a:round/>
+                      <a:headEnd type="none" w="med" len="med"/>
+                      <a:tailEnd type="none" w="med" len="med"/>
+                    </a:lnT>
+                    <a:lnB w="12700" cap="flat" cmpd="sng" algn="ctr">
+                      <a:solidFill>
+                        <a:schemeClr val="bg1">
+                          <a:lumMod val="50000"/>
+                        </a:schemeClr>
+                      </a:solidFill>
+                      <a:prstDash val="solid"/>
+                      <a:round/>
+                      <a:headEnd type="none" w="med" len="med"/>
+                      <a:tailEnd type="none" w="med" len="med"/>
+                    </a:lnB>
+                    <a:noFill/>
+                  </a:tcPr>
+                </a:tc>
+                <a:tc>
+                  <a:txBody>
+                    <a:bodyPr/>
+                    <a:lstStyle/>
+                    <a:p>
+                      <a:pPr marL="0" marR="0" indent="0" algn="ctr" fontAlgn="base" latinLnBrk="0">
+                        <a:lnSpc>
+                          <a:spcPct val="100000"/>
+                        </a:lnSpc>
+                        <a:spcBef>
+                          <a:spcPts val="0"/>
+                        </a:spcBef>
+                        <a:spcAft>
+                          <a:spcPts val="0"/>
+                        </a:spcAft>
+                      </a:pPr>
+                      <a:r>
+                        <a:rPr lang="en-US" sz="1050" b="1" kern="0" spc="0" dirty="0" smtClean="0">
+                          <a:solidFill>
+                            <a:schemeClr val="bg1">
+                              <a:lumMod val="75000"/>
+                            </a:schemeClr>
+                          </a:solidFill>
+                          <a:effectLst/>
+                          <a:latin typeface="나눔바른고딕" panose="020B0603020101020101" pitchFamily="50" charset="-127"/>
+                          <a:ea typeface="나눔바른고딕" panose="020B0603020101020101" pitchFamily="50" charset="-127"/>
+                          <a:cs typeface="+mn-cs"/>
+                        </a:rPr>
+                        <a:t>46</a:t>
+                      </a:r>
+                      <a:endParaRPr lang="en-US" sz="1050" b="1" kern="0" spc="0" dirty="0">
+                        <a:solidFill>
+                          <a:schemeClr val="bg1">
+                            <a:lumMod val="75000"/>
+                          </a:schemeClr>
+                        </a:solidFill>
+                        <a:effectLst/>
+                        <a:latin typeface="나눔바른고딕" panose="020B0603020101020101" pitchFamily="50" charset="-127"/>
+                        <a:ea typeface="나눔바른고딕" panose="020B0603020101020101" pitchFamily="50" charset="-127"/>
+                        <a:cs typeface="+mn-cs"/>
+                      </a:endParaRPr>
+                    </a:p>
+                  </a:txBody>
+                  <a:tcPr marL="36000" marR="36000" marT="15709" marB="15709" anchor="ctr">
+                    <a:lnL w="12700" cap="flat" cmpd="sng" algn="ctr">
+                      <a:solidFill>
+                        <a:schemeClr val="bg1">
+                          <a:lumMod val="50000"/>
+                        </a:schemeClr>
+                      </a:solidFill>
+                      <a:prstDash val="solid"/>
+                      <a:round/>
+                      <a:headEnd type="none" w="med" len="med"/>
+                      <a:tailEnd type="none" w="med" len="med"/>
+                    </a:lnL>
+                    <a:lnR w="12700" cap="flat" cmpd="sng" algn="ctr">
+                      <a:solidFill>
+                        <a:schemeClr val="bg1">
+                          <a:lumMod val="50000"/>
+                        </a:schemeClr>
+                      </a:solidFill>
+                      <a:prstDash val="solid"/>
+                      <a:round/>
+                      <a:headEnd type="none" w="med" len="med"/>
+                      <a:tailEnd type="none" w="med" len="med"/>
+                    </a:lnR>
+                    <a:lnT w="12700" cap="flat" cmpd="sng" algn="ctr">
+                      <a:solidFill>
+                        <a:schemeClr val="bg1">
+                          <a:lumMod val="50000"/>
+                        </a:schemeClr>
+                      </a:solidFill>
+                      <a:prstDash val="solid"/>
+                      <a:round/>
+                      <a:headEnd type="none" w="med" len="med"/>
+                      <a:tailEnd type="none" w="med" len="med"/>
+                    </a:lnT>
+                    <a:lnB w="12700" cap="flat" cmpd="sng" algn="ctr">
+                      <a:solidFill>
+                        <a:schemeClr val="bg1">
+                          <a:lumMod val="50000"/>
+                        </a:schemeClr>
+                      </a:solidFill>
+                      <a:prstDash val="solid"/>
+                      <a:round/>
+                      <a:headEnd type="none" w="med" len="med"/>
+                      <a:tailEnd type="none" w="med" len="med"/>
+                    </a:lnB>
+                    <a:noFill/>
+                  </a:tcPr>
+                </a:tc>
+                <a:tc>
+                  <a:txBody>
+                    <a:bodyPr/>
+                    <a:lstStyle/>
+                    <a:p>
+                      <a:pPr marL="0" marR="0" indent="0" algn="ctr" fontAlgn="base" latinLnBrk="0">
+                        <a:lnSpc>
+                          <a:spcPct val="100000"/>
+                        </a:lnSpc>
+                        <a:spcBef>
+                          <a:spcPts val="0"/>
+                        </a:spcBef>
+                        <a:spcAft>
+                          <a:spcPts val="0"/>
+                        </a:spcAft>
+                      </a:pPr>
+                      <a:r>
+                        <a:rPr lang="ko-KR" altLang="en-US" sz="1050" b="1" kern="0" spc="0" dirty="0" smtClean="0">
+                          <a:solidFill>
+                            <a:schemeClr val="bg1">
+                              <a:lumMod val="75000"/>
+                            </a:schemeClr>
+                          </a:solidFill>
+                          <a:effectLst/>
+                          <a:latin typeface="나눔바른고딕" panose="020B0603020101020101" pitchFamily="50" charset="-127"/>
+                          <a:ea typeface="나눔바른고딕" panose="020B0603020101020101" pitchFamily="50" charset="-127"/>
+                          <a:cs typeface="+mn-cs"/>
+                        </a:rPr>
+                        <a:t>한국</a:t>
+                      </a:r>
+                      <a:endParaRPr lang="ko-KR" altLang="en-US" sz="1050" b="1" kern="0" spc="0" dirty="0">
+                        <a:solidFill>
+                          <a:schemeClr val="bg1">
+                            <a:lumMod val="75000"/>
+                          </a:schemeClr>
+                        </a:solidFill>
+                        <a:effectLst/>
+                        <a:latin typeface="나눔바른고딕" panose="020B0603020101020101" pitchFamily="50" charset="-127"/>
+                        <a:ea typeface="나눔바른고딕" panose="020B0603020101020101" pitchFamily="50" charset="-127"/>
+                        <a:cs typeface="+mn-cs"/>
+                      </a:endParaRPr>
+                    </a:p>
+                  </a:txBody>
+                  <a:tcPr marL="36000" marR="36000" marT="15709" marB="15709" anchor="ctr">
+                    <a:lnL w="12700" cap="flat" cmpd="sng" algn="ctr">
+                      <a:solidFill>
+                        <a:schemeClr val="bg1">
+                          <a:lumMod val="50000"/>
+                        </a:schemeClr>
+                      </a:solidFill>
+                      <a:prstDash val="solid"/>
+                      <a:round/>
+                      <a:headEnd type="none" w="med" len="med"/>
+                      <a:tailEnd type="none" w="med" len="med"/>
+                    </a:lnL>
+                    <a:lnR w="12700" cap="flat" cmpd="sng" algn="ctr">
+                      <a:solidFill>
+                        <a:schemeClr val="bg1">
+                          <a:lumMod val="50000"/>
+                        </a:schemeClr>
+                      </a:solidFill>
+                      <a:prstDash val="solid"/>
+                      <a:round/>
+                      <a:headEnd type="none" w="med" len="med"/>
+                      <a:tailEnd type="none" w="med" len="med"/>
+                    </a:lnR>
+                    <a:lnT w="12700" cap="flat" cmpd="sng" algn="ctr">
+                      <a:solidFill>
+                        <a:schemeClr val="bg1">
+                          <a:lumMod val="50000"/>
+                        </a:schemeClr>
+                      </a:solidFill>
+                      <a:prstDash val="solid"/>
+                      <a:round/>
+                      <a:headEnd type="none" w="med" len="med"/>
+                      <a:tailEnd type="none" w="med" len="med"/>
+                    </a:lnT>
+                    <a:lnB w="12700" cap="flat" cmpd="sng" algn="ctr">
+                      <a:solidFill>
+                        <a:schemeClr val="bg1">
+                          <a:lumMod val="50000"/>
+                        </a:schemeClr>
+                      </a:solidFill>
+                      <a:prstDash val="solid"/>
+                      <a:round/>
+                      <a:headEnd type="none" w="med" len="med"/>
+                      <a:tailEnd type="none" w="med" len="med"/>
+                    </a:lnB>
+                    <a:noFill/>
+                  </a:tcPr>
+                </a:tc>
+                <a:tc>
+                  <a:txBody>
+                    <a:bodyPr/>
+                    <a:lstStyle/>
+                    <a:p>
+                      <a:pPr marL="0" marR="0" indent="0" algn="ctr" fontAlgn="base" latinLnBrk="0">
+                        <a:lnSpc>
+                          <a:spcPct val="100000"/>
+                        </a:lnSpc>
+                        <a:spcBef>
+                          <a:spcPts val="0"/>
+                        </a:spcBef>
+                        <a:spcAft>
+                          <a:spcPts val="0"/>
+                        </a:spcAft>
+                      </a:pPr>
+                      <a:endParaRPr lang="en-US" altLang="ko-KR" sz="1050" b="1" kern="0" spc="0" dirty="0">
+                        <a:solidFill>
+                          <a:schemeClr val="bg1">
+                            <a:lumMod val="75000"/>
+                          </a:schemeClr>
+                        </a:solidFill>
+                        <a:effectLst/>
+                        <a:latin typeface="나눔바른고딕" panose="020B0603020101020101" pitchFamily="50" charset="-127"/>
+                        <a:ea typeface="나눔바른고딕" panose="020B0603020101020101" pitchFamily="50" charset="-127"/>
+                        <a:cs typeface="+mn-cs"/>
+                      </a:endParaRPr>
+                    </a:p>
+                  </a:txBody>
+                  <a:tcPr marL="36000" marR="36000" marT="15709" marB="15709" anchor="ctr">
+                    <a:lnL w="12700" cap="flat" cmpd="sng" algn="ctr">
+                      <a:solidFill>
+                        <a:schemeClr val="bg1">
+                          <a:lumMod val="50000"/>
+                        </a:schemeClr>
+                      </a:solidFill>
+                      <a:prstDash val="solid"/>
+                      <a:round/>
+                      <a:headEnd type="none" w="med" len="med"/>
+                      <a:tailEnd type="none" w="med" len="med"/>
+                    </a:lnL>
+                    <a:lnR w="12700" cap="flat" cmpd="sng" algn="ctr">
+                      <a:solidFill>
+                        <a:schemeClr val="bg1">
+                          <a:lumMod val="50000"/>
+                        </a:schemeClr>
+                      </a:solidFill>
+                      <a:prstDash val="solid"/>
+                      <a:round/>
+                      <a:headEnd type="none" w="med" len="med"/>
+                      <a:tailEnd type="none" w="med" len="med"/>
+                    </a:lnR>
+                    <a:lnT w="12700" cap="flat" cmpd="sng" algn="ctr">
+                      <a:solidFill>
+                        <a:schemeClr val="bg1">
+                          <a:lumMod val="50000"/>
+                        </a:schemeClr>
+                      </a:solidFill>
+                      <a:prstDash val="solid"/>
+                      <a:round/>
+                      <a:headEnd type="none" w="med" len="med"/>
+                      <a:tailEnd type="none" w="med" len="med"/>
+                    </a:lnT>
+                    <a:lnB w="12700" cap="flat" cmpd="sng" algn="ctr">
+                      <a:solidFill>
+                        <a:schemeClr val="bg1">
+                          <a:lumMod val="50000"/>
+                        </a:schemeClr>
+                      </a:solidFill>
+                      <a:prstDash val="solid"/>
+                      <a:round/>
+                      <a:headEnd type="none" w="med" len="med"/>
+                      <a:tailEnd type="none" w="med" len="med"/>
+                    </a:lnB>
+                    <a:noFill/>
+                  </a:tcPr>
+                </a:tc>
+                <a:tc>
+                  <a:txBody>
+                    <a:bodyPr/>
+                    <a:lstStyle/>
+                    <a:p>
+                      <a:pPr marL="0" marR="0" indent="0" algn="ctr" fontAlgn="base" latinLnBrk="0">
+                        <a:lnSpc>
+                          <a:spcPct val="100000"/>
+                        </a:lnSpc>
+                        <a:spcBef>
+                          <a:spcPts val="0"/>
+                        </a:spcBef>
+                        <a:spcAft>
+                          <a:spcPts val="0"/>
+                        </a:spcAft>
+                      </a:pPr>
+                      <a:endParaRPr lang="en-US" sz="1050" b="1" kern="0" spc="0" dirty="0">
+                        <a:solidFill>
+                          <a:schemeClr val="bg1">
+                            <a:lumMod val="75000"/>
+                          </a:schemeClr>
+                        </a:solidFill>
+                        <a:effectLst/>
+                        <a:latin typeface="나눔바른고딕" panose="020B0603020101020101" pitchFamily="50" charset="-127"/>
+                        <a:ea typeface="나눔바른고딕" panose="020B0603020101020101" pitchFamily="50" charset="-127"/>
+                        <a:cs typeface="+mn-cs"/>
+                      </a:endParaRPr>
+                    </a:p>
+                  </a:txBody>
+                  <a:tcPr marL="36000" marR="36000" marT="15709" marB="15709" anchor="ctr">
+                    <a:lnL w="12700" cap="flat" cmpd="sng" algn="ctr">
+                      <a:solidFill>
+                        <a:schemeClr val="bg1">
+                          <a:lumMod val="50000"/>
+                        </a:schemeClr>
+                      </a:solidFill>
+                      <a:prstDash val="solid"/>
+                      <a:round/>
+                      <a:headEnd type="none" w="med" len="med"/>
+                      <a:tailEnd type="none" w="med" len="med"/>
+                    </a:lnL>
+                    <a:lnR w="12700" cap="flat" cmpd="sng" algn="ctr">
+                      <a:solidFill>
+                        <a:schemeClr val="bg1">
+                          <a:lumMod val="50000"/>
+                        </a:schemeClr>
+                      </a:solidFill>
+                      <a:prstDash val="solid"/>
+                      <a:round/>
+                      <a:headEnd type="none" w="med" len="med"/>
+                      <a:tailEnd type="none" w="med" len="med"/>
+                    </a:lnR>
+                    <a:lnT w="12700" cap="flat" cmpd="sng" algn="ctr">
+                      <a:solidFill>
+                        <a:schemeClr val="bg1">
+                          <a:lumMod val="50000"/>
+                        </a:schemeClr>
+                      </a:solidFill>
+                      <a:prstDash val="solid"/>
+                      <a:round/>
+                      <a:headEnd type="none" w="med" len="med"/>
+                      <a:tailEnd type="none" w="med" len="med"/>
+                    </a:lnT>
+                    <a:lnB w="12700" cap="flat" cmpd="sng" algn="ctr">
+                      <a:solidFill>
+                        <a:schemeClr val="bg1">
+                          <a:lumMod val="50000"/>
+                        </a:schemeClr>
+                      </a:solidFill>
+                      <a:prstDash val="solid"/>
+                      <a:round/>
+                      <a:headEnd type="none" w="med" len="med"/>
+                      <a:tailEnd type="none" w="med" len="med"/>
+                    </a:lnB>
+                    <a:noFill/>
+                  </a:tcPr>
+                </a:tc>
+                <a:tc>
+                  <a:txBody>
+                    <a:bodyPr/>
+                    <a:lstStyle/>
+                    <a:p>
+                      <a:pPr marL="0" marR="0" indent="0" algn="ctr" fontAlgn="base" latinLnBrk="0">
+                        <a:lnSpc>
+                          <a:spcPct val="100000"/>
+                        </a:lnSpc>
+                        <a:spcBef>
+                          <a:spcPts val="0"/>
+                        </a:spcBef>
+                        <a:spcAft>
+                          <a:spcPts val="0"/>
+                        </a:spcAft>
+                      </a:pPr>
+                      <a:r>
+                        <a:rPr lang="en-US" sz="1050" b="1" kern="0" spc="0" dirty="0" smtClean="0">
+                          <a:solidFill>
+                            <a:schemeClr val="bg1">
+                              <a:lumMod val="75000"/>
+                            </a:schemeClr>
+                          </a:solidFill>
+                          <a:effectLst/>
+                          <a:latin typeface="나눔바른고딕" panose="020B0603020101020101" pitchFamily="50" charset="-127"/>
+                          <a:ea typeface="나눔바른고딕" panose="020B0603020101020101" pitchFamily="50" charset="-127"/>
+                          <a:cs typeface="+mn-cs"/>
+                        </a:rPr>
+                        <a:t>2.6</a:t>
+                      </a:r>
+                      <a:endParaRPr lang="en-US" sz="1050" b="1" kern="0" spc="0" dirty="0">
+                        <a:solidFill>
+                          <a:schemeClr val="bg1">
+                            <a:lumMod val="75000"/>
+                          </a:schemeClr>
+                        </a:solidFill>
+                        <a:effectLst/>
+                        <a:latin typeface="나눔바른고딕" panose="020B0603020101020101" pitchFamily="50" charset="-127"/>
+                        <a:ea typeface="나눔바른고딕" panose="020B0603020101020101" pitchFamily="50" charset="-127"/>
+                        <a:cs typeface="+mn-cs"/>
+                      </a:endParaRPr>
+                    </a:p>
+                  </a:txBody>
+                  <a:tcPr marL="36000" marR="36000" marT="15709" marB="15709" anchor="ctr">
+                    <a:lnL w="12700" cap="flat" cmpd="sng" algn="ctr">
+                      <a:solidFill>
+                        <a:schemeClr val="bg1">
+                          <a:lumMod val="50000"/>
+                        </a:schemeClr>
+                      </a:solidFill>
+                      <a:prstDash val="solid"/>
+                      <a:round/>
+                      <a:headEnd type="none" w="med" len="med"/>
+                      <a:tailEnd type="none" w="med" len="med"/>
+                    </a:lnL>
+                    <a:lnR w="12700" cap="flat" cmpd="sng" algn="ctr">
+                      <a:solidFill>
+                        <a:schemeClr val="bg1">
+                          <a:lumMod val="50000"/>
+                        </a:schemeClr>
+                      </a:solidFill>
+                      <a:prstDash val="solid"/>
+                      <a:round/>
+                      <a:headEnd type="none" w="med" len="med"/>
+                      <a:tailEnd type="none" w="med" len="med"/>
+                    </a:lnR>
+                    <a:lnT w="12700" cap="flat" cmpd="sng" algn="ctr">
+                      <a:solidFill>
+                        <a:schemeClr val="bg1">
+                          <a:lumMod val="50000"/>
+                        </a:schemeClr>
+                      </a:solidFill>
+                      <a:prstDash val="solid"/>
+                      <a:round/>
+                      <a:headEnd type="none" w="med" len="med"/>
+                      <a:tailEnd type="none" w="med" len="med"/>
+                    </a:lnT>
+                    <a:lnB w="12700" cap="flat" cmpd="sng" algn="ctr">
+                      <a:solidFill>
+                        <a:schemeClr val="bg1">
+                          <a:lumMod val="50000"/>
+                        </a:schemeClr>
+                      </a:solidFill>
+                      <a:prstDash val="solid"/>
+                      <a:round/>
+                      <a:headEnd type="none" w="med" len="med"/>
+                      <a:tailEnd type="none" w="med" len="med"/>
+                    </a:lnB>
+                    <a:noFill/>
+                  </a:tcPr>
+                </a:tc>
+                <a:tc>
+                  <a:txBody>
+                    <a:bodyPr/>
+                    <a:lstStyle/>
+                    <a:p>
+                      <a:pPr marL="0" marR="0" indent="0" algn="ctr" fontAlgn="base" latinLnBrk="0">
+                        <a:lnSpc>
+                          <a:spcPct val="100000"/>
+                        </a:lnSpc>
+                        <a:spcBef>
+                          <a:spcPts val="0"/>
+                        </a:spcBef>
+                        <a:spcAft>
+                          <a:spcPts val="0"/>
+                        </a:spcAft>
+                      </a:pPr>
+                      <a:r>
+                        <a:rPr lang="ko-KR" altLang="en-US" sz="1000" b="1" kern="0" spc="0" dirty="0" err="1" smtClean="0">
+                          <a:solidFill>
+                            <a:schemeClr val="bg1">
+                              <a:lumMod val="75000"/>
+                            </a:schemeClr>
+                          </a:solidFill>
+                          <a:effectLst/>
+                          <a:latin typeface="나눔바른고딕" panose="020B0603020101020101" pitchFamily="50" charset="-127"/>
+                          <a:ea typeface="나눔바른고딕" panose="020B0603020101020101" pitchFamily="50" charset="-127"/>
+                          <a:cs typeface="+mn-cs"/>
+                        </a:rPr>
+                        <a:t>조선대병원</a:t>
+                      </a:r>
+                      <a:endParaRPr lang="ko-KR" altLang="en-US" sz="1000" b="1" kern="0" spc="0" dirty="0">
+                        <a:solidFill>
+                          <a:schemeClr val="bg1">
+                            <a:lumMod val="75000"/>
+                          </a:schemeClr>
+                        </a:solidFill>
+                        <a:effectLst/>
+                        <a:latin typeface="나눔바른고딕" panose="020B0603020101020101" pitchFamily="50" charset="-127"/>
+                        <a:ea typeface="나눔바른고딕" panose="020B0603020101020101" pitchFamily="50" charset="-127"/>
+                        <a:cs typeface="+mn-cs"/>
+                      </a:endParaRPr>
+                    </a:p>
+                  </a:txBody>
+                  <a:tcPr marL="36000" marR="36000" marT="15709" marB="15709" anchor="ctr">
+                    <a:lnL w="12700" cap="flat" cmpd="sng" algn="ctr">
+                      <a:solidFill>
+                        <a:schemeClr val="bg1">
+                          <a:lumMod val="50000"/>
+                        </a:schemeClr>
+                      </a:solidFill>
+                      <a:prstDash val="solid"/>
+                      <a:round/>
+                      <a:headEnd type="none" w="med" len="med"/>
+                      <a:tailEnd type="none" w="med" len="med"/>
+                    </a:lnL>
+                    <a:lnR w="12700" cap="flat" cmpd="sng" algn="ctr">
+                      <a:solidFill>
+                        <a:schemeClr val="bg1">
+                          <a:lumMod val="50000"/>
+                        </a:schemeClr>
+                      </a:solidFill>
+                      <a:prstDash val="solid"/>
+                      <a:round/>
+                      <a:headEnd type="none" w="med" len="med"/>
+                      <a:tailEnd type="none" w="med" len="med"/>
+                    </a:lnR>
+                    <a:lnT w="12700" cap="flat" cmpd="sng" algn="ctr">
+                      <a:solidFill>
+                        <a:schemeClr val="bg1">
+                          <a:lumMod val="50000"/>
+                        </a:schemeClr>
+                      </a:solidFill>
+                      <a:prstDash val="solid"/>
+                      <a:round/>
+                      <a:headEnd type="none" w="med" len="med"/>
+                      <a:tailEnd type="none" w="med" len="med"/>
+                    </a:lnT>
+                    <a:lnB w="12700" cap="flat" cmpd="sng" algn="ctr">
+                      <a:solidFill>
+                        <a:schemeClr val="bg1">
+                          <a:lumMod val="50000"/>
+                        </a:schemeClr>
+                      </a:solidFill>
+                      <a:prstDash val="solid"/>
+                      <a:round/>
+                      <a:headEnd type="none" w="med" len="med"/>
+                      <a:tailEnd type="none" w="med" len="med"/>
+                    </a:lnB>
+                    <a:noFill/>
+                  </a:tcPr>
+                </a:tc>
+                <a:tc>
+                  <a:txBody>
+                    <a:bodyPr/>
+                    <a:lstStyle/>
+                    <a:p>
+                      <a:pPr marL="0" marR="0" indent="0" algn="ctr" fontAlgn="base" latinLnBrk="0">
+                        <a:lnSpc>
+                          <a:spcPct val="100000"/>
+                        </a:lnSpc>
+                        <a:spcBef>
+                          <a:spcPts val="0"/>
+                        </a:spcBef>
+                        <a:spcAft>
+                          <a:spcPts val="0"/>
+                        </a:spcAft>
+                      </a:pPr>
+                      <a:r>
+                        <a:rPr lang="ko-KR" altLang="en-US" sz="1050" b="1" kern="0" spc="0" dirty="0" err="1" smtClean="0">
+                          <a:solidFill>
+                            <a:schemeClr val="bg1">
+                              <a:lumMod val="75000"/>
+                            </a:schemeClr>
+                          </a:solidFill>
+                          <a:effectLst/>
+                          <a:latin typeface="나눔바른고딕" panose="020B0603020101020101" pitchFamily="50" charset="-127"/>
+                          <a:ea typeface="나눔바른고딕" panose="020B0603020101020101" pitchFamily="50" charset="-127"/>
+                          <a:cs typeface="+mn-cs"/>
+                        </a:rPr>
+                        <a:t>확인중</a:t>
+                      </a:r>
+                      <a:endParaRPr lang="ko-KR" altLang="en-US" sz="1050" b="1" kern="0" spc="0" dirty="0">
+                        <a:solidFill>
+                          <a:schemeClr val="bg1">
+                            <a:lumMod val="75000"/>
+                          </a:schemeClr>
+                        </a:solidFill>
+                        <a:effectLst/>
+                        <a:latin typeface="나눔바른고딕" panose="020B0603020101020101" pitchFamily="50" charset="-127"/>
+                        <a:ea typeface="나눔바른고딕" panose="020B0603020101020101" pitchFamily="50" charset="-127"/>
+                        <a:cs typeface="+mn-cs"/>
+                      </a:endParaRPr>
+                    </a:p>
+                  </a:txBody>
+                  <a:tcPr marL="36000" marR="36000" marT="15709" marB="15709" anchor="ctr">
+                    <a:lnL w="12700" cap="flat" cmpd="sng" algn="ctr">
+                      <a:solidFill>
+                        <a:schemeClr val="bg1">
+                          <a:lumMod val="50000"/>
+                        </a:schemeClr>
+                      </a:solidFill>
+                      <a:prstDash val="solid"/>
+                      <a:round/>
+                      <a:headEnd type="none" w="med" len="med"/>
+                      <a:tailEnd type="none" w="med" len="med"/>
+                    </a:lnL>
+                    <a:lnR w="12700" cap="flat" cmpd="sng" algn="ctr">
+                      <a:solidFill>
+                        <a:schemeClr val="bg1">
+                          <a:lumMod val="50000"/>
+                        </a:schemeClr>
+                      </a:solidFill>
+                      <a:prstDash val="solid"/>
+                      <a:round/>
+                      <a:headEnd type="none" w="med" len="med"/>
+                      <a:tailEnd type="none" w="med" len="med"/>
+                    </a:lnR>
+                    <a:lnT w="12700" cap="flat" cmpd="sng" algn="ctr">
+                      <a:solidFill>
+                        <a:schemeClr val="bg1">
+                          <a:lumMod val="50000"/>
+                        </a:schemeClr>
+                      </a:solidFill>
+                      <a:prstDash val="solid"/>
+                      <a:round/>
+                      <a:headEnd type="none" w="med" len="med"/>
+                      <a:tailEnd type="none" w="med" len="med"/>
+                    </a:lnT>
+                    <a:lnB w="12700" cap="flat" cmpd="sng" algn="ctr">
+                      <a:solidFill>
+                        <a:schemeClr val="bg1">
+                          <a:lumMod val="50000"/>
+                        </a:schemeClr>
+                      </a:solidFill>
+                      <a:prstDash val="solid"/>
+                      <a:round/>
+                      <a:headEnd type="none" w="med" len="med"/>
+                      <a:tailEnd type="none" w="med" len="med"/>
+                    </a:lnB>
+                    <a:noFill/>
+                  </a:tcPr>
+                </a:tc>
+              </a:tr>
+              <a:tr h="288000">
+                <a:tc>
+                  <a:txBody>
+                    <a:bodyPr/>
+                    <a:lstStyle/>
+                    <a:p>
+                      <a:pPr marL="0" marR="0" indent="0" algn="ctr" fontAlgn="base" latinLnBrk="0">
+                        <a:lnSpc>
+                          <a:spcPct val="100000"/>
+                        </a:lnSpc>
+                        <a:spcBef>
+                          <a:spcPts val="0"/>
+                        </a:spcBef>
+                        <a:spcAft>
+                          <a:spcPts val="0"/>
+                        </a:spcAft>
+                      </a:pPr>
+                      <a:r>
+                        <a:rPr lang="en-US" sz="1050" b="1" kern="0" spc="0" dirty="0" smtClean="0">
+                          <a:solidFill>
+                            <a:schemeClr val="bg1">
+                              <a:lumMod val="75000"/>
+                            </a:schemeClr>
+                          </a:solidFill>
+                          <a:effectLst/>
+                          <a:latin typeface="나눔바른고딕" panose="020B0603020101020101" pitchFamily="50" charset="-127"/>
+                          <a:ea typeface="나눔바른고딕" panose="020B0603020101020101" pitchFamily="50" charset="-127"/>
+                          <a:cs typeface="+mn-cs"/>
+                        </a:rPr>
+                        <a:t>23</a:t>
+                      </a:r>
+                      <a:endParaRPr lang="en-US" sz="1050" b="1" kern="0" spc="0" dirty="0">
+                        <a:solidFill>
+                          <a:schemeClr val="bg1">
+                            <a:lumMod val="75000"/>
+                          </a:schemeClr>
+                        </a:solidFill>
+                        <a:effectLst/>
+                        <a:latin typeface="나눔바른고딕" panose="020B0603020101020101" pitchFamily="50" charset="-127"/>
+                        <a:ea typeface="나눔바른고딕" panose="020B0603020101020101" pitchFamily="50" charset="-127"/>
+                        <a:cs typeface="+mn-cs"/>
+                      </a:endParaRPr>
+                    </a:p>
+                  </a:txBody>
+                  <a:tcPr marL="36000" marR="36000" marT="15709" marB="15709" anchor="ctr">
+                    <a:lnL w="12700" cap="flat" cmpd="sng" algn="ctr">
+                      <a:solidFill>
+                        <a:schemeClr val="bg1">
+                          <a:lumMod val="50000"/>
+                        </a:schemeClr>
+                      </a:solidFill>
+                      <a:prstDash val="solid"/>
+                      <a:round/>
+                      <a:headEnd type="none" w="med" len="med"/>
+                      <a:tailEnd type="none" w="med" len="med"/>
+                    </a:lnL>
+                    <a:lnR w="12700" cap="flat" cmpd="sng" algn="ctr">
+                      <a:solidFill>
+                        <a:schemeClr val="bg1">
+                          <a:lumMod val="50000"/>
+                        </a:schemeClr>
+                      </a:solidFill>
+                      <a:prstDash val="solid"/>
+                      <a:round/>
+                      <a:headEnd type="none" w="med" len="med"/>
+                      <a:tailEnd type="none" w="med" len="med"/>
+                    </a:lnR>
+                    <a:lnT w="12700" cap="flat" cmpd="sng" algn="ctr">
+                      <a:solidFill>
+                        <a:schemeClr val="bg1">
+                          <a:lumMod val="50000"/>
+                        </a:schemeClr>
+                      </a:solidFill>
+                      <a:prstDash val="solid"/>
+                      <a:round/>
+                      <a:headEnd type="none" w="med" len="med"/>
+                      <a:tailEnd type="none" w="med" len="med"/>
+                    </a:lnT>
+                    <a:lnB w="12700" cap="flat" cmpd="sng" algn="ctr">
+                      <a:solidFill>
+                        <a:schemeClr val="bg1">
+                          <a:lumMod val="50000"/>
+                        </a:schemeClr>
+                      </a:solidFill>
+                      <a:prstDash val="solid"/>
+                      <a:round/>
+                      <a:headEnd type="none" w="med" len="med"/>
+                      <a:tailEnd type="none" w="med" len="med"/>
+                    </a:lnB>
+                    <a:noFill/>
+                  </a:tcPr>
+                </a:tc>
+                <a:tc>
+                  <a:txBody>
+                    <a:bodyPr/>
+                    <a:lstStyle/>
+                    <a:p>
+                      <a:pPr marL="0" marR="0" indent="0" algn="ctr" fontAlgn="base" latinLnBrk="0">
+                        <a:lnSpc>
+                          <a:spcPct val="100000"/>
+                        </a:lnSpc>
+                        <a:spcBef>
+                          <a:spcPts val="0"/>
+                        </a:spcBef>
+                        <a:spcAft>
+                          <a:spcPts val="0"/>
+                        </a:spcAft>
+                      </a:pPr>
+                      <a:r>
+                        <a:rPr lang="ko-KR" altLang="en-US" sz="1050" b="1" kern="0" spc="0" dirty="0" smtClean="0">
+                          <a:solidFill>
+                            <a:schemeClr val="bg1">
+                              <a:lumMod val="75000"/>
+                            </a:schemeClr>
+                          </a:solidFill>
+                          <a:effectLst/>
+                          <a:latin typeface="나눔바른고딕" panose="020B0603020101020101" pitchFamily="50" charset="-127"/>
+                          <a:ea typeface="나눔바른고딕" panose="020B0603020101020101" pitchFamily="50" charset="-127"/>
+                          <a:cs typeface="+mn-cs"/>
+                        </a:rPr>
+                        <a:t>여</a:t>
+                      </a:r>
+                      <a:endParaRPr lang="ko-KR" altLang="en-US" sz="1050" b="1" kern="0" spc="0" dirty="0">
+                        <a:solidFill>
+                          <a:schemeClr val="bg1">
+                            <a:lumMod val="75000"/>
+                          </a:schemeClr>
+                        </a:solidFill>
+                        <a:effectLst/>
+                        <a:latin typeface="나눔바른고딕" panose="020B0603020101020101" pitchFamily="50" charset="-127"/>
+                        <a:ea typeface="나눔바른고딕" panose="020B0603020101020101" pitchFamily="50" charset="-127"/>
+                        <a:cs typeface="+mn-cs"/>
+                      </a:endParaRPr>
+                    </a:p>
+                  </a:txBody>
+                  <a:tcPr marL="36000" marR="36000" marT="15709" marB="15709" anchor="ctr">
+                    <a:lnL w="12700" cap="flat" cmpd="sng" algn="ctr">
+                      <a:solidFill>
+                        <a:schemeClr val="bg1">
+                          <a:lumMod val="50000"/>
+                        </a:schemeClr>
+                      </a:solidFill>
+                      <a:prstDash val="solid"/>
+                      <a:round/>
+                      <a:headEnd type="none" w="med" len="med"/>
+                      <a:tailEnd type="none" w="med" len="med"/>
+                    </a:lnL>
+                    <a:lnR w="12700" cap="flat" cmpd="sng" algn="ctr">
+                      <a:solidFill>
+                        <a:schemeClr val="bg1">
+                          <a:lumMod val="50000"/>
+                        </a:schemeClr>
+                      </a:solidFill>
+                      <a:prstDash val="solid"/>
+                      <a:round/>
+                      <a:headEnd type="none" w="med" len="med"/>
+                      <a:tailEnd type="none" w="med" len="med"/>
+                    </a:lnR>
+                    <a:lnT w="12700" cap="flat" cmpd="sng" algn="ctr">
+                      <a:solidFill>
+                        <a:schemeClr val="bg1">
+                          <a:lumMod val="50000"/>
+                        </a:schemeClr>
+                      </a:solidFill>
+                      <a:prstDash val="solid"/>
+                      <a:round/>
+                      <a:headEnd type="none" w="med" len="med"/>
+                      <a:tailEnd type="none" w="med" len="med"/>
+                    </a:lnT>
+                    <a:lnB w="12700" cap="flat" cmpd="sng" algn="ctr">
+                      <a:solidFill>
+                        <a:schemeClr val="bg1">
+                          <a:lumMod val="50000"/>
+                        </a:schemeClr>
+                      </a:solidFill>
+                      <a:prstDash val="solid"/>
+                      <a:round/>
+                      <a:headEnd type="none" w="med" len="med"/>
+                      <a:tailEnd type="none" w="med" len="med"/>
+                    </a:lnB>
+                    <a:noFill/>
+                  </a:tcPr>
+                </a:tc>
+                <a:tc>
+                  <a:txBody>
+                    <a:bodyPr/>
+                    <a:lstStyle/>
+                    <a:p>
+                      <a:pPr marL="0" marR="0" indent="0" algn="ctr" fontAlgn="base" latinLnBrk="0">
+                        <a:lnSpc>
+                          <a:spcPct val="100000"/>
+                        </a:lnSpc>
+                        <a:spcBef>
+                          <a:spcPts val="0"/>
+                        </a:spcBef>
+                        <a:spcAft>
+                          <a:spcPts val="0"/>
+                        </a:spcAft>
+                      </a:pPr>
+                      <a:r>
+                        <a:rPr lang="en-US" sz="1050" b="1" kern="0" spc="0" dirty="0" smtClean="0">
+                          <a:solidFill>
+                            <a:schemeClr val="bg1">
+                              <a:lumMod val="75000"/>
+                            </a:schemeClr>
+                          </a:solidFill>
+                          <a:effectLst/>
+                          <a:latin typeface="나눔바른고딕" panose="020B0603020101020101" pitchFamily="50" charset="-127"/>
+                          <a:ea typeface="나눔바른고딕" panose="020B0603020101020101" pitchFamily="50" charset="-127"/>
+                          <a:cs typeface="+mn-cs"/>
+                        </a:rPr>
+                        <a:t>58</a:t>
+                      </a:r>
+                      <a:endParaRPr lang="en-US" sz="1050" b="1" kern="0" spc="0" dirty="0">
+                        <a:solidFill>
+                          <a:schemeClr val="bg1">
+                            <a:lumMod val="75000"/>
+                          </a:schemeClr>
+                        </a:solidFill>
+                        <a:effectLst/>
+                        <a:latin typeface="나눔바른고딕" panose="020B0603020101020101" pitchFamily="50" charset="-127"/>
+                        <a:ea typeface="나눔바른고딕" panose="020B0603020101020101" pitchFamily="50" charset="-127"/>
+                        <a:cs typeface="+mn-cs"/>
+                      </a:endParaRPr>
+                    </a:p>
+                  </a:txBody>
+                  <a:tcPr marL="36000" marR="36000" marT="15709" marB="15709" anchor="ctr">
+                    <a:lnL w="12700" cap="flat" cmpd="sng" algn="ctr">
+                      <a:solidFill>
+                        <a:schemeClr val="bg1">
+                          <a:lumMod val="50000"/>
+                        </a:schemeClr>
+                      </a:solidFill>
+                      <a:prstDash val="solid"/>
+                      <a:round/>
+                      <a:headEnd type="none" w="med" len="med"/>
+                      <a:tailEnd type="none" w="med" len="med"/>
+                    </a:lnL>
+                    <a:lnR w="12700" cap="flat" cmpd="sng" algn="ctr">
+                      <a:solidFill>
+                        <a:schemeClr val="bg1">
+                          <a:lumMod val="50000"/>
+                        </a:schemeClr>
+                      </a:solidFill>
+                      <a:prstDash val="solid"/>
+                      <a:round/>
+                      <a:headEnd type="none" w="med" len="med"/>
+                      <a:tailEnd type="none" w="med" len="med"/>
+                    </a:lnR>
+                    <a:lnT w="12700" cap="flat" cmpd="sng" algn="ctr">
+                      <a:solidFill>
+                        <a:schemeClr val="bg1">
+                          <a:lumMod val="50000"/>
+                        </a:schemeClr>
+                      </a:solidFill>
+                      <a:prstDash val="solid"/>
+                      <a:round/>
+                      <a:headEnd type="none" w="med" len="med"/>
+                      <a:tailEnd type="none" w="med" len="med"/>
+                    </a:lnT>
+                    <a:lnB w="12700" cap="flat" cmpd="sng" algn="ctr">
+                      <a:solidFill>
+                        <a:schemeClr val="bg1">
+                          <a:lumMod val="50000"/>
+                        </a:schemeClr>
+                      </a:solidFill>
+                      <a:prstDash val="solid"/>
+                      <a:round/>
+                      <a:headEnd type="none" w="med" len="med"/>
+                      <a:tailEnd type="none" w="med" len="med"/>
+                    </a:lnB>
+                    <a:noFill/>
+                  </a:tcPr>
+                </a:tc>
+                <a:tc>
+                  <a:txBody>
+                    <a:bodyPr/>
+                    <a:lstStyle/>
+                    <a:p>
+                      <a:pPr marL="0" marR="0" indent="0" algn="ctr" fontAlgn="base" latinLnBrk="0">
+                        <a:lnSpc>
+                          <a:spcPct val="100000"/>
+                        </a:lnSpc>
+                        <a:spcBef>
+                          <a:spcPts val="0"/>
+                        </a:spcBef>
+                        <a:spcAft>
+                          <a:spcPts val="0"/>
+                        </a:spcAft>
+                      </a:pPr>
+                      <a:r>
+                        <a:rPr lang="ko-KR" altLang="en-US" sz="1050" b="1" kern="0" spc="0" dirty="0" smtClean="0">
+                          <a:solidFill>
+                            <a:schemeClr val="bg1">
+                              <a:lumMod val="75000"/>
+                            </a:schemeClr>
+                          </a:solidFill>
+                          <a:effectLst/>
+                          <a:latin typeface="나눔바른고딕" panose="020B0603020101020101" pitchFamily="50" charset="-127"/>
+                          <a:ea typeface="나눔바른고딕" panose="020B0603020101020101" pitchFamily="50" charset="-127"/>
+                        </a:rPr>
+                        <a:t>중국</a:t>
+                      </a:r>
+                      <a:endParaRPr lang="ko-KR" altLang="en-US" sz="1050" b="1" kern="0" spc="0" dirty="0">
+                        <a:solidFill>
+                          <a:schemeClr val="bg1">
+                            <a:lumMod val="75000"/>
+                          </a:schemeClr>
+                        </a:solidFill>
+                        <a:effectLst/>
+                        <a:latin typeface="나눔바른고딕" panose="020B0603020101020101" pitchFamily="50" charset="-127"/>
+                        <a:ea typeface="나눔바른고딕" panose="020B0603020101020101" pitchFamily="50" charset="-127"/>
+                        <a:cs typeface="+mn-cs"/>
+                      </a:endParaRPr>
+                    </a:p>
+                  </a:txBody>
+                  <a:tcPr marL="36000" marR="36000" marT="15709" marB="15709" anchor="ctr">
+                    <a:lnL w="12700" cap="flat" cmpd="sng" algn="ctr">
+                      <a:solidFill>
+                        <a:schemeClr val="bg1">
+                          <a:lumMod val="50000"/>
+                        </a:schemeClr>
+                      </a:solidFill>
+                      <a:prstDash val="solid"/>
+                      <a:round/>
+                      <a:headEnd type="none" w="med" len="med"/>
+                      <a:tailEnd type="none" w="med" len="med"/>
+                    </a:lnL>
+                    <a:lnR w="12700" cap="flat" cmpd="sng" algn="ctr">
+                      <a:solidFill>
+                        <a:schemeClr val="bg1">
+                          <a:lumMod val="50000"/>
+                        </a:schemeClr>
+                      </a:solidFill>
+                      <a:prstDash val="solid"/>
+                      <a:round/>
+                      <a:headEnd type="none" w="med" len="med"/>
+                      <a:tailEnd type="none" w="med" len="med"/>
+                    </a:lnR>
+                    <a:lnT w="12700" cap="flat" cmpd="sng" algn="ctr">
+                      <a:solidFill>
+                        <a:schemeClr val="bg1">
+                          <a:lumMod val="50000"/>
+                        </a:schemeClr>
+                      </a:solidFill>
+                      <a:prstDash val="solid"/>
+                      <a:round/>
+                      <a:headEnd type="none" w="med" len="med"/>
+                      <a:tailEnd type="none" w="med" len="med"/>
+                    </a:lnT>
+                    <a:lnB w="12700" cap="flat" cmpd="sng" algn="ctr">
+                      <a:solidFill>
+                        <a:schemeClr val="bg1">
+                          <a:lumMod val="50000"/>
+                        </a:schemeClr>
+                      </a:solidFill>
+                      <a:prstDash val="solid"/>
+                      <a:round/>
+                      <a:headEnd type="none" w="med" len="med"/>
+                      <a:tailEnd type="none" w="med" len="med"/>
+                    </a:lnB>
+                    <a:noFill/>
+                  </a:tcPr>
+                </a:tc>
+                <a:tc>
+                  <a:txBody>
+                    <a:bodyPr/>
+                    <a:lstStyle/>
+                    <a:p>
+                      <a:pPr marL="0" marR="0" indent="0" algn="ctr" fontAlgn="base" latinLnBrk="0">
+                        <a:lnSpc>
+                          <a:spcPct val="100000"/>
+                        </a:lnSpc>
+                        <a:spcBef>
+                          <a:spcPts val="0"/>
+                        </a:spcBef>
+                        <a:spcAft>
+                          <a:spcPts val="0"/>
+                        </a:spcAft>
+                      </a:pPr>
+                      <a:endParaRPr lang="en-US" altLang="ko-KR" sz="1050" b="1" kern="0" spc="0" dirty="0">
+                        <a:solidFill>
+                          <a:schemeClr val="bg1">
+                            <a:lumMod val="75000"/>
+                          </a:schemeClr>
+                        </a:solidFill>
+                        <a:effectLst/>
+                        <a:latin typeface="나눔바른고딕" panose="020B0603020101020101" pitchFamily="50" charset="-127"/>
+                        <a:ea typeface="나눔바른고딕" panose="020B0603020101020101" pitchFamily="50" charset="-127"/>
+                        <a:cs typeface="+mn-cs"/>
+                      </a:endParaRPr>
+                    </a:p>
+                  </a:txBody>
+                  <a:tcPr marL="36000" marR="36000" marT="15709" marB="15709" anchor="ctr">
+                    <a:lnL w="12700" cap="flat" cmpd="sng" algn="ctr">
+                      <a:solidFill>
+                        <a:schemeClr val="bg1">
+                          <a:lumMod val="50000"/>
+                        </a:schemeClr>
+                      </a:solidFill>
+                      <a:prstDash val="solid"/>
+                      <a:round/>
+                      <a:headEnd type="none" w="med" len="med"/>
+                      <a:tailEnd type="none" w="med" len="med"/>
+                    </a:lnL>
+                    <a:lnR w="12700" cap="flat" cmpd="sng" algn="ctr">
+                      <a:solidFill>
+                        <a:schemeClr val="bg1">
+                          <a:lumMod val="50000"/>
+                        </a:schemeClr>
+                      </a:solidFill>
+                      <a:prstDash val="solid"/>
+                      <a:round/>
+                      <a:headEnd type="none" w="med" len="med"/>
+                      <a:tailEnd type="none" w="med" len="med"/>
+                    </a:lnR>
+                    <a:lnT w="12700" cap="flat" cmpd="sng" algn="ctr">
+                      <a:solidFill>
+                        <a:schemeClr val="bg1">
+                          <a:lumMod val="50000"/>
+                        </a:schemeClr>
+                      </a:solidFill>
+                      <a:prstDash val="solid"/>
+                      <a:round/>
+                      <a:headEnd type="none" w="med" len="med"/>
+                      <a:tailEnd type="none" w="med" len="med"/>
+                    </a:lnT>
+                    <a:lnB w="12700" cap="flat" cmpd="sng" algn="ctr">
+                      <a:solidFill>
+                        <a:schemeClr val="bg1">
+                          <a:lumMod val="50000"/>
+                        </a:schemeClr>
+                      </a:solidFill>
+                      <a:prstDash val="solid"/>
+                      <a:round/>
+                      <a:headEnd type="none" w="med" len="med"/>
+                      <a:tailEnd type="none" w="med" len="med"/>
+                    </a:lnB>
+                    <a:noFill/>
+                  </a:tcPr>
+                </a:tc>
+                <a:tc>
+                  <a:txBody>
+                    <a:bodyPr/>
+                    <a:lstStyle/>
+                    <a:p>
+                      <a:pPr marL="0" marR="0" indent="0" algn="ctr" fontAlgn="base" latinLnBrk="0">
+                        <a:lnSpc>
+                          <a:spcPct val="100000"/>
+                        </a:lnSpc>
+                        <a:spcBef>
+                          <a:spcPts val="0"/>
+                        </a:spcBef>
+                        <a:spcAft>
+                          <a:spcPts val="0"/>
+                        </a:spcAft>
+                      </a:pPr>
+                      <a:endParaRPr lang="en-US" sz="1050" b="1" kern="0" spc="0" dirty="0">
+                        <a:solidFill>
+                          <a:schemeClr val="bg1">
+                            <a:lumMod val="75000"/>
+                          </a:schemeClr>
+                        </a:solidFill>
+                        <a:effectLst/>
+                        <a:latin typeface="나눔바른고딕" panose="020B0603020101020101" pitchFamily="50" charset="-127"/>
+                        <a:ea typeface="나눔바른고딕" panose="020B0603020101020101" pitchFamily="50" charset="-127"/>
+                        <a:cs typeface="+mn-cs"/>
+                      </a:endParaRPr>
+                    </a:p>
+                  </a:txBody>
+                  <a:tcPr marL="36000" marR="36000" marT="15709" marB="15709" anchor="ctr">
+                    <a:lnL w="12700" cap="flat" cmpd="sng" algn="ctr">
+                      <a:solidFill>
+                        <a:schemeClr val="bg1">
+                          <a:lumMod val="50000"/>
+                        </a:schemeClr>
+                      </a:solidFill>
+                      <a:prstDash val="solid"/>
+                      <a:round/>
+                      <a:headEnd type="none" w="med" len="med"/>
+                      <a:tailEnd type="none" w="med" len="med"/>
+                    </a:lnL>
+                    <a:lnR w="12700" cap="flat" cmpd="sng" algn="ctr">
+                      <a:solidFill>
+                        <a:schemeClr val="bg1">
+                          <a:lumMod val="50000"/>
+                        </a:schemeClr>
+                      </a:solidFill>
+                      <a:prstDash val="solid"/>
+                      <a:round/>
+                      <a:headEnd type="none" w="med" len="med"/>
+                      <a:tailEnd type="none" w="med" len="med"/>
+                    </a:lnR>
+                    <a:lnT w="12700" cap="flat" cmpd="sng" algn="ctr">
+                      <a:solidFill>
+                        <a:schemeClr val="bg1">
+                          <a:lumMod val="50000"/>
+                        </a:schemeClr>
+                      </a:solidFill>
+                      <a:prstDash val="solid"/>
+                      <a:round/>
+                      <a:headEnd type="none" w="med" len="med"/>
+                      <a:tailEnd type="none" w="med" len="med"/>
+                    </a:lnT>
+                    <a:lnB w="12700" cap="flat" cmpd="sng" algn="ctr">
+                      <a:solidFill>
+                        <a:schemeClr val="bg1">
+                          <a:lumMod val="50000"/>
+                        </a:schemeClr>
+                      </a:solidFill>
+                      <a:prstDash val="solid"/>
+                      <a:round/>
+                      <a:headEnd type="none" w="med" len="med"/>
+                      <a:tailEnd type="none" w="med" len="med"/>
+                    </a:lnB>
+                    <a:noFill/>
+                  </a:tcPr>
+                </a:tc>
+                <a:tc>
+                  <a:txBody>
+                    <a:bodyPr/>
+                    <a:lstStyle/>
+                    <a:p>
+                      <a:pPr marL="0" marR="0" indent="0" algn="ctr" fontAlgn="base" latinLnBrk="0">
+                        <a:lnSpc>
+                          <a:spcPct val="100000"/>
+                        </a:lnSpc>
+                        <a:spcBef>
+                          <a:spcPts val="0"/>
+                        </a:spcBef>
+                        <a:spcAft>
+                          <a:spcPts val="0"/>
+                        </a:spcAft>
+                      </a:pPr>
+                      <a:r>
+                        <a:rPr lang="en-US" sz="1050" b="1" kern="0" spc="0" dirty="0" smtClean="0">
+                          <a:solidFill>
+                            <a:schemeClr val="bg1">
+                              <a:lumMod val="75000"/>
+                            </a:schemeClr>
+                          </a:solidFill>
+                          <a:effectLst/>
+                          <a:latin typeface="나눔바른고딕" panose="020B0603020101020101" pitchFamily="50" charset="-127"/>
+                          <a:ea typeface="나눔바른고딕" panose="020B0603020101020101" pitchFamily="50" charset="-127"/>
+                          <a:cs typeface="+mn-cs"/>
+                        </a:rPr>
+                        <a:t>2.6</a:t>
+                      </a:r>
+                      <a:endParaRPr lang="en-US" sz="1050" b="1" kern="0" spc="0" dirty="0">
+                        <a:solidFill>
+                          <a:schemeClr val="bg1">
+                            <a:lumMod val="75000"/>
+                          </a:schemeClr>
+                        </a:solidFill>
+                        <a:effectLst/>
+                        <a:latin typeface="나눔바른고딕" panose="020B0603020101020101" pitchFamily="50" charset="-127"/>
+                        <a:ea typeface="나눔바른고딕" panose="020B0603020101020101" pitchFamily="50" charset="-127"/>
+                        <a:cs typeface="+mn-cs"/>
+                      </a:endParaRPr>
+                    </a:p>
+                  </a:txBody>
+                  <a:tcPr marL="36000" marR="36000" marT="15709" marB="15709" anchor="ctr">
+                    <a:lnL w="12700" cap="flat" cmpd="sng" algn="ctr">
+                      <a:solidFill>
+                        <a:schemeClr val="bg1">
+                          <a:lumMod val="50000"/>
+                        </a:schemeClr>
+                      </a:solidFill>
+                      <a:prstDash val="solid"/>
+                      <a:round/>
+                      <a:headEnd type="none" w="med" len="med"/>
+                      <a:tailEnd type="none" w="med" len="med"/>
+                    </a:lnL>
+                    <a:lnR w="12700" cap="flat" cmpd="sng" algn="ctr">
+                      <a:solidFill>
+                        <a:schemeClr val="bg1">
+                          <a:lumMod val="50000"/>
+                        </a:schemeClr>
+                      </a:solidFill>
+                      <a:prstDash val="solid"/>
+                      <a:round/>
+                      <a:headEnd type="none" w="med" len="med"/>
+                      <a:tailEnd type="none" w="med" len="med"/>
+                    </a:lnR>
+                    <a:lnT w="12700" cap="flat" cmpd="sng" algn="ctr">
+                      <a:solidFill>
+                        <a:schemeClr val="bg1">
+                          <a:lumMod val="50000"/>
+                        </a:schemeClr>
+                      </a:solidFill>
+                      <a:prstDash val="solid"/>
+                      <a:round/>
+                      <a:headEnd type="none" w="med" len="med"/>
+                      <a:tailEnd type="none" w="med" len="med"/>
+                    </a:lnT>
+                    <a:lnB w="12700" cap="flat" cmpd="sng" algn="ctr">
+                      <a:solidFill>
+                        <a:schemeClr val="bg1">
+                          <a:lumMod val="50000"/>
+                        </a:schemeClr>
+                      </a:solidFill>
+                      <a:prstDash val="solid"/>
+                      <a:round/>
+                      <a:headEnd type="none" w="med" len="med"/>
+                      <a:tailEnd type="none" w="med" len="med"/>
+                    </a:lnB>
+                    <a:noFill/>
+                  </a:tcPr>
+                </a:tc>
+                <a:tc>
+                  <a:txBody>
+                    <a:bodyPr/>
+                    <a:lstStyle/>
+                    <a:p>
+                      <a:pPr marL="0" marR="0" indent="0" algn="ctr" fontAlgn="base" latinLnBrk="0">
+                        <a:lnSpc>
+                          <a:spcPct val="100000"/>
+                        </a:lnSpc>
+                        <a:spcBef>
+                          <a:spcPts val="0"/>
+                        </a:spcBef>
+                        <a:spcAft>
+                          <a:spcPts val="0"/>
+                        </a:spcAft>
+                      </a:pPr>
+                      <a:r>
+                        <a:rPr lang="ko-KR" altLang="en-US" sz="1000" b="1" kern="0" spc="0" dirty="0" smtClean="0">
+                          <a:solidFill>
+                            <a:schemeClr val="bg1">
+                              <a:lumMod val="75000"/>
+                            </a:schemeClr>
+                          </a:solidFill>
+                          <a:effectLst/>
+                          <a:latin typeface="나눔바른고딕" panose="020B0603020101020101" pitchFamily="50" charset="-127"/>
+                          <a:ea typeface="나눔바른고딕" panose="020B0603020101020101" pitchFamily="50" charset="-127"/>
+                          <a:cs typeface="+mn-cs"/>
+                        </a:rPr>
+                        <a:t>입원예정</a:t>
+                      </a:r>
+                      <a:endParaRPr lang="ko-KR" altLang="en-US" sz="1000" b="1" kern="0" spc="0" dirty="0">
+                        <a:solidFill>
+                          <a:schemeClr val="bg1">
+                            <a:lumMod val="75000"/>
+                          </a:schemeClr>
+                        </a:solidFill>
+                        <a:effectLst/>
+                        <a:latin typeface="나눔바른고딕" panose="020B0603020101020101" pitchFamily="50" charset="-127"/>
+                        <a:ea typeface="나눔바른고딕" panose="020B0603020101020101" pitchFamily="50" charset="-127"/>
+                        <a:cs typeface="+mn-cs"/>
+                      </a:endParaRPr>
+                    </a:p>
+                  </a:txBody>
+                  <a:tcPr marL="36000" marR="36000" marT="15709" marB="15709" anchor="ctr">
+                    <a:lnL w="12700" cap="flat" cmpd="sng" algn="ctr">
+                      <a:solidFill>
+                        <a:schemeClr val="bg1">
+                          <a:lumMod val="50000"/>
+                        </a:schemeClr>
+                      </a:solidFill>
+                      <a:prstDash val="solid"/>
+                      <a:round/>
+                      <a:headEnd type="none" w="med" len="med"/>
+                      <a:tailEnd type="none" w="med" len="med"/>
+                    </a:lnL>
+                    <a:lnR w="12700" cap="flat" cmpd="sng" algn="ctr">
+                      <a:solidFill>
+                        <a:schemeClr val="bg1">
+                          <a:lumMod val="50000"/>
+                        </a:schemeClr>
+                      </a:solidFill>
+                      <a:prstDash val="solid"/>
+                      <a:round/>
+                      <a:headEnd type="none" w="med" len="med"/>
+                      <a:tailEnd type="none" w="med" len="med"/>
+                    </a:lnR>
+                    <a:lnT w="12700" cap="flat" cmpd="sng" algn="ctr">
+                      <a:solidFill>
+                        <a:schemeClr val="bg1">
+                          <a:lumMod val="50000"/>
+                        </a:schemeClr>
+                      </a:solidFill>
+                      <a:prstDash val="solid"/>
+                      <a:round/>
+                      <a:headEnd type="none" w="med" len="med"/>
+                      <a:tailEnd type="none" w="med" len="med"/>
+                    </a:lnT>
+                    <a:lnB w="12700" cap="flat" cmpd="sng" algn="ctr">
+                      <a:solidFill>
+                        <a:schemeClr val="bg1">
+                          <a:lumMod val="50000"/>
+                        </a:schemeClr>
+                      </a:solidFill>
+                      <a:prstDash val="solid"/>
+                      <a:round/>
+                      <a:headEnd type="none" w="med" len="med"/>
+                      <a:tailEnd type="none" w="med" len="med"/>
+                    </a:lnB>
+                    <a:noFill/>
+                  </a:tcPr>
+                </a:tc>
+                <a:tc>
+                  <a:txBody>
+                    <a:bodyPr/>
+                    <a:lstStyle/>
+                    <a:p>
+                      <a:pPr marL="0" marR="0" indent="0" algn="ctr" fontAlgn="base" latinLnBrk="0">
+                        <a:lnSpc>
+                          <a:spcPct val="100000"/>
+                        </a:lnSpc>
+                        <a:spcBef>
+                          <a:spcPts val="0"/>
+                        </a:spcBef>
+                        <a:spcAft>
+                          <a:spcPts val="0"/>
+                        </a:spcAft>
+                      </a:pPr>
+                      <a:r>
+                        <a:rPr lang="ko-KR" altLang="en-US" sz="1050" b="1" kern="0" spc="0" dirty="0" err="1" smtClean="0">
+                          <a:solidFill>
+                            <a:schemeClr val="bg1">
+                              <a:lumMod val="75000"/>
+                            </a:schemeClr>
+                          </a:solidFill>
+                          <a:effectLst/>
+                          <a:latin typeface="나눔바른고딕" panose="020B0603020101020101" pitchFamily="50" charset="-127"/>
+                          <a:ea typeface="나눔바른고딕" panose="020B0603020101020101" pitchFamily="50" charset="-127"/>
+                          <a:cs typeface="+mn-cs"/>
+                        </a:rPr>
+                        <a:t>확인중</a:t>
+                      </a:r>
+                      <a:endParaRPr lang="ko-KR" altLang="en-US" sz="1050" b="1" kern="0" spc="0" dirty="0">
+                        <a:solidFill>
+                          <a:schemeClr val="bg1">
+                            <a:lumMod val="75000"/>
+                          </a:schemeClr>
+                        </a:solidFill>
+                        <a:effectLst/>
+                        <a:latin typeface="나눔바른고딕" panose="020B0603020101020101" pitchFamily="50" charset="-127"/>
+                        <a:ea typeface="나눔바른고딕" panose="020B0603020101020101" pitchFamily="50" charset="-127"/>
+                        <a:cs typeface="+mn-cs"/>
+                      </a:endParaRPr>
+                    </a:p>
+                  </a:txBody>
+                  <a:tcPr marL="36000" marR="36000" marT="15709" marB="15709" anchor="ctr">
+                    <a:lnL w="12700" cap="flat" cmpd="sng" algn="ctr">
+                      <a:solidFill>
+                        <a:schemeClr val="bg1">
+                          <a:lumMod val="50000"/>
+                        </a:schemeClr>
+                      </a:solidFill>
+                      <a:prstDash val="solid"/>
+                      <a:round/>
+                      <a:headEnd type="none" w="med" len="med"/>
+                      <a:tailEnd type="none" w="med" len="med"/>
+                    </a:lnL>
+                    <a:lnR w="12700" cap="flat" cmpd="sng" algn="ctr">
+                      <a:solidFill>
+                        <a:schemeClr val="bg1">
+                          <a:lumMod val="50000"/>
+                        </a:schemeClr>
+                      </a:solidFill>
+                      <a:prstDash val="solid"/>
+                      <a:round/>
+                      <a:headEnd type="none" w="med" len="med"/>
+                      <a:tailEnd type="none" w="med" len="med"/>
+                    </a:lnR>
+                    <a:lnT w="12700" cap="flat" cmpd="sng" algn="ctr">
+                      <a:solidFill>
+                        <a:schemeClr val="bg1">
+                          <a:lumMod val="50000"/>
+                        </a:schemeClr>
+                      </a:solidFill>
+                      <a:prstDash val="solid"/>
+                      <a:round/>
+                      <a:headEnd type="none" w="med" len="med"/>
+                      <a:tailEnd type="none" w="med" len="med"/>
+                    </a:lnT>
+                    <a:lnB w="12700" cap="flat" cmpd="sng" algn="ctr">
+                      <a:solidFill>
+                        <a:schemeClr val="bg1">
+                          <a:lumMod val="50000"/>
+                        </a:schemeClr>
+                      </a:solidFill>
+                      <a:prstDash val="solid"/>
+                      <a:round/>
+                      <a:headEnd type="none" w="med" len="med"/>
+                      <a:tailEnd type="none" w="med" len="med"/>
+                    </a:lnB>
+                    <a:noFill/>
+                  </a:tcPr>
+                </a:tc>
               </a:tr>
             </a:tbl>
           </a:graphicData>

--- a/images/update.pptx
+++ b/images/update.pptx
@@ -134,7 +134,7 @@
           <p:cNvPr id="2" name="제목 1">
             <a:extLst>
               <a:ext uri="{FF2B5EF4-FFF2-40B4-BE49-F238E27FC236}">
-                <a16:creationId xmlns:a16="http://schemas.microsoft.com/office/drawing/2014/main" xmlns="" id="{709C3663-1325-4932-A62B-0B761DBD4910}"/>
+                <a16:creationId xmlns="" xmlns:a16="http://schemas.microsoft.com/office/drawing/2014/main" id="{709C3663-1325-4932-A62B-0B761DBD4910}"/>
               </a:ext>
             </a:extLst>
           </p:cNvPr>
@@ -171,7 +171,7 @@
           <p:cNvPr id="3" name="부제목 2">
             <a:extLst>
               <a:ext uri="{FF2B5EF4-FFF2-40B4-BE49-F238E27FC236}">
-                <a16:creationId xmlns:a16="http://schemas.microsoft.com/office/drawing/2014/main" xmlns="" id="{BBBDED7A-5236-41C5-B7C9-27913CCE0685}"/>
+                <a16:creationId xmlns="" xmlns:a16="http://schemas.microsoft.com/office/drawing/2014/main" id="{BBBDED7A-5236-41C5-B7C9-27913CCE0685}"/>
               </a:ext>
             </a:extLst>
           </p:cNvPr>
@@ -241,7 +241,7 @@
           <p:cNvPr id="4" name="날짜 개체 틀 3">
             <a:extLst>
               <a:ext uri="{FF2B5EF4-FFF2-40B4-BE49-F238E27FC236}">
-                <a16:creationId xmlns:a16="http://schemas.microsoft.com/office/drawing/2014/main" xmlns="" id="{2BB2662A-58B5-4209-B7D6-490DD0A2F449}"/>
+                <a16:creationId xmlns="" xmlns:a16="http://schemas.microsoft.com/office/drawing/2014/main" id="{2BB2662A-58B5-4209-B7D6-490DD0A2F449}"/>
               </a:ext>
             </a:extLst>
           </p:cNvPr>
@@ -270,7 +270,7 @@
           <p:cNvPr id="5" name="바닥글 개체 틀 4">
             <a:extLst>
               <a:ext uri="{FF2B5EF4-FFF2-40B4-BE49-F238E27FC236}">
-                <a16:creationId xmlns:a16="http://schemas.microsoft.com/office/drawing/2014/main" xmlns="" id="{C5DA137A-B415-4505-8390-A9ED526FF33D}"/>
+                <a16:creationId xmlns="" xmlns:a16="http://schemas.microsoft.com/office/drawing/2014/main" id="{C5DA137A-B415-4505-8390-A9ED526FF33D}"/>
               </a:ext>
             </a:extLst>
           </p:cNvPr>
@@ -295,7 +295,7 @@
           <p:cNvPr id="6" name="슬라이드 번호 개체 틀 5">
             <a:extLst>
               <a:ext uri="{FF2B5EF4-FFF2-40B4-BE49-F238E27FC236}">
-                <a16:creationId xmlns:a16="http://schemas.microsoft.com/office/drawing/2014/main" xmlns="" id="{428C23D2-FF8D-4584-9E1A-0026BAA39595}"/>
+                <a16:creationId xmlns="" xmlns:a16="http://schemas.microsoft.com/office/drawing/2014/main" id="{428C23D2-FF8D-4584-9E1A-0026BAA39595}"/>
               </a:ext>
             </a:extLst>
           </p:cNvPr>
@@ -354,7 +354,7 @@
           <p:cNvPr id="2" name="제목 1">
             <a:extLst>
               <a:ext uri="{FF2B5EF4-FFF2-40B4-BE49-F238E27FC236}">
-                <a16:creationId xmlns:a16="http://schemas.microsoft.com/office/drawing/2014/main" xmlns="" id="{180EFAF5-6A95-4191-A5F4-5652B8DB7B8C}"/>
+                <a16:creationId xmlns="" xmlns:a16="http://schemas.microsoft.com/office/drawing/2014/main" id="{180EFAF5-6A95-4191-A5F4-5652B8DB7B8C}"/>
               </a:ext>
             </a:extLst>
           </p:cNvPr>
@@ -382,7 +382,7 @@
           <p:cNvPr id="3" name="세로 텍스트 개체 틀 2">
             <a:extLst>
               <a:ext uri="{FF2B5EF4-FFF2-40B4-BE49-F238E27FC236}">
-                <a16:creationId xmlns:a16="http://schemas.microsoft.com/office/drawing/2014/main" xmlns="" id="{17E9374A-C70A-4C65-9EE2-758D1751FCD1}"/>
+                <a16:creationId xmlns="" xmlns:a16="http://schemas.microsoft.com/office/drawing/2014/main" id="{17E9374A-C70A-4C65-9EE2-758D1751FCD1}"/>
               </a:ext>
             </a:extLst>
           </p:cNvPr>
@@ -439,7 +439,7 @@
           <p:cNvPr id="4" name="날짜 개체 틀 3">
             <a:extLst>
               <a:ext uri="{FF2B5EF4-FFF2-40B4-BE49-F238E27FC236}">
-                <a16:creationId xmlns:a16="http://schemas.microsoft.com/office/drawing/2014/main" xmlns="" id="{A203BD37-1A57-4385-BB19-A38A57208826}"/>
+                <a16:creationId xmlns="" xmlns:a16="http://schemas.microsoft.com/office/drawing/2014/main" id="{A203BD37-1A57-4385-BB19-A38A57208826}"/>
               </a:ext>
             </a:extLst>
           </p:cNvPr>
@@ -468,7 +468,7 @@
           <p:cNvPr id="5" name="바닥글 개체 틀 4">
             <a:extLst>
               <a:ext uri="{FF2B5EF4-FFF2-40B4-BE49-F238E27FC236}">
-                <a16:creationId xmlns:a16="http://schemas.microsoft.com/office/drawing/2014/main" xmlns="" id="{30F03180-F227-48F5-B188-4B8903BDD52F}"/>
+                <a16:creationId xmlns="" xmlns:a16="http://schemas.microsoft.com/office/drawing/2014/main" id="{30F03180-F227-48F5-B188-4B8903BDD52F}"/>
               </a:ext>
             </a:extLst>
           </p:cNvPr>
@@ -493,7 +493,7 @@
           <p:cNvPr id="6" name="슬라이드 번호 개체 틀 5">
             <a:extLst>
               <a:ext uri="{FF2B5EF4-FFF2-40B4-BE49-F238E27FC236}">
-                <a16:creationId xmlns:a16="http://schemas.microsoft.com/office/drawing/2014/main" xmlns="" id="{F4F76F8E-8CD7-4695-BC80-9B8B6789DFF8}"/>
+                <a16:creationId xmlns="" xmlns:a16="http://schemas.microsoft.com/office/drawing/2014/main" id="{F4F76F8E-8CD7-4695-BC80-9B8B6789DFF8}"/>
               </a:ext>
             </a:extLst>
           </p:cNvPr>
@@ -552,7 +552,7 @@
           <p:cNvPr id="2" name="세로 제목 1">
             <a:extLst>
               <a:ext uri="{FF2B5EF4-FFF2-40B4-BE49-F238E27FC236}">
-                <a16:creationId xmlns:a16="http://schemas.microsoft.com/office/drawing/2014/main" xmlns="" id="{7D4CC50E-E65E-4620-90A2-D7E5A1FF15FE}"/>
+                <a16:creationId xmlns="" xmlns:a16="http://schemas.microsoft.com/office/drawing/2014/main" id="{7D4CC50E-E65E-4620-90A2-D7E5A1FF15FE}"/>
               </a:ext>
             </a:extLst>
           </p:cNvPr>
@@ -585,7 +585,7 @@
           <p:cNvPr id="3" name="세로 텍스트 개체 틀 2">
             <a:extLst>
               <a:ext uri="{FF2B5EF4-FFF2-40B4-BE49-F238E27FC236}">
-                <a16:creationId xmlns:a16="http://schemas.microsoft.com/office/drawing/2014/main" xmlns="" id="{841960AE-4FD6-465E-AC97-C18204D299C4}"/>
+                <a16:creationId xmlns="" xmlns:a16="http://schemas.microsoft.com/office/drawing/2014/main" id="{841960AE-4FD6-465E-AC97-C18204D299C4}"/>
               </a:ext>
             </a:extLst>
           </p:cNvPr>
@@ -647,7 +647,7 @@
           <p:cNvPr id="4" name="날짜 개체 틀 3">
             <a:extLst>
               <a:ext uri="{FF2B5EF4-FFF2-40B4-BE49-F238E27FC236}">
-                <a16:creationId xmlns:a16="http://schemas.microsoft.com/office/drawing/2014/main" xmlns="" id="{25C68F3B-21B4-404C-A9DD-07DC7ADA055D}"/>
+                <a16:creationId xmlns="" xmlns:a16="http://schemas.microsoft.com/office/drawing/2014/main" id="{25C68F3B-21B4-404C-A9DD-07DC7ADA055D}"/>
               </a:ext>
             </a:extLst>
           </p:cNvPr>
@@ -676,7 +676,7 @@
           <p:cNvPr id="5" name="바닥글 개체 틀 4">
             <a:extLst>
               <a:ext uri="{FF2B5EF4-FFF2-40B4-BE49-F238E27FC236}">
-                <a16:creationId xmlns:a16="http://schemas.microsoft.com/office/drawing/2014/main" xmlns="" id="{A4C56A2A-4832-4A47-9E78-B16B78ABA1A5}"/>
+                <a16:creationId xmlns="" xmlns:a16="http://schemas.microsoft.com/office/drawing/2014/main" id="{A4C56A2A-4832-4A47-9E78-B16B78ABA1A5}"/>
               </a:ext>
             </a:extLst>
           </p:cNvPr>
@@ -701,7 +701,7 @@
           <p:cNvPr id="6" name="슬라이드 번호 개체 틀 5">
             <a:extLst>
               <a:ext uri="{FF2B5EF4-FFF2-40B4-BE49-F238E27FC236}">
-                <a16:creationId xmlns:a16="http://schemas.microsoft.com/office/drawing/2014/main" xmlns="" id="{6C982E65-1974-4B8A-A8E1-E05F386ED37E}"/>
+                <a16:creationId xmlns="" xmlns:a16="http://schemas.microsoft.com/office/drawing/2014/main" id="{6C982E65-1974-4B8A-A8E1-E05F386ED37E}"/>
               </a:ext>
             </a:extLst>
           </p:cNvPr>
@@ -760,7 +760,7 @@
           <p:cNvPr id="2" name="제목 1">
             <a:extLst>
               <a:ext uri="{FF2B5EF4-FFF2-40B4-BE49-F238E27FC236}">
-                <a16:creationId xmlns:a16="http://schemas.microsoft.com/office/drawing/2014/main" xmlns="" id="{F02D6E3A-CF0E-4C48-9844-BEB255A68D74}"/>
+                <a16:creationId xmlns="" xmlns:a16="http://schemas.microsoft.com/office/drawing/2014/main" id="{F02D6E3A-CF0E-4C48-9844-BEB255A68D74}"/>
               </a:ext>
             </a:extLst>
           </p:cNvPr>
@@ -788,7 +788,7 @@
           <p:cNvPr id="3" name="내용 개체 틀 2">
             <a:extLst>
               <a:ext uri="{FF2B5EF4-FFF2-40B4-BE49-F238E27FC236}">
-                <a16:creationId xmlns:a16="http://schemas.microsoft.com/office/drawing/2014/main" xmlns="" id="{BC694769-9407-4067-A842-CAA2875D964A}"/>
+                <a16:creationId xmlns="" xmlns:a16="http://schemas.microsoft.com/office/drawing/2014/main" id="{BC694769-9407-4067-A842-CAA2875D964A}"/>
               </a:ext>
             </a:extLst>
           </p:cNvPr>
@@ -845,7 +845,7 @@
           <p:cNvPr id="4" name="날짜 개체 틀 3">
             <a:extLst>
               <a:ext uri="{FF2B5EF4-FFF2-40B4-BE49-F238E27FC236}">
-                <a16:creationId xmlns:a16="http://schemas.microsoft.com/office/drawing/2014/main" xmlns="" id="{FFBFB471-450B-45F0-A532-4E68ECD8378B}"/>
+                <a16:creationId xmlns="" xmlns:a16="http://schemas.microsoft.com/office/drawing/2014/main" id="{FFBFB471-450B-45F0-A532-4E68ECD8378B}"/>
               </a:ext>
             </a:extLst>
           </p:cNvPr>
@@ -874,7 +874,7 @@
           <p:cNvPr id="5" name="바닥글 개체 틀 4">
             <a:extLst>
               <a:ext uri="{FF2B5EF4-FFF2-40B4-BE49-F238E27FC236}">
-                <a16:creationId xmlns:a16="http://schemas.microsoft.com/office/drawing/2014/main" xmlns="" id="{C19F9A36-96F1-40A0-BF9B-4E17ED6424CA}"/>
+                <a16:creationId xmlns="" xmlns:a16="http://schemas.microsoft.com/office/drawing/2014/main" id="{C19F9A36-96F1-40A0-BF9B-4E17ED6424CA}"/>
               </a:ext>
             </a:extLst>
           </p:cNvPr>
@@ -899,7 +899,7 @@
           <p:cNvPr id="6" name="슬라이드 번호 개체 틀 5">
             <a:extLst>
               <a:ext uri="{FF2B5EF4-FFF2-40B4-BE49-F238E27FC236}">
-                <a16:creationId xmlns:a16="http://schemas.microsoft.com/office/drawing/2014/main" xmlns="" id="{F40827E4-96FB-4626-B42E-B85DCC5FA294}"/>
+                <a16:creationId xmlns="" xmlns:a16="http://schemas.microsoft.com/office/drawing/2014/main" id="{F40827E4-96FB-4626-B42E-B85DCC5FA294}"/>
               </a:ext>
             </a:extLst>
           </p:cNvPr>
@@ -958,7 +958,7 @@
           <p:cNvPr id="2" name="제목 1">
             <a:extLst>
               <a:ext uri="{FF2B5EF4-FFF2-40B4-BE49-F238E27FC236}">
-                <a16:creationId xmlns:a16="http://schemas.microsoft.com/office/drawing/2014/main" xmlns="" id="{A89D2F2F-F6A8-4AED-BEB7-A7448E450AE2}"/>
+                <a16:creationId xmlns="" xmlns:a16="http://schemas.microsoft.com/office/drawing/2014/main" id="{A89D2F2F-F6A8-4AED-BEB7-A7448E450AE2}"/>
               </a:ext>
             </a:extLst>
           </p:cNvPr>
@@ -995,7 +995,7 @@
           <p:cNvPr id="3" name="텍스트 개체 틀 2">
             <a:extLst>
               <a:ext uri="{FF2B5EF4-FFF2-40B4-BE49-F238E27FC236}">
-                <a16:creationId xmlns:a16="http://schemas.microsoft.com/office/drawing/2014/main" xmlns="" id="{1C920E00-1018-40AA-AFA1-47256FF76AD1}"/>
+                <a16:creationId xmlns="" xmlns:a16="http://schemas.microsoft.com/office/drawing/2014/main" id="{1C920E00-1018-40AA-AFA1-47256FF76AD1}"/>
               </a:ext>
             </a:extLst>
           </p:cNvPr>
@@ -1120,7 +1120,7 @@
           <p:cNvPr id="4" name="날짜 개체 틀 3">
             <a:extLst>
               <a:ext uri="{FF2B5EF4-FFF2-40B4-BE49-F238E27FC236}">
-                <a16:creationId xmlns:a16="http://schemas.microsoft.com/office/drawing/2014/main" xmlns="" id="{5DED6BBC-E01F-4AE9-8E55-2DF9E2AA7532}"/>
+                <a16:creationId xmlns="" xmlns:a16="http://schemas.microsoft.com/office/drawing/2014/main" id="{5DED6BBC-E01F-4AE9-8E55-2DF9E2AA7532}"/>
               </a:ext>
             </a:extLst>
           </p:cNvPr>
@@ -1149,7 +1149,7 @@
           <p:cNvPr id="5" name="바닥글 개체 틀 4">
             <a:extLst>
               <a:ext uri="{FF2B5EF4-FFF2-40B4-BE49-F238E27FC236}">
-                <a16:creationId xmlns:a16="http://schemas.microsoft.com/office/drawing/2014/main" xmlns="" id="{DB4D867E-A3C9-4C1D-9012-66E62C961C14}"/>
+                <a16:creationId xmlns="" xmlns:a16="http://schemas.microsoft.com/office/drawing/2014/main" id="{DB4D867E-A3C9-4C1D-9012-66E62C961C14}"/>
               </a:ext>
             </a:extLst>
           </p:cNvPr>
@@ -1174,7 +1174,7 @@
           <p:cNvPr id="6" name="슬라이드 번호 개체 틀 5">
             <a:extLst>
               <a:ext uri="{FF2B5EF4-FFF2-40B4-BE49-F238E27FC236}">
-                <a16:creationId xmlns:a16="http://schemas.microsoft.com/office/drawing/2014/main" xmlns="" id="{3C7BB8C6-2239-44B5-80E6-73F79D5D7042}"/>
+                <a16:creationId xmlns="" xmlns:a16="http://schemas.microsoft.com/office/drawing/2014/main" id="{3C7BB8C6-2239-44B5-80E6-73F79D5D7042}"/>
               </a:ext>
             </a:extLst>
           </p:cNvPr>
@@ -1233,7 +1233,7 @@
           <p:cNvPr id="2" name="제목 1">
             <a:extLst>
               <a:ext uri="{FF2B5EF4-FFF2-40B4-BE49-F238E27FC236}">
-                <a16:creationId xmlns:a16="http://schemas.microsoft.com/office/drawing/2014/main" xmlns="" id="{4CE6D0DC-FA61-4211-AA7D-7E7EF178661C}"/>
+                <a16:creationId xmlns="" xmlns:a16="http://schemas.microsoft.com/office/drawing/2014/main" id="{4CE6D0DC-FA61-4211-AA7D-7E7EF178661C}"/>
               </a:ext>
             </a:extLst>
           </p:cNvPr>
@@ -1261,7 +1261,7 @@
           <p:cNvPr id="3" name="내용 개체 틀 2">
             <a:extLst>
               <a:ext uri="{FF2B5EF4-FFF2-40B4-BE49-F238E27FC236}">
-                <a16:creationId xmlns:a16="http://schemas.microsoft.com/office/drawing/2014/main" xmlns="" id="{7043EACC-AF6E-4998-9489-A015AF45174F}"/>
+                <a16:creationId xmlns="" xmlns:a16="http://schemas.microsoft.com/office/drawing/2014/main" id="{7043EACC-AF6E-4998-9489-A015AF45174F}"/>
               </a:ext>
             </a:extLst>
           </p:cNvPr>
@@ -1323,7 +1323,7 @@
           <p:cNvPr id="4" name="내용 개체 틀 3">
             <a:extLst>
               <a:ext uri="{FF2B5EF4-FFF2-40B4-BE49-F238E27FC236}">
-                <a16:creationId xmlns:a16="http://schemas.microsoft.com/office/drawing/2014/main" xmlns="" id="{432FA007-1455-4C73-9864-D1A8AE49BF39}"/>
+                <a16:creationId xmlns="" xmlns:a16="http://schemas.microsoft.com/office/drawing/2014/main" id="{432FA007-1455-4C73-9864-D1A8AE49BF39}"/>
               </a:ext>
             </a:extLst>
           </p:cNvPr>
@@ -1385,7 +1385,7 @@
           <p:cNvPr id="5" name="날짜 개체 틀 4">
             <a:extLst>
               <a:ext uri="{FF2B5EF4-FFF2-40B4-BE49-F238E27FC236}">
-                <a16:creationId xmlns:a16="http://schemas.microsoft.com/office/drawing/2014/main" xmlns="" id="{37B741FF-157F-40D5-A150-75A2EE4C9E26}"/>
+                <a16:creationId xmlns="" xmlns:a16="http://schemas.microsoft.com/office/drawing/2014/main" id="{37B741FF-157F-40D5-A150-75A2EE4C9E26}"/>
               </a:ext>
             </a:extLst>
           </p:cNvPr>
@@ -1414,7 +1414,7 @@
           <p:cNvPr id="6" name="바닥글 개체 틀 5">
             <a:extLst>
               <a:ext uri="{FF2B5EF4-FFF2-40B4-BE49-F238E27FC236}">
-                <a16:creationId xmlns:a16="http://schemas.microsoft.com/office/drawing/2014/main" xmlns="" id="{C8338BD1-A5B5-41B8-829F-20A052C2AB04}"/>
+                <a16:creationId xmlns="" xmlns:a16="http://schemas.microsoft.com/office/drawing/2014/main" id="{C8338BD1-A5B5-41B8-829F-20A052C2AB04}"/>
               </a:ext>
             </a:extLst>
           </p:cNvPr>
@@ -1439,7 +1439,7 @@
           <p:cNvPr id="7" name="슬라이드 번호 개체 틀 6">
             <a:extLst>
               <a:ext uri="{FF2B5EF4-FFF2-40B4-BE49-F238E27FC236}">
-                <a16:creationId xmlns:a16="http://schemas.microsoft.com/office/drawing/2014/main" xmlns="" id="{41C61354-ADE2-4C09-BF98-114510514B79}"/>
+                <a16:creationId xmlns="" xmlns:a16="http://schemas.microsoft.com/office/drawing/2014/main" id="{41C61354-ADE2-4C09-BF98-114510514B79}"/>
               </a:ext>
             </a:extLst>
           </p:cNvPr>
@@ -1498,7 +1498,7 @@
           <p:cNvPr id="2" name="제목 1">
             <a:extLst>
               <a:ext uri="{FF2B5EF4-FFF2-40B4-BE49-F238E27FC236}">
-                <a16:creationId xmlns:a16="http://schemas.microsoft.com/office/drawing/2014/main" xmlns="" id="{98E0CDAF-1805-4623-80D6-E68E95AC0077}"/>
+                <a16:creationId xmlns="" xmlns:a16="http://schemas.microsoft.com/office/drawing/2014/main" id="{98E0CDAF-1805-4623-80D6-E68E95AC0077}"/>
               </a:ext>
             </a:extLst>
           </p:cNvPr>
@@ -1531,7 +1531,7 @@
           <p:cNvPr id="3" name="텍스트 개체 틀 2">
             <a:extLst>
               <a:ext uri="{FF2B5EF4-FFF2-40B4-BE49-F238E27FC236}">
-                <a16:creationId xmlns:a16="http://schemas.microsoft.com/office/drawing/2014/main" xmlns="" id="{19EAA552-FB12-4F4F-9114-E5851423FEB2}"/>
+                <a16:creationId xmlns="" xmlns:a16="http://schemas.microsoft.com/office/drawing/2014/main" id="{19EAA552-FB12-4F4F-9114-E5851423FEB2}"/>
               </a:ext>
             </a:extLst>
           </p:cNvPr>
@@ -1602,7 +1602,7 @@
           <p:cNvPr id="4" name="내용 개체 틀 3">
             <a:extLst>
               <a:ext uri="{FF2B5EF4-FFF2-40B4-BE49-F238E27FC236}">
-                <a16:creationId xmlns:a16="http://schemas.microsoft.com/office/drawing/2014/main" xmlns="" id="{57C41A33-1C13-4189-954C-A0BECB20E9C9}"/>
+                <a16:creationId xmlns="" xmlns:a16="http://schemas.microsoft.com/office/drawing/2014/main" id="{57C41A33-1C13-4189-954C-A0BECB20E9C9}"/>
               </a:ext>
             </a:extLst>
           </p:cNvPr>
@@ -1664,7 +1664,7 @@
           <p:cNvPr id="5" name="텍스트 개체 틀 4">
             <a:extLst>
               <a:ext uri="{FF2B5EF4-FFF2-40B4-BE49-F238E27FC236}">
-                <a16:creationId xmlns:a16="http://schemas.microsoft.com/office/drawing/2014/main" xmlns="" id="{34AA4E1F-43A2-47F0-8ADC-8E51F62E69D9}"/>
+                <a16:creationId xmlns="" xmlns:a16="http://schemas.microsoft.com/office/drawing/2014/main" id="{34AA4E1F-43A2-47F0-8ADC-8E51F62E69D9}"/>
               </a:ext>
             </a:extLst>
           </p:cNvPr>
@@ -1735,7 +1735,7 @@
           <p:cNvPr id="6" name="내용 개체 틀 5">
             <a:extLst>
               <a:ext uri="{FF2B5EF4-FFF2-40B4-BE49-F238E27FC236}">
-                <a16:creationId xmlns:a16="http://schemas.microsoft.com/office/drawing/2014/main" xmlns="" id="{EFBA4AAA-700C-48B0-9717-D14F467276B8}"/>
+                <a16:creationId xmlns="" xmlns:a16="http://schemas.microsoft.com/office/drawing/2014/main" id="{EFBA4AAA-700C-48B0-9717-D14F467276B8}"/>
               </a:ext>
             </a:extLst>
           </p:cNvPr>
@@ -1797,7 +1797,7 @@
           <p:cNvPr id="7" name="날짜 개체 틀 6">
             <a:extLst>
               <a:ext uri="{FF2B5EF4-FFF2-40B4-BE49-F238E27FC236}">
-                <a16:creationId xmlns:a16="http://schemas.microsoft.com/office/drawing/2014/main" xmlns="" id="{E1E6C05D-D90B-40BD-A788-3E6B0CAAF589}"/>
+                <a16:creationId xmlns="" xmlns:a16="http://schemas.microsoft.com/office/drawing/2014/main" id="{E1E6C05D-D90B-40BD-A788-3E6B0CAAF589}"/>
               </a:ext>
             </a:extLst>
           </p:cNvPr>
@@ -1826,7 +1826,7 @@
           <p:cNvPr id="8" name="바닥글 개체 틀 7">
             <a:extLst>
               <a:ext uri="{FF2B5EF4-FFF2-40B4-BE49-F238E27FC236}">
-                <a16:creationId xmlns:a16="http://schemas.microsoft.com/office/drawing/2014/main" xmlns="" id="{92A330DA-8A57-446E-82F0-6213E5B7008B}"/>
+                <a16:creationId xmlns="" xmlns:a16="http://schemas.microsoft.com/office/drawing/2014/main" id="{92A330DA-8A57-446E-82F0-6213E5B7008B}"/>
               </a:ext>
             </a:extLst>
           </p:cNvPr>
@@ -1851,7 +1851,7 @@
           <p:cNvPr id="9" name="슬라이드 번호 개체 틀 8">
             <a:extLst>
               <a:ext uri="{FF2B5EF4-FFF2-40B4-BE49-F238E27FC236}">
-                <a16:creationId xmlns:a16="http://schemas.microsoft.com/office/drawing/2014/main" xmlns="" id="{319BE11D-71D0-4A41-A374-9663D7690536}"/>
+                <a16:creationId xmlns="" xmlns:a16="http://schemas.microsoft.com/office/drawing/2014/main" id="{319BE11D-71D0-4A41-A374-9663D7690536}"/>
               </a:ext>
             </a:extLst>
           </p:cNvPr>
@@ -1910,7 +1910,7 @@
           <p:cNvPr id="2" name="제목 1">
             <a:extLst>
               <a:ext uri="{FF2B5EF4-FFF2-40B4-BE49-F238E27FC236}">
-                <a16:creationId xmlns:a16="http://schemas.microsoft.com/office/drawing/2014/main" xmlns="" id="{1BD63754-3DD4-48B0-AE43-31CE7464971A}"/>
+                <a16:creationId xmlns="" xmlns:a16="http://schemas.microsoft.com/office/drawing/2014/main" id="{1BD63754-3DD4-48B0-AE43-31CE7464971A}"/>
               </a:ext>
             </a:extLst>
           </p:cNvPr>
@@ -1938,7 +1938,7 @@
           <p:cNvPr id="3" name="날짜 개체 틀 2">
             <a:extLst>
               <a:ext uri="{FF2B5EF4-FFF2-40B4-BE49-F238E27FC236}">
-                <a16:creationId xmlns:a16="http://schemas.microsoft.com/office/drawing/2014/main" xmlns="" id="{5118F6CD-4955-4CCA-9A08-6D2985CDDD5F}"/>
+                <a16:creationId xmlns="" xmlns:a16="http://schemas.microsoft.com/office/drawing/2014/main" id="{5118F6CD-4955-4CCA-9A08-6D2985CDDD5F}"/>
               </a:ext>
             </a:extLst>
           </p:cNvPr>
@@ -1967,7 +1967,7 @@
           <p:cNvPr id="4" name="바닥글 개체 틀 3">
             <a:extLst>
               <a:ext uri="{FF2B5EF4-FFF2-40B4-BE49-F238E27FC236}">
-                <a16:creationId xmlns:a16="http://schemas.microsoft.com/office/drawing/2014/main" xmlns="" id="{6FFFE331-316E-4FDA-B823-0F5415EC817A}"/>
+                <a16:creationId xmlns="" xmlns:a16="http://schemas.microsoft.com/office/drawing/2014/main" id="{6FFFE331-316E-4FDA-B823-0F5415EC817A}"/>
               </a:ext>
             </a:extLst>
           </p:cNvPr>
@@ -1992,7 +1992,7 @@
           <p:cNvPr id="5" name="슬라이드 번호 개체 틀 4">
             <a:extLst>
               <a:ext uri="{FF2B5EF4-FFF2-40B4-BE49-F238E27FC236}">
-                <a16:creationId xmlns:a16="http://schemas.microsoft.com/office/drawing/2014/main" xmlns="" id="{BFBCB44E-E20E-4FE5-9F36-E4873B2D7214}"/>
+                <a16:creationId xmlns="" xmlns:a16="http://schemas.microsoft.com/office/drawing/2014/main" id="{BFBCB44E-E20E-4FE5-9F36-E4873B2D7214}"/>
               </a:ext>
             </a:extLst>
           </p:cNvPr>
@@ -2051,7 +2051,7 @@
           <p:cNvPr id="2" name="날짜 개체 틀 1">
             <a:extLst>
               <a:ext uri="{FF2B5EF4-FFF2-40B4-BE49-F238E27FC236}">
-                <a16:creationId xmlns:a16="http://schemas.microsoft.com/office/drawing/2014/main" xmlns="" id="{F149E85E-9FB0-4D6A-B05F-281805E3B569}"/>
+                <a16:creationId xmlns="" xmlns:a16="http://schemas.microsoft.com/office/drawing/2014/main" id="{F149E85E-9FB0-4D6A-B05F-281805E3B569}"/>
               </a:ext>
             </a:extLst>
           </p:cNvPr>
@@ -2080,7 +2080,7 @@
           <p:cNvPr id="3" name="바닥글 개체 틀 2">
             <a:extLst>
               <a:ext uri="{FF2B5EF4-FFF2-40B4-BE49-F238E27FC236}">
-                <a16:creationId xmlns:a16="http://schemas.microsoft.com/office/drawing/2014/main" xmlns="" id="{0BA2D510-EF27-4C47-9AC6-83F56C7721F8}"/>
+                <a16:creationId xmlns="" xmlns:a16="http://schemas.microsoft.com/office/drawing/2014/main" id="{0BA2D510-EF27-4C47-9AC6-83F56C7721F8}"/>
               </a:ext>
             </a:extLst>
           </p:cNvPr>
@@ -2105,7 +2105,7 @@
           <p:cNvPr id="4" name="슬라이드 번호 개체 틀 3">
             <a:extLst>
               <a:ext uri="{FF2B5EF4-FFF2-40B4-BE49-F238E27FC236}">
-                <a16:creationId xmlns:a16="http://schemas.microsoft.com/office/drawing/2014/main" xmlns="" id="{541696B9-C94C-4284-AF3E-DFB2C90CA59E}"/>
+                <a16:creationId xmlns="" xmlns:a16="http://schemas.microsoft.com/office/drawing/2014/main" id="{541696B9-C94C-4284-AF3E-DFB2C90CA59E}"/>
               </a:ext>
             </a:extLst>
           </p:cNvPr>
@@ -2164,7 +2164,7 @@
           <p:cNvPr id="2" name="제목 1">
             <a:extLst>
               <a:ext uri="{FF2B5EF4-FFF2-40B4-BE49-F238E27FC236}">
-                <a16:creationId xmlns:a16="http://schemas.microsoft.com/office/drawing/2014/main" xmlns="" id="{6D0128B9-D37C-4665-82B0-B7029CF43239}"/>
+                <a16:creationId xmlns="" xmlns:a16="http://schemas.microsoft.com/office/drawing/2014/main" id="{6D0128B9-D37C-4665-82B0-B7029CF43239}"/>
               </a:ext>
             </a:extLst>
           </p:cNvPr>
@@ -2201,7 +2201,7 @@
           <p:cNvPr id="3" name="내용 개체 틀 2">
             <a:extLst>
               <a:ext uri="{FF2B5EF4-FFF2-40B4-BE49-F238E27FC236}">
-                <a16:creationId xmlns:a16="http://schemas.microsoft.com/office/drawing/2014/main" xmlns="" id="{44605527-4E96-4904-A6B2-8622C9593818}"/>
+                <a16:creationId xmlns="" xmlns:a16="http://schemas.microsoft.com/office/drawing/2014/main" id="{44605527-4E96-4904-A6B2-8622C9593818}"/>
               </a:ext>
             </a:extLst>
           </p:cNvPr>
@@ -2291,7 +2291,7 @@
           <p:cNvPr id="4" name="텍스트 개체 틀 3">
             <a:extLst>
               <a:ext uri="{FF2B5EF4-FFF2-40B4-BE49-F238E27FC236}">
-                <a16:creationId xmlns:a16="http://schemas.microsoft.com/office/drawing/2014/main" xmlns="" id="{8F31B321-590E-4BCA-8998-60BC0A7C7C6F}"/>
+                <a16:creationId xmlns="" xmlns:a16="http://schemas.microsoft.com/office/drawing/2014/main" id="{8F31B321-590E-4BCA-8998-60BC0A7C7C6F}"/>
               </a:ext>
             </a:extLst>
           </p:cNvPr>
@@ -2362,7 +2362,7 @@
           <p:cNvPr id="5" name="날짜 개체 틀 4">
             <a:extLst>
               <a:ext uri="{FF2B5EF4-FFF2-40B4-BE49-F238E27FC236}">
-                <a16:creationId xmlns:a16="http://schemas.microsoft.com/office/drawing/2014/main" xmlns="" id="{1CF7311C-C7E7-4F04-9479-43845C862DF7}"/>
+                <a16:creationId xmlns="" xmlns:a16="http://schemas.microsoft.com/office/drawing/2014/main" id="{1CF7311C-C7E7-4F04-9479-43845C862DF7}"/>
               </a:ext>
             </a:extLst>
           </p:cNvPr>
@@ -2391,7 +2391,7 @@
           <p:cNvPr id="6" name="바닥글 개체 틀 5">
             <a:extLst>
               <a:ext uri="{FF2B5EF4-FFF2-40B4-BE49-F238E27FC236}">
-                <a16:creationId xmlns:a16="http://schemas.microsoft.com/office/drawing/2014/main" xmlns="" id="{E12F5C9B-82C0-4359-A13D-DB40DE35BBD3}"/>
+                <a16:creationId xmlns="" xmlns:a16="http://schemas.microsoft.com/office/drawing/2014/main" id="{E12F5C9B-82C0-4359-A13D-DB40DE35BBD3}"/>
               </a:ext>
             </a:extLst>
           </p:cNvPr>
@@ -2416,7 +2416,7 @@
           <p:cNvPr id="7" name="슬라이드 번호 개체 틀 6">
             <a:extLst>
               <a:ext uri="{FF2B5EF4-FFF2-40B4-BE49-F238E27FC236}">
-                <a16:creationId xmlns:a16="http://schemas.microsoft.com/office/drawing/2014/main" xmlns="" id="{085CA861-7EE0-43CD-9E3A-9144CA36D8DD}"/>
+                <a16:creationId xmlns="" xmlns:a16="http://schemas.microsoft.com/office/drawing/2014/main" id="{085CA861-7EE0-43CD-9E3A-9144CA36D8DD}"/>
               </a:ext>
             </a:extLst>
           </p:cNvPr>
@@ -2475,7 +2475,7 @@
           <p:cNvPr id="2" name="제목 1">
             <a:extLst>
               <a:ext uri="{FF2B5EF4-FFF2-40B4-BE49-F238E27FC236}">
-                <a16:creationId xmlns:a16="http://schemas.microsoft.com/office/drawing/2014/main" xmlns="" id="{BA1255EE-8429-41C5-9E1B-58DBB7AD77FA}"/>
+                <a16:creationId xmlns="" xmlns:a16="http://schemas.microsoft.com/office/drawing/2014/main" id="{BA1255EE-8429-41C5-9E1B-58DBB7AD77FA}"/>
               </a:ext>
             </a:extLst>
           </p:cNvPr>
@@ -2512,7 +2512,7 @@
           <p:cNvPr id="3" name="그림 개체 틀 2">
             <a:extLst>
               <a:ext uri="{FF2B5EF4-FFF2-40B4-BE49-F238E27FC236}">
-                <a16:creationId xmlns:a16="http://schemas.microsoft.com/office/drawing/2014/main" xmlns="" id="{32BC6078-6693-4173-B484-D9A3DB6CCB8F}"/>
+                <a16:creationId xmlns="" xmlns:a16="http://schemas.microsoft.com/office/drawing/2014/main" id="{32BC6078-6693-4173-B484-D9A3DB6CCB8F}"/>
               </a:ext>
             </a:extLst>
           </p:cNvPr>
@@ -2579,7 +2579,7 @@
           <p:cNvPr id="4" name="텍스트 개체 틀 3">
             <a:extLst>
               <a:ext uri="{FF2B5EF4-FFF2-40B4-BE49-F238E27FC236}">
-                <a16:creationId xmlns:a16="http://schemas.microsoft.com/office/drawing/2014/main" xmlns="" id="{343F604B-6B24-4228-A21A-665074087735}"/>
+                <a16:creationId xmlns="" xmlns:a16="http://schemas.microsoft.com/office/drawing/2014/main" id="{343F604B-6B24-4228-A21A-665074087735}"/>
               </a:ext>
             </a:extLst>
           </p:cNvPr>
@@ -2650,7 +2650,7 @@
           <p:cNvPr id="5" name="날짜 개체 틀 4">
             <a:extLst>
               <a:ext uri="{FF2B5EF4-FFF2-40B4-BE49-F238E27FC236}">
-                <a16:creationId xmlns:a16="http://schemas.microsoft.com/office/drawing/2014/main" xmlns="" id="{C024A9A6-F061-42B3-897F-689BD4920E2A}"/>
+                <a16:creationId xmlns="" xmlns:a16="http://schemas.microsoft.com/office/drawing/2014/main" id="{C024A9A6-F061-42B3-897F-689BD4920E2A}"/>
               </a:ext>
             </a:extLst>
           </p:cNvPr>
@@ -2679,7 +2679,7 @@
           <p:cNvPr id="6" name="바닥글 개체 틀 5">
             <a:extLst>
               <a:ext uri="{FF2B5EF4-FFF2-40B4-BE49-F238E27FC236}">
-                <a16:creationId xmlns:a16="http://schemas.microsoft.com/office/drawing/2014/main" xmlns="" id="{3485ED0B-5CDC-4243-88F7-F16156F99B1E}"/>
+                <a16:creationId xmlns="" xmlns:a16="http://schemas.microsoft.com/office/drawing/2014/main" id="{3485ED0B-5CDC-4243-88F7-F16156F99B1E}"/>
               </a:ext>
             </a:extLst>
           </p:cNvPr>
@@ -2704,7 +2704,7 @@
           <p:cNvPr id="7" name="슬라이드 번호 개체 틀 6">
             <a:extLst>
               <a:ext uri="{FF2B5EF4-FFF2-40B4-BE49-F238E27FC236}">
-                <a16:creationId xmlns:a16="http://schemas.microsoft.com/office/drawing/2014/main" xmlns="" id="{383D4234-91E5-4D1F-86FC-2172F3B26AE2}"/>
+                <a16:creationId xmlns="" xmlns:a16="http://schemas.microsoft.com/office/drawing/2014/main" id="{383D4234-91E5-4D1F-86FC-2172F3B26AE2}"/>
               </a:ext>
             </a:extLst>
           </p:cNvPr>
@@ -2768,7 +2768,7 @@
           <p:cNvPr id="2" name="제목 개체 틀 1">
             <a:extLst>
               <a:ext uri="{FF2B5EF4-FFF2-40B4-BE49-F238E27FC236}">
-                <a16:creationId xmlns:a16="http://schemas.microsoft.com/office/drawing/2014/main" xmlns="" id="{D083DC12-01C9-4E8E-B22A-FF059DD3E181}"/>
+                <a16:creationId xmlns="" xmlns:a16="http://schemas.microsoft.com/office/drawing/2014/main" id="{D083DC12-01C9-4E8E-B22A-FF059DD3E181}"/>
               </a:ext>
             </a:extLst>
           </p:cNvPr>
@@ -2806,7 +2806,7 @@
           <p:cNvPr id="3" name="텍스트 개체 틀 2">
             <a:extLst>
               <a:ext uri="{FF2B5EF4-FFF2-40B4-BE49-F238E27FC236}">
-                <a16:creationId xmlns:a16="http://schemas.microsoft.com/office/drawing/2014/main" xmlns="" id="{FBF310E0-44DD-4B51-843A-CD4025EBDF0D}"/>
+                <a16:creationId xmlns="" xmlns:a16="http://schemas.microsoft.com/office/drawing/2014/main" id="{FBF310E0-44DD-4B51-843A-CD4025EBDF0D}"/>
               </a:ext>
             </a:extLst>
           </p:cNvPr>
@@ -2873,7 +2873,7 @@
           <p:cNvPr id="4" name="날짜 개체 틀 3">
             <a:extLst>
               <a:ext uri="{FF2B5EF4-FFF2-40B4-BE49-F238E27FC236}">
-                <a16:creationId xmlns:a16="http://schemas.microsoft.com/office/drawing/2014/main" xmlns="" id="{581B4236-D507-466A-AF70-992AD57A84D1}"/>
+                <a16:creationId xmlns="" xmlns:a16="http://schemas.microsoft.com/office/drawing/2014/main" id="{581B4236-D507-466A-AF70-992AD57A84D1}"/>
               </a:ext>
             </a:extLst>
           </p:cNvPr>
@@ -2920,7 +2920,7 @@
           <p:cNvPr id="5" name="바닥글 개체 틀 4">
             <a:extLst>
               <a:ext uri="{FF2B5EF4-FFF2-40B4-BE49-F238E27FC236}">
-                <a16:creationId xmlns:a16="http://schemas.microsoft.com/office/drawing/2014/main" xmlns="" id="{E4E12799-AC88-4344-94E8-D9A34CC68A77}"/>
+                <a16:creationId xmlns="" xmlns:a16="http://schemas.microsoft.com/office/drawing/2014/main" id="{E4E12799-AC88-4344-94E8-D9A34CC68A77}"/>
               </a:ext>
             </a:extLst>
           </p:cNvPr>
@@ -2963,7 +2963,7 @@
           <p:cNvPr id="6" name="슬라이드 번호 개체 틀 5">
             <a:extLst>
               <a:ext uri="{FF2B5EF4-FFF2-40B4-BE49-F238E27FC236}">
-                <a16:creationId xmlns:a16="http://schemas.microsoft.com/office/drawing/2014/main" xmlns="" id="{7DB528A9-39F2-4A16-9C88-78DAE1B9433F}"/>
+                <a16:creationId xmlns="" xmlns:a16="http://schemas.microsoft.com/office/drawing/2014/main" id="{7DB528A9-39F2-4A16-9C88-78DAE1B9433F}"/>
               </a:ext>
             </a:extLst>
           </p:cNvPr>
@@ -3331,7 +3331,7 @@
           <p:cNvPr id="4" name="표 3">
             <a:extLst>
               <a:ext uri="{FF2B5EF4-FFF2-40B4-BE49-F238E27FC236}">
-                <a16:creationId xmlns:a16="http://schemas.microsoft.com/office/drawing/2014/main" xmlns="" id="{C4E80E41-2EE6-4421-B2AC-92D2C4C05599}"/>
+                <a16:creationId xmlns="" xmlns:a16="http://schemas.microsoft.com/office/drawing/2014/main" id="{C4E80E41-2EE6-4421-B2AC-92D2C4C05599}"/>
               </a:ext>
             </a:extLst>
           </p:cNvPr>
@@ -3341,7 +3341,7 @@
           <p:nvPr>
             <p:extLst>
               <p:ext uri="{D42A27DB-BD31-4B8C-83A1-F6EECF244321}">
-                <p14:modId xmlns:p14="http://schemas.microsoft.com/office/powerpoint/2010/main" val="2633558410"/>
+                <p14:modId xmlns:p14="http://schemas.microsoft.com/office/powerpoint/2010/main" val="1782593547"/>
               </p:ext>
             </p:extLst>
           </p:nvPr>
@@ -3358,63 +3358,63 @@
                 <a:gridCol w="404664">
                   <a:extLst>
                     <a:ext uri="{9D8B030D-6E8A-4147-A177-3AD203B41FA5}">
-                      <a16:colId xmlns:a16="http://schemas.microsoft.com/office/drawing/2014/main" xmlns="" val="1158775166"/>
+                      <a16:colId xmlns="" xmlns:a16="http://schemas.microsoft.com/office/drawing/2014/main" val="1158775166"/>
                     </a:ext>
                   </a:extLst>
                 </a:gridCol>
                 <a:gridCol w="384256">
                   <a:extLst>
                     <a:ext uri="{9D8B030D-6E8A-4147-A177-3AD203B41FA5}">
-                      <a16:colId xmlns:a16="http://schemas.microsoft.com/office/drawing/2014/main" xmlns="" val="2043008770"/>
+                      <a16:colId xmlns="" xmlns:a16="http://schemas.microsoft.com/office/drawing/2014/main" val="2043008770"/>
                     </a:ext>
                   </a:extLst>
                 </a:gridCol>
                 <a:gridCol w="384256">
                   <a:extLst>
                     <a:ext uri="{9D8B030D-6E8A-4147-A177-3AD203B41FA5}">
-                      <a16:colId xmlns:a16="http://schemas.microsoft.com/office/drawing/2014/main" xmlns="" val="563148870"/>
+                      <a16:colId xmlns="" xmlns:a16="http://schemas.microsoft.com/office/drawing/2014/main" val="563148870"/>
                     </a:ext>
                   </a:extLst>
                 </a:gridCol>
                 <a:gridCol w="520149">
                   <a:extLst>
                     <a:ext uri="{9D8B030D-6E8A-4147-A177-3AD203B41FA5}">
-                      <a16:colId xmlns:a16="http://schemas.microsoft.com/office/drawing/2014/main" xmlns="" val="3860621261"/>
+                      <a16:colId xmlns="" xmlns:a16="http://schemas.microsoft.com/office/drawing/2014/main" val="3860621261"/>
                     </a:ext>
                   </a:extLst>
                 </a:gridCol>
                 <a:gridCol w="421708">
                   <a:extLst>
                     <a:ext uri="{9D8B030D-6E8A-4147-A177-3AD203B41FA5}">
-                      <a16:colId xmlns:a16="http://schemas.microsoft.com/office/drawing/2014/main" xmlns="" val="4109762151"/>
+                      <a16:colId xmlns="" xmlns:a16="http://schemas.microsoft.com/office/drawing/2014/main" val="4109762151"/>
                     </a:ext>
                   </a:extLst>
                 </a:gridCol>
                 <a:gridCol w="520149">
                   <a:extLst>
                     <a:ext uri="{9D8B030D-6E8A-4147-A177-3AD203B41FA5}">
-                      <a16:colId xmlns:a16="http://schemas.microsoft.com/office/drawing/2014/main" xmlns="" val="2003688482"/>
+                      <a16:colId xmlns="" xmlns:a16="http://schemas.microsoft.com/office/drawing/2014/main" val="2003688482"/>
                     </a:ext>
                   </a:extLst>
                 </a:gridCol>
                 <a:gridCol w="513076">
                   <a:extLst>
                     <a:ext uri="{9D8B030D-6E8A-4147-A177-3AD203B41FA5}">
-                      <a16:colId xmlns:a16="http://schemas.microsoft.com/office/drawing/2014/main" xmlns="" val="3961368747"/>
+                      <a16:colId xmlns="" xmlns:a16="http://schemas.microsoft.com/office/drawing/2014/main" val="3961368747"/>
                     </a:ext>
                   </a:extLst>
                 </a:gridCol>
                 <a:gridCol w="1044384">
                   <a:extLst>
                     <a:ext uri="{9D8B030D-6E8A-4147-A177-3AD203B41FA5}">
-                      <a16:colId xmlns:a16="http://schemas.microsoft.com/office/drawing/2014/main" xmlns="" val="1959172409"/>
+                      <a16:colId xmlns="" xmlns:a16="http://schemas.microsoft.com/office/drawing/2014/main" val="1959172409"/>
                     </a:ext>
                   </a:extLst>
                 </a:gridCol>
                 <a:gridCol w="660856">
                   <a:extLst>
                     <a:ext uri="{9D8B030D-6E8A-4147-A177-3AD203B41FA5}">
-                      <a16:colId xmlns:a16="http://schemas.microsoft.com/office/drawing/2014/main" xmlns="" val="4223562706"/>
+                      <a16:colId xmlns="" xmlns:a16="http://schemas.microsoft.com/office/drawing/2014/main" val="4223562706"/>
                     </a:ext>
                   </a:extLst>
                 </a:gridCol>
@@ -4309,7 +4309,7 @@
                         </a:spcAft>
                       </a:pPr>
                       <a:r>
-                        <a:rPr lang="en-US" altLang="ko-KR" sz="1100" b="1" kern="0" spc="-180" dirty="0">
+                        <a:rPr lang="en-US" altLang="ko-KR" sz="1100" b="1" kern="0" spc="-180" dirty="0" smtClean="0">
                           <a:solidFill>
                             <a:srgbClr val="000000"/>
                           </a:solidFill>
@@ -4317,10 +4317,10 @@
                           <a:latin typeface="나눔바른고딕" panose="020B0603020101020101" pitchFamily="50" charset="-127"/>
                           <a:ea typeface="나눔바른고딕" panose="020B0603020101020101" pitchFamily="50" charset="-127"/>
                         </a:rPr>
-                        <a:t>(956</a:t>
+                        <a:t>(1,234</a:t>
                       </a:r>
                       <a:r>
-                        <a:rPr lang="ko-KR" altLang="en-US" sz="1100" b="1" kern="0" spc="-180" dirty="0">
+                        <a:rPr lang="ko-KR" altLang="en-US" sz="1100" b="1" kern="0" spc="-180" dirty="0" smtClean="0">
                           <a:solidFill>
                             <a:srgbClr val="000000"/>
                           </a:solidFill>
@@ -4405,7 +4405,7 @@
                 </a:tc>
                 <a:extLst>
                   <a:ext uri="{0D108BD9-81ED-4DB2-BD59-A6C34878D82A}">
-                    <a16:rowId xmlns:a16="http://schemas.microsoft.com/office/drawing/2014/main" xmlns="" val="1915782648"/>
+                    <a16:rowId xmlns="" xmlns:a16="http://schemas.microsoft.com/office/drawing/2014/main" val="1915782648"/>
                   </a:ext>
                 </a:extLst>
               </a:tr>
@@ -5185,7 +5185,7 @@
                 </a:tc>
                 <a:extLst>
                   <a:ext uri="{0D108BD9-81ED-4DB2-BD59-A6C34878D82A}">
-                    <a16:rowId xmlns:a16="http://schemas.microsoft.com/office/drawing/2014/main" xmlns="" val="3142838666"/>
+                    <a16:rowId xmlns="" xmlns:a16="http://schemas.microsoft.com/office/drawing/2014/main" val="3142838666"/>
                   </a:ext>
                 </a:extLst>
               </a:tr>
@@ -5901,7 +5901,7 @@
                         </a:spcAft>
                       </a:pPr>
                       <a:r>
-                        <a:rPr lang="en-US" sz="1050" kern="0" spc="0">
+                        <a:rPr lang="en-US" sz="1050" kern="0" spc="0" dirty="0">
                           <a:solidFill>
                             <a:schemeClr val="bg1">
                               <a:lumMod val="75000"/>
@@ -5965,7 +5965,7 @@
                 </a:tc>
                 <a:extLst>
                   <a:ext uri="{0D108BD9-81ED-4DB2-BD59-A6C34878D82A}">
-                    <a16:rowId xmlns:a16="http://schemas.microsoft.com/office/drawing/2014/main" xmlns="" val="1441534338"/>
+                    <a16:rowId xmlns="" xmlns:a16="http://schemas.microsoft.com/office/drawing/2014/main" val="1441534338"/>
                   </a:ext>
                 </a:extLst>
               </a:tr>
@@ -6745,7 +6745,7 @@
                 </a:tc>
                 <a:extLst>
                   <a:ext uri="{0D108BD9-81ED-4DB2-BD59-A6C34878D82A}">
-                    <a16:rowId xmlns:a16="http://schemas.microsoft.com/office/drawing/2014/main" xmlns="" val="22170610"/>
+                    <a16:rowId xmlns="" xmlns:a16="http://schemas.microsoft.com/office/drawing/2014/main" val="22170610"/>
                   </a:ext>
                 </a:extLst>
               </a:tr>
@@ -7525,7 +7525,7 @@
                 </a:tc>
                 <a:extLst>
                   <a:ext uri="{0D108BD9-81ED-4DB2-BD59-A6C34878D82A}">
-                    <a16:rowId xmlns:a16="http://schemas.microsoft.com/office/drawing/2014/main" xmlns="" val="3965066583"/>
+                    <a16:rowId xmlns="" xmlns:a16="http://schemas.microsoft.com/office/drawing/2014/main" val="3965066583"/>
                   </a:ext>
                 </a:extLst>
               </a:tr>
@@ -8305,7 +8305,7 @@
                 </a:tc>
                 <a:extLst>
                   <a:ext uri="{0D108BD9-81ED-4DB2-BD59-A6C34878D82A}">
-                    <a16:rowId xmlns:a16="http://schemas.microsoft.com/office/drawing/2014/main" xmlns="" val="3133379929"/>
+                    <a16:rowId xmlns="" xmlns:a16="http://schemas.microsoft.com/office/drawing/2014/main" val="3133379929"/>
                   </a:ext>
                 </a:extLst>
               </a:tr>
@@ -9085,7 +9085,7 @@
                 </a:tc>
                 <a:extLst>
                   <a:ext uri="{0D108BD9-81ED-4DB2-BD59-A6C34878D82A}">
-                    <a16:rowId xmlns:a16="http://schemas.microsoft.com/office/drawing/2014/main" xmlns="" val="3767571966"/>
+                    <a16:rowId xmlns="" xmlns:a16="http://schemas.microsoft.com/office/drawing/2014/main" val="3767571966"/>
                   </a:ext>
                 </a:extLst>
               </a:tr>
@@ -9865,7 +9865,7 @@
                 </a:tc>
                 <a:extLst>
                   <a:ext uri="{0D108BD9-81ED-4DB2-BD59-A6C34878D82A}">
-                    <a16:rowId xmlns:a16="http://schemas.microsoft.com/office/drawing/2014/main" xmlns="" val="3402339324"/>
+                    <a16:rowId xmlns="" xmlns:a16="http://schemas.microsoft.com/office/drawing/2014/main" val="3402339324"/>
                   </a:ext>
                 </a:extLst>
               </a:tr>
@@ -10592,7 +10592,7 @@
                         </a:spcAft>
                       </a:pPr>
                       <a:r>
-                        <a:rPr lang="en-US" sz="1050" kern="0" spc="0" dirty="0">
+                        <a:rPr lang="en-US" sz="1050" kern="0" spc="0" dirty="0" smtClean="0">
                           <a:solidFill>
                             <a:schemeClr val="bg1">
                               <a:lumMod val="75000"/>
@@ -10602,8 +10602,18 @@
                           <a:latin typeface="나눔바른고딕" panose="020B0603020101020101" pitchFamily="50" charset="-127"/>
                           <a:ea typeface="나눔바른고딕" panose="020B0603020101020101" pitchFamily="50" charset="-127"/>
                         </a:rPr>
-                        <a:t>95</a:t>
+                        <a:t>113</a:t>
                       </a:r>
+                      <a:endParaRPr lang="en-US" sz="1050" kern="0" spc="0" dirty="0">
+                        <a:solidFill>
+                          <a:schemeClr val="bg1">
+                            <a:lumMod val="75000"/>
+                          </a:schemeClr>
+                        </a:solidFill>
+                        <a:effectLst/>
+                        <a:latin typeface="나눔바른고딕" panose="020B0603020101020101" pitchFamily="50" charset="-127"/>
+                        <a:ea typeface="나눔바른고딕" panose="020B0603020101020101" pitchFamily="50" charset="-127"/>
+                      </a:endParaRPr>
                     </a:p>
                   </a:txBody>
                   <a:tcPr marL="36000" marR="36000" marT="15709" marB="15709" anchor="ctr">
@@ -10656,7 +10666,7 @@
                 </a:tc>
                 <a:extLst>
                   <a:ext uri="{0D108BD9-81ED-4DB2-BD59-A6C34878D82A}">
-                    <a16:rowId xmlns:a16="http://schemas.microsoft.com/office/drawing/2014/main" xmlns="" val="1909014694"/>
+                    <a16:rowId xmlns="" xmlns:a16="http://schemas.microsoft.com/office/drawing/2014/main" val="1909014694"/>
                   </a:ext>
                 </a:extLst>
               </a:tr>
@@ -11372,7 +11382,7 @@
                         </a:spcAft>
                       </a:pPr>
                       <a:r>
-                        <a:rPr lang="en-US" sz="1050" kern="0" spc="0">
+                        <a:rPr lang="en-US" sz="1050" kern="0" spc="0" dirty="0">
                           <a:solidFill>
                             <a:schemeClr val="bg1">
                               <a:lumMod val="75000"/>
@@ -11436,7 +11446,7 @@
                 </a:tc>
                 <a:extLst>
                   <a:ext uri="{0D108BD9-81ED-4DB2-BD59-A6C34878D82A}">
-                    <a16:rowId xmlns:a16="http://schemas.microsoft.com/office/drawing/2014/main" xmlns="" val="2621453899"/>
+                    <a16:rowId xmlns="" xmlns:a16="http://schemas.microsoft.com/office/drawing/2014/main" val="2621453899"/>
                   </a:ext>
                 </a:extLst>
               </a:tr>
@@ -12216,7 +12226,7 @@
                 </a:tc>
                 <a:extLst>
                   <a:ext uri="{0D108BD9-81ED-4DB2-BD59-A6C34878D82A}">
-                    <a16:rowId xmlns:a16="http://schemas.microsoft.com/office/drawing/2014/main" xmlns="" val="1727322252"/>
+                    <a16:rowId xmlns="" xmlns:a16="http://schemas.microsoft.com/office/drawing/2014/main" val="1727322252"/>
                   </a:ext>
                 </a:extLst>
               </a:tr>
@@ -12996,7 +13006,7 @@
                 </a:tc>
                 <a:extLst>
                   <a:ext uri="{0D108BD9-81ED-4DB2-BD59-A6C34878D82A}">
-                    <a16:rowId xmlns:a16="http://schemas.microsoft.com/office/drawing/2014/main" xmlns="" val="1466450458"/>
+                    <a16:rowId xmlns="" xmlns:a16="http://schemas.microsoft.com/office/drawing/2014/main" val="1466450458"/>
                   </a:ext>
                 </a:extLst>
               </a:tr>
@@ -13775,7 +13785,7 @@
                 </a:tc>
                 <a:extLst>
                   <a:ext uri="{0D108BD9-81ED-4DB2-BD59-A6C34878D82A}">
-                    <a16:rowId xmlns:a16="http://schemas.microsoft.com/office/drawing/2014/main" xmlns="" val="1758572221"/>
+                    <a16:rowId xmlns="" xmlns:a16="http://schemas.microsoft.com/office/drawing/2014/main" val="1758572221"/>
                   </a:ext>
                 </a:extLst>
               </a:tr>
@@ -14554,7 +14564,7 @@
                 </a:tc>
                 <a:extLst>
                   <a:ext uri="{0D108BD9-81ED-4DB2-BD59-A6C34878D82A}">
-                    <a16:rowId xmlns:a16="http://schemas.microsoft.com/office/drawing/2014/main" xmlns="" val="591793903"/>
+                    <a16:rowId xmlns="" xmlns:a16="http://schemas.microsoft.com/office/drawing/2014/main" val="591793903"/>
                   </a:ext>
                 </a:extLst>
               </a:tr>
@@ -15021,7 +15031,7 @@
                         </a:spcAft>
                       </a:pPr>
                       <a:r>
-                        <a:rPr lang="en-US" sz="1050" b="1" kern="0" spc="0">
+                        <a:rPr lang="en-US" sz="1050" b="1" kern="0" spc="0" dirty="0">
                           <a:solidFill>
                             <a:schemeClr val="bg1">
                               <a:lumMod val="75000"/>
@@ -15033,7 +15043,7 @@
                         </a:rPr>
                         <a:t>-</a:t>
                       </a:r>
-                      <a:endParaRPr lang="en-US" sz="1050" kern="0" spc="0">
+                      <a:endParaRPr lang="en-US" sz="1050" kern="0" spc="0" dirty="0">
                         <a:solidFill>
                           <a:schemeClr val="bg1">
                             <a:lumMod val="75000"/>
@@ -15333,7 +15343,7 @@
                 </a:tc>
                 <a:extLst>
                   <a:ext uri="{0D108BD9-81ED-4DB2-BD59-A6C34878D82A}">
-                    <a16:rowId xmlns:a16="http://schemas.microsoft.com/office/drawing/2014/main" xmlns="" val="2167617470"/>
+                    <a16:rowId xmlns="" xmlns:a16="http://schemas.microsoft.com/office/drawing/2014/main" val="2167617470"/>
                   </a:ext>
                 </a:extLst>
               </a:tr>
@@ -15675,7 +15685,7 @@
                         </a:spcAft>
                       </a:pPr>
                       <a:r>
-                        <a:rPr lang="en-US" sz="1050" b="1" kern="0" spc="0">
+                        <a:rPr lang="en-US" sz="1050" b="1" kern="0" spc="0" dirty="0">
                           <a:solidFill>
                             <a:schemeClr val="bg1">
                               <a:lumMod val="75000"/>
@@ -16060,7 +16070,7 @@
                 </a:tc>
                 <a:extLst>
                   <a:ext uri="{0D108BD9-81ED-4DB2-BD59-A6C34878D82A}">
-                    <a16:rowId xmlns:a16="http://schemas.microsoft.com/office/drawing/2014/main" xmlns="" val="2045471854"/>
+                    <a16:rowId xmlns="" xmlns:a16="http://schemas.microsoft.com/office/drawing/2014/main" val="2045471854"/>
                   </a:ext>
                 </a:extLst>
               </a:tr>
@@ -16733,7 +16743,7 @@
                         </a:spcAft>
                       </a:pPr>
                       <a:r>
-                        <a:rPr lang="en-US" altLang="ko-KR" sz="1050" b="1" kern="0" spc="0" dirty="0">
+                        <a:rPr lang="en-US" altLang="ko-KR" sz="1050" b="1" kern="0" spc="0" dirty="0" smtClean="0">
                           <a:solidFill>
                             <a:schemeClr val="bg1">
                               <a:lumMod val="75000"/>
@@ -16744,7 +16754,7 @@
                           <a:ea typeface="나눔바른고딕" panose="020B0603020101020101" pitchFamily="50" charset="-127"/>
                           <a:cs typeface="+mn-cs"/>
                         </a:rPr>
-                        <a:t>306</a:t>
+                        <a:t>378</a:t>
                       </a:r>
                       <a:endParaRPr lang="ko-KR" altLang="en-US" sz="1050" b="1" kern="0" spc="0" dirty="0">
                         <a:solidFill>
@@ -16809,7 +16819,7 @@
                 </a:tc>
                 <a:extLst>
                   <a:ext uri="{0D108BD9-81ED-4DB2-BD59-A6C34878D82A}">
-                    <a16:rowId xmlns:a16="http://schemas.microsoft.com/office/drawing/2014/main" xmlns="" val="1396846476"/>
+                    <a16:rowId xmlns="" xmlns:a16="http://schemas.microsoft.com/office/drawing/2014/main" val="1396846476"/>
                   </a:ext>
                 </a:extLst>
               </a:tr>
@@ -17410,6 +17420,755 @@
                         </a:rPr>
                         <a:t>명지병원</a:t>
                       </a:r>
+                    </a:p>
+                  </a:txBody>
+                  <a:tcPr marL="36000" marR="36000" marT="15709" marB="15709" anchor="ctr">
+                    <a:lnL w="12700" cap="flat" cmpd="sng" algn="ctr">
+                      <a:solidFill>
+                        <a:schemeClr val="bg1">
+                          <a:lumMod val="50000"/>
+                        </a:schemeClr>
+                      </a:solidFill>
+                      <a:prstDash val="solid"/>
+                      <a:round/>
+                      <a:headEnd type="none" w="med" len="med"/>
+                      <a:tailEnd type="none" w="med" len="med"/>
+                    </a:lnL>
+                    <a:lnR w="12700" cap="flat" cmpd="sng" algn="ctr">
+                      <a:solidFill>
+                        <a:schemeClr val="bg1">
+                          <a:lumMod val="50000"/>
+                        </a:schemeClr>
+                      </a:solidFill>
+                      <a:prstDash val="solid"/>
+                      <a:round/>
+                      <a:headEnd type="none" w="med" len="med"/>
+                      <a:tailEnd type="none" w="med" len="med"/>
+                    </a:lnR>
+                    <a:lnT w="12700" cap="flat" cmpd="sng" algn="ctr">
+                      <a:solidFill>
+                        <a:schemeClr val="bg1">
+                          <a:lumMod val="50000"/>
+                        </a:schemeClr>
+                      </a:solidFill>
+                      <a:prstDash val="solid"/>
+                      <a:round/>
+                      <a:headEnd type="none" w="med" len="med"/>
+                      <a:tailEnd type="none" w="med" len="med"/>
+                    </a:lnT>
+                    <a:lnB w="12700" cap="flat" cmpd="sng" algn="ctr">
+                      <a:solidFill>
+                        <a:schemeClr val="bg1">
+                          <a:lumMod val="50000"/>
+                        </a:schemeClr>
+                      </a:solidFill>
+                      <a:prstDash val="solid"/>
+                      <a:round/>
+                      <a:headEnd type="none" w="med" len="med"/>
+                      <a:tailEnd type="none" w="med" len="med"/>
+                    </a:lnB>
+                    <a:noFill/>
+                  </a:tcPr>
+                </a:tc>
+                <a:tc>
+                  <a:txBody>
+                    <a:bodyPr/>
+                    <a:lstStyle/>
+                    <a:p>
+                      <a:pPr marL="0" marR="0" indent="0" algn="ctr" fontAlgn="base" latinLnBrk="0">
+                        <a:lnSpc>
+                          <a:spcPct val="100000"/>
+                        </a:lnSpc>
+                        <a:spcBef>
+                          <a:spcPts val="0"/>
+                        </a:spcBef>
+                        <a:spcAft>
+                          <a:spcPts val="0"/>
+                        </a:spcAft>
+                      </a:pPr>
+                      <a:r>
+                        <a:rPr lang="en-US" altLang="ko-KR" sz="1050" b="1" kern="0" spc="0" dirty="0" smtClean="0">
+                          <a:solidFill>
+                            <a:schemeClr val="bg1">
+                              <a:lumMod val="75000"/>
+                            </a:schemeClr>
+                          </a:solidFill>
+                          <a:effectLst/>
+                          <a:latin typeface="나눔바른고딕" panose="020B0603020101020101" pitchFamily="50" charset="-127"/>
+                          <a:ea typeface="나눔바른고딕" panose="020B0603020101020101" pitchFamily="50" charset="-127"/>
+                          <a:cs typeface="+mn-cs"/>
+                        </a:rPr>
+                        <a:t>188</a:t>
+                      </a:r>
+                      <a:endParaRPr lang="ko-KR" altLang="en-US" sz="1050" b="1" kern="0" spc="0" dirty="0">
+                        <a:solidFill>
+                          <a:schemeClr val="bg1">
+                            <a:lumMod val="75000"/>
+                          </a:schemeClr>
+                        </a:solidFill>
+                        <a:effectLst/>
+                        <a:latin typeface="나눔바른고딕" panose="020B0603020101020101" pitchFamily="50" charset="-127"/>
+                        <a:ea typeface="나눔바른고딕" panose="020B0603020101020101" pitchFamily="50" charset="-127"/>
+                        <a:cs typeface="+mn-cs"/>
+                      </a:endParaRPr>
+                    </a:p>
+                  </a:txBody>
+                  <a:tcPr marL="36000" marR="36000" marT="15709" marB="15709" anchor="ctr">
+                    <a:lnL w="12700" cap="flat" cmpd="sng" algn="ctr">
+                      <a:solidFill>
+                        <a:schemeClr val="bg1">
+                          <a:lumMod val="50000"/>
+                        </a:schemeClr>
+                      </a:solidFill>
+                      <a:prstDash val="solid"/>
+                      <a:round/>
+                      <a:headEnd type="none" w="med" len="med"/>
+                      <a:tailEnd type="none" w="med" len="med"/>
+                    </a:lnL>
+                    <a:lnR w="12700" cap="flat" cmpd="sng" algn="ctr">
+                      <a:solidFill>
+                        <a:schemeClr val="bg1">
+                          <a:lumMod val="50000"/>
+                        </a:schemeClr>
+                      </a:solidFill>
+                      <a:prstDash val="solid"/>
+                      <a:round/>
+                      <a:headEnd type="none" w="med" len="med"/>
+                      <a:tailEnd type="none" w="med" len="med"/>
+                    </a:lnR>
+                    <a:lnT w="12700" cap="flat" cmpd="sng" algn="ctr">
+                      <a:solidFill>
+                        <a:schemeClr val="bg1">
+                          <a:lumMod val="50000"/>
+                        </a:schemeClr>
+                      </a:solidFill>
+                      <a:prstDash val="solid"/>
+                      <a:round/>
+                      <a:headEnd type="none" w="med" len="med"/>
+                      <a:tailEnd type="none" w="med" len="med"/>
+                    </a:lnT>
+                    <a:lnB w="12700" cap="flat" cmpd="sng" algn="ctr">
+                      <a:solidFill>
+                        <a:schemeClr val="bg1">
+                          <a:lumMod val="50000"/>
+                        </a:schemeClr>
+                      </a:solidFill>
+                      <a:prstDash val="solid"/>
+                      <a:round/>
+                      <a:headEnd type="none" w="med" len="med"/>
+                      <a:tailEnd type="none" w="med" len="med"/>
+                    </a:lnB>
+                    <a:noFill/>
+                  </a:tcPr>
+                </a:tc>
+                <a:extLst>
+                  <a:ext uri="{0D108BD9-81ED-4DB2-BD59-A6C34878D82A}">
+                    <a16:rowId xmlns="" xmlns:a16="http://schemas.microsoft.com/office/drawing/2014/main" val="10017"/>
+                  </a:ext>
+                </a:extLst>
+              </a:tr>
+              <a:tr h="288000">
+                <a:tc>
+                  <a:txBody>
+                    <a:bodyPr/>
+                    <a:lstStyle/>
+                    <a:p>
+                      <a:pPr marL="0" marR="0" indent="0" algn="ctr" fontAlgn="base" latinLnBrk="0">
+                        <a:lnSpc>
+                          <a:spcPct val="100000"/>
+                        </a:lnSpc>
+                        <a:spcBef>
+                          <a:spcPts val="0"/>
+                        </a:spcBef>
+                        <a:spcAft>
+                          <a:spcPts val="0"/>
+                        </a:spcAft>
+                      </a:pPr>
+                      <a:r>
+                        <a:rPr lang="en-US" sz="1050" b="1" kern="0" spc="0" dirty="0">
+                          <a:solidFill>
+                            <a:schemeClr val="bg1">
+                              <a:lumMod val="75000"/>
+                            </a:schemeClr>
+                          </a:solidFill>
+                          <a:effectLst/>
+                          <a:latin typeface="나눔바른고딕" panose="020B0603020101020101" pitchFamily="50" charset="-127"/>
+                          <a:ea typeface="나눔바른고딕" panose="020B0603020101020101" pitchFamily="50" charset="-127"/>
+                          <a:cs typeface="+mn-cs"/>
+                        </a:rPr>
+                        <a:t>18</a:t>
+                      </a:r>
+                    </a:p>
+                  </a:txBody>
+                  <a:tcPr marL="36000" marR="36000" marT="15709" marB="15709" anchor="ctr">
+                    <a:lnL w="12700" cap="flat" cmpd="sng" algn="ctr">
+                      <a:solidFill>
+                        <a:schemeClr val="bg1">
+                          <a:lumMod val="50000"/>
+                        </a:schemeClr>
+                      </a:solidFill>
+                      <a:prstDash val="solid"/>
+                      <a:round/>
+                      <a:headEnd type="none" w="med" len="med"/>
+                      <a:tailEnd type="none" w="med" len="med"/>
+                    </a:lnL>
+                    <a:lnR w="12700" cap="flat" cmpd="sng" algn="ctr">
+                      <a:solidFill>
+                        <a:schemeClr val="bg1">
+                          <a:lumMod val="50000"/>
+                        </a:schemeClr>
+                      </a:solidFill>
+                      <a:prstDash val="solid"/>
+                      <a:round/>
+                      <a:headEnd type="none" w="med" len="med"/>
+                      <a:tailEnd type="none" w="med" len="med"/>
+                    </a:lnR>
+                    <a:lnT w="12700" cap="flat" cmpd="sng" algn="ctr">
+                      <a:solidFill>
+                        <a:schemeClr val="bg1">
+                          <a:lumMod val="50000"/>
+                        </a:schemeClr>
+                      </a:solidFill>
+                      <a:prstDash val="solid"/>
+                      <a:round/>
+                      <a:headEnd type="none" w="med" len="med"/>
+                      <a:tailEnd type="none" w="med" len="med"/>
+                    </a:lnT>
+                    <a:lnB w="12700" cap="flat" cmpd="sng" algn="ctr">
+                      <a:solidFill>
+                        <a:schemeClr val="bg1">
+                          <a:lumMod val="50000"/>
+                        </a:schemeClr>
+                      </a:solidFill>
+                      <a:prstDash val="solid"/>
+                      <a:round/>
+                      <a:headEnd type="none" w="med" len="med"/>
+                      <a:tailEnd type="none" w="med" len="med"/>
+                    </a:lnB>
+                    <a:noFill/>
+                  </a:tcPr>
+                </a:tc>
+                <a:tc>
+                  <a:txBody>
+                    <a:bodyPr/>
+                    <a:lstStyle/>
+                    <a:p>
+                      <a:pPr marL="0" marR="0" indent="0" algn="ctr" fontAlgn="base" latinLnBrk="0">
+                        <a:lnSpc>
+                          <a:spcPct val="100000"/>
+                        </a:lnSpc>
+                        <a:spcBef>
+                          <a:spcPts val="0"/>
+                        </a:spcBef>
+                        <a:spcAft>
+                          <a:spcPts val="0"/>
+                        </a:spcAft>
+                      </a:pPr>
+                      <a:r>
+                        <a:rPr lang="ko-KR" altLang="en-US" sz="1050" b="1" kern="0" spc="0" dirty="0">
+                          <a:solidFill>
+                            <a:schemeClr val="bg1">
+                              <a:lumMod val="75000"/>
+                            </a:schemeClr>
+                          </a:solidFill>
+                          <a:effectLst/>
+                          <a:latin typeface="나눔바른고딕" panose="020B0603020101020101" pitchFamily="50" charset="-127"/>
+                          <a:ea typeface="나눔바른고딕" panose="020B0603020101020101" pitchFamily="50" charset="-127"/>
+                          <a:cs typeface="+mn-cs"/>
+                        </a:rPr>
+                        <a:t>여</a:t>
+                      </a:r>
+                    </a:p>
+                  </a:txBody>
+                  <a:tcPr marL="36000" marR="36000" marT="15709" marB="15709" anchor="ctr">
+                    <a:lnL w="12700" cap="flat" cmpd="sng" algn="ctr">
+                      <a:solidFill>
+                        <a:schemeClr val="bg1">
+                          <a:lumMod val="50000"/>
+                        </a:schemeClr>
+                      </a:solidFill>
+                      <a:prstDash val="solid"/>
+                      <a:round/>
+                      <a:headEnd type="none" w="med" len="med"/>
+                      <a:tailEnd type="none" w="med" len="med"/>
+                    </a:lnL>
+                    <a:lnR w="12700" cap="flat" cmpd="sng" algn="ctr">
+                      <a:solidFill>
+                        <a:schemeClr val="bg1">
+                          <a:lumMod val="50000"/>
+                        </a:schemeClr>
+                      </a:solidFill>
+                      <a:prstDash val="solid"/>
+                      <a:round/>
+                      <a:headEnd type="none" w="med" len="med"/>
+                      <a:tailEnd type="none" w="med" len="med"/>
+                    </a:lnR>
+                    <a:lnT w="12700" cap="flat" cmpd="sng" algn="ctr">
+                      <a:solidFill>
+                        <a:schemeClr val="bg1">
+                          <a:lumMod val="50000"/>
+                        </a:schemeClr>
+                      </a:solidFill>
+                      <a:prstDash val="solid"/>
+                      <a:round/>
+                      <a:headEnd type="none" w="med" len="med"/>
+                      <a:tailEnd type="none" w="med" len="med"/>
+                    </a:lnT>
+                    <a:lnB w="12700" cap="flat" cmpd="sng" algn="ctr">
+                      <a:solidFill>
+                        <a:schemeClr val="bg1">
+                          <a:lumMod val="50000"/>
+                        </a:schemeClr>
+                      </a:solidFill>
+                      <a:prstDash val="solid"/>
+                      <a:round/>
+                      <a:headEnd type="none" w="med" len="med"/>
+                      <a:tailEnd type="none" w="med" len="med"/>
+                    </a:lnB>
+                    <a:noFill/>
+                  </a:tcPr>
+                </a:tc>
+                <a:tc>
+                  <a:txBody>
+                    <a:bodyPr/>
+                    <a:lstStyle/>
+                    <a:p>
+                      <a:pPr marL="0" marR="0" indent="0" algn="ctr" fontAlgn="base" latinLnBrk="0">
+                        <a:lnSpc>
+                          <a:spcPct val="100000"/>
+                        </a:lnSpc>
+                        <a:spcBef>
+                          <a:spcPts val="0"/>
+                        </a:spcBef>
+                        <a:spcAft>
+                          <a:spcPts val="0"/>
+                        </a:spcAft>
+                      </a:pPr>
+                      <a:r>
+                        <a:rPr lang="en-US" sz="1050" b="1" kern="0" spc="0" dirty="0">
+                          <a:solidFill>
+                            <a:schemeClr val="bg1">
+                              <a:lumMod val="75000"/>
+                            </a:schemeClr>
+                          </a:solidFill>
+                          <a:effectLst/>
+                          <a:latin typeface="나눔바른고딕" panose="020B0603020101020101" pitchFamily="50" charset="-127"/>
+                          <a:ea typeface="나눔바른고딕" panose="020B0603020101020101" pitchFamily="50" charset="-127"/>
+                          <a:cs typeface="+mn-cs"/>
+                        </a:rPr>
+                        <a:t>20</a:t>
+                      </a:r>
+                    </a:p>
+                  </a:txBody>
+                  <a:tcPr marL="36000" marR="36000" marT="15709" marB="15709" anchor="ctr">
+                    <a:lnL w="12700" cap="flat" cmpd="sng" algn="ctr">
+                      <a:solidFill>
+                        <a:schemeClr val="bg1">
+                          <a:lumMod val="50000"/>
+                        </a:schemeClr>
+                      </a:solidFill>
+                      <a:prstDash val="solid"/>
+                      <a:round/>
+                      <a:headEnd type="none" w="med" len="med"/>
+                      <a:tailEnd type="none" w="med" len="med"/>
+                    </a:lnL>
+                    <a:lnR w="12700" cap="flat" cmpd="sng" algn="ctr">
+                      <a:solidFill>
+                        <a:schemeClr val="bg1">
+                          <a:lumMod val="50000"/>
+                        </a:schemeClr>
+                      </a:solidFill>
+                      <a:prstDash val="solid"/>
+                      <a:round/>
+                      <a:headEnd type="none" w="med" len="med"/>
+                      <a:tailEnd type="none" w="med" len="med"/>
+                    </a:lnR>
+                    <a:lnT w="12700" cap="flat" cmpd="sng" algn="ctr">
+                      <a:solidFill>
+                        <a:schemeClr val="bg1">
+                          <a:lumMod val="50000"/>
+                        </a:schemeClr>
+                      </a:solidFill>
+                      <a:prstDash val="solid"/>
+                      <a:round/>
+                      <a:headEnd type="none" w="med" len="med"/>
+                      <a:tailEnd type="none" w="med" len="med"/>
+                    </a:lnT>
+                    <a:lnB w="12700" cap="flat" cmpd="sng" algn="ctr">
+                      <a:solidFill>
+                        <a:schemeClr val="bg1">
+                          <a:lumMod val="50000"/>
+                        </a:schemeClr>
+                      </a:solidFill>
+                      <a:prstDash val="solid"/>
+                      <a:round/>
+                      <a:headEnd type="none" w="med" len="med"/>
+                      <a:tailEnd type="none" w="med" len="med"/>
+                    </a:lnB>
+                    <a:noFill/>
+                  </a:tcPr>
+                </a:tc>
+                <a:tc>
+                  <a:txBody>
+                    <a:bodyPr/>
+                    <a:lstStyle/>
+                    <a:p>
+                      <a:pPr marL="0" marR="0" indent="0" algn="ctr" fontAlgn="base" latinLnBrk="0">
+                        <a:lnSpc>
+                          <a:spcPct val="100000"/>
+                        </a:lnSpc>
+                        <a:spcBef>
+                          <a:spcPts val="0"/>
+                        </a:spcBef>
+                        <a:spcAft>
+                          <a:spcPts val="0"/>
+                        </a:spcAft>
+                      </a:pPr>
+                      <a:r>
+                        <a:rPr lang="ko-KR" altLang="en-US" sz="1050" b="1" kern="0" spc="0" dirty="0">
+                          <a:solidFill>
+                            <a:schemeClr val="bg1">
+                              <a:lumMod val="75000"/>
+                            </a:schemeClr>
+                          </a:solidFill>
+                          <a:effectLst/>
+                          <a:latin typeface="나눔바른고딕" panose="020B0603020101020101" pitchFamily="50" charset="-127"/>
+                          <a:ea typeface="나눔바른고딕" panose="020B0603020101020101" pitchFamily="50" charset="-127"/>
+                          <a:cs typeface="+mn-cs"/>
+                        </a:rPr>
+                        <a:t>한국</a:t>
+                      </a:r>
+                    </a:p>
+                  </a:txBody>
+                  <a:tcPr marL="36000" marR="36000" marT="15709" marB="15709" anchor="ctr">
+                    <a:lnL w="12700" cap="flat" cmpd="sng" algn="ctr">
+                      <a:solidFill>
+                        <a:schemeClr val="bg1">
+                          <a:lumMod val="50000"/>
+                        </a:schemeClr>
+                      </a:solidFill>
+                      <a:prstDash val="solid"/>
+                      <a:round/>
+                      <a:headEnd type="none" w="med" len="med"/>
+                      <a:tailEnd type="none" w="med" len="med"/>
+                    </a:lnL>
+                    <a:lnR w="12700" cap="flat" cmpd="sng" algn="ctr">
+                      <a:solidFill>
+                        <a:schemeClr val="bg1">
+                          <a:lumMod val="50000"/>
+                        </a:schemeClr>
+                      </a:solidFill>
+                      <a:prstDash val="solid"/>
+                      <a:round/>
+                      <a:headEnd type="none" w="med" len="med"/>
+                      <a:tailEnd type="none" w="med" len="med"/>
+                    </a:lnR>
+                    <a:lnT w="12700" cap="flat" cmpd="sng" algn="ctr">
+                      <a:solidFill>
+                        <a:schemeClr val="bg1">
+                          <a:lumMod val="50000"/>
+                        </a:schemeClr>
+                      </a:solidFill>
+                      <a:prstDash val="solid"/>
+                      <a:round/>
+                      <a:headEnd type="none" w="med" len="med"/>
+                      <a:tailEnd type="none" w="med" len="med"/>
+                    </a:lnT>
+                    <a:lnB w="12700" cap="flat" cmpd="sng" algn="ctr">
+                      <a:solidFill>
+                        <a:schemeClr val="bg1">
+                          <a:lumMod val="50000"/>
+                        </a:schemeClr>
+                      </a:solidFill>
+                      <a:prstDash val="solid"/>
+                      <a:round/>
+                      <a:headEnd type="none" w="med" len="med"/>
+                      <a:tailEnd type="none" w="med" len="med"/>
+                    </a:lnB>
+                    <a:noFill/>
+                  </a:tcPr>
+                </a:tc>
+                <a:tc>
+                  <a:txBody>
+                    <a:bodyPr/>
+                    <a:lstStyle/>
+                    <a:p>
+                      <a:pPr marL="0" marR="0" indent="0" algn="ctr" fontAlgn="base" latinLnBrk="0">
+                        <a:lnSpc>
+                          <a:spcPct val="100000"/>
+                        </a:lnSpc>
+                        <a:spcBef>
+                          <a:spcPts val="0"/>
+                        </a:spcBef>
+                        <a:spcAft>
+                          <a:spcPts val="0"/>
+                        </a:spcAft>
+                      </a:pPr>
+                      <a:r>
+                        <a:rPr lang="en-US" altLang="ko-KR" sz="1050" b="1" kern="0" spc="0" dirty="0">
+                          <a:solidFill>
+                            <a:schemeClr val="bg1">
+                              <a:lumMod val="75000"/>
+                            </a:schemeClr>
+                          </a:solidFill>
+                          <a:effectLst/>
+                          <a:latin typeface="나눔바른고딕" panose="020B0603020101020101" pitchFamily="50" charset="-127"/>
+                          <a:ea typeface="나눔바른고딕" panose="020B0603020101020101" pitchFamily="50" charset="-127"/>
+                          <a:cs typeface="+mn-cs"/>
+                        </a:rPr>
+                        <a:t>X</a:t>
+                      </a:r>
+                    </a:p>
+                  </a:txBody>
+                  <a:tcPr marL="36000" marR="36000" marT="15709" marB="15709" anchor="ctr">
+                    <a:lnL w="12700" cap="flat" cmpd="sng" algn="ctr">
+                      <a:solidFill>
+                        <a:schemeClr val="bg1">
+                          <a:lumMod val="50000"/>
+                        </a:schemeClr>
+                      </a:solidFill>
+                      <a:prstDash val="solid"/>
+                      <a:round/>
+                      <a:headEnd type="none" w="med" len="med"/>
+                      <a:tailEnd type="none" w="med" len="med"/>
+                    </a:lnL>
+                    <a:lnR w="12700" cap="flat" cmpd="sng" algn="ctr">
+                      <a:solidFill>
+                        <a:schemeClr val="bg1">
+                          <a:lumMod val="50000"/>
+                        </a:schemeClr>
+                      </a:solidFill>
+                      <a:prstDash val="solid"/>
+                      <a:round/>
+                      <a:headEnd type="none" w="med" len="med"/>
+                      <a:tailEnd type="none" w="med" len="med"/>
+                    </a:lnR>
+                    <a:lnT w="12700" cap="flat" cmpd="sng" algn="ctr">
+                      <a:solidFill>
+                        <a:schemeClr val="bg1">
+                          <a:lumMod val="50000"/>
+                        </a:schemeClr>
+                      </a:solidFill>
+                      <a:prstDash val="solid"/>
+                      <a:round/>
+                      <a:headEnd type="none" w="med" len="med"/>
+                      <a:tailEnd type="none" w="med" len="med"/>
+                    </a:lnT>
+                    <a:lnB w="12700" cap="flat" cmpd="sng" algn="ctr">
+                      <a:solidFill>
+                        <a:schemeClr val="bg1">
+                          <a:lumMod val="50000"/>
+                        </a:schemeClr>
+                      </a:solidFill>
+                      <a:prstDash val="solid"/>
+                      <a:round/>
+                      <a:headEnd type="none" w="med" len="med"/>
+                      <a:tailEnd type="none" w="med" len="med"/>
+                    </a:lnB>
+                    <a:noFill/>
+                  </a:tcPr>
+                </a:tc>
+                <a:tc>
+                  <a:txBody>
+                    <a:bodyPr/>
+                    <a:lstStyle/>
+                    <a:p>
+                      <a:pPr marL="0" marR="0" indent="0" algn="ctr" fontAlgn="base" latinLnBrk="0">
+                        <a:lnSpc>
+                          <a:spcPct val="100000"/>
+                        </a:lnSpc>
+                        <a:spcBef>
+                          <a:spcPts val="0"/>
+                        </a:spcBef>
+                        <a:spcAft>
+                          <a:spcPts val="0"/>
+                        </a:spcAft>
+                      </a:pPr>
+                      <a:r>
+                        <a:rPr lang="en-US" sz="1050" b="1" kern="0" spc="0" dirty="0">
+                          <a:solidFill>
+                            <a:schemeClr val="bg1">
+                              <a:lumMod val="75000"/>
+                            </a:schemeClr>
+                          </a:solidFill>
+                          <a:effectLst/>
+                          <a:latin typeface="나눔바른고딕" panose="020B0603020101020101" pitchFamily="50" charset="-127"/>
+                          <a:ea typeface="나눔바른고딕" panose="020B0603020101020101" pitchFamily="50" charset="-127"/>
+                          <a:cs typeface="+mn-cs"/>
+                        </a:rPr>
+                        <a:t>1.19</a:t>
+                      </a:r>
+                    </a:p>
+                  </a:txBody>
+                  <a:tcPr marL="36000" marR="36000" marT="15709" marB="15709" anchor="ctr">
+                    <a:lnL w="12700" cap="flat" cmpd="sng" algn="ctr">
+                      <a:solidFill>
+                        <a:schemeClr val="bg1">
+                          <a:lumMod val="50000"/>
+                        </a:schemeClr>
+                      </a:solidFill>
+                      <a:prstDash val="solid"/>
+                      <a:round/>
+                      <a:headEnd type="none" w="med" len="med"/>
+                      <a:tailEnd type="none" w="med" len="med"/>
+                    </a:lnL>
+                    <a:lnR w="12700" cap="flat" cmpd="sng" algn="ctr">
+                      <a:solidFill>
+                        <a:schemeClr val="bg1">
+                          <a:lumMod val="50000"/>
+                        </a:schemeClr>
+                      </a:solidFill>
+                      <a:prstDash val="solid"/>
+                      <a:round/>
+                      <a:headEnd type="none" w="med" len="med"/>
+                      <a:tailEnd type="none" w="med" len="med"/>
+                    </a:lnR>
+                    <a:lnT w="12700" cap="flat" cmpd="sng" algn="ctr">
+                      <a:solidFill>
+                        <a:schemeClr val="bg1">
+                          <a:lumMod val="50000"/>
+                        </a:schemeClr>
+                      </a:solidFill>
+                      <a:prstDash val="solid"/>
+                      <a:round/>
+                      <a:headEnd type="none" w="med" len="med"/>
+                      <a:tailEnd type="none" w="med" len="med"/>
+                    </a:lnT>
+                    <a:lnB w="12700" cap="flat" cmpd="sng" algn="ctr">
+                      <a:solidFill>
+                        <a:schemeClr val="bg1">
+                          <a:lumMod val="50000"/>
+                        </a:schemeClr>
+                      </a:solidFill>
+                      <a:prstDash val="solid"/>
+                      <a:round/>
+                      <a:headEnd type="none" w="med" len="med"/>
+                      <a:tailEnd type="none" w="med" len="med"/>
+                    </a:lnB>
+                    <a:noFill/>
+                  </a:tcPr>
+                </a:tc>
+                <a:tc>
+                  <a:txBody>
+                    <a:bodyPr/>
+                    <a:lstStyle/>
+                    <a:p>
+                      <a:pPr marL="0" marR="0" indent="0" algn="ctr" fontAlgn="base" latinLnBrk="0">
+                        <a:lnSpc>
+                          <a:spcPct val="100000"/>
+                        </a:lnSpc>
+                        <a:spcBef>
+                          <a:spcPts val="0"/>
+                        </a:spcBef>
+                        <a:spcAft>
+                          <a:spcPts val="0"/>
+                        </a:spcAft>
+                      </a:pPr>
+                      <a:r>
+                        <a:rPr lang="en-US" sz="1050" b="1" kern="0" spc="0" dirty="0">
+                          <a:solidFill>
+                            <a:schemeClr val="bg1">
+                              <a:lumMod val="75000"/>
+                            </a:schemeClr>
+                          </a:solidFill>
+                          <a:effectLst/>
+                          <a:latin typeface="나눔바른고딕" panose="020B0603020101020101" pitchFamily="50" charset="-127"/>
+                          <a:ea typeface="나눔바른고딕" panose="020B0603020101020101" pitchFamily="50" charset="-127"/>
+                          <a:cs typeface="+mn-cs"/>
+                        </a:rPr>
+                        <a:t>2.5</a:t>
+                      </a:r>
+                    </a:p>
+                  </a:txBody>
+                  <a:tcPr marL="36000" marR="36000" marT="15709" marB="15709" anchor="ctr">
+                    <a:lnL w="12700" cap="flat" cmpd="sng" algn="ctr">
+                      <a:solidFill>
+                        <a:schemeClr val="bg1">
+                          <a:lumMod val="50000"/>
+                        </a:schemeClr>
+                      </a:solidFill>
+                      <a:prstDash val="solid"/>
+                      <a:round/>
+                      <a:headEnd type="none" w="med" len="med"/>
+                      <a:tailEnd type="none" w="med" len="med"/>
+                    </a:lnL>
+                    <a:lnR w="12700" cap="flat" cmpd="sng" algn="ctr">
+                      <a:solidFill>
+                        <a:schemeClr val="bg1">
+                          <a:lumMod val="50000"/>
+                        </a:schemeClr>
+                      </a:solidFill>
+                      <a:prstDash val="solid"/>
+                      <a:round/>
+                      <a:headEnd type="none" w="med" len="med"/>
+                      <a:tailEnd type="none" w="med" len="med"/>
+                    </a:lnR>
+                    <a:lnT w="12700" cap="flat" cmpd="sng" algn="ctr">
+                      <a:solidFill>
+                        <a:schemeClr val="bg1">
+                          <a:lumMod val="50000"/>
+                        </a:schemeClr>
+                      </a:solidFill>
+                      <a:prstDash val="solid"/>
+                      <a:round/>
+                      <a:headEnd type="none" w="med" len="med"/>
+                      <a:tailEnd type="none" w="med" len="med"/>
+                    </a:lnT>
+                    <a:lnB w="12700" cap="flat" cmpd="sng" algn="ctr">
+                      <a:solidFill>
+                        <a:schemeClr val="bg1">
+                          <a:lumMod val="50000"/>
+                        </a:schemeClr>
+                      </a:solidFill>
+                      <a:prstDash val="solid"/>
+                      <a:round/>
+                      <a:headEnd type="none" w="med" len="med"/>
+                      <a:tailEnd type="none" w="med" len="med"/>
+                    </a:lnB>
+                    <a:noFill/>
+                  </a:tcPr>
+                </a:tc>
+                <a:tc>
+                  <a:txBody>
+                    <a:bodyPr/>
+                    <a:lstStyle/>
+                    <a:p>
+                      <a:pPr marL="0" marR="0" indent="0" algn="ctr" fontAlgn="base" latinLnBrk="0">
+                        <a:lnSpc>
+                          <a:spcPct val="100000"/>
+                        </a:lnSpc>
+                        <a:spcBef>
+                          <a:spcPts val="0"/>
+                        </a:spcBef>
+                        <a:spcAft>
+                          <a:spcPts val="0"/>
+                        </a:spcAft>
+                      </a:pPr>
+                      <a:r>
+                        <a:rPr lang="ko-KR" altLang="en-US" sz="1000" b="1" kern="0" spc="0" dirty="0" err="1">
+                          <a:solidFill>
+                            <a:schemeClr val="bg1">
+                              <a:lumMod val="75000"/>
+                            </a:schemeClr>
+                          </a:solidFill>
+                          <a:effectLst/>
+                          <a:latin typeface="나눔바른고딕" panose="020B0603020101020101" pitchFamily="50" charset="-127"/>
+                          <a:ea typeface="나눔바른고딕" panose="020B0603020101020101" pitchFamily="50" charset="-127"/>
+                          <a:cs typeface="+mn-cs"/>
+                        </a:rPr>
+                        <a:t>전남대병원</a:t>
+                      </a:r>
+                      <a:endParaRPr lang="ko-KR" altLang="en-US" sz="1000" b="1" kern="0" spc="0" dirty="0">
+                        <a:solidFill>
+                          <a:schemeClr val="bg1">
+                            <a:lumMod val="75000"/>
+                          </a:schemeClr>
+                        </a:solidFill>
+                        <a:effectLst/>
+                        <a:latin typeface="나눔바른고딕" panose="020B0603020101020101" pitchFamily="50" charset="-127"/>
+                        <a:ea typeface="나눔바른고딕" panose="020B0603020101020101" pitchFamily="50" charset="-127"/>
+                        <a:cs typeface="+mn-cs"/>
+                      </a:endParaRPr>
                     </a:p>
                   </a:txBody>
                   <a:tcPr marL="36000" marR="36000" marT="15709" marB="15709" anchor="ctr">
@@ -17553,7 +18312,7 @@
                 </a:tc>
                 <a:extLst>
                   <a:ext uri="{0D108BD9-81ED-4DB2-BD59-A6C34878D82A}">
-                    <a16:rowId xmlns:a16="http://schemas.microsoft.com/office/drawing/2014/main" xmlns="" val="10017"/>
+                    <a16:rowId xmlns="" xmlns:a16="http://schemas.microsoft.com/office/drawing/2014/main" val="10018"/>
                   </a:ext>
                 </a:extLst>
               </a:tr>
@@ -17586,7 +18345,7 @@
                           <a:ea typeface="나눔바른고딕" panose="020B0603020101020101" pitchFamily="50" charset="-127"/>
                           <a:cs typeface="+mn-cs"/>
                         </a:rPr>
-                        <a:t>18</a:t>
+                        <a:t>19</a:t>
                       </a:r>
                     </a:p>
                   </a:txBody>
@@ -17666,7 +18425,7 @@
                           <a:ea typeface="나눔바른고딕" panose="020B0603020101020101" pitchFamily="50" charset="-127"/>
                           <a:cs typeface="+mn-cs"/>
                         </a:rPr>
-                        <a:t>여</a:t>
+                        <a:t>남</a:t>
                       </a:r>
                     </a:p>
                   </a:txBody>
@@ -17746,7 +18505,7 @@
                           <a:ea typeface="나눔바른고딕" panose="020B0603020101020101" pitchFamily="50" charset="-127"/>
                           <a:cs typeface="+mn-cs"/>
                         </a:rPr>
-                        <a:t>20</a:t>
+                        <a:t>36</a:t>
                       </a:r>
                     </a:p>
                   </a:txBody>
@@ -17975,7 +18734,7 @@
                         </a:spcAft>
                       </a:pPr>
                       <a:r>
-                        <a:rPr lang="en-US" sz="1050" b="1" kern="0" spc="0" dirty="0">
+                        <a:rPr lang="en-US" altLang="ko-KR" sz="1050" b="1" kern="0" spc="0" dirty="0" smtClean="0">
                           <a:solidFill>
                             <a:schemeClr val="bg1">
                               <a:lumMod val="75000"/>
@@ -17986,8 +18745,19 @@
                           <a:ea typeface="나눔바른고딕" panose="020B0603020101020101" pitchFamily="50" charset="-127"/>
                           <a:cs typeface="+mn-cs"/>
                         </a:rPr>
-                        <a:t>1.19</a:t>
+                        <a:t>1.23</a:t>
                       </a:r>
+                      <a:endParaRPr lang="en-US" sz="1050" b="1" kern="0" spc="0" dirty="0">
+                        <a:solidFill>
+                          <a:schemeClr val="bg1">
+                            <a:lumMod val="75000"/>
+                          </a:schemeClr>
+                        </a:solidFill>
+                        <a:effectLst/>
+                        <a:latin typeface="나눔바른고딕" panose="020B0603020101020101" pitchFamily="50" charset="-127"/>
+                        <a:ea typeface="나눔바른고딕" panose="020B0603020101020101" pitchFamily="50" charset="-127"/>
+                        <a:cs typeface="+mn-cs"/>
+                      </a:endParaRPr>
                     </a:p>
                   </a:txBody>
                   <a:tcPr marL="36000" marR="36000" marT="15709" marB="15709" anchor="ctr">
@@ -18135,7 +18905,7 @@
                         </a:spcAft>
                       </a:pPr>
                       <a:r>
-                        <a:rPr lang="ko-KR" altLang="en-US" sz="1000" b="1" kern="0" spc="0" dirty="0" err="1">
+                        <a:rPr lang="ko-KR" altLang="en-US" sz="1000" b="1" kern="0" spc="0" dirty="0">
                           <a:solidFill>
                             <a:schemeClr val="bg1">
                               <a:lumMod val="75000"/>
@@ -18146,19 +18916,8 @@
                           <a:ea typeface="나눔바른고딕" panose="020B0603020101020101" pitchFamily="50" charset="-127"/>
                           <a:cs typeface="+mn-cs"/>
                         </a:rPr>
-                        <a:t>전남대병원</a:t>
+                        <a:t>서울의료원</a:t>
                       </a:r>
-                      <a:endParaRPr lang="ko-KR" altLang="en-US" sz="1000" b="1" kern="0" spc="0" dirty="0">
-                        <a:solidFill>
-                          <a:schemeClr val="bg1">
-                            <a:lumMod val="75000"/>
-                          </a:schemeClr>
-                        </a:solidFill>
-                        <a:effectLst/>
-                        <a:latin typeface="나눔바른고딕" panose="020B0603020101020101" pitchFamily="50" charset="-127"/>
-                        <a:ea typeface="나눔바른고딕" panose="020B0603020101020101" pitchFamily="50" charset="-127"/>
-                        <a:cs typeface="+mn-cs"/>
-                      </a:endParaRPr>
                     </a:p>
                   </a:txBody>
                   <a:tcPr marL="36000" marR="36000" marT="15709" marB="15709" anchor="ctr">
@@ -18302,756 +19061,7 @@
                 </a:tc>
                 <a:extLst>
                   <a:ext uri="{0D108BD9-81ED-4DB2-BD59-A6C34878D82A}">
-                    <a16:rowId xmlns:a16="http://schemas.microsoft.com/office/drawing/2014/main" xmlns="" val="10018"/>
-                  </a:ext>
-                </a:extLst>
-              </a:tr>
-              <a:tr h="288000">
-                <a:tc>
-                  <a:txBody>
-                    <a:bodyPr/>
-                    <a:lstStyle/>
-                    <a:p>
-                      <a:pPr marL="0" marR="0" indent="0" algn="ctr" fontAlgn="base" latinLnBrk="0">
-                        <a:lnSpc>
-                          <a:spcPct val="100000"/>
-                        </a:lnSpc>
-                        <a:spcBef>
-                          <a:spcPts val="0"/>
-                        </a:spcBef>
-                        <a:spcAft>
-                          <a:spcPts val="0"/>
-                        </a:spcAft>
-                      </a:pPr>
-                      <a:r>
-                        <a:rPr lang="en-US" sz="1050" b="1" kern="0" spc="0" dirty="0">
-                          <a:solidFill>
-                            <a:schemeClr val="bg1">
-                              <a:lumMod val="75000"/>
-                            </a:schemeClr>
-                          </a:solidFill>
-                          <a:effectLst/>
-                          <a:latin typeface="나눔바른고딕" panose="020B0603020101020101" pitchFamily="50" charset="-127"/>
-                          <a:ea typeface="나눔바른고딕" panose="020B0603020101020101" pitchFamily="50" charset="-127"/>
-                          <a:cs typeface="+mn-cs"/>
-                        </a:rPr>
-                        <a:t>19</a:t>
-                      </a:r>
-                    </a:p>
-                  </a:txBody>
-                  <a:tcPr marL="36000" marR="36000" marT="15709" marB="15709" anchor="ctr">
-                    <a:lnL w="12700" cap="flat" cmpd="sng" algn="ctr">
-                      <a:solidFill>
-                        <a:schemeClr val="bg1">
-                          <a:lumMod val="50000"/>
-                        </a:schemeClr>
-                      </a:solidFill>
-                      <a:prstDash val="solid"/>
-                      <a:round/>
-                      <a:headEnd type="none" w="med" len="med"/>
-                      <a:tailEnd type="none" w="med" len="med"/>
-                    </a:lnL>
-                    <a:lnR w="12700" cap="flat" cmpd="sng" algn="ctr">
-                      <a:solidFill>
-                        <a:schemeClr val="bg1">
-                          <a:lumMod val="50000"/>
-                        </a:schemeClr>
-                      </a:solidFill>
-                      <a:prstDash val="solid"/>
-                      <a:round/>
-                      <a:headEnd type="none" w="med" len="med"/>
-                      <a:tailEnd type="none" w="med" len="med"/>
-                    </a:lnR>
-                    <a:lnT w="12700" cap="flat" cmpd="sng" algn="ctr">
-                      <a:solidFill>
-                        <a:schemeClr val="bg1">
-                          <a:lumMod val="50000"/>
-                        </a:schemeClr>
-                      </a:solidFill>
-                      <a:prstDash val="solid"/>
-                      <a:round/>
-                      <a:headEnd type="none" w="med" len="med"/>
-                      <a:tailEnd type="none" w="med" len="med"/>
-                    </a:lnT>
-                    <a:lnB w="12700" cap="flat" cmpd="sng" algn="ctr">
-                      <a:solidFill>
-                        <a:schemeClr val="bg1">
-                          <a:lumMod val="50000"/>
-                        </a:schemeClr>
-                      </a:solidFill>
-                      <a:prstDash val="solid"/>
-                      <a:round/>
-                      <a:headEnd type="none" w="med" len="med"/>
-                      <a:tailEnd type="none" w="med" len="med"/>
-                    </a:lnB>
-                    <a:noFill/>
-                  </a:tcPr>
-                </a:tc>
-                <a:tc>
-                  <a:txBody>
-                    <a:bodyPr/>
-                    <a:lstStyle/>
-                    <a:p>
-                      <a:pPr marL="0" marR="0" indent="0" algn="ctr" fontAlgn="base" latinLnBrk="0">
-                        <a:lnSpc>
-                          <a:spcPct val="100000"/>
-                        </a:lnSpc>
-                        <a:spcBef>
-                          <a:spcPts val="0"/>
-                        </a:spcBef>
-                        <a:spcAft>
-                          <a:spcPts val="0"/>
-                        </a:spcAft>
-                      </a:pPr>
-                      <a:r>
-                        <a:rPr lang="ko-KR" altLang="en-US" sz="1050" b="1" kern="0" spc="0" dirty="0">
-                          <a:solidFill>
-                            <a:schemeClr val="bg1">
-                              <a:lumMod val="75000"/>
-                            </a:schemeClr>
-                          </a:solidFill>
-                          <a:effectLst/>
-                          <a:latin typeface="나눔바른고딕" panose="020B0603020101020101" pitchFamily="50" charset="-127"/>
-                          <a:ea typeface="나눔바른고딕" panose="020B0603020101020101" pitchFamily="50" charset="-127"/>
-                          <a:cs typeface="+mn-cs"/>
-                        </a:rPr>
-                        <a:t>남</a:t>
-                      </a:r>
-                    </a:p>
-                  </a:txBody>
-                  <a:tcPr marL="36000" marR="36000" marT="15709" marB="15709" anchor="ctr">
-                    <a:lnL w="12700" cap="flat" cmpd="sng" algn="ctr">
-                      <a:solidFill>
-                        <a:schemeClr val="bg1">
-                          <a:lumMod val="50000"/>
-                        </a:schemeClr>
-                      </a:solidFill>
-                      <a:prstDash val="solid"/>
-                      <a:round/>
-                      <a:headEnd type="none" w="med" len="med"/>
-                      <a:tailEnd type="none" w="med" len="med"/>
-                    </a:lnL>
-                    <a:lnR w="12700" cap="flat" cmpd="sng" algn="ctr">
-                      <a:solidFill>
-                        <a:schemeClr val="bg1">
-                          <a:lumMod val="50000"/>
-                        </a:schemeClr>
-                      </a:solidFill>
-                      <a:prstDash val="solid"/>
-                      <a:round/>
-                      <a:headEnd type="none" w="med" len="med"/>
-                      <a:tailEnd type="none" w="med" len="med"/>
-                    </a:lnR>
-                    <a:lnT w="12700" cap="flat" cmpd="sng" algn="ctr">
-                      <a:solidFill>
-                        <a:schemeClr val="bg1">
-                          <a:lumMod val="50000"/>
-                        </a:schemeClr>
-                      </a:solidFill>
-                      <a:prstDash val="solid"/>
-                      <a:round/>
-                      <a:headEnd type="none" w="med" len="med"/>
-                      <a:tailEnd type="none" w="med" len="med"/>
-                    </a:lnT>
-                    <a:lnB w="12700" cap="flat" cmpd="sng" algn="ctr">
-                      <a:solidFill>
-                        <a:schemeClr val="bg1">
-                          <a:lumMod val="50000"/>
-                        </a:schemeClr>
-                      </a:solidFill>
-                      <a:prstDash val="solid"/>
-                      <a:round/>
-                      <a:headEnd type="none" w="med" len="med"/>
-                      <a:tailEnd type="none" w="med" len="med"/>
-                    </a:lnB>
-                    <a:noFill/>
-                  </a:tcPr>
-                </a:tc>
-                <a:tc>
-                  <a:txBody>
-                    <a:bodyPr/>
-                    <a:lstStyle/>
-                    <a:p>
-                      <a:pPr marL="0" marR="0" indent="0" algn="ctr" fontAlgn="base" latinLnBrk="0">
-                        <a:lnSpc>
-                          <a:spcPct val="100000"/>
-                        </a:lnSpc>
-                        <a:spcBef>
-                          <a:spcPts val="0"/>
-                        </a:spcBef>
-                        <a:spcAft>
-                          <a:spcPts val="0"/>
-                        </a:spcAft>
-                      </a:pPr>
-                      <a:r>
-                        <a:rPr lang="en-US" sz="1050" b="1" kern="0" spc="0" dirty="0">
-                          <a:solidFill>
-                            <a:schemeClr val="bg1">
-                              <a:lumMod val="75000"/>
-                            </a:schemeClr>
-                          </a:solidFill>
-                          <a:effectLst/>
-                          <a:latin typeface="나눔바른고딕" panose="020B0603020101020101" pitchFamily="50" charset="-127"/>
-                          <a:ea typeface="나눔바른고딕" panose="020B0603020101020101" pitchFamily="50" charset="-127"/>
-                          <a:cs typeface="+mn-cs"/>
-                        </a:rPr>
-                        <a:t>36</a:t>
-                      </a:r>
-                    </a:p>
-                  </a:txBody>
-                  <a:tcPr marL="36000" marR="36000" marT="15709" marB="15709" anchor="ctr">
-                    <a:lnL w="12700" cap="flat" cmpd="sng" algn="ctr">
-                      <a:solidFill>
-                        <a:schemeClr val="bg1">
-                          <a:lumMod val="50000"/>
-                        </a:schemeClr>
-                      </a:solidFill>
-                      <a:prstDash val="solid"/>
-                      <a:round/>
-                      <a:headEnd type="none" w="med" len="med"/>
-                      <a:tailEnd type="none" w="med" len="med"/>
-                    </a:lnL>
-                    <a:lnR w="12700" cap="flat" cmpd="sng" algn="ctr">
-                      <a:solidFill>
-                        <a:schemeClr val="bg1">
-                          <a:lumMod val="50000"/>
-                        </a:schemeClr>
-                      </a:solidFill>
-                      <a:prstDash val="solid"/>
-                      <a:round/>
-                      <a:headEnd type="none" w="med" len="med"/>
-                      <a:tailEnd type="none" w="med" len="med"/>
-                    </a:lnR>
-                    <a:lnT w="12700" cap="flat" cmpd="sng" algn="ctr">
-                      <a:solidFill>
-                        <a:schemeClr val="bg1">
-                          <a:lumMod val="50000"/>
-                        </a:schemeClr>
-                      </a:solidFill>
-                      <a:prstDash val="solid"/>
-                      <a:round/>
-                      <a:headEnd type="none" w="med" len="med"/>
-                      <a:tailEnd type="none" w="med" len="med"/>
-                    </a:lnT>
-                    <a:lnB w="12700" cap="flat" cmpd="sng" algn="ctr">
-                      <a:solidFill>
-                        <a:schemeClr val="bg1">
-                          <a:lumMod val="50000"/>
-                        </a:schemeClr>
-                      </a:solidFill>
-                      <a:prstDash val="solid"/>
-                      <a:round/>
-                      <a:headEnd type="none" w="med" len="med"/>
-                      <a:tailEnd type="none" w="med" len="med"/>
-                    </a:lnB>
-                    <a:noFill/>
-                  </a:tcPr>
-                </a:tc>
-                <a:tc>
-                  <a:txBody>
-                    <a:bodyPr/>
-                    <a:lstStyle/>
-                    <a:p>
-                      <a:pPr marL="0" marR="0" indent="0" algn="ctr" fontAlgn="base" latinLnBrk="0">
-                        <a:lnSpc>
-                          <a:spcPct val="100000"/>
-                        </a:lnSpc>
-                        <a:spcBef>
-                          <a:spcPts val="0"/>
-                        </a:spcBef>
-                        <a:spcAft>
-                          <a:spcPts val="0"/>
-                        </a:spcAft>
-                      </a:pPr>
-                      <a:r>
-                        <a:rPr lang="ko-KR" altLang="en-US" sz="1050" b="1" kern="0" spc="0" dirty="0">
-                          <a:solidFill>
-                            <a:schemeClr val="bg1">
-                              <a:lumMod val="75000"/>
-                            </a:schemeClr>
-                          </a:solidFill>
-                          <a:effectLst/>
-                          <a:latin typeface="나눔바른고딕" panose="020B0603020101020101" pitchFamily="50" charset="-127"/>
-                          <a:ea typeface="나눔바른고딕" panose="020B0603020101020101" pitchFamily="50" charset="-127"/>
-                          <a:cs typeface="+mn-cs"/>
-                        </a:rPr>
-                        <a:t>한국</a:t>
-                      </a:r>
-                    </a:p>
-                  </a:txBody>
-                  <a:tcPr marL="36000" marR="36000" marT="15709" marB="15709" anchor="ctr">
-                    <a:lnL w="12700" cap="flat" cmpd="sng" algn="ctr">
-                      <a:solidFill>
-                        <a:schemeClr val="bg1">
-                          <a:lumMod val="50000"/>
-                        </a:schemeClr>
-                      </a:solidFill>
-                      <a:prstDash val="solid"/>
-                      <a:round/>
-                      <a:headEnd type="none" w="med" len="med"/>
-                      <a:tailEnd type="none" w="med" len="med"/>
-                    </a:lnL>
-                    <a:lnR w="12700" cap="flat" cmpd="sng" algn="ctr">
-                      <a:solidFill>
-                        <a:schemeClr val="bg1">
-                          <a:lumMod val="50000"/>
-                        </a:schemeClr>
-                      </a:solidFill>
-                      <a:prstDash val="solid"/>
-                      <a:round/>
-                      <a:headEnd type="none" w="med" len="med"/>
-                      <a:tailEnd type="none" w="med" len="med"/>
-                    </a:lnR>
-                    <a:lnT w="12700" cap="flat" cmpd="sng" algn="ctr">
-                      <a:solidFill>
-                        <a:schemeClr val="bg1">
-                          <a:lumMod val="50000"/>
-                        </a:schemeClr>
-                      </a:solidFill>
-                      <a:prstDash val="solid"/>
-                      <a:round/>
-                      <a:headEnd type="none" w="med" len="med"/>
-                      <a:tailEnd type="none" w="med" len="med"/>
-                    </a:lnT>
-                    <a:lnB w="12700" cap="flat" cmpd="sng" algn="ctr">
-                      <a:solidFill>
-                        <a:schemeClr val="bg1">
-                          <a:lumMod val="50000"/>
-                        </a:schemeClr>
-                      </a:solidFill>
-                      <a:prstDash val="solid"/>
-                      <a:round/>
-                      <a:headEnd type="none" w="med" len="med"/>
-                      <a:tailEnd type="none" w="med" len="med"/>
-                    </a:lnB>
-                    <a:noFill/>
-                  </a:tcPr>
-                </a:tc>
-                <a:tc>
-                  <a:txBody>
-                    <a:bodyPr/>
-                    <a:lstStyle/>
-                    <a:p>
-                      <a:pPr marL="0" marR="0" indent="0" algn="ctr" fontAlgn="base" latinLnBrk="0">
-                        <a:lnSpc>
-                          <a:spcPct val="100000"/>
-                        </a:lnSpc>
-                        <a:spcBef>
-                          <a:spcPts val="0"/>
-                        </a:spcBef>
-                        <a:spcAft>
-                          <a:spcPts val="0"/>
-                        </a:spcAft>
-                      </a:pPr>
-                      <a:r>
-                        <a:rPr lang="en-US" altLang="ko-KR" sz="1050" b="1" kern="0" spc="0" dirty="0">
-                          <a:solidFill>
-                            <a:schemeClr val="bg1">
-                              <a:lumMod val="75000"/>
-                            </a:schemeClr>
-                          </a:solidFill>
-                          <a:effectLst/>
-                          <a:latin typeface="나눔바른고딕" panose="020B0603020101020101" pitchFamily="50" charset="-127"/>
-                          <a:ea typeface="나눔바른고딕" panose="020B0603020101020101" pitchFamily="50" charset="-127"/>
-                          <a:cs typeface="+mn-cs"/>
-                        </a:rPr>
-                        <a:t>X</a:t>
-                      </a:r>
-                    </a:p>
-                  </a:txBody>
-                  <a:tcPr marL="36000" marR="36000" marT="15709" marB="15709" anchor="ctr">
-                    <a:lnL w="12700" cap="flat" cmpd="sng" algn="ctr">
-                      <a:solidFill>
-                        <a:schemeClr val="bg1">
-                          <a:lumMod val="50000"/>
-                        </a:schemeClr>
-                      </a:solidFill>
-                      <a:prstDash val="solid"/>
-                      <a:round/>
-                      <a:headEnd type="none" w="med" len="med"/>
-                      <a:tailEnd type="none" w="med" len="med"/>
-                    </a:lnL>
-                    <a:lnR w="12700" cap="flat" cmpd="sng" algn="ctr">
-                      <a:solidFill>
-                        <a:schemeClr val="bg1">
-                          <a:lumMod val="50000"/>
-                        </a:schemeClr>
-                      </a:solidFill>
-                      <a:prstDash val="solid"/>
-                      <a:round/>
-                      <a:headEnd type="none" w="med" len="med"/>
-                      <a:tailEnd type="none" w="med" len="med"/>
-                    </a:lnR>
-                    <a:lnT w="12700" cap="flat" cmpd="sng" algn="ctr">
-                      <a:solidFill>
-                        <a:schemeClr val="bg1">
-                          <a:lumMod val="50000"/>
-                        </a:schemeClr>
-                      </a:solidFill>
-                      <a:prstDash val="solid"/>
-                      <a:round/>
-                      <a:headEnd type="none" w="med" len="med"/>
-                      <a:tailEnd type="none" w="med" len="med"/>
-                    </a:lnT>
-                    <a:lnB w="12700" cap="flat" cmpd="sng" algn="ctr">
-                      <a:solidFill>
-                        <a:schemeClr val="bg1">
-                          <a:lumMod val="50000"/>
-                        </a:schemeClr>
-                      </a:solidFill>
-                      <a:prstDash val="solid"/>
-                      <a:round/>
-                      <a:headEnd type="none" w="med" len="med"/>
-                      <a:tailEnd type="none" w="med" len="med"/>
-                    </a:lnB>
-                    <a:noFill/>
-                  </a:tcPr>
-                </a:tc>
-                <a:tc>
-                  <a:txBody>
-                    <a:bodyPr/>
-                    <a:lstStyle/>
-                    <a:p>
-                      <a:pPr marL="0" marR="0" indent="0" algn="ctr" fontAlgn="base" latinLnBrk="0">
-                        <a:lnSpc>
-                          <a:spcPct val="100000"/>
-                        </a:lnSpc>
-                        <a:spcBef>
-                          <a:spcPts val="0"/>
-                        </a:spcBef>
-                        <a:spcAft>
-                          <a:spcPts val="0"/>
-                        </a:spcAft>
-                      </a:pPr>
-                      <a:r>
-                        <a:rPr lang="en-US" altLang="ko-KR" sz="1050" b="1" kern="0" spc="0" dirty="0">
-                          <a:solidFill>
-                            <a:schemeClr val="bg1">
-                              <a:lumMod val="75000"/>
-                            </a:schemeClr>
-                          </a:solidFill>
-                          <a:effectLst/>
-                          <a:latin typeface="나눔바른고딕" panose="020B0603020101020101" pitchFamily="50" charset="-127"/>
-                          <a:ea typeface="나눔바른고딕" panose="020B0603020101020101" pitchFamily="50" charset="-127"/>
-                          <a:cs typeface="+mn-cs"/>
-                        </a:rPr>
-                        <a:t>1.24</a:t>
-                      </a:r>
-                      <a:endParaRPr lang="en-US" sz="1050" b="1" kern="0" spc="0" dirty="0">
-                        <a:solidFill>
-                          <a:schemeClr val="bg1">
-                            <a:lumMod val="75000"/>
-                          </a:schemeClr>
-                        </a:solidFill>
-                        <a:effectLst/>
-                        <a:latin typeface="나눔바른고딕" panose="020B0603020101020101" pitchFamily="50" charset="-127"/>
-                        <a:ea typeface="나눔바른고딕" panose="020B0603020101020101" pitchFamily="50" charset="-127"/>
-                        <a:cs typeface="+mn-cs"/>
-                      </a:endParaRPr>
-                    </a:p>
-                  </a:txBody>
-                  <a:tcPr marL="36000" marR="36000" marT="15709" marB="15709" anchor="ctr">
-                    <a:lnL w="12700" cap="flat" cmpd="sng" algn="ctr">
-                      <a:solidFill>
-                        <a:schemeClr val="bg1">
-                          <a:lumMod val="50000"/>
-                        </a:schemeClr>
-                      </a:solidFill>
-                      <a:prstDash val="solid"/>
-                      <a:round/>
-                      <a:headEnd type="none" w="med" len="med"/>
-                      <a:tailEnd type="none" w="med" len="med"/>
-                    </a:lnL>
-                    <a:lnR w="12700" cap="flat" cmpd="sng" algn="ctr">
-                      <a:solidFill>
-                        <a:schemeClr val="bg1">
-                          <a:lumMod val="50000"/>
-                        </a:schemeClr>
-                      </a:solidFill>
-                      <a:prstDash val="solid"/>
-                      <a:round/>
-                      <a:headEnd type="none" w="med" len="med"/>
-                      <a:tailEnd type="none" w="med" len="med"/>
-                    </a:lnR>
-                    <a:lnT w="12700" cap="flat" cmpd="sng" algn="ctr">
-                      <a:solidFill>
-                        <a:schemeClr val="bg1">
-                          <a:lumMod val="50000"/>
-                        </a:schemeClr>
-                      </a:solidFill>
-                      <a:prstDash val="solid"/>
-                      <a:round/>
-                      <a:headEnd type="none" w="med" len="med"/>
-                      <a:tailEnd type="none" w="med" len="med"/>
-                    </a:lnT>
-                    <a:lnB w="12700" cap="flat" cmpd="sng" algn="ctr">
-                      <a:solidFill>
-                        <a:schemeClr val="bg1">
-                          <a:lumMod val="50000"/>
-                        </a:schemeClr>
-                      </a:solidFill>
-                      <a:prstDash val="solid"/>
-                      <a:round/>
-                      <a:headEnd type="none" w="med" len="med"/>
-                      <a:tailEnd type="none" w="med" len="med"/>
-                    </a:lnB>
-                    <a:noFill/>
-                  </a:tcPr>
-                </a:tc>
-                <a:tc>
-                  <a:txBody>
-                    <a:bodyPr/>
-                    <a:lstStyle/>
-                    <a:p>
-                      <a:pPr marL="0" marR="0" indent="0" algn="ctr" fontAlgn="base" latinLnBrk="0">
-                        <a:lnSpc>
-                          <a:spcPct val="100000"/>
-                        </a:lnSpc>
-                        <a:spcBef>
-                          <a:spcPts val="0"/>
-                        </a:spcBef>
-                        <a:spcAft>
-                          <a:spcPts val="0"/>
-                        </a:spcAft>
-                      </a:pPr>
-                      <a:r>
-                        <a:rPr lang="en-US" sz="1050" b="1" kern="0" spc="0" dirty="0">
-                          <a:solidFill>
-                            <a:schemeClr val="bg1">
-                              <a:lumMod val="75000"/>
-                            </a:schemeClr>
-                          </a:solidFill>
-                          <a:effectLst/>
-                          <a:latin typeface="나눔바른고딕" panose="020B0603020101020101" pitchFamily="50" charset="-127"/>
-                          <a:ea typeface="나눔바른고딕" panose="020B0603020101020101" pitchFamily="50" charset="-127"/>
-                          <a:cs typeface="+mn-cs"/>
-                        </a:rPr>
-                        <a:t>2.5</a:t>
-                      </a:r>
-                    </a:p>
-                  </a:txBody>
-                  <a:tcPr marL="36000" marR="36000" marT="15709" marB="15709" anchor="ctr">
-                    <a:lnL w="12700" cap="flat" cmpd="sng" algn="ctr">
-                      <a:solidFill>
-                        <a:schemeClr val="bg1">
-                          <a:lumMod val="50000"/>
-                        </a:schemeClr>
-                      </a:solidFill>
-                      <a:prstDash val="solid"/>
-                      <a:round/>
-                      <a:headEnd type="none" w="med" len="med"/>
-                      <a:tailEnd type="none" w="med" len="med"/>
-                    </a:lnL>
-                    <a:lnR w="12700" cap="flat" cmpd="sng" algn="ctr">
-                      <a:solidFill>
-                        <a:schemeClr val="bg1">
-                          <a:lumMod val="50000"/>
-                        </a:schemeClr>
-                      </a:solidFill>
-                      <a:prstDash val="solid"/>
-                      <a:round/>
-                      <a:headEnd type="none" w="med" len="med"/>
-                      <a:tailEnd type="none" w="med" len="med"/>
-                    </a:lnR>
-                    <a:lnT w="12700" cap="flat" cmpd="sng" algn="ctr">
-                      <a:solidFill>
-                        <a:schemeClr val="bg1">
-                          <a:lumMod val="50000"/>
-                        </a:schemeClr>
-                      </a:solidFill>
-                      <a:prstDash val="solid"/>
-                      <a:round/>
-                      <a:headEnd type="none" w="med" len="med"/>
-                      <a:tailEnd type="none" w="med" len="med"/>
-                    </a:lnT>
-                    <a:lnB w="12700" cap="flat" cmpd="sng" algn="ctr">
-                      <a:solidFill>
-                        <a:schemeClr val="bg1">
-                          <a:lumMod val="50000"/>
-                        </a:schemeClr>
-                      </a:solidFill>
-                      <a:prstDash val="solid"/>
-                      <a:round/>
-                      <a:headEnd type="none" w="med" len="med"/>
-                      <a:tailEnd type="none" w="med" len="med"/>
-                    </a:lnB>
-                    <a:noFill/>
-                  </a:tcPr>
-                </a:tc>
-                <a:tc>
-                  <a:txBody>
-                    <a:bodyPr/>
-                    <a:lstStyle/>
-                    <a:p>
-                      <a:pPr marL="0" marR="0" indent="0" algn="ctr" fontAlgn="base" latinLnBrk="0">
-                        <a:lnSpc>
-                          <a:spcPct val="100000"/>
-                        </a:lnSpc>
-                        <a:spcBef>
-                          <a:spcPts val="0"/>
-                        </a:spcBef>
-                        <a:spcAft>
-                          <a:spcPts val="0"/>
-                        </a:spcAft>
-                      </a:pPr>
-                      <a:r>
-                        <a:rPr lang="ko-KR" altLang="en-US" sz="1000" b="1" kern="0" spc="0" dirty="0">
-                          <a:solidFill>
-                            <a:schemeClr val="bg1">
-                              <a:lumMod val="75000"/>
-                            </a:schemeClr>
-                          </a:solidFill>
-                          <a:effectLst/>
-                          <a:latin typeface="나눔바른고딕" panose="020B0603020101020101" pitchFamily="50" charset="-127"/>
-                          <a:ea typeface="나눔바른고딕" panose="020B0603020101020101" pitchFamily="50" charset="-127"/>
-                          <a:cs typeface="+mn-cs"/>
-                        </a:rPr>
-                        <a:t>서울의료원</a:t>
-                      </a:r>
-                    </a:p>
-                  </a:txBody>
-                  <a:tcPr marL="36000" marR="36000" marT="15709" marB="15709" anchor="ctr">
-                    <a:lnL w="12700" cap="flat" cmpd="sng" algn="ctr">
-                      <a:solidFill>
-                        <a:schemeClr val="bg1">
-                          <a:lumMod val="50000"/>
-                        </a:schemeClr>
-                      </a:solidFill>
-                      <a:prstDash val="solid"/>
-                      <a:round/>
-                      <a:headEnd type="none" w="med" len="med"/>
-                      <a:tailEnd type="none" w="med" len="med"/>
-                    </a:lnL>
-                    <a:lnR w="12700" cap="flat" cmpd="sng" algn="ctr">
-                      <a:solidFill>
-                        <a:schemeClr val="bg1">
-                          <a:lumMod val="50000"/>
-                        </a:schemeClr>
-                      </a:solidFill>
-                      <a:prstDash val="solid"/>
-                      <a:round/>
-                      <a:headEnd type="none" w="med" len="med"/>
-                      <a:tailEnd type="none" w="med" len="med"/>
-                    </a:lnR>
-                    <a:lnT w="12700" cap="flat" cmpd="sng" algn="ctr">
-                      <a:solidFill>
-                        <a:schemeClr val="bg1">
-                          <a:lumMod val="50000"/>
-                        </a:schemeClr>
-                      </a:solidFill>
-                      <a:prstDash val="solid"/>
-                      <a:round/>
-                      <a:headEnd type="none" w="med" len="med"/>
-                      <a:tailEnd type="none" w="med" len="med"/>
-                    </a:lnT>
-                    <a:lnB w="12700" cap="flat" cmpd="sng" algn="ctr">
-                      <a:solidFill>
-                        <a:schemeClr val="bg1">
-                          <a:lumMod val="50000"/>
-                        </a:schemeClr>
-                      </a:solidFill>
-                      <a:prstDash val="solid"/>
-                      <a:round/>
-                      <a:headEnd type="none" w="med" len="med"/>
-                      <a:tailEnd type="none" w="med" len="med"/>
-                    </a:lnB>
-                    <a:noFill/>
-                  </a:tcPr>
-                </a:tc>
-                <a:tc>
-                  <a:txBody>
-                    <a:bodyPr/>
-                    <a:lstStyle/>
-                    <a:p>
-                      <a:pPr marL="0" marR="0" indent="0" algn="ctr" fontAlgn="base" latinLnBrk="0">
-                        <a:lnSpc>
-                          <a:spcPct val="100000"/>
-                        </a:lnSpc>
-                        <a:spcBef>
-                          <a:spcPts val="0"/>
-                        </a:spcBef>
-                        <a:spcAft>
-                          <a:spcPts val="0"/>
-                        </a:spcAft>
-                      </a:pPr>
-                      <a:r>
-                        <a:rPr lang="ko-KR" altLang="en-US" sz="1050" b="1" kern="0" spc="0" dirty="0" err="1">
-                          <a:solidFill>
-                            <a:schemeClr val="bg1">
-                              <a:lumMod val="75000"/>
-                            </a:schemeClr>
-                          </a:solidFill>
-                          <a:effectLst/>
-                          <a:latin typeface="나눔바른고딕" panose="020B0603020101020101" pitchFamily="50" charset="-127"/>
-                          <a:ea typeface="나눔바른고딕" panose="020B0603020101020101" pitchFamily="50" charset="-127"/>
-                          <a:cs typeface="+mn-cs"/>
-                        </a:rPr>
-                        <a:t>확인중</a:t>
-                      </a:r>
-                      <a:endParaRPr lang="ko-KR" altLang="en-US" sz="1050" b="1" kern="0" spc="0" dirty="0">
-                        <a:solidFill>
-                          <a:schemeClr val="bg1">
-                            <a:lumMod val="75000"/>
-                          </a:schemeClr>
-                        </a:solidFill>
-                        <a:effectLst/>
-                        <a:latin typeface="나눔바른고딕" panose="020B0603020101020101" pitchFamily="50" charset="-127"/>
-                        <a:ea typeface="나눔바른고딕" panose="020B0603020101020101" pitchFamily="50" charset="-127"/>
-                        <a:cs typeface="+mn-cs"/>
-                      </a:endParaRPr>
-                    </a:p>
-                  </a:txBody>
-                  <a:tcPr marL="36000" marR="36000" marT="15709" marB="15709" anchor="ctr">
-                    <a:lnL w="12700" cap="flat" cmpd="sng" algn="ctr">
-                      <a:solidFill>
-                        <a:schemeClr val="bg1">
-                          <a:lumMod val="50000"/>
-                        </a:schemeClr>
-                      </a:solidFill>
-                      <a:prstDash val="solid"/>
-                      <a:round/>
-                      <a:headEnd type="none" w="med" len="med"/>
-                      <a:tailEnd type="none" w="med" len="med"/>
-                    </a:lnL>
-                    <a:lnR w="12700" cap="flat" cmpd="sng" algn="ctr">
-                      <a:solidFill>
-                        <a:schemeClr val="bg1">
-                          <a:lumMod val="50000"/>
-                        </a:schemeClr>
-                      </a:solidFill>
-                      <a:prstDash val="solid"/>
-                      <a:round/>
-                      <a:headEnd type="none" w="med" len="med"/>
-                      <a:tailEnd type="none" w="med" len="med"/>
-                    </a:lnR>
-                    <a:lnT w="12700" cap="flat" cmpd="sng" algn="ctr">
-                      <a:solidFill>
-                        <a:schemeClr val="bg1">
-                          <a:lumMod val="50000"/>
-                        </a:schemeClr>
-                      </a:solidFill>
-                      <a:prstDash val="solid"/>
-                      <a:round/>
-                      <a:headEnd type="none" w="med" len="med"/>
-                      <a:tailEnd type="none" w="med" len="med"/>
-                    </a:lnT>
-                    <a:lnB w="12700" cap="flat" cmpd="sng" algn="ctr">
-                      <a:solidFill>
-                        <a:schemeClr val="bg1">
-                          <a:lumMod val="50000"/>
-                        </a:schemeClr>
-                      </a:solidFill>
-                      <a:prstDash val="solid"/>
-                      <a:round/>
-                      <a:headEnd type="none" w="med" len="med"/>
-                      <a:tailEnd type="none" w="med" len="med"/>
-                    </a:lnB>
-                    <a:noFill/>
-                  </a:tcPr>
-                </a:tc>
-                <a:extLst>
-                  <a:ext uri="{0D108BD9-81ED-4DB2-BD59-A6C34878D82A}">
-                    <a16:rowId xmlns:a16="http://schemas.microsoft.com/office/drawing/2014/main" xmlns="" val="3062113762"/>
+                    <a16:rowId xmlns="" xmlns:a16="http://schemas.microsoft.com/office/drawing/2014/main" val="3062113762"/>
                   </a:ext>
                 </a:extLst>
               </a:tr>
@@ -19425,7 +19435,7 @@
                     <a:bodyPr/>
                     <a:lstStyle/>
                     <a:p>
-                      <a:pPr marL="0" marR="0" indent="0" algn="ctr" fontAlgn="base" latinLnBrk="0">
+                      <a:pPr marL="0" marR="0" indent="0" algn="ctr" defTabSz="914400" rtl="0" eaLnBrk="1" fontAlgn="base" latinLnBrk="0" hangingPunct="1">
                         <a:lnSpc>
                           <a:spcPct val="100000"/>
                         </a:lnSpc>
@@ -19435,18 +19445,27 @@
                         <a:spcAft>
                           <a:spcPts val="0"/>
                         </a:spcAft>
+                        <a:buClrTx/>
+                        <a:buSzTx/>
+                        <a:buFontTx/>
+                        <a:buNone/>
+                        <a:tabLst/>
+                        <a:defRPr/>
                       </a:pPr>
-                      <a:endParaRPr lang="en-US" altLang="ko-KR" sz="1050" b="1" kern="0" spc="0" dirty="0">
-                        <a:solidFill>
-                          <a:schemeClr val="bg1">
-                            <a:lumMod val="75000"/>
-                          </a:schemeClr>
-                        </a:solidFill>
-                        <a:effectLst/>
-                        <a:latin typeface="나눔바른고딕" panose="020B0603020101020101" pitchFamily="50" charset="-127"/>
-                        <a:ea typeface="나눔바른고딕" panose="020B0603020101020101" pitchFamily="50" charset="-127"/>
-                        <a:cs typeface="+mn-cs"/>
-                      </a:endParaRPr>
+                      <a:r>
+                        <a:rPr lang="en-US" altLang="ko-KR" sz="1050" b="1" kern="0" spc="0" dirty="0" smtClean="0">
+                          <a:solidFill>
+                            <a:schemeClr val="bg1">
+                              <a:lumMod val="75000"/>
+                            </a:schemeClr>
+                          </a:solidFill>
+                          <a:effectLst/>
+                          <a:latin typeface="나눔바른고딕" panose="020B0603020101020101" pitchFamily="50" charset="-127"/>
+                          <a:ea typeface="나눔바른고딕" panose="020B0603020101020101" pitchFamily="50" charset="-127"/>
+                          <a:cs typeface="+mn-cs"/>
+                        </a:rPr>
+                        <a:t>X</a:t>
+                      </a:r>
                     </a:p>
                   </a:txBody>
                   <a:tcPr marL="36000" marR="36000" marT="15709" marB="15709" anchor="ctr">
@@ -19513,6 +19532,19 @@
                           <a:spcPts val="0"/>
                         </a:spcAft>
                       </a:pPr>
+                      <a:r>
+                        <a:rPr lang="en-US" altLang="ko-KR" sz="1050" b="1" kern="0" spc="0" dirty="0" smtClean="0">
+                          <a:solidFill>
+                            <a:schemeClr val="bg1">
+                              <a:lumMod val="75000"/>
+                            </a:schemeClr>
+                          </a:solidFill>
+                          <a:effectLst/>
+                          <a:latin typeface="나눔바른고딕" panose="020B0603020101020101" pitchFamily="50" charset="-127"/>
+                          <a:ea typeface="나눔바른고딕" panose="020B0603020101020101" pitchFamily="50" charset="-127"/>
+                        </a:rPr>
+                        <a:t>-</a:t>
+                      </a:r>
                       <a:endParaRPr lang="en-US" sz="1050" b="1" kern="0" spc="0" dirty="0">
                         <a:solidFill>
                           <a:schemeClr val="bg1">
@@ -20229,6 +20261,20 @@
                           <a:spcPts val="0"/>
                         </a:spcAft>
                       </a:pPr>
+                      <a:r>
+                        <a:rPr lang="en-US" altLang="ko-KR" sz="1050" b="1" kern="0" spc="0" dirty="0" smtClean="0">
+                          <a:solidFill>
+                            <a:schemeClr val="bg1">
+                              <a:lumMod val="75000"/>
+                            </a:schemeClr>
+                          </a:solidFill>
+                          <a:effectLst/>
+                          <a:latin typeface="나눔바른고딕" panose="020B0603020101020101" pitchFamily="50" charset="-127"/>
+                          <a:ea typeface="나눔바른고딕" panose="020B0603020101020101" pitchFamily="50" charset="-127"/>
+                          <a:cs typeface="+mn-cs"/>
+                        </a:rPr>
+                        <a:t>X</a:t>
+                      </a:r>
                       <a:endParaRPr lang="en-US" altLang="ko-KR" sz="1050" b="1" kern="0" spc="0" dirty="0">
                         <a:solidFill>
                           <a:schemeClr val="bg1">
@@ -20306,6 +20352,19 @@
                           <a:spcPts val="0"/>
                         </a:spcAft>
                       </a:pPr>
+                      <a:r>
+                        <a:rPr lang="en-US" altLang="ko-KR" sz="1050" b="1" kern="0" spc="0" dirty="0" smtClean="0">
+                          <a:solidFill>
+                            <a:schemeClr val="bg1">
+                              <a:lumMod val="75000"/>
+                            </a:schemeClr>
+                          </a:solidFill>
+                          <a:effectLst/>
+                          <a:latin typeface="나눔바른고딕" panose="020B0603020101020101" pitchFamily="50" charset="-127"/>
+                          <a:ea typeface="나눔바른고딕" panose="020B0603020101020101" pitchFamily="50" charset="-127"/>
+                        </a:rPr>
+                        <a:t>-</a:t>
+                      </a:r>
                       <a:endParaRPr lang="en-US" sz="1050" b="1" kern="0" spc="0" dirty="0">
                         <a:solidFill>
                           <a:schemeClr val="bg1">
@@ -21022,6 +21081,20 @@
                           <a:spcPts val="0"/>
                         </a:spcAft>
                       </a:pPr>
+                      <a:r>
+                        <a:rPr lang="en-US" altLang="ko-KR" sz="1050" b="1" kern="0" spc="0" dirty="0" smtClean="0">
+                          <a:solidFill>
+                            <a:schemeClr val="bg1">
+                              <a:lumMod val="75000"/>
+                            </a:schemeClr>
+                          </a:solidFill>
+                          <a:effectLst/>
+                          <a:latin typeface="나눔바른고딕" panose="020B0603020101020101" pitchFamily="50" charset="-127"/>
+                          <a:ea typeface="나눔바른고딕" panose="020B0603020101020101" pitchFamily="50" charset="-127"/>
+                          <a:cs typeface="+mn-cs"/>
+                        </a:rPr>
+                        <a:t>X</a:t>
+                      </a:r>
                       <a:endParaRPr lang="en-US" altLang="ko-KR" sz="1050" b="1" kern="0" spc="0" dirty="0">
                         <a:solidFill>
                           <a:schemeClr val="bg1">
@@ -21099,6 +21172,19 @@
                           <a:spcPts val="0"/>
                         </a:spcAft>
                       </a:pPr>
+                      <a:r>
+                        <a:rPr lang="en-US" altLang="ko-KR" sz="1050" b="1" kern="0" spc="0" dirty="0" smtClean="0">
+                          <a:solidFill>
+                            <a:schemeClr val="bg1">
+                              <a:lumMod val="75000"/>
+                            </a:schemeClr>
+                          </a:solidFill>
+                          <a:effectLst/>
+                          <a:latin typeface="나눔바른고딕" panose="020B0603020101020101" pitchFamily="50" charset="-127"/>
+                          <a:ea typeface="나눔바른고딕" panose="020B0603020101020101" pitchFamily="50" charset="-127"/>
+                        </a:rPr>
+                        <a:t>-</a:t>
+                      </a:r>
                       <a:endParaRPr lang="en-US" sz="1050" b="1" kern="0" spc="0" dirty="0">
                         <a:solidFill>
                           <a:schemeClr val="bg1">
@@ -21645,7 +21731,7 @@
                           <a:ea typeface="나눔바른고딕" panose="020B0603020101020101" pitchFamily="50" charset="-127"/>
                           <a:cs typeface="+mn-cs"/>
                         </a:rPr>
-                        <a:t>58</a:t>
+                        <a:t>57</a:t>
                       </a:r>
                       <a:endParaRPr lang="en-US" sz="1050" b="1" kern="0" spc="0" dirty="0">
                         <a:solidFill>
@@ -21803,7 +21889,7 @@
                     <a:bodyPr/>
                     <a:lstStyle/>
                     <a:p>
-                      <a:pPr marL="0" marR="0" indent="0" algn="ctr" fontAlgn="base" latinLnBrk="0">
+                      <a:pPr marL="0" marR="0" indent="0" algn="ctr" defTabSz="914400" rtl="0" eaLnBrk="1" fontAlgn="base" latinLnBrk="0" hangingPunct="1">
                         <a:lnSpc>
                           <a:spcPct val="100000"/>
                         </a:lnSpc>
@@ -21813,18 +21899,27 @@
                         <a:spcAft>
                           <a:spcPts val="0"/>
                         </a:spcAft>
+                        <a:buClrTx/>
+                        <a:buSzTx/>
+                        <a:buFontTx/>
+                        <a:buNone/>
+                        <a:tabLst/>
+                        <a:defRPr/>
                       </a:pPr>
-                      <a:endParaRPr lang="en-US" altLang="ko-KR" sz="1050" b="1" kern="0" spc="0" dirty="0">
-                        <a:solidFill>
-                          <a:schemeClr val="bg1">
-                            <a:lumMod val="75000"/>
-                          </a:schemeClr>
-                        </a:solidFill>
-                        <a:effectLst/>
-                        <a:latin typeface="나눔바른고딕" panose="020B0603020101020101" pitchFamily="50" charset="-127"/>
-                        <a:ea typeface="나눔바른고딕" panose="020B0603020101020101" pitchFamily="50" charset="-127"/>
-                        <a:cs typeface="+mn-cs"/>
-                      </a:endParaRPr>
+                      <a:r>
+                        <a:rPr lang="en-US" altLang="ko-KR" sz="1050" b="1" kern="0" spc="0" dirty="0" smtClean="0">
+                          <a:solidFill>
+                            <a:schemeClr val="bg1">
+                              <a:lumMod val="75000"/>
+                            </a:schemeClr>
+                          </a:solidFill>
+                          <a:effectLst/>
+                          <a:latin typeface="나눔바른고딕" panose="020B0603020101020101" pitchFamily="50" charset="-127"/>
+                          <a:ea typeface="나눔바른고딕" panose="020B0603020101020101" pitchFamily="50" charset="-127"/>
+                          <a:cs typeface="+mn-cs"/>
+                        </a:rPr>
+                        <a:t>O</a:t>
+                      </a:r>
                     </a:p>
                   </a:txBody>
                   <a:tcPr marL="36000" marR="36000" marT="15709" marB="15709" anchor="ctr">
@@ -21891,6 +21986,20 @@
                           <a:spcPts val="0"/>
                         </a:spcAft>
                       </a:pPr>
+                      <a:r>
+                        <a:rPr lang="en-US" sz="1050" b="1" kern="0" spc="0" dirty="0" smtClean="0">
+                          <a:solidFill>
+                            <a:schemeClr val="bg1">
+                              <a:lumMod val="75000"/>
+                            </a:schemeClr>
+                          </a:solidFill>
+                          <a:effectLst/>
+                          <a:latin typeface="나눔바른고딕" panose="020B0603020101020101" pitchFamily="50" charset="-127"/>
+                          <a:ea typeface="나눔바른고딕" panose="020B0603020101020101" pitchFamily="50" charset="-127"/>
+                          <a:cs typeface="+mn-cs"/>
+                        </a:rPr>
+                        <a:t>1.23</a:t>
+                      </a:r>
                       <a:endParaRPr lang="en-US" sz="1050" b="1" kern="0" spc="0" dirty="0">
                         <a:solidFill>
                           <a:schemeClr val="bg1">
@@ -22071,7 +22180,7 @@
                           <a:ea typeface="나눔바른고딕" panose="020B0603020101020101" pitchFamily="50" charset="-127"/>
                           <a:cs typeface="+mn-cs"/>
                         </a:rPr>
-                        <a:t>입원예정</a:t>
+                        <a:t>국립중앙의료원</a:t>
                       </a:r>
                       <a:endParaRPr lang="ko-KR" altLang="en-US" sz="1000" b="1" kern="0" spc="0" dirty="0">
                         <a:solidFill>

--- a/images/update.pptx
+++ b/images/update.pptx
@@ -259,7 +259,7 @@
           <a:p>
             <a:fld id="{429AE3F6-67A9-4E6B-958C-6331EFEB065E}" type="datetimeFigureOut">
               <a:rPr lang="ko-KR" altLang="en-US" smtClean="0"/>
-              <a:t>2020-02-06</a:t>
+              <a:t>2020-02-07</a:t>
             </a:fld>
             <a:endParaRPr lang="ko-KR" altLang="en-US"/>
           </a:p>
@@ -457,7 +457,7 @@
           <a:p>
             <a:fld id="{429AE3F6-67A9-4E6B-958C-6331EFEB065E}" type="datetimeFigureOut">
               <a:rPr lang="ko-KR" altLang="en-US" smtClean="0"/>
-              <a:t>2020-02-06</a:t>
+              <a:t>2020-02-07</a:t>
             </a:fld>
             <a:endParaRPr lang="ko-KR" altLang="en-US"/>
           </a:p>
@@ -665,7 +665,7 @@
           <a:p>
             <a:fld id="{429AE3F6-67A9-4E6B-958C-6331EFEB065E}" type="datetimeFigureOut">
               <a:rPr lang="ko-KR" altLang="en-US" smtClean="0"/>
-              <a:t>2020-02-06</a:t>
+              <a:t>2020-02-07</a:t>
             </a:fld>
             <a:endParaRPr lang="ko-KR" altLang="en-US"/>
           </a:p>
@@ -863,7 +863,7 @@
           <a:p>
             <a:fld id="{429AE3F6-67A9-4E6B-958C-6331EFEB065E}" type="datetimeFigureOut">
               <a:rPr lang="ko-KR" altLang="en-US" smtClean="0"/>
-              <a:t>2020-02-06</a:t>
+              <a:t>2020-02-07</a:t>
             </a:fld>
             <a:endParaRPr lang="ko-KR" altLang="en-US"/>
           </a:p>
@@ -1138,7 +1138,7 @@
           <a:p>
             <a:fld id="{429AE3F6-67A9-4E6B-958C-6331EFEB065E}" type="datetimeFigureOut">
               <a:rPr lang="ko-KR" altLang="en-US" smtClean="0"/>
-              <a:t>2020-02-06</a:t>
+              <a:t>2020-02-07</a:t>
             </a:fld>
             <a:endParaRPr lang="ko-KR" altLang="en-US"/>
           </a:p>
@@ -1403,7 +1403,7 @@
           <a:p>
             <a:fld id="{429AE3F6-67A9-4E6B-958C-6331EFEB065E}" type="datetimeFigureOut">
               <a:rPr lang="ko-KR" altLang="en-US" smtClean="0"/>
-              <a:t>2020-02-06</a:t>
+              <a:t>2020-02-07</a:t>
             </a:fld>
             <a:endParaRPr lang="ko-KR" altLang="en-US"/>
           </a:p>
@@ -1815,7 +1815,7 @@
           <a:p>
             <a:fld id="{429AE3F6-67A9-4E6B-958C-6331EFEB065E}" type="datetimeFigureOut">
               <a:rPr lang="ko-KR" altLang="en-US" smtClean="0"/>
-              <a:t>2020-02-06</a:t>
+              <a:t>2020-02-07</a:t>
             </a:fld>
             <a:endParaRPr lang="ko-KR" altLang="en-US"/>
           </a:p>
@@ -1956,7 +1956,7 @@
           <a:p>
             <a:fld id="{429AE3F6-67A9-4E6B-958C-6331EFEB065E}" type="datetimeFigureOut">
               <a:rPr lang="ko-KR" altLang="en-US" smtClean="0"/>
-              <a:t>2020-02-06</a:t>
+              <a:t>2020-02-07</a:t>
             </a:fld>
             <a:endParaRPr lang="ko-KR" altLang="en-US"/>
           </a:p>
@@ -2069,7 +2069,7 @@
           <a:p>
             <a:fld id="{429AE3F6-67A9-4E6B-958C-6331EFEB065E}" type="datetimeFigureOut">
               <a:rPr lang="ko-KR" altLang="en-US" smtClean="0"/>
-              <a:t>2020-02-06</a:t>
+              <a:t>2020-02-07</a:t>
             </a:fld>
             <a:endParaRPr lang="ko-KR" altLang="en-US"/>
           </a:p>
@@ -2380,7 +2380,7 @@
           <a:p>
             <a:fld id="{429AE3F6-67A9-4E6B-958C-6331EFEB065E}" type="datetimeFigureOut">
               <a:rPr lang="ko-KR" altLang="en-US" smtClean="0"/>
-              <a:t>2020-02-06</a:t>
+              <a:t>2020-02-07</a:t>
             </a:fld>
             <a:endParaRPr lang="ko-KR" altLang="en-US"/>
           </a:p>
@@ -2668,7 +2668,7 @@
           <a:p>
             <a:fld id="{429AE3F6-67A9-4E6B-958C-6331EFEB065E}" type="datetimeFigureOut">
               <a:rPr lang="ko-KR" altLang="en-US" smtClean="0"/>
-              <a:t>2020-02-06</a:t>
+              <a:t>2020-02-07</a:t>
             </a:fld>
             <a:endParaRPr lang="ko-KR" altLang="en-US"/>
           </a:p>
@@ -2909,7 +2909,7 @@
           <a:p>
             <a:fld id="{429AE3F6-67A9-4E6B-958C-6331EFEB065E}" type="datetimeFigureOut">
               <a:rPr lang="ko-KR" altLang="en-US" smtClean="0"/>
-              <a:t>2020-02-06</a:t>
+              <a:t>2020-02-07</a:t>
             </a:fld>
             <a:endParaRPr lang="ko-KR" altLang="en-US"/>
           </a:p>
@@ -3341,14 +3341,14 @@
           <p:nvPr>
             <p:extLst>
               <p:ext uri="{D42A27DB-BD31-4B8C-83A1-F6EECF244321}">
-                <p14:modId xmlns:p14="http://schemas.microsoft.com/office/powerpoint/2010/main" val="1782593547"/>
+                <p14:modId xmlns:p14="http://schemas.microsoft.com/office/powerpoint/2010/main" val="3847538522"/>
               </p:ext>
             </p:extLst>
           </p:nvPr>
         </p:nvGraphicFramePr>
         <p:xfrm>
-          <a:off x="3506730" y="334494"/>
-          <a:ext cx="4853498" cy="7091282"/>
+          <a:off x="3567690" y="-109643"/>
+          <a:ext cx="4853498" cy="7379282"/>
         </p:xfrm>
         <a:graphic>
           <a:graphicData uri="http://schemas.openxmlformats.org/drawingml/2006/table">
@@ -4317,7 +4317,18 @@
                           <a:latin typeface="나눔바른고딕" panose="020B0603020101020101" pitchFamily="50" charset="-127"/>
                           <a:ea typeface="나눔바른고딕" panose="020B0603020101020101" pitchFamily="50" charset="-127"/>
                         </a:rPr>
-                        <a:t>(1,234</a:t>
+                        <a:t>(</a:t>
+                      </a:r>
+                      <a:r>
+                        <a:rPr lang="en-US" altLang="ko-KR" sz="1100" b="1" kern="0" spc="-180" dirty="0" smtClean="0">
+                          <a:solidFill>
+                            <a:srgbClr val="000000"/>
+                          </a:solidFill>
+                          <a:effectLst/>
+                          <a:latin typeface="나눔바른고딕" panose="020B0603020101020101" pitchFamily="50" charset="-127"/>
+                          <a:ea typeface="나눔바른고딕" panose="020B0603020101020101" pitchFamily="50" charset="-127"/>
+                        </a:rPr>
+                        <a:t>1,386</a:t>
                       </a:r>
                       <a:r>
                         <a:rPr lang="ko-KR" altLang="en-US" sz="1100" b="1" kern="0" spc="-180" dirty="0" smtClean="0">
@@ -16754,7 +16765,7 @@
                           <a:ea typeface="나눔바른고딕" panose="020B0603020101020101" pitchFamily="50" charset="-127"/>
                           <a:cs typeface="+mn-cs"/>
                         </a:rPr>
-                        <a:t>378</a:t>
+                        <a:t>362</a:t>
                       </a:r>
                       <a:endParaRPr lang="ko-KR" altLang="en-US" sz="1050" b="1" kern="0" spc="0" dirty="0">
                         <a:solidFill>
@@ -17498,7 +17509,7 @@
                           <a:ea typeface="나눔바른고딕" panose="020B0603020101020101" pitchFamily="50" charset="-127"/>
                           <a:cs typeface="+mn-cs"/>
                         </a:rPr>
-                        <a:t>188</a:t>
+                        <a:t>290</a:t>
                       </a:r>
                       <a:endParaRPr lang="ko-KR" altLang="en-US" sz="1050" b="1" kern="0" spc="0" dirty="0">
                         <a:solidFill>
@@ -18236,7 +18247,7 @@
                         </a:spcAft>
                       </a:pPr>
                       <a:r>
-                        <a:rPr lang="ko-KR" altLang="en-US" sz="1050" b="1" kern="0" spc="0" dirty="0" err="1">
+                        <a:rPr lang="en-US" altLang="ko-KR" sz="1050" b="1" kern="0" spc="0" dirty="0" smtClean="0">
                           <a:solidFill>
                             <a:schemeClr val="bg1">
                               <a:lumMod val="75000"/>
@@ -18247,7 +18258,7 @@
                           <a:ea typeface="나눔바른고딕" panose="020B0603020101020101" pitchFamily="50" charset="-127"/>
                           <a:cs typeface="+mn-cs"/>
                         </a:rPr>
-                        <a:t>확인중</a:t>
+                        <a:t>4</a:t>
                       </a:r>
                       <a:endParaRPr lang="ko-KR" altLang="en-US" sz="1050" b="1" kern="0" spc="0" dirty="0">
                         <a:solidFill>
@@ -18985,7 +18996,7 @@
                         </a:spcAft>
                       </a:pPr>
                       <a:r>
-                        <a:rPr lang="ko-KR" altLang="en-US" sz="1050" b="1" kern="0" spc="0" dirty="0" err="1">
+                        <a:rPr lang="en-US" altLang="ko-KR" sz="1050" b="1" kern="0" spc="0" dirty="0" smtClean="0">
                           <a:solidFill>
                             <a:schemeClr val="bg1">
                               <a:lumMod val="75000"/>
@@ -18996,7 +19007,7 @@
                           <a:ea typeface="나눔바른고딕" panose="020B0603020101020101" pitchFamily="50" charset="-127"/>
                           <a:cs typeface="+mn-cs"/>
                         </a:rPr>
-                        <a:t>확인중</a:t>
+                        <a:t>54</a:t>
                       </a:r>
                       <a:endParaRPr lang="ko-KR" altLang="en-US" sz="1050" b="1" kern="0" spc="0" dirty="0">
                         <a:solidFill>
@@ -19805,7 +19816,7 @@
                         </a:spcAft>
                       </a:pPr>
                       <a:r>
-                        <a:rPr lang="ko-KR" altLang="en-US" sz="1050" b="1" kern="0" spc="0" dirty="0" err="1" smtClean="0">
+                        <a:rPr lang="en-US" altLang="ko-KR" sz="1050" b="1" kern="0" spc="0" dirty="0" smtClean="0">
                           <a:solidFill>
                             <a:schemeClr val="bg1">
                               <a:lumMod val="75000"/>
@@ -19816,7 +19827,7 @@
                           <a:ea typeface="나눔바른고딕" panose="020B0603020101020101" pitchFamily="50" charset="-127"/>
                           <a:cs typeface="+mn-cs"/>
                         </a:rPr>
-                        <a:t>확인중</a:t>
+                        <a:t>0</a:t>
                       </a:r>
                       <a:endParaRPr lang="ko-KR" altLang="en-US" sz="1050" b="1" kern="0" spc="0" dirty="0">
                         <a:solidFill>
@@ -20625,7 +20636,7 @@
                         </a:spcAft>
                       </a:pPr>
                       <a:r>
-                        <a:rPr lang="ko-KR" altLang="en-US" sz="1050" b="1" kern="0" spc="0" dirty="0" err="1" smtClean="0">
+                        <a:rPr lang="en-US" altLang="ko-KR" sz="1050" b="1" kern="0" spc="0" dirty="0" smtClean="0">
                           <a:solidFill>
                             <a:schemeClr val="bg1">
                               <a:lumMod val="75000"/>
@@ -20636,7 +20647,7 @@
                           <a:ea typeface="나눔바른고딕" panose="020B0603020101020101" pitchFamily="50" charset="-127"/>
                           <a:cs typeface="+mn-cs"/>
                         </a:rPr>
-                        <a:t>확인중</a:t>
+                        <a:t>7</a:t>
                       </a:r>
                       <a:endParaRPr lang="ko-KR" altLang="en-US" sz="1050" b="1" kern="0" spc="0" dirty="0">
                         <a:solidFill>
@@ -21445,7 +21456,7 @@
                         </a:spcAft>
                       </a:pPr>
                       <a:r>
-                        <a:rPr lang="ko-KR" altLang="en-US" sz="1050" b="1" kern="0" spc="0" dirty="0" err="1" smtClean="0">
+                        <a:rPr lang="en-US" altLang="ko-KR" sz="1050" b="1" kern="0" spc="0" dirty="0" smtClean="0">
                           <a:solidFill>
                             <a:schemeClr val="bg1">
                               <a:lumMod val="75000"/>
@@ -21456,7 +21467,7 @@
                           <a:ea typeface="나눔바른고딕" panose="020B0603020101020101" pitchFamily="50" charset="-127"/>
                           <a:cs typeface="+mn-cs"/>
                         </a:rPr>
-                        <a:t>확인중</a:t>
+                        <a:t>1</a:t>
                       </a:r>
                       <a:endParaRPr lang="ko-KR" altLang="en-US" sz="1050" b="1" kern="0" spc="0" dirty="0">
                         <a:solidFill>
@@ -22272,6 +22283,817 @@
                           <a:cs typeface="+mn-cs"/>
                         </a:rPr>
                         <a:t>확인중</a:t>
+                      </a:r>
+                      <a:endParaRPr lang="ko-KR" altLang="en-US" sz="1050" b="1" kern="0" spc="0" dirty="0">
+                        <a:solidFill>
+                          <a:schemeClr val="bg1">
+                            <a:lumMod val="75000"/>
+                          </a:schemeClr>
+                        </a:solidFill>
+                        <a:effectLst/>
+                        <a:latin typeface="나눔바른고딕" panose="020B0603020101020101" pitchFamily="50" charset="-127"/>
+                        <a:ea typeface="나눔바른고딕" panose="020B0603020101020101" pitchFamily="50" charset="-127"/>
+                        <a:cs typeface="+mn-cs"/>
+                      </a:endParaRPr>
+                    </a:p>
+                  </a:txBody>
+                  <a:tcPr marL="36000" marR="36000" marT="15709" marB="15709" anchor="ctr">
+                    <a:lnL w="12700" cap="flat" cmpd="sng" algn="ctr">
+                      <a:solidFill>
+                        <a:schemeClr val="bg1">
+                          <a:lumMod val="50000"/>
+                        </a:schemeClr>
+                      </a:solidFill>
+                      <a:prstDash val="solid"/>
+                      <a:round/>
+                      <a:headEnd type="none" w="med" len="med"/>
+                      <a:tailEnd type="none" w="med" len="med"/>
+                    </a:lnL>
+                    <a:lnR w="12700" cap="flat" cmpd="sng" algn="ctr">
+                      <a:solidFill>
+                        <a:schemeClr val="bg1">
+                          <a:lumMod val="50000"/>
+                        </a:schemeClr>
+                      </a:solidFill>
+                      <a:prstDash val="solid"/>
+                      <a:round/>
+                      <a:headEnd type="none" w="med" len="med"/>
+                      <a:tailEnd type="none" w="med" len="med"/>
+                    </a:lnR>
+                    <a:lnT w="12700" cap="flat" cmpd="sng" algn="ctr">
+                      <a:solidFill>
+                        <a:schemeClr val="bg1">
+                          <a:lumMod val="50000"/>
+                        </a:schemeClr>
+                      </a:solidFill>
+                      <a:prstDash val="solid"/>
+                      <a:round/>
+                      <a:headEnd type="none" w="med" len="med"/>
+                      <a:tailEnd type="none" w="med" len="med"/>
+                    </a:lnT>
+                    <a:lnB w="12700" cap="flat" cmpd="sng" algn="ctr">
+                      <a:solidFill>
+                        <a:schemeClr val="bg1">
+                          <a:lumMod val="50000"/>
+                        </a:schemeClr>
+                      </a:solidFill>
+                      <a:prstDash val="solid"/>
+                      <a:round/>
+                      <a:headEnd type="none" w="med" len="med"/>
+                      <a:tailEnd type="none" w="med" len="med"/>
+                    </a:lnB>
+                    <a:noFill/>
+                  </a:tcPr>
+                </a:tc>
+              </a:tr>
+              <a:tr h="288000">
+                <a:tc>
+                  <a:txBody>
+                    <a:bodyPr/>
+                    <a:lstStyle/>
+                    <a:p>
+                      <a:pPr marL="0" marR="0" indent="0" algn="ctr" fontAlgn="base" latinLnBrk="0">
+                        <a:lnSpc>
+                          <a:spcPct val="100000"/>
+                        </a:lnSpc>
+                        <a:spcBef>
+                          <a:spcPts val="0"/>
+                        </a:spcBef>
+                        <a:spcAft>
+                          <a:spcPts val="0"/>
+                        </a:spcAft>
+                      </a:pPr>
+                      <a:r>
+                        <a:rPr lang="en-US" sz="1050" b="1" kern="0" spc="0" dirty="0" smtClean="0">
+                          <a:solidFill>
+                            <a:schemeClr val="bg1">
+                              <a:lumMod val="75000"/>
+                            </a:schemeClr>
+                          </a:solidFill>
+                          <a:effectLst/>
+                          <a:latin typeface="나눔바른고딕" panose="020B0603020101020101" pitchFamily="50" charset="-127"/>
+                          <a:ea typeface="나눔바른고딕" panose="020B0603020101020101" pitchFamily="50" charset="-127"/>
+                          <a:cs typeface="+mn-cs"/>
+                        </a:rPr>
+                        <a:t>24</a:t>
+                      </a:r>
+                      <a:endParaRPr lang="en-US" sz="1050" b="1" kern="0" spc="0" dirty="0">
+                        <a:solidFill>
+                          <a:schemeClr val="bg1">
+                            <a:lumMod val="75000"/>
+                          </a:schemeClr>
+                        </a:solidFill>
+                        <a:effectLst/>
+                        <a:latin typeface="나눔바른고딕" panose="020B0603020101020101" pitchFamily="50" charset="-127"/>
+                        <a:ea typeface="나눔바른고딕" panose="020B0603020101020101" pitchFamily="50" charset="-127"/>
+                        <a:cs typeface="+mn-cs"/>
+                      </a:endParaRPr>
+                    </a:p>
+                  </a:txBody>
+                  <a:tcPr marL="36000" marR="36000" marT="15709" marB="15709" anchor="ctr">
+                    <a:lnL w="12700" cap="flat" cmpd="sng" algn="ctr">
+                      <a:solidFill>
+                        <a:schemeClr val="bg1">
+                          <a:lumMod val="50000"/>
+                        </a:schemeClr>
+                      </a:solidFill>
+                      <a:prstDash val="solid"/>
+                      <a:round/>
+                      <a:headEnd type="none" w="med" len="med"/>
+                      <a:tailEnd type="none" w="med" len="med"/>
+                    </a:lnL>
+                    <a:lnR w="12700" cap="flat" cmpd="sng" algn="ctr">
+                      <a:solidFill>
+                        <a:schemeClr val="bg1">
+                          <a:lumMod val="50000"/>
+                        </a:schemeClr>
+                      </a:solidFill>
+                      <a:prstDash val="solid"/>
+                      <a:round/>
+                      <a:headEnd type="none" w="med" len="med"/>
+                      <a:tailEnd type="none" w="med" len="med"/>
+                    </a:lnR>
+                    <a:lnT w="12700" cap="flat" cmpd="sng" algn="ctr">
+                      <a:solidFill>
+                        <a:schemeClr val="bg1">
+                          <a:lumMod val="50000"/>
+                        </a:schemeClr>
+                      </a:solidFill>
+                      <a:prstDash val="solid"/>
+                      <a:round/>
+                      <a:headEnd type="none" w="med" len="med"/>
+                      <a:tailEnd type="none" w="med" len="med"/>
+                    </a:lnT>
+                    <a:lnB w="12700" cap="flat" cmpd="sng" algn="ctr">
+                      <a:solidFill>
+                        <a:schemeClr val="bg1">
+                          <a:lumMod val="50000"/>
+                        </a:schemeClr>
+                      </a:solidFill>
+                      <a:prstDash val="solid"/>
+                      <a:round/>
+                      <a:headEnd type="none" w="med" len="med"/>
+                      <a:tailEnd type="none" w="med" len="med"/>
+                    </a:lnB>
+                    <a:noFill/>
+                  </a:tcPr>
+                </a:tc>
+                <a:tc>
+                  <a:txBody>
+                    <a:bodyPr/>
+                    <a:lstStyle/>
+                    <a:p>
+                      <a:pPr marL="0" marR="0" indent="0" algn="ctr" fontAlgn="base" latinLnBrk="0">
+                        <a:lnSpc>
+                          <a:spcPct val="100000"/>
+                        </a:lnSpc>
+                        <a:spcBef>
+                          <a:spcPts val="0"/>
+                        </a:spcBef>
+                        <a:spcAft>
+                          <a:spcPts val="0"/>
+                        </a:spcAft>
+                      </a:pPr>
+                      <a:r>
+                        <a:rPr lang="ko-KR" altLang="en-US" sz="1050" b="1" kern="0" spc="0" dirty="0" smtClean="0">
+                          <a:solidFill>
+                            <a:schemeClr val="bg1">
+                              <a:lumMod val="75000"/>
+                            </a:schemeClr>
+                          </a:solidFill>
+                          <a:effectLst/>
+                          <a:latin typeface="나눔바른고딕" panose="020B0603020101020101" pitchFamily="50" charset="-127"/>
+                          <a:ea typeface="나눔바른고딕" panose="020B0603020101020101" pitchFamily="50" charset="-127"/>
+                          <a:cs typeface="+mn-cs"/>
+                        </a:rPr>
+                        <a:t>남</a:t>
+                      </a:r>
+                      <a:endParaRPr lang="ko-KR" altLang="en-US" sz="1050" b="1" kern="0" spc="0" dirty="0">
+                        <a:solidFill>
+                          <a:schemeClr val="bg1">
+                            <a:lumMod val="75000"/>
+                          </a:schemeClr>
+                        </a:solidFill>
+                        <a:effectLst/>
+                        <a:latin typeface="나눔바른고딕" panose="020B0603020101020101" pitchFamily="50" charset="-127"/>
+                        <a:ea typeface="나눔바른고딕" panose="020B0603020101020101" pitchFamily="50" charset="-127"/>
+                        <a:cs typeface="+mn-cs"/>
+                      </a:endParaRPr>
+                    </a:p>
+                  </a:txBody>
+                  <a:tcPr marL="36000" marR="36000" marT="15709" marB="15709" anchor="ctr">
+                    <a:lnL w="12700" cap="flat" cmpd="sng" algn="ctr">
+                      <a:solidFill>
+                        <a:schemeClr val="bg1">
+                          <a:lumMod val="50000"/>
+                        </a:schemeClr>
+                      </a:solidFill>
+                      <a:prstDash val="solid"/>
+                      <a:round/>
+                      <a:headEnd type="none" w="med" len="med"/>
+                      <a:tailEnd type="none" w="med" len="med"/>
+                    </a:lnL>
+                    <a:lnR w="12700" cap="flat" cmpd="sng" algn="ctr">
+                      <a:solidFill>
+                        <a:schemeClr val="bg1">
+                          <a:lumMod val="50000"/>
+                        </a:schemeClr>
+                      </a:solidFill>
+                      <a:prstDash val="solid"/>
+                      <a:round/>
+                      <a:headEnd type="none" w="med" len="med"/>
+                      <a:tailEnd type="none" w="med" len="med"/>
+                    </a:lnR>
+                    <a:lnT w="12700" cap="flat" cmpd="sng" algn="ctr">
+                      <a:solidFill>
+                        <a:schemeClr val="bg1">
+                          <a:lumMod val="50000"/>
+                        </a:schemeClr>
+                      </a:solidFill>
+                      <a:prstDash val="solid"/>
+                      <a:round/>
+                      <a:headEnd type="none" w="med" len="med"/>
+                      <a:tailEnd type="none" w="med" len="med"/>
+                    </a:lnT>
+                    <a:lnB w="12700" cap="flat" cmpd="sng" algn="ctr">
+                      <a:solidFill>
+                        <a:schemeClr val="bg1">
+                          <a:lumMod val="50000"/>
+                        </a:schemeClr>
+                      </a:solidFill>
+                      <a:prstDash val="solid"/>
+                      <a:round/>
+                      <a:headEnd type="none" w="med" len="med"/>
+                      <a:tailEnd type="none" w="med" len="med"/>
+                    </a:lnB>
+                    <a:noFill/>
+                  </a:tcPr>
+                </a:tc>
+                <a:tc>
+                  <a:txBody>
+                    <a:bodyPr/>
+                    <a:lstStyle/>
+                    <a:p>
+                      <a:pPr marL="0" marR="0" indent="0" algn="ctr" fontAlgn="base" latinLnBrk="0">
+                        <a:lnSpc>
+                          <a:spcPct val="100000"/>
+                        </a:lnSpc>
+                        <a:spcBef>
+                          <a:spcPts val="0"/>
+                        </a:spcBef>
+                        <a:spcAft>
+                          <a:spcPts val="0"/>
+                        </a:spcAft>
+                      </a:pPr>
+                      <a:r>
+                        <a:rPr lang="en-US" sz="1050" b="1" kern="0" spc="0" dirty="0" smtClean="0">
+                          <a:solidFill>
+                            <a:schemeClr val="bg1">
+                              <a:lumMod val="75000"/>
+                            </a:schemeClr>
+                          </a:solidFill>
+                          <a:effectLst/>
+                          <a:latin typeface="나눔바른고딕" panose="020B0603020101020101" pitchFamily="50" charset="-127"/>
+                          <a:ea typeface="나눔바른고딕" panose="020B0603020101020101" pitchFamily="50" charset="-127"/>
+                          <a:cs typeface="+mn-cs"/>
+                        </a:rPr>
+                        <a:t>28</a:t>
+                      </a:r>
+                      <a:endParaRPr lang="en-US" sz="1050" b="1" kern="0" spc="0" dirty="0">
+                        <a:solidFill>
+                          <a:schemeClr val="bg1">
+                            <a:lumMod val="75000"/>
+                          </a:schemeClr>
+                        </a:solidFill>
+                        <a:effectLst/>
+                        <a:latin typeface="나눔바른고딕" panose="020B0603020101020101" pitchFamily="50" charset="-127"/>
+                        <a:ea typeface="나눔바른고딕" panose="020B0603020101020101" pitchFamily="50" charset="-127"/>
+                        <a:cs typeface="+mn-cs"/>
+                      </a:endParaRPr>
+                    </a:p>
+                  </a:txBody>
+                  <a:tcPr marL="36000" marR="36000" marT="15709" marB="15709" anchor="ctr">
+                    <a:lnL w="12700" cap="flat" cmpd="sng" algn="ctr">
+                      <a:solidFill>
+                        <a:schemeClr val="bg1">
+                          <a:lumMod val="50000"/>
+                        </a:schemeClr>
+                      </a:solidFill>
+                      <a:prstDash val="solid"/>
+                      <a:round/>
+                      <a:headEnd type="none" w="med" len="med"/>
+                      <a:tailEnd type="none" w="med" len="med"/>
+                    </a:lnL>
+                    <a:lnR w="12700" cap="flat" cmpd="sng" algn="ctr">
+                      <a:solidFill>
+                        <a:schemeClr val="bg1">
+                          <a:lumMod val="50000"/>
+                        </a:schemeClr>
+                      </a:solidFill>
+                      <a:prstDash val="solid"/>
+                      <a:round/>
+                      <a:headEnd type="none" w="med" len="med"/>
+                      <a:tailEnd type="none" w="med" len="med"/>
+                    </a:lnR>
+                    <a:lnT w="12700" cap="flat" cmpd="sng" algn="ctr">
+                      <a:solidFill>
+                        <a:schemeClr val="bg1">
+                          <a:lumMod val="50000"/>
+                        </a:schemeClr>
+                      </a:solidFill>
+                      <a:prstDash val="solid"/>
+                      <a:round/>
+                      <a:headEnd type="none" w="med" len="med"/>
+                      <a:tailEnd type="none" w="med" len="med"/>
+                    </a:lnT>
+                    <a:lnB w="12700" cap="flat" cmpd="sng" algn="ctr">
+                      <a:solidFill>
+                        <a:schemeClr val="bg1">
+                          <a:lumMod val="50000"/>
+                        </a:schemeClr>
+                      </a:solidFill>
+                      <a:prstDash val="solid"/>
+                      <a:round/>
+                      <a:headEnd type="none" w="med" len="med"/>
+                      <a:tailEnd type="none" w="med" len="med"/>
+                    </a:lnB>
+                    <a:noFill/>
+                  </a:tcPr>
+                </a:tc>
+                <a:tc>
+                  <a:txBody>
+                    <a:bodyPr/>
+                    <a:lstStyle/>
+                    <a:p>
+                      <a:pPr marL="0" marR="0" indent="0" algn="ctr" fontAlgn="base" latinLnBrk="0">
+                        <a:lnSpc>
+                          <a:spcPct val="100000"/>
+                        </a:lnSpc>
+                        <a:spcBef>
+                          <a:spcPts val="0"/>
+                        </a:spcBef>
+                        <a:spcAft>
+                          <a:spcPts val="0"/>
+                        </a:spcAft>
+                      </a:pPr>
+                      <a:r>
+                        <a:rPr lang="ko-KR" altLang="en-US" sz="1050" b="1" kern="0" spc="0" dirty="0" smtClean="0">
+                          <a:solidFill>
+                            <a:schemeClr val="bg1">
+                              <a:lumMod val="75000"/>
+                            </a:schemeClr>
+                          </a:solidFill>
+                          <a:effectLst/>
+                          <a:latin typeface="나눔바른고딕" panose="020B0603020101020101" pitchFamily="50" charset="-127"/>
+                          <a:ea typeface="나눔바른고딕" panose="020B0603020101020101" pitchFamily="50" charset="-127"/>
+                          <a:cs typeface="+mn-cs"/>
+                        </a:rPr>
+                        <a:t>한국</a:t>
+                      </a:r>
+                      <a:endParaRPr lang="ko-KR" altLang="en-US" sz="1050" b="1" kern="0" spc="0" dirty="0">
+                        <a:solidFill>
+                          <a:schemeClr val="bg1">
+                            <a:lumMod val="75000"/>
+                          </a:schemeClr>
+                        </a:solidFill>
+                        <a:effectLst/>
+                        <a:latin typeface="나눔바른고딕" panose="020B0603020101020101" pitchFamily="50" charset="-127"/>
+                        <a:ea typeface="나눔바른고딕" panose="020B0603020101020101" pitchFamily="50" charset="-127"/>
+                        <a:cs typeface="+mn-cs"/>
+                      </a:endParaRPr>
+                    </a:p>
+                  </a:txBody>
+                  <a:tcPr marL="36000" marR="36000" marT="15709" marB="15709" anchor="ctr">
+                    <a:lnL w="12700" cap="flat" cmpd="sng" algn="ctr">
+                      <a:solidFill>
+                        <a:schemeClr val="bg1">
+                          <a:lumMod val="50000"/>
+                        </a:schemeClr>
+                      </a:solidFill>
+                      <a:prstDash val="solid"/>
+                      <a:round/>
+                      <a:headEnd type="none" w="med" len="med"/>
+                      <a:tailEnd type="none" w="med" len="med"/>
+                    </a:lnL>
+                    <a:lnR w="12700" cap="flat" cmpd="sng" algn="ctr">
+                      <a:solidFill>
+                        <a:schemeClr val="bg1">
+                          <a:lumMod val="50000"/>
+                        </a:schemeClr>
+                      </a:solidFill>
+                      <a:prstDash val="solid"/>
+                      <a:round/>
+                      <a:headEnd type="none" w="med" len="med"/>
+                      <a:tailEnd type="none" w="med" len="med"/>
+                    </a:lnR>
+                    <a:lnT w="12700" cap="flat" cmpd="sng" algn="ctr">
+                      <a:solidFill>
+                        <a:schemeClr val="bg1">
+                          <a:lumMod val="50000"/>
+                        </a:schemeClr>
+                      </a:solidFill>
+                      <a:prstDash val="solid"/>
+                      <a:round/>
+                      <a:headEnd type="none" w="med" len="med"/>
+                      <a:tailEnd type="none" w="med" len="med"/>
+                    </a:lnT>
+                    <a:lnB w="12700" cap="flat" cmpd="sng" algn="ctr">
+                      <a:solidFill>
+                        <a:schemeClr val="bg1">
+                          <a:lumMod val="50000"/>
+                        </a:schemeClr>
+                      </a:solidFill>
+                      <a:prstDash val="solid"/>
+                      <a:round/>
+                      <a:headEnd type="none" w="med" len="med"/>
+                      <a:tailEnd type="none" w="med" len="med"/>
+                    </a:lnB>
+                    <a:noFill/>
+                  </a:tcPr>
+                </a:tc>
+                <a:tc>
+                  <a:txBody>
+                    <a:bodyPr/>
+                    <a:lstStyle/>
+                    <a:p>
+                      <a:pPr marL="0" marR="0" indent="0" algn="ctr" defTabSz="914400" rtl="0" eaLnBrk="1" fontAlgn="base" latinLnBrk="0" hangingPunct="1">
+                        <a:lnSpc>
+                          <a:spcPct val="100000"/>
+                        </a:lnSpc>
+                        <a:spcBef>
+                          <a:spcPts val="0"/>
+                        </a:spcBef>
+                        <a:spcAft>
+                          <a:spcPts val="0"/>
+                        </a:spcAft>
+                        <a:buClrTx/>
+                        <a:buSzTx/>
+                        <a:buFontTx/>
+                        <a:buNone/>
+                        <a:tabLst/>
+                        <a:defRPr/>
+                      </a:pPr>
+                      <a:r>
+                        <a:rPr lang="en-US" altLang="ko-KR" sz="1050" b="1" kern="0" spc="0" dirty="0" smtClean="0">
+                          <a:solidFill>
+                            <a:schemeClr val="bg1">
+                              <a:lumMod val="75000"/>
+                            </a:schemeClr>
+                          </a:solidFill>
+                          <a:effectLst/>
+                          <a:latin typeface="나눔바른고딕" panose="020B0603020101020101" pitchFamily="50" charset="-127"/>
+                          <a:ea typeface="나눔바른고딕" panose="020B0603020101020101" pitchFamily="50" charset="-127"/>
+                          <a:cs typeface="+mn-cs"/>
+                        </a:rPr>
+                        <a:t>O</a:t>
+                      </a:r>
+                    </a:p>
+                  </a:txBody>
+                  <a:tcPr marL="36000" marR="36000" marT="15709" marB="15709" anchor="ctr">
+                    <a:lnL w="12700" cap="flat" cmpd="sng" algn="ctr">
+                      <a:solidFill>
+                        <a:schemeClr val="bg1">
+                          <a:lumMod val="50000"/>
+                        </a:schemeClr>
+                      </a:solidFill>
+                      <a:prstDash val="solid"/>
+                      <a:round/>
+                      <a:headEnd type="none" w="med" len="med"/>
+                      <a:tailEnd type="none" w="med" len="med"/>
+                    </a:lnL>
+                    <a:lnR w="12700" cap="flat" cmpd="sng" algn="ctr">
+                      <a:solidFill>
+                        <a:schemeClr val="bg1">
+                          <a:lumMod val="50000"/>
+                        </a:schemeClr>
+                      </a:solidFill>
+                      <a:prstDash val="solid"/>
+                      <a:round/>
+                      <a:headEnd type="none" w="med" len="med"/>
+                      <a:tailEnd type="none" w="med" len="med"/>
+                    </a:lnR>
+                    <a:lnT w="12700" cap="flat" cmpd="sng" algn="ctr">
+                      <a:solidFill>
+                        <a:schemeClr val="bg1">
+                          <a:lumMod val="50000"/>
+                        </a:schemeClr>
+                      </a:solidFill>
+                      <a:prstDash val="solid"/>
+                      <a:round/>
+                      <a:headEnd type="none" w="med" len="med"/>
+                      <a:tailEnd type="none" w="med" len="med"/>
+                    </a:lnT>
+                    <a:lnB w="12700" cap="flat" cmpd="sng" algn="ctr">
+                      <a:solidFill>
+                        <a:schemeClr val="bg1">
+                          <a:lumMod val="50000"/>
+                        </a:schemeClr>
+                      </a:solidFill>
+                      <a:prstDash val="solid"/>
+                      <a:round/>
+                      <a:headEnd type="none" w="med" len="med"/>
+                      <a:tailEnd type="none" w="med" len="med"/>
+                    </a:lnB>
+                    <a:noFill/>
+                  </a:tcPr>
+                </a:tc>
+                <a:tc>
+                  <a:txBody>
+                    <a:bodyPr/>
+                    <a:lstStyle/>
+                    <a:p>
+                      <a:pPr marL="0" marR="0" indent="0" algn="ctr" fontAlgn="base" latinLnBrk="0">
+                        <a:lnSpc>
+                          <a:spcPct val="100000"/>
+                        </a:lnSpc>
+                        <a:spcBef>
+                          <a:spcPts val="0"/>
+                        </a:spcBef>
+                        <a:spcAft>
+                          <a:spcPts val="0"/>
+                        </a:spcAft>
+                      </a:pPr>
+                      <a:r>
+                        <a:rPr lang="en-US" sz="1050" b="1" kern="0" spc="0" dirty="0" smtClean="0">
+                          <a:solidFill>
+                            <a:schemeClr val="bg1">
+                              <a:lumMod val="75000"/>
+                            </a:schemeClr>
+                          </a:solidFill>
+                          <a:effectLst/>
+                          <a:latin typeface="나눔바른고딕" panose="020B0603020101020101" pitchFamily="50" charset="-127"/>
+                          <a:ea typeface="나눔바른고딕" panose="020B0603020101020101" pitchFamily="50" charset="-127"/>
+                          <a:cs typeface="+mn-cs"/>
+                        </a:rPr>
+                        <a:t>1.31</a:t>
+                      </a:r>
+                      <a:endParaRPr lang="en-US" sz="1050" b="1" kern="0" spc="0" dirty="0">
+                        <a:solidFill>
+                          <a:schemeClr val="bg1">
+                            <a:lumMod val="75000"/>
+                          </a:schemeClr>
+                        </a:solidFill>
+                        <a:effectLst/>
+                        <a:latin typeface="나눔바른고딕" panose="020B0603020101020101" pitchFamily="50" charset="-127"/>
+                        <a:ea typeface="나눔바른고딕" panose="020B0603020101020101" pitchFamily="50" charset="-127"/>
+                        <a:cs typeface="+mn-cs"/>
+                      </a:endParaRPr>
+                    </a:p>
+                  </a:txBody>
+                  <a:tcPr marL="36000" marR="36000" marT="15709" marB="15709" anchor="ctr">
+                    <a:lnL w="12700" cap="flat" cmpd="sng" algn="ctr">
+                      <a:solidFill>
+                        <a:schemeClr val="bg1">
+                          <a:lumMod val="50000"/>
+                        </a:schemeClr>
+                      </a:solidFill>
+                      <a:prstDash val="solid"/>
+                      <a:round/>
+                      <a:headEnd type="none" w="med" len="med"/>
+                      <a:tailEnd type="none" w="med" len="med"/>
+                    </a:lnL>
+                    <a:lnR w="12700" cap="flat" cmpd="sng" algn="ctr">
+                      <a:solidFill>
+                        <a:schemeClr val="bg1">
+                          <a:lumMod val="50000"/>
+                        </a:schemeClr>
+                      </a:solidFill>
+                      <a:prstDash val="solid"/>
+                      <a:round/>
+                      <a:headEnd type="none" w="med" len="med"/>
+                      <a:tailEnd type="none" w="med" len="med"/>
+                    </a:lnR>
+                    <a:lnT w="12700" cap="flat" cmpd="sng" algn="ctr">
+                      <a:solidFill>
+                        <a:schemeClr val="bg1">
+                          <a:lumMod val="50000"/>
+                        </a:schemeClr>
+                      </a:solidFill>
+                      <a:prstDash val="solid"/>
+                      <a:round/>
+                      <a:headEnd type="none" w="med" len="med"/>
+                      <a:tailEnd type="none" w="med" len="med"/>
+                    </a:lnT>
+                    <a:lnB w="12700" cap="flat" cmpd="sng" algn="ctr">
+                      <a:solidFill>
+                        <a:schemeClr val="bg1">
+                          <a:lumMod val="50000"/>
+                        </a:schemeClr>
+                      </a:solidFill>
+                      <a:prstDash val="solid"/>
+                      <a:round/>
+                      <a:headEnd type="none" w="med" len="med"/>
+                      <a:tailEnd type="none" w="med" len="med"/>
+                    </a:lnB>
+                    <a:noFill/>
+                  </a:tcPr>
+                </a:tc>
+                <a:tc>
+                  <a:txBody>
+                    <a:bodyPr/>
+                    <a:lstStyle/>
+                    <a:p>
+                      <a:pPr marL="0" marR="0" indent="0" algn="ctr" fontAlgn="base" latinLnBrk="0">
+                        <a:lnSpc>
+                          <a:spcPct val="100000"/>
+                        </a:lnSpc>
+                        <a:spcBef>
+                          <a:spcPts val="0"/>
+                        </a:spcBef>
+                        <a:spcAft>
+                          <a:spcPts val="0"/>
+                        </a:spcAft>
+                      </a:pPr>
+                      <a:r>
+                        <a:rPr lang="en-US" sz="1050" b="1" kern="0" spc="0" dirty="0" smtClean="0">
+                          <a:solidFill>
+                            <a:schemeClr val="bg1">
+                              <a:lumMod val="75000"/>
+                            </a:schemeClr>
+                          </a:solidFill>
+                          <a:effectLst/>
+                          <a:latin typeface="나눔바른고딕" panose="020B0603020101020101" pitchFamily="50" charset="-127"/>
+                          <a:ea typeface="나눔바른고딕" panose="020B0603020101020101" pitchFamily="50" charset="-127"/>
+                          <a:cs typeface="+mn-cs"/>
+                        </a:rPr>
+                        <a:t>2.6</a:t>
+                      </a:r>
+                      <a:endParaRPr lang="en-US" sz="1050" b="1" kern="0" spc="0" dirty="0">
+                        <a:solidFill>
+                          <a:schemeClr val="bg1">
+                            <a:lumMod val="75000"/>
+                          </a:schemeClr>
+                        </a:solidFill>
+                        <a:effectLst/>
+                        <a:latin typeface="나눔바른고딕" panose="020B0603020101020101" pitchFamily="50" charset="-127"/>
+                        <a:ea typeface="나눔바른고딕" panose="020B0603020101020101" pitchFamily="50" charset="-127"/>
+                        <a:cs typeface="+mn-cs"/>
+                      </a:endParaRPr>
+                    </a:p>
+                  </a:txBody>
+                  <a:tcPr marL="36000" marR="36000" marT="15709" marB="15709" anchor="ctr">
+                    <a:lnL w="12700" cap="flat" cmpd="sng" algn="ctr">
+                      <a:solidFill>
+                        <a:schemeClr val="bg1">
+                          <a:lumMod val="50000"/>
+                        </a:schemeClr>
+                      </a:solidFill>
+                      <a:prstDash val="solid"/>
+                      <a:round/>
+                      <a:headEnd type="none" w="med" len="med"/>
+                      <a:tailEnd type="none" w="med" len="med"/>
+                    </a:lnL>
+                    <a:lnR w="12700" cap="flat" cmpd="sng" algn="ctr">
+                      <a:solidFill>
+                        <a:schemeClr val="bg1">
+                          <a:lumMod val="50000"/>
+                        </a:schemeClr>
+                      </a:solidFill>
+                      <a:prstDash val="solid"/>
+                      <a:round/>
+                      <a:headEnd type="none" w="med" len="med"/>
+                      <a:tailEnd type="none" w="med" len="med"/>
+                    </a:lnR>
+                    <a:lnT w="12700" cap="flat" cmpd="sng" algn="ctr">
+                      <a:solidFill>
+                        <a:schemeClr val="bg1">
+                          <a:lumMod val="50000"/>
+                        </a:schemeClr>
+                      </a:solidFill>
+                      <a:prstDash val="solid"/>
+                      <a:round/>
+                      <a:headEnd type="none" w="med" len="med"/>
+                      <a:tailEnd type="none" w="med" len="med"/>
+                    </a:lnT>
+                    <a:lnB w="12700" cap="flat" cmpd="sng" algn="ctr">
+                      <a:solidFill>
+                        <a:schemeClr val="bg1">
+                          <a:lumMod val="50000"/>
+                        </a:schemeClr>
+                      </a:solidFill>
+                      <a:prstDash val="solid"/>
+                      <a:round/>
+                      <a:headEnd type="none" w="med" len="med"/>
+                      <a:tailEnd type="none" w="med" len="med"/>
+                    </a:lnB>
+                    <a:noFill/>
+                  </a:tcPr>
+                </a:tc>
+                <a:tc>
+                  <a:txBody>
+                    <a:bodyPr/>
+                    <a:lstStyle/>
+                    <a:p>
+                      <a:pPr marL="0" marR="0" indent="0" algn="ctr" defTabSz="914400" rtl="0" eaLnBrk="1" fontAlgn="base" latinLnBrk="0" hangingPunct="1">
+                        <a:lnSpc>
+                          <a:spcPct val="100000"/>
+                        </a:lnSpc>
+                        <a:spcBef>
+                          <a:spcPts val="0"/>
+                        </a:spcBef>
+                        <a:spcAft>
+                          <a:spcPts val="0"/>
+                        </a:spcAft>
+                        <a:buClrTx/>
+                        <a:buSzTx/>
+                        <a:buFontTx/>
+                        <a:buNone/>
+                        <a:tabLst/>
+                        <a:defRPr/>
+                      </a:pPr>
+                      <a:r>
+                        <a:rPr lang="ko-KR" altLang="en-US" sz="1000" b="1" kern="0" spc="0" dirty="0" smtClean="0">
+                          <a:solidFill>
+                            <a:schemeClr val="bg1">
+                              <a:lumMod val="75000"/>
+                            </a:schemeClr>
+                          </a:solidFill>
+                          <a:effectLst/>
+                          <a:latin typeface="나눔바른고딕" panose="020B0603020101020101" pitchFamily="50" charset="-127"/>
+                          <a:ea typeface="나눔바른고딕" panose="020B0603020101020101" pitchFamily="50" charset="-127"/>
+                          <a:cs typeface="+mn-cs"/>
+                        </a:rPr>
+                        <a:t>국립중앙의료원</a:t>
+                      </a:r>
+                    </a:p>
+                  </a:txBody>
+                  <a:tcPr marL="36000" marR="36000" marT="15709" marB="15709" anchor="ctr">
+                    <a:lnL w="12700" cap="flat" cmpd="sng" algn="ctr">
+                      <a:solidFill>
+                        <a:schemeClr val="bg1">
+                          <a:lumMod val="50000"/>
+                        </a:schemeClr>
+                      </a:solidFill>
+                      <a:prstDash val="solid"/>
+                      <a:round/>
+                      <a:headEnd type="none" w="med" len="med"/>
+                      <a:tailEnd type="none" w="med" len="med"/>
+                    </a:lnL>
+                    <a:lnR w="12700" cap="flat" cmpd="sng" algn="ctr">
+                      <a:solidFill>
+                        <a:schemeClr val="bg1">
+                          <a:lumMod val="50000"/>
+                        </a:schemeClr>
+                      </a:solidFill>
+                      <a:prstDash val="solid"/>
+                      <a:round/>
+                      <a:headEnd type="none" w="med" len="med"/>
+                      <a:tailEnd type="none" w="med" len="med"/>
+                    </a:lnR>
+                    <a:lnT w="12700" cap="flat" cmpd="sng" algn="ctr">
+                      <a:solidFill>
+                        <a:schemeClr val="bg1">
+                          <a:lumMod val="50000"/>
+                        </a:schemeClr>
+                      </a:solidFill>
+                      <a:prstDash val="solid"/>
+                      <a:round/>
+                      <a:headEnd type="none" w="med" len="med"/>
+                      <a:tailEnd type="none" w="med" len="med"/>
+                    </a:lnT>
+                    <a:lnB w="12700" cap="flat" cmpd="sng" algn="ctr">
+                      <a:solidFill>
+                        <a:schemeClr val="bg1">
+                          <a:lumMod val="50000"/>
+                        </a:schemeClr>
+                      </a:solidFill>
+                      <a:prstDash val="solid"/>
+                      <a:round/>
+                      <a:headEnd type="none" w="med" len="med"/>
+                      <a:tailEnd type="none" w="med" len="med"/>
+                    </a:lnB>
+                    <a:noFill/>
+                  </a:tcPr>
+                </a:tc>
+                <a:tc>
+                  <a:txBody>
+                    <a:bodyPr/>
+                    <a:lstStyle/>
+                    <a:p>
+                      <a:pPr marL="0" marR="0" indent="0" algn="ctr" fontAlgn="base" latinLnBrk="0">
+                        <a:lnSpc>
+                          <a:spcPct val="100000"/>
+                        </a:lnSpc>
+                        <a:spcBef>
+                          <a:spcPts val="0"/>
+                        </a:spcBef>
+                        <a:spcAft>
+                          <a:spcPts val="0"/>
+                        </a:spcAft>
+                      </a:pPr>
+                      <a:r>
+                        <a:rPr lang="en-US" altLang="ko-KR" sz="1050" b="1" kern="0" spc="0" dirty="0" smtClean="0">
+                          <a:solidFill>
+                            <a:schemeClr val="bg1">
+                              <a:lumMod val="75000"/>
+                            </a:schemeClr>
+                          </a:solidFill>
+                          <a:effectLst/>
+                          <a:latin typeface="나눔바른고딕" panose="020B0603020101020101" pitchFamily="50" charset="-127"/>
+                          <a:ea typeface="나눔바른고딕" panose="020B0603020101020101" pitchFamily="50" charset="-127"/>
+                          <a:cs typeface="+mn-cs"/>
+                        </a:rPr>
+                        <a:t>0</a:t>
                       </a:r>
                       <a:endParaRPr lang="ko-KR" altLang="en-US" sz="1050" b="1" kern="0" spc="0" dirty="0">
                         <a:solidFill>

--- a/images/update.pptx
+++ b/images/update.pptx
@@ -134,7 +134,7 @@
           <p:cNvPr id="2" name="제목 1">
             <a:extLst>
               <a:ext uri="{FF2B5EF4-FFF2-40B4-BE49-F238E27FC236}">
-                <a16:creationId xmlns="" xmlns:a16="http://schemas.microsoft.com/office/drawing/2014/main" id="{709C3663-1325-4932-A62B-0B761DBD4910}"/>
+                <a16:creationId xmlns:a16="http://schemas.microsoft.com/office/drawing/2014/main" id="{709C3663-1325-4932-A62B-0B761DBD4910}"/>
               </a:ext>
             </a:extLst>
           </p:cNvPr>
@@ -171,7 +171,7 @@
           <p:cNvPr id="3" name="부제목 2">
             <a:extLst>
               <a:ext uri="{FF2B5EF4-FFF2-40B4-BE49-F238E27FC236}">
-                <a16:creationId xmlns="" xmlns:a16="http://schemas.microsoft.com/office/drawing/2014/main" id="{BBBDED7A-5236-41C5-B7C9-27913CCE0685}"/>
+                <a16:creationId xmlns:a16="http://schemas.microsoft.com/office/drawing/2014/main" id="{BBBDED7A-5236-41C5-B7C9-27913CCE0685}"/>
               </a:ext>
             </a:extLst>
           </p:cNvPr>
@@ -241,7 +241,7 @@
           <p:cNvPr id="4" name="날짜 개체 틀 3">
             <a:extLst>
               <a:ext uri="{FF2B5EF4-FFF2-40B4-BE49-F238E27FC236}">
-                <a16:creationId xmlns="" xmlns:a16="http://schemas.microsoft.com/office/drawing/2014/main" id="{2BB2662A-58B5-4209-B7D6-490DD0A2F449}"/>
+                <a16:creationId xmlns:a16="http://schemas.microsoft.com/office/drawing/2014/main" id="{2BB2662A-58B5-4209-B7D6-490DD0A2F449}"/>
               </a:ext>
             </a:extLst>
           </p:cNvPr>
@@ -259,7 +259,7 @@
           <a:p>
             <a:fld id="{429AE3F6-67A9-4E6B-958C-6331EFEB065E}" type="datetimeFigureOut">
               <a:rPr lang="ko-KR" altLang="en-US" smtClean="0"/>
-              <a:t>2020-02-07</a:t>
+              <a:t>2020-02-09</a:t>
             </a:fld>
             <a:endParaRPr lang="ko-KR" altLang="en-US"/>
           </a:p>
@@ -270,7 +270,7 @@
           <p:cNvPr id="5" name="바닥글 개체 틀 4">
             <a:extLst>
               <a:ext uri="{FF2B5EF4-FFF2-40B4-BE49-F238E27FC236}">
-                <a16:creationId xmlns="" xmlns:a16="http://schemas.microsoft.com/office/drawing/2014/main" id="{C5DA137A-B415-4505-8390-A9ED526FF33D}"/>
+                <a16:creationId xmlns:a16="http://schemas.microsoft.com/office/drawing/2014/main" id="{C5DA137A-B415-4505-8390-A9ED526FF33D}"/>
               </a:ext>
             </a:extLst>
           </p:cNvPr>
@@ -295,7 +295,7 @@
           <p:cNvPr id="6" name="슬라이드 번호 개체 틀 5">
             <a:extLst>
               <a:ext uri="{FF2B5EF4-FFF2-40B4-BE49-F238E27FC236}">
-                <a16:creationId xmlns="" xmlns:a16="http://schemas.microsoft.com/office/drawing/2014/main" id="{428C23D2-FF8D-4584-9E1A-0026BAA39595}"/>
+                <a16:creationId xmlns:a16="http://schemas.microsoft.com/office/drawing/2014/main" id="{428C23D2-FF8D-4584-9E1A-0026BAA39595}"/>
               </a:ext>
             </a:extLst>
           </p:cNvPr>
@@ -354,7 +354,7 @@
           <p:cNvPr id="2" name="제목 1">
             <a:extLst>
               <a:ext uri="{FF2B5EF4-FFF2-40B4-BE49-F238E27FC236}">
-                <a16:creationId xmlns="" xmlns:a16="http://schemas.microsoft.com/office/drawing/2014/main" id="{180EFAF5-6A95-4191-A5F4-5652B8DB7B8C}"/>
+                <a16:creationId xmlns:a16="http://schemas.microsoft.com/office/drawing/2014/main" id="{180EFAF5-6A95-4191-A5F4-5652B8DB7B8C}"/>
               </a:ext>
             </a:extLst>
           </p:cNvPr>
@@ -382,7 +382,7 @@
           <p:cNvPr id="3" name="세로 텍스트 개체 틀 2">
             <a:extLst>
               <a:ext uri="{FF2B5EF4-FFF2-40B4-BE49-F238E27FC236}">
-                <a16:creationId xmlns="" xmlns:a16="http://schemas.microsoft.com/office/drawing/2014/main" id="{17E9374A-C70A-4C65-9EE2-758D1751FCD1}"/>
+                <a16:creationId xmlns:a16="http://schemas.microsoft.com/office/drawing/2014/main" id="{17E9374A-C70A-4C65-9EE2-758D1751FCD1}"/>
               </a:ext>
             </a:extLst>
           </p:cNvPr>
@@ -439,7 +439,7 @@
           <p:cNvPr id="4" name="날짜 개체 틀 3">
             <a:extLst>
               <a:ext uri="{FF2B5EF4-FFF2-40B4-BE49-F238E27FC236}">
-                <a16:creationId xmlns="" xmlns:a16="http://schemas.microsoft.com/office/drawing/2014/main" id="{A203BD37-1A57-4385-BB19-A38A57208826}"/>
+                <a16:creationId xmlns:a16="http://schemas.microsoft.com/office/drawing/2014/main" id="{A203BD37-1A57-4385-BB19-A38A57208826}"/>
               </a:ext>
             </a:extLst>
           </p:cNvPr>
@@ -457,7 +457,7 @@
           <a:p>
             <a:fld id="{429AE3F6-67A9-4E6B-958C-6331EFEB065E}" type="datetimeFigureOut">
               <a:rPr lang="ko-KR" altLang="en-US" smtClean="0"/>
-              <a:t>2020-02-07</a:t>
+              <a:t>2020-02-09</a:t>
             </a:fld>
             <a:endParaRPr lang="ko-KR" altLang="en-US"/>
           </a:p>
@@ -468,7 +468,7 @@
           <p:cNvPr id="5" name="바닥글 개체 틀 4">
             <a:extLst>
               <a:ext uri="{FF2B5EF4-FFF2-40B4-BE49-F238E27FC236}">
-                <a16:creationId xmlns="" xmlns:a16="http://schemas.microsoft.com/office/drawing/2014/main" id="{30F03180-F227-48F5-B188-4B8903BDD52F}"/>
+                <a16:creationId xmlns:a16="http://schemas.microsoft.com/office/drawing/2014/main" id="{30F03180-F227-48F5-B188-4B8903BDD52F}"/>
               </a:ext>
             </a:extLst>
           </p:cNvPr>
@@ -493,7 +493,7 @@
           <p:cNvPr id="6" name="슬라이드 번호 개체 틀 5">
             <a:extLst>
               <a:ext uri="{FF2B5EF4-FFF2-40B4-BE49-F238E27FC236}">
-                <a16:creationId xmlns="" xmlns:a16="http://schemas.microsoft.com/office/drawing/2014/main" id="{F4F76F8E-8CD7-4695-BC80-9B8B6789DFF8}"/>
+                <a16:creationId xmlns:a16="http://schemas.microsoft.com/office/drawing/2014/main" id="{F4F76F8E-8CD7-4695-BC80-9B8B6789DFF8}"/>
               </a:ext>
             </a:extLst>
           </p:cNvPr>
@@ -552,7 +552,7 @@
           <p:cNvPr id="2" name="세로 제목 1">
             <a:extLst>
               <a:ext uri="{FF2B5EF4-FFF2-40B4-BE49-F238E27FC236}">
-                <a16:creationId xmlns="" xmlns:a16="http://schemas.microsoft.com/office/drawing/2014/main" id="{7D4CC50E-E65E-4620-90A2-D7E5A1FF15FE}"/>
+                <a16:creationId xmlns:a16="http://schemas.microsoft.com/office/drawing/2014/main" id="{7D4CC50E-E65E-4620-90A2-D7E5A1FF15FE}"/>
               </a:ext>
             </a:extLst>
           </p:cNvPr>
@@ -585,7 +585,7 @@
           <p:cNvPr id="3" name="세로 텍스트 개체 틀 2">
             <a:extLst>
               <a:ext uri="{FF2B5EF4-FFF2-40B4-BE49-F238E27FC236}">
-                <a16:creationId xmlns="" xmlns:a16="http://schemas.microsoft.com/office/drawing/2014/main" id="{841960AE-4FD6-465E-AC97-C18204D299C4}"/>
+                <a16:creationId xmlns:a16="http://schemas.microsoft.com/office/drawing/2014/main" id="{841960AE-4FD6-465E-AC97-C18204D299C4}"/>
               </a:ext>
             </a:extLst>
           </p:cNvPr>
@@ -647,7 +647,7 @@
           <p:cNvPr id="4" name="날짜 개체 틀 3">
             <a:extLst>
               <a:ext uri="{FF2B5EF4-FFF2-40B4-BE49-F238E27FC236}">
-                <a16:creationId xmlns="" xmlns:a16="http://schemas.microsoft.com/office/drawing/2014/main" id="{25C68F3B-21B4-404C-A9DD-07DC7ADA055D}"/>
+                <a16:creationId xmlns:a16="http://schemas.microsoft.com/office/drawing/2014/main" id="{25C68F3B-21B4-404C-A9DD-07DC7ADA055D}"/>
               </a:ext>
             </a:extLst>
           </p:cNvPr>
@@ -665,7 +665,7 @@
           <a:p>
             <a:fld id="{429AE3F6-67A9-4E6B-958C-6331EFEB065E}" type="datetimeFigureOut">
               <a:rPr lang="ko-KR" altLang="en-US" smtClean="0"/>
-              <a:t>2020-02-07</a:t>
+              <a:t>2020-02-09</a:t>
             </a:fld>
             <a:endParaRPr lang="ko-KR" altLang="en-US"/>
           </a:p>
@@ -676,7 +676,7 @@
           <p:cNvPr id="5" name="바닥글 개체 틀 4">
             <a:extLst>
               <a:ext uri="{FF2B5EF4-FFF2-40B4-BE49-F238E27FC236}">
-                <a16:creationId xmlns="" xmlns:a16="http://schemas.microsoft.com/office/drawing/2014/main" id="{A4C56A2A-4832-4A47-9E78-B16B78ABA1A5}"/>
+                <a16:creationId xmlns:a16="http://schemas.microsoft.com/office/drawing/2014/main" id="{A4C56A2A-4832-4A47-9E78-B16B78ABA1A5}"/>
               </a:ext>
             </a:extLst>
           </p:cNvPr>
@@ -701,7 +701,7 @@
           <p:cNvPr id="6" name="슬라이드 번호 개체 틀 5">
             <a:extLst>
               <a:ext uri="{FF2B5EF4-FFF2-40B4-BE49-F238E27FC236}">
-                <a16:creationId xmlns="" xmlns:a16="http://schemas.microsoft.com/office/drawing/2014/main" id="{6C982E65-1974-4B8A-A8E1-E05F386ED37E}"/>
+                <a16:creationId xmlns:a16="http://schemas.microsoft.com/office/drawing/2014/main" id="{6C982E65-1974-4B8A-A8E1-E05F386ED37E}"/>
               </a:ext>
             </a:extLst>
           </p:cNvPr>
@@ -760,7 +760,7 @@
           <p:cNvPr id="2" name="제목 1">
             <a:extLst>
               <a:ext uri="{FF2B5EF4-FFF2-40B4-BE49-F238E27FC236}">
-                <a16:creationId xmlns="" xmlns:a16="http://schemas.microsoft.com/office/drawing/2014/main" id="{F02D6E3A-CF0E-4C48-9844-BEB255A68D74}"/>
+                <a16:creationId xmlns:a16="http://schemas.microsoft.com/office/drawing/2014/main" id="{F02D6E3A-CF0E-4C48-9844-BEB255A68D74}"/>
               </a:ext>
             </a:extLst>
           </p:cNvPr>
@@ -788,7 +788,7 @@
           <p:cNvPr id="3" name="내용 개체 틀 2">
             <a:extLst>
               <a:ext uri="{FF2B5EF4-FFF2-40B4-BE49-F238E27FC236}">
-                <a16:creationId xmlns="" xmlns:a16="http://schemas.microsoft.com/office/drawing/2014/main" id="{BC694769-9407-4067-A842-CAA2875D964A}"/>
+                <a16:creationId xmlns:a16="http://schemas.microsoft.com/office/drawing/2014/main" id="{BC694769-9407-4067-A842-CAA2875D964A}"/>
               </a:ext>
             </a:extLst>
           </p:cNvPr>
@@ -845,7 +845,7 @@
           <p:cNvPr id="4" name="날짜 개체 틀 3">
             <a:extLst>
               <a:ext uri="{FF2B5EF4-FFF2-40B4-BE49-F238E27FC236}">
-                <a16:creationId xmlns="" xmlns:a16="http://schemas.microsoft.com/office/drawing/2014/main" id="{FFBFB471-450B-45F0-A532-4E68ECD8378B}"/>
+                <a16:creationId xmlns:a16="http://schemas.microsoft.com/office/drawing/2014/main" id="{FFBFB471-450B-45F0-A532-4E68ECD8378B}"/>
               </a:ext>
             </a:extLst>
           </p:cNvPr>
@@ -863,7 +863,7 @@
           <a:p>
             <a:fld id="{429AE3F6-67A9-4E6B-958C-6331EFEB065E}" type="datetimeFigureOut">
               <a:rPr lang="ko-KR" altLang="en-US" smtClean="0"/>
-              <a:t>2020-02-07</a:t>
+              <a:t>2020-02-09</a:t>
             </a:fld>
             <a:endParaRPr lang="ko-KR" altLang="en-US"/>
           </a:p>
@@ -874,7 +874,7 @@
           <p:cNvPr id="5" name="바닥글 개체 틀 4">
             <a:extLst>
               <a:ext uri="{FF2B5EF4-FFF2-40B4-BE49-F238E27FC236}">
-                <a16:creationId xmlns="" xmlns:a16="http://schemas.microsoft.com/office/drawing/2014/main" id="{C19F9A36-96F1-40A0-BF9B-4E17ED6424CA}"/>
+                <a16:creationId xmlns:a16="http://schemas.microsoft.com/office/drawing/2014/main" id="{C19F9A36-96F1-40A0-BF9B-4E17ED6424CA}"/>
               </a:ext>
             </a:extLst>
           </p:cNvPr>
@@ -899,7 +899,7 @@
           <p:cNvPr id="6" name="슬라이드 번호 개체 틀 5">
             <a:extLst>
               <a:ext uri="{FF2B5EF4-FFF2-40B4-BE49-F238E27FC236}">
-                <a16:creationId xmlns="" xmlns:a16="http://schemas.microsoft.com/office/drawing/2014/main" id="{F40827E4-96FB-4626-B42E-B85DCC5FA294}"/>
+                <a16:creationId xmlns:a16="http://schemas.microsoft.com/office/drawing/2014/main" id="{F40827E4-96FB-4626-B42E-B85DCC5FA294}"/>
               </a:ext>
             </a:extLst>
           </p:cNvPr>
@@ -958,7 +958,7 @@
           <p:cNvPr id="2" name="제목 1">
             <a:extLst>
               <a:ext uri="{FF2B5EF4-FFF2-40B4-BE49-F238E27FC236}">
-                <a16:creationId xmlns="" xmlns:a16="http://schemas.microsoft.com/office/drawing/2014/main" id="{A89D2F2F-F6A8-4AED-BEB7-A7448E450AE2}"/>
+                <a16:creationId xmlns:a16="http://schemas.microsoft.com/office/drawing/2014/main" id="{A89D2F2F-F6A8-4AED-BEB7-A7448E450AE2}"/>
               </a:ext>
             </a:extLst>
           </p:cNvPr>
@@ -995,7 +995,7 @@
           <p:cNvPr id="3" name="텍스트 개체 틀 2">
             <a:extLst>
               <a:ext uri="{FF2B5EF4-FFF2-40B4-BE49-F238E27FC236}">
-                <a16:creationId xmlns="" xmlns:a16="http://schemas.microsoft.com/office/drawing/2014/main" id="{1C920E00-1018-40AA-AFA1-47256FF76AD1}"/>
+                <a16:creationId xmlns:a16="http://schemas.microsoft.com/office/drawing/2014/main" id="{1C920E00-1018-40AA-AFA1-47256FF76AD1}"/>
               </a:ext>
             </a:extLst>
           </p:cNvPr>
@@ -1120,7 +1120,7 @@
           <p:cNvPr id="4" name="날짜 개체 틀 3">
             <a:extLst>
               <a:ext uri="{FF2B5EF4-FFF2-40B4-BE49-F238E27FC236}">
-                <a16:creationId xmlns="" xmlns:a16="http://schemas.microsoft.com/office/drawing/2014/main" id="{5DED6BBC-E01F-4AE9-8E55-2DF9E2AA7532}"/>
+                <a16:creationId xmlns:a16="http://schemas.microsoft.com/office/drawing/2014/main" id="{5DED6BBC-E01F-4AE9-8E55-2DF9E2AA7532}"/>
               </a:ext>
             </a:extLst>
           </p:cNvPr>
@@ -1138,7 +1138,7 @@
           <a:p>
             <a:fld id="{429AE3F6-67A9-4E6B-958C-6331EFEB065E}" type="datetimeFigureOut">
               <a:rPr lang="ko-KR" altLang="en-US" smtClean="0"/>
-              <a:t>2020-02-07</a:t>
+              <a:t>2020-02-09</a:t>
             </a:fld>
             <a:endParaRPr lang="ko-KR" altLang="en-US"/>
           </a:p>
@@ -1149,7 +1149,7 @@
           <p:cNvPr id="5" name="바닥글 개체 틀 4">
             <a:extLst>
               <a:ext uri="{FF2B5EF4-FFF2-40B4-BE49-F238E27FC236}">
-                <a16:creationId xmlns="" xmlns:a16="http://schemas.microsoft.com/office/drawing/2014/main" id="{DB4D867E-A3C9-4C1D-9012-66E62C961C14}"/>
+                <a16:creationId xmlns:a16="http://schemas.microsoft.com/office/drawing/2014/main" id="{DB4D867E-A3C9-4C1D-9012-66E62C961C14}"/>
               </a:ext>
             </a:extLst>
           </p:cNvPr>
@@ -1174,7 +1174,7 @@
           <p:cNvPr id="6" name="슬라이드 번호 개체 틀 5">
             <a:extLst>
               <a:ext uri="{FF2B5EF4-FFF2-40B4-BE49-F238E27FC236}">
-                <a16:creationId xmlns="" xmlns:a16="http://schemas.microsoft.com/office/drawing/2014/main" id="{3C7BB8C6-2239-44B5-80E6-73F79D5D7042}"/>
+                <a16:creationId xmlns:a16="http://schemas.microsoft.com/office/drawing/2014/main" id="{3C7BB8C6-2239-44B5-80E6-73F79D5D7042}"/>
               </a:ext>
             </a:extLst>
           </p:cNvPr>
@@ -1233,7 +1233,7 @@
           <p:cNvPr id="2" name="제목 1">
             <a:extLst>
               <a:ext uri="{FF2B5EF4-FFF2-40B4-BE49-F238E27FC236}">
-                <a16:creationId xmlns="" xmlns:a16="http://schemas.microsoft.com/office/drawing/2014/main" id="{4CE6D0DC-FA61-4211-AA7D-7E7EF178661C}"/>
+                <a16:creationId xmlns:a16="http://schemas.microsoft.com/office/drawing/2014/main" id="{4CE6D0DC-FA61-4211-AA7D-7E7EF178661C}"/>
               </a:ext>
             </a:extLst>
           </p:cNvPr>
@@ -1261,7 +1261,7 @@
           <p:cNvPr id="3" name="내용 개체 틀 2">
             <a:extLst>
               <a:ext uri="{FF2B5EF4-FFF2-40B4-BE49-F238E27FC236}">
-                <a16:creationId xmlns="" xmlns:a16="http://schemas.microsoft.com/office/drawing/2014/main" id="{7043EACC-AF6E-4998-9489-A015AF45174F}"/>
+                <a16:creationId xmlns:a16="http://schemas.microsoft.com/office/drawing/2014/main" id="{7043EACC-AF6E-4998-9489-A015AF45174F}"/>
               </a:ext>
             </a:extLst>
           </p:cNvPr>
@@ -1323,7 +1323,7 @@
           <p:cNvPr id="4" name="내용 개체 틀 3">
             <a:extLst>
               <a:ext uri="{FF2B5EF4-FFF2-40B4-BE49-F238E27FC236}">
-                <a16:creationId xmlns="" xmlns:a16="http://schemas.microsoft.com/office/drawing/2014/main" id="{432FA007-1455-4C73-9864-D1A8AE49BF39}"/>
+                <a16:creationId xmlns:a16="http://schemas.microsoft.com/office/drawing/2014/main" id="{432FA007-1455-4C73-9864-D1A8AE49BF39}"/>
               </a:ext>
             </a:extLst>
           </p:cNvPr>
@@ -1385,7 +1385,7 @@
           <p:cNvPr id="5" name="날짜 개체 틀 4">
             <a:extLst>
               <a:ext uri="{FF2B5EF4-FFF2-40B4-BE49-F238E27FC236}">
-                <a16:creationId xmlns="" xmlns:a16="http://schemas.microsoft.com/office/drawing/2014/main" id="{37B741FF-157F-40D5-A150-75A2EE4C9E26}"/>
+                <a16:creationId xmlns:a16="http://schemas.microsoft.com/office/drawing/2014/main" id="{37B741FF-157F-40D5-A150-75A2EE4C9E26}"/>
               </a:ext>
             </a:extLst>
           </p:cNvPr>
@@ -1403,7 +1403,7 @@
           <a:p>
             <a:fld id="{429AE3F6-67A9-4E6B-958C-6331EFEB065E}" type="datetimeFigureOut">
               <a:rPr lang="ko-KR" altLang="en-US" smtClean="0"/>
-              <a:t>2020-02-07</a:t>
+              <a:t>2020-02-09</a:t>
             </a:fld>
             <a:endParaRPr lang="ko-KR" altLang="en-US"/>
           </a:p>
@@ -1414,7 +1414,7 @@
           <p:cNvPr id="6" name="바닥글 개체 틀 5">
             <a:extLst>
               <a:ext uri="{FF2B5EF4-FFF2-40B4-BE49-F238E27FC236}">
-                <a16:creationId xmlns="" xmlns:a16="http://schemas.microsoft.com/office/drawing/2014/main" id="{C8338BD1-A5B5-41B8-829F-20A052C2AB04}"/>
+                <a16:creationId xmlns:a16="http://schemas.microsoft.com/office/drawing/2014/main" id="{C8338BD1-A5B5-41B8-829F-20A052C2AB04}"/>
               </a:ext>
             </a:extLst>
           </p:cNvPr>
@@ -1439,7 +1439,7 @@
           <p:cNvPr id="7" name="슬라이드 번호 개체 틀 6">
             <a:extLst>
               <a:ext uri="{FF2B5EF4-FFF2-40B4-BE49-F238E27FC236}">
-                <a16:creationId xmlns="" xmlns:a16="http://schemas.microsoft.com/office/drawing/2014/main" id="{41C61354-ADE2-4C09-BF98-114510514B79}"/>
+                <a16:creationId xmlns:a16="http://schemas.microsoft.com/office/drawing/2014/main" id="{41C61354-ADE2-4C09-BF98-114510514B79}"/>
               </a:ext>
             </a:extLst>
           </p:cNvPr>
@@ -1498,7 +1498,7 @@
           <p:cNvPr id="2" name="제목 1">
             <a:extLst>
               <a:ext uri="{FF2B5EF4-FFF2-40B4-BE49-F238E27FC236}">
-                <a16:creationId xmlns="" xmlns:a16="http://schemas.microsoft.com/office/drawing/2014/main" id="{98E0CDAF-1805-4623-80D6-E68E95AC0077}"/>
+                <a16:creationId xmlns:a16="http://schemas.microsoft.com/office/drawing/2014/main" id="{98E0CDAF-1805-4623-80D6-E68E95AC0077}"/>
               </a:ext>
             </a:extLst>
           </p:cNvPr>
@@ -1531,7 +1531,7 @@
           <p:cNvPr id="3" name="텍스트 개체 틀 2">
             <a:extLst>
               <a:ext uri="{FF2B5EF4-FFF2-40B4-BE49-F238E27FC236}">
-                <a16:creationId xmlns="" xmlns:a16="http://schemas.microsoft.com/office/drawing/2014/main" id="{19EAA552-FB12-4F4F-9114-E5851423FEB2}"/>
+                <a16:creationId xmlns:a16="http://schemas.microsoft.com/office/drawing/2014/main" id="{19EAA552-FB12-4F4F-9114-E5851423FEB2}"/>
               </a:ext>
             </a:extLst>
           </p:cNvPr>
@@ -1602,7 +1602,7 @@
           <p:cNvPr id="4" name="내용 개체 틀 3">
             <a:extLst>
               <a:ext uri="{FF2B5EF4-FFF2-40B4-BE49-F238E27FC236}">
-                <a16:creationId xmlns="" xmlns:a16="http://schemas.microsoft.com/office/drawing/2014/main" id="{57C41A33-1C13-4189-954C-A0BECB20E9C9}"/>
+                <a16:creationId xmlns:a16="http://schemas.microsoft.com/office/drawing/2014/main" id="{57C41A33-1C13-4189-954C-A0BECB20E9C9}"/>
               </a:ext>
             </a:extLst>
           </p:cNvPr>
@@ -1664,7 +1664,7 @@
           <p:cNvPr id="5" name="텍스트 개체 틀 4">
             <a:extLst>
               <a:ext uri="{FF2B5EF4-FFF2-40B4-BE49-F238E27FC236}">
-                <a16:creationId xmlns="" xmlns:a16="http://schemas.microsoft.com/office/drawing/2014/main" id="{34AA4E1F-43A2-47F0-8ADC-8E51F62E69D9}"/>
+                <a16:creationId xmlns:a16="http://schemas.microsoft.com/office/drawing/2014/main" id="{34AA4E1F-43A2-47F0-8ADC-8E51F62E69D9}"/>
               </a:ext>
             </a:extLst>
           </p:cNvPr>
@@ -1735,7 +1735,7 @@
           <p:cNvPr id="6" name="내용 개체 틀 5">
             <a:extLst>
               <a:ext uri="{FF2B5EF4-FFF2-40B4-BE49-F238E27FC236}">
-                <a16:creationId xmlns="" xmlns:a16="http://schemas.microsoft.com/office/drawing/2014/main" id="{EFBA4AAA-700C-48B0-9717-D14F467276B8}"/>
+                <a16:creationId xmlns:a16="http://schemas.microsoft.com/office/drawing/2014/main" id="{EFBA4AAA-700C-48B0-9717-D14F467276B8}"/>
               </a:ext>
             </a:extLst>
           </p:cNvPr>
@@ -1797,7 +1797,7 @@
           <p:cNvPr id="7" name="날짜 개체 틀 6">
             <a:extLst>
               <a:ext uri="{FF2B5EF4-FFF2-40B4-BE49-F238E27FC236}">
-                <a16:creationId xmlns="" xmlns:a16="http://schemas.microsoft.com/office/drawing/2014/main" id="{E1E6C05D-D90B-40BD-A788-3E6B0CAAF589}"/>
+                <a16:creationId xmlns:a16="http://schemas.microsoft.com/office/drawing/2014/main" id="{E1E6C05D-D90B-40BD-A788-3E6B0CAAF589}"/>
               </a:ext>
             </a:extLst>
           </p:cNvPr>
@@ -1815,7 +1815,7 @@
           <a:p>
             <a:fld id="{429AE3F6-67A9-4E6B-958C-6331EFEB065E}" type="datetimeFigureOut">
               <a:rPr lang="ko-KR" altLang="en-US" smtClean="0"/>
-              <a:t>2020-02-07</a:t>
+              <a:t>2020-02-09</a:t>
             </a:fld>
             <a:endParaRPr lang="ko-KR" altLang="en-US"/>
           </a:p>
@@ -1826,7 +1826,7 @@
           <p:cNvPr id="8" name="바닥글 개체 틀 7">
             <a:extLst>
               <a:ext uri="{FF2B5EF4-FFF2-40B4-BE49-F238E27FC236}">
-                <a16:creationId xmlns="" xmlns:a16="http://schemas.microsoft.com/office/drawing/2014/main" id="{92A330DA-8A57-446E-82F0-6213E5B7008B}"/>
+                <a16:creationId xmlns:a16="http://schemas.microsoft.com/office/drawing/2014/main" id="{92A330DA-8A57-446E-82F0-6213E5B7008B}"/>
               </a:ext>
             </a:extLst>
           </p:cNvPr>
@@ -1851,7 +1851,7 @@
           <p:cNvPr id="9" name="슬라이드 번호 개체 틀 8">
             <a:extLst>
               <a:ext uri="{FF2B5EF4-FFF2-40B4-BE49-F238E27FC236}">
-                <a16:creationId xmlns="" xmlns:a16="http://schemas.microsoft.com/office/drawing/2014/main" id="{319BE11D-71D0-4A41-A374-9663D7690536}"/>
+                <a16:creationId xmlns:a16="http://schemas.microsoft.com/office/drawing/2014/main" id="{319BE11D-71D0-4A41-A374-9663D7690536}"/>
               </a:ext>
             </a:extLst>
           </p:cNvPr>
@@ -1910,7 +1910,7 @@
           <p:cNvPr id="2" name="제목 1">
             <a:extLst>
               <a:ext uri="{FF2B5EF4-FFF2-40B4-BE49-F238E27FC236}">
-                <a16:creationId xmlns="" xmlns:a16="http://schemas.microsoft.com/office/drawing/2014/main" id="{1BD63754-3DD4-48B0-AE43-31CE7464971A}"/>
+                <a16:creationId xmlns:a16="http://schemas.microsoft.com/office/drawing/2014/main" id="{1BD63754-3DD4-48B0-AE43-31CE7464971A}"/>
               </a:ext>
             </a:extLst>
           </p:cNvPr>
@@ -1938,7 +1938,7 @@
           <p:cNvPr id="3" name="날짜 개체 틀 2">
             <a:extLst>
               <a:ext uri="{FF2B5EF4-FFF2-40B4-BE49-F238E27FC236}">
-                <a16:creationId xmlns="" xmlns:a16="http://schemas.microsoft.com/office/drawing/2014/main" id="{5118F6CD-4955-4CCA-9A08-6D2985CDDD5F}"/>
+                <a16:creationId xmlns:a16="http://schemas.microsoft.com/office/drawing/2014/main" id="{5118F6CD-4955-4CCA-9A08-6D2985CDDD5F}"/>
               </a:ext>
             </a:extLst>
           </p:cNvPr>
@@ -1956,7 +1956,7 @@
           <a:p>
             <a:fld id="{429AE3F6-67A9-4E6B-958C-6331EFEB065E}" type="datetimeFigureOut">
               <a:rPr lang="ko-KR" altLang="en-US" smtClean="0"/>
-              <a:t>2020-02-07</a:t>
+              <a:t>2020-02-09</a:t>
             </a:fld>
             <a:endParaRPr lang="ko-KR" altLang="en-US"/>
           </a:p>
@@ -1967,7 +1967,7 @@
           <p:cNvPr id="4" name="바닥글 개체 틀 3">
             <a:extLst>
               <a:ext uri="{FF2B5EF4-FFF2-40B4-BE49-F238E27FC236}">
-                <a16:creationId xmlns="" xmlns:a16="http://schemas.microsoft.com/office/drawing/2014/main" id="{6FFFE331-316E-4FDA-B823-0F5415EC817A}"/>
+                <a16:creationId xmlns:a16="http://schemas.microsoft.com/office/drawing/2014/main" id="{6FFFE331-316E-4FDA-B823-0F5415EC817A}"/>
               </a:ext>
             </a:extLst>
           </p:cNvPr>
@@ -1992,7 +1992,7 @@
           <p:cNvPr id="5" name="슬라이드 번호 개체 틀 4">
             <a:extLst>
               <a:ext uri="{FF2B5EF4-FFF2-40B4-BE49-F238E27FC236}">
-                <a16:creationId xmlns="" xmlns:a16="http://schemas.microsoft.com/office/drawing/2014/main" id="{BFBCB44E-E20E-4FE5-9F36-E4873B2D7214}"/>
+                <a16:creationId xmlns:a16="http://schemas.microsoft.com/office/drawing/2014/main" id="{BFBCB44E-E20E-4FE5-9F36-E4873B2D7214}"/>
               </a:ext>
             </a:extLst>
           </p:cNvPr>
@@ -2051,7 +2051,7 @@
           <p:cNvPr id="2" name="날짜 개체 틀 1">
             <a:extLst>
               <a:ext uri="{FF2B5EF4-FFF2-40B4-BE49-F238E27FC236}">
-                <a16:creationId xmlns="" xmlns:a16="http://schemas.microsoft.com/office/drawing/2014/main" id="{F149E85E-9FB0-4D6A-B05F-281805E3B569}"/>
+                <a16:creationId xmlns:a16="http://schemas.microsoft.com/office/drawing/2014/main" id="{F149E85E-9FB0-4D6A-B05F-281805E3B569}"/>
               </a:ext>
             </a:extLst>
           </p:cNvPr>
@@ -2069,7 +2069,7 @@
           <a:p>
             <a:fld id="{429AE3F6-67A9-4E6B-958C-6331EFEB065E}" type="datetimeFigureOut">
               <a:rPr lang="ko-KR" altLang="en-US" smtClean="0"/>
-              <a:t>2020-02-07</a:t>
+              <a:t>2020-02-09</a:t>
             </a:fld>
             <a:endParaRPr lang="ko-KR" altLang="en-US"/>
           </a:p>
@@ -2080,7 +2080,7 @@
           <p:cNvPr id="3" name="바닥글 개체 틀 2">
             <a:extLst>
               <a:ext uri="{FF2B5EF4-FFF2-40B4-BE49-F238E27FC236}">
-                <a16:creationId xmlns="" xmlns:a16="http://schemas.microsoft.com/office/drawing/2014/main" id="{0BA2D510-EF27-4C47-9AC6-83F56C7721F8}"/>
+                <a16:creationId xmlns:a16="http://schemas.microsoft.com/office/drawing/2014/main" id="{0BA2D510-EF27-4C47-9AC6-83F56C7721F8}"/>
               </a:ext>
             </a:extLst>
           </p:cNvPr>
@@ -2105,7 +2105,7 @@
           <p:cNvPr id="4" name="슬라이드 번호 개체 틀 3">
             <a:extLst>
               <a:ext uri="{FF2B5EF4-FFF2-40B4-BE49-F238E27FC236}">
-                <a16:creationId xmlns="" xmlns:a16="http://schemas.microsoft.com/office/drawing/2014/main" id="{541696B9-C94C-4284-AF3E-DFB2C90CA59E}"/>
+                <a16:creationId xmlns:a16="http://schemas.microsoft.com/office/drawing/2014/main" id="{541696B9-C94C-4284-AF3E-DFB2C90CA59E}"/>
               </a:ext>
             </a:extLst>
           </p:cNvPr>
@@ -2164,7 +2164,7 @@
           <p:cNvPr id="2" name="제목 1">
             <a:extLst>
               <a:ext uri="{FF2B5EF4-FFF2-40B4-BE49-F238E27FC236}">
-                <a16:creationId xmlns="" xmlns:a16="http://schemas.microsoft.com/office/drawing/2014/main" id="{6D0128B9-D37C-4665-82B0-B7029CF43239}"/>
+                <a16:creationId xmlns:a16="http://schemas.microsoft.com/office/drawing/2014/main" id="{6D0128B9-D37C-4665-82B0-B7029CF43239}"/>
               </a:ext>
             </a:extLst>
           </p:cNvPr>
@@ -2201,7 +2201,7 @@
           <p:cNvPr id="3" name="내용 개체 틀 2">
             <a:extLst>
               <a:ext uri="{FF2B5EF4-FFF2-40B4-BE49-F238E27FC236}">
-                <a16:creationId xmlns="" xmlns:a16="http://schemas.microsoft.com/office/drawing/2014/main" id="{44605527-4E96-4904-A6B2-8622C9593818}"/>
+                <a16:creationId xmlns:a16="http://schemas.microsoft.com/office/drawing/2014/main" id="{44605527-4E96-4904-A6B2-8622C9593818}"/>
               </a:ext>
             </a:extLst>
           </p:cNvPr>
@@ -2291,7 +2291,7 @@
           <p:cNvPr id="4" name="텍스트 개체 틀 3">
             <a:extLst>
               <a:ext uri="{FF2B5EF4-FFF2-40B4-BE49-F238E27FC236}">
-                <a16:creationId xmlns="" xmlns:a16="http://schemas.microsoft.com/office/drawing/2014/main" id="{8F31B321-590E-4BCA-8998-60BC0A7C7C6F}"/>
+                <a16:creationId xmlns:a16="http://schemas.microsoft.com/office/drawing/2014/main" id="{8F31B321-590E-4BCA-8998-60BC0A7C7C6F}"/>
               </a:ext>
             </a:extLst>
           </p:cNvPr>
@@ -2362,7 +2362,7 @@
           <p:cNvPr id="5" name="날짜 개체 틀 4">
             <a:extLst>
               <a:ext uri="{FF2B5EF4-FFF2-40B4-BE49-F238E27FC236}">
-                <a16:creationId xmlns="" xmlns:a16="http://schemas.microsoft.com/office/drawing/2014/main" id="{1CF7311C-C7E7-4F04-9479-43845C862DF7}"/>
+                <a16:creationId xmlns:a16="http://schemas.microsoft.com/office/drawing/2014/main" id="{1CF7311C-C7E7-4F04-9479-43845C862DF7}"/>
               </a:ext>
             </a:extLst>
           </p:cNvPr>
@@ -2380,7 +2380,7 @@
           <a:p>
             <a:fld id="{429AE3F6-67A9-4E6B-958C-6331EFEB065E}" type="datetimeFigureOut">
               <a:rPr lang="ko-KR" altLang="en-US" smtClean="0"/>
-              <a:t>2020-02-07</a:t>
+              <a:t>2020-02-09</a:t>
             </a:fld>
             <a:endParaRPr lang="ko-KR" altLang="en-US"/>
           </a:p>
@@ -2391,7 +2391,7 @@
           <p:cNvPr id="6" name="바닥글 개체 틀 5">
             <a:extLst>
               <a:ext uri="{FF2B5EF4-FFF2-40B4-BE49-F238E27FC236}">
-                <a16:creationId xmlns="" xmlns:a16="http://schemas.microsoft.com/office/drawing/2014/main" id="{E12F5C9B-82C0-4359-A13D-DB40DE35BBD3}"/>
+                <a16:creationId xmlns:a16="http://schemas.microsoft.com/office/drawing/2014/main" id="{E12F5C9B-82C0-4359-A13D-DB40DE35BBD3}"/>
               </a:ext>
             </a:extLst>
           </p:cNvPr>
@@ -2416,7 +2416,7 @@
           <p:cNvPr id="7" name="슬라이드 번호 개체 틀 6">
             <a:extLst>
               <a:ext uri="{FF2B5EF4-FFF2-40B4-BE49-F238E27FC236}">
-                <a16:creationId xmlns="" xmlns:a16="http://schemas.microsoft.com/office/drawing/2014/main" id="{085CA861-7EE0-43CD-9E3A-9144CA36D8DD}"/>
+                <a16:creationId xmlns:a16="http://schemas.microsoft.com/office/drawing/2014/main" id="{085CA861-7EE0-43CD-9E3A-9144CA36D8DD}"/>
               </a:ext>
             </a:extLst>
           </p:cNvPr>
@@ -2475,7 +2475,7 @@
           <p:cNvPr id="2" name="제목 1">
             <a:extLst>
               <a:ext uri="{FF2B5EF4-FFF2-40B4-BE49-F238E27FC236}">
-                <a16:creationId xmlns="" xmlns:a16="http://schemas.microsoft.com/office/drawing/2014/main" id="{BA1255EE-8429-41C5-9E1B-58DBB7AD77FA}"/>
+                <a16:creationId xmlns:a16="http://schemas.microsoft.com/office/drawing/2014/main" id="{BA1255EE-8429-41C5-9E1B-58DBB7AD77FA}"/>
               </a:ext>
             </a:extLst>
           </p:cNvPr>
@@ -2512,7 +2512,7 @@
           <p:cNvPr id="3" name="그림 개체 틀 2">
             <a:extLst>
               <a:ext uri="{FF2B5EF4-FFF2-40B4-BE49-F238E27FC236}">
-                <a16:creationId xmlns="" xmlns:a16="http://schemas.microsoft.com/office/drawing/2014/main" id="{32BC6078-6693-4173-B484-D9A3DB6CCB8F}"/>
+                <a16:creationId xmlns:a16="http://schemas.microsoft.com/office/drawing/2014/main" id="{32BC6078-6693-4173-B484-D9A3DB6CCB8F}"/>
               </a:ext>
             </a:extLst>
           </p:cNvPr>
@@ -2579,7 +2579,7 @@
           <p:cNvPr id="4" name="텍스트 개체 틀 3">
             <a:extLst>
               <a:ext uri="{FF2B5EF4-FFF2-40B4-BE49-F238E27FC236}">
-                <a16:creationId xmlns="" xmlns:a16="http://schemas.microsoft.com/office/drawing/2014/main" id="{343F604B-6B24-4228-A21A-665074087735}"/>
+                <a16:creationId xmlns:a16="http://schemas.microsoft.com/office/drawing/2014/main" id="{343F604B-6B24-4228-A21A-665074087735}"/>
               </a:ext>
             </a:extLst>
           </p:cNvPr>
@@ -2650,7 +2650,7 @@
           <p:cNvPr id="5" name="날짜 개체 틀 4">
             <a:extLst>
               <a:ext uri="{FF2B5EF4-FFF2-40B4-BE49-F238E27FC236}">
-                <a16:creationId xmlns="" xmlns:a16="http://schemas.microsoft.com/office/drawing/2014/main" id="{C024A9A6-F061-42B3-897F-689BD4920E2A}"/>
+                <a16:creationId xmlns:a16="http://schemas.microsoft.com/office/drawing/2014/main" id="{C024A9A6-F061-42B3-897F-689BD4920E2A}"/>
               </a:ext>
             </a:extLst>
           </p:cNvPr>
@@ -2668,7 +2668,7 @@
           <a:p>
             <a:fld id="{429AE3F6-67A9-4E6B-958C-6331EFEB065E}" type="datetimeFigureOut">
               <a:rPr lang="ko-KR" altLang="en-US" smtClean="0"/>
-              <a:t>2020-02-07</a:t>
+              <a:t>2020-02-09</a:t>
             </a:fld>
             <a:endParaRPr lang="ko-KR" altLang="en-US"/>
           </a:p>
@@ -2679,7 +2679,7 @@
           <p:cNvPr id="6" name="바닥글 개체 틀 5">
             <a:extLst>
               <a:ext uri="{FF2B5EF4-FFF2-40B4-BE49-F238E27FC236}">
-                <a16:creationId xmlns="" xmlns:a16="http://schemas.microsoft.com/office/drawing/2014/main" id="{3485ED0B-5CDC-4243-88F7-F16156F99B1E}"/>
+                <a16:creationId xmlns:a16="http://schemas.microsoft.com/office/drawing/2014/main" id="{3485ED0B-5CDC-4243-88F7-F16156F99B1E}"/>
               </a:ext>
             </a:extLst>
           </p:cNvPr>
@@ -2704,7 +2704,7 @@
           <p:cNvPr id="7" name="슬라이드 번호 개체 틀 6">
             <a:extLst>
               <a:ext uri="{FF2B5EF4-FFF2-40B4-BE49-F238E27FC236}">
-                <a16:creationId xmlns="" xmlns:a16="http://schemas.microsoft.com/office/drawing/2014/main" id="{383D4234-91E5-4D1F-86FC-2172F3B26AE2}"/>
+                <a16:creationId xmlns:a16="http://schemas.microsoft.com/office/drawing/2014/main" id="{383D4234-91E5-4D1F-86FC-2172F3B26AE2}"/>
               </a:ext>
             </a:extLst>
           </p:cNvPr>
@@ -2768,7 +2768,7 @@
           <p:cNvPr id="2" name="제목 개체 틀 1">
             <a:extLst>
               <a:ext uri="{FF2B5EF4-FFF2-40B4-BE49-F238E27FC236}">
-                <a16:creationId xmlns="" xmlns:a16="http://schemas.microsoft.com/office/drawing/2014/main" id="{D083DC12-01C9-4E8E-B22A-FF059DD3E181}"/>
+                <a16:creationId xmlns:a16="http://schemas.microsoft.com/office/drawing/2014/main" id="{D083DC12-01C9-4E8E-B22A-FF059DD3E181}"/>
               </a:ext>
             </a:extLst>
           </p:cNvPr>
@@ -2806,7 +2806,7 @@
           <p:cNvPr id="3" name="텍스트 개체 틀 2">
             <a:extLst>
               <a:ext uri="{FF2B5EF4-FFF2-40B4-BE49-F238E27FC236}">
-                <a16:creationId xmlns="" xmlns:a16="http://schemas.microsoft.com/office/drawing/2014/main" id="{FBF310E0-44DD-4B51-843A-CD4025EBDF0D}"/>
+                <a16:creationId xmlns:a16="http://schemas.microsoft.com/office/drawing/2014/main" id="{FBF310E0-44DD-4B51-843A-CD4025EBDF0D}"/>
               </a:ext>
             </a:extLst>
           </p:cNvPr>
@@ -2873,7 +2873,7 @@
           <p:cNvPr id="4" name="날짜 개체 틀 3">
             <a:extLst>
               <a:ext uri="{FF2B5EF4-FFF2-40B4-BE49-F238E27FC236}">
-                <a16:creationId xmlns="" xmlns:a16="http://schemas.microsoft.com/office/drawing/2014/main" id="{581B4236-D507-466A-AF70-992AD57A84D1}"/>
+                <a16:creationId xmlns:a16="http://schemas.microsoft.com/office/drawing/2014/main" id="{581B4236-D507-466A-AF70-992AD57A84D1}"/>
               </a:ext>
             </a:extLst>
           </p:cNvPr>
@@ -2909,7 +2909,7 @@
           <a:p>
             <a:fld id="{429AE3F6-67A9-4E6B-958C-6331EFEB065E}" type="datetimeFigureOut">
               <a:rPr lang="ko-KR" altLang="en-US" smtClean="0"/>
-              <a:t>2020-02-07</a:t>
+              <a:t>2020-02-09</a:t>
             </a:fld>
             <a:endParaRPr lang="ko-KR" altLang="en-US"/>
           </a:p>
@@ -2920,7 +2920,7 @@
           <p:cNvPr id="5" name="바닥글 개체 틀 4">
             <a:extLst>
               <a:ext uri="{FF2B5EF4-FFF2-40B4-BE49-F238E27FC236}">
-                <a16:creationId xmlns="" xmlns:a16="http://schemas.microsoft.com/office/drawing/2014/main" id="{E4E12799-AC88-4344-94E8-D9A34CC68A77}"/>
+                <a16:creationId xmlns:a16="http://schemas.microsoft.com/office/drawing/2014/main" id="{E4E12799-AC88-4344-94E8-D9A34CC68A77}"/>
               </a:ext>
             </a:extLst>
           </p:cNvPr>
@@ -2963,7 +2963,7 @@
           <p:cNvPr id="6" name="슬라이드 번호 개체 틀 5">
             <a:extLst>
               <a:ext uri="{FF2B5EF4-FFF2-40B4-BE49-F238E27FC236}">
-                <a16:creationId xmlns="" xmlns:a16="http://schemas.microsoft.com/office/drawing/2014/main" id="{7DB528A9-39F2-4A16-9C88-78DAE1B9433F}"/>
+                <a16:creationId xmlns:a16="http://schemas.microsoft.com/office/drawing/2014/main" id="{7DB528A9-39F2-4A16-9C88-78DAE1B9433F}"/>
               </a:ext>
             </a:extLst>
           </p:cNvPr>
@@ -3331,7 +3331,7 @@
           <p:cNvPr id="4" name="표 3">
             <a:extLst>
               <a:ext uri="{FF2B5EF4-FFF2-40B4-BE49-F238E27FC236}">
-                <a16:creationId xmlns="" xmlns:a16="http://schemas.microsoft.com/office/drawing/2014/main" id="{C4E80E41-2EE6-4421-B2AC-92D2C4C05599}"/>
+                <a16:creationId xmlns:a16="http://schemas.microsoft.com/office/drawing/2014/main" id="{C4E80E41-2EE6-4421-B2AC-92D2C4C05599}"/>
               </a:ext>
             </a:extLst>
           </p:cNvPr>
@@ -3341,14 +3341,14 @@
           <p:nvPr>
             <p:extLst>
               <p:ext uri="{D42A27DB-BD31-4B8C-83A1-F6EECF244321}">
-                <p14:modId xmlns:p14="http://schemas.microsoft.com/office/powerpoint/2010/main" val="3847538522"/>
+                <p14:modId xmlns:p14="http://schemas.microsoft.com/office/powerpoint/2010/main" val="272322651"/>
               </p:ext>
             </p:extLst>
           </p:nvPr>
         </p:nvGraphicFramePr>
         <p:xfrm>
           <a:off x="3567690" y="-109643"/>
-          <a:ext cx="4853498" cy="7379282"/>
+          <a:ext cx="4853498" cy="7654709"/>
         </p:xfrm>
         <a:graphic>
           <a:graphicData uri="http://schemas.openxmlformats.org/drawingml/2006/table">
@@ -3358,63 +3358,63 @@
                 <a:gridCol w="404664">
                   <a:extLst>
                     <a:ext uri="{9D8B030D-6E8A-4147-A177-3AD203B41FA5}">
-                      <a16:colId xmlns="" xmlns:a16="http://schemas.microsoft.com/office/drawing/2014/main" val="1158775166"/>
+                      <a16:colId xmlns:a16="http://schemas.microsoft.com/office/drawing/2014/main" val="1158775166"/>
                     </a:ext>
                   </a:extLst>
                 </a:gridCol>
                 <a:gridCol w="384256">
                   <a:extLst>
                     <a:ext uri="{9D8B030D-6E8A-4147-A177-3AD203B41FA5}">
-                      <a16:colId xmlns="" xmlns:a16="http://schemas.microsoft.com/office/drawing/2014/main" val="2043008770"/>
+                      <a16:colId xmlns:a16="http://schemas.microsoft.com/office/drawing/2014/main" val="2043008770"/>
                     </a:ext>
                   </a:extLst>
                 </a:gridCol>
                 <a:gridCol w="384256">
                   <a:extLst>
                     <a:ext uri="{9D8B030D-6E8A-4147-A177-3AD203B41FA5}">
-                      <a16:colId xmlns="" xmlns:a16="http://schemas.microsoft.com/office/drawing/2014/main" val="563148870"/>
+                      <a16:colId xmlns:a16="http://schemas.microsoft.com/office/drawing/2014/main" val="563148870"/>
                     </a:ext>
                   </a:extLst>
                 </a:gridCol>
                 <a:gridCol w="520149">
                   <a:extLst>
                     <a:ext uri="{9D8B030D-6E8A-4147-A177-3AD203B41FA5}">
-                      <a16:colId xmlns="" xmlns:a16="http://schemas.microsoft.com/office/drawing/2014/main" val="3860621261"/>
+                      <a16:colId xmlns:a16="http://schemas.microsoft.com/office/drawing/2014/main" val="3860621261"/>
                     </a:ext>
                   </a:extLst>
                 </a:gridCol>
                 <a:gridCol w="421708">
                   <a:extLst>
                     <a:ext uri="{9D8B030D-6E8A-4147-A177-3AD203B41FA5}">
-                      <a16:colId xmlns="" xmlns:a16="http://schemas.microsoft.com/office/drawing/2014/main" val="4109762151"/>
+                      <a16:colId xmlns:a16="http://schemas.microsoft.com/office/drawing/2014/main" val="4109762151"/>
                     </a:ext>
                   </a:extLst>
                 </a:gridCol>
                 <a:gridCol w="520149">
                   <a:extLst>
                     <a:ext uri="{9D8B030D-6E8A-4147-A177-3AD203B41FA5}">
-                      <a16:colId xmlns="" xmlns:a16="http://schemas.microsoft.com/office/drawing/2014/main" val="2003688482"/>
+                      <a16:colId xmlns:a16="http://schemas.microsoft.com/office/drawing/2014/main" val="2003688482"/>
                     </a:ext>
                   </a:extLst>
                 </a:gridCol>
                 <a:gridCol w="513076">
                   <a:extLst>
                     <a:ext uri="{9D8B030D-6E8A-4147-A177-3AD203B41FA5}">
-                      <a16:colId xmlns="" xmlns:a16="http://schemas.microsoft.com/office/drawing/2014/main" val="3961368747"/>
+                      <a16:colId xmlns:a16="http://schemas.microsoft.com/office/drawing/2014/main" val="3961368747"/>
                     </a:ext>
                   </a:extLst>
                 </a:gridCol>
                 <a:gridCol w="1044384">
                   <a:extLst>
                     <a:ext uri="{9D8B030D-6E8A-4147-A177-3AD203B41FA5}">
-                      <a16:colId xmlns="" xmlns:a16="http://schemas.microsoft.com/office/drawing/2014/main" val="1959172409"/>
+                      <a16:colId xmlns:a16="http://schemas.microsoft.com/office/drawing/2014/main" val="1959172409"/>
                     </a:ext>
                   </a:extLst>
                 </a:gridCol>
                 <a:gridCol w="660856">
                   <a:extLst>
                     <a:ext uri="{9D8B030D-6E8A-4147-A177-3AD203B41FA5}">
-                      <a16:colId xmlns="" xmlns:a16="http://schemas.microsoft.com/office/drawing/2014/main" val="4223562706"/>
+                      <a16:colId xmlns:a16="http://schemas.microsoft.com/office/drawing/2014/main" val="4223562706"/>
                     </a:ext>
                   </a:extLst>
                 </a:gridCol>
@@ -3437,7 +3437,7 @@
                         </a:spcAft>
                       </a:pPr>
                       <a:r>
-                        <a:rPr lang="ko-KR" altLang="en-US" sz="1100" b="1" kern="0" spc="-180" dirty="0">
+                        <a:rPr lang="ko-KR" altLang="en-US" sz="1100" b="1" kern="0" spc="-180">
                           <a:solidFill>
                             <a:srgbClr val="000000"/>
                           </a:solidFill>
@@ -3526,7 +3526,7 @@
                         </a:spcAft>
                       </a:pPr>
                       <a:r>
-                        <a:rPr lang="ko-KR" altLang="en-US" sz="1100" b="1" kern="0" spc="-180" dirty="0">
+                        <a:rPr lang="ko-KR" altLang="en-US" sz="1100" b="1" kern="0" spc="-180">
                           <a:solidFill>
                             <a:srgbClr val="000000"/>
                           </a:solidFill>
@@ -3793,7 +3793,7 @@
                         </a:spcAft>
                       </a:pPr>
                       <a:r>
-                        <a:rPr lang="ko-KR" altLang="en-US" sz="1100" b="1" kern="0" spc="-180" dirty="0" err="1">
+                        <a:rPr lang="ko-KR" altLang="en-US" sz="1100" b="1" kern="0" spc="-180">
                           <a:solidFill>
                             <a:srgbClr val="000000"/>
                           </a:solidFill>
@@ -3803,7 +3803,7 @@
                         </a:rPr>
                         <a:t>우한</a:t>
                       </a:r>
-                      <a:endParaRPr lang="ko-KR" altLang="en-US" sz="1050" kern="0" spc="0" dirty="0">
+                      <a:endParaRPr lang="ko-KR" altLang="en-US" sz="1050" kern="0" spc="0">
                         <a:solidFill>
                           <a:srgbClr val="000000"/>
                         </a:solidFill>
@@ -3825,7 +3825,7 @@
                         </a:spcAft>
                       </a:pPr>
                       <a:r>
-                        <a:rPr lang="ko-KR" altLang="en-US" sz="1100" b="1" kern="0" spc="-180" dirty="0">
+                        <a:rPr lang="ko-KR" altLang="en-US" sz="1100" b="1" kern="0" spc="-180">
                           <a:solidFill>
                             <a:srgbClr val="000000"/>
                           </a:solidFill>
@@ -4035,7 +4035,7 @@
                         </a:spcAft>
                       </a:pPr>
                       <a:r>
-                        <a:rPr lang="ko-KR" altLang="en-US" sz="1100" b="1" kern="0" spc="-180" dirty="0">
+                        <a:rPr lang="ko-KR" altLang="en-US" sz="1100" b="1" kern="0" spc="-180">
                           <a:solidFill>
                             <a:srgbClr val="000000"/>
                           </a:solidFill>
@@ -4045,7 +4045,7 @@
                         </a:rPr>
                         <a:t>확진</a:t>
                       </a:r>
-                      <a:endParaRPr lang="ko-KR" altLang="en-US" sz="1050" kern="0" spc="0" dirty="0">
+                      <a:endParaRPr lang="ko-KR" altLang="en-US" sz="1050" kern="0" spc="0">
                         <a:solidFill>
                           <a:srgbClr val="000000"/>
                         </a:solidFill>
@@ -4067,7 +4067,7 @@
                         </a:spcAft>
                       </a:pPr>
                       <a:r>
-                        <a:rPr lang="ko-KR" altLang="en-US" sz="1100" b="1" kern="0" spc="-180" dirty="0">
+                        <a:rPr lang="ko-KR" altLang="en-US" sz="1100" b="1" kern="0" spc="-180">
                           <a:solidFill>
                             <a:srgbClr val="000000"/>
                           </a:solidFill>
@@ -4156,7 +4156,7 @@
                         </a:spcAft>
                       </a:pPr>
                       <a:r>
-                        <a:rPr lang="ko-KR" altLang="en-US" sz="1100" b="1" kern="0" spc="-180" dirty="0">
+                        <a:rPr lang="ko-KR" altLang="en-US" sz="1100" b="1" kern="0" spc="-180">
                           <a:solidFill>
                             <a:srgbClr val="000000"/>
                           </a:solidFill>
@@ -4166,7 +4166,7 @@
                         </a:rPr>
                         <a:t>입원</a:t>
                       </a:r>
-                      <a:endParaRPr lang="ko-KR" altLang="en-US" sz="1050" kern="0" spc="0" dirty="0">
+                      <a:endParaRPr lang="ko-KR" altLang="en-US" sz="1050" kern="0" spc="0">
                         <a:solidFill>
                           <a:srgbClr val="000000"/>
                         </a:solidFill>
@@ -4188,7 +4188,7 @@
                         </a:spcAft>
                       </a:pPr>
                       <a:r>
-                        <a:rPr lang="ko-KR" altLang="en-US" sz="1100" b="1" kern="0" spc="-180" dirty="0">
+                        <a:rPr lang="ko-KR" altLang="en-US" sz="1100" b="1" kern="0" spc="-180">
                           <a:solidFill>
                             <a:srgbClr val="000000"/>
                           </a:solidFill>
@@ -4277,7 +4277,7 @@
                         </a:spcAft>
                       </a:pPr>
                       <a:r>
-                        <a:rPr lang="ko-KR" altLang="en-US" sz="1100" b="1" kern="0" spc="-180" dirty="0">
+                        <a:rPr lang="ko-KR" altLang="en-US" sz="1100" b="1" kern="0" spc="-180">
                           <a:solidFill>
                             <a:srgbClr val="000000"/>
                           </a:solidFill>
@@ -4287,7 +4287,7 @@
                         </a:rPr>
                         <a:t>접촉자수</a:t>
                       </a:r>
-                      <a:endParaRPr lang="ko-KR" altLang="en-US" sz="1050" kern="0" spc="0" dirty="0">
+                      <a:endParaRPr lang="ko-KR" altLang="en-US" sz="1050" kern="0" spc="0">
                         <a:solidFill>
                           <a:srgbClr val="000000"/>
                         </a:solidFill>
@@ -4309,7 +4309,7 @@
                         </a:spcAft>
                       </a:pPr>
                       <a:r>
-                        <a:rPr lang="en-US" altLang="ko-KR" sz="1100" b="1" kern="0" spc="-180" dirty="0" smtClean="0">
+                        <a:rPr lang="en-US" altLang="ko-KR" sz="1100" b="1" kern="0" spc="-180">
                           <a:solidFill>
                             <a:srgbClr val="000000"/>
                           </a:solidFill>
@@ -4317,21 +4317,10 @@
                           <a:latin typeface="나눔바른고딕" panose="020B0603020101020101" pitchFamily="50" charset="-127"/>
                           <a:ea typeface="나눔바른고딕" panose="020B0603020101020101" pitchFamily="50" charset="-127"/>
                         </a:rPr>
-                        <a:t>(</a:t>
+                        <a:t>(1,386</a:t>
                       </a:r>
                       <a:r>
-                        <a:rPr lang="en-US" altLang="ko-KR" sz="1100" b="1" kern="0" spc="-180" dirty="0" smtClean="0">
-                          <a:solidFill>
-                            <a:srgbClr val="000000"/>
-                          </a:solidFill>
-                          <a:effectLst/>
-                          <a:latin typeface="나눔바른고딕" panose="020B0603020101020101" pitchFamily="50" charset="-127"/>
-                          <a:ea typeface="나눔바른고딕" panose="020B0603020101020101" pitchFamily="50" charset="-127"/>
-                        </a:rPr>
-                        <a:t>1,386</a:t>
-                      </a:r>
-                      <a:r>
-                        <a:rPr lang="ko-KR" altLang="en-US" sz="1100" b="1" kern="0" spc="-180" dirty="0" smtClean="0">
+                        <a:rPr lang="ko-KR" altLang="en-US" sz="1100" b="1" kern="0" spc="-180">
                           <a:solidFill>
                             <a:srgbClr val="000000"/>
                           </a:solidFill>
@@ -4342,7 +4331,7 @@
                         <a:t>명</a:t>
                       </a:r>
                       <a:r>
-                        <a:rPr lang="en-US" altLang="ko-KR" sz="1100" b="1" kern="0" spc="-180" dirty="0">
+                        <a:rPr lang="en-US" altLang="ko-KR" sz="1100" b="1" kern="0" spc="-180">
                           <a:solidFill>
                             <a:srgbClr val="000000"/>
                           </a:solidFill>
@@ -4416,7 +4405,7 @@
                 </a:tc>
                 <a:extLst>
                   <a:ext uri="{0D108BD9-81ED-4DB2-BD59-A6C34878D82A}">
-                    <a16:rowId xmlns="" xmlns:a16="http://schemas.microsoft.com/office/drawing/2014/main" val="1915782648"/>
+                    <a16:rowId xmlns:a16="http://schemas.microsoft.com/office/drawing/2014/main" val="1915782648"/>
                   </a:ext>
                 </a:extLst>
               </a:tr>
@@ -4438,7 +4427,7 @@
                         </a:spcAft>
                       </a:pPr>
                       <a:r>
-                        <a:rPr lang="en-US" sz="1050" b="1" kern="0" spc="0" dirty="0">
+                        <a:rPr lang="en-US" sz="1050" b="1" kern="0" spc="0">
                           <a:solidFill>
                             <a:schemeClr val="bg1">
                               <a:lumMod val="75000"/>
@@ -4527,7 +4516,7 @@
                         </a:spcAft>
                       </a:pPr>
                       <a:r>
-                        <a:rPr lang="ko-KR" altLang="en-US" sz="1050" b="1" kern="0" spc="0" dirty="0">
+                        <a:rPr lang="ko-KR" altLang="en-US" sz="1050" b="1" kern="0" spc="0">
                           <a:solidFill>
                             <a:schemeClr val="bg1">
                               <a:lumMod val="75000"/>
@@ -4616,7 +4605,7 @@
                         </a:spcAft>
                       </a:pPr>
                       <a:r>
-                        <a:rPr lang="en-US" sz="1050" b="1" kern="0" spc="0" dirty="0">
+                        <a:rPr lang="en-US" sz="1050" b="1" kern="0" spc="0">
                           <a:solidFill>
                             <a:schemeClr val="bg1">
                               <a:lumMod val="75000"/>
@@ -4794,7 +4783,7 @@
                         </a:spcAft>
                       </a:pPr>
                       <a:r>
-                        <a:rPr lang="en-US" sz="1050" b="1" kern="0" spc="0" dirty="0">
+                        <a:rPr lang="en-US" sz="1050" b="1" kern="0" spc="0">
                           <a:solidFill>
                             <a:schemeClr val="bg1">
                               <a:lumMod val="75000"/>
@@ -5052,7 +5041,7 @@
                         </a:spcAft>
                       </a:pPr>
                       <a:r>
-                        <a:rPr lang="ko-KR" altLang="en-US" sz="1000" b="1" kern="0" spc="0" dirty="0">
+                        <a:rPr lang="ko-KR" altLang="en-US" sz="1000" b="1" kern="0" spc="0">
                           <a:solidFill>
                             <a:schemeClr val="bg1">
                               <a:lumMod val="75000"/>
@@ -5065,6 +5054,17 @@
                         </a:rPr>
                         <a:t>인천의료원</a:t>
                       </a:r>
+                      <a:endParaRPr lang="ko-KR" altLang="en-US" sz="1000" b="1" kern="0" spc="0" dirty="0">
+                        <a:solidFill>
+                          <a:schemeClr val="bg1">
+                            <a:lumMod val="75000"/>
+                          </a:schemeClr>
+                        </a:solidFill>
+                        <a:effectLst/>
+                        <a:latin typeface="나눔바른고딕" panose="020B0603020101020101" pitchFamily="50" charset="-127"/>
+                        <a:ea typeface="나눔바른고딕" panose="020B0603020101020101" pitchFamily="50" charset="-127"/>
+                        <a:cs typeface="+mn-cs"/>
+                      </a:endParaRPr>
                     </a:p>
                   </a:txBody>
                   <a:tcPr marL="36000" marR="36000" marT="15709" marB="15709" anchor="ctr">
@@ -5132,7 +5132,7 @@
                         </a:spcAft>
                       </a:pPr>
                       <a:r>
-                        <a:rPr lang="en-US" sz="1050" kern="0" spc="0" dirty="0">
+                        <a:rPr lang="en-US" sz="1050" kern="0" spc="0">
                           <a:solidFill>
                             <a:schemeClr val="bg1">
                               <a:lumMod val="75000"/>
@@ -5144,6 +5144,16 @@
                         </a:rPr>
                         <a:t>45</a:t>
                       </a:r>
+                      <a:endParaRPr lang="en-US" sz="1050" kern="0" spc="0" dirty="0">
+                        <a:solidFill>
+                          <a:schemeClr val="bg1">
+                            <a:lumMod val="75000"/>
+                          </a:schemeClr>
+                        </a:solidFill>
+                        <a:effectLst/>
+                        <a:latin typeface="나눔바른고딕" panose="020B0603020101020101" pitchFamily="50" charset="-127"/>
+                        <a:ea typeface="나눔바른고딕" panose="020B0603020101020101" pitchFamily="50" charset="-127"/>
+                      </a:endParaRPr>
                     </a:p>
                   </a:txBody>
                   <a:tcPr marL="36000" marR="36000" marT="15709" marB="15709" anchor="ctr">
@@ -5196,7 +5206,7 @@
                 </a:tc>
                 <a:extLst>
                   <a:ext uri="{0D108BD9-81ED-4DB2-BD59-A6C34878D82A}">
-                    <a16:rowId xmlns="" xmlns:a16="http://schemas.microsoft.com/office/drawing/2014/main" val="3142838666"/>
+                    <a16:rowId xmlns:a16="http://schemas.microsoft.com/office/drawing/2014/main" val="3142838666"/>
                   </a:ext>
                 </a:extLst>
               </a:tr>
@@ -5307,7 +5317,7 @@
                         </a:spcAft>
                       </a:pPr>
                       <a:r>
-                        <a:rPr lang="ko-KR" altLang="en-US" sz="1050" b="1" kern="0" spc="0" dirty="0">
+                        <a:rPr lang="ko-KR" altLang="en-US" sz="1050" b="1" kern="0" spc="0">
                           <a:solidFill>
                             <a:schemeClr val="bg1">
                               <a:lumMod val="75000"/>
@@ -5396,7 +5406,7 @@
                         </a:spcAft>
                       </a:pPr>
                       <a:r>
-                        <a:rPr lang="en-US" sz="1050" b="1" kern="0" spc="0" dirty="0">
+                        <a:rPr lang="en-US" sz="1050" b="1" kern="0" spc="0">
                           <a:solidFill>
                             <a:schemeClr val="bg1">
                               <a:lumMod val="75000"/>
@@ -5485,7 +5495,7 @@
                         </a:spcAft>
                       </a:pPr>
                       <a:r>
-                        <a:rPr lang="ko-KR" altLang="en-US" sz="1050" b="1" kern="0" spc="0" dirty="0">
+                        <a:rPr lang="ko-KR" altLang="en-US" sz="1050" b="1" kern="0" spc="0">
                           <a:solidFill>
                             <a:schemeClr val="bg1">
                               <a:lumMod val="75000"/>
@@ -5832,7 +5842,7 @@
                         </a:spcAft>
                       </a:pPr>
                       <a:r>
-                        <a:rPr lang="ko-KR" altLang="en-US" sz="1000" b="1" kern="0" spc="0" dirty="0">
+                        <a:rPr lang="ko-KR" altLang="en-US" sz="1000" b="1" kern="0" spc="0">
                           <a:solidFill>
                             <a:schemeClr val="bg1">
                               <a:lumMod val="75000"/>
@@ -5845,6 +5855,17 @@
                         </a:rPr>
                         <a:t>국립중앙의료원</a:t>
                       </a:r>
+                      <a:endParaRPr lang="ko-KR" altLang="en-US" sz="1000" b="1" kern="0" spc="0" dirty="0">
+                        <a:solidFill>
+                          <a:schemeClr val="bg1">
+                            <a:lumMod val="75000"/>
+                          </a:schemeClr>
+                        </a:solidFill>
+                        <a:effectLst/>
+                        <a:latin typeface="나눔바른고딕" panose="020B0603020101020101" pitchFamily="50" charset="-127"/>
+                        <a:ea typeface="나눔바른고딕" panose="020B0603020101020101" pitchFamily="50" charset="-127"/>
+                        <a:cs typeface="+mn-cs"/>
+                      </a:endParaRPr>
                     </a:p>
                   </a:txBody>
                   <a:tcPr marL="36000" marR="36000" marT="15709" marB="15709" anchor="ctr">
@@ -5912,7 +5933,7 @@
                         </a:spcAft>
                       </a:pPr>
                       <a:r>
-                        <a:rPr lang="en-US" sz="1050" kern="0" spc="0" dirty="0">
+                        <a:rPr lang="en-US" sz="1050" kern="0" spc="0">
                           <a:solidFill>
                             <a:schemeClr val="bg1">
                               <a:lumMod val="75000"/>
@@ -5924,6 +5945,16 @@
                         </a:rPr>
                         <a:t>75</a:t>
                       </a:r>
+                      <a:endParaRPr lang="en-US" sz="1050" kern="0" spc="0" dirty="0">
+                        <a:solidFill>
+                          <a:schemeClr val="bg1">
+                            <a:lumMod val="75000"/>
+                          </a:schemeClr>
+                        </a:solidFill>
+                        <a:effectLst/>
+                        <a:latin typeface="나눔바른고딕" panose="020B0603020101020101" pitchFamily="50" charset="-127"/>
+                        <a:ea typeface="나눔바른고딕" panose="020B0603020101020101" pitchFamily="50" charset="-127"/>
+                      </a:endParaRPr>
                     </a:p>
                   </a:txBody>
                   <a:tcPr marL="36000" marR="36000" marT="15709" marB="15709" anchor="ctr">
@@ -5976,7 +6007,7 @@
                 </a:tc>
                 <a:extLst>
                   <a:ext uri="{0D108BD9-81ED-4DB2-BD59-A6C34878D82A}">
-                    <a16:rowId xmlns="" xmlns:a16="http://schemas.microsoft.com/office/drawing/2014/main" val="1441534338"/>
+                    <a16:rowId xmlns:a16="http://schemas.microsoft.com/office/drawing/2014/main" val="1441534338"/>
                   </a:ext>
                 </a:extLst>
               </a:tr>
@@ -6176,7 +6207,7 @@
                         </a:spcAft>
                       </a:pPr>
                       <a:r>
-                        <a:rPr lang="en-US" sz="1050" b="1" kern="0" spc="0" dirty="0">
+                        <a:rPr lang="en-US" sz="1050" b="1" kern="0" spc="0">
                           <a:solidFill>
                             <a:schemeClr val="bg1">
                               <a:lumMod val="75000"/>
@@ -6265,7 +6296,7 @@
                         </a:spcAft>
                       </a:pPr>
                       <a:r>
-                        <a:rPr lang="ko-KR" altLang="en-US" sz="1050" b="1" kern="0" spc="0" dirty="0">
+                        <a:rPr lang="ko-KR" altLang="en-US" sz="1050" b="1" kern="0" spc="0">
                           <a:solidFill>
                             <a:schemeClr val="bg1">
                               <a:lumMod val="75000"/>
@@ -6692,7 +6723,7 @@
                         </a:spcAft>
                       </a:pPr>
                       <a:r>
-                        <a:rPr lang="en-US" sz="1050" kern="0" spc="0" dirty="0">
+                        <a:rPr lang="en-US" sz="1050" kern="0" spc="0">
                           <a:solidFill>
                             <a:schemeClr val="bg1">
                               <a:lumMod val="75000"/>
@@ -6704,6 +6735,16 @@
                         </a:rPr>
                         <a:t>16</a:t>
                       </a:r>
+                      <a:endParaRPr lang="en-US" sz="1050" kern="0" spc="0" dirty="0">
+                        <a:solidFill>
+                          <a:schemeClr val="bg1">
+                            <a:lumMod val="75000"/>
+                          </a:schemeClr>
+                        </a:solidFill>
+                        <a:effectLst/>
+                        <a:latin typeface="나눔바른고딕" panose="020B0603020101020101" pitchFamily="50" charset="-127"/>
+                        <a:ea typeface="나눔바른고딕" panose="020B0603020101020101" pitchFamily="50" charset="-127"/>
+                      </a:endParaRPr>
                     </a:p>
                   </a:txBody>
                   <a:tcPr marL="36000" marR="36000" marT="15709" marB="15709" anchor="ctr">
@@ -6756,7 +6797,7 @@
                 </a:tc>
                 <a:extLst>
                   <a:ext uri="{0D108BD9-81ED-4DB2-BD59-A6C34878D82A}">
-                    <a16:rowId xmlns="" xmlns:a16="http://schemas.microsoft.com/office/drawing/2014/main" val="22170610"/>
+                    <a16:rowId xmlns:a16="http://schemas.microsoft.com/office/drawing/2014/main" val="22170610"/>
                   </a:ext>
                 </a:extLst>
               </a:tr>
@@ -7392,7 +7433,7 @@
                         </a:spcAft>
                       </a:pPr>
                       <a:r>
-                        <a:rPr lang="ko-KR" altLang="en-US" sz="1000" b="1" kern="0" spc="0" dirty="0">
+                        <a:rPr lang="ko-KR" altLang="en-US" sz="1000" b="1" kern="0" spc="0">
                           <a:solidFill>
                             <a:schemeClr val="bg1">
                               <a:lumMod val="75000"/>
@@ -7405,6 +7446,17 @@
                         </a:rPr>
                         <a:t>분당서울대병원</a:t>
                       </a:r>
+                      <a:endParaRPr lang="ko-KR" altLang="en-US" sz="1000" b="1" kern="0" spc="0" dirty="0">
+                        <a:solidFill>
+                          <a:schemeClr val="bg1">
+                            <a:lumMod val="75000"/>
+                          </a:schemeClr>
+                        </a:solidFill>
+                        <a:effectLst/>
+                        <a:latin typeface="나눔바른고딕" panose="020B0603020101020101" pitchFamily="50" charset="-127"/>
+                        <a:ea typeface="나눔바른고딕" panose="020B0603020101020101" pitchFamily="50" charset="-127"/>
+                        <a:cs typeface="+mn-cs"/>
+                      </a:endParaRPr>
                     </a:p>
                   </a:txBody>
                   <a:tcPr marL="36000" marR="36000" marT="15709" marB="15709" anchor="ctr">
@@ -7472,7 +7524,7 @@
                         </a:spcAft>
                       </a:pPr>
                       <a:r>
-                        <a:rPr lang="en-US" sz="1050" kern="0" spc="0" dirty="0">
+                        <a:rPr lang="en-US" sz="1050" kern="0" spc="0">
                           <a:solidFill>
                             <a:schemeClr val="bg1">
                               <a:lumMod val="75000"/>
@@ -7484,6 +7536,16 @@
                         </a:rPr>
                         <a:t>95</a:t>
                       </a:r>
+                      <a:endParaRPr lang="en-US" sz="1050" kern="0" spc="0" dirty="0">
+                        <a:solidFill>
+                          <a:schemeClr val="bg1">
+                            <a:lumMod val="75000"/>
+                          </a:schemeClr>
+                        </a:solidFill>
+                        <a:effectLst/>
+                        <a:latin typeface="나눔바른고딕" panose="020B0603020101020101" pitchFamily="50" charset="-127"/>
+                        <a:ea typeface="나눔바른고딕" panose="020B0603020101020101" pitchFamily="50" charset="-127"/>
+                      </a:endParaRPr>
                     </a:p>
                   </a:txBody>
                   <a:tcPr marL="36000" marR="36000" marT="15709" marB="15709" anchor="ctr">
@@ -7536,7 +7598,7 @@
                 </a:tc>
                 <a:extLst>
                   <a:ext uri="{0D108BD9-81ED-4DB2-BD59-A6C34878D82A}">
-                    <a16:rowId xmlns="" xmlns:a16="http://schemas.microsoft.com/office/drawing/2014/main" val="3965066583"/>
+                    <a16:rowId xmlns:a16="http://schemas.microsoft.com/office/drawing/2014/main" val="3965066583"/>
                   </a:ext>
                 </a:extLst>
               </a:tr>
@@ -7825,7 +7887,7 @@
                         </a:spcAft>
                       </a:pPr>
                       <a:r>
-                        <a:rPr lang="ko-KR" altLang="en-US" sz="1050" b="1" kern="0" spc="0" dirty="0">
+                        <a:rPr lang="ko-KR" altLang="en-US" sz="1050" b="1" kern="0" spc="0">
                           <a:solidFill>
                             <a:schemeClr val="bg1">
                               <a:lumMod val="75000"/>
@@ -8092,7 +8154,7 @@
                         </a:spcAft>
                       </a:pPr>
                       <a:r>
-                        <a:rPr lang="en-US" sz="1050" kern="0" spc="0" dirty="0">
+                        <a:rPr lang="en-US" sz="1050" kern="0" spc="0">
                           <a:solidFill>
                             <a:schemeClr val="bg1">
                               <a:lumMod val="75000"/>
@@ -8105,6 +8167,17 @@
                         </a:rPr>
                         <a:t>1.30</a:t>
                       </a:r>
+                      <a:endParaRPr lang="en-US" sz="1050" kern="0" spc="0" dirty="0">
+                        <a:solidFill>
+                          <a:schemeClr val="bg1">
+                            <a:lumMod val="75000"/>
+                          </a:schemeClr>
+                        </a:solidFill>
+                        <a:effectLst/>
+                        <a:latin typeface="나눔바른고딕" panose="020B0603020101020101" pitchFamily="50" charset="-127"/>
+                        <a:ea typeface="나눔바른고딕" panose="020B0603020101020101" pitchFamily="50" charset="-127"/>
+                        <a:cs typeface="+mn-cs"/>
+                      </a:endParaRPr>
                     </a:p>
                   </a:txBody>
                   <a:tcPr marL="36000" marR="36000" marT="15709" marB="15709" anchor="ctr">
@@ -8252,7 +8325,7 @@
                         </a:spcAft>
                       </a:pPr>
                       <a:r>
-                        <a:rPr lang="en-US" sz="1050" kern="0" spc="0" dirty="0">
+                        <a:rPr lang="en-US" sz="1050" kern="0" spc="0">
                           <a:solidFill>
                             <a:schemeClr val="bg1">
                               <a:lumMod val="75000"/>
@@ -8264,6 +8337,16 @@
                         </a:rPr>
                         <a:t>23</a:t>
                       </a:r>
+                      <a:endParaRPr lang="en-US" sz="1050" kern="0" spc="0" dirty="0">
+                        <a:solidFill>
+                          <a:schemeClr val="bg1">
+                            <a:lumMod val="75000"/>
+                          </a:schemeClr>
+                        </a:solidFill>
+                        <a:effectLst/>
+                        <a:latin typeface="나눔바른고딕" panose="020B0603020101020101" pitchFamily="50" charset="-127"/>
+                        <a:ea typeface="나눔바른고딕" panose="020B0603020101020101" pitchFamily="50" charset="-127"/>
+                      </a:endParaRPr>
                     </a:p>
                   </a:txBody>
                   <a:tcPr marL="36000" marR="36000" marT="15709" marB="15709" anchor="ctr">
@@ -8316,7 +8399,7 @@
                 </a:tc>
                 <a:extLst>
                   <a:ext uri="{0D108BD9-81ED-4DB2-BD59-A6C34878D82A}">
-                    <a16:rowId xmlns="" xmlns:a16="http://schemas.microsoft.com/office/drawing/2014/main" val="3133379929"/>
+                    <a16:rowId xmlns:a16="http://schemas.microsoft.com/office/drawing/2014/main" val="3133379929"/>
                   </a:ext>
                 </a:extLst>
               </a:tr>
@@ -8872,7 +8955,7 @@
                         </a:spcAft>
                       </a:pPr>
                       <a:r>
-                        <a:rPr lang="en-US" sz="1050" kern="0" spc="0" dirty="0">
+                        <a:rPr lang="en-US" sz="1050" kern="0" spc="0">
                           <a:solidFill>
                             <a:schemeClr val="bg1">
                               <a:lumMod val="75000"/>
@@ -8885,6 +8968,17 @@
                         </a:rPr>
                         <a:t>1.30</a:t>
                       </a:r>
+                      <a:endParaRPr lang="en-US" sz="1050" kern="0" spc="0" dirty="0">
+                        <a:solidFill>
+                          <a:schemeClr val="bg1">
+                            <a:lumMod val="75000"/>
+                          </a:schemeClr>
+                        </a:solidFill>
+                        <a:effectLst/>
+                        <a:latin typeface="나눔바른고딕" panose="020B0603020101020101" pitchFamily="50" charset="-127"/>
+                        <a:ea typeface="나눔바른고딕" panose="020B0603020101020101" pitchFamily="50" charset="-127"/>
+                        <a:cs typeface="+mn-cs"/>
+                      </a:endParaRPr>
                     </a:p>
                   </a:txBody>
                   <a:tcPr marL="36000" marR="36000" marT="15709" marB="15709" anchor="ctr">
@@ -8952,7 +9046,7 @@
                         </a:spcAft>
                       </a:pPr>
                       <a:r>
-                        <a:rPr lang="ko-KR" altLang="en-US" sz="1000" b="1" kern="0" spc="0" dirty="0">
+                        <a:rPr lang="ko-KR" altLang="en-US" sz="1000" b="1" kern="0" spc="0">
                           <a:solidFill>
                             <a:schemeClr val="bg1">
                               <a:lumMod val="75000"/>
@@ -8965,6 +9059,17 @@
                         </a:rPr>
                         <a:t>서울대병원</a:t>
                       </a:r>
+                      <a:endParaRPr lang="ko-KR" altLang="en-US" sz="1000" b="1" kern="0" spc="0" dirty="0">
+                        <a:solidFill>
+                          <a:schemeClr val="bg1">
+                            <a:lumMod val="75000"/>
+                          </a:schemeClr>
+                        </a:solidFill>
+                        <a:effectLst/>
+                        <a:latin typeface="나눔바른고딕" panose="020B0603020101020101" pitchFamily="50" charset="-127"/>
+                        <a:ea typeface="나눔바른고딕" panose="020B0603020101020101" pitchFamily="50" charset="-127"/>
+                        <a:cs typeface="+mn-cs"/>
+                      </a:endParaRPr>
                     </a:p>
                   </a:txBody>
                   <a:tcPr marL="36000" marR="36000" marT="15709" marB="15709" anchor="ctr">
@@ -9032,7 +9137,7 @@
                         </a:spcAft>
                       </a:pPr>
                       <a:r>
-                        <a:rPr lang="en-US" sz="1050" kern="0" spc="0" dirty="0">
+                        <a:rPr lang="en-US" sz="1050" kern="0" spc="0">
                           <a:solidFill>
                             <a:schemeClr val="bg1">
                               <a:lumMod val="75000"/>
@@ -9044,6 +9149,16 @@
                         </a:rPr>
                         <a:t>17</a:t>
                       </a:r>
+                      <a:endParaRPr lang="en-US" sz="1050" kern="0" spc="0" dirty="0">
+                        <a:solidFill>
+                          <a:schemeClr val="bg1">
+                            <a:lumMod val="75000"/>
+                          </a:schemeClr>
+                        </a:solidFill>
+                        <a:effectLst/>
+                        <a:latin typeface="나눔바른고딕" panose="020B0603020101020101" pitchFamily="50" charset="-127"/>
+                        <a:ea typeface="나눔바른고딕" panose="020B0603020101020101" pitchFamily="50" charset="-127"/>
+                      </a:endParaRPr>
                     </a:p>
                   </a:txBody>
                   <a:tcPr marL="36000" marR="36000" marT="15709" marB="15709" anchor="ctr">
@@ -9096,7 +9211,7 @@
                 </a:tc>
                 <a:extLst>
                   <a:ext uri="{0D108BD9-81ED-4DB2-BD59-A6C34878D82A}">
-                    <a16:rowId xmlns="" xmlns:a16="http://schemas.microsoft.com/office/drawing/2014/main" val="3767571966"/>
+                    <a16:rowId xmlns:a16="http://schemas.microsoft.com/office/drawing/2014/main" val="3767571966"/>
                   </a:ext>
                 </a:extLst>
               </a:tr>
@@ -9296,7 +9411,7 @@
                         </a:spcAft>
                       </a:pPr>
                       <a:r>
-                        <a:rPr lang="en-US" sz="1050" b="1" kern="0" spc="0" dirty="0">
+                        <a:rPr lang="en-US" sz="1050" b="1" kern="0" spc="0">
                           <a:solidFill>
                             <a:schemeClr val="bg1">
                               <a:lumMod val="75000"/>
@@ -9563,7 +9678,7 @@
                         </a:spcAft>
                       </a:pPr>
                       <a:r>
-                        <a:rPr lang="en-US" sz="1050" b="1" kern="0" spc="0" dirty="0">
+                        <a:rPr lang="en-US" sz="1050" b="1" kern="0" spc="0">
                           <a:solidFill>
                             <a:schemeClr val="bg1">
                               <a:lumMod val="75000"/>
@@ -9652,7 +9767,7 @@
                         </a:spcAft>
                       </a:pPr>
                       <a:r>
-                        <a:rPr lang="en-US" sz="1050" kern="0" spc="0" dirty="0">
+                        <a:rPr lang="en-US" sz="1050" kern="0" spc="0">
                           <a:solidFill>
                             <a:schemeClr val="bg1">
                               <a:lumMod val="75000"/>
@@ -9665,6 +9780,17 @@
                         </a:rPr>
                         <a:t>1.30</a:t>
                       </a:r>
+                      <a:endParaRPr lang="en-US" sz="1050" kern="0" spc="0" dirty="0">
+                        <a:solidFill>
+                          <a:schemeClr val="bg1">
+                            <a:lumMod val="75000"/>
+                          </a:schemeClr>
+                        </a:solidFill>
+                        <a:effectLst/>
+                        <a:latin typeface="나눔바른고딕" panose="020B0603020101020101" pitchFamily="50" charset="-127"/>
+                        <a:ea typeface="나눔바른고딕" panose="020B0603020101020101" pitchFamily="50" charset="-127"/>
+                        <a:cs typeface="+mn-cs"/>
+                      </a:endParaRPr>
                     </a:p>
                   </a:txBody>
                   <a:tcPr marL="36000" marR="36000" marT="15709" marB="15709" anchor="ctr">
@@ -9732,7 +9858,7 @@
                         </a:spcAft>
                       </a:pPr>
                       <a:r>
-                        <a:rPr lang="ko-KR" altLang="en-US" sz="1000" b="1" kern="0" spc="0" dirty="0">
+                        <a:rPr lang="ko-KR" altLang="en-US" sz="1000" b="1" kern="0" spc="0">
                           <a:solidFill>
                             <a:schemeClr val="bg1">
                               <a:lumMod val="75000"/>
@@ -9745,6 +9871,17 @@
                         </a:rPr>
                         <a:t>서울의료원</a:t>
                       </a:r>
+                      <a:endParaRPr lang="ko-KR" altLang="en-US" sz="1000" b="1" kern="0" spc="0" dirty="0">
+                        <a:solidFill>
+                          <a:schemeClr val="bg1">
+                            <a:lumMod val="75000"/>
+                          </a:schemeClr>
+                        </a:solidFill>
+                        <a:effectLst/>
+                        <a:latin typeface="나눔바른고딕" panose="020B0603020101020101" pitchFamily="50" charset="-127"/>
+                        <a:ea typeface="나눔바른고딕" panose="020B0603020101020101" pitchFamily="50" charset="-127"/>
+                        <a:cs typeface="+mn-cs"/>
+                      </a:endParaRPr>
                     </a:p>
                   </a:txBody>
                   <a:tcPr marL="36000" marR="36000" marT="15709" marB="15709" anchor="ctr">
@@ -9812,7 +9949,7 @@
                         </a:spcAft>
                       </a:pPr>
                       <a:r>
-                        <a:rPr lang="en-US" sz="1050" kern="0" spc="0" dirty="0">
+                        <a:rPr lang="en-US" sz="1050" kern="0" spc="0">
                           <a:solidFill>
                             <a:schemeClr val="bg1">
                               <a:lumMod val="75000"/>
@@ -9824,6 +9961,16 @@
                         </a:rPr>
                         <a:t>7</a:t>
                       </a:r>
+                      <a:endParaRPr lang="en-US" sz="1050" kern="0" spc="0" dirty="0">
+                        <a:solidFill>
+                          <a:schemeClr val="bg1">
+                            <a:lumMod val="75000"/>
+                          </a:schemeClr>
+                        </a:solidFill>
+                        <a:effectLst/>
+                        <a:latin typeface="나눔바른고딕" panose="020B0603020101020101" pitchFamily="50" charset="-127"/>
+                        <a:ea typeface="나눔바른고딕" panose="020B0603020101020101" pitchFamily="50" charset="-127"/>
+                      </a:endParaRPr>
                     </a:p>
                   </a:txBody>
                   <a:tcPr marL="36000" marR="36000" marT="15709" marB="15709" anchor="ctr">
@@ -9876,7 +10023,7 @@
                 </a:tc>
                 <a:extLst>
                   <a:ext uri="{0D108BD9-81ED-4DB2-BD59-A6C34878D82A}">
-                    <a16:rowId xmlns="" xmlns:a16="http://schemas.microsoft.com/office/drawing/2014/main" val="3402339324"/>
+                    <a16:rowId xmlns:a16="http://schemas.microsoft.com/office/drawing/2014/main" val="3402339324"/>
                   </a:ext>
                 </a:extLst>
               </a:tr>
@@ -10076,7 +10223,7 @@
                         </a:spcAft>
                       </a:pPr>
                       <a:r>
-                        <a:rPr lang="en-US" sz="1050" b="1" kern="0" spc="0" dirty="0">
+                        <a:rPr lang="en-US" sz="1050" b="1" kern="0" spc="0">
                           <a:solidFill>
                             <a:schemeClr val="bg1">
                               <a:lumMod val="75000"/>
@@ -10432,7 +10579,7 @@
                         </a:spcAft>
                       </a:pPr>
                       <a:r>
-                        <a:rPr lang="en-US" sz="1050" kern="0" spc="0" dirty="0">
+                        <a:rPr lang="en-US" sz="1050" kern="0" spc="0">
                           <a:solidFill>
                             <a:schemeClr val="bg1">
                               <a:lumMod val="75000"/>
@@ -10445,6 +10592,17 @@
                         </a:rPr>
                         <a:t>1.31</a:t>
                       </a:r>
+                      <a:endParaRPr lang="en-US" sz="1050" kern="0" spc="0" dirty="0">
+                        <a:solidFill>
+                          <a:schemeClr val="bg1">
+                            <a:lumMod val="75000"/>
+                          </a:schemeClr>
+                        </a:solidFill>
+                        <a:effectLst/>
+                        <a:latin typeface="나눔바른고딕" panose="020B0603020101020101" pitchFamily="50" charset="-127"/>
+                        <a:ea typeface="나눔바른고딕" panose="020B0603020101020101" pitchFamily="50" charset="-127"/>
+                        <a:cs typeface="+mn-cs"/>
+                      </a:endParaRPr>
                     </a:p>
                   </a:txBody>
                   <a:tcPr marL="36000" marR="36000" marT="15709" marB="15709" anchor="ctr">
@@ -10512,7 +10670,7 @@
                         </a:spcAft>
                       </a:pPr>
                       <a:r>
-                        <a:rPr lang="ko-KR" altLang="en-US" sz="1000" b="1" kern="0" spc="0" dirty="0" err="1">
+                        <a:rPr lang="ko-KR" altLang="en-US" sz="1000" b="1" kern="0" spc="0">
                           <a:solidFill>
                             <a:schemeClr val="bg1">
                               <a:lumMod val="75000"/>
@@ -10603,7 +10761,7 @@
                         </a:spcAft>
                       </a:pPr>
                       <a:r>
-                        <a:rPr lang="en-US" sz="1050" kern="0" spc="0" dirty="0" smtClean="0">
+                        <a:rPr lang="en-US" sz="1050" kern="0" spc="0">
                           <a:solidFill>
                             <a:schemeClr val="bg1">
                               <a:lumMod val="75000"/>
@@ -10677,7 +10835,7 @@
                 </a:tc>
                 <a:extLst>
                   <a:ext uri="{0D108BD9-81ED-4DB2-BD59-A6C34878D82A}">
-                    <a16:rowId xmlns="" xmlns:a16="http://schemas.microsoft.com/office/drawing/2014/main" val="1909014694"/>
+                    <a16:rowId xmlns:a16="http://schemas.microsoft.com/office/drawing/2014/main" val="1909014694"/>
                   </a:ext>
                 </a:extLst>
               </a:tr>
@@ -10877,7 +11035,7 @@
                         </a:spcAft>
                       </a:pPr>
                       <a:r>
-                        <a:rPr lang="en-US" sz="1050" b="1" kern="0" spc="0" dirty="0">
+                        <a:rPr lang="en-US" sz="1050" b="1" kern="0" spc="0">
                           <a:solidFill>
                             <a:schemeClr val="bg1">
                               <a:lumMod val="75000"/>
@@ -11144,7 +11302,7 @@
                         </a:spcAft>
                       </a:pPr>
                       <a:r>
-                        <a:rPr lang="en-US" sz="1050" b="1" kern="0" spc="0" dirty="0">
+                        <a:rPr lang="en-US" sz="1050" b="1" kern="0" spc="0">
                           <a:solidFill>
                             <a:schemeClr val="bg1">
                               <a:lumMod val="75000"/>
@@ -11233,7 +11391,7 @@
                         </a:spcAft>
                       </a:pPr>
                       <a:r>
-                        <a:rPr lang="en-US" sz="1050" kern="0" spc="0" dirty="0">
+                        <a:rPr lang="en-US" sz="1050" kern="0" spc="0">
                           <a:solidFill>
                             <a:schemeClr val="bg1">
                               <a:lumMod val="75000"/>
@@ -11246,6 +11404,17 @@
                         </a:rPr>
                         <a:t>1.31</a:t>
                       </a:r>
+                      <a:endParaRPr lang="en-US" sz="1050" kern="0" spc="0" dirty="0">
+                        <a:solidFill>
+                          <a:schemeClr val="bg1">
+                            <a:lumMod val="75000"/>
+                          </a:schemeClr>
+                        </a:solidFill>
+                        <a:effectLst/>
+                        <a:latin typeface="나눔바른고딕" panose="020B0603020101020101" pitchFamily="50" charset="-127"/>
+                        <a:ea typeface="나눔바른고딕" panose="020B0603020101020101" pitchFamily="50" charset="-127"/>
+                        <a:cs typeface="+mn-cs"/>
+                      </a:endParaRPr>
                     </a:p>
                   </a:txBody>
                   <a:tcPr marL="36000" marR="36000" marT="15709" marB="15709" anchor="ctr">
@@ -11313,7 +11482,7 @@
                         </a:spcAft>
                       </a:pPr>
                       <a:r>
-                        <a:rPr lang="ko-KR" altLang="en-US" sz="1000" b="1" kern="0" spc="0" dirty="0">
+                        <a:rPr lang="ko-KR" altLang="en-US" sz="1000" b="1" kern="0" spc="0">
                           <a:solidFill>
                             <a:schemeClr val="bg1">
                               <a:lumMod val="75000"/>
@@ -11326,6 +11495,17 @@
                         </a:rPr>
                         <a:t>서울의료원</a:t>
                       </a:r>
+                      <a:endParaRPr lang="ko-KR" altLang="en-US" sz="1000" b="1" kern="0" spc="0" dirty="0">
+                        <a:solidFill>
+                          <a:schemeClr val="bg1">
+                            <a:lumMod val="75000"/>
+                          </a:schemeClr>
+                        </a:solidFill>
+                        <a:effectLst/>
+                        <a:latin typeface="나눔바른고딕" panose="020B0603020101020101" pitchFamily="50" charset="-127"/>
+                        <a:ea typeface="나눔바른고딕" panose="020B0603020101020101" pitchFamily="50" charset="-127"/>
+                        <a:cs typeface="+mn-cs"/>
+                      </a:endParaRPr>
                     </a:p>
                   </a:txBody>
                   <a:tcPr marL="36000" marR="36000" marT="15709" marB="15709" anchor="ctr">
@@ -11393,7 +11573,7 @@
                         </a:spcAft>
                       </a:pPr>
                       <a:r>
-                        <a:rPr lang="en-US" sz="1050" kern="0" spc="0" dirty="0">
+                        <a:rPr lang="en-US" sz="1050" kern="0" spc="0">
                           <a:solidFill>
                             <a:schemeClr val="bg1">
                               <a:lumMod val="75000"/>
@@ -11405,6 +11585,16 @@
                         </a:rPr>
                         <a:t>2</a:t>
                       </a:r>
+                      <a:endParaRPr lang="en-US" sz="1050" kern="0" spc="0" dirty="0">
+                        <a:solidFill>
+                          <a:schemeClr val="bg1">
+                            <a:lumMod val="75000"/>
+                          </a:schemeClr>
+                        </a:solidFill>
+                        <a:effectLst/>
+                        <a:latin typeface="나눔바른고딕" panose="020B0603020101020101" pitchFamily="50" charset="-127"/>
+                        <a:ea typeface="나눔바른고딕" panose="020B0603020101020101" pitchFamily="50" charset="-127"/>
+                      </a:endParaRPr>
                     </a:p>
                   </a:txBody>
                   <a:tcPr marL="36000" marR="36000" marT="15709" marB="15709" anchor="ctr">
@@ -11457,7 +11647,7 @@
                 </a:tc>
                 <a:extLst>
                   <a:ext uri="{0D108BD9-81ED-4DB2-BD59-A6C34878D82A}">
-                    <a16:rowId xmlns="" xmlns:a16="http://schemas.microsoft.com/office/drawing/2014/main" val="2621453899"/>
+                    <a16:rowId xmlns:a16="http://schemas.microsoft.com/office/drawing/2014/main" val="2621453899"/>
                   </a:ext>
                 </a:extLst>
               </a:tr>
@@ -11657,7 +11847,7 @@
                         </a:spcAft>
                       </a:pPr>
                       <a:r>
-                        <a:rPr lang="en-US" sz="1050" b="1" kern="0" spc="0" dirty="0">
+                        <a:rPr lang="en-US" sz="1050" b="1" kern="0" spc="0">
                           <a:solidFill>
                             <a:schemeClr val="bg1">
                               <a:lumMod val="75000"/>
@@ -11924,7 +12114,7 @@
                         </a:spcAft>
                       </a:pPr>
                       <a:r>
-                        <a:rPr lang="en-US" sz="1050" b="1" kern="0" spc="0" dirty="0">
+                        <a:rPr lang="en-US" sz="1050" b="1" kern="0" spc="0">
                           <a:solidFill>
                             <a:schemeClr val="bg1">
                               <a:lumMod val="75000"/>
@@ -12013,7 +12203,7 @@
                         </a:spcAft>
                       </a:pPr>
                       <a:r>
-                        <a:rPr lang="en-US" sz="1050" kern="0" spc="0" dirty="0">
+                        <a:rPr lang="en-US" sz="1050" kern="0" spc="0">
                           <a:solidFill>
                             <a:schemeClr val="bg1">
                               <a:lumMod val="75000"/>
@@ -12026,6 +12216,17 @@
                         </a:rPr>
                         <a:t>1.31</a:t>
                       </a:r>
+                      <a:endParaRPr lang="en-US" sz="1050" kern="0" spc="0" dirty="0">
+                        <a:solidFill>
+                          <a:schemeClr val="bg1">
+                            <a:lumMod val="75000"/>
+                          </a:schemeClr>
+                        </a:solidFill>
+                        <a:effectLst/>
+                        <a:latin typeface="나눔바른고딕" panose="020B0603020101020101" pitchFamily="50" charset="-127"/>
+                        <a:ea typeface="나눔바른고딕" panose="020B0603020101020101" pitchFamily="50" charset="-127"/>
+                        <a:cs typeface="+mn-cs"/>
+                      </a:endParaRPr>
                     </a:p>
                   </a:txBody>
                   <a:tcPr marL="36000" marR="36000" marT="15709" marB="15709" anchor="ctr">
@@ -12093,7 +12294,7 @@
                         </a:spcAft>
                       </a:pPr>
                       <a:r>
-                        <a:rPr lang="ko-KR" altLang="en-US" sz="1000" b="1" kern="0" spc="0" dirty="0">
+                        <a:rPr lang="ko-KR" altLang="en-US" sz="1000" b="1" kern="0" spc="0">
                           <a:solidFill>
                             <a:schemeClr val="bg1">
                               <a:lumMod val="75000"/>
@@ -12106,6 +12307,17 @@
                         </a:rPr>
                         <a:t>서울대병원</a:t>
                       </a:r>
+                      <a:endParaRPr lang="ko-KR" altLang="en-US" sz="1000" b="1" kern="0" spc="0" dirty="0">
+                        <a:solidFill>
+                          <a:schemeClr val="bg1">
+                            <a:lumMod val="75000"/>
+                          </a:schemeClr>
+                        </a:solidFill>
+                        <a:effectLst/>
+                        <a:latin typeface="나눔바른고딕" panose="020B0603020101020101" pitchFamily="50" charset="-127"/>
+                        <a:ea typeface="나눔바른고딕" panose="020B0603020101020101" pitchFamily="50" charset="-127"/>
+                        <a:cs typeface="+mn-cs"/>
+                      </a:endParaRPr>
                     </a:p>
                   </a:txBody>
                   <a:tcPr marL="36000" marR="36000" marT="15709" marB="15709" anchor="ctr">
@@ -12173,7 +12385,7 @@
                         </a:spcAft>
                       </a:pPr>
                       <a:r>
-                        <a:rPr lang="en-US" sz="1050" kern="0" spc="0" dirty="0">
+                        <a:rPr lang="en-US" sz="1050" kern="0" spc="0">
                           <a:solidFill>
                             <a:schemeClr val="bg1">
                               <a:lumMod val="75000"/>
@@ -12185,6 +12397,16 @@
                         </a:rPr>
                         <a:t>39</a:t>
                       </a:r>
+                      <a:endParaRPr lang="en-US" sz="1050" kern="0" spc="0" dirty="0">
+                        <a:solidFill>
+                          <a:schemeClr val="bg1">
+                            <a:lumMod val="75000"/>
+                          </a:schemeClr>
+                        </a:solidFill>
+                        <a:effectLst/>
+                        <a:latin typeface="나눔바른고딕" panose="020B0603020101020101" pitchFamily="50" charset="-127"/>
+                        <a:ea typeface="나눔바른고딕" panose="020B0603020101020101" pitchFamily="50" charset="-127"/>
+                      </a:endParaRPr>
                     </a:p>
                   </a:txBody>
                   <a:tcPr marL="36000" marR="36000" marT="15709" marB="15709" anchor="ctr">
@@ -12237,7 +12459,7 @@
                 </a:tc>
                 <a:extLst>
                   <a:ext uri="{0D108BD9-81ED-4DB2-BD59-A6C34878D82A}">
-                    <a16:rowId xmlns="" xmlns:a16="http://schemas.microsoft.com/office/drawing/2014/main" val="1727322252"/>
+                    <a16:rowId xmlns:a16="http://schemas.microsoft.com/office/drawing/2014/main" val="1727322252"/>
                   </a:ext>
                 </a:extLst>
               </a:tr>
@@ -12437,7 +12659,7 @@
                         </a:spcAft>
                       </a:pPr>
                       <a:r>
-                        <a:rPr lang="en-US" sz="1050" b="1" kern="0" spc="0" dirty="0">
+                        <a:rPr lang="en-US" sz="1050" b="1" kern="0" spc="0">
                           <a:solidFill>
                             <a:schemeClr val="bg1">
                               <a:lumMod val="75000"/>
@@ -12793,7 +13015,7 @@
                         </a:spcAft>
                       </a:pPr>
                       <a:r>
-                        <a:rPr lang="en-US" sz="1050" kern="0" spc="0" dirty="0">
+                        <a:rPr lang="en-US" sz="1050" kern="0" spc="0">
                           <a:solidFill>
                             <a:schemeClr val="bg1">
                               <a:lumMod val="75000"/>
@@ -12806,6 +13028,17 @@
                         </a:rPr>
                         <a:t>1.31</a:t>
                       </a:r>
+                      <a:endParaRPr lang="en-US" sz="1050" kern="0" spc="0" dirty="0">
+                        <a:solidFill>
+                          <a:schemeClr val="bg1">
+                            <a:lumMod val="75000"/>
+                          </a:schemeClr>
+                        </a:solidFill>
+                        <a:effectLst/>
+                        <a:latin typeface="나눔바른고딕" panose="020B0603020101020101" pitchFamily="50" charset="-127"/>
+                        <a:ea typeface="나눔바른고딕" panose="020B0603020101020101" pitchFamily="50" charset="-127"/>
+                        <a:cs typeface="+mn-cs"/>
+                      </a:endParaRPr>
                     </a:p>
                   </a:txBody>
                   <a:tcPr marL="36000" marR="36000" marT="15709" marB="15709" anchor="ctr">
@@ -12873,7 +13106,7 @@
                         </a:spcAft>
                       </a:pPr>
                       <a:r>
-                        <a:rPr lang="ko-KR" altLang="en-US" sz="1000" b="1" kern="0" spc="0" dirty="0">
+                        <a:rPr lang="ko-KR" altLang="en-US" sz="1000" b="1" kern="0" spc="0">
                           <a:solidFill>
                             <a:schemeClr val="bg1">
                               <a:lumMod val="75000"/>
@@ -12886,6 +13119,17 @@
                         </a:rPr>
                         <a:t>서울대병원</a:t>
                       </a:r>
+                      <a:endParaRPr lang="ko-KR" altLang="en-US" sz="1000" b="1" kern="0" spc="0" dirty="0">
+                        <a:solidFill>
+                          <a:schemeClr val="bg1">
+                            <a:lumMod val="75000"/>
+                          </a:schemeClr>
+                        </a:solidFill>
+                        <a:effectLst/>
+                        <a:latin typeface="나눔바른고딕" panose="020B0603020101020101" pitchFamily="50" charset="-127"/>
+                        <a:ea typeface="나눔바른고딕" panose="020B0603020101020101" pitchFamily="50" charset="-127"/>
+                        <a:cs typeface="+mn-cs"/>
+                      </a:endParaRPr>
                     </a:p>
                   </a:txBody>
                   <a:tcPr marL="36000" marR="36000" marT="15709" marB="15709" anchor="ctr">
@@ -12953,7 +13197,7 @@
                         </a:spcAft>
                       </a:pPr>
                       <a:r>
-                        <a:rPr lang="en-US" sz="1050" kern="0" spc="0" dirty="0">
+                        <a:rPr lang="en-US" sz="1050" kern="0" spc="0">
                           <a:solidFill>
                             <a:schemeClr val="bg1">
                               <a:lumMod val="75000"/>
@@ -12965,6 +13209,16 @@
                         </a:rPr>
                         <a:t>0</a:t>
                       </a:r>
+                      <a:endParaRPr lang="en-US" sz="1050" kern="0" spc="0" dirty="0">
+                        <a:solidFill>
+                          <a:schemeClr val="bg1">
+                            <a:lumMod val="75000"/>
+                          </a:schemeClr>
+                        </a:solidFill>
+                        <a:effectLst/>
+                        <a:latin typeface="나눔바른고딕" panose="020B0603020101020101" pitchFamily="50" charset="-127"/>
+                        <a:ea typeface="나눔바른고딕" panose="020B0603020101020101" pitchFamily="50" charset="-127"/>
+                      </a:endParaRPr>
                     </a:p>
                   </a:txBody>
                   <a:tcPr marL="36000" marR="36000" marT="15709" marB="15709" anchor="ctr">
@@ -13017,7 +13271,7 @@
                 </a:tc>
                 <a:extLst>
                   <a:ext uri="{0D108BD9-81ED-4DB2-BD59-A6C34878D82A}">
-                    <a16:rowId xmlns="" xmlns:a16="http://schemas.microsoft.com/office/drawing/2014/main" val="1466450458"/>
+                    <a16:rowId xmlns:a16="http://schemas.microsoft.com/office/drawing/2014/main" val="1466450458"/>
                   </a:ext>
                 </a:extLst>
               </a:tr>
@@ -13217,7 +13471,7 @@
                         </a:spcAft>
                       </a:pPr>
                       <a:r>
-                        <a:rPr lang="en-US" sz="1050" b="1" kern="0" spc="0" dirty="0">
+                        <a:rPr lang="en-US" sz="1050" b="1" kern="0" spc="0">
                           <a:solidFill>
                             <a:schemeClr val="bg1">
                               <a:lumMod val="75000"/>
@@ -13573,7 +13827,7 @@
                         </a:spcAft>
                       </a:pPr>
                       <a:r>
-                        <a:rPr lang="en-US" sz="1050" kern="0" spc="0" dirty="0">
+                        <a:rPr lang="en-US" sz="1050" kern="0" spc="0">
                           <a:solidFill>
                             <a:schemeClr val="bg1">
                               <a:lumMod val="75000"/>
@@ -13585,6 +13839,16 @@
                         </a:rPr>
                         <a:t>2.1</a:t>
                       </a:r>
+                      <a:endParaRPr lang="en-US" sz="1050" kern="0" spc="0" dirty="0">
+                        <a:solidFill>
+                          <a:schemeClr val="bg1">
+                            <a:lumMod val="75000"/>
+                          </a:schemeClr>
+                        </a:solidFill>
+                        <a:effectLst/>
+                        <a:latin typeface="나눔바른고딕" panose="020B0603020101020101" pitchFamily="50" charset="-127"/>
+                        <a:ea typeface="나눔바른고딕" panose="020B0603020101020101" pitchFamily="50" charset="-127"/>
+                      </a:endParaRPr>
                     </a:p>
                   </a:txBody>
                   <a:tcPr marL="36000" marR="36000" marT="15709" marB="15709" anchor="ctr">
@@ -13732,7 +13996,7 @@
                         </a:spcAft>
                       </a:pPr>
                       <a:r>
-                        <a:rPr lang="en-US" sz="1050" kern="0" spc="0" dirty="0">
+                        <a:rPr lang="en-US" sz="1050" kern="0" spc="0">
                           <a:solidFill>
                             <a:schemeClr val="bg1">
                               <a:lumMod val="75000"/>
@@ -13744,6 +14008,16 @@
                         </a:rPr>
                         <a:t>219</a:t>
                       </a:r>
+                      <a:endParaRPr lang="en-US" sz="1050" kern="0" spc="0" dirty="0">
+                        <a:solidFill>
+                          <a:schemeClr val="bg1">
+                            <a:lumMod val="75000"/>
+                          </a:schemeClr>
+                        </a:solidFill>
+                        <a:effectLst/>
+                        <a:latin typeface="나눔바른고딕" panose="020B0603020101020101" pitchFamily="50" charset="-127"/>
+                        <a:ea typeface="나눔바른고딕" panose="020B0603020101020101" pitchFamily="50" charset="-127"/>
+                      </a:endParaRPr>
                     </a:p>
                   </a:txBody>
                   <a:tcPr marL="36000" marR="36000" marT="15709" marB="15709" anchor="ctr">
@@ -13796,7 +14070,7 @@
                 </a:tc>
                 <a:extLst>
                   <a:ext uri="{0D108BD9-81ED-4DB2-BD59-A6C34878D82A}">
-                    <a16:rowId xmlns="" xmlns:a16="http://schemas.microsoft.com/office/drawing/2014/main" val="1758572221"/>
+                    <a16:rowId xmlns:a16="http://schemas.microsoft.com/office/drawing/2014/main" val="1758572221"/>
                   </a:ext>
                 </a:extLst>
               </a:tr>
@@ -14431,7 +14705,7 @@
                         </a:spcAft>
                       </a:pPr>
                       <a:r>
-                        <a:rPr lang="ko-KR" altLang="en-US" sz="1000" b="1" kern="0" spc="0" dirty="0">
+                        <a:rPr lang="ko-KR" altLang="en-US" sz="1000" b="1" kern="0" spc="0">
                           <a:solidFill>
                             <a:schemeClr val="bg1">
                               <a:lumMod val="75000"/>
@@ -14444,6 +14718,17 @@
                         </a:rPr>
                         <a:t>국립중앙의료원</a:t>
                       </a:r>
+                      <a:endParaRPr lang="ko-KR" altLang="en-US" sz="1000" b="1" kern="0" spc="0" dirty="0">
+                        <a:solidFill>
+                          <a:schemeClr val="bg1">
+                            <a:lumMod val="75000"/>
+                          </a:schemeClr>
+                        </a:solidFill>
+                        <a:effectLst/>
+                        <a:latin typeface="나눔바른고딕" panose="020B0603020101020101" pitchFamily="50" charset="-127"/>
+                        <a:ea typeface="나눔바른고딕" panose="020B0603020101020101" pitchFamily="50" charset="-127"/>
+                        <a:cs typeface="+mn-cs"/>
+                      </a:endParaRPr>
                     </a:p>
                   </a:txBody>
                   <a:tcPr marL="36000" marR="36000" marT="15709" marB="15709" anchor="ctr">
@@ -14511,7 +14796,7 @@
                         </a:spcAft>
                       </a:pPr>
                       <a:r>
-                        <a:rPr lang="en-US" sz="1050" kern="0" spc="0" dirty="0">
+                        <a:rPr lang="en-US" sz="1050" kern="0" spc="0">
                           <a:solidFill>
                             <a:schemeClr val="bg1">
                               <a:lumMod val="75000"/>
@@ -14523,6 +14808,16 @@
                         </a:rPr>
                         <a:t>0</a:t>
                       </a:r>
+                      <a:endParaRPr lang="en-US" sz="1050" kern="0" spc="0" dirty="0">
+                        <a:solidFill>
+                          <a:schemeClr val="bg1">
+                            <a:lumMod val="75000"/>
+                          </a:schemeClr>
+                        </a:solidFill>
+                        <a:effectLst/>
+                        <a:latin typeface="나눔바른고딕" panose="020B0603020101020101" pitchFamily="50" charset="-127"/>
+                        <a:ea typeface="나눔바른고딕" panose="020B0603020101020101" pitchFamily="50" charset="-127"/>
+                      </a:endParaRPr>
                     </a:p>
                   </a:txBody>
                   <a:tcPr marL="36000" marR="36000" marT="15709" marB="15709" anchor="ctr">
@@ -14575,7 +14870,7 @@
                 </a:tc>
                 <a:extLst>
                   <a:ext uri="{0D108BD9-81ED-4DB2-BD59-A6C34878D82A}">
-                    <a16:rowId xmlns="" xmlns:a16="http://schemas.microsoft.com/office/drawing/2014/main" val="591793903"/>
+                    <a16:rowId xmlns:a16="http://schemas.microsoft.com/office/drawing/2014/main" val="591793903"/>
                   </a:ext>
                 </a:extLst>
               </a:tr>
@@ -14597,7 +14892,7 @@
                         </a:spcAft>
                       </a:pPr>
                       <a:r>
-                        <a:rPr lang="en-US" sz="1050" b="1" kern="0" spc="0" dirty="0">
+                        <a:rPr lang="en-US" sz="1050" b="1" kern="0" spc="0">
                           <a:solidFill>
                             <a:schemeClr val="bg1">
                               <a:lumMod val="75000"/>
@@ -14775,7 +15070,7 @@
                         </a:spcAft>
                       </a:pPr>
                       <a:r>
-                        <a:rPr lang="en-US" sz="1050" b="1" kern="0" spc="0" dirty="0">
+                        <a:rPr lang="en-US" sz="1050" b="1" kern="0" spc="0">
                           <a:solidFill>
                             <a:schemeClr val="bg1">
                               <a:lumMod val="75000"/>
@@ -14864,7 +15159,7 @@
                         </a:spcAft>
                       </a:pPr>
                       <a:r>
-                        <a:rPr lang="ko-KR" altLang="en-US" sz="1050" b="1" kern="0" spc="0" dirty="0">
+                        <a:rPr lang="ko-KR" altLang="en-US" sz="1050" b="1" kern="0" spc="0">
                           <a:solidFill>
                             <a:schemeClr val="bg1">
                               <a:lumMod val="75000"/>
@@ -15042,7 +15337,7 @@
                         </a:spcAft>
                       </a:pPr>
                       <a:r>
-                        <a:rPr lang="en-US" sz="1050" b="1" kern="0" spc="0" dirty="0">
+                        <a:rPr lang="en-US" sz="1050" b="1" kern="0" spc="0">
                           <a:solidFill>
                             <a:schemeClr val="bg1">
                               <a:lumMod val="75000"/>
@@ -15210,7 +15505,7 @@
                         </a:spcAft>
                       </a:pPr>
                       <a:r>
-                        <a:rPr lang="ko-KR" altLang="en-US" sz="1000" b="1" kern="0" spc="0" dirty="0">
+                        <a:rPr lang="ko-KR" altLang="en-US" sz="1000" b="1" kern="0" spc="0">
                           <a:solidFill>
                             <a:schemeClr val="bg1">
                               <a:lumMod val="75000"/>
@@ -15223,6 +15518,17 @@
                         </a:rPr>
                         <a:t>분당서울대병원</a:t>
                       </a:r>
+                      <a:endParaRPr lang="ko-KR" altLang="en-US" sz="1000" b="1" kern="0" spc="0" dirty="0">
+                        <a:solidFill>
+                          <a:schemeClr val="bg1">
+                            <a:lumMod val="75000"/>
+                          </a:schemeClr>
+                        </a:solidFill>
+                        <a:effectLst/>
+                        <a:latin typeface="나눔바른고딕" panose="020B0603020101020101" pitchFamily="50" charset="-127"/>
+                        <a:ea typeface="나눔바른고딕" panose="020B0603020101020101" pitchFamily="50" charset="-127"/>
+                        <a:cs typeface="+mn-cs"/>
+                      </a:endParaRPr>
                     </a:p>
                   </a:txBody>
                   <a:tcPr marL="36000" marR="36000" marT="15709" marB="15709" anchor="ctr">
@@ -15290,7 +15596,7 @@
                         </a:spcAft>
                       </a:pPr>
                       <a:r>
-                        <a:rPr lang="en-US" sz="1050" kern="0" spc="0" dirty="0">
+                        <a:rPr lang="en-US" sz="1050" kern="0" spc="0">
                           <a:solidFill>
                             <a:schemeClr val="bg1">
                               <a:lumMod val="75000"/>
@@ -15302,6 +15608,16 @@
                         </a:rPr>
                         <a:t>3</a:t>
                       </a:r>
+                      <a:endParaRPr lang="en-US" sz="1050" kern="0" spc="0" dirty="0">
+                        <a:solidFill>
+                          <a:schemeClr val="bg1">
+                            <a:lumMod val="75000"/>
+                          </a:schemeClr>
+                        </a:solidFill>
+                        <a:effectLst/>
+                        <a:latin typeface="나눔바른고딕" panose="020B0603020101020101" pitchFamily="50" charset="-127"/>
+                        <a:ea typeface="나눔바른고딕" panose="020B0603020101020101" pitchFamily="50" charset="-127"/>
+                      </a:endParaRPr>
                     </a:p>
                   </a:txBody>
                   <a:tcPr marL="36000" marR="36000" marT="15709" marB="15709" anchor="ctr">
@@ -15354,7 +15670,7 @@
                 </a:tc>
                 <a:extLst>
                   <a:ext uri="{0D108BD9-81ED-4DB2-BD59-A6C34878D82A}">
-                    <a16:rowId xmlns="" xmlns:a16="http://schemas.microsoft.com/office/drawing/2014/main" val="2167617470"/>
+                    <a16:rowId xmlns:a16="http://schemas.microsoft.com/office/drawing/2014/main" val="2167617470"/>
                   </a:ext>
                 </a:extLst>
               </a:tr>
@@ -15376,7 +15692,7 @@
                         </a:spcAft>
                       </a:pPr>
                       <a:r>
-                        <a:rPr lang="en-US" sz="1050" b="1" kern="0" spc="0" dirty="0">
+                        <a:rPr lang="en-US" sz="1050" b="1" kern="0" spc="0">
                           <a:solidFill>
                             <a:schemeClr val="bg1">
                               <a:lumMod val="75000"/>
@@ -15389,6 +15705,17 @@
                         </a:rPr>
                         <a:t>15</a:t>
                       </a:r>
+                      <a:endParaRPr lang="en-US" sz="1050" b="1" kern="0" spc="0" dirty="0">
+                        <a:solidFill>
+                          <a:schemeClr val="bg1">
+                            <a:lumMod val="75000"/>
+                          </a:schemeClr>
+                        </a:solidFill>
+                        <a:effectLst/>
+                        <a:latin typeface="나눔바른고딕" panose="020B0603020101020101" pitchFamily="50" charset="-127"/>
+                        <a:ea typeface="나눔바른고딕" panose="020B0603020101020101" pitchFamily="50" charset="-127"/>
+                        <a:cs typeface="+mn-cs"/>
+                      </a:endParaRPr>
                     </a:p>
                   </a:txBody>
                   <a:tcPr marL="36000" marR="36000" marT="15709" marB="15709" anchor="ctr">
@@ -15536,7 +15863,7 @@
                         </a:spcAft>
                       </a:pPr>
                       <a:r>
-                        <a:rPr lang="en-US" sz="1050" b="1" kern="0" spc="0" dirty="0">
+                        <a:rPr lang="en-US" sz="1050" b="1" kern="0" spc="0">
                           <a:solidFill>
                             <a:schemeClr val="bg1">
                               <a:lumMod val="75000"/>
@@ -15549,6 +15876,17 @@
                         </a:rPr>
                         <a:t>43</a:t>
                       </a:r>
+                      <a:endParaRPr lang="en-US" sz="1050" b="1" kern="0" spc="0" dirty="0">
+                        <a:solidFill>
+                          <a:schemeClr val="bg1">
+                            <a:lumMod val="75000"/>
+                          </a:schemeClr>
+                        </a:solidFill>
+                        <a:effectLst/>
+                        <a:latin typeface="나눔바른고딕" panose="020B0603020101020101" pitchFamily="50" charset="-127"/>
+                        <a:ea typeface="나눔바른고딕" panose="020B0603020101020101" pitchFamily="50" charset="-127"/>
+                        <a:cs typeface="+mn-cs"/>
+                      </a:endParaRPr>
                     </a:p>
                   </a:txBody>
                   <a:tcPr marL="36000" marR="36000" marT="15709" marB="15709" anchor="ctr">
@@ -15616,7 +15954,7 @@
                         </a:spcAft>
                       </a:pPr>
                       <a:r>
-                        <a:rPr lang="ko-KR" altLang="en-US" sz="1050" b="1" kern="0" spc="0" dirty="0">
+                        <a:rPr lang="ko-KR" altLang="en-US" sz="1050" b="1" kern="0" spc="0">
                           <a:solidFill>
                             <a:schemeClr val="bg1">
                               <a:lumMod val="75000"/>
@@ -15629,6 +15967,17 @@
                         </a:rPr>
                         <a:t>한국</a:t>
                       </a:r>
+                      <a:endParaRPr lang="ko-KR" altLang="en-US" sz="1050" b="1" kern="0" spc="0" dirty="0">
+                        <a:solidFill>
+                          <a:schemeClr val="bg1">
+                            <a:lumMod val="75000"/>
+                          </a:schemeClr>
+                        </a:solidFill>
+                        <a:effectLst/>
+                        <a:latin typeface="나눔바른고딕" panose="020B0603020101020101" pitchFamily="50" charset="-127"/>
+                        <a:ea typeface="나눔바른고딕" panose="020B0603020101020101" pitchFamily="50" charset="-127"/>
+                        <a:cs typeface="+mn-cs"/>
+                      </a:endParaRPr>
                     </a:p>
                   </a:txBody>
                   <a:tcPr marL="36000" marR="36000" marT="15709" marB="15709" anchor="ctr">
@@ -15696,7 +16045,7 @@
                         </a:spcAft>
                       </a:pPr>
                       <a:r>
-                        <a:rPr lang="en-US" sz="1050" b="1" kern="0" spc="0" dirty="0">
+                        <a:rPr lang="en-US" sz="1050" b="1" kern="0" spc="0">
                           <a:solidFill>
                             <a:schemeClr val="bg1">
                               <a:lumMod val="75000"/>
@@ -15709,6 +16058,17 @@
                         </a:rPr>
                         <a:t>O</a:t>
                       </a:r>
+                      <a:endParaRPr lang="en-US" sz="1050" b="1" kern="0" spc="0" dirty="0">
+                        <a:solidFill>
+                          <a:schemeClr val="bg1">
+                            <a:lumMod val="75000"/>
+                          </a:schemeClr>
+                        </a:solidFill>
+                        <a:effectLst/>
+                        <a:latin typeface="나눔바른고딕" panose="020B0603020101020101" pitchFamily="50" charset="-127"/>
+                        <a:ea typeface="나눔바른고딕" panose="020B0603020101020101" pitchFamily="50" charset="-127"/>
+                        <a:cs typeface="+mn-cs"/>
+                      </a:endParaRPr>
                     </a:p>
                   </a:txBody>
                   <a:tcPr marL="36000" marR="36000" marT="15709" marB="15709" anchor="ctr">
@@ -15936,7 +16296,7 @@
                         </a:spcAft>
                       </a:pPr>
                       <a:r>
-                        <a:rPr lang="ko-KR" altLang="en-US" sz="1000" b="1" kern="0" spc="0" dirty="0">
+                        <a:rPr lang="ko-KR" altLang="en-US" sz="1000" b="1" kern="0" spc="0">
                           <a:solidFill>
                             <a:schemeClr val="bg1">
                               <a:lumMod val="75000"/>
@@ -15949,6 +16309,17 @@
                         </a:rPr>
                         <a:t>국군수도병원</a:t>
                       </a:r>
+                      <a:endParaRPr lang="ko-KR" altLang="en-US" sz="1000" b="1" kern="0" spc="0" dirty="0">
+                        <a:solidFill>
+                          <a:schemeClr val="bg1">
+                            <a:lumMod val="75000"/>
+                          </a:schemeClr>
+                        </a:solidFill>
+                        <a:effectLst/>
+                        <a:latin typeface="나눔바른고딕" panose="020B0603020101020101" pitchFamily="50" charset="-127"/>
+                        <a:ea typeface="나눔바른고딕" panose="020B0603020101020101" pitchFamily="50" charset="-127"/>
+                        <a:cs typeface="+mn-cs"/>
+                      </a:endParaRPr>
                     </a:p>
                   </a:txBody>
                   <a:tcPr marL="36000" marR="36000" marT="15709" marB="15709" anchor="ctr">
@@ -16016,7 +16387,7 @@
                         </a:spcAft>
                       </a:pPr>
                       <a:r>
-                        <a:rPr lang="en-US" sz="1050" b="1" kern="0" spc="0" dirty="0">
+                        <a:rPr lang="en-US" sz="1050" b="1" kern="0" spc="0">
                           <a:solidFill>
                             <a:schemeClr val="bg1">
                               <a:lumMod val="75000"/>
@@ -16029,6 +16400,17 @@
                         </a:rPr>
                         <a:t>14</a:t>
                       </a:r>
+                      <a:endParaRPr lang="en-US" sz="1050" b="1" kern="0" spc="0" dirty="0">
+                        <a:solidFill>
+                          <a:schemeClr val="bg1">
+                            <a:lumMod val="75000"/>
+                          </a:schemeClr>
+                        </a:solidFill>
+                        <a:effectLst/>
+                        <a:latin typeface="나눔바른고딕" panose="020B0603020101020101" pitchFamily="50" charset="-127"/>
+                        <a:ea typeface="나눔바른고딕" panose="020B0603020101020101" pitchFamily="50" charset="-127"/>
+                        <a:cs typeface="+mn-cs"/>
+                      </a:endParaRPr>
                     </a:p>
                   </a:txBody>
                   <a:tcPr marL="36000" marR="36000" marT="15709" marB="15709" anchor="ctr">
@@ -16081,7 +16463,7 @@
                 </a:tc>
                 <a:extLst>
                   <a:ext uri="{0D108BD9-81ED-4DB2-BD59-A6C34878D82A}">
-                    <a16:rowId xmlns="" xmlns:a16="http://schemas.microsoft.com/office/drawing/2014/main" val="2045471854"/>
+                    <a16:rowId xmlns:a16="http://schemas.microsoft.com/office/drawing/2014/main" val="2045471854"/>
                   </a:ext>
                 </a:extLst>
               </a:tr>
@@ -16103,7 +16485,7 @@
                         </a:spcAft>
                       </a:pPr>
                       <a:r>
-                        <a:rPr lang="en-US" sz="1050" b="1" kern="0" spc="0" dirty="0">
+                        <a:rPr lang="en-US" sz="1050" b="1" kern="0" spc="0">
                           <a:solidFill>
                             <a:schemeClr val="bg1">
                               <a:lumMod val="75000"/>
@@ -16116,6 +16498,17 @@
                         </a:rPr>
                         <a:t>16</a:t>
                       </a:r>
+                      <a:endParaRPr lang="en-US" sz="1050" b="1" kern="0" spc="0" dirty="0">
+                        <a:solidFill>
+                          <a:schemeClr val="bg1">
+                            <a:lumMod val="75000"/>
+                          </a:schemeClr>
+                        </a:solidFill>
+                        <a:effectLst/>
+                        <a:latin typeface="나눔바른고딕" panose="020B0603020101020101" pitchFamily="50" charset="-127"/>
+                        <a:ea typeface="나눔바른고딕" panose="020B0603020101020101" pitchFamily="50" charset="-127"/>
+                        <a:cs typeface="+mn-cs"/>
+                      </a:endParaRPr>
                     </a:p>
                   </a:txBody>
                   <a:tcPr marL="36000" marR="36000" marT="15709" marB="15709" anchor="ctr">
@@ -16183,7 +16576,7 @@
                         </a:spcAft>
                       </a:pPr>
                       <a:r>
-                        <a:rPr lang="ko-KR" altLang="en-US" sz="1050" b="1" kern="0" spc="0" dirty="0">
+                        <a:rPr lang="ko-KR" altLang="en-US" sz="1050" b="1" kern="0" spc="0">
                           <a:solidFill>
                             <a:schemeClr val="bg1">
                               <a:lumMod val="75000"/>
@@ -16196,6 +16589,17 @@
                         </a:rPr>
                         <a:t>여</a:t>
                       </a:r>
+                      <a:endParaRPr lang="ko-KR" altLang="en-US" sz="1050" b="1" kern="0" spc="0" dirty="0">
+                        <a:solidFill>
+                          <a:schemeClr val="bg1">
+                            <a:lumMod val="75000"/>
+                          </a:schemeClr>
+                        </a:solidFill>
+                        <a:effectLst/>
+                        <a:latin typeface="나눔바른고딕" panose="020B0603020101020101" pitchFamily="50" charset="-127"/>
+                        <a:ea typeface="나눔바른고딕" panose="020B0603020101020101" pitchFamily="50" charset="-127"/>
+                        <a:cs typeface="+mn-cs"/>
+                      </a:endParaRPr>
                     </a:p>
                   </a:txBody>
                   <a:tcPr marL="36000" marR="36000" marT="15709" marB="15709" anchor="ctr">
@@ -16263,7 +16667,7 @@
                         </a:spcAft>
                       </a:pPr>
                       <a:r>
-                        <a:rPr lang="en-US" sz="1050" b="1" kern="0" spc="0" dirty="0">
+                        <a:rPr lang="en-US" sz="1050" b="1" kern="0" spc="0">
                           <a:solidFill>
                             <a:schemeClr val="bg1">
                               <a:lumMod val="75000"/>
@@ -16276,6 +16680,17 @@
                         </a:rPr>
                         <a:t>42</a:t>
                       </a:r>
+                      <a:endParaRPr lang="en-US" sz="1050" b="1" kern="0" spc="0" dirty="0">
+                        <a:solidFill>
+                          <a:schemeClr val="bg1">
+                            <a:lumMod val="75000"/>
+                          </a:schemeClr>
+                        </a:solidFill>
+                        <a:effectLst/>
+                        <a:latin typeface="나눔바른고딕" panose="020B0603020101020101" pitchFamily="50" charset="-127"/>
+                        <a:ea typeface="나눔바른고딕" panose="020B0603020101020101" pitchFamily="50" charset="-127"/>
+                        <a:cs typeface="+mn-cs"/>
+                      </a:endParaRPr>
                     </a:p>
                   </a:txBody>
                   <a:tcPr marL="36000" marR="36000" marT="15709" marB="15709" anchor="ctr">
@@ -16423,7 +16838,7 @@
                         </a:spcAft>
                       </a:pPr>
                       <a:r>
-                        <a:rPr lang="en-US" sz="1050" b="1" kern="0" spc="0" dirty="0">
+                        <a:rPr lang="en-US" sz="1050" b="1" kern="0" spc="0">
                           <a:solidFill>
                             <a:schemeClr val="bg1">
                               <a:lumMod val="75000"/>
@@ -16436,6 +16851,17 @@
                         </a:rPr>
                         <a:t>X</a:t>
                       </a:r>
+                      <a:endParaRPr lang="en-US" sz="1050" b="1" kern="0" spc="0" dirty="0">
+                        <a:solidFill>
+                          <a:schemeClr val="bg1">
+                            <a:lumMod val="75000"/>
+                          </a:schemeClr>
+                        </a:solidFill>
+                        <a:effectLst/>
+                        <a:latin typeface="나눔바른고딕" panose="020B0603020101020101" pitchFamily="50" charset="-127"/>
+                        <a:ea typeface="나눔바른고딕" panose="020B0603020101020101" pitchFamily="50" charset="-127"/>
+                        <a:cs typeface="+mn-cs"/>
+                      </a:endParaRPr>
                     </a:p>
                   </a:txBody>
                   <a:tcPr marL="36000" marR="36000" marT="15709" marB="15709" anchor="ctr">
@@ -16503,7 +16929,7 @@
                         </a:spcAft>
                       </a:pPr>
                       <a:r>
-                        <a:rPr lang="en-US" sz="1050" b="1" kern="0" spc="0" dirty="0">
+                        <a:rPr lang="en-US" sz="1050" b="1" kern="0" spc="0">
                           <a:solidFill>
                             <a:schemeClr val="bg1">
                               <a:lumMod val="75000"/>
@@ -16516,6 +16942,17 @@
                         </a:rPr>
                         <a:t>1.19</a:t>
                       </a:r>
+                      <a:endParaRPr lang="en-US" sz="1050" b="1" kern="0" spc="0" dirty="0">
+                        <a:solidFill>
+                          <a:schemeClr val="bg1">
+                            <a:lumMod val="75000"/>
+                          </a:schemeClr>
+                        </a:solidFill>
+                        <a:effectLst/>
+                        <a:latin typeface="나눔바른고딕" panose="020B0603020101020101" pitchFamily="50" charset="-127"/>
+                        <a:ea typeface="나눔바른고딕" panose="020B0603020101020101" pitchFamily="50" charset="-127"/>
+                        <a:cs typeface="+mn-cs"/>
+                      </a:endParaRPr>
                     </a:p>
                   </a:txBody>
                   <a:tcPr marL="36000" marR="36000" marT="15709" marB="15709" anchor="ctr">
@@ -16663,7 +17100,7 @@
                         </a:spcAft>
                       </a:pPr>
                       <a:r>
-                        <a:rPr lang="ko-KR" altLang="en-US" sz="1000" b="1" kern="0" spc="0" dirty="0" err="1">
+                        <a:rPr lang="ko-KR" altLang="en-US" sz="1000" b="1" kern="0" spc="0">
                           <a:solidFill>
                             <a:schemeClr val="bg1">
                               <a:lumMod val="75000"/>
@@ -16754,7 +17191,7 @@
                         </a:spcAft>
                       </a:pPr>
                       <a:r>
-                        <a:rPr lang="en-US" altLang="ko-KR" sz="1050" b="1" kern="0" spc="0" dirty="0" smtClean="0">
+                        <a:rPr lang="en-US" altLang="ko-KR" sz="1050" b="1" kern="0" spc="0">
                           <a:solidFill>
                             <a:schemeClr val="bg1">
                               <a:lumMod val="75000"/>
@@ -16830,7 +17267,7 @@
                 </a:tc>
                 <a:extLst>
                   <a:ext uri="{0D108BD9-81ED-4DB2-BD59-A6C34878D82A}">
-                    <a16:rowId xmlns="" xmlns:a16="http://schemas.microsoft.com/office/drawing/2014/main" val="1396846476"/>
+                    <a16:rowId xmlns:a16="http://schemas.microsoft.com/office/drawing/2014/main" val="1396846476"/>
                   </a:ext>
                 </a:extLst>
               </a:tr>
@@ -16852,7 +17289,7 @@
                         </a:spcAft>
                       </a:pPr>
                       <a:r>
-                        <a:rPr lang="en-US" sz="1050" b="1" kern="0" spc="0" dirty="0">
+                        <a:rPr lang="en-US" sz="1050" b="1" kern="0" spc="0">
                           <a:solidFill>
                             <a:schemeClr val="bg1">
                               <a:lumMod val="75000"/>
@@ -16865,6 +17302,17 @@
                         </a:rPr>
                         <a:t>17</a:t>
                       </a:r>
+                      <a:endParaRPr lang="en-US" sz="1050" b="1" kern="0" spc="0" dirty="0">
+                        <a:solidFill>
+                          <a:schemeClr val="bg1">
+                            <a:lumMod val="75000"/>
+                          </a:schemeClr>
+                        </a:solidFill>
+                        <a:effectLst/>
+                        <a:latin typeface="나눔바른고딕" panose="020B0603020101020101" pitchFamily="50" charset="-127"/>
+                        <a:ea typeface="나눔바른고딕" panose="020B0603020101020101" pitchFamily="50" charset="-127"/>
+                        <a:cs typeface="+mn-cs"/>
+                      </a:endParaRPr>
                     </a:p>
                   </a:txBody>
                   <a:tcPr marL="36000" marR="36000" marT="15709" marB="15709" anchor="ctr">
@@ -16932,7 +17380,7 @@
                         </a:spcAft>
                       </a:pPr>
                       <a:r>
-                        <a:rPr lang="ko-KR" altLang="en-US" sz="1050" b="1" kern="0" spc="0" dirty="0">
+                        <a:rPr lang="ko-KR" altLang="en-US" sz="1050" b="1" kern="0" spc="0">
                           <a:solidFill>
                             <a:schemeClr val="bg1">
                               <a:lumMod val="75000"/>
@@ -16945,6 +17393,17 @@
                         </a:rPr>
                         <a:t>남</a:t>
                       </a:r>
+                      <a:endParaRPr lang="ko-KR" altLang="en-US" sz="1050" b="1" kern="0" spc="0" dirty="0">
+                        <a:solidFill>
+                          <a:schemeClr val="bg1">
+                            <a:lumMod val="75000"/>
+                          </a:schemeClr>
+                        </a:solidFill>
+                        <a:effectLst/>
+                        <a:latin typeface="나눔바른고딕" panose="020B0603020101020101" pitchFamily="50" charset="-127"/>
+                        <a:ea typeface="나눔바른고딕" panose="020B0603020101020101" pitchFamily="50" charset="-127"/>
+                        <a:cs typeface="+mn-cs"/>
+                      </a:endParaRPr>
                     </a:p>
                   </a:txBody>
                   <a:tcPr marL="36000" marR="36000" marT="15709" marB="15709" anchor="ctr">
@@ -17012,7 +17471,7 @@
                         </a:spcAft>
                       </a:pPr>
                       <a:r>
-                        <a:rPr lang="en-US" sz="1050" b="1" kern="0" spc="0" dirty="0">
+                        <a:rPr lang="en-US" sz="1050" b="1" kern="0" spc="0">
                           <a:solidFill>
                             <a:schemeClr val="bg1">
                               <a:lumMod val="75000"/>
@@ -17025,6 +17484,17 @@
                         </a:rPr>
                         <a:t>37</a:t>
                       </a:r>
+                      <a:endParaRPr lang="en-US" sz="1050" b="1" kern="0" spc="0" dirty="0">
+                        <a:solidFill>
+                          <a:schemeClr val="bg1">
+                            <a:lumMod val="75000"/>
+                          </a:schemeClr>
+                        </a:solidFill>
+                        <a:effectLst/>
+                        <a:latin typeface="나눔바른고딕" panose="020B0603020101020101" pitchFamily="50" charset="-127"/>
+                        <a:ea typeface="나눔바른고딕" panose="020B0603020101020101" pitchFamily="50" charset="-127"/>
+                        <a:cs typeface="+mn-cs"/>
+                      </a:endParaRPr>
                     </a:p>
                   </a:txBody>
                   <a:tcPr marL="36000" marR="36000" marT="15709" marB="15709" anchor="ctr">
@@ -17092,7 +17562,7 @@
                         </a:spcAft>
                       </a:pPr>
                       <a:r>
-                        <a:rPr lang="ko-KR" altLang="en-US" sz="1050" b="1" kern="0" spc="0" dirty="0">
+                        <a:rPr lang="ko-KR" altLang="en-US" sz="1050" b="1" kern="0" spc="0">
                           <a:solidFill>
                             <a:schemeClr val="bg1">
                               <a:lumMod val="75000"/>
@@ -17105,6 +17575,17 @@
                         </a:rPr>
                         <a:t>한국</a:t>
                       </a:r>
+                      <a:endParaRPr lang="ko-KR" altLang="en-US" sz="1050" b="1" kern="0" spc="0" dirty="0">
+                        <a:solidFill>
+                          <a:schemeClr val="bg1">
+                            <a:lumMod val="75000"/>
+                          </a:schemeClr>
+                        </a:solidFill>
+                        <a:effectLst/>
+                        <a:latin typeface="나눔바른고딕" panose="020B0603020101020101" pitchFamily="50" charset="-127"/>
+                        <a:ea typeface="나눔바른고딕" panose="020B0603020101020101" pitchFamily="50" charset="-127"/>
+                        <a:cs typeface="+mn-cs"/>
+                      </a:endParaRPr>
                     </a:p>
                   </a:txBody>
                   <a:tcPr marL="36000" marR="36000" marT="15709" marB="15709" anchor="ctr">
@@ -17178,7 +17659,7 @@
                         <a:defRPr/>
                       </a:pPr>
                       <a:r>
-                        <a:rPr lang="en-US" altLang="ko-KR" sz="1050" b="1" kern="0" spc="0" dirty="0">
+                        <a:rPr lang="en-US" altLang="ko-KR" sz="1050" b="1" kern="0" spc="0">
                           <a:solidFill>
                             <a:schemeClr val="bg1">
                               <a:lumMod val="75000"/>
@@ -17191,6 +17672,17 @@
                         </a:rPr>
                         <a:t>X</a:t>
                       </a:r>
+                      <a:endParaRPr lang="en-US" altLang="ko-KR" sz="1050" b="1" kern="0" spc="0" dirty="0">
+                        <a:solidFill>
+                          <a:schemeClr val="bg1">
+                            <a:lumMod val="75000"/>
+                          </a:schemeClr>
+                        </a:solidFill>
+                        <a:effectLst/>
+                        <a:latin typeface="나눔바른고딕" panose="020B0603020101020101" pitchFamily="50" charset="-127"/>
+                        <a:ea typeface="나눔바른고딕" panose="020B0603020101020101" pitchFamily="50" charset="-127"/>
+                        <a:cs typeface="+mn-cs"/>
+                      </a:endParaRPr>
                     </a:p>
                   </a:txBody>
                   <a:tcPr marL="36000" marR="36000" marT="15709" marB="15709" anchor="ctr">
@@ -17258,7 +17750,7 @@
                         </a:spcAft>
                       </a:pPr>
                       <a:r>
-                        <a:rPr lang="en-US" sz="1050" b="1" kern="0" spc="0" dirty="0">
+                        <a:rPr lang="en-US" sz="1050" b="1" kern="0" spc="0">
                           <a:solidFill>
                             <a:schemeClr val="bg1">
                               <a:lumMod val="75000"/>
@@ -17271,6 +17763,17 @@
                         </a:rPr>
                         <a:t>1.24</a:t>
                       </a:r>
+                      <a:endParaRPr lang="en-US" sz="1050" b="1" kern="0" spc="0" dirty="0">
+                        <a:solidFill>
+                          <a:schemeClr val="bg1">
+                            <a:lumMod val="75000"/>
+                          </a:schemeClr>
+                        </a:solidFill>
+                        <a:effectLst/>
+                        <a:latin typeface="나눔바른고딕" panose="020B0603020101020101" pitchFamily="50" charset="-127"/>
+                        <a:ea typeface="나눔바른고딕" panose="020B0603020101020101" pitchFamily="50" charset="-127"/>
+                        <a:cs typeface="+mn-cs"/>
+                      </a:endParaRPr>
                     </a:p>
                   </a:txBody>
                   <a:tcPr marL="36000" marR="36000" marT="15709" marB="15709" anchor="ctr">
@@ -17338,7 +17841,7 @@
                         </a:spcAft>
                       </a:pPr>
                       <a:r>
-                        <a:rPr lang="en-US" sz="1050" b="1" kern="0" spc="0" dirty="0">
+                        <a:rPr lang="en-US" sz="1050" b="1" kern="0" spc="0">
                           <a:solidFill>
                             <a:schemeClr val="bg1">
                               <a:lumMod val="75000"/>
@@ -17351,6 +17854,17 @@
                         </a:rPr>
                         <a:t>2.5</a:t>
                       </a:r>
+                      <a:endParaRPr lang="en-US" sz="1050" b="1" kern="0" spc="0" dirty="0">
+                        <a:solidFill>
+                          <a:schemeClr val="bg1">
+                            <a:lumMod val="75000"/>
+                          </a:schemeClr>
+                        </a:solidFill>
+                        <a:effectLst/>
+                        <a:latin typeface="나눔바른고딕" panose="020B0603020101020101" pitchFamily="50" charset="-127"/>
+                        <a:ea typeface="나눔바른고딕" panose="020B0603020101020101" pitchFamily="50" charset="-127"/>
+                        <a:cs typeface="+mn-cs"/>
+                      </a:endParaRPr>
                     </a:p>
                   </a:txBody>
                   <a:tcPr marL="36000" marR="36000" marT="15709" marB="15709" anchor="ctr">
@@ -17418,7 +17932,7 @@
                         </a:spcAft>
                       </a:pPr>
                       <a:r>
-                        <a:rPr lang="ko-KR" altLang="en-US" sz="1000" b="1" kern="0" spc="0" dirty="0">
+                        <a:rPr lang="ko-KR" altLang="en-US" sz="1000" b="1" kern="0" spc="0">
                           <a:solidFill>
                             <a:schemeClr val="bg1">
                               <a:lumMod val="75000"/>
@@ -17431,6 +17945,17 @@
                         </a:rPr>
                         <a:t>명지병원</a:t>
                       </a:r>
+                      <a:endParaRPr lang="ko-KR" altLang="en-US" sz="1000" b="1" kern="0" spc="0" dirty="0">
+                        <a:solidFill>
+                          <a:schemeClr val="bg1">
+                            <a:lumMod val="75000"/>
+                          </a:schemeClr>
+                        </a:solidFill>
+                        <a:effectLst/>
+                        <a:latin typeface="나눔바른고딕" panose="020B0603020101020101" pitchFamily="50" charset="-127"/>
+                        <a:ea typeface="나눔바른고딕" panose="020B0603020101020101" pitchFamily="50" charset="-127"/>
+                        <a:cs typeface="+mn-cs"/>
+                      </a:endParaRPr>
                     </a:p>
                   </a:txBody>
                   <a:tcPr marL="36000" marR="36000" marT="15709" marB="15709" anchor="ctr">
@@ -17498,7 +18023,7 @@
                         </a:spcAft>
                       </a:pPr>
                       <a:r>
-                        <a:rPr lang="en-US" altLang="ko-KR" sz="1050" b="1" kern="0" spc="0" dirty="0" smtClean="0">
+                        <a:rPr lang="en-US" altLang="ko-KR" sz="1050" b="1" kern="0" spc="0">
                           <a:solidFill>
                             <a:schemeClr val="bg1">
                               <a:lumMod val="75000"/>
@@ -17574,7 +18099,7 @@
                 </a:tc>
                 <a:extLst>
                   <a:ext uri="{0D108BD9-81ED-4DB2-BD59-A6C34878D82A}">
-                    <a16:rowId xmlns="" xmlns:a16="http://schemas.microsoft.com/office/drawing/2014/main" val="10017"/>
+                    <a16:rowId xmlns:a16="http://schemas.microsoft.com/office/drawing/2014/main" val="10017"/>
                   </a:ext>
                 </a:extLst>
               </a:tr>
@@ -17596,7 +18121,7 @@
                         </a:spcAft>
                       </a:pPr>
                       <a:r>
-                        <a:rPr lang="en-US" sz="1050" b="1" kern="0" spc="0" dirty="0">
+                        <a:rPr lang="en-US" sz="1050" b="1" kern="0" spc="0">
                           <a:solidFill>
                             <a:schemeClr val="bg1">
                               <a:lumMod val="75000"/>
@@ -17609,6 +18134,17 @@
                         </a:rPr>
                         <a:t>18</a:t>
                       </a:r>
+                      <a:endParaRPr lang="en-US" sz="1050" b="1" kern="0" spc="0" dirty="0">
+                        <a:solidFill>
+                          <a:schemeClr val="bg1">
+                            <a:lumMod val="75000"/>
+                          </a:schemeClr>
+                        </a:solidFill>
+                        <a:effectLst/>
+                        <a:latin typeface="나눔바른고딕" panose="020B0603020101020101" pitchFamily="50" charset="-127"/>
+                        <a:ea typeface="나눔바른고딕" panose="020B0603020101020101" pitchFamily="50" charset="-127"/>
+                        <a:cs typeface="+mn-cs"/>
+                      </a:endParaRPr>
                     </a:p>
                   </a:txBody>
                   <a:tcPr marL="36000" marR="36000" marT="15709" marB="15709" anchor="ctr">
@@ -17676,7 +18212,7 @@
                         </a:spcAft>
                       </a:pPr>
                       <a:r>
-                        <a:rPr lang="ko-KR" altLang="en-US" sz="1050" b="1" kern="0" spc="0" dirty="0">
+                        <a:rPr lang="ko-KR" altLang="en-US" sz="1050" b="1" kern="0" spc="0">
                           <a:solidFill>
                             <a:schemeClr val="bg1">
                               <a:lumMod val="75000"/>
@@ -17689,6 +18225,17 @@
                         </a:rPr>
                         <a:t>여</a:t>
                       </a:r>
+                      <a:endParaRPr lang="ko-KR" altLang="en-US" sz="1050" b="1" kern="0" spc="0" dirty="0">
+                        <a:solidFill>
+                          <a:schemeClr val="bg1">
+                            <a:lumMod val="75000"/>
+                          </a:schemeClr>
+                        </a:solidFill>
+                        <a:effectLst/>
+                        <a:latin typeface="나눔바른고딕" panose="020B0603020101020101" pitchFamily="50" charset="-127"/>
+                        <a:ea typeface="나눔바른고딕" panose="020B0603020101020101" pitchFamily="50" charset="-127"/>
+                        <a:cs typeface="+mn-cs"/>
+                      </a:endParaRPr>
                     </a:p>
                   </a:txBody>
                   <a:tcPr marL="36000" marR="36000" marT="15709" marB="15709" anchor="ctr">
@@ -17756,7 +18303,7 @@
                         </a:spcAft>
                       </a:pPr>
                       <a:r>
-                        <a:rPr lang="en-US" sz="1050" b="1" kern="0" spc="0" dirty="0">
+                        <a:rPr lang="en-US" sz="1050" b="1" kern="0" spc="0">
                           <a:solidFill>
                             <a:schemeClr val="bg1">
                               <a:lumMod val="75000"/>
@@ -17769,6 +18316,17 @@
                         </a:rPr>
                         <a:t>20</a:t>
                       </a:r>
+                      <a:endParaRPr lang="en-US" sz="1050" b="1" kern="0" spc="0" dirty="0">
+                        <a:solidFill>
+                          <a:schemeClr val="bg1">
+                            <a:lumMod val="75000"/>
+                          </a:schemeClr>
+                        </a:solidFill>
+                        <a:effectLst/>
+                        <a:latin typeface="나눔바른고딕" panose="020B0603020101020101" pitchFamily="50" charset="-127"/>
+                        <a:ea typeface="나눔바른고딕" panose="020B0603020101020101" pitchFamily="50" charset="-127"/>
+                        <a:cs typeface="+mn-cs"/>
+                      </a:endParaRPr>
                     </a:p>
                   </a:txBody>
                   <a:tcPr marL="36000" marR="36000" marT="15709" marB="15709" anchor="ctr">
@@ -17836,7 +18394,7 @@
                         </a:spcAft>
                       </a:pPr>
                       <a:r>
-                        <a:rPr lang="ko-KR" altLang="en-US" sz="1050" b="1" kern="0" spc="0" dirty="0">
+                        <a:rPr lang="ko-KR" altLang="en-US" sz="1050" b="1" kern="0" spc="0">
                           <a:solidFill>
                             <a:schemeClr val="bg1">
                               <a:lumMod val="75000"/>
@@ -17849,6 +18407,17 @@
                         </a:rPr>
                         <a:t>한국</a:t>
                       </a:r>
+                      <a:endParaRPr lang="ko-KR" altLang="en-US" sz="1050" b="1" kern="0" spc="0" dirty="0">
+                        <a:solidFill>
+                          <a:schemeClr val="bg1">
+                            <a:lumMod val="75000"/>
+                          </a:schemeClr>
+                        </a:solidFill>
+                        <a:effectLst/>
+                        <a:latin typeface="나눔바른고딕" panose="020B0603020101020101" pitchFamily="50" charset="-127"/>
+                        <a:ea typeface="나눔바른고딕" panose="020B0603020101020101" pitchFamily="50" charset="-127"/>
+                        <a:cs typeface="+mn-cs"/>
+                      </a:endParaRPr>
                     </a:p>
                   </a:txBody>
                   <a:tcPr marL="36000" marR="36000" marT="15709" marB="15709" anchor="ctr">
@@ -17916,7 +18485,7 @@
                         </a:spcAft>
                       </a:pPr>
                       <a:r>
-                        <a:rPr lang="en-US" altLang="ko-KR" sz="1050" b="1" kern="0" spc="0" dirty="0">
+                        <a:rPr lang="en-US" altLang="ko-KR" sz="1050" b="1" kern="0" spc="0">
                           <a:solidFill>
                             <a:schemeClr val="bg1">
                               <a:lumMod val="75000"/>
@@ -17929,6 +18498,17 @@
                         </a:rPr>
                         <a:t>X</a:t>
                       </a:r>
+                      <a:endParaRPr lang="en-US" altLang="ko-KR" sz="1050" b="1" kern="0" spc="0" dirty="0">
+                        <a:solidFill>
+                          <a:schemeClr val="bg1">
+                            <a:lumMod val="75000"/>
+                          </a:schemeClr>
+                        </a:solidFill>
+                        <a:effectLst/>
+                        <a:latin typeface="나눔바른고딕" panose="020B0603020101020101" pitchFamily="50" charset="-127"/>
+                        <a:ea typeface="나눔바른고딕" panose="020B0603020101020101" pitchFamily="50" charset="-127"/>
+                        <a:cs typeface="+mn-cs"/>
+                      </a:endParaRPr>
                     </a:p>
                   </a:txBody>
                   <a:tcPr marL="36000" marR="36000" marT="15709" marB="15709" anchor="ctr">
@@ -17996,7 +18576,7 @@
                         </a:spcAft>
                       </a:pPr>
                       <a:r>
-                        <a:rPr lang="en-US" sz="1050" b="1" kern="0" spc="0" dirty="0">
+                        <a:rPr lang="en-US" sz="1050" b="1" kern="0" spc="0">
                           <a:solidFill>
                             <a:schemeClr val="bg1">
                               <a:lumMod val="75000"/>
@@ -18009,6 +18589,17 @@
                         </a:rPr>
                         <a:t>1.19</a:t>
                       </a:r>
+                      <a:endParaRPr lang="en-US" sz="1050" b="1" kern="0" spc="0" dirty="0">
+                        <a:solidFill>
+                          <a:schemeClr val="bg1">
+                            <a:lumMod val="75000"/>
+                          </a:schemeClr>
+                        </a:solidFill>
+                        <a:effectLst/>
+                        <a:latin typeface="나눔바른고딕" panose="020B0603020101020101" pitchFamily="50" charset="-127"/>
+                        <a:ea typeface="나눔바른고딕" panose="020B0603020101020101" pitchFamily="50" charset="-127"/>
+                        <a:cs typeface="+mn-cs"/>
+                      </a:endParaRPr>
                     </a:p>
                   </a:txBody>
                   <a:tcPr marL="36000" marR="36000" marT="15709" marB="15709" anchor="ctr">
@@ -18076,7 +18667,7 @@
                         </a:spcAft>
                       </a:pPr>
                       <a:r>
-                        <a:rPr lang="en-US" sz="1050" b="1" kern="0" spc="0" dirty="0">
+                        <a:rPr lang="en-US" sz="1050" b="1" kern="0" spc="0">
                           <a:solidFill>
                             <a:schemeClr val="bg1">
                               <a:lumMod val="75000"/>
@@ -18089,6 +18680,17 @@
                         </a:rPr>
                         <a:t>2.5</a:t>
                       </a:r>
+                      <a:endParaRPr lang="en-US" sz="1050" b="1" kern="0" spc="0" dirty="0">
+                        <a:solidFill>
+                          <a:schemeClr val="bg1">
+                            <a:lumMod val="75000"/>
+                          </a:schemeClr>
+                        </a:solidFill>
+                        <a:effectLst/>
+                        <a:latin typeface="나눔바른고딕" panose="020B0603020101020101" pitchFamily="50" charset="-127"/>
+                        <a:ea typeface="나눔바른고딕" panose="020B0603020101020101" pitchFamily="50" charset="-127"/>
+                        <a:cs typeface="+mn-cs"/>
+                      </a:endParaRPr>
                     </a:p>
                   </a:txBody>
                   <a:tcPr marL="36000" marR="36000" marT="15709" marB="15709" anchor="ctr">
@@ -18156,7 +18758,7 @@
                         </a:spcAft>
                       </a:pPr>
                       <a:r>
-                        <a:rPr lang="ko-KR" altLang="en-US" sz="1000" b="1" kern="0" spc="0" dirty="0" err="1">
+                        <a:rPr lang="ko-KR" altLang="en-US" sz="1000" b="1" kern="0" spc="0">
                           <a:solidFill>
                             <a:schemeClr val="bg1">
                               <a:lumMod val="75000"/>
@@ -18247,7 +18849,7 @@
                         </a:spcAft>
                       </a:pPr>
                       <a:r>
-                        <a:rPr lang="en-US" altLang="ko-KR" sz="1050" b="1" kern="0" spc="0" dirty="0" smtClean="0">
+                        <a:rPr lang="en-US" altLang="ko-KR" sz="1050" b="1" kern="0" spc="0">
                           <a:solidFill>
                             <a:schemeClr val="bg1">
                               <a:lumMod val="75000"/>
@@ -18323,7 +18925,7 @@
                 </a:tc>
                 <a:extLst>
                   <a:ext uri="{0D108BD9-81ED-4DB2-BD59-A6C34878D82A}">
-                    <a16:rowId xmlns="" xmlns:a16="http://schemas.microsoft.com/office/drawing/2014/main" val="10018"/>
+                    <a16:rowId xmlns:a16="http://schemas.microsoft.com/office/drawing/2014/main" val="10018"/>
                   </a:ext>
                 </a:extLst>
               </a:tr>
@@ -18345,7 +18947,7 @@
                         </a:spcAft>
                       </a:pPr>
                       <a:r>
-                        <a:rPr lang="en-US" sz="1050" b="1" kern="0" spc="0" dirty="0">
+                        <a:rPr lang="en-US" sz="1050" b="1" kern="0" spc="0">
                           <a:solidFill>
                             <a:schemeClr val="bg1">
                               <a:lumMod val="75000"/>
@@ -18358,6 +18960,17 @@
                         </a:rPr>
                         <a:t>19</a:t>
                       </a:r>
+                      <a:endParaRPr lang="en-US" sz="1050" b="1" kern="0" spc="0" dirty="0">
+                        <a:solidFill>
+                          <a:schemeClr val="bg1">
+                            <a:lumMod val="75000"/>
+                          </a:schemeClr>
+                        </a:solidFill>
+                        <a:effectLst/>
+                        <a:latin typeface="나눔바른고딕" panose="020B0603020101020101" pitchFamily="50" charset="-127"/>
+                        <a:ea typeface="나눔바른고딕" panose="020B0603020101020101" pitchFamily="50" charset="-127"/>
+                        <a:cs typeface="+mn-cs"/>
+                      </a:endParaRPr>
                     </a:p>
                   </a:txBody>
                   <a:tcPr marL="36000" marR="36000" marT="15709" marB="15709" anchor="ctr">
@@ -18425,7 +19038,7 @@
                         </a:spcAft>
                       </a:pPr>
                       <a:r>
-                        <a:rPr lang="ko-KR" altLang="en-US" sz="1050" b="1" kern="0" spc="0" dirty="0">
+                        <a:rPr lang="ko-KR" altLang="en-US" sz="1050" b="1" kern="0" spc="0">
                           <a:solidFill>
                             <a:schemeClr val="bg1">
                               <a:lumMod val="75000"/>
@@ -18438,6 +19051,17 @@
                         </a:rPr>
                         <a:t>남</a:t>
                       </a:r>
+                      <a:endParaRPr lang="ko-KR" altLang="en-US" sz="1050" b="1" kern="0" spc="0" dirty="0">
+                        <a:solidFill>
+                          <a:schemeClr val="bg1">
+                            <a:lumMod val="75000"/>
+                          </a:schemeClr>
+                        </a:solidFill>
+                        <a:effectLst/>
+                        <a:latin typeface="나눔바른고딕" panose="020B0603020101020101" pitchFamily="50" charset="-127"/>
+                        <a:ea typeface="나눔바른고딕" panose="020B0603020101020101" pitchFamily="50" charset="-127"/>
+                        <a:cs typeface="+mn-cs"/>
+                      </a:endParaRPr>
                     </a:p>
                   </a:txBody>
                   <a:tcPr marL="36000" marR="36000" marT="15709" marB="15709" anchor="ctr">
@@ -18505,7 +19129,7 @@
                         </a:spcAft>
                       </a:pPr>
                       <a:r>
-                        <a:rPr lang="en-US" sz="1050" b="1" kern="0" spc="0" dirty="0">
+                        <a:rPr lang="en-US" sz="1050" b="1" kern="0" spc="0">
                           <a:solidFill>
                             <a:schemeClr val="bg1">
                               <a:lumMod val="75000"/>
@@ -18518,6 +19142,17 @@
                         </a:rPr>
                         <a:t>36</a:t>
                       </a:r>
+                      <a:endParaRPr lang="en-US" sz="1050" b="1" kern="0" spc="0" dirty="0">
+                        <a:solidFill>
+                          <a:schemeClr val="bg1">
+                            <a:lumMod val="75000"/>
+                          </a:schemeClr>
+                        </a:solidFill>
+                        <a:effectLst/>
+                        <a:latin typeface="나눔바른고딕" panose="020B0603020101020101" pitchFamily="50" charset="-127"/>
+                        <a:ea typeface="나눔바른고딕" panose="020B0603020101020101" pitchFamily="50" charset="-127"/>
+                        <a:cs typeface="+mn-cs"/>
+                      </a:endParaRPr>
                     </a:p>
                   </a:txBody>
                   <a:tcPr marL="36000" marR="36000" marT="15709" marB="15709" anchor="ctr">
@@ -18585,7 +19220,7 @@
                         </a:spcAft>
                       </a:pPr>
                       <a:r>
-                        <a:rPr lang="ko-KR" altLang="en-US" sz="1050" b="1" kern="0" spc="0" dirty="0">
+                        <a:rPr lang="ko-KR" altLang="en-US" sz="1050" b="1" kern="0" spc="0">
                           <a:solidFill>
                             <a:schemeClr val="bg1">
                               <a:lumMod val="75000"/>
@@ -18598,6 +19233,17 @@
                         </a:rPr>
                         <a:t>한국</a:t>
                       </a:r>
+                      <a:endParaRPr lang="ko-KR" altLang="en-US" sz="1050" b="1" kern="0" spc="0" dirty="0">
+                        <a:solidFill>
+                          <a:schemeClr val="bg1">
+                            <a:lumMod val="75000"/>
+                          </a:schemeClr>
+                        </a:solidFill>
+                        <a:effectLst/>
+                        <a:latin typeface="나눔바른고딕" panose="020B0603020101020101" pitchFamily="50" charset="-127"/>
+                        <a:ea typeface="나눔바른고딕" panose="020B0603020101020101" pitchFamily="50" charset="-127"/>
+                        <a:cs typeface="+mn-cs"/>
+                      </a:endParaRPr>
                     </a:p>
                   </a:txBody>
                   <a:tcPr marL="36000" marR="36000" marT="15709" marB="15709" anchor="ctr">
@@ -18665,7 +19311,7 @@
                         </a:spcAft>
                       </a:pPr>
                       <a:r>
-                        <a:rPr lang="en-US" altLang="ko-KR" sz="1050" b="1" kern="0" spc="0" dirty="0">
+                        <a:rPr lang="en-US" altLang="ko-KR" sz="1050" b="1" kern="0" spc="0">
                           <a:solidFill>
                             <a:schemeClr val="bg1">
                               <a:lumMod val="75000"/>
@@ -18678,6 +19324,17 @@
                         </a:rPr>
                         <a:t>X</a:t>
                       </a:r>
+                      <a:endParaRPr lang="en-US" altLang="ko-KR" sz="1050" b="1" kern="0" spc="0" dirty="0">
+                        <a:solidFill>
+                          <a:schemeClr val="bg1">
+                            <a:lumMod val="75000"/>
+                          </a:schemeClr>
+                        </a:solidFill>
+                        <a:effectLst/>
+                        <a:latin typeface="나눔바른고딕" panose="020B0603020101020101" pitchFamily="50" charset="-127"/>
+                        <a:ea typeface="나눔바른고딕" panose="020B0603020101020101" pitchFamily="50" charset="-127"/>
+                        <a:cs typeface="+mn-cs"/>
+                      </a:endParaRPr>
                     </a:p>
                   </a:txBody>
                   <a:tcPr marL="36000" marR="36000" marT="15709" marB="15709" anchor="ctr">
@@ -18745,7 +19402,7 @@
                         </a:spcAft>
                       </a:pPr>
                       <a:r>
-                        <a:rPr lang="en-US" altLang="ko-KR" sz="1050" b="1" kern="0" spc="0" dirty="0" smtClean="0">
+                        <a:rPr lang="en-US" altLang="ko-KR" sz="1050" b="1" kern="0" spc="0">
                           <a:solidFill>
                             <a:schemeClr val="bg1">
                               <a:lumMod val="75000"/>
@@ -18836,7 +19493,7 @@
                         </a:spcAft>
                       </a:pPr>
                       <a:r>
-                        <a:rPr lang="en-US" sz="1050" b="1" kern="0" spc="0" dirty="0">
+                        <a:rPr lang="en-US" sz="1050" b="1" kern="0" spc="0">
                           <a:solidFill>
                             <a:schemeClr val="bg1">
                               <a:lumMod val="75000"/>
@@ -18849,6 +19506,17 @@
                         </a:rPr>
                         <a:t>2.5</a:t>
                       </a:r>
+                      <a:endParaRPr lang="en-US" sz="1050" b="1" kern="0" spc="0" dirty="0">
+                        <a:solidFill>
+                          <a:schemeClr val="bg1">
+                            <a:lumMod val="75000"/>
+                          </a:schemeClr>
+                        </a:solidFill>
+                        <a:effectLst/>
+                        <a:latin typeface="나눔바른고딕" panose="020B0603020101020101" pitchFamily="50" charset="-127"/>
+                        <a:ea typeface="나눔바른고딕" panose="020B0603020101020101" pitchFamily="50" charset="-127"/>
+                        <a:cs typeface="+mn-cs"/>
+                      </a:endParaRPr>
                     </a:p>
                   </a:txBody>
                   <a:tcPr marL="36000" marR="36000" marT="15709" marB="15709" anchor="ctr">
@@ -18916,7 +19584,7 @@
                         </a:spcAft>
                       </a:pPr>
                       <a:r>
-                        <a:rPr lang="ko-KR" altLang="en-US" sz="1000" b="1" kern="0" spc="0" dirty="0">
+                        <a:rPr lang="ko-KR" altLang="en-US" sz="1000" b="1" kern="0" spc="0">
                           <a:solidFill>
                             <a:schemeClr val="bg1">
                               <a:lumMod val="75000"/>
@@ -18929,6 +19597,17 @@
                         </a:rPr>
                         <a:t>서울의료원</a:t>
                       </a:r>
+                      <a:endParaRPr lang="ko-KR" altLang="en-US" sz="1000" b="1" kern="0" spc="0" dirty="0">
+                        <a:solidFill>
+                          <a:schemeClr val="bg1">
+                            <a:lumMod val="75000"/>
+                          </a:schemeClr>
+                        </a:solidFill>
+                        <a:effectLst/>
+                        <a:latin typeface="나눔바른고딕" panose="020B0603020101020101" pitchFamily="50" charset="-127"/>
+                        <a:ea typeface="나눔바른고딕" panose="020B0603020101020101" pitchFamily="50" charset="-127"/>
+                        <a:cs typeface="+mn-cs"/>
+                      </a:endParaRPr>
                     </a:p>
                   </a:txBody>
                   <a:tcPr marL="36000" marR="36000" marT="15709" marB="15709" anchor="ctr">
@@ -18996,7 +19675,7 @@
                         </a:spcAft>
                       </a:pPr>
                       <a:r>
-                        <a:rPr lang="en-US" altLang="ko-KR" sz="1050" b="1" kern="0" spc="0" dirty="0" smtClean="0">
+                        <a:rPr lang="en-US" altLang="ko-KR" sz="1050" b="1" kern="0" spc="0">
                           <a:solidFill>
                             <a:schemeClr val="bg1">
                               <a:lumMod val="75000"/>
@@ -19072,7 +19751,7 @@
                 </a:tc>
                 <a:extLst>
                   <a:ext uri="{0D108BD9-81ED-4DB2-BD59-A6C34878D82A}">
-                    <a16:rowId xmlns="" xmlns:a16="http://schemas.microsoft.com/office/drawing/2014/main" val="3062113762"/>
+                    <a16:rowId xmlns:a16="http://schemas.microsoft.com/office/drawing/2014/main" val="3062113762"/>
                   </a:ext>
                 </a:extLst>
               </a:tr>
@@ -19094,7 +19773,7 @@
                         </a:spcAft>
                       </a:pPr>
                       <a:r>
-                        <a:rPr lang="en-US" sz="1050" b="1" kern="0" spc="0" dirty="0" smtClean="0">
+                        <a:rPr lang="en-US" sz="1050" b="1" kern="0" spc="0">
                           <a:solidFill>
                             <a:schemeClr val="bg1">
                               <a:lumMod val="75000"/>
@@ -19185,7 +19864,7 @@
                         </a:spcAft>
                       </a:pPr>
                       <a:r>
-                        <a:rPr lang="ko-KR" altLang="en-US" sz="1050" b="1" kern="0" spc="0" dirty="0" smtClean="0">
+                        <a:rPr lang="ko-KR" altLang="en-US" sz="1050" b="1" kern="0" spc="0">
                           <a:solidFill>
                             <a:schemeClr val="bg1">
                               <a:lumMod val="75000"/>
@@ -19276,7 +19955,7 @@
                         </a:spcAft>
                       </a:pPr>
                       <a:r>
-                        <a:rPr lang="en-US" sz="1050" b="1" kern="0" spc="0" dirty="0" smtClean="0">
+                        <a:rPr lang="en-US" sz="1050" b="1" kern="0" spc="0">
                           <a:solidFill>
                             <a:schemeClr val="bg1">
                               <a:lumMod val="75000"/>
@@ -19367,7 +20046,7 @@
                         </a:spcAft>
                       </a:pPr>
                       <a:r>
-                        <a:rPr lang="ko-KR" altLang="en-US" sz="1050" b="1" kern="0" spc="0" dirty="0" smtClean="0">
+                        <a:rPr lang="ko-KR" altLang="en-US" sz="1050" b="1" kern="0" spc="0">
                           <a:solidFill>
                             <a:schemeClr val="bg1">
                               <a:lumMod val="75000"/>
@@ -19464,7 +20143,7 @@
                         <a:defRPr/>
                       </a:pPr>
                       <a:r>
-                        <a:rPr lang="en-US" altLang="ko-KR" sz="1050" b="1" kern="0" spc="0" dirty="0" smtClean="0">
+                        <a:rPr lang="en-US" altLang="ko-KR" sz="1050" b="1" kern="0" spc="0">
                           <a:solidFill>
                             <a:schemeClr val="bg1">
                               <a:lumMod val="75000"/>
@@ -19477,6 +20156,17 @@
                         </a:rPr>
                         <a:t>X</a:t>
                       </a:r>
+                      <a:endParaRPr lang="en-US" altLang="ko-KR" sz="1050" b="1" kern="0" spc="0" dirty="0">
+                        <a:solidFill>
+                          <a:schemeClr val="bg1">
+                            <a:lumMod val="75000"/>
+                          </a:schemeClr>
+                        </a:solidFill>
+                        <a:effectLst/>
+                        <a:latin typeface="나눔바른고딕" panose="020B0603020101020101" pitchFamily="50" charset="-127"/>
+                        <a:ea typeface="나눔바른고딕" panose="020B0603020101020101" pitchFamily="50" charset="-127"/>
+                        <a:cs typeface="+mn-cs"/>
+                      </a:endParaRPr>
                     </a:p>
                   </a:txBody>
                   <a:tcPr marL="36000" marR="36000" marT="15709" marB="15709" anchor="ctr">
@@ -19544,7 +20234,7 @@
                         </a:spcAft>
                       </a:pPr>
                       <a:r>
-                        <a:rPr lang="en-US" altLang="ko-KR" sz="1050" b="1" kern="0" spc="0" dirty="0" smtClean="0">
+                        <a:rPr lang="en-US" altLang="ko-KR" sz="1050" b="1" kern="0" spc="0">
                           <a:solidFill>
                             <a:schemeClr val="bg1">
                               <a:lumMod val="75000"/>
@@ -19634,7 +20324,7 @@
                         </a:spcAft>
                       </a:pPr>
                       <a:r>
-                        <a:rPr lang="en-US" sz="1050" b="1" kern="0" spc="0" dirty="0" smtClean="0">
+                        <a:rPr lang="en-US" sz="1050" b="1" kern="0" spc="0">
                           <a:solidFill>
                             <a:schemeClr val="bg1">
                               <a:lumMod val="75000"/>
@@ -19725,7 +20415,7 @@
                         </a:spcAft>
                       </a:pPr>
                       <a:r>
-                        <a:rPr lang="ko-KR" altLang="en-US" sz="1000" b="1" kern="0" spc="0" dirty="0" smtClean="0">
+                        <a:rPr lang="ko-KR" altLang="en-US" sz="1000" b="1" kern="0" spc="0">
                           <a:solidFill>
                             <a:schemeClr val="bg1">
                               <a:lumMod val="75000"/>
@@ -19816,7 +20506,7 @@
                         </a:spcAft>
                       </a:pPr>
                       <a:r>
-                        <a:rPr lang="en-US" altLang="ko-KR" sz="1050" b="1" kern="0" spc="0" dirty="0" smtClean="0">
+                        <a:rPr lang="en-US" altLang="ko-KR" sz="1050" b="1" kern="0" spc="0">
                           <a:solidFill>
                             <a:schemeClr val="bg1">
                               <a:lumMod val="75000"/>
@@ -19890,6 +20580,11 @@
                     <a:noFill/>
                   </a:tcPr>
                 </a:tc>
+                <a:extLst>
+                  <a:ext uri="{0D108BD9-81ED-4DB2-BD59-A6C34878D82A}">
+                    <a16:rowId xmlns:a16="http://schemas.microsoft.com/office/drawing/2014/main" val="10020"/>
+                  </a:ext>
+                </a:extLst>
               </a:tr>
               <a:tr h="288000">
                 <a:tc>
@@ -19909,7 +20604,7 @@
                         </a:spcAft>
                       </a:pPr>
                       <a:r>
-                        <a:rPr lang="en-US" sz="1050" b="1" kern="0" spc="0" dirty="0" smtClean="0">
+                        <a:rPr lang="en-US" sz="1050" b="1" kern="0" spc="0">
                           <a:solidFill>
                             <a:schemeClr val="bg1">
                               <a:lumMod val="75000"/>
@@ -20000,7 +20695,7 @@
                         </a:spcAft>
                       </a:pPr>
                       <a:r>
-                        <a:rPr lang="ko-KR" altLang="en-US" sz="1050" b="1" kern="0" spc="0" dirty="0" smtClean="0">
+                        <a:rPr lang="ko-KR" altLang="en-US" sz="1050" b="1" kern="0" spc="0">
                           <a:solidFill>
                             <a:schemeClr val="bg1">
                               <a:lumMod val="75000"/>
@@ -20091,7 +20786,7 @@
                         </a:spcAft>
                       </a:pPr>
                       <a:r>
-                        <a:rPr lang="en-US" sz="1050" b="1" kern="0" spc="0" dirty="0" smtClean="0">
+                        <a:rPr lang="en-US" sz="1050" b="1" kern="0" spc="0">
                           <a:solidFill>
                             <a:schemeClr val="bg1">
                               <a:lumMod val="75000"/>
@@ -20182,7 +20877,7 @@
                         </a:spcAft>
                       </a:pPr>
                       <a:r>
-                        <a:rPr lang="ko-KR" altLang="en-US" sz="1050" b="1" kern="0" spc="0" dirty="0" smtClean="0">
+                        <a:rPr lang="ko-KR" altLang="en-US" sz="1050" b="1" kern="0" spc="0">
                           <a:solidFill>
                             <a:schemeClr val="bg1">
                               <a:lumMod val="75000"/>
@@ -20273,7 +20968,7 @@
                         </a:spcAft>
                       </a:pPr>
                       <a:r>
-                        <a:rPr lang="en-US" altLang="ko-KR" sz="1050" b="1" kern="0" spc="0" dirty="0" smtClean="0">
+                        <a:rPr lang="en-US" altLang="ko-KR" sz="1050" b="1" kern="0" spc="0">
                           <a:solidFill>
                             <a:schemeClr val="bg1">
                               <a:lumMod val="75000"/>
@@ -20364,7 +21059,7 @@
                         </a:spcAft>
                       </a:pPr>
                       <a:r>
-                        <a:rPr lang="en-US" altLang="ko-KR" sz="1050" b="1" kern="0" spc="0" dirty="0" smtClean="0">
+                        <a:rPr lang="en-US" altLang="ko-KR" sz="1050" b="1" kern="0" spc="0">
                           <a:solidFill>
                             <a:schemeClr val="bg1">
                               <a:lumMod val="75000"/>
@@ -20454,7 +21149,7 @@
                         </a:spcAft>
                       </a:pPr>
                       <a:r>
-                        <a:rPr lang="en-US" sz="1050" b="1" kern="0" spc="0" dirty="0" smtClean="0">
+                        <a:rPr lang="en-US" sz="1050" b="1" kern="0" spc="0">
                           <a:solidFill>
                             <a:schemeClr val="bg1">
                               <a:lumMod val="75000"/>
@@ -20545,7 +21240,7 @@
                         </a:spcAft>
                       </a:pPr>
                       <a:r>
-                        <a:rPr lang="ko-KR" altLang="en-US" sz="1000" b="1" kern="0" spc="0" dirty="0" smtClean="0">
+                        <a:rPr lang="ko-KR" altLang="en-US" sz="1000" b="1" kern="0" spc="0">
                           <a:solidFill>
                             <a:schemeClr val="bg1">
                               <a:lumMod val="75000"/>
@@ -20636,7 +21331,7 @@
                         </a:spcAft>
                       </a:pPr>
                       <a:r>
-                        <a:rPr lang="en-US" altLang="ko-KR" sz="1050" b="1" kern="0" spc="0" dirty="0" smtClean="0">
+                        <a:rPr lang="en-US" altLang="ko-KR" sz="1050" b="1" kern="0" spc="0">
                           <a:solidFill>
                             <a:schemeClr val="bg1">
                               <a:lumMod val="75000"/>
@@ -20710,6 +21405,11 @@
                     <a:noFill/>
                   </a:tcPr>
                 </a:tc>
+                <a:extLst>
+                  <a:ext uri="{0D108BD9-81ED-4DB2-BD59-A6C34878D82A}">
+                    <a16:rowId xmlns:a16="http://schemas.microsoft.com/office/drawing/2014/main" val="10021"/>
+                  </a:ext>
+                </a:extLst>
               </a:tr>
               <a:tr h="288000">
                 <a:tc>
@@ -20729,7 +21429,7 @@
                         </a:spcAft>
                       </a:pPr>
                       <a:r>
-                        <a:rPr lang="en-US" sz="1050" b="1" kern="0" spc="0" dirty="0" smtClean="0">
+                        <a:rPr lang="en-US" sz="1050" b="1" kern="0" spc="0">
                           <a:solidFill>
                             <a:schemeClr val="bg1">
                               <a:lumMod val="75000"/>
@@ -20820,7 +21520,7 @@
                         </a:spcAft>
                       </a:pPr>
                       <a:r>
-                        <a:rPr lang="ko-KR" altLang="en-US" sz="1050" b="1" kern="0" spc="0" dirty="0" smtClean="0">
+                        <a:rPr lang="ko-KR" altLang="en-US" sz="1050" b="1" kern="0" spc="0">
                           <a:solidFill>
                             <a:schemeClr val="bg1">
                               <a:lumMod val="75000"/>
@@ -20911,7 +21611,7 @@
                         </a:spcAft>
                       </a:pPr>
                       <a:r>
-                        <a:rPr lang="en-US" sz="1050" b="1" kern="0" spc="0" dirty="0" smtClean="0">
+                        <a:rPr lang="en-US" sz="1050" b="1" kern="0" spc="0">
                           <a:solidFill>
                             <a:schemeClr val="bg1">
                               <a:lumMod val="75000"/>
@@ -21002,7 +21702,7 @@
                         </a:spcAft>
                       </a:pPr>
                       <a:r>
-                        <a:rPr lang="ko-KR" altLang="en-US" sz="1050" b="1" kern="0" spc="0" dirty="0" smtClean="0">
+                        <a:rPr lang="ko-KR" altLang="en-US" sz="1050" b="1" kern="0" spc="0">
                           <a:solidFill>
                             <a:schemeClr val="bg1">
                               <a:lumMod val="75000"/>
@@ -21093,7 +21793,7 @@
                         </a:spcAft>
                       </a:pPr>
                       <a:r>
-                        <a:rPr lang="en-US" altLang="ko-KR" sz="1050" b="1" kern="0" spc="0" dirty="0" smtClean="0">
+                        <a:rPr lang="en-US" altLang="ko-KR" sz="1050" b="1" kern="0" spc="0" dirty="0">
                           <a:solidFill>
                             <a:schemeClr val="bg1">
                               <a:lumMod val="75000"/>
@@ -21106,17 +21806,6 @@
                         </a:rPr>
                         <a:t>X</a:t>
                       </a:r>
-                      <a:endParaRPr lang="en-US" altLang="ko-KR" sz="1050" b="1" kern="0" spc="0" dirty="0">
-                        <a:solidFill>
-                          <a:schemeClr val="bg1">
-                            <a:lumMod val="75000"/>
-                          </a:schemeClr>
-                        </a:solidFill>
-                        <a:effectLst/>
-                        <a:latin typeface="나눔바른고딕" panose="020B0603020101020101" pitchFamily="50" charset="-127"/>
-                        <a:ea typeface="나눔바른고딕" panose="020B0603020101020101" pitchFamily="50" charset="-127"/>
-                        <a:cs typeface="+mn-cs"/>
-                      </a:endParaRPr>
                     </a:p>
                   </a:txBody>
                   <a:tcPr marL="36000" marR="36000" marT="15709" marB="15709" anchor="ctr">
@@ -21184,7 +21873,7 @@
                         </a:spcAft>
                       </a:pPr>
                       <a:r>
-                        <a:rPr lang="en-US" altLang="ko-KR" sz="1050" b="1" kern="0" spc="0" dirty="0" smtClean="0">
+                        <a:rPr lang="en-US" altLang="ko-KR" sz="1050" b="1" kern="0" spc="0" dirty="0">
                           <a:solidFill>
                             <a:schemeClr val="bg1">
                               <a:lumMod val="75000"/>
@@ -21274,7 +21963,7 @@
                         </a:spcAft>
                       </a:pPr>
                       <a:r>
-                        <a:rPr lang="en-US" sz="1050" b="1" kern="0" spc="0" dirty="0" smtClean="0">
+                        <a:rPr lang="en-US" sz="1050" b="1" kern="0" spc="0">
                           <a:solidFill>
                             <a:schemeClr val="bg1">
                               <a:lumMod val="75000"/>
@@ -21365,7 +22054,7 @@
                         </a:spcAft>
                       </a:pPr>
                       <a:r>
-                        <a:rPr lang="ko-KR" altLang="en-US" sz="1000" b="1" kern="0" spc="0" dirty="0" err="1" smtClean="0">
+                        <a:rPr lang="ko-KR" altLang="en-US" sz="1000" b="1" kern="0" spc="0">
                           <a:solidFill>
                             <a:schemeClr val="bg1">
                               <a:lumMod val="75000"/>
@@ -21456,7 +22145,7 @@
                         </a:spcAft>
                       </a:pPr>
                       <a:r>
-                        <a:rPr lang="en-US" altLang="ko-KR" sz="1050" b="1" kern="0" spc="0" dirty="0" smtClean="0">
+                        <a:rPr lang="en-US" altLang="ko-KR" sz="1050" b="1" kern="0" spc="0">
                           <a:solidFill>
                             <a:schemeClr val="bg1">
                               <a:lumMod val="75000"/>
@@ -21530,6 +22219,11 @@
                     <a:noFill/>
                   </a:tcPr>
                 </a:tc>
+                <a:extLst>
+                  <a:ext uri="{0D108BD9-81ED-4DB2-BD59-A6C34878D82A}">
+                    <a16:rowId xmlns:a16="http://schemas.microsoft.com/office/drawing/2014/main" val="10022"/>
+                  </a:ext>
+                </a:extLst>
               </a:tr>
               <a:tr h="288000">
                 <a:tc>
@@ -21549,7 +22243,7 @@
                         </a:spcAft>
                       </a:pPr>
                       <a:r>
-                        <a:rPr lang="en-US" sz="1050" b="1" kern="0" spc="0" dirty="0" smtClean="0">
+                        <a:rPr lang="en-US" sz="1050" b="1" kern="0" spc="0">
                           <a:solidFill>
                             <a:schemeClr val="bg1">
                               <a:lumMod val="75000"/>
@@ -21640,7 +22334,7 @@
                         </a:spcAft>
                       </a:pPr>
                       <a:r>
-                        <a:rPr lang="ko-KR" altLang="en-US" sz="1050" b="1" kern="0" spc="0" dirty="0" smtClean="0">
+                        <a:rPr lang="ko-KR" altLang="en-US" sz="1050" b="1" kern="0" spc="0">
                           <a:solidFill>
                             <a:schemeClr val="bg1">
                               <a:lumMod val="75000"/>
@@ -21731,7 +22425,7 @@
                         </a:spcAft>
                       </a:pPr>
                       <a:r>
-                        <a:rPr lang="en-US" sz="1050" b="1" kern="0" spc="0" dirty="0" smtClean="0">
+                        <a:rPr lang="en-US" sz="1050" b="1" kern="0" spc="0">
                           <a:solidFill>
                             <a:schemeClr val="bg1">
                               <a:lumMod val="75000"/>
@@ -21822,7 +22516,7 @@
                         </a:spcAft>
                       </a:pPr>
                       <a:r>
-                        <a:rPr lang="ko-KR" altLang="en-US" sz="1050" b="1" kern="0" spc="0" dirty="0" smtClean="0">
+                        <a:rPr lang="ko-KR" altLang="en-US" sz="1050" b="1" kern="0" spc="0">
                           <a:solidFill>
                             <a:schemeClr val="bg1">
                               <a:lumMod val="75000"/>
@@ -21918,7 +22612,7 @@
                         <a:defRPr/>
                       </a:pPr>
                       <a:r>
-                        <a:rPr lang="en-US" altLang="ko-KR" sz="1050" b="1" kern="0" spc="0" dirty="0" smtClean="0">
+                        <a:rPr lang="en-US" altLang="ko-KR" sz="1050" b="1" kern="0" spc="0">
                           <a:solidFill>
                             <a:schemeClr val="bg1">
                               <a:lumMod val="75000"/>
@@ -21931,6 +22625,17 @@
                         </a:rPr>
                         <a:t>O</a:t>
                       </a:r>
+                      <a:endParaRPr lang="en-US" altLang="ko-KR" sz="1050" b="1" kern="0" spc="0" dirty="0">
+                        <a:solidFill>
+                          <a:schemeClr val="bg1">
+                            <a:lumMod val="75000"/>
+                          </a:schemeClr>
+                        </a:solidFill>
+                        <a:effectLst/>
+                        <a:latin typeface="나눔바른고딕" panose="020B0603020101020101" pitchFamily="50" charset="-127"/>
+                        <a:ea typeface="나눔바른고딕" panose="020B0603020101020101" pitchFamily="50" charset="-127"/>
+                        <a:cs typeface="+mn-cs"/>
+                      </a:endParaRPr>
                     </a:p>
                   </a:txBody>
                   <a:tcPr marL="36000" marR="36000" marT="15709" marB="15709" anchor="ctr">
@@ -21998,7 +22703,7 @@
                         </a:spcAft>
                       </a:pPr>
                       <a:r>
-                        <a:rPr lang="en-US" sz="1050" b="1" kern="0" spc="0" dirty="0" smtClean="0">
+                        <a:rPr lang="en-US" sz="1050" b="1" kern="0" spc="0">
                           <a:solidFill>
                             <a:schemeClr val="bg1">
                               <a:lumMod val="75000"/>
@@ -22089,7 +22794,7 @@
                         </a:spcAft>
                       </a:pPr>
                       <a:r>
-                        <a:rPr lang="en-US" sz="1050" b="1" kern="0" spc="0" dirty="0" smtClean="0">
+                        <a:rPr lang="en-US" sz="1050" b="1" kern="0" spc="0">
                           <a:solidFill>
                             <a:schemeClr val="bg1">
                               <a:lumMod val="75000"/>
@@ -22180,7 +22885,7 @@
                         </a:spcAft>
                       </a:pPr>
                       <a:r>
-                        <a:rPr lang="ko-KR" altLang="en-US" sz="1000" b="1" kern="0" spc="0" dirty="0" smtClean="0">
+                        <a:rPr lang="ko-KR" altLang="en-US" sz="1000" b="1" kern="0" spc="0">
                           <a:solidFill>
                             <a:schemeClr val="bg1">
                               <a:lumMod val="75000"/>
@@ -22271,7 +22976,7 @@
                         </a:spcAft>
                       </a:pPr>
                       <a:r>
-                        <a:rPr lang="ko-KR" altLang="en-US" sz="1050" b="1" kern="0" spc="0" dirty="0" err="1" smtClean="0">
+                        <a:rPr lang="ko-KR" altLang="en-US" sz="1050" b="1" kern="0" spc="0">
                           <a:solidFill>
                             <a:schemeClr val="bg1">
                               <a:lumMod val="75000"/>
@@ -22345,6 +23050,11 @@
                     <a:noFill/>
                   </a:tcPr>
                 </a:tc>
+                <a:extLst>
+                  <a:ext uri="{0D108BD9-81ED-4DB2-BD59-A6C34878D82A}">
+                    <a16:rowId xmlns:a16="http://schemas.microsoft.com/office/drawing/2014/main" val="10023"/>
+                  </a:ext>
+                </a:extLst>
               </a:tr>
               <a:tr h="288000">
                 <a:tc>
@@ -22364,7 +23074,7 @@
                         </a:spcAft>
                       </a:pPr>
                       <a:r>
-                        <a:rPr lang="en-US" sz="1050" b="1" kern="0" spc="0" dirty="0" smtClean="0">
+                        <a:rPr lang="en-US" sz="1050" b="1" kern="0" spc="0">
                           <a:solidFill>
                             <a:schemeClr val="bg1">
                               <a:lumMod val="75000"/>
@@ -22455,7 +23165,7 @@
                         </a:spcAft>
                       </a:pPr>
                       <a:r>
-                        <a:rPr lang="ko-KR" altLang="en-US" sz="1050" b="1" kern="0" spc="0" dirty="0" smtClean="0">
+                        <a:rPr lang="ko-KR" altLang="en-US" sz="1050" b="1" kern="0" spc="0">
                           <a:solidFill>
                             <a:schemeClr val="bg1">
                               <a:lumMod val="75000"/>
@@ -22546,7 +23256,7 @@
                         </a:spcAft>
                       </a:pPr>
                       <a:r>
-                        <a:rPr lang="en-US" sz="1050" b="1" kern="0" spc="0" dirty="0" smtClean="0">
+                        <a:rPr lang="en-US" sz="1050" b="1" kern="0" spc="0">
                           <a:solidFill>
                             <a:schemeClr val="bg1">
                               <a:lumMod val="75000"/>
@@ -22637,7 +23347,7 @@
                         </a:spcAft>
                       </a:pPr>
                       <a:r>
-                        <a:rPr lang="ko-KR" altLang="en-US" sz="1050" b="1" kern="0" spc="0" dirty="0" smtClean="0">
+                        <a:rPr lang="ko-KR" altLang="en-US" sz="1050" b="1" kern="0" spc="0">
                           <a:solidFill>
                             <a:schemeClr val="bg1">
                               <a:lumMod val="75000"/>
@@ -22734,7 +23444,7 @@
                         <a:defRPr/>
                       </a:pPr>
                       <a:r>
-                        <a:rPr lang="en-US" altLang="ko-KR" sz="1050" b="1" kern="0" spc="0" dirty="0" smtClean="0">
+                        <a:rPr lang="en-US" altLang="ko-KR" sz="1050" b="1" kern="0" spc="0">
                           <a:solidFill>
                             <a:schemeClr val="bg1">
                               <a:lumMod val="75000"/>
@@ -22747,6 +23457,17 @@
                         </a:rPr>
                         <a:t>O</a:t>
                       </a:r>
+                      <a:endParaRPr lang="en-US" altLang="ko-KR" sz="1050" b="1" kern="0" spc="0" dirty="0">
+                        <a:solidFill>
+                          <a:schemeClr val="bg1">
+                            <a:lumMod val="75000"/>
+                          </a:schemeClr>
+                        </a:solidFill>
+                        <a:effectLst/>
+                        <a:latin typeface="나눔바른고딕" panose="020B0603020101020101" pitchFamily="50" charset="-127"/>
+                        <a:ea typeface="나눔바른고딕" panose="020B0603020101020101" pitchFamily="50" charset="-127"/>
+                        <a:cs typeface="+mn-cs"/>
+                      </a:endParaRPr>
                     </a:p>
                   </a:txBody>
                   <a:tcPr marL="36000" marR="36000" marT="15709" marB="15709" anchor="ctr">
@@ -22814,7 +23535,7 @@
                         </a:spcAft>
                       </a:pPr>
                       <a:r>
-                        <a:rPr lang="en-US" sz="1050" b="1" kern="0" spc="0" dirty="0" smtClean="0">
+                        <a:rPr lang="en-US" sz="1050" b="1" kern="0" spc="0">
                           <a:solidFill>
                             <a:schemeClr val="bg1">
                               <a:lumMod val="75000"/>
@@ -22905,7 +23626,7 @@
                         </a:spcAft>
                       </a:pPr>
                       <a:r>
-                        <a:rPr lang="en-US" sz="1050" b="1" kern="0" spc="0" dirty="0" smtClean="0">
+                        <a:rPr lang="en-US" sz="1050" b="1" kern="0" spc="0">
                           <a:solidFill>
                             <a:schemeClr val="bg1">
                               <a:lumMod val="75000"/>
@@ -23002,7 +23723,7 @@
                         <a:defRPr/>
                       </a:pPr>
                       <a:r>
-                        <a:rPr lang="ko-KR" altLang="en-US" sz="1000" b="1" kern="0" spc="0" dirty="0" smtClean="0">
+                        <a:rPr lang="ko-KR" altLang="en-US" sz="1000" b="1" kern="0" spc="0">
                           <a:solidFill>
                             <a:schemeClr val="bg1">
                               <a:lumMod val="75000"/>
@@ -23015,6 +23736,17 @@
                         </a:rPr>
                         <a:t>국립중앙의료원</a:t>
                       </a:r>
+                      <a:endParaRPr lang="ko-KR" altLang="en-US" sz="1000" b="1" kern="0" spc="0" dirty="0">
+                        <a:solidFill>
+                          <a:schemeClr val="bg1">
+                            <a:lumMod val="75000"/>
+                          </a:schemeClr>
+                        </a:solidFill>
+                        <a:effectLst/>
+                        <a:latin typeface="나눔바른고딕" panose="020B0603020101020101" pitchFamily="50" charset="-127"/>
+                        <a:ea typeface="나눔바른고딕" panose="020B0603020101020101" pitchFamily="50" charset="-127"/>
+                        <a:cs typeface="+mn-cs"/>
+                      </a:endParaRPr>
                     </a:p>
                   </a:txBody>
                   <a:tcPr marL="36000" marR="36000" marT="15709" marB="15709" anchor="ctr">
@@ -23082,7 +23814,7 @@
                         </a:spcAft>
                       </a:pPr>
                       <a:r>
-                        <a:rPr lang="en-US" altLang="ko-KR" sz="1050" b="1" kern="0" spc="0" dirty="0" smtClean="0">
+                        <a:rPr lang="en-US" altLang="ko-KR" sz="1050" b="1" kern="0" spc="0">
                           <a:solidFill>
                             <a:schemeClr val="bg1">
                               <a:lumMod val="75000"/>
@@ -23156,6 +23888,827 @@
                     <a:noFill/>
                   </a:tcPr>
                 </a:tc>
+                <a:extLst>
+                  <a:ext uri="{0D108BD9-81ED-4DB2-BD59-A6C34878D82A}">
+                    <a16:rowId xmlns:a16="http://schemas.microsoft.com/office/drawing/2014/main" val="10024"/>
+                  </a:ext>
+                </a:extLst>
+              </a:tr>
+              <a:tr h="288000">
+                <a:tc>
+                  <a:txBody>
+                    <a:bodyPr/>
+                    <a:lstStyle/>
+                    <a:p>
+                      <a:pPr marL="0" marR="0" indent="0" algn="ctr" fontAlgn="base" latinLnBrk="0">
+                        <a:lnSpc>
+                          <a:spcPct val="100000"/>
+                        </a:lnSpc>
+                        <a:spcBef>
+                          <a:spcPts val="0"/>
+                        </a:spcBef>
+                        <a:spcAft>
+                          <a:spcPts val="0"/>
+                        </a:spcAft>
+                      </a:pPr>
+                      <a:r>
+                        <a:rPr lang="en-US" sz="1050" b="1" kern="0" spc="0">
+                          <a:solidFill>
+                            <a:schemeClr val="bg1">
+                              <a:lumMod val="75000"/>
+                            </a:schemeClr>
+                          </a:solidFill>
+                          <a:effectLst/>
+                          <a:latin typeface="나눔바른고딕" panose="020B0603020101020101" pitchFamily="50" charset="-127"/>
+                          <a:ea typeface="나눔바른고딕" panose="020B0603020101020101" pitchFamily="50" charset="-127"/>
+                          <a:cs typeface="+mn-cs"/>
+                        </a:rPr>
+                        <a:t>25</a:t>
+                      </a:r>
+                      <a:endParaRPr lang="en-US" sz="1050" b="1" kern="0" spc="0" dirty="0">
+                        <a:solidFill>
+                          <a:schemeClr val="bg1">
+                            <a:lumMod val="75000"/>
+                          </a:schemeClr>
+                        </a:solidFill>
+                        <a:effectLst/>
+                        <a:latin typeface="나눔바른고딕" panose="020B0603020101020101" pitchFamily="50" charset="-127"/>
+                        <a:ea typeface="나눔바른고딕" panose="020B0603020101020101" pitchFamily="50" charset="-127"/>
+                        <a:cs typeface="+mn-cs"/>
+                      </a:endParaRPr>
+                    </a:p>
+                  </a:txBody>
+                  <a:tcPr marL="36000" marR="36000" marT="15709" marB="15709" anchor="ctr">
+                    <a:lnL w="12700" cap="flat" cmpd="sng" algn="ctr">
+                      <a:solidFill>
+                        <a:schemeClr val="bg1">
+                          <a:lumMod val="50000"/>
+                        </a:schemeClr>
+                      </a:solidFill>
+                      <a:prstDash val="solid"/>
+                      <a:round/>
+                      <a:headEnd type="none" w="med" len="med"/>
+                      <a:tailEnd type="none" w="med" len="med"/>
+                    </a:lnL>
+                    <a:lnR w="12700" cap="flat" cmpd="sng" algn="ctr">
+                      <a:solidFill>
+                        <a:schemeClr val="bg1">
+                          <a:lumMod val="50000"/>
+                        </a:schemeClr>
+                      </a:solidFill>
+                      <a:prstDash val="solid"/>
+                      <a:round/>
+                      <a:headEnd type="none" w="med" len="med"/>
+                      <a:tailEnd type="none" w="med" len="med"/>
+                    </a:lnR>
+                    <a:lnT w="12700" cap="flat" cmpd="sng" algn="ctr">
+                      <a:solidFill>
+                        <a:schemeClr val="bg1">
+                          <a:lumMod val="50000"/>
+                        </a:schemeClr>
+                      </a:solidFill>
+                      <a:prstDash val="solid"/>
+                      <a:round/>
+                      <a:headEnd type="none" w="med" len="med"/>
+                      <a:tailEnd type="none" w="med" len="med"/>
+                    </a:lnT>
+                    <a:lnB w="12700" cap="flat" cmpd="sng" algn="ctr">
+                      <a:solidFill>
+                        <a:schemeClr val="bg1">
+                          <a:lumMod val="50000"/>
+                        </a:schemeClr>
+                      </a:solidFill>
+                      <a:prstDash val="solid"/>
+                      <a:round/>
+                      <a:headEnd type="none" w="med" len="med"/>
+                      <a:tailEnd type="none" w="med" len="med"/>
+                    </a:lnB>
+                    <a:noFill/>
+                  </a:tcPr>
+                </a:tc>
+                <a:tc>
+                  <a:txBody>
+                    <a:bodyPr/>
+                    <a:lstStyle/>
+                    <a:p>
+                      <a:pPr marL="0" marR="0" indent="0" algn="ctr" fontAlgn="base" latinLnBrk="0">
+                        <a:lnSpc>
+                          <a:spcPct val="100000"/>
+                        </a:lnSpc>
+                        <a:spcBef>
+                          <a:spcPts val="0"/>
+                        </a:spcBef>
+                        <a:spcAft>
+                          <a:spcPts val="0"/>
+                        </a:spcAft>
+                      </a:pPr>
+                      <a:r>
+                        <a:rPr lang="ko-KR" altLang="en-US" sz="1050" b="1" kern="0" spc="0">
+                          <a:solidFill>
+                            <a:schemeClr val="bg1">
+                              <a:lumMod val="75000"/>
+                            </a:schemeClr>
+                          </a:solidFill>
+                          <a:effectLst/>
+                          <a:latin typeface="나눔바른고딕" panose="020B0603020101020101" pitchFamily="50" charset="-127"/>
+                          <a:ea typeface="나눔바른고딕" panose="020B0603020101020101" pitchFamily="50" charset="-127"/>
+                          <a:cs typeface="+mn-cs"/>
+                        </a:rPr>
+                        <a:t>여</a:t>
+                      </a:r>
+                      <a:endParaRPr lang="ko-KR" altLang="en-US" sz="1050" b="1" kern="0" spc="0" dirty="0">
+                        <a:solidFill>
+                          <a:schemeClr val="bg1">
+                            <a:lumMod val="75000"/>
+                          </a:schemeClr>
+                        </a:solidFill>
+                        <a:effectLst/>
+                        <a:latin typeface="나눔바른고딕" panose="020B0603020101020101" pitchFamily="50" charset="-127"/>
+                        <a:ea typeface="나눔바른고딕" panose="020B0603020101020101" pitchFamily="50" charset="-127"/>
+                        <a:cs typeface="+mn-cs"/>
+                      </a:endParaRPr>
+                    </a:p>
+                  </a:txBody>
+                  <a:tcPr marL="36000" marR="36000" marT="15709" marB="15709" anchor="ctr">
+                    <a:lnL w="12700" cap="flat" cmpd="sng" algn="ctr">
+                      <a:solidFill>
+                        <a:schemeClr val="bg1">
+                          <a:lumMod val="50000"/>
+                        </a:schemeClr>
+                      </a:solidFill>
+                      <a:prstDash val="solid"/>
+                      <a:round/>
+                      <a:headEnd type="none" w="med" len="med"/>
+                      <a:tailEnd type="none" w="med" len="med"/>
+                    </a:lnL>
+                    <a:lnR w="12700" cap="flat" cmpd="sng" algn="ctr">
+                      <a:solidFill>
+                        <a:schemeClr val="bg1">
+                          <a:lumMod val="50000"/>
+                        </a:schemeClr>
+                      </a:solidFill>
+                      <a:prstDash val="solid"/>
+                      <a:round/>
+                      <a:headEnd type="none" w="med" len="med"/>
+                      <a:tailEnd type="none" w="med" len="med"/>
+                    </a:lnR>
+                    <a:lnT w="12700" cap="flat" cmpd="sng" algn="ctr">
+                      <a:solidFill>
+                        <a:schemeClr val="bg1">
+                          <a:lumMod val="50000"/>
+                        </a:schemeClr>
+                      </a:solidFill>
+                      <a:prstDash val="solid"/>
+                      <a:round/>
+                      <a:headEnd type="none" w="med" len="med"/>
+                      <a:tailEnd type="none" w="med" len="med"/>
+                    </a:lnT>
+                    <a:lnB w="12700" cap="flat" cmpd="sng" algn="ctr">
+                      <a:solidFill>
+                        <a:schemeClr val="bg1">
+                          <a:lumMod val="50000"/>
+                        </a:schemeClr>
+                      </a:solidFill>
+                      <a:prstDash val="solid"/>
+                      <a:round/>
+                      <a:headEnd type="none" w="med" len="med"/>
+                      <a:tailEnd type="none" w="med" len="med"/>
+                    </a:lnB>
+                    <a:noFill/>
+                  </a:tcPr>
+                </a:tc>
+                <a:tc>
+                  <a:txBody>
+                    <a:bodyPr/>
+                    <a:lstStyle/>
+                    <a:p>
+                      <a:pPr marL="0" marR="0" indent="0" algn="ctr" fontAlgn="base" latinLnBrk="0">
+                        <a:lnSpc>
+                          <a:spcPct val="100000"/>
+                        </a:lnSpc>
+                        <a:spcBef>
+                          <a:spcPts val="0"/>
+                        </a:spcBef>
+                        <a:spcAft>
+                          <a:spcPts val="0"/>
+                        </a:spcAft>
+                      </a:pPr>
+                      <a:r>
+                        <a:rPr lang="en-US" sz="1050" b="1" kern="0" spc="0">
+                          <a:solidFill>
+                            <a:schemeClr val="bg1">
+                              <a:lumMod val="75000"/>
+                            </a:schemeClr>
+                          </a:solidFill>
+                          <a:effectLst/>
+                          <a:latin typeface="나눔바른고딕" panose="020B0603020101020101" pitchFamily="50" charset="-127"/>
+                          <a:ea typeface="나눔바른고딕" panose="020B0603020101020101" pitchFamily="50" charset="-127"/>
+                          <a:cs typeface="+mn-cs"/>
+                        </a:rPr>
+                        <a:t>73</a:t>
+                      </a:r>
+                      <a:endParaRPr lang="en-US" sz="1050" b="1" kern="0" spc="0" dirty="0">
+                        <a:solidFill>
+                          <a:schemeClr val="bg1">
+                            <a:lumMod val="75000"/>
+                          </a:schemeClr>
+                        </a:solidFill>
+                        <a:effectLst/>
+                        <a:latin typeface="나눔바른고딕" panose="020B0603020101020101" pitchFamily="50" charset="-127"/>
+                        <a:ea typeface="나눔바른고딕" panose="020B0603020101020101" pitchFamily="50" charset="-127"/>
+                        <a:cs typeface="+mn-cs"/>
+                      </a:endParaRPr>
+                    </a:p>
+                  </a:txBody>
+                  <a:tcPr marL="36000" marR="36000" marT="15709" marB="15709" anchor="ctr">
+                    <a:lnL w="12700" cap="flat" cmpd="sng" algn="ctr">
+                      <a:solidFill>
+                        <a:schemeClr val="bg1">
+                          <a:lumMod val="50000"/>
+                        </a:schemeClr>
+                      </a:solidFill>
+                      <a:prstDash val="solid"/>
+                      <a:round/>
+                      <a:headEnd type="none" w="med" len="med"/>
+                      <a:tailEnd type="none" w="med" len="med"/>
+                    </a:lnL>
+                    <a:lnR w="12700" cap="flat" cmpd="sng" algn="ctr">
+                      <a:solidFill>
+                        <a:schemeClr val="bg1">
+                          <a:lumMod val="50000"/>
+                        </a:schemeClr>
+                      </a:solidFill>
+                      <a:prstDash val="solid"/>
+                      <a:round/>
+                      <a:headEnd type="none" w="med" len="med"/>
+                      <a:tailEnd type="none" w="med" len="med"/>
+                    </a:lnR>
+                    <a:lnT w="12700" cap="flat" cmpd="sng" algn="ctr">
+                      <a:solidFill>
+                        <a:schemeClr val="bg1">
+                          <a:lumMod val="50000"/>
+                        </a:schemeClr>
+                      </a:solidFill>
+                      <a:prstDash val="solid"/>
+                      <a:round/>
+                      <a:headEnd type="none" w="med" len="med"/>
+                      <a:tailEnd type="none" w="med" len="med"/>
+                    </a:lnT>
+                    <a:lnB w="12700" cap="flat" cmpd="sng" algn="ctr">
+                      <a:solidFill>
+                        <a:schemeClr val="bg1">
+                          <a:lumMod val="50000"/>
+                        </a:schemeClr>
+                      </a:solidFill>
+                      <a:prstDash val="solid"/>
+                      <a:round/>
+                      <a:headEnd type="none" w="med" len="med"/>
+                      <a:tailEnd type="none" w="med" len="med"/>
+                    </a:lnB>
+                    <a:noFill/>
+                  </a:tcPr>
+                </a:tc>
+                <a:tc>
+                  <a:txBody>
+                    <a:bodyPr/>
+                    <a:lstStyle/>
+                    <a:p>
+                      <a:pPr marL="0" marR="0" indent="0" algn="ctr" fontAlgn="base" latinLnBrk="0">
+                        <a:lnSpc>
+                          <a:spcPct val="100000"/>
+                        </a:lnSpc>
+                        <a:spcBef>
+                          <a:spcPts val="0"/>
+                        </a:spcBef>
+                        <a:spcAft>
+                          <a:spcPts val="0"/>
+                        </a:spcAft>
+                      </a:pPr>
+                      <a:r>
+                        <a:rPr lang="ko-KR" altLang="en-US" sz="1050" b="1" kern="0" spc="0">
+                          <a:solidFill>
+                            <a:schemeClr val="bg1">
+                              <a:lumMod val="75000"/>
+                            </a:schemeClr>
+                          </a:solidFill>
+                          <a:effectLst/>
+                          <a:latin typeface="나눔바른고딕" panose="020B0603020101020101" pitchFamily="50" charset="-127"/>
+                          <a:ea typeface="나눔바른고딕" panose="020B0603020101020101" pitchFamily="50" charset="-127"/>
+                          <a:cs typeface="+mn-cs"/>
+                        </a:rPr>
+                        <a:t>한국</a:t>
+                      </a:r>
+                      <a:endParaRPr lang="ko-KR" altLang="en-US" sz="1050" b="1" kern="0" spc="0" dirty="0">
+                        <a:solidFill>
+                          <a:schemeClr val="bg1">
+                            <a:lumMod val="75000"/>
+                          </a:schemeClr>
+                        </a:solidFill>
+                        <a:effectLst/>
+                        <a:latin typeface="나눔바른고딕" panose="020B0603020101020101" pitchFamily="50" charset="-127"/>
+                        <a:ea typeface="나눔바른고딕" panose="020B0603020101020101" pitchFamily="50" charset="-127"/>
+                        <a:cs typeface="+mn-cs"/>
+                      </a:endParaRPr>
+                    </a:p>
+                  </a:txBody>
+                  <a:tcPr marL="36000" marR="36000" marT="15709" marB="15709" anchor="ctr">
+                    <a:lnL w="12700" cap="flat" cmpd="sng" algn="ctr">
+                      <a:solidFill>
+                        <a:schemeClr val="bg1">
+                          <a:lumMod val="50000"/>
+                        </a:schemeClr>
+                      </a:solidFill>
+                      <a:prstDash val="solid"/>
+                      <a:round/>
+                      <a:headEnd type="none" w="med" len="med"/>
+                      <a:tailEnd type="none" w="med" len="med"/>
+                    </a:lnL>
+                    <a:lnR w="12700" cap="flat" cmpd="sng" algn="ctr">
+                      <a:solidFill>
+                        <a:schemeClr val="bg1">
+                          <a:lumMod val="50000"/>
+                        </a:schemeClr>
+                      </a:solidFill>
+                      <a:prstDash val="solid"/>
+                      <a:round/>
+                      <a:headEnd type="none" w="med" len="med"/>
+                      <a:tailEnd type="none" w="med" len="med"/>
+                    </a:lnR>
+                    <a:lnT w="12700" cap="flat" cmpd="sng" algn="ctr">
+                      <a:solidFill>
+                        <a:schemeClr val="bg1">
+                          <a:lumMod val="50000"/>
+                        </a:schemeClr>
+                      </a:solidFill>
+                      <a:prstDash val="solid"/>
+                      <a:round/>
+                      <a:headEnd type="none" w="med" len="med"/>
+                      <a:tailEnd type="none" w="med" len="med"/>
+                    </a:lnT>
+                    <a:lnB w="12700" cap="flat" cmpd="sng" algn="ctr">
+                      <a:solidFill>
+                        <a:schemeClr val="bg1">
+                          <a:lumMod val="50000"/>
+                        </a:schemeClr>
+                      </a:solidFill>
+                      <a:prstDash val="solid"/>
+                      <a:round/>
+                      <a:headEnd type="none" w="med" len="med"/>
+                      <a:tailEnd type="none" w="med" len="med"/>
+                    </a:lnB>
+                    <a:noFill/>
+                  </a:tcPr>
+                </a:tc>
+                <a:tc>
+                  <a:txBody>
+                    <a:bodyPr/>
+                    <a:lstStyle/>
+                    <a:p>
+                      <a:pPr marL="0" marR="0" indent="0" algn="ctr" defTabSz="914400" rtl="0" eaLnBrk="1" fontAlgn="base" latinLnBrk="0" hangingPunct="1">
+                        <a:lnSpc>
+                          <a:spcPct val="100000"/>
+                        </a:lnSpc>
+                        <a:spcBef>
+                          <a:spcPts val="0"/>
+                        </a:spcBef>
+                        <a:spcAft>
+                          <a:spcPts val="0"/>
+                        </a:spcAft>
+                        <a:buClrTx/>
+                        <a:buSzTx/>
+                        <a:buFontTx/>
+                        <a:buNone/>
+                        <a:tabLst/>
+                        <a:defRPr/>
+                      </a:pPr>
+                      <a:r>
+                        <a:rPr lang="en-US" altLang="ko-KR" sz="1050" b="1" kern="0" spc="0" dirty="0">
+                          <a:solidFill>
+                            <a:schemeClr val="bg1">
+                              <a:lumMod val="75000"/>
+                            </a:schemeClr>
+                          </a:solidFill>
+                          <a:effectLst/>
+                          <a:latin typeface="나눔바른고딕" panose="020B0603020101020101" pitchFamily="50" charset="-127"/>
+                          <a:ea typeface="나눔바른고딕" panose="020B0603020101020101" pitchFamily="50" charset="-127"/>
+                          <a:cs typeface="+mn-cs"/>
+                        </a:rPr>
+                        <a:t>X</a:t>
+                      </a:r>
+                    </a:p>
+                  </a:txBody>
+                  <a:tcPr marL="36000" marR="36000" marT="15709" marB="15709" anchor="ctr">
+                    <a:lnL w="12700" cap="flat" cmpd="sng" algn="ctr">
+                      <a:solidFill>
+                        <a:schemeClr val="bg1">
+                          <a:lumMod val="50000"/>
+                        </a:schemeClr>
+                      </a:solidFill>
+                      <a:prstDash val="solid"/>
+                      <a:round/>
+                      <a:headEnd type="none" w="med" len="med"/>
+                      <a:tailEnd type="none" w="med" len="med"/>
+                    </a:lnL>
+                    <a:lnR w="12700" cap="flat" cmpd="sng" algn="ctr">
+                      <a:solidFill>
+                        <a:schemeClr val="bg1">
+                          <a:lumMod val="50000"/>
+                        </a:schemeClr>
+                      </a:solidFill>
+                      <a:prstDash val="solid"/>
+                      <a:round/>
+                      <a:headEnd type="none" w="med" len="med"/>
+                      <a:tailEnd type="none" w="med" len="med"/>
+                    </a:lnR>
+                    <a:lnT w="12700" cap="flat" cmpd="sng" algn="ctr">
+                      <a:solidFill>
+                        <a:schemeClr val="bg1">
+                          <a:lumMod val="50000"/>
+                        </a:schemeClr>
+                      </a:solidFill>
+                      <a:prstDash val="solid"/>
+                      <a:round/>
+                      <a:headEnd type="none" w="med" len="med"/>
+                      <a:tailEnd type="none" w="med" len="med"/>
+                    </a:lnT>
+                    <a:lnB w="12700" cap="flat" cmpd="sng" algn="ctr">
+                      <a:solidFill>
+                        <a:schemeClr val="bg1">
+                          <a:lumMod val="50000"/>
+                        </a:schemeClr>
+                      </a:solidFill>
+                      <a:prstDash val="solid"/>
+                      <a:round/>
+                      <a:headEnd type="none" w="med" len="med"/>
+                      <a:tailEnd type="none" w="med" len="med"/>
+                    </a:lnB>
+                    <a:noFill/>
+                  </a:tcPr>
+                </a:tc>
+                <a:tc>
+                  <a:txBody>
+                    <a:bodyPr/>
+                    <a:lstStyle/>
+                    <a:p>
+                      <a:pPr marL="0" marR="0" indent="0" algn="ctr" fontAlgn="base" latinLnBrk="0">
+                        <a:lnSpc>
+                          <a:spcPct val="100000"/>
+                        </a:lnSpc>
+                        <a:spcBef>
+                          <a:spcPts val="0"/>
+                        </a:spcBef>
+                        <a:spcAft>
+                          <a:spcPts val="0"/>
+                        </a:spcAft>
+                      </a:pPr>
+                      <a:r>
+                        <a:rPr lang="en-US" sz="1050" b="1" kern="0" spc="0" dirty="0">
+                          <a:solidFill>
+                            <a:schemeClr val="bg1">
+                              <a:lumMod val="75000"/>
+                            </a:schemeClr>
+                          </a:solidFill>
+                          <a:effectLst/>
+                          <a:latin typeface="나눔바른고딕" panose="020B0603020101020101" pitchFamily="50" charset="-127"/>
+                          <a:ea typeface="나눔바른고딕" panose="020B0603020101020101" pitchFamily="50" charset="-127"/>
+                          <a:cs typeface="+mn-cs"/>
+                        </a:rPr>
+                        <a:t>-</a:t>
+                      </a:r>
+                    </a:p>
+                  </a:txBody>
+                  <a:tcPr marL="36000" marR="36000" marT="15709" marB="15709" anchor="ctr">
+                    <a:lnL w="12700" cap="flat" cmpd="sng" algn="ctr">
+                      <a:solidFill>
+                        <a:schemeClr val="bg1">
+                          <a:lumMod val="50000"/>
+                        </a:schemeClr>
+                      </a:solidFill>
+                      <a:prstDash val="solid"/>
+                      <a:round/>
+                      <a:headEnd type="none" w="med" len="med"/>
+                      <a:tailEnd type="none" w="med" len="med"/>
+                    </a:lnL>
+                    <a:lnR w="12700" cap="flat" cmpd="sng" algn="ctr">
+                      <a:solidFill>
+                        <a:schemeClr val="bg1">
+                          <a:lumMod val="50000"/>
+                        </a:schemeClr>
+                      </a:solidFill>
+                      <a:prstDash val="solid"/>
+                      <a:round/>
+                      <a:headEnd type="none" w="med" len="med"/>
+                      <a:tailEnd type="none" w="med" len="med"/>
+                    </a:lnR>
+                    <a:lnT w="12700" cap="flat" cmpd="sng" algn="ctr">
+                      <a:solidFill>
+                        <a:schemeClr val="bg1">
+                          <a:lumMod val="50000"/>
+                        </a:schemeClr>
+                      </a:solidFill>
+                      <a:prstDash val="solid"/>
+                      <a:round/>
+                      <a:headEnd type="none" w="med" len="med"/>
+                      <a:tailEnd type="none" w="med" len="med"/>
+                    </a:lnT>
+                    <a:lnB w="12700" cap="flat" cmpd="sng" algn="ctr">
+                      <a:solidFill>
+                        <a:schemeClr val="bg1">
+                          <a:lumMod val="50000"/>
+                        </a:schemeClr>
+                      </a:solidFill>
+                      <a:prstDash val="solid"/>
+                      <a:round/>
+                      <a:headEnd type="none" w="med" len="med"/>
+                      <a:tailEnd type="none" w="med" len="med"/>
+                    </a:lnB>
+                    <a:noFill/>
+                  </a:tcPr>
+                </a:tc>
+                <a:tc>
+                  <a:txBody>
+                    <a:bodyPr/>
+                    <a:lstStyle/>
+                    <a:p>
+                      <a:pPr marL="0" marR="0" indent="0" algn="ctr" fontAlgn="base" latinLnBrk="0">
+                        <a:lnSpc>
+                          <a:spcPct val="100000"/>
+                        </a:lnSpc>
+                        <a:spcBef>
+                          <a:spcPts val="0"/>
+                        </a:spcBef>
+                        <a:spcAft>
+                          <a:spcPts val="0"/>
+                        </a:spcAft>
+                      </a:pPr>
+                      <a:r>
+                        <a:rPr lang="en-US" sz="1050" b="1" kern="0" spc="0">
+                          <a:solidFill>
+                            <a:schemeClr val="bg1">
+                              <a:lumMod val="75000"/>
+                            </a:schemeClr>
+                          </a:solidFill>
+                          <a:effectLst/>
+                          <a:latin typeface="나눔바른고딕" panose="020B0603020101020101" pitchFamily="50" charset="-127"/>
+                          <a:ea typeface="나눔바른고딕" panose="020B0603020101020101" pitchFamily="50" charset="-127"/>
+                          <a:cs typeface="+mn-cs"/>
+                        </a:rPr>
+                        <a:t>2.9</a:t>
+                      </a:r>
+                      <a:endParaRPr lang="en-US" sz="1050" b="1" kern="0" spc="0" dirty="0">
+                        <a:solidFill>
+                          <a:schemeClr val="bg1">
+                            <a:lumMod val="75000"/>
+                          </a:schemeClr>
+                        </a:solidFill>
+                        <a:effectLst/>
+                        <a:latin typeface="나눔바른고딕" panose="020B0603020101020101" pitchFamily="50" charset="-127"/>
+                        <a:ea typeface="나눔바른고딕" panose="020B0603020101020101" pitchFamily="50" charset="-127"/>
+                        <a:cs typeface="+mn-cs"/>
+                      </a:endParaRPr>
+                    </a:p>
+                  </a:txBody>
+                  <a:tcPr marL="36000" marR="36000" marT="15709" marB="15709" anchor="ctr">
+                    <a:lnL w="12700" cap="flat" cmpd="sng" algn="ctr">
+                      <a:solidFill>
+                        <a:schemeClr val="bg1">
+                          <a:lumMod val="50000"/>
+                        </a:schemeClr>
+                      </a:solidFill>
+                      <a:prstDash val="solid"/>
+                      <a:round/>
+                      <a:headEnd type="none" w="med" len="med"/>
+                      <a:tailEnd type="none" w="med" len="med"/>
+                    </a:lnL>
+                    <a:lnR w="12700" cap="flat" cmpd="sng" algn="ctr">
+                      <a:solidFill>
+                        <a:schemeClr val="bg1">
+                          <a:lumMod val="50000"/>
+                        </a:schemeClr>
+                      </a:solidFill>
+                      <a:prstDash val="solid"/>
+                      <a:round/>
+                      <a:headEnd type="none" w="med" len="med"/>
+                      <a:tailEnd type="none" w="med" len="med"/>
+                    </a:lnR>
+                    <a:lnT w="12700" cap="flat" cmpd="sng" algn="ctr">
+                      <a:solidFill>
+                        <a:schemeClr val="bg1">
+                          <a:lumMod val="50000"/>
+                        </a:schemeClr>
+                      </a:solidFill>
+                      <a:prstDash val="solid"/>
+                      <a:round/>
+                      <a:headEnd type="none" w="med" len="med"/>
+                      <a:tailEnd type="none" w="med" len="med"/>
+                    </a:lnT>
+                    <a:lnB w="12700" cap="flat" cmpd="sng" algn="ctr">
+                      <a:solidFill>
+                        <a:schemeClr val="bg1">
+                          <a:lumMod val="50000"/>
+                        </a:schemeClr>
+                      </a:solidFill>
+                      <a:prstDash val="solid"/>
+                      <a:round/>
+                      <a:headEnd type="none" w="med" len="med"/>
+                      <a:tailEnd type="none" w="med" len="med"/>
+                    </a:lnB>
+                    <a:noFill/>
+                  </a:tcPr>
+                </a:tc>
+                <a:tc>
+                  <a:txBody>
+                    <a:bodyPr/>
+                    <a:lstStyle/>
+                    <a:p>
+                      <a:pPr marL="0" marR="0" indent="0" algn="ctr" defTabSz="914400" rtl="0" eaLnBrk="1" fontAlgn="base" latinLnBrk="0" hangingPunct="1">
+                        <a:lnSpc>
+                          <a:spcPct val="100000"/>
+                        </a:lnSpc>
+                        <a:spcBef>
+                          <a:spcPts val="0"/>
+                        </a:spcBef>
+                        <a:spcAft>
+                          <a:spcPts val="0"/>
+                        </a:spcAft>
+                        <a:buClrTx/>
+                        <a:buSzTx/>
+                        <a:buFontTx/>
+                        <a:buNone/>
+                        <a:tabLst/>
+                        <a:defRPr/>
+                      </a:pPr>
+                      <a:r>
+                        <a:rPr lang="ko-KR" altLang="en-US" sz="1000" b="1" kern="0" spc="0">
+                          <a:solidFill>
+                            <a:schemeClr val="bg1">
+                              <a:lumMod val="75000"/>
+                            </a:schemeClr>
+                          </a:solidFill>
+                          <a:effectLst/>
+                          <a:latin typeface="나눔바른고딕" panose="020B0603020101020101" pitchFamily="50" charset="-127"/>
+                          <a:ea typeface="나눔바른고딕" panose="020B0603020101020101" pitchFamily="50" charset="-127"/>
+                          <a:cs typeface="+mn-cs"/>
+                        </a:rPr>
+                        <a:t>분당서울대병원</a:t>
+                      </a:r>
+                      <a:endParaRPr lang="ko-KR" altLang="en-US" sz="1000" b="1" kern="0" spc="0" dirty="0">
+                        <a:solidFill>
+                          <a:schemeClr val="bg1">
+                            <a:lumMod val="75000"/>
+                          </a:schemeClr>
+                        </a:solidFill>
+                        <a:effectLst/>
+                        <a:latin typeface="나눔바른고딕" panose="020B0603020101020101" pitchFamily="50" charset="-127"/>
+                        <a:ea typeface="나눔바른고딕" panose="020B0603020101020101" pitchFamily="50" charset="-127"/>
+                        <a:cs typeface="+mn-cs"/>
+                      </a:endParaRPr>
+                    </a:p>
+                  </a:txBody>
+                  <a:tcPr marL="36000" marR="36000" marT="15709" marB="15709" anchor="ctr">
+                    <a:lnL w="12700" cap="flat" cmpd="sng" algn="ctr">
+                      <a:solidFill>
+                        <a:schemeClr val="bg1">
+                          <a:lumMod val="50000"/>
+                        </a:schemeClr>
+                      </a:solidFill>
+                      <a:prstDash val="solid"/>
+                      <a:round/>
+                      <a:headEnd type="none" w="med" len="med"/>
+                      <a:tailEnd type="none" w="med" len="med"/>
+                    </a:lnL>
+                    <a:lnR w="12700" cap="flat" cmpd="sng" algn="ctr">
+                      <a:solidFill>
+                        <a:schemeClr val="bg1">
+                          <a:lumMod val="50000"/>
+                        </a:schemeClr>
+                      </a:solidFill>
+                      <a:prstDash val="solid"/>
+                      <a:round/>
+                      <a:headEnd type="none" w="med" len="med"/>
+                      <a:tailEnd type="none" w="med" len="med"/>
+                    </a:lnR>
+                    <a:lnT w="12700" cap="flat" cmpd="sng" algn="ctr">
+                      <a:solidFill>
+                        <a:schemeClr val="bg1">
+                          <a:lumMod val="50000"/>
+                        </a:schemeClr>
+                      </a:solidFill>
+                      <a:prstDash val="solid"/>
+                      <a:round/>
+                      <a:headEnd type="none" w="med" len="med"/>
+                      <a:tailEnd type="none" w="med" len="med"/>
+                    </a:lnT>
+                    <a:lnB w="12700" cap="flat" cmpd="sng" algn="ctr">
+                      <a:solidFill>
+                        <a:schemeClr val="bg1">
+                          <a:lumMod val="50000"/>
+                        </a:schemeClr>
+                      </a:solidFill>
+                      <a:prstDash val="solid"/>
+                      <a:round/>
+                      <a:headEnd type="none" w="med" len="med"/>
+                      <a:tailEnd type="none" w="med" len="med"/>
+                    </a:lnB>
+                    <a:noFill/>
+                  </a:tcPr>
+                </a:tc>
+                <a:tc>
+                  <a:txBody>
+                    <a:bodyPr/>
+                    <a:lstStyle/>
+                    <a:p>
+                      <a:pPr marL="0" marR="0" indent="0" algn="ctr" fontAlgn="base" latinLnBrk="0">
+                        <a:lnSpc>
+                          <a:spcPct val="100000"/>
+                        </a:lnSpc>
+                        <a:spcBef>
+                          <a:spcPts val="0"/>
+                        </a:spcBef>
+                        <a:spcAft>
+                          <a:spcPts val="0"/>
+                        </a:spcAft>
+                      </a:pPr>
+                      <a:r>
+                        <a:rPr lang="ko-KR" altLang="en-US" sz="1050" b="1" kern="0" spc="0" dirty="0" err="1">
+                          <a:solidFill>
+                            <a:schemeClr val="bg1">
+                              <a:lumMod val="75000"/>
+                            </a:schemeClr>
+                          </a:solidFill>
+                          <a:effectLst/>
+                          <a:latin typeface="나눔바른고딕" panose="020B0603020101020101" pitchFamily="50" charset="-127"/>
+                          <a:ea typeface="나눔바른고딕" panose="020B0603020101020101" pitchFamily="50" charset="-127"/>
+                          <a:cs typeface="+mn-cs"/>
+                        </a:rPr>
+                        <a:t>확인중</a:t>
+                      </a:r>
+                      <a:endParaRPr lang="ko-KR" altLang="en-US" sz="1050" b="1" kern="0" spc="0" dirty="0">
+                        <a:solidFill>
+                          <a:schemeClr val="bg1">
+                            <a:lumMod val="75000"/>
+                          </a:schemeClr>
+                        </a:solidFill>
+                        <a:effectLst/>
+                        <a:latin typeface="나눔바른고딕" panose="020B0603020101020101" pitchFamily="50" charset="-127"/>
+                        <a:ea typeface="나눔바른고딕" panose="020B0603020101020101" pitchFamily="50" charset="-127"/>
+                        <a:cs typeface="+mn-cs"/>
+                      </a:endParaRPr>
+                    </a:p>
+                  </a:txBody>
+                  <a:tcPr marL="36000" marR="36000" marT="15709" marB="15709" anchor="ctr">
+                    <a:lnL w="12700" cap="flat" cmpd="sng" algn="ctr">
+                      <a:solidFill>
+                        <a:schemeClr val="bg1">
+                          <a:lumMod val="50000"/>
+                        </a:schemeClr>
+                      </a:solidFill>
+                      <a:prstDash val="solid"/>
+                      <a:round/>
+                      <a:headEnd type="none" w="med" len="med"/>
+                      <a:tailEnd type="none" w="med" len="med"/>
+                    </a:lnL>
+                    <a:lnR w="12700" cap="flat" cmpd="sng" algn="ctr">
+                      <a:solidFill>
+                        <a:schemeClr val="bg1">
+                          <a:lumMod val="50000"/>
+                        </a:schemeClr>
+                      </a:solidFill>
+                      <a:prstDash val="solid"/>
+                      <a:round/>
+                      <a:headEnd type="none" w="med" len="med"/>
+                      <a:tailEnd type="none" w="med" len="med"/>
+                    </a:lnR>
+                    <a:lnT w="12700" cap="flat" cmpd="sng" algn="ctr">
+                      <a:solidFill>
+                        <a:schemeClr val="bg1">
+                          <a:lumMod val="50000"/>
+                        </a:schemeClr>
+                      </a:solidFill>
+                      <a:prstDash val="solid"/>
+                      <a:round/>
+                      <a:headEnd type="none" w="med" len="med"/>
+                      <a:tailEnd type="none" w="med" len="med"/>
+                    </a:lnT>
+                    <a:lnB w="12700" cap="flat" cmpd="sng" algn="ctr">
+                      <a:solidFill>
+                        <a:schemeClr val="bg1">
+                          <a:lumMod val="50000"/>
+                        </a:schemeClr>
+                      </a:solidFill>
+                      <a:prstDash val="solid"/>
+                      <a:round/>
+                      <a:headEnd type="none" w="med" len="med"/>
+                      <a:tailEnd type="none" w="med" len="med"/>
+                    </a:lnB>
+                    <a:noFill/>
+                  </a:tcPr>
+                </a:tc>
+                <a:extLst>
+                  <a:ext uri="{0D108BD9-81ED-4DB2-BD59-A6C34878D82A}">
+                    <a16:rowId xmlns:a16="http://schemas.microsoft.com/office/drawing/2014/main" val="1904228174"/>
+                  </a:ext>
+                </a:extLst>
               </a:tr>
             </a:tbl>
           </a:graphicData>

--- a/images/update.pptx
+++ b/images/update.pptx
@@ -3341,7 +3341,7 @@
           <p:nvPr>
             <p:extLst>
               <p:ext uri="{D42A27DB-BD31-4B8C-83A1-F6EECF244321}">
-                <p14:modId xmlns:p14="http://schemas.microsoft.com/office/powerpoint/2010/main" val="272322651"/>
+                <p14:modId xmlns:p14="http://schemas.microsoft.com/office/powerpoint/2010/main" val="2411619644"/>
               </p:ext>
             </p:extLst>
           </p:nvPr>
@@ -4277,7 +4277,7 @@
                         </a:spcAft>
                       </a:pPr>
                       <a:r>
-                        <a:rPr lang="ko-KR" altLang="en-US" sz="1100" b="1" kern="0" spc="-180">
+                        <a:rPr lang="ko-KR" altLang="en-US" sz="1100" b="1" kern="0" spc="-180" dirty="0">
                           <a:solidFill>
                             <a:srgbClr val="000000"/>
                           </a:solidFill>
@@ -4287,7 +4287,7 @@
                         </a:rPr>
                         <a:t>접촉자수</a:t>
                       </a:r>
-                      <a:endParaRPr lang="ko-KR" altLang="en-US" sz="1050" kern="0" spc="0">
+                      <a:endParaRPr lang="ko-KR" altLang="en-US" sz="1050" kern="0" spc="0" dirty="0">
                         <a:solidFill>
                           <a:srgbClr val="000000"/>
                         </a:solidFill>
@@ -4309,7 +4309,7 @@
                         </a:spcAft>
                       </a:pPr>
                       <a:r>
-                        <a:rPr lang="en-US" altLang="ko-KR" sz="1100" b="1" kern="0" spc="-180">
+                        <a:rPr lang="en-US" altLang="ko-KR" sz="1100" b="1" kern="0" spc="-180" dirty="0">
                           <a:solidFill>
                             <a:srgbClr val="000000"/>
                           </a:solidFill>
@@ -4317,10 +4317,10 @@
                           <a:latin typeface="나눔바른고딕" panose="020B0603020101020101" pitchFamily="50" charset="-127"/>
                           <a:ea typeface="나눔바른고딕" panose="020B0603020101020101" pitchFamily="50" charset="-127"/>
                         </a:rPr>
-                        <a:t>(1,386</a:t>
+                        <a:t>(1,698</a:t>
                       </a:r>
                       <a:r>
-                        <a:rPr lang="ko-KR" altLang="en-US" sz="1100" b="1" kern="0" spc="-180">
+                        <a:rPr lang="ko-KR" altLang="en-US" sz="1100" b="1" kern="0" spc="-180" dirty="0">
                           <a:solidFill>
                             <a:srgbClr val="000000"/>
                           </a:solidFill>
@@ -4331,7 +4331,7 @@
                         <a:t>명</a:t>
                       </a:r>
                       <a:r>
-                        <a:rPr lang="en-US" altLang="ko-KR" sz="1100" b="1" kern="0" spc="-180">
+                        <a:rPr lang="en-US" altLang="ko-KR" sz="1100" b="1" kern="0" spc="-180" dirty="0">
                           <a:solidFill>
                             <a:srgbClr val="000000"/>
                           </a:solidFill>
@@ -8325,7 +8325,7 @@
                         </a:spcAft>
                       </a:pPr>
                       <a:r>
-                        <a:rPr lang="en-US" sz="1050" kern="0" spc="0">
+                        <a:rPr lang="en-US" sz="1050" kern="0" spc="0" dirty="0">
                           <a:solidFill>
                             <a:schemeClr val="bg1">
                               <a:lumMod val="75000"/>
@@ -8335,18 +8335,8 @@
                           <a:latin typeface="나눔바른고딕" panose="020B0603020101020101" pitchFamily="50" charset="-127"/>
                           <a:ea typeface="나눔바른고딕" panose="020B0603020101020101" pitchFamily="50" charset="-127"/>
                         </a:rPr>
-                        <a:t>23</a:t>
+                        <a:t>31</a:t>
                       </a:r>
-                      <a:endParaRPr lang="en-US" sz="1050" kern="0" spc="0" dirty="0">
-                        <a:solidFill>
-                          <a:schemeClr val="bg1">
-                            <a:lumMod val="75000"/>
-                          </a:schemeClr>
-                        </a:solidFill>
-                        <a:effectLst/>
-                        <a:latin typeface="나눔바른고딕" panose="020B0603020101020101" pitchFamily="50" charset="-127"/>
-                        <a:ea typeface="나눔바른고딕" panose="020B0603020101020101" pitchFamily="50" charset="-127"/>
-                      </a:endParaRPr>
                     </a:p>
                   </a:txBody>
                   <a:tcPr marL="36000" marR="36000" marT="15709" marB="15709" anchor="ctr">
@@ -9137,7 +9127,7 @@
                         </a:spcAft>
                       </a:pPr>
                       <a:r>
-                        <a:rPr lang="en-US" sz="1050" kern="0" spc="0">
+                        <a:rPr lang="en-US" sz="1050" kern="0" spc="0" dirty="0">
                           <a:solidFill>
                             <a:schemeClr val="bg1">
                               <a:lumMod val="75000"/>
@@ -9149,16 +9139,6 @@
                         </a:rPr>
                         <a:t>17</a:t>
                       </a:r>
-                      <a:endParaRPr lang="en-US" sz="1050" kern="0" spc="0" dirty="0">
-                        <a:solidFill>
-                          <a:schemeClr val="bg1">
-                            <a:lumMod val="75000"/>
-                          </a:schemeClr>
-                        </a:solidFill>
-                        <a:effectLst/>
-                        <a:latin typeface="나눔바른고딕" panose="020B0603020101020101" pitchFamily="50" charset="-127"/>
-                        <a:ea typeface="나눔바른고딕" panose="020B0603020101020101" pitchFamily="50" charset="-127"/>
-                      </a:endParaRPr>
                     </a:p>
                   </a:txBody>
                   <a:tcPr marL="36000" marR="36000" marT="15709" marB="15709" anchor="ctr">
@@ -9949,7 +9929,7 @@
                         </a:spcAft>
                       </a:pPr>
                       <a:r>
-                        <a:rPr lang="en-US" sz="1050" kern="0" spc="0">
+                        <a:rPr lang="en-US" sz="1050" kern="0" spc="0" dirty="0">
                           <a:solidFill>
                             <a:schemeClr val="bg1">
                               <a:lumMod val="75000"/>
@@ -9959,18 +9939,8 @@
                           <a:latin typeface="나눔바른고딕" panose="020B0603020101020101" pitchFamily="50" charset="-127"/>
                           <a:ea typeface="나눔바른고딕" panose="020B0603020101020101" pitchFamily="50" charset="-127"/>
                         </a:rPr>
-                        <a:t>7</a:t>
+                        <a:t>9</a:t>
                       </a:r>
-                      <a:endParaRPr lang="en-US" sz="1050" kern="0" spc="0" dirty="0">
-                        <a:solidFill>
-                          <a:schemeClr val="bg1">
-                            <a:lumMod val="75000"/>
-                          </a:schemeClr>
-                        </a:solidFill>
-                        <a:effectLst/>
-                        <a:latin typeface="나눔바른고딕" panose="020B0603020101020101" pitchFamily="50" charset="-127"/>
-                        <a:ea typeface="나눔바른고딕" panose="020B0603020101020101" pitchFamily="50" charset="-127"/>
-                      </a:endParaRPr>
                     </a:p>
                   </a:txBody>
                   <a:tcPr marL="36000" marR="36000" marT="15709" marB="15709" anchor="ctr">
@@ -10761,7 +10731,7 @@
                         </a:spcAft>
                       </a:pPr>
                       <a:r>
-                        <a:rPr lang="en-US" sz="1050" kern="0" spc="0">
+                        <a:rPr lang="en-US" sz="1050" kern="0" spc="0" dirty="0">
                           <a:solidFill>
                             <a:schemeClr val="bg1">
                               <a:lumMod val="75000"/>
@@ -10773,16 +10743,6 @@
                         </a:rPr>
                         <a:t>113</a:t>
                       </a:r>
-                      <a:endParaRPr lang="en-US" sz="1050" kern="0" spc="0" dirty="0">
-                        <a:solidFill>
-                          <a:schemeClr val="bg1">
-                            <a:lumMod val="75000"/>
-                          </a:schemeClr>
-                        </a:solidFill>
-                        <a:effectLst/>
-                        <a:latin typeface="나눔바른고딕" panose="020B0603020101020101" pitchFamily="50" charset="-127"/>
-                        <a:ea typeface="나눔바른고딕" panose="020B0603020101020101" pitchFamily="50" charset="-127"/>
-                      </a:endParaRPr>
                     </a:p>
                   </a:txBody>
                   <a:tcPr marL="36000" marR="36000" marT="15709" marB="15709" anchor="ctr">
@@ -11573,7 +11533,7 @@
                         </a:spcAft>
                       </a:pPr>
                       <a:r>
-                        <a:rPr lang="en-US" sz="1050" kern="0" spc="0">
+                        <a:rPr lang="en-US" sz="1050" kern="0" spc="0" dirty="0">
                           <a:solidFill>
                             <a:schemeClr val="bg1">
                               <a:lumMod val="75000"/>
@@ -11585,16 +11545,6 @@
                         </a:rPr>
                         <a:t>2</a:t>
                       </a:r>
-                      <a:endParaRPr lang="en-US" sz="1050" kern="0" spc="0" dirty="0">
-                        <a:solidFill>
-                          <a:schemeClr val="bg1">
-                            <a:lumMod val="75000"/>
-                          </a:schemeClr>
-                        </a:solidFill>
-                        <a:effectLst/>
-                        <a:latin typeface="나눔바른고딕" panose="020B0603020101020101" pitchFamily="50" charset="-127"/>
-                        <a:ea typeface="나눔바른고딕" panose="020B0603020101020101" pitchFamily="50" charset="-127"/>
-                      </a:endParaRPr>
                     </a:p>
                   </a:txBody>
                   <a:tcPr marL="36000" marR="36000" marT="15709" marB="15709" anchor="ctr">
@@ -12385,7 +12335,7 @@
                         </a:spcAft>
                       </a:pPr>
                       <a:r>
-                        <a:rPr lang="en-US" sz="1050" kern="0" spc="0">
+                        <a:rPr lang="en-US" sz="1050" kern="0" spc="0" dirty="0">
                           <a:solidFill>
                             <a:schemeClr val="bg1">
                               <a:lumMod val="75000"/>
@@ -12395,18 +12345,8 @@
                           <a:latin typeface="나눔바른고딕" panose="020B0603020101020101" pitchFamily="50" charset="-127"/>
                           <a:ea typeface="나눔바른고딕" panose="020B0603020101020101" pitchFamily="50" charset="-127"/>
                         </a:rPr>
-                        <a:t>39</a:t>
+                        <a:t>43</a:t>
                       </a:r>
-                      <a:endParaRPr lang="en-US" sz="1050" kern="0" spc="0" dirty="0">
-                        <a:solidFill>
-                          <a:schemeClr val="bg1">
-                            <a:lumMod val="75000"/>
-                          </a:schemeClr>
-                        </a:solidFill>
-                        <a:effectLst/>
-                        <a:latin typeface="나눔바른고딕" panose="020B0603020101020101" pitchFamily="50" charset="-127"/>
-                        <a:ea typeface="나눔바른고딕" panose="020B0603020101020101" pitchFamily="50" charset="-127"/>
-                      </a:endParaRPr>
                     </a:p>
                   </a:txBody>
                   <a:tcPr marL="36000" marR="36000" marT="15709" marB="15709" anchor="ctr">
@@ -12481,7 +12421,7 @@
                         </a:spcAft>
                       </a:pPr>
                       <a:r>
-                        <a:rPr lang="en-US" sz="1050" b="1" kern="0" spc="0">
+                        <a:rPr lang="en-US" sz="1050" b="1" kern="0" spc="0" dirty="0">
                           <a:solidFill>
                             <a:schemeClr val="bg1">
                               <a:lumMod val="75000"/>
@@ -12493,7 +12433,7 @@
                         </a:rPr>
                         <a:t>11</a:t>
                       </a:r>
-                      <a:endParaRPr lang="en-US" sz="1050" kern="0" spc="0">
+                      <a:endParaRPr lang="en-US" sz="1050" kern="0" spc="0" dirty="0">
                         <a:solidFill>
                           <a:schemeClr val="bg1">
                             <a:lumMod val="75000"/>
@@ -13996,7 +13936,7 @@
                         </a:spcAft>
                       </a:pPr>
                       <a:r>
-                        <a:rPr lang="en-US" sz="1050" kern="0" spc="0">
+                        <a:rPr lang="en-US" sz="1050" kern="0" spc="0" dirty="0">
                           <a:solidFill>
                             <a:schemeClr val="bg1">
                               <a:lumMod val="75000"/>
@@ -14006,18 +13946,8 @@
                           <a:latin typeface="나눔바른고딕" panose="020B0603020101020101" pitchFamily="50" charset="-127"/>
                           <a:ea typeface="나눔바른고딕" panose="020B0603020101020101" pitchFamily="50" charset="-127"/>
                         </a:rPr>
-                        <a:t>219</a:t>
+                        <a:t>420</a:t>
                       </a:r>
-                      <a:endParaRPr lang="en-US" sz="1050" kern="0" spc="0" dirty="0">
-                        <a:solidFill>
-                          <a:schemeClr val="bg1">
-                            <a:lumMod val="75000"/>
-                          </a:schemeClr>
-                        </a:solidFill>
-                        <a:effectLst/>
-                        <a:latin typeface="나눔바른고딕" panose="020B0603020101020101" pitchFamily="50" charset="-127"/>
-                        <a:ea typeface="나눔바른고딕" panose="020B0603020101020101" pitchFamily="50" charset="-127"/>
-                      </a:endParaRPr>
                     </a:p>
                   </a:txBody>
                   <a:tcPr marL="36000" marR="36000" marT="15709" marB="15709" anchor="ctr">
@@ -14796,7 +14726,7 @@
                         </a:spcAft>
                       </a:pPr>
                       <a:r>
-                        <a:rPr lang="en-US" sz="1050" kern="0" spc="0">
+                        <a:rPr lang="en-US" sz="1050" kern="0" spc="0" dirty="0">
                           <a:solidFill>
                             <a:schemeClr val="bg1">
                               <a:lumMod val="75000"/>
@@ -14808,16 +14738,6 @@
                         </a:rPr>
                         <a:t>0</a:t>
                       </a:r>
-                      <a:endParaRPr lang="en-US" sz="1050" kern="0" spc="0" dirty="0">
-                        <a:solidFill>
-                          <a:schemeClr val="bg1">
-                            <a:lumMod val="75000"/>
-                          </a:schemeClr>
-                        </a:solidFill>
-                        <a:effectLst/>
-                        <a:latin typeface="나눔바른고딕" panose="020B0603020101020101" pitchFamily="50" charset="-127"/>
-                        <a:ea typeface="나눔바른고딕" panose="020B0603020101020101" pitchFamily="50" charset="-127"/>
-                      </a:endParaRPr>
                     </a:p>
                   </a:txBody>
                   <a:tcPr marL="36000" marR="36000" marT="15709" marB="15709" anchor="ctr">
@@ -15596,7 +15516,7 @@
                         </a:spcAft>
                       </a:pPr>
                       <a:r>
-                        <a:rPr lang="en-US" sz="1050" kern="0" spc="0">
+                        <a:rPr lang="en-US" sz="1050" kern="0" spc="0" dirty="0">
                           <a:solidFill>
                             <a:schemeClr val="bg1">
                               <a:lumMod val="75000"/>
@@ -15608,16 +15528,6 @@
                         </a:rPr>
                         <a:t>3</a:t>
                       </a:r>
-                      <a:endParaRPr lang="en-US" sz="1050" kern="0" spc="0" dirty="0">
-                        <a:solidFill>
-                          <a:schemeClr val="bg1">
-                            <a:lumMod val="75000"/>
-                          </a:schemeClr>
-                        </a:solidFill>
-                        <a:effectLst/>
-                        <a:latin typeface="나눔바른고딕" panose="020B0603020101020101" pitchFamily="50" charset="-127"/>
-                        <a:ea typeface="나눔바른고딕" panose="020B0603020101020101" pitchFamily="50" charset="-127"/>
-                      </a:endParaRPr>
                     </a:p>
                   </a:txBody>
                   <a:tcPr marL="36000" marR="36000" marT="15709" marB="15709" anchor="ctr">
@@ -16387,7 +16297,7 @@
                         </a:spcAft>
                       </a:pPr>
                       <a:r>
-                        <a:rPr lang="en-US" sz="1050" b="1" kern="0" spc="0">
+                        <a:rPr lang="en-US" sz="1050" b="1" kern="0" spc="0" dirty="0">
                           <a:solidFill>
                             <a:schemeClr val="bg1">
                               <a:lumMod val="75000"/>
@@ -16400,17 +16310,6 @@
                         </a:rPr>
                         <a:t>14</a:t>
                       </a:r>
-                      <a:endParaRPr lang="en-US" sz="1050" b="1" kern="0" spc="0" dirty="0">
-                        <a:solidFill>
-                          <a:schemeClr val="bg1">
-                            <a:lumMod val="75000"/>
-                          </a:schemeClr>
-                        </a:solidFill>
-                        <a:effectLst/>
-                        <a:latin typeface="나눔바른고딕" panose="020B0603020101020101" pitchFamily="50" charset="-127"/>
-                        <a:ea typeface="나눔바른고딕" panose="020B0603020101020101" pitchFamily="50" charset="-127"/>
-                        <a:cs typeface="+mn-cs"/>
-                      </a:endParaRPr>
                     </a:p>
                   </a:txBody>
                   <a:tcPr marL="36000" marR="36000" marT="15709" marB="15709" anchor="ctr">
@@ -17191,7 +17090,7 @@
                         </a:spcAft>
                       </a:pPr>
                       <a:r>
-                        <a:rPr lang="en-US" altLang="ko-KR" sz="1050" b="1" kern="0" spc="0">
+                        <a:rPr lang="en-US" altLang="ko-KR" sz="1050" b="1" kern="0" spc="0" dirty="0">
                           <a:solidFill>
                             <a:schemeClr val="bg1">
                               <a:lumMod val="75000"/>
@@ -17202,7 +17101,7 @@
                           <a:ea typeface="나눔바른고딕" panose="020B0603020101020101" pitchFamily="50" charset="-127"/>
                           <a:cs typeface="+mn-cs"/>
                         </a:rPr>
-                        <a:t>362</a:t>
+                        <a:t>417</a:t>
                       </a:r>
                       <a:endParaRPr lang="ko-KR" altLang="en-US" sz="1050" b="1" kern="0" spc="0" dirty="0">
                         <a:solidFill>
@@ -18849,7 +18748,7 @@
                         </a:spcAft>
                       </a:pPr>
                       <a:r>
-                        <a:rPr lang="en-US" altLang="ko-KR" sz="1050" b="1" kern="0" spc="0">
+                        <a:rPr lang="en-US" altLang="ko-KR" sz="1050" b="1" kern="0" spc="0" dirty="0">
                           <a:solidFill>
                             <a:schemeClr val="bg1">
                               <a:lumMod val="75000"/>
@@ -18860,7 +18759,7 @@
                           <a:ea typeface="나눔바른고딕" panose="020B0603020101020101" pitchFamily="50" charset="-127"/>
                           <a:cs typeface="+mn-cs"/>
                         </a:rPr>
-                        <a:t>4</a:t>
+                        <a:t>8</a:t>
                       </a:r>
                       <a:endParaRPr lang="ko-KR" altLang="en-US" sz="1050" b="1" kern="0" spc="0" dirty="0">
                         <a:solidFill>
@@ -19675,7 +19574,7 @@
                         </a:spcAft>
                       </a:pPr>
                       <a:r>
-                        <a:rPr lang="en-US" altLang="ko-KR" sz="1050" b="1" kern="0" spc="0">
+                        <a:rPr lang="en-US" altLang="ko-KR" sz="1050" b="1" kern="0" spc="0" dirty="0">
                           <a:solidFill>
                             <a:schemeClr val="bg1">
                               <a:lumMod val="75000"/>
@@ -19686,7 +19585,7 @@
                           <a:ea typeface="나눔바른고딕" panose="020B0603020101020101" pitchFamily="50" charset="-127"/>
                           <a:cs typeface="+mn-cs"/>
                         </a:rPr>
-                        <a:t>54</a:t>
+                        <a:t>67</a:t>
                       </a:r>
                       <a:endParaRPr lang="ko-KR" altLang="en-US" sz="1050" b="1" kern="0" spc="0" dirty="0">
                         <a:solidFill>
@@ -19773,7 +19672,7 @@
                         </a:spcAft>
                       </a:pPr>
                       <a:r>
-                        <a:rPr lang="en-US" sz="1050" b="1" kern="0" spc="0">
+                        <a:rPr lang="en-US" sz="1050" b="1" kern="0" spc="0" dirty="0">
                           <a:solidFill>
                             <a:schemeClr val="bg1">
                               <a:lumMod val="75000"/>
@@ -19786,17 +19685,6 @@
                         </a:rPr>
                         <a:t>20</a:t>
                       </a:r>
-                      <a:endParaRPr lang="en-US" sz="1050" b="1" kern="0" spc="0" dirty="0">
-                        <a:solidFill>
-                          <a:schemeClr val="bg1">
-                            <a:lumMod val="75000"/>
-                          </a:schemeClr>
-                        </a:solidFill>
-                        <a:effectLst/>
-                        <a:latin typeface="나눔바른고딕" panose="020B0603020101020101" pitchFamily="50" charset="-127"/>
-                        <a:ea typeface="나눔바른고딕" panose="020B0603020101020101" pitchFamily="50" charset="-127"/>
-                        <a:cs typeface="+mn-cs"/>
-                      </a:endParaRPr>
                     </a:p>
                   </a:txBody>
                   <a:tcPr marL="36000" marR="36000" marT="15709" marB="15709" anchor="ctr">
@@ -20506,7 +20394,7 @@
                         </a:spcAft>
                       </a:pPr>
                       <a:r>
-                        <a:rPr lang="en-US" altLang="ko-KR" sz="1050" b="1" kern="0" spc="0">
+                        <a:rPr lang="en-US" altLang="ko-KR" sz="1050" b="1" kern="0" spc="0" dirty="0">
                           <a:solidFill>
                             <a:schemeClr val="bg1">
                               <a:lumMod val="75000"/>
@@ -20517,7 +20405,7 @@
                           <a:ea typeface="나눔바른고딕" panose="020B0603020101020101" pitchFamily="50" charset="-127"/>
                           <a:cs typeface="+mn-cs"/>
                         </a:rPr>
-                        <a:t>0</a:t>
+                        <a:t>2</a:t>
                       </a:r>
                       <a:endParaRPr lang="ko-KR" altLang="en-US" sz="1050" b="1" kern="0" spc="0" dirty="0">
                         <a:solidFill>
@@ -21331,7 +21219,7 @@
                         </a:spcAft>
                       </a:pPr>
                       <a:r>
-                        <a:rPr lang="en-US" altLang="ko-KR" sz="1050" b="1" kern="0" spc="0">
+                        <a:rPr lang="en-US" altLang="ko-KR" sz="1050" b="1" kern="0" spc="0" dirty="0">
                           <a:solidFill>
                             <a:schemeClr val="bg1">
                               <a:lumMod val="75000"/>
@@ -22145,7 +22033,7 @@
                         </a:spcAft>
                       </a:pPr>
                       <a:r>
-                        <a:rPr lang="en-US" altLang="ko-KR" sz="1050" b="1" kern="0" spc="0">
+                        <a:rPr lang="en-US" altLang="ko-KR" sz="1050" b="1" kern="0" spc="0" dirty="0">
                           <a:solidFill>
                             <a:schemeClr val="bg1">
                               <a:lumMod val="75000"/>
@@ -22976,7 +22864,7 @@
                         </a:spcAft>
                       </a:pPr>
                       <a:r>
-                        <a:rPr lang="ko-KR" altLang="en-US" sz="1050" b="1" kern="0" spc="0">
+                        <a:rPr lang="en-US" altLang="ko-KR" sz="1050" b="1" kern="0" spc="0" dirty="0">
                           <a:solidFill>
                             <a:schemeClr val="bg1">
                               <a:lumMod val="75000"/>
@@ -22987,7 +22875,7 @@
                           <a:ea typeface="나눔바른고딕" panose="020B0603020101020101" pitchFamily="50" charset="-127"/>
                           <a:cs typeface="+mn-cs"/>
                         </a:rPr>
-                        <a:t>확인중</a:t>
+                        <a:t>23</a:t>
                       </a:r>
                       <a:endParaRPr lang="ko-KR" altLang="en-US" sz="1050" b="1" kern="0" spc="0" dirty="0">
                         <a:solidFill>

--- a/images/update.pptx
+++ b/images/update.pptx
@@ -3341,14 +3341,14 @@
           <p:nvPr>
             <p:extLst>
               <p:ext uri="{D42A27DB-BD31-4B8C-83A1-F6EECF244321}">
-                <p14:modId xmlns:p14="http://schemas.microsoft.com/office/powerpoint/2010/main" val="2411619644"/>
+                <p14:modId xmlns:p14="http://schemas.microsoft.com/office/powerpoint/2010/main" val="2996556120"/>
               </p:ext>
             </p:extLst>
           </p:nvPr>
         </p:nvGraphicFramePr>
         <p:xfrm>
           <a:off x="3567690" y="-109643"/>
-          <a:ext cx="4853498" cy="7654709"/>
+          <a:ext cx="4853498" cy="8230709"/>
         </p:xfrm>
         <a:graphic>
           <a:graphicData uri="http://schemas.openxmlformats.org/drawingml/2006/table">
@@ -23800,7 +23800,7 @@
                         </a:spcAft>
                       </a:pPr>
                       <a:r>
-                        <a:rPr lang="en-US" sz="1050" b="1" kern="0" spc="0">
+                        <a:rPr lang="en-US" sz="1050" b="1" kern="0" spc="0" dirty="0">
                           <a:solidFill>
                             <a:schemeClr val="bg1">
                               <a:lumMod val="75000"/>
@@ -23813,17 +23813,6 @@
                         </a:rPr>
                         <a:t>25</a:t>
                       </a:r>
-                      <a:endParaRPr lang="en-US" sz="1050" b="1" kern="0" spc="0" dirty="0">
-                        <a:solidFill>
-                          <a:schemeClr val="bg1">
-                            <a:lumMod val="75000"/>
-                          </a:schemeClr>
-                        </a:solidFill>
-                        <a:effectLst/>
-                        <a:latin typeface="나눔바른고딕" panose="020B0603020101020101" pitchFamily="50" charset="-127"/>
-                        <a:ea typeface="나눔바른고딕" panose="020B0603020101020101" pitchFamily="50" charset="-127"/>
-                        <a:cs typeface="+mn-cs"/>
-                      </a:endParaRPr>
                     </a:p>
                   </a:txBody>
                   <a:tcPr marL="36000" marR="36000" marT="15709" marB="15709" anchor="ctr">
@@ -24595,6 +24584,1506 @@
                 <a:extLst>
                   <a:ext uri="{0D108BD9-81ED-4DB2-BD59-A6C34878D82A}">
                     <a16:rowId xmlns:a16="http://schemas.microsoft.com/office/drawing/2014/main" val="1904228174"/>
+                  </a:ext>
+                </a:extLst>
+              </a:tr>
+              <a:tr h="288000">
+                <a:tc>
+                  <a:txBody>
+                    <a:bodyPr/>
+                    <a:lstStyle/>
+                    <a:p>
+                      <a:pPr marL="0" marR="0" indent="0" algn="ctr" fontAlgn="base" latinLnBrk="0">
+                        <a:lnSpc>
+                          <a:spcPct val="100000"/>
+                        </a:lnSpc>
+                        <a:spcBef>
+                          <a:spcPts val="0"/>
+                        </a:spcBef>
+                        <a:spcAft>
+                          <a:spcPts val="0"/>
+                        </a:spcAft>
+                      </a:pPr>
+                      <a:r>
+                        <a:rPr lang="en-US" sz="1050" b="1" kern="0" spc="0" dirty="0">
+                          <a:solidFill>
+                            <a:schemeClr val="bg1">
+                              <a:lumMod val="75000"/>
+                            </a:schemeClr>
+                          </a:solidFill>
+                          <a:effectLst/>
+                          <a:latin typeface="나눔바른고딕" panose="020B0603020101020101" pitchFamily="50" charset="-127"/>
+                          <a:ea typeface="나눔바른고딕" panose="020B0603020101020101" pitchFamily="50" charset="-127"/>
+                          <a:cs typeface="+mn-cs"/>
+                        </a:rPr>
+                        <a:t>26</a:t>
+                      </a:r>
+                    </a:p>
+                  </a:txBody>
+                  <a:tcPr marL="36000" marR="36000" marT="15709" marB="15709" anchor="ctr">
+                    <a:lnL w="12700" cap="flat" cmpd="sng" algn="ctr">
+                      <a:solidFill>
+                        <a:schemeClr val="bg1">
+                          <a:lumMod val="50000"/>
+                        </a:schemeClr>
+                      </a:solidFill>
+                      <a:prstDash val="solid"/>
+                      <a:round/>
+                      <a:headEnd type="none" w="med" len="med"/>
+                      <a:tailEnd type="none" w="med" len="med"/>
+                    </a:lnL>
+                    <a:lnR w="12700" cap="flat" cmpd="sng" algn="ctr">
+                      <a:solidFill>
+                        <a:schemeClr val="bg1">
+                          <a:lumMod val="50000"/>
+                        </a:schemeClr>
+                      </a:solidFill>
+                      <a:prstDash val="solid"/>
+                      <a:round/>
+                      <a:headEnd type="none" w="med" len="med"/>
+                      <a:tailEnd type="none" w="med" len="med"/>
+                    </a:lnR>
+                    <a:lnT w="12700" cap="flat" cmpd="sng" algn="ctr">
+                      <a:solidFill>
+                        <a:schemeClr val="bg1">
+                          <a:lumMod val="50000"/>
+                        </a:schemeClr>
+                      </a:solidFill>
+                      <a:prstDash val="solid"/>
+                      <a:round/>
+                      <a:headEnd type="none" w="med" len="med"/>
+                      <a:tailEnd type="none" w="med" len="med"/>
+                    </a:lnT>
+                    <a:lnB w="12700" cap="flat" cmpd="sng" algn="ctr">
+                      <a:solidFill>
+                        <a:schemeClr val="bg1">
+                          <a:lumMod val="50000"/>
+                        </a:schemeClr>
+                      </a:solidFill>
+                      <a:prstDash val="solid"/>
+                      <a:round/>
+                      <a:headEnd type="none" w="med" len="med"/>
+                      <a:tailEnd type="none" w="med" len="med"/>
+                    </a:lnB>
+                    <a:noFill/>
+                  </a:tcPr>
+                </a:tc>
+                <a:tc>
+                  <a:txBody>
+                    <a:bodyPr/>
+                    <a:lstStyle/>
+                    <a:p>
+                      <a:pPr marL="0" marR="0" indent="0" algn="ctr" fontAlgn="base" latinLnBrk="0">
+                        <a:lnSpc>
+                          <a:spcPct val="100000"/>
+                        </a:lnSpc>
+                        <a:spcBef>
+                          <a:spcPts val="0"/>
+                        </a:spcBef>
+                        <a:spcAft>
+                          <a:spcPts val="0"/>
+                        </a:spcAft>
+                      </a:pPr>
+                      <a:r>
+                        <a:rPr lang="ko-KR" altLang="en-US" sz="1050" b="1" kern="0" spc="0" dirty="0">
+                          <a:solidFill>
+                            <a:schemeClr val="bg1">
+                              <a:lumMod val="75000"/>
+                            </a:schemeClr>
+                          </a:solidFill>
+                          <a:effectLst/>
+                          <a:latin typeface="나눔바른고딕" panose="020B0603020101020101" pitchFamily="50" charset="-127"/>
+                          <a:ea typeface="나눔바른고딕" panose="020B0603020101020101" pitchFamily="50" charset="-127"/>
+                          <a:cs typeface="+mn-cs"/>
+                        </a:rPr>
+                        <a:t>남</a:t>
+                      </a:r>
+                    </a:p>
+                  </a:txBody>
+                  <a:tcPr marL="36000" marR="36000" marT="15709" marB="15709" anchor="ctr">
+                    <a:lnL w="12700" cap="flat" cmpd="sng" algn="ctr">
+                      <a:solidFill>
+                        <a:schemeClr val="bg1">
+                          <a:lumMod val="50000"/>
+                        </a:schemeClr>
+                      </a:solidFill>
+                      <a:prstDash val="solid"/>
+                      <a:round/>
+                      <a:headEnd type="none" w="med" len="med"/>
+                      <a:tailEnd type="none" w="med" len="med"/>
+                    </a:lnL>
+                    <a:lnR w="12700" cap="flat" cmpd="sng" algn="ctr">
+                      <a:solidFill>
+                        <a:schemeClr val="bg1">
+                          <a:lumMod val="50000"/>
+                        </a:schemeClr>
+                      </a:solidFill>
+                      <a:prstDash val="solid"/>
+                      <a:round/>
+                      <a:headEnd type="none" w="med" len="med"/>
+                      <a:tailEnd type="none" w="med" len="med"/>
+                    </a:lnR>
+                    <a:lnT w="12700" cap="flat" cmpd="sng" algn="ctr">
+                      <a:solidFill>
+                        <a:schemeClr val="bg1">
+                          <a:lumMod val="50000"/>
+                        </a:schemeClr>
+                      </a:solidFill>
+                      <a:prstDash val="solid"/>
+                      <a:round/>
+                      <a:headEnd type="none" w="med" len="med"/>
+                      <a:tailEnd type="none" w="med" len="med"/>
+                    </a:lnT>
+                    <a:lnB w="12700" cap="flat" cmpd="sng" algn="ctr">
+                      <a:solidFill>
+                        <a:schemeClr val="bg1">
+                          <a:lumMod val="50000"/>
+                        </a:schemeClr>
+                      </a:solidFill>
+                      <a:prstDash val="solid"/>
+                      <a:round/>
+                      <a:headEnd type="none" w="med" len="med"/>
+                      <a:tailEnd type="none" w="med" len="med"/>
+                    </a:lnB>
+                    <a:noFill/>
+                  </a:tcPr>
+                </a:tc>
+                <a:tc>
+                  <a:txBody>
+                    <a:bodyPr/>
+                    <a:lstStyle/>
+                    <a:p>
+                      <a:pPr marL="0" marR="0" indent="0" algn="ctr" fontAlgn="base" latinLnBrk="0">
+                        <a:lnSpc>
+                          <a:spcPct val="100000"/>
+                        </a:lnSpc>
+                        <a:spcBef>
+                          <a:spcPts val="0"/>
+                        </a:spcBef>
+                        <a:spcAft>
+                          <a:spcPts val="0"/>
+                        </a:spcAft>
+                      </a:pPr>
+                      <a:r>
+                        <a:rPr lang="en-US" sz="1050" b="1" kern="0" spc="0" dirty="0">
+                          <a:solidFill>
+                            <a:schemeClr val="bg1">
+                              <a:lumMod val="75000"/>
+                            </a:schemeClr>
+                          </a:solidFill>
+                          <a:effectLst/>
+                          <a:latin typeface="나눔바른고딕" panose="020B0603020101020101" pitchFamily="50" charset="-127"/>
+                          <a:ea typeface="나눔바른고딕" panose="020B0603020101020101" pitchFamily="50" charset="-127"/>
+                          <a:cs typeface="+mn-cs"/>
+                        </a:rPr>
+                        <a:t>51</a:t>
+                      </a:r>
+                    </a:p>
+                  </a:txBody>
+                  <a:tcPr marL="36000" marR="36000" marT="15709" marB="15709" anchor="ctr">
+                    <a:lnL w="12700" cap="flat" cmpd="sng" algn="ctr">
+                      <a:solidFill>
+                        <a:schemeClr val="bg1">
+                          <a:lumMod val="50000"/>
+                        </a:schemeClr>
+                      </a:solidFill>
+                      <a:prstDash val="solid"/>
+                      <a:round/>
+                      <a:headEnd type="none" w="med" len="med"/>
+                      <a:tailEnd type="none" w="med" len="med"/>
+                    </a:lnL>
+                    <a:lnR w="12700" cap="flat" cmpd="sng" algn="ctr">
+                      <a:solidFill>
+                        <a:schemeClr val="bg1">
+                          <a:lumMod val="50000"/>
+                        </a:schemeClr>
+                      </a:solidFill>
+                      <a:prstDash val="solid"/>
+                      <a:round/>
+                      <a:headEnd type="none" w="med" len="med"/>
+                      <a:tailEnd type="none" w="med" len="med"/>
+                    </a:lnR>
+                    <a:lnT w="12700" cap="flat" cmpd="sng" algn="ctr">
+                      <a:solidFill>
+                        <a:schemeClr val="bg1">
+                          <a:lumMod val="50000"/>
+                        </a:schemeClr>
+                      </a:solidFill>
+                      <a:prstDash val="solid"/>
+                      <a:round/>
+                      <a:headEnd type="none" w="med" len="med"/>
+                      <a:tailEnd type="none" w="med" len="med"/>
+                    </a:lnT>
+                    <a:lnB w="12700" cap="flat" cmpd="sng" algn="ctr">
+                      <a:solidFill>
+                        <a:schemeClr val="bg1">
+                          <a:lumMod val="50000"/>
+                        </a:schemeClr>
+                      </a:solidFill>
+                      <a:prstDash val="solid"/>
+                      <a:round/>
+                      <a:headEnd type="none" w="med" len="med"/>
+                      <a:tailEnd type="none" w="med" len="med"/>
+                    </a:lnB>
+                    <a:noFill/>
+                  </a:tcPr>
+                </a:tc>
+                <a:tc>
+                  <a:txBody>
+                    <a:bodyPr/>
+                    <a:lstStyle/>
+                    <a:p>
+                      <a:pPr marL="0" marR="0" indent="0" algn="ctr" fontAlgn="base" latinLnBrk="0">
+                        <a:lnSpc>
+                          <a:spcPct val="100000"/>
+                        </a:lnSpc>
+                        <a:spcBef>
+                          <a:spcPts val="0"/>
+                        </a:spcBef>
+                        <a:spcAft>
+                          <a:spcPts val="0"/>
+                        </a:spcAft>
+                      </a:pPr>
+                      <a:r>
+                        <a:rPr lang="ko-KR" altLang="en-US" sz="1050" b="1" kern="0" spc="0" dirty="0">
+                          <a:solidFill>
+                            <a:schemeClr val="bg1">
+                              <a:lumMod val="75000"/>
+                            </a:schemeClr>
+                          </a:solidFill>
+                          <a:effectLst/>
+                          <a:latin typeface="나눔바른고딕" panose="020B0603020101020101" pitchFamily="50" charset="-127"/>
+                          <a:ea typeface="나눔바른고딕" panose="020B0603020101020101" pitchFamily="50" charset="-127"/>
+                          <a:cs typeface="+mn-cs"/>
+                        </a:rPr>
+                        <a:t>한국</a:t>
+                      </a:r>
+                    </a:p>
+                  </a:txBody>
+                  <a:tcPr marL="36000" marR="36000" marT="15709" marB="15709" anchor="ctr">
+                    <a:lnL w="12700" cap="flat" cmpd="sng" algn="ctr">
+                      <a:solidFill>
+                        <a:schemeClr val="bg1">
+                          <a:lumMod val="50000"/>
+                        </a:schemeClr>
+                      </a:solidFill>
+                      <a:prstDash val="solid"/>
+                      <a:round/>
+                      <a:headEnd type="none" w="med" len="med"/>
+                      <a:tailEnd type="none" w="med" len="med"/>
+                    </a:lnL>
+                    <a:lnR w="12700" cap="flat" cmpd="sng" algn="ctr">
+                      <a:solidFill>
+                        <a:schemeClr val="bg1">
+                          <a:lumMod val="50000"/>
+                        </a:schemeClr>
+                      </a:solidFill>
+                      <a:prstDash val="solid"/>
+                      <a:round/>
+                      <a:headEnd type="none" w="med" len="med"/>
+                      <a:tailEnd type="none" w="med" len="med"/>
+                    </a:lnR>
+                    <a:lnT w="12700" cap="flat" cmpd="sng" algn="ctr">
+                      <a:solidFill>
+                        <a:schemeClr val="bg1">
+                          <a:lumMod val="50000"/>
+                        </a:schemeClr>
+                      </a:solidFill>
+                      <a:prstDash val="solid"/>
+                      <a:round/>
+                      <a:headEnd type="none" w="med" len="med"/>
+                      <a:tailEnd type="none" w="med" len="med"/>
+                    </a:lnT>
+                    <a:lnB w="12700" cap="flat" cmpd="sng" algn="ctr">
+                      <a:solidFill>
+                        <a:schemeClr val="bg1">
+                          <a:lumMod val="50000"/>
+                        </a:schemeClr>
+                      </a:solidFill>
+                      <a:prstDash val="solid"/>
+                      <a:round/>
+                      <a:headEnd type="none" w="med" len="med"/>
+                      <a:tailEnd type="none" w="med" len="med"/>
+                    </a:lnB>
+                    <a:noFill/>
+                  </a:tcPr>
+                </a:tc>
+                <a:tc>
+                  <a:txBody>
+                    <a:bodyPr/>
+                    <a:lstStyle/>
+                    <a:p>
+                      <a:pPr marL="0" marR="0" indent="0" algn="ctr" defTabSz="914400" rtl="0" eaLnBrk="1" fontAlgn="base" latinLnBrk="0" hangingPunct="1">
+                        <a:lnSpc>
+                          <a:spcPct val="100000"/>
+                        </a:lnSpc>
+                        <a:spcBef>
+                          <a:spcPts val="0"/>
+                        </a:spcBef>
+                        <a:spcAft>
+                          <a:spcPts val="0"/>
+                        </a:spcAft>
+                        <a:buClrTx/>
+                        <a:buSzTx/>
+                        <a:buFontTx/>
+                        <a:buNone/>
+                        <a:tabLst/>
+                        <a:defRPr/>
+                      </a:pPr>
+                      <a:r>
+                        <a:rPr lang="en-US" altLang="ko-KR" sz="1050" b="1" kern="0" spc="0" dirty="0">
+                          <a:solidFill>
+                            <a:schemeClr val="bg1">
+                              <a:lumMod val="75000"/>
+                            </a:schemeClr>
+                          </a:solidFill>
+                          <a:effectLst/>
+                          <a:latin typeface="나눔바른고딕" panose="020B0603020101020101" pitchFamily="50" charset="-127"/>
+                          <a:ea typeface="나눔바른고딕" panose="020B0603020101020101" pitchFamily="50" charset="-127"/>
+                          <a:cs typeface="+mn-cs"/>
+                        </a:rPr>
+                        <a:t>X</a:t>
+                      </a:r>
+                    </a:p>
+                  </a:txBody>
+                  <a:tcPr marL="36000" marR="36000" marT="15709" marB="15709" anchor="ctr">
+                    <a:lnL w="12700" cap="flat" cmpd="sng" algn="ctr">
+                      <a:solidFill>
+                        <a:schemeClr val="bg1">
+                          <a:lumMod val="50000"/>
+                        </a:schemeClr>
+                      </a:solidFill>
+                      <a:prstDash val="solid"/>
+                      <a:round/>
+                      <a:headEnd type="none" w="med" len="med"/>
+                      <a:tailEnd type="none" w="med" len="med"/>
+                    </a:lnL>
+                    <a:lnR w="12700" cap="flat" cmpd="sng" algn="ctr">
+                      <a:solidFill>
+                        <a:schemeClr val="bg1">
+                          <a:lumMod val="50000"/>
+                        </a:schemeClr>
+                      </a:solidFill>
+                      <a:prstDash val="solid"/>
+                      <a:round/>
+                      <a:headEnd type="none" w="med" len="med"/>
+                      <a:tailEnd type="none" w="med" len="med"/>
+                    </a:lnR>
+                    <a:lnT w="12700" cap="flat" cmpd="sng" algn="ctr">
+                      <a:solidFill>
+                        <a:schemeClr val="bg1">
+                          <a:lumMod val="50000"/>
+                        </a:schemeClr>
+                      </a:solidFill>
+                      <a:prstDash val="solid"/>
+                      <a:round/>
+                      <a:headEnd type="none" w="med" len="med"/>
+                      <a:tailEnd type="none" w="med" len="med"/>
+                    </a:lnT>
+                    <a:lnB w="12700" cap="flat" cmpd="sng" algn="ctr">
+                      <a:solidFill>
+                        <a:schemeClr val="bg1">
+                          <a:lumMod val="50000"/>
+                        </a:schemeClr>
+                      </a:solidFill>
+                      <a:prstDash val="solid"/>
+                      <a:round/>
+                      <a:headEnd type="none" w="med" len="med"/>
+                      <a:tailEnd type="none" w="med" len="med"/>
+                    </a:lnB>
+                    <a:noFill/>
+                  </a:tcPr>
+                </a:tc>
+                <a:tc>
+                  <a:txBody>
+                    <a:bodyPr/>
+                    <a:lstStyle/>
+                    <a:p>
+                      <a:pPr marL="0" marR="0" indent="0" algn="ctr" fontAlgn="base" latinLnBrk="0">
+                        <a:lnSpc>
+                          <a:spcPct val="100000"/>
+                        </a:lnSpc>
+                        <a:spcBef>
+                          <a:spcPts val="0"/>
+                        </a:spcBef>
+                        <a:spcAft>
+                          <a:spcPts val="0"/>
+                        </a:spcAft>
+                      </a:pPr>
+                      <a:r>
+                        <a:rPr lang="en-US" sz="1050" b="1" kern="0" spc="0" dirty="0">
+                          <a:solidFill>
+                            <a:schemeClr val="bg1">
+                              <a:lumMod val="75000"/>
+                            </a:schemeClr>
+                          </a:solidFill>
+                          <a:effectLst/>
+                          <a:latin typeface="나눔바른고딕" panose="020B0603020101020101" pitchFamily="50" charset="-127"/>
+                          <a:ea typeface="나눔바른고딕" panose="020B0603020101020101" pitchFamily="50" charset="-127"/>
+                          <a:cs typeface="+mn-cs"/>
+                        </a:rPr>
+                        <a:t>1.31</a:t>
+                      </a:r>
+                    </a:p>
+                  </a:txBody>
+                  <a:tcPr marL="36000" marR="36000" marT="15709" marB="15709" anchor="ctr">
+                    <a:lnL w="12700" cap="flat" cmpd="sng" algn="ctr">
+                      <a:solidFill>
+                        <a:schemeClr val="bg1">
+                          <a:lumMod val="50000"/>
+                        </a:schemeClr>
+                      </a:solidFill>
+                      <a:prstDash val="solid"/>
+                      <a:round/>
+                      <a:headEnd type="none" w="med" len="med"/>
+                      <a:tailEnd type="none" w="med" len="med"/>
+                    </a:lnL>
+                    <a:lnR w="12700" cap="flat" cmpd="sng" algn="ctr">
+                      <a:solidFill>
+                        <a:schemeClr val="bg1">
+                          <a:lumMod val="50000"/>
+                        </a:schemeClr>
+                      </a:solidFill>
+                      <a:prstDash val="solid"/>
+                      <a:round/>
+                      <a:headEnd type="none" w="med" len="med"/>
+                      <a:tailEnd type="none" w="med" len="med"/>
+                    </a:lnR>
+                    <a:lnT w="12700" cap="flat" cmpd="sng" algn="ctr">
+                      <a:solidFill>
+                        <a:schemeClr val="bg1">
+                          <a:lumMod val="50000"/>
+                        </a:schemeClr>
+                      </a:solidFill>
+                      <a:prstDash val="solid"/>
+                      <a:round/>
+                      <a:headEnd type="none" w="med" len="med"/>
+                      <a:tailEnd type="none" w="med" len="med"/>
+                    </a:lnT>
+                    <a:lnB w="12700" cap="flat" cmpd="sng" algn="ctr">
+                      <a:solidFill>
+                        <a:schemeClr val="bg1">
+                          <a:lumMod val="50000"/>
+                        </a:schemeClr>
+                      </a:solidFill>
+                      <a:prstDash val="solid"/>
+                      <a:round/>
+                      <a:headEnd type="none" w="med" len="med"/>
+                      <a:tailEnd type="none" w="med" len="med"/>
+                    </a:lnB>
+                    <a:noFill/>
+                  </a:tcPr>
+                </a:tc>
+                <a:tc>
+                  <a:txBody>
+                    <a:bodyPr/>
+                    <a:lstStyle/>
+                    <a:p>
+                      <a:pPr marL="0" marR="0" indent="0" algn="ctr" fontAlgn="base" latinLnBrk="0">
+                        <a:lnSpc>
+                          <a:spcPct val="100000"/>
+                        </a:lnSpc>
+                        <a:spcBef>
+                          <a:spcPts val="0"/>
+                        </a:spcBef>
+                        <a:spcAft>
+                          <a:spcPts val="0"/>
+                        </a:spcAft>
+                      </a:pPr>
+                      <a:r>
+                        <a:rPr lang="en-US" sz="1050" b="1" kern="0" spc="0" dirty="0">
+                          <a:solidFill>
+                            <a:schemeClr val="bg1">
+                              <a:lumMod val="75000"/>
+                            </a:schemeClr>
+                          </a:solidFill>
+                          <a:effectLst/>
+                          <a:latin typeface="나눔바른고딕" panose="020B0603020101020101" pitchFamily="50" charset="-127"/>
+                          <a:ea typeface="나눔바른고딕" panose="020B0603020101020101" pitchFamily="50" charset="-127"/>
+                          <a:cs typeface="+mn-cs"/>
+                        </a:rPr>
+                        <a:t>2.9</a:t>
+                      </a:r>
+                    </a:p>
+                  </a:txBody>
+                  <a:tcPr marL="36000" marR="36000" marT="15709" marB="15709" anchor="ctr">
+                    <a:lnL w="12700" cap="flat" cmpd="sng" algn="ctr">
+                      <a:solidFill>
+                        <a:schemeClr val="bg1">
+                          <a:lumMod val="50000"/>
+                        </a:schemeClr>
+                      </a:solidFill>
+                      <a:prstDash val="solid"/>
+                      <a:round/>
+                      <a:headEnd type="none" w="med" len="med"/>
+                      <a:tailEnd type="none" w="med" len="med"/>
+                    </a:lnL>
+                    <a:lnR w="12700" cap="flat" cmpd="sng" algn="ctr">
+                      <a:solidFill>
+                        <a:schemeClr val="bg1">
+                          <a:lumMod val="50000"/>
+                        </a:schemeClr>
+                      </a:solidFill>
+                      <a:prstDash val="solid"/>
+                      <a:round/>
+                      <a:headEnd type="none" w="med" len="med"/>
+                      <a:tailEnd type="none" w="med" len="med"/>
+                    </a:lnR>
+                    <a:lnT w="12700" cap="flat" cmpd="sng" algn="ctr">
+                      <a:solidFill>
+                        <a:schemeClr val="bg1">
+                          <a:lumMod val="50000"/>
+                        </a:schemeClr>
+                      </a:solidFill>
+                      <a:prstDash val="solid"/>
+                      <a:round/>
+                      <a:headEnd type="none" w="med" len="med"/>
+                      <a:tailEnd type="none" w="med" len="med"/>
+                    </a:lnT>
+                    <a:lnB w="12700" cap="flat" cmpd="sng" algn="ctr">
+                      <a:solidFill>
+                        <a:schemeClr val="bg1">
+                          <a:lumMod val="50000"/>
+                        </a:schemeClr>
+                      </a:solidFill>
+                      <a:prstDash val="solid"/>
+                      <a:round/>
+                      <a:headEnd type="none" w="med" len="med"/>
+                      <a:tailEnd type="none" w="med" len="med"/>
+                    </a:lnB>
+                    <a:noFill/>
+                  </a:tcPr>
+                </a:tc>
+                <a:tc>
+                  <a:txBody>
+                    <a:bodyPr/>
+                    <a:lstStyle/>
+                    <a:p>
+                      <a:pPr marL="0" marR="0" indent="0" algn="ctr" defTabSz="914400" rtl="0" eaLnBrk="1" fontAlgn="base" latinLnBrk="0" hangingPunct="1">
+                        <a:lnSpc>
+                          <a:spcPct val="100000"/>
+                        </a:lnSpc>
+                        <a:spcBef>
+                          <a:spcPts val="0"/>
+                        </a:spcBef>
+                        <a:spcAft>
+                          <a:spcPts val="0"/>
+                        </a:spcAft>
+                        <a:buClrTx/>
+                        <a:buSzTx/>
+                        <a:buFontTx/>
+                        <a:buNone/>
+                        <a:tabLst/>
+                        <a:defRPr/>
+                      </a:pPr>
+                      <a:r>
+                        <a:rPr lang="ko-KR" altLang="en-US" sz="1000" b="1" kern="0" spc="0" dirty="0">
+                          <a:solidFill>
+                            <a:schemeClr val="bg1">
+                              <a:lumMod val="75000"/>
+                            </a:schemeClr>
+                          </a:solidFill>
+                          <a:effectLst/>
+                          <a:latin typeface="나눔바른고딕" panose="020B0603020101020101" pitchFamily="50" charset="-127"/>
+                          <a:ea typeface="나눔바른고딕" panose="020B0603020101020101" pitchFamily="50" charset="-127"/>
+                          <a:cs typeface="+mn-cs"/>
+                        </a:rPr>
+                        <a:t>안성병원</a:t>
+                      </a:r>
+                    </a:p>
+                  </a:txBody>
+                  <a:tcPr marL="36000" marR="36000" marT="15709" marB="15709" anchor="ctr">
+                    <a:lnL w="12700" cap="flat" cmpd="sng" algn="ctr">
+                      <a:solidFill>
+                        <a:schemeClr val="bg1">
+                          <a:lumMod val="50000"/>
+                        </a:schemeClr>
+                      </a:solidFill>
+                      <a:prstDash val="solid"/>
+                      <a:round/>
+                      <a:headEnd type="none" w="med" len="med"/>
+                      <a:tailEnd type="none" w="med" len="med"/>
+                    </a:lnL>
+                    <a:lnR w="12700" cap="flat" cmpd="sng" algn="ctr">
+                      <a:solidFill>
+                        <a:schemeClr val="bg1">
+                          <a:lumMod val="50000"/>
+                        </a:schemeClr>
+                      </a:solidFill>
+                      <a:prstDash val="solid"/>
+                      <a:round/>
+                      <a:headEnd type="none" w="med" len="med"/>
+                      <a:tailEnd type="none" w="med" len="med"/>
+                    </a:lnR>
+                    <a:lnT w="12700" cap="flat" cmpd="sng" algn="ctr">
+                      <a:solidFill>
+                        <a:schemeClr val="bg1">
+                          <a:lumMod val="50000"/>
+                        </a:schemeClr>
+                      </a:solidFill>
+                      <a:prstDash val="solid"/>
+                      <a:round/>
+                      <a:headEnd type="none" w="med" len="med"/>
+                      <a:tailEnd type="none" w="med" len="med"/>
+                    </a:lnT>
+                    <a:lnB w="12700" cap="flat" cmpd="sng" algn="ctr">
+                      <a:solidFill>
+                        <a:schemeClr val="bg1">
+                          <a:lumMod val="50000"/>
+                        </a:schemeClr>
+                      </a:solidFill>
+                      <a:prstDash val="solid"/>
+                      <a:round/>
+                      <a:headEnd type="none" w="med" len="med"/>
+                      <a:tailEnd type="none" w="med" len="med"/>
+                    </a:lnB>
+                    <a:noFill/>
+                  </a:tcPr>
+                </a:tc>
+                <a:tc>
+                  <a:txBody>
+                    <a:bodyPr/>
+                    <a:lstStyle/>
+                    <a:p>
+                      <a:pPr marL="0" marR="0" indent="0" algn="ctr" fontAlgn="base" latinLnBrk="0">
+                        <a:lnSpc>
+                          <a:spcPct val="100000"/>
+                        </a:lnSpc>
+                        <a:spcBef>
+                          <a:spcPts val="0"/>
+                        </a:spcBef>
+                        <a:spcAft>
+                          <a:spcPts val="0"/>
+                        </a:spcAft>
+                      </a:pPr>
+                      <a:r>
+                        <a:rPr lang="ko-KR" altLang="en-US" sz="1050" b="1" kern="0" spc="0" dirty="0" err="1">
+                          <a:solidFill>
+                            <a:schemeClr val="bg1">
+                              <a:lumMod val="75000"/>
+                            </a:schemeClr>
+                          </a:solidFill>
+                          <a:effectLst/>
+                          <a:latin typeface="나눔바른고딕" panose="020B0603020101020101" pitchFamily="50" charset="-127"/>
+                          <a:ea typeface="나눔바른고딕" panose="020B0603020101020101" pitchFamily="50" charset="-127"/>
+                          <a:cs typeface="+mn-cs"/>
+                        </a:rPr>
+                        <a:t>확인중</a:t>
+                      </a:r>
+                      <a:endParaRPr lang="ko-KR" altLang="en-US" sz="1050" b="1" kern="0" spc="0" dirty="0">
+                        <a:solidFill>
+                          <a:schemeClr val="bg1">
+                            <a:lumMod val="75000"/>
+                          </a:schemeClr>
+                        </a:solidFill>
+                        <a:effectLst/>
+                        <a:latin typeface="나눔바른고딕" panose="020B0603020101020101" pitchFamily="50" charset="-127"/>
+                        <a:ea typeface="나눔바른고딕" panose="020B0603020101020101" pitchFamily="50" charset="-127"/>
+                        <a:cs typeface="+mn-cs"/>
+                      </a:endParaRPr>
+                    </a:p>
+                  </a:txBody>
+                  <a:tcPr marL="36000" marR="36000" marT="15709" marB="15709" anchor="ctr">
+                    <a:lnL w="12700" cap="flat" cmpd="sng" algn="ctr">
+                      <a:solidFill>
+                        <a:schemeClr val="bg1">
+                          <a:lumMod val="50000"/>
+                        </a:schemeClr>
+                      </a:solidFill>
+                      <a:prstDash val="solid"/>
+                      <a:round/>
+                      <a:headEnd type="none" w="med" len="med"/>
+                      <a:tailEnd type="none" w="med" len="med"/>
+                    </a:lnL>
+                    <a:lnR w="12700" cap="flat" cmpd="sng" algn="ctr">
+                      <a:solidFill>
+                        <a:schemeClr val="bg1">
+                          <a:lumMod val="50000"/>
+                        </a:schemeClr>
+                      </a:solidFill>
+                      <a:prstDash val="solid"/>
+                      <a:round/>
+                      <a:headEnd type="none" w="med" len="med"/>
+                      <a:tailEnd type="none" w="med" len="med"/>
+                    </a:lnR>
+                    <a:lnT w="12700" cap="flat" cmpd="sng" algn="ctr">
+                      <a:solidFill>
+                        <a:schemeClr val="bg1">
+                          <a:lumMod val="50000"/>
+                        </a:schemeClr>
+                      </a:solidFill>
+                      <a:prstDash val="solid"/>
+                      <a:round/>
+                      <a:headEnd type="none" w="med" len="med"/>
+                      <a:tailEnd type="none" w="med" len="med"/>
+                    </a:lnT>
+                    <a:lnB w="12700" cap="flat" cmpd="sng" algn="ctr">
+                      <a:solidFill>
+                        <a:schemeClr val="bg1">
+                          <a:lumMod val="50000"/>
+                        </a:schemeClr>
+                      </a:solidFill>
+                      <a:prstDash val="solid"/>
+                      <a:round/>
+                      <a:headEnd type="none" w="med" len="med"/>
+                      <a:tailEnd type="none" w="med" len="med"/>
+                    </a:lnB>
+                    <a:noFill/>
+                  </a:tcPr>
+                </a:tc>
+                <a:extLst>
+                  <a:ext uri="{0D108BD9-81ED-4DB2-BD59-A6C34878D82A}">
+                    <a16:rowId xmlns:a16="http://schemas.microsoft.com/office/drawing/2014/main" val="3609574586"/>
+                  </a:ext>
+                </a:extLst>
+              </a:tr>
+              <a:tr h="288000">
+                <a:tc>
+                  <a:txBody>
+                    <a:bodyPr/>
+                    <a:lstStyle/>
+                    <a:p>
+                      <a:pPr marL="0" marR="0" indent="0" algn="ctr" fontAlgn="base" latinLnBrk="0">
+                        <a:lnSpc>
+                          <a:spcPct val="100000"/>
+                        </a:lnSpc>
+                        <a:spcBef>
+                          <a:spcPts val="0"/>
+                        </a:spcBef>
+                        <a:spcAft>
+                          <a:spcPts val="0"/>
+                        </a:spcAft>
+                      </a:pPr>
+                      <a:r>
+                        <a:rPr lang="en-US" sz="1050" b="1" kern="0" spc="0" dirty="0">
+                          <a:solidFill>
+                            <a:schemeClr val="bg1">
+                              <a:lumMod val="75000"/>
+                            </a:schemeClr>
+                          </a:solidFill>
+                          <a:effectLst/>
+                          <a:latin typeface="나눔바른고딕" panose="020B0603020101020101" pitchFamily="50" charset="-127"/>
+                          <a:ea typeface="나눔바른고딕" panose="020B0603020101020101" pitchFamily="50" charset="-127"/>
+                          <a:cs typeface="+mn-cs"/>
+                        </a:rPr>
+                        <a:t>27</a:t>
+                      </a:r>
+                    </a:p>
+                  </a:txBody>
+                  <a:tcPr marL="36000" marR="36000" marT="15709" marB="15709" anchor="ctr">
+                    <a:lnL w="12700" cap="flat" cmpd="sng" algn="ctr">
+                      <a:solidFill>
+                        <a:schemeClr val="bg1">
+                          <a:lumMod val="50000"/>
+                        </a:schemeClr>
+                      </a:solidFill>
+                      <a:prstDash val="solid"/>
+                      <a:round/>
+                      <a:headEnd type="none" w="med" len="med"/>
+                      <a:tailEnd type="none" w="med" len="med"/>
+                    </a:lnL>
+                    <a:lnR w="12700" cap="flat" cmpd="sng" algn="ctr">
+                      <a:solidFill>
+                        <a:schemeClr val="bg1">
+                          <a:lumMod val="50000"/>
+                        </a:schemeClr>
+                      </a:solidFill>
+                      <a:prstDash val="solid"/>
+                      <a:round/>
+                      <a:headEnd type="none" w="med" len="med"/>
+                      <a:tailEnd type="none" w="med" len="med"/>
+                    </a:lnR>
+                    <a:lnT w="12700" cap="flat" cmpd="sng" algn="ctr">
+                      <a:solidFill>
+                        <a:schemeClr val="bg1">
+                          <a:lumMod val="50000"/>
+                        </a:schemeClr>
+                      </a:solidFill>
+                      <a:prstDash val="solid"/>
+                      <a:round/>
+                      <a:headEnd type="none" w="med" len="med"/>
+                      <a:tailEnd type="none" w="med" len="med"/>
+                    </a:lnT>
+                    <a:lnB w="12700" cap="flat" cmpd="sng" algn="ctr">
+                      <a:solidFill>
+                        <a:schemeClr val="bg1">
+                          <a:lumMod val="50000"/>
+                        </a:schemeClr>
+                      </a:solidFill>
+                      <a:prstDash val="solid"/>
+                      <a:round/>
+                      <a:headEnd type="none" w="med" len="med"/>
+                      <a:tailEnd type="none" w="med" len="med"/>
+                    </a:lnB>
+                    <a:noFill/>
+                  </a:tcPr>
+                </a:tc>
+                <a:tc>
+                  <a:txBody>
+                    <a:bodyPr/>
+                    <a:lstStyle/>
+                    <a:p>
+                      <a:pPr marL="0" marR="0" indent="0" algn="ctr" fontAlgn="base" latinLnBrk="0">
+                        <a:lnSpc>
+                          <a:spcPct val="100000"/>
+                        </a:lnSpc>
+                        <a:spcBef>
+                          <a:spcPts val="0"/>
+                        </a:spcBef>
+                        <a:spcAft>
+                          <a:spcPts val="0"/>
+                        </a:spcAft>
+                      </a:pPr>
+                      <a:r>
+                        <a:rPr lang="ko-KR" altLang="en-US" sz="1050" b="1" kern="0" spc="0" dirty="0">
+                          <a:solidFill>
+                            <a:schemeClr val="bg1">
+                              <a:lumMod val="75000"/>
+                            </a:schemeClr>
+                          </a:solidFill>
+                          <a:effectLst/>
+                          <a:latin typeface="나눔바른고딕" panose="020B0603020101020101" pitchFamily="50" charset="-127"/>
+                          <a:ea typeface="나눔바른고딕" panose="020B0603020101020101" pitchFamily="50" charset="-127"/>
+                          <a:cs typeface="+mn-cs"/>
+                        </a:rPr>
+                        <a:t>여</a:t>
+                      </a:r>
+                    </a:p>
+                  </a:txBody>
+                  <a:tcPr marL="36000" marR="36000" marT="15709" marB="15709" anchor="ctr">
+                    <a:lnL w="12700" cap="flat" cmpd="sng" algn="ctr">
+                      <a:solidFill>
+                        <a:schemeClr val="bg1">
+                          <a:lumMod val="50000"/>
+                        </a:schemeClr>
+                      </a:solidFill>
+                      <a:prstDash val="solid"/>
+                      <a:round/>
+                      <a:headEnd type="none" w="med" len="med"/>
+                      <a:tailEnd type="none" w="med" len="med"/>
+                    </a:lnL>
+                    <a:lnR w="12700" cap="flat" cmpd="sng" algn="ctr">
+                      <a:solidFill>
+                        <a:schemeClr val="bg1">
+                          <a:lumMod val="50000"/>
+                        </a:schemeClr>
+                      </a:solidFill>
+                      <a:prstDash val="solid"/>
+                      <a:round/>
+                      <a:headEnd type="none" w="med" len="med"/>
+                      <a:tailEnd type="none" w="med" len="med"/>
+                    </a:lnR>
+                    <a:lnT w="12700" cap="flat" cmpd="sng" algn="ctr">
+                      <a:solidFill>
+                        <a:schemeClr val="bg1">
+                          <a:lumMod val="50000"/>
+                        </a:schemeClr>
+                      </a:solidFill>
+                      <a:prstDash val="solid"/>
+                      <a:round/>
+                      <a:headEnd type="none" w="med" len="med"/>
+                      <a:tailEnd type="none" w="med" len="med"/>
+                    </a:lnT>
+                    <a:lnB w="12700" cap="flat" cmpd="sng" algn="ctr">
+                      <a:solidFill>
+                        <a:schemeClr val="bg1">
+                          <a:lumMod val="50000"/>
+                        </a:schemeClr>
+                      </a:solidFill>
+                      <a:prstDash val="solid"/>
+                      <a:round/>
+                      <a:headEnd type="none" w="med" len="med"/>
+                      <a:tailEnd type="none" w="med" len="med"/>
+                    </a:lnB>
+                    <a:noFill/>
+                  </a:tcPr>
+                </a:tc>
+                <a:tc>
+                  <a:txBody>
+                    <a:bodyPr/>
+                    <a:lstStyle/>
+                    <a:p>
+                      <a:pPr marL="0" marR="0" indent="0" algn="ctr" fontAlgn="base" latinLnBrk="0">
+                        <a:lnSpc>
+                          <a:spcPct val="100000"/>
+                        </a:lnSpc>
+                        <a:spcBef>
+                          <a:spcPts val="0"/>
+                        </a:spcBef>
+                        <a:spcAft>
+                          <a:spcPts val="0"/>
+                        </a:spcAft>
+                      </a:pPr>
+                      <a:r>
+                        <a:rPr lang="en-US" sz="1050" b="1" kern="0" spc="0" dirty="0">
+                          <a:solidFill>
+                            <a:schemeClr val="bg1">
+                              <a:lumMod val="75000"/>
+                            </a:schemeClr>
+                          </a:solidFill>
+                          <a:effectLst/>
+                          <a:latin typeface="나눔바른고딕" panose="020B0603020101020101" pitchFamily="50" charset="-127"/>
+                          <a:ea typeface="나눔바른고딕" panose="020B0603020101020101" pitchFamily="50" charset="-127"/>
+                          <a:cs typeface="+mn-cs"/>
+                        </a:rPr>
+                        <a:t>37</a:t>
+                      </a:r>
+                    </a:p>
+                  </a:txBody>
+                  <a:tcPr marL="36000" marR="36000" marT="15709" marB="15709" anchor="ctr">
+                    <a:lnL w="12700" cap="flat" cmpd="sng" algn="ctr">
+                      <a:solidFill>
+                        <a:schemeClr val="bg1">
+                          <a:lumMod val="50000"/>
+                        </a:schemeClr>
+                      </a:solidFill>
+                      <a:prstDash val="solid"/>
+                      <a:round/>
+                      <a:headEnd type="none" w="med" len="med"/>
+                      <a:tailEnd type="none" w="med" len="med"/>
+                    </a:lnL>
+                    <a:lnR w="12700" cap="flat" cmpd="sng" algn="ctr">
+                      <a:solidFill>
+                        <a:schemeClr val="bg1">
+                          <a:lumMod val="50000"/>
+                        </a:schemeClr>
+                      </a:solidFill>
+                      <a:prstDash val="solid"/>
+                      <a:round/>
+                      <a:headEnd type="none" w="med" len="med"/>
+                      <a:tailEnd type="none" w="med" len="med"/>
+                    </a:lnR>
+                    <a:lnT w="12700" cap="flat" cmpd="sng" algn="ctr">
+                      <a:solidFill>
+                        <a:schemeClr val="bg1">
+                          <a:lumMod val="50000"/>
+                        </a:schemeClr>
+                      </a:solidFill>
+                      <a:prstDash val="solid"/>
+                      <a:round/>
+                      <a:headEnd type="none" w="med" len="med"/>
+                      <a:tailEnd type="none" w="med" len="med"/>
+                    </a:lnT>
+                    <a:lnB w="12700" cap="flat" cmpd="sng" algn="ctr">
+                      <a:solidFill>
+                        <a:schemeClr val="bg1">
+                          <a:lumMod val="50000"/>
+                        </a:schemeClr>
+                      </a:solidFill>
+                      <a:prstDash val="solid"/>
+                      <a:round/>
+                      <a:headEnd type="none" w="med" len="med"/>
+                      <a:tailEnd type="none" w="med" len="med"/>
+                    </a:lnB>
+                    <a:noFill/>
+                  </a:tcPr>
+                </a:tc>
+                <a:tc>
+                  <a:txBody>
+                    <a:bodyPr/>
+                    <a:lstStyle/>
+                    <a:p>
+                      <a:pPr marL="0" marR="0" indent="0" algn="ctr" fontAlgn="base" latinLnBrk="0">
+                        <a:lnSpc>
+                          <a:spcPct val="100000"/>
+                        </a:lnSpc>
+                        <a:spcBef>
+                          <a:spcPts val="0"/>
+                        </a:spcBef>
+                        <a:spcAft>
+                          <a:spcPts val="0"/>
+                        </a:spcAft>
+                      </a:pPr>
+                      <a:r>
+                        <a:rPr lang="ko-KR" altLang="en-US" sz="1050" b="1" kern="0" spc="0" dirty="0">
+                          <a:solidFill>
+                            <a:schemeClr val="bg1">
+                              <a:lumMod val="75000"/>
+                            </a:schemeClr>
+                          </a:solidFill>
+                          <a:effectLst/>
+                          <a:latin typeface="나눔바른고딕" panose="020B0603020101020101" pitchFamily="50" charset="-127"/>
+                          <a:ea typeface="나눔바른고딕" panose="020B0603020101020101" pitchFamily="50" charset="-127"/>
+                          <a:cs typeface="+mn-cs"/>
+                        </a:rPr>
+                        <a:t>중국</a:t>
+                      </a:r>
+                    </a:p>
+                  </a:txBody>
+                  <a:tcPr marL="36000" marR="36000" marT="15709" marB="15709" anchor="ctr">
+                    <a:lnL w="12700" cap="flat" cmpd="sng" algn="ctr">
+                      <a:solidFill>
+                        <a:schemeClr val="bg1">
+                          <a:lumMod val="50000"/>
+                        </a:schemeClr>
+                      </a:solidFill>
+                      <a:prstDash val="solid"/>
+                      <a:round/>
+                      <a:headEnd type="none" w="med" len="med"/>
+                      <a:tailEnd type="none" w="med" len="med"/>
+                    </a:lnL>
+                    <a:lnR w="12700" cap="flat" cmpd="sng" algn="ctr">
+                      <a:solidFill>
+                        <a:schemeClr val="bg1">
+                          <a:lumMod val="50000"/>
+                        </a:schemeClr>
+                      </a:solidFill>
+                      <a:prstDash val="solid"/>
+                      <a:round/>
+                      <a:headEnd type="none" w="med" len="med"/>
+                      <a:tailEnd type="none" w="med" len="med"/>
+                    </a:lnR>
+                    <a:lnT w="12700" cap="flat" cmpd="sng" algn="ctr">
+                      <a:solidFill>
+                        <a:schemeClr val="bg1">
+                          <a:lumMod val="50000"/>
+                        </a:schemeClr>
+                      </a:solidFill>
+                      <a:prstDash val="solid"/>
+                      <a:round/>
+                      <a:headEnd type="none" w="med" len="med"/>
+                      <a:tailEnd type="none" w="med" len="med"/>
+                    </a:lnT>
+                    <a:lnB w="12700" cap="flat" cmpd="sng" algn="ctr">
+                      <a:solidFill>
+                        <a:schemeClr val="bg1">
+                          <a:lumMod val="50000"/>
+                        </a:schemeClr>
+                      </a:solidFill>
+                      <a:prstDash val="solid"/>
+                      <a:round/>
+                      <a:headEnd type="none" w="med" len="med"/>
+                      <a:tailEnd type="none" w="med" len="med"/>
+                    </a:lnB>
+                    <a:noFill/>
+                  </a:tcPr>
+                </a:tc>
+                <a:tc>
+                  <a:txBody>
+                    <a:bodyPr/>
+                    <a:lstStyle/>
+                    <a:p>
+                      <a:pPr marL="0" marR="0" indent="0" algn="ctr" defTabSz="914400" rtl="0" eaLnBrk="1" fontAlgn="base" latinLnBrk="0" hangingPunct="1">
+                        <a:lnSpc>
+                          <a:spcPct val="100000"/>
+                        </a:lnSpc>
+                        <a:spcBef>
+                          <a:spcPts val="0"/>
+                        </a:spcBef>
+                        <a:spcAft>
+                          <a:spcPts val="0"/>
+                        </a:spcAft>
+                        <a:buClrTx/>
+                        <a:buSzTx/>
+                        <a:buFontTx/>
+                        <a:buNone/>
+                        <a:tabLst/>
+                        <a:defRPr/>
+                      </a:pPr>
+                      <a:r>
+                        <a:rPr lang="en-US" altLang="ko-KR" sz="1050" b="1" kern="0" spc="0" dirty="0">
+                          <a:solidFill>
+                            <a:schemeClr val="bg1">
+                              <a:lumMod val="75000"/>
+                            </a:schemeClr>
+                          </a:solidFill>
+                          <a:effectLst/>
+                          <a:latin typeface="나눔바른고딕" panose="020B0603020101020101" pitchFamily="50" charset="-127"/>
+                          <a:ea typeface="나눔바른고딕" panose="020B0603020101020101" pitchFamily="50" charset="-127"/>
+                          <a:cs typeface="+mn-cs"/>
+                        </a:rPr>
+                        <a:t>X</a:t>
+                      </a:r>
+                    </a:p>
+                  </a:txBody>
+                  <a:tcPr marL="36000" marR="36000" marT="15709" marB="15709" anchor="ctr">
+                    <a:lnL w="12700" cap="flat" cmpd="sng" algn="ctr">
+                      <a:solidFill>
+                        <a:schemeClr val="bg1">
+                          <a:lumMod val="50000"/>
+                        </a:schemeClr>
+                      </a:solidFill>
+                      <a:prstDash val="solid"/>
+                      <a:round/>
+                      <a:headEnd type="none" w="med" len="med"/>
+                      <a:tailEnd type="none" w="med" len="med"/>
+                    </a:lnL>
+                    <a:lnR w="12700" cap="flat" cmpd="sng" algn="ctr">
+                      <a:solidFill>
+                        <a:schemeClr val="bg1">
+                          <a:lumMod val="50000"/>
+                        </a:schemeClr>
+                      </a:solidFill>
+                      <a:prstDash val="solid"/>
+                      <a:round/>
+                      <a:headEnd type="none" w="med" len="med"/>
+                      <a:tailEnd type="none" w="med" len="med"/>
+                    </a:lnR>
+                    <a:lnT w="12700" cap="flat" cmpd="sng" algn="ctr">
+                      <a:solidFill>
+                        <a:schemeClr val="bg1">
+                          <a:lumMod val="50000"/>
+                        </a:schemeClr>
+                      </a:solidFill>
+                      <a:prstDash val="solid"/>
+                      <a:round/>
+                      <a:headEnd type="none" w="med" len="med"/>
+                      <a:tailEnd type="none" w="med" len="med"/>
+                    </a:lnT>
+                    <a:lnB w="12700" cap="flat" cmpd="sng" algn="ctr">
+                      <a:solidFill>
+                        <a:schemeClr val="bg1">
+                          <a:lumMod val="50000"/>
+                        </a:schemeClr>
+                      </a:solidFill>
+                      <a:prstDash val="solid"/>
+                      <a:round/>
+                      <a:headEnd type="none" w="med" len="med"/>
+                      <a:tailEnd type="none" w="med" len="med"/>
+                    </a:lnB>
+                    <a:noFill/>
+                  </a:tcPr>
+                </a:tc>
+                <a:tc>
+                  <a:txBody>
+                    <a:bodyPr/>
+                    <a:lstStyle/>
+                    <a:p>
+                      <a:pPr marL="0" marR="0" indent="0" algn="ctr" fontAlgn="base" latinLnBrk="0">
+                        <a:lnSpc>
+                          <a:spcPct val="100000"/>
+                        </a:lnSpc>
+                        <a:spcBef>
+                          <a:spcPts val="0"/>
+                        </a:spcBef>
+                        <a:spcAft>
+                          <a:spcPts val="0"/>
+                        </a:spcAft>
+                      </a:pPr>
+                      <a:r>
+                        <a:rPr lang="en-US" sz="1050" b="1" kern="0" spc="0" dirty="0">
+                          <a:solidFill>
+                            <a:schemeClr val="bg1">
+                              <a:lumMod val="75000"/>
+                            </a:schemeClr>
+                          </a:solidFill>
+                          <a:effectLst/>
+                          <a:latin typeface="나눔바른고딕" panose="020B0603020101020101" pitchFamily="50" charset="-127"/>
+                          <a:ea typeface="나눔바른고딕" panose="020B0603020101020101" pitchFamily="50" charset="-127"/>
+                          <a:cs typeface="+mn-cs"/>
+                        </a:rPr>
+                        <a:t>1.31</a:t>
+                      </a:r>
+                    </a:p>
+                  </a:txBody>
+                  <a:tcPr marL="36000" marR="36000" marT="15709" marB="15709" anchor="ctr">
+                    <a:lnL w="12700" cap="flat" cmpd="sng" algn="ctr">
+                      <a:solidFill>
+                        <a:schemeClr val="bg1">
+                          <a:lumMod val="50000"/>
+                        </a:schemeClr>
+                      </a:solidFill>
+                      <a:prstDash val="solid"/>
+                      <a:round/>
+                      <a:headEnd type="none" w="med" len="med"/>
+                      <a:tailEnd type="none" w="med" len="med"/>
+                    </a:lnL>
+                    <a:lnR w="12700" cap="flat" cmpd="sng" algn="ctr">
+                      <a:solidFill>
+                        <a:schemeClr val="bg1">
+                          <a:lumMod val="50000"/>
+                        </a:schemeClr>
+                      </a:solidFill>
+                      <a:prstDash val="solid"/>
+                      <a:round/>
+                      <a:headEnd type="none" w="med" len="med"/>
+                      <a:tailEnd type="none" w="med" len="med"/>
+                    </a:lnR>
+                    <a:lnT w="12700" cap="flat" cmpd="sng" algn="ctr">
+                      <a:solidFill>
+                        <a:schemeClr val="bg1">
+                          <a:lumMod val="50000"/>
+                        </a:schemeClr>
+                      </a:solidFill>
+                      <a:prstDash val="solid"/>
+                      <a:round/>
+                      <a:headEnd type="none" w="med" len="med"/>
+                      <a:tailEnd type="none" w="med" len="med"/>
+                    </a:lnT>
+                    <a:lnB w="12700" cap="flat" cmpd="sng" algn="ctr">
+                      <a:solidFill>
+                        <a:schemeClr val="bg1">
+                          <a:lumMod val="50000"/>
+                        </a:schemeClr>
+                      </a:solidFill>
+                      <a:prstDash val="solid"/>
+                      <a:round/>
+                      <a:headEnd type="none" w="med" len="med"/>
+                      <a:tailEnd type="none" w="med" len="med"/>
+                    </a:lnB>
+                    <a:noFill/>
+                  </a:tcPr>
+                </a:tc>
+                <a:tc>
+                  <a:txBody>
+                    <a:bodyPr/>
+                    <a:lstStyle/>
+                    <a:p>
+                      <a:pPr marL="0" marR="0" indent="0" algn="ctr" fontAlgn="base" latinLnBrk="0">
+                        <a:lnSpc>
+                          <a:spcPct val="100000"/>
+                        </a:lnSpc>
+                        <a:spcBef>
+                          <a:spcPts val="0"/>
+                        </a:spcBef>
+                        <a:spcAft>
+                          <a:spcPts val="0"/>
+                        </a:spcAft>
+                      </a:pPr>
+                      <a:r>
+                        <a:rPr lang="en-US" sz="1050" b="1" kern="0" spc="0" dirty="0">
+                          <a:solidFill>
+                            <a:schemeClr val="bg1">
+                              <a:lumMod val="75000"/>
+                            </a:schemeClr>
+                          </a:solidFill>
+                          <a:effectLst/>
+                          <a:latin typeface="나눔바른고딕" panose="020B0603020101020101" pitchFamily="50" charset="-127"/>
+                          <a:ea typeface="나눔바른고딕" panose="020B0603020101020101" pitchFamily="50" charset="-127"/>
+                          <a:cs typeface="+mn-cs"/>
+                        </a:rPr>
+                        <a:t>2.9</a:t>
+                      </a:r>
+                    </a:p>
+                  </a:txBody>
+                  <a:tcPr marL="36000" marR="36000" marT="15709" marB="15709" anchor="ctr">
+                    <a:lnL w="12700" cap="flat" cmpd="sng" algn="ctr">
+                      <a:solidFill>
+                        <a:schemeClr val="bg1">
+                          <a:lumMod val="50000"/>
+                        </a:schemeClr>
+                      </a:solidFill>
+                      <a:prstDash val="solid"/>
+                      <a:round/>
+                      <a:headEnd type="none" w="med" len="med"/>
+                      <a:tailEnd type="none" w="med" len="med"/>
+                    </a:lnL>
+                    <a:lnR w="12700" cap="flat" cmpd="sng" algn="ctr">
+                      <a:solidFill>
+                        <a:schemeClr val="bg1">
+                          <a:lumMod val="50000"/>
+                        </a:schemeClr>
+                      </a:solidFill>
+                      <a:prstDash val="solid"/>
+                      <a:round/>
+                      <a:headEnd type="none" w="med" len="med"/>
+                      <a:tailEnd type="none" w="med" len="med"/>
+                    </a:lnR>
+                    <a:lnT w="12700" cap="flat" cmpd="sng" algn="ctr">
+                      <a:solidFill>
+                        <a:schemeClr val="bg1">
+                          <a:lumMod val="50000"/>
+                        </a:schemeClr>
+                      </a:solidFill>
+                      <a:prstDash val="solid"/>
+                      <a:round/>
+                      <a:headEnd type="none" w="med" len="med"/>
+                      <a:tailEnd type="none" w="med" len="med"/>
+                    </a:lnT>
+                    <a:lnB w="12700" cap="flat" cmpd="sng" algn="ctr">
+                      <a:solidFill>
+                        <a:schemeClr val="bg1">
+                          <a:lumMod val="50000"/>
+                        </a:schemeClr>
+                      </a:solidFill>
+                      <a:prstDash val="solid"/>
+                      <a:round/>
+                      <a:headEnd type="none" w="med" len="med"/>
+                      <a:tailEnd type="none" w="med" len="med"/>
+                    </a:lnB>
+                    <a:noFill/>
+                  </a:tcPr>
+                </a:tc>
+                <a:tc>
+                  <a:txBody>
+                    <a:bodyPr/>
+                    <a:lstStyle/>
+                    <a:p>
+                      <a:pPr marL="0" marR="0" indent="0" algn="ctr" defTabSz="914400" rtl="0" eaLnBrk="1" fontAlgn="base" latinLnBrk="0" hangingPunct="1">
+                        <a:lnSpc>
+                          <a:spcPct val="100000"/>
+                        </a:lnSpc>
+                        <a:spcBef>
+                          <a:spcPts val="0"/>
+                        </a:spcBef>
+                        <a:spcAft>
+                          <a:spcPts val="0"/>
+                        </a:spcAft>
+                        <a:buClrTx/>
+                        <a:buSzTx/>
+                        <a:buFontTx/>
+                        <a:buNone/>
+                        <a:tabLst/>
+                        <a:defRPr/>
+                      </a:pPr>
+                      <a:r>
+                        <a:rPr lang="ko-KR" altLang="en-US" sz="1000" b="1" kern="0" spc="0" dirty="0">
+                          <a:solidFill>
+                            <a:schemeClr val="bg1">
+                              <a:lumMod val="75000"/>
+                            </a:schemeClr>
+                          </a:solidFill>
+                          <a:effectLst/>
+                          <a:latin typeface="나눔바른고딕" panose="020B0603020101020101" pitchFamily="50" charset="-127"/>
+                          <a:ea typeface="나눔바른고딕" panose="020B0603020101020101" pitchFamily="50" charset="-127"/>
+                          <a:cs typeface="+mn-cs"/>
+                        </a:rPr>
+                        <a:t>안성병원</a:t>
+                      </a:r>
+                    </a:p>
+                  </a:txBody>
+                  <a:tcPr marL="36000" marR="36000" marT="15709" marB="15709" anchor="ctr">
+                    <a:lnL w="12700" cap="flat" cmpd="sng" algn="ctr">
+                      <a:solidFill>
+                        <a:schemeClr val="bg1">
+                          <a:lumMod val="50000"/>
+                        </a:schemeClr>
+                      </a:solidFill>
+                      <a:prstDash val="solid"/>
+                      <a:round/>
+                      <a:headEnd type="none" w="med" len="med"/>
+                      <a:tailEnd type="none" w="med" len="med"/>
+                    </a:lnL>
+                    <a:lnR w="12700" cap="flat" cmpd="sng" algn="ctr">
+                      <a:solidFill>
+                        <a:schemeClr val="bg1">
+                          <a:lumMod val="50000"/>
+                        </a:schemeClr>
+                      </a:solidFill>
+                      <a:prstDash val="solid"/>
+                      <a:round/>
+                      <a:headEnd type="none" w="med" len="med"/>
+                      <a:tailEnd type="none" w="med" len="med"/>
+                    </a:lnR>
+                    <a:lnT w="12700" cap="flat" cmpd="sng" algn="ctr">
+                      <a:solidFill>
+                        <a:schemeClr val="bg1">
+                          <a:lumMod val="50000"/>
+                        </a:schemeClr>
+                      </a:solidFill>
+                      <a:prstDash val="solid"/>
+                      <a:round/>
+                      <a:headEnd type="none" w="med" len="med"/>
+                      <a:tailEnd type="none" w="med" len="med"/>
+                    </a:lnT>
+                    <a:lnB w="12700" cap="flat" cmpd="sng" algn="ctr">
+                      <a:solidFill>
+                        <a:schemeClr val="bg1">
+                          <a:lumMod val="50000"/>
+                        </a:schemeClr>
+                      </a:solidFill>
+                      <a:prstDash val="solid"/>
+                      <a:round/>
+                      <a:headEnd type="none" w="med" len="med"/>
+                      <a:tailEnd type="none" w="med" len="med"/>
+                    </a:lnB>
+                    <a:noFill/>
+                  </a:tcPr>
+                </a:tc>
+                <a:tc>
+                  <a:txBody>
+                    <a:bodyPr/>
+                    <a:lstStyle/>
+                    <a:p>
+                      <a:pPr marL="0" marR="0" indent="0" algn="ctr" fontAlgn="base" latinLnBrk="0">
+                        <a:lnSpc>
+                          <a:spcPct val="100000"/>
+                        </a:lnSpc>
+                        <a:spcBef>
+                          <a:spcPts val="0"/>
+                        </a:spcBef>
+                        <a:spcAft>
+                          <a:spcPts val="0"/>
+                        </a:spcAft>
+                      </a:pPr>
+                      <a:r>
+                        <a:rPr lang="ko-KR" altLang="en-US" sz="1050" b="1" kern="0" spc="0" dirty="0" err="1">
+                          <a:solidFill>
+                            <a:schemeClr val="bg1">
+                              <a:lumMod val="75000"/>
+                            </a:schemeClr>
+                          </a:solidFill>
+                          <a:effectLst/>
+                          <a:latin typeface="나눔바른고딕" panose="020B0603020101020101" pitchFamily="50" charset="-127"/>
+                          <a:ea typeface="나눔바른고딕" panose="020B0603020101020101" pitchFamily="50" charset="-127"/>
+                          <a:cs typeface="+mn-cs"/>
+                        </a:rPr>
+                        <a:t>확인중</a:t>
+                      </a:r>
+                      <a:endParaRPr lang="ko-KR" altLang="en-US" sz="1050" b="1" kern="0" spc="0" dirty="0">
+                        <a:solidFill>
+                          <a:schemeClr val="bg1">
+                            <a:lumMod val="75000"/>
+                          </a:schemeClr>
+                        </a:solidFill>
+                        <a:effectLst/>
+                        <a:latin typeface="나눔바른고딕" panose="020B0603020101020101" pitchFamily="50" charset="-127"/>
+                        <a:ea typeface="나눔바른고딕" panose="020B0603020101020101" pitchFamily="50" charset="-127"/>
+                        <a:cs typeface="+mn-cs"/>
+                      </a:endParaRPr>
+                    </a:p>
+                  </a:txBody>
+                  <a:tcPr marL="36000" marR="36000" marT="15709" marB="15709" anchor="ctr">
+                    <a:lnL w="12700" cap="flat" cmpd="sng" algn="ctr">
+                      <a:solidFill>
+                        <a:schemeClr val="bg1">
+                          <a:lumMod val="50000"/>
+                        </a:schemeClr>
+                      </a:solidFill>
+                      <a:prstDash val="solid"/>
+                      <a:round/>
+                      <a:headEnd type="none" w="med" len="med"/>
+                      <a:tailEnd type="none" w="med" len="med"/>
+                    </a:lnL>
+                    <a:lnR w="12700" cap="flat" cmpd="sng" algn="ctr">
+                      <a:solidFill>
+                        <a:schemeClr val="bg1">
+                          <a:lumMod val="50000"/>
+                        </a:schemeClr>
+                      </a:solidFill>
+                      <a:prstDash val="solid"/>
+                      <a:round/>
+                      <a:headEnd type="none" w="med" len="med"/>
+                      <a:tailEnd type="none" w="med" len="med"/>
+                    </a:lnR>
+                    <a:lnT w="12700" cap="flat" cmpd="sng" algn="ctr">
+                      <a:solidFill>
+                        <a:schemeClr val="bg1">
+                          <a:lumMod val="50000"/>
+                        </a:schemeClr>
+                      </a:solidFill>
+                      <a:prstDash val="solid"/>
+                      <a:round/>
+                      <a:headEnd type="none" w="med" len="med"/>
+                      <a:tailEnd type="none" w="med" len="med"/>
+                    </a:lnT>
+                    <a:lnB w="12700" cap="flat" cmpd="sng" algn="ctr">
+                      <a:solidFill>
+                        <a:schemeClr val="bg1">
+                          <a:lumMod val="50000"/>
+                        </a:schemeClr>
+                      </a:solidFill>
+                      <a:prstDash val="solid"/>
+                      <a:round/>
+                      <a:headEnd type="none" w="med" len="med"/>
+                      <a:tailEnd type="none" w="med" len="med"/>
+                    </a:lnB>
+                    <a:noFill/>
+                  </a:tcPr>
+                </a:tc>
+                <a:extLst>
+                  <a:ext uri="{0D108BD9-81ED-4DB2-BD59-A6C34878D82A}">
+                    <a16:rowId xmlns:a16="http://schemas.microsoft.com/office/drawing/2014/main" val="680393749"/>
                   </a:ext>
                 </a:extLst>
               </a:tr>

--- a/images/update.pptx
+++ b/images/update.pptx
@@ -259,7 +259,7 @@
           <a:p>
             <a:fld id="{429AE3F6-67A9-4E6B-958C-6331EFEB065E}" type="datetimeFigureOut">
               <a:rPr lang="ko-KR" altLang="en-US" smtClean="0"/>
-              <a:t>2020-02-09</a:t>
+              <a:t>2020-02-10</a:t>
             </a:fld>
             <a:endParaRPr lang="ko-KR" altLang="en-US"/>
           </a:p>
@@ -457,7 +457,7 @@
           <a:p>
             <a:fld id="{429AE3F6-67A9-4E6B-958C-6331EFEB065E}" type="datetimeFigureOut">
               <a:rPr lang="ko-KR" altLang="en-US" smtClean="0"/>
-              <a:t>2020-02-09</a:t>
+              <a:t>2020-02-10</a:t>
             </a:fld>
             <a:endParaRPr lang="ko-KR" altLang="en-US"/>
           </a:p>
@@ -665,7 +665,7 @@
           <a:p>
             <a:fld id="{429AE3F6-67A9-4E6B-958C-6331EFEB065E}" type="datetimeFigureOut">
               <a:rPr lang="ko-KR" altLang="en-US" smtClean="0"/>
-              <a:t>2020-02-09</a:t>
+              <a:t>2020-02-10</a:t>
             </a:fld>
             <a:endParaRPr lang="ko-KR" altLang="en-US"/>
           </a:p>
@@ -863,7 +863,7 @@
           <a:p>
             <a:fld id="{429AE3F6-67A9-4E6B-958C-6331EFEB065E}" type="datetimeFigureOut">
               <a:rPr lang="ko-KR" altLang="en-US" smtClean="0"/>
-              <a:t>2020-02-09</a:t>
+              <a:t>2020-02-10</a:t>
             </a:fld>
             <a:endParaRPr lang="ko-KR" altLang="en-US"/>
           </a:p>
@@ -1138,7 +1138,7 @@
           <a:p>
             <a:fld id="{429AE3F6-67A9-4E6B-958C-6331EFEB065E}" type="datetimeFigureOut">
               <a:rPr lang="ko-KR" altLang="en-US" smtClean="0"/>
-              <a:t>2020-02-09</a:t>
+              <a:t>2020-02-10</a:t>
             </a:fld>
             <a:endParaRPr lang="ko-KR" altLang="en-US"/>
           </a:p>
@@ -1403,7 +1403,7 @@
           <a:p>
             <a:fld id="{429AE3F6-67A9-4E6B-958C-6331EFEB065E}" type="datetimeFigureOut">
               <a:rPr lang="ko-KR" altLang="en-US" smtClean="0"/>
-              <a:t>2020-02-09</a:t>
+              <a:t>2020-02-10</a:t>
             </a:fld>
             <a:endParaRPr lang="ko-KR" altLang="en-US"/>
           </a:p>
@@ -1815,7 +1815,7 @@
           <a:p>
             <a:fld id="{429AE3F6-67A9-4E6B-958C-6331EFEB065E}" type="datetimeFigureOut">
               <a:rPr lang="ko-KR" altLang="en-US" smtClean="0"/>
-              <a:t>2020-02-09</a:t>
+              <a:t>2020-02-10</a:t>
             </a:fld>
             <a:endParaRPr lang="ko-KR" altLang="en-US"/>
           </a:p>
@@ -1956,7 +1956,7 @@
           <a:p>
             <a:fld id="{429AE3F6-67A9-4E6B-958C-6331EFEB065E}" type="datetimeFigureOut">
               <a:rPr lang="ko-KR" altLang="en-US" smtClean="0"/>
-              <a:t>2020-02-09</a:t>
+              <a:t>2020-02-10</a:t>
             </a:fld>
             <a:endParaRPr lang="ko-KR" altLang="en-US"/>
           </a:p>
@@ -2069,7 +2069,7 @@
           <a:p>
             <a:fld id="{429AE3F6-67A9-4E6B-958C-6331EFEB065E}" type="datetimeFigureOut">
               <a:rPr lang="ko-KR" altLang="en-US" smtClean="0"/>
-              <a:t>2020-02-09</a:t>
+              <a:t>2020-02-10</a:t>
             </a:fld>
             <a:endParaRPr lang="ko-KR" altLang="en-US"/>
           </a:p>
@@ -2380,7 +2380,7 @@
           <a:p>
             <a:fld id="{429AE3F6-67A9-4E6B-958C-6331EFEB065E}" type="datetimeFigureOut">
               <a:rPr lang="ko-KR" altLang="en-US" smtClean="0"/>
-              <a:t>2020-02-09</a:t>
+              <a:t>2020-02-10</a:t>
             </a:fld>
             <a:endParaRPr lang="ko-KR" altLang="en-US"/>
           </a:p>
@@ -2668,7 +2668,7 @@
           <a:p>
             <a:fld id="{429AE3F6-67A9-4E6B-958C-6331EFEB065E}" type="datetimeFigureOut">
               <a:rPr lang="ko-KR" altLang="en-US" smtClean="0"/>
-              <a:t>2020-02-09</a:t>
+              <a:t>2020-02-10</a:t>
             </a:fld>
             <a:endParaRPr lang="ko-KR" altLang="en-US"/>
           </a:p>
@@ -2909,7 +2909,7 @@
           <a:p>
             <a:fld id="{429AE3F6-67A9-4E6B-958C-6331EFEB065E}" type="datetimeFigureOut">
               <a:rPr lang="ko-KR" altLang="en-US" smtClean="0"/>
-              <a:t>2020-02-09</a:t>
+              <a:t>2020-02-10</a:t>
             </a:fld>
             <a:endParaRPr lang="ko-KR" altLang="en-US"/>
           </a:p>
@@ -3341,7 +3341,7 @@
           <p:nvPr>
             <p:extLst>
               <p:ext uri="{D42A27DB-BD31-4B8C-83A1-F6EECF244321}">
-                <p14:modId xmlns:p14="http://schemas.microsoft.com/office/powerpoint/2010/main" val="2996556120"/>
+                <p14:modId xmlns:p14="http://schemas.microsoft.com/office/powerpoint/2010/main" val="962847512"/>
               </p:ext>
             </p:extLst>
           </p:nvPr>
@@ -4317,7 +4317,7 @@
                           <a:latin typeface="나눔바른고딕" panose="020B0603020101020101" pitchFamily="50" charset="-127"/>
                           <a:ea typeface="나눔바른고딕" panose="020B0603020101020101" pitchFamily="50" charset="-127"/>
                         </a:rPr>
-                        <a:t>(1,698</a:t>
+                        <a:t>(1,762</a:t>
                       </a:r>
                       <a:r>
                         <a:rPr lang="ko-KR" altLang="en-US" sz="1100" b="1" kern="0" spc="-180" dirty="0">
@@ -16308,7 +16308,7 @@
                           <a:ea typeface="나눔바른고딕" panose="020B0603020101020101" pitchFamily="50" charset="-127"/>
                           <a:cs typeface="+mn-cs"/>
                         </a:rPr>
-                        <a:t>14</a:t>
+                        <a:t>15</a:t>
                       </a:r>
                     </a:p>
                   </a:txBody>
@@ -17101,7 +17101,7 @@
                           <a:ea typeface="나눔바른고딕" panose="020B0603020101020101" pitchFamily="50" charset="-127"/>
                           <a:cs typeface="+mn-cs"/>
                         </a:rPr>
-                        <a:t>417</a:t>
+                        <a:t>438</a:t>
                       </a:r>
                       <a:endParaRPr lang="ko-KR" altLang="en-US" sz="1050" b="1" kern="0" spc="0" dirty="0">
                         <a:solidFill>
@@ -21230,7 +21230,7 @@
                           <a:ea typeface="나눔바른고딕" panose="020B0603020101020101" pitchFamily="50" charset="-127"/>
                           <a:cs typeface="+mn-cs"/>
                         </a:rPr>
-                        <a:t>7</a:t>
+                        <a:t>6</a:t>
                       </a:r>
                       <a:endParaRPr lang="ko-KR" altLang="en-US" sz="1050" b="1" kern="0" spc="0" dirty="0">
                         <a:solidFill>
@@ -24507,7 +24507,7 @@
                         </a:spcAft>
                       </a:pPr>
                       <a:r>
-                        <a:rPr lang="ko-KR" altLang="en-US" sz="1050" b="1" kern="0" spc="0" dirty="0" err="1">
+                        <a:rPr lang="en-US" altLang="ko-KR" sz="1050" b="1" kern="0" spc="0" dirty="0">
                           <a:solidFill>
                             <a:schemeClr val="bg1">
                               <a:lumMod val="75000"/>
@@ -24518,7 +24518,7 @@
                           <a:ea typeface="나눔바른고딕" panose="020B0603020101020101" pitchFamily="50" charset="-127"/>
                           <a:cs typeface="+mn-cs"/>
                         </a:rPr>
-                        <a:t>확인중</a:t>
+                        <a:t>11</a:t>
                       </a:r>
                       <a:endParaRPr lang="ko-KR" altLang="en-US" sz="1050" b="1" kern="0" spc="0" dirty="0">
                         <a:solidFill>
@@ -25257,7 +25257,7 @@
                         </a:spcAft>
                       </a:pPr>
                       <a:r>
-                        <a:rPr lang="ko-KR" altLang="en-US" sz="1050" b="1" kern="0" spc="0" dirty="0" err="1">
+                        <a:rPr lang="en-US" altLang="ko-KR" sz="1050" b="1" kern="0" spc="0" dirty="0">
                           <a:solidFill>
                             <a:schemeClr val="bg1">
                               <a:lumMod val="75000"/>
@@ -25268,7 +25268,7 @@
                           <a:ea typeface="나눔바른고딕" panose="020B0603020101020101" pitchFamily="50" charset="-127"/>
                           <a:cs typeface="+mn-cs"/>
                         </a:rPr>
-                        <a:t>확인중</a:t>
+                        <a:t>0</a:t>
                       </a:r>
                       <a:endParaRPr lang="ko-KR" altLang="en-US" sz="1050" b="1" kern="0" spc="0" dirty="0">
                         <a:solidFill>
@@ -26007,7 +26007,7 @@
                         </a:spcAft>
                       </a:pPr>
                       <a:r>
-                        <a:rPr lang="ko-KR" altLang="en-US" sz="1050" b="1" kern="0" spc="0" dirty="0" err="1">
+                        <a:rPr lang="en-US" altLang="ko-KR" sz="1050" b="1" kern="0" spc="0" dirty="0">
                           <a:solidFill>
                             <a:schemeClr val="bg1">
                               <a:lumMod val="75000"/>
@@ -26018,7 +26018,7 @@
                           <a:ea typeface="나눔바른고딕" panose="020B0603020101020101" pitchFamily="50" charset="-127"/>
                           <a:cs typeface="+mn-cs"/>
                         </a:rPr>
-                        <a:t>확인중</a:t>
+                        <a:t>32</a:t>
                       </a:r>
                       <a:endParaRPr lang="ko-KR" altLang="en-US" sz="1050" b="1" kern="0" spc="0" dirty="0">
                         <a:solidFill>

--- a/images/update.pptx
+++ b/images/update.pptx
@@ -259,7 +259,7 @@
           <a:p>
             <a:fld id="{429AE3F6-67A9-4E6B-958C-6331EFEB065E}" type="datetimeFigureOut">
               <a:rPr lang="ko-KR" altLang="en-US" smtClean="0"/>
-              <a:t>2020-02-10</a:t>
+              <a:t>2020-02-11</a:t>
             </a:fld>
             <a:endParaRPr lang="ko-KR" altLang="en-US"/>
           </a:p>
@@ -457,7 +457,7 @@
           <a:p>
             <a:fld id="{429AE3F6-67A9-4E6B-958C-6331EFEB065E}" type="datetimeFigureOut">
               <a:rPr lang="ko-KR" altLang="en-US" smtClean="0"/>
-              <a:t>2020-02-10</a:t>
+              <a:t>2020-02-11</a:t>
             </a:fld>
             <a:endParaRPr lang="ko-KR" altLang="en-US"/>
           </a:p>
@@ -665,7 +665,7 @@
           <a:p>
             <a:fld id="{429AE3F6-67A9-4E6B-958C-6331EFEB065E}" type="datetimeFigureOut">
               <a:rPr lang="ko-KR" altLang="en-US" smtClean="0"/>
-              <a:t>2020-02-10</a:t>
+              <a:t>2020-02-11</a:t>
             </a:fld>
             <a:endParaRPr lang="ko-KR" altLang="en-US"/>
           </a:p>
@@ -863,7 +863,7 @@
           <a:p>
             <a:fld id="{429AE3F6-67A9-4E6B-958C-6331EFEB065E}" type="datetimeFigureOut">
               <a:rPr lang="ko-KR" altLang="en-US" smtClean="0"/>
-              <a:t>2020-02-10</a:t>
+              <a:t>2020-02-11</a:t>
             </a:fld>
             <a:endParaRPr lang="ko-KR" altLang="en-US"/>
           </a:p>
@@ -1138,7 +1138,7 @@
           <a:p>
             <a:fld id="{429AE3F6-67A9-4E6B-958C-6331EFEB065E}" type="datetimeFigureOut">
               <a:rPr lang="ko-KR" altLang="en-US" smtClean="0"/>
-              <a:t>2020-02-10</a:t>
+              <a:t>2020-02-11</a:t>
             </a:fld>
             <a:endParaRPr lang="ko-KR" altLang="en-US"/>
           </a:p>
@@ -1403,7 +1403,7 @@
           <a:p>
             <a:fld id="{429AE3F6-67A9-4E6B-958C-6331EFEB065E}" type="datetimeFigureOut">
               <a:rPr lang="ko-KR" altLang="en-US" smtClean="0"/>
-              <a:t>2020-02-10</a:t>
+              <a:t>2020-02-11</a:t>
             </a:fld>
             <a:endParaRPr lang="ko-KR" altLang="en-US"/>
           </a:p>
@@ -1815,7 +1815,7 @@
           <a:p>
             <a:fld id="{429AE3F6-67A9-4E6B-958C-6331EFEB065E}" type="datetimeFigureOut">
               <a:rPr lang="ko-KR" altLang="en-US" smtClean="0"/>
-              <a:t>2020-02-10</a:t>
+              <a:t>2020-02-11</a:t>
             </a:fld>
             <a:endParaRPr lang="ko-KR" altLang="en-US"/>
           </a:p>
@@ -1956,7 +1956,7 @@
           <a:p>
             <a:fld id="{429AE3F6-67A9-4E6B-958C-6331EFEB065E}" type="datetimeFigureOut">
               <a:rPr lang="ko-KR" altLang="en-US" smtClean="0"/>
-              <a:t>2020-02-10</a:t>
+              <a:t>2020-02-11</a:t>
             </a:fld>
             <a:endParaRPr lang="ko-KR" altLang="en-US"/>
           </a:p>
@@ -2069,7 +2069,7 @@
           <a:p>
             <a:fld id="{429AE3F6-67A9-4E6B-958C-6331EFEB065E}" type="datetimeFigureOut">
               <a:rPr lang="ko-KR" altLang="en-US" smtClean="0"/>
-              <a:t>2020-02-10</a:t>
+              <a:t>2020-02-11</a:t>
             </a:fld>
             <a:endParaRPr lang="ko-KR" altLang="en-US"/>
           </a:p>
@@ -2380,7 +2380,7 @@
           <a:p>
             <a:fld id="{429AE3F6-67A9-4E6B-958C-6331EFEB065E}" type="datetimeFigureOut">
               <a:rPr lang="ko-KR" altLang="en-US" smtClean="0"/>
-              <a:t>2020-02-10</a:t>
+              <a:t>2020-02-11</a:t>
             </a:fld>
             <a:endParaRPr lang="ko-KR" altLang="en-US"/>
           </a:p>
@@ -2668,7 +2668,7 @@
           <a:p>
             <a:fld id="{429AE3F6-67A9-4E6B-958C-6331EFEB065E}" type="datetimeFigureOut">
               <a:rPr lang="ko-KR" altLang="en-US" smtClean="0"/>
-              <a:t>2020-02-10</a:t>
+              <a:t>2020-02-11</a:t>
             </a:fld>
             <a:endParaRPr lang="ko-KR" altLang="en-US"/>
           </a:p>
@@ -2909,7 +2909,7 @@
           <a:p>
             <a:fld id="{429AE3F6-67A9-4E6B-958C-6331EFEB065E}" type="datetimeFigureOut">
               <a:rPr lang="ko-KR" altLang="en-US" smtClean="0"/>
-              <a:t>2020-02-10</a:t>
+              <a:t>2020-02-11</a:t>
             </a:fld>
             <a:endParaRPr lang="ko-KR" altLang="en-US"/>
           </a:p>
@@ -3341,77 +3341,77 @@
           <p:nvPr>
             <p:extLst>
               <p:ext uri="{D42A27DB-BD31-4B8C-83A1-F6EECF244321}">
-                <p14:modId xmlns:p14="http://schemas.microsoft.com/office/powerpoint/2010/main" val="962847512"/>
+                <p14:modId xmlns:p14="http://schemas.microsoft.com/office/powerpoint/2010/main" val="2656205535"/>
               </p:ext>
             </p:extLst>
           </p:nvPr>
         </p:nvGraphicFramePr>
         <p:xfrm>
-          <a:off x="3567690" y="-109643"/>
-          <a:ext cx="4853498" cy="8230709"/>
+          <a:off x="3813874" y="0"/>
+          <a:ext cx="5212897" cy="8518709"/>
         </p:xfrm>
         <a:graphic>
           <a:graphicData uri="http://schemas.openxmlformats.org/drawingml/2006/table">
             <a:tbl>
               <a:tblPr/>
               <a:tblGrid>
-                <a:gridCol w="404664">
+                <a:gridCol w="434629">
                   <a:extLst>
                     <a:ext uri="{9D8B030D-6E8A-4147-A177-3AD203B41FA5}">
                       <a16:colId xmlns:a16="http://schemas.microsoft.com/office/drawing/2014/main" val="1158775166"/>
                     </a:ext>
                   </a:extLst>
                 </a:gridCol>
-                <a:gridCol w="384256">
+                <a:gridCol w="412710">
                   <a:extLst>
                     <a:ext uri="{9D8B030D-6E8A-4147-A177-3AD203B41FA5}">
                       <a16:colId xmlns:a16="http://schemas.microsoft.com/office/drawing/2014/main" val="2043008770"/>
                     </a:ext>
                   </a:extLst>
                 </a:gridCol>
-                <a:gridCol w="384256">
+                <a:gridCol w="412710">
                   <a:extLst>
                     <a:ext uri="{9D8B030D-6E8A-4147-A177-3AD203B41FA5}">
                       <a16:colId xmlns:a16="http://schemas.microsoft.com/office/drawing/2014/main" val="563148870"/>
                     </a:ext>
                   </a:extLst>
                 </a:gridCol>
-                <a:gridCol w="520149">
+                <a:gridCol w="558666">
                   <a:extLst>
                     <a:ext uri="{9D8B030D-6E8A-4147-A177-3AD203B41FA5}">
                       <a16:colId xmlns:a16="http://schemas.microsoft.com/office/drawing/2014/main" val="3860621261"/>
                     </a:ext>
                   </a:extLst>
                 </a:gridCol>
-                <a:gridCol w="421708">
+                <a:gridCol w="452935">
                   <a:extLst>
                     <a:ext uri="{9D8B030D-6E8A-4147-A177-3AD203B41FA5}">
                       <a16:colId xmlns:a16="http://schemas.microsoft.com/office/drawing/2014/main" val="4109762151"/>
                     </a:ext>
                   </a:extLst>
                 </a:gridCol>
-                <a:gridCol w="520149">
+                <a:gridCol w="585531">
                   <a:extLst>
                     <a:ext uri="{9D8B030D-6E8A-4147-A177-3AD203B41FA5}">
                       <a16:colId xmlns:a16="http://schemas.microsoft.com/office/drawing/2014/main" val="2003688482"/>
                     </a:ext>
                   </a:extLst>
                 </a:gridCol>
-                <a:gridCol w="513076">
+                <a:gridCol w="585531">
                   <a:extLst>
                     <a:ext uri="{9D8B030D-6E8A-4147-A177-3AD203B41FA5}">
                       <a16:colId xmlns:a16="http://schemas.microsoft.com/office/drawing/2014/main" val="3961368747"/>
                     </a:ext>
                   </a:extLst>
                 </a:gridCol>
-                <a:gridCol w="1044384">
+                <a:gridCol w="1090246">
                   <a:extLst>
                     <a:ext uri="{9D8B030D-6E8A-4147-A177-3AD203B41FA5}">
                       <a16:colId xmlns:a16="http://schemas.microsoft.com/office/drawing/2014/main" val="1959172409"/>
                     </a:ext>
                   </a:extLst>
                 </a:gridCol>
-                <a:gridCol w="660856">
+                <a:gridCol w="679939">
                   <a:extLst>
                     <a:ext uri="{9D8B030D-6E8A-4147-A177-3AD203B41FA5}">
                       <a16:colId xmlns:a16="http://schemas.microsoft.com/office/drawing/2014/main" val="4223562706"/>
@@ -3615,7 +3615,7 @@
                         </a:spcAft>
                       </a:pPr>
                       <a:r>
-                        <a:rPr lang="ko-KR" altLang="en-US" sz="1100" b="1" kern="0" spc="-180">
+                        <a:rPr lang="ko-KR" altLang="en-US" sz="1100" b="1" kern="0" spc="-180" dirty="0">
                           <a:solidFill>
                             <a:srgbClr val="000000"/>
                           </a:solidFill>
@@ -3623,9 +3623,41 @@
                           <a:latin typeface="나눔바른고딕" panose="020B0603020101020101" pitchFamily="50" charset="-127"/>
                           <a:ea typeface="나눔바른고딕" panose="020B0603020101020101" pitchFamily="50" charset="-127"/>
                         </a:rPr>
-                        <a:t>연령</a:t>
+                        <a:t>출생</a:t>
                       </a:r>
-                      <a:endParaRPr lang="ko-KR" altLang="en-US" sz="1050" kern="0" spc="0">
+                      <a:endParaRPr lang="en-US" altLang="ko-KR" sz="1100" b="1" kern="0" spc="-180" dirty="0">
+                        <a:solidFill>
+                          <a:srgbClr val="000000"/>
+                        </a:solidFill>
+                        <a:effectLst/>
+                        <a:latin typeface="나눔바른고딕" panose="020B0603020101020101" pitchFamily="50" charset="-127"/>
+                        <a:ea typeface="나눔바른고딕" panose="020B0603020101020101" pitchFamily="50" charset="-127"/>
+                      </a:endParaRPr>
+                    </a:p>
+                    <a:p>
+                      <a:pPr marL="0" marR="0" indent="0" algn="ctr" fontAlgn="base" latinLnBrk="0">
+                        <a:lnSpc>
+                          <a:spcPct val="130000"/>
+                        </a:lnSpc>
+                        <a:spcBef>
+                          <a:spcPts val="0"/>
+                        </a:spcBef>
+                        <a:spcAft>
+                          <a:spcPts val="0"/>
+                        </a:spcAft>
+                      </a:pPr>
+                      <a:r>
+                        <a:rPr lang="ko-KR" altLang="en-US" sz="1100" b="1" kern="0" spc="-180" dirty="0">
+                          <a:solidFill>
+                            <a:srgbClr val="000000"/>
+                          </a:solidFill>
+                          <a:effectLst/>
+                          <a:latin typeface="나눔바른고딕" panose="020B0603020101020101" pitchFamily="50" charset="-127"/>
+                          <a:ea typeface="나눔바른고딕" panose="020B0603020101020101" pitchFamily="50" charset="-127"/>
+                        </a:rPr>
+                        <a:t>연도</a:t>
+                      </a:r>
+                      <a:endParaRPr lang="ko-KR" altLang="en-US" sz="1050" kern="0" spc="0" dirty="0">
                         <a:solidFill>
                           <a:srgbClr val="000000"/>
                         </a:solidFill>
@@ -4035,7 +4067,7 @@
                         </a:spcAft>
                       </a:pPr>
                       <a:r>
-                        <a:rPr lang="ko-KR" altLang="en-US" sz="1100" b="1" kern="0" spc="-180">
+                        <a:rPr lang="ko-KR" altLang="en-US" sz="1100" b="1" kern="0" spc="-180" dirty="0">
                           <a:solidFill>
                             <a:srgbClr val="000000"/>
                           </a:solidFill>
@@ -4045,7 +4077,7 @@
                         </a:rPr>
                         <a:t>확진</a:t>
                       </a:r>
-                      <a:endParaRPr lang="ko-KR" altLang="en-US" sz="1050" kern="0" spc="0">
+                      <a:endParaRPr lang="ko-KR" altLang="en-US" sz="1050" kern="0" spc="0" dirty="0">
                         <a:solidFill>
                           <a:srgbClr val="000000"/>
                         </a:solidFill>
@@ -4067,7 +4099,7 @@
                         </a:spcAft>
                       </a:pPr>
                       <a:r>
-                        <a:rPr lang="ko-KR" altLang="en-US" sz="1100" b="1" kern="0" spc="-180">
+                        <a:rPr lang="ko-KR" altLang="en-US" sz="1100" b="1" kern="0" spc="-180" dirty="0">
                           <a:solidFill>
                             <a:srgbClr val="000000"/>
                           </a:solidFill>
@@ -4156,7 +4188,7 @@
                         </a:spcAft>
                       </a:pPr>
                       <a:r>
-                        <a:rPr lang="ko-KR" altLang="en-US" sz="1100" b="1" kern="0" spc="-180">
+                        <a:rPr lang="ko-KR" altLang="en-US" sz="1100" b="1" kern="0" spc="-180" dirty="0">
                           <a:solidFill>
                             <a:srgbClr val="000000"/>
                           </a:solidFill>
@@ -4164,39 +4196,7 @@
                           <a:latin typeface="나눔바른고딕" panose="020B0603020101020101" pitchFamily="50" charset="-127"/>
                           <a:ea typeface="나눔바른고딕" panose="020B0603020101020101" pitchFamily="50" charset="-127"/>
                         </a:rPr>
-                        <a:t>입원</a:t>
-                      </a:r>
-                      <a:endParaRPr lang="ko-KR" altLang="en-US" sz="1050" kern="0" spc="0">
-                        <a:solidFill>
-                          <a:srgbClr val="000000"/>
-                        </a:solidFill>
-                        <a:effectLst/>
-                        <a:latin typeface="나눔바른고딕" panose="020B0603020101020101" pitchFamily="50" charset="-127"/>
-                        <a:ea typeface="나눔바른고딕" panose="020B0603020101020101" pitchFamily="50" charset="-127"/>
-                      </a:endParaRPr>
-                    </a:p>
-                    <a:p>
-                      <a:pPr marL="0" marR="0" indent="0" algn="ctr" fontAlgn="base" latinLnBrk="0">
-                        <a:lnSpc>
-                          <a:spcPct val="130000"/>
-                        </a:lnSpc>
-                        <a:spcBef>
-                          <a:spcPts val="0"/>
-                        </a:spcBef>
-                        <a:spcAft>
-                          <a:spcPts val="0"/>
-                        </a:spcAft>
-                      </a:pPr>
-                      <a:r>
-                        <a:rPr lang="ko-KR" altLang="en-US" sz="1100" b="1" kern="0" spc="-180">
-                          <a:solidFill>
-                            <a:srgbClr val="000000"/>
-                          </a:solidFill>
-                          <a:effectLst/>
-                          <a:latin typeface="나눔바른고딕" panose="020B0603020101020101" pitchFamily="50" charset="-127"/>
-                          <a:ea typeface="나눔바른고딕" panose="020B0603020101020101" pitchFamily="50" charset="-127"/>
-                        </a:rPr>
-                        <a:t>기관</a:t>
+                        <a:t>입원 기관</a:t>
                       </a:r>
                       <a:endParaRPr lang="ko-KR" altLang="en-US" sz="1050" kern="0" spc="0" dirty="0">
                         <a:solidFill>
@@ -4309,7 +4309,7 @@
                         </a:spcAft>
                       </a:pPr>
                       <a:r>
-                        <a:rPr lang="en-US" altLang="ko-KR" sz="1100" b="1" kern="0" spc="-180" dirty="0">
+                        <a:rPr lang="en-US" altLang="ko-KR" sz="1100" b="1" kern="0" spc="0" dirty="0">
                           <a:solidFill>
                             <a:srgbClr val="000000"/>
                           </a:solidFill>
@@ -4317,10 +4317,10 @@
                           <a:latin typeface="나눔바른고딕" panose="020B0603020101020101" pitchFamily="50" charset="-127"/>
                           <a:ea typeface="나눔바른고딕" panose="020B0603020101020101" pitchFamily="50" charset="-127"/>
                         </a:rPr>
-                        <a:t>(1,762</a:t>
+                        <a:t>(1,769</a:t>
                       </a:r>
                       <a:r>
-                        <a:rPr lang="ko-KR" altLang="en-US" sz="1100" b="1" kern="0" spc="-180" dirty="0">
+                        <a:rPr lang="ko-KR" altLang="en-US" sz="1100" b="1" kern="0" spc="0" dirty="0">
                           <a:solidFill>
                             <a:srgbClr val="000000"/>
                           </a:solidFill>
@@ -4331,7 +4331,7 @@
                         <a:t>명</a:t>
                       </a:r>
                       <a:r>
-                        <a:rPr lang="en-US" altLang="ko-KR" sz="1100" b="1" kern="0" spc="-180" dirty="0">
+                        <a:rPr lang="en-US" altLang="ko-KR" sz="1100" b="1" kern="0" spc="0" dirty="0">
                           <a:solidFill>
                             <a:srgbClr val="000000"/>
                           </a:solidFill>
@@ -4605,7 +4605,7 @@
                         </a:spcAft>
                       </a:pPr>
                       <a:r>
-                        <a:rPr lang="en-US" sz="1050" b="1" kern="0" spc="0">
+                        <a:rPr lang="en-US" sz="1050" kern="0" spc="0" dirty="0">
                           <a:solidFill>
                             <a:schemeClr val="bg1">
                               <a:lumMod val="75000"/>
@@ -4615,18 +4615,8 @@
                           <a:latin typeface="나눔바른고딕" panose="020B0603020101020101" pitchFamily="50" charset="-127"/>
                           <a:ea typeface="나눔바른고딕" panose="020B0603020101020101" pitchFamily="50" charset="-127"/>
                         </a:rPr>
-                        <a:t>35</a:t>
+                        <a:t>’84</a:t>
                       </a:r>
-                      <a:endParaRPr lang="en-US" sz="1050" kern="0" spc="0" dirty="0">
-                        <a:solidFill>
-                          <a:schemeClr val="bg1">
-                            <a:lumMod val="75000"/>
-                          </a:schemeClr>
-                        </a:solidFill>
-                        <a:effectLst/>
-                        <a:latin typeface="나눔바른고딕" panose="020B0603020101020101" pitchFamily="50" charset="-127"/>
-                        <a:ea typeface="나눔바른고딕" panose="020B0603020101020101" pitchFamily="50" charset="-127"/>
-                      </a:endParaRPr>
                     </a:p>
                   </a:txBody>
                   <a:tcPr marL="36000" marR="36000" marT="15709" marB="15709" anchor="ctr">
@@ -4961,7 +4951,7 @@
                         </a:spcAft>
                       </a:pPr>
                       <a:r>
-                        <a:rPr lang="en-US" sz="1050" kern="0" spc="0">
+                        <a:rPr lang="en-US" sz="1050" kern="0" spc="0" dirty="0">
                           <a:solidFill>
                             <a:schemeClr val="bg1">
                               <a:lumMod val="75000"/>
@@ -5406,7 +5396,7 @@
                         </a:spcAft>
                       </a:pPr>
                       <a:r>
-                        <a:rPr lang="en-US" sz="1050" b="1" kern="0" spc="0">
+                        <a:rPr lang="en-US" sz="1050" kern="0" spc="0" dirty="0">
                           <a:solidFill>
                             <a:schemeClr val="bg1">
                               <a:lumMod val="75000"/>
@@ -5416,18 +5406,8 @@
                           <a:latin typeface="나눔바른고딕" panose="020B0603020101020101" pitchFamily="50" charset="-127"/>
                           <a:ea typeface="나눔바른고딕" panose="020B0603020101020101" pitchFamily="50" charset="-127"/>
                         </a:rPr>
-                        <a:t>55</a:t>
+                        <a:t>’64</a:t>
                       </a:r>
-                      <a:endParaRPr lang="en-US" sz="1050" kern="0" spc="0" dirty="0">
-                        <a:solidFill>
-                          <a:schemeClr val="bg1">
-                            <a:lumMod val="75000"/>
-                          </a:schemeClr>
-                        </a:solidFill>
-                        <a:effectLst/>
-                        <a:latin typeface="나눔바른고딕" panose="020B0603020101020101" pitchFamily="50" charset="-127"/>
-                        <a:ea typeface="나눔바른고딕" panose="020B0603020101020101" pitchFamily="50" charset="-127"/>
-                      </a:endParaRPr>
                     </a:p>
                   </a:txBody>
                   <a:tcPr marL="36000" marR="36000" marT="15709" marB="15709" anchor="ctr">
@@ -6207,7 +6187,7 @@
                         </a:spcAft>
                       </a:pPr>
                       <a:r>
-                        <a:rPr lang="en-US" sz="1050" b="1" kern="0" spc="0">
+                        <a:rPr lang="en-US" sz="1050" kern="0" spc="0" dirty="0">
                           <a:solidFill>
                             <a:schemeClr val="bg1">
                               <a:lumMod val="75000"/>
@@ -6217,18 +6197,8 @@
                           <a:latin typeface="나눔바른고딕" panose="020B0603020101020101" pitchFamily="50" charset="-127"/>
                           <a:ea typeface="나눔바른고딕" panose="020B0603020101020101" pitchFamily="50" charset="-127"/>
                         </a:rPr>
-                        <a:t>54</a:t>
+                        <a:t>’66</a:t>
                       </a:r>
-                      <a:endParaRPr lang="en-US" sz="1050" kern="0" spc="0" dirty="0">
-                        <a:solidFill>
-                          <a:schemeClr val="bg1">
-                            <a:lumMod val="75000"/>
-                          </a:schemeClr>
-                        </a:solidFill>
-                        <a:effectLst/>
-                        <a:latin typeface="나눔바른고딕" panose="020B0603020101020101" pitchFamily="50" charset="-127"/>
-                        <a:ea typeface="나눔바른고딕" panose="020B0603020101020101" pitchFamily="50" charset="-127"/>
-                      </a:endParaRPr>
                     </a:p>
                   </a:txBody>
                   <a:tcPr marL="36000" marR="36000" marT="15709" marB="15709" anchor="ctr">
@@ -6997,7 +6967,7 @@
                         </a:spcAft>
                       </a:pPr>
                       <a:r>
-                        <a:rPr lang="en-US" sz="1050" b="1" kern="0" spc="0">
+                        <a:rPr lang="en-US" sz="1050" kern="0" spc="0" dirty="0">
                           <a:solidFill>
                             <a:schemeClr val="bg1">
                               <a:lumMod val="75000"/>
@@ -7007,18 +6977,8 @@
                           <a:latin typeface="나눔바른고딕" panose="020B0603020101020101" pitchFamily="50" charset="-127"/>
                           <a:ea typeface="나눔바른고딕" panose="020B0603020101020101" pitchFamily="50" charset="-127"/>
                         </a:rPr>
-                        <a:t>55</a:t>
+                        <a:t>’64</a:t>
                       </a:r>
-                      <a:endParaRPr lang="en-US" sz="1050" kern="0" spc="0">
-                        <a:solidFill>
-                          <a:schemeClr val="bg1">
-                            <a:lumMod val="75000"/>
-                          </a:schemeClr>
-                        </a:solidFill>
-                        <a:effectLst/>
-                        <a:latin typeface="나눔바른고딕" panose="020B0603020101020101" pitchFamily="50" charset="-127"/>
-                        <a:ea typeface="나눔바른고딕" panose="020B0603020101020101" pitchFamily="50" charset="-127"/>
-                      </a:endParaRPr>
                     </a:p>
                   </a:txBody>
                   <a:tcPr marL="36000" marR="36000" marT="15709" marB="15709" anchor="ctr">
@@ -7798,7 +7758,7 @@
                         </a:spcAft>
                       </a:pPr>
                       <a:r>
-                        <a:rPr lang="en-US" sz="1050" b="1" kern="0" spc="0">
+                        <a:rPr lang="en-US" sz="1050" kern="0" spc="0" dirty="0">
                           <a:solidFill>
                             <a:schemeClr val="bg1">
                               <a:lumMod val="75000"/>
@@ -7808,18 +7768,8 @@
                           <a:latin typeface="나눔바른고딕" panose="020B0603020101020101" pitchFamily="50" charset="-127"/>
                           <a:ea typeface="나눔바른고딕" panose="020B0603020101020101" pitchFamily="50" charset="-127"/>
                         </a:rPr>
-                        <a:t>33</a:t>
+                        <a:t>’87</a:t>
                       </a:r>
-                      <a:endParaRPr lang="en-US" sz="1050" kern="0" spc="0">
-                        <a:solidFill>
-                          <a:schemeClr val="bg1">
-                            <a:lumMod val="75000"/>
-                          </a:schemeClr>
-                        </a:solidFill>
-                        <a:effectLst/>
-                        <a:latin typeface="나눔바른고딕" panose="020B0603020101020101" pitchFamily="50" charset="-127"/>
-                        <a:ea typeface="나눔바른고딕" panose="020B0603020101020101" pitchFamily="50" charset="-127"/>
-                      </a:endParaRPr>
                     </a:p>
                   </a:txBody>
                   <a:tcPr marL="36000" marR="36000" marT="15709" marB="15709" anchor="ctr">
@@ -8589,7 +8539,7 @@
                         </a:spcAft>
                       </a:pPr>
                       <a:r>
-                        <a:rPr lang="en-US" sz="1050" b="1" kern="0" spc="0">
+                        <a:rPr lang="en-US" sz="1050" kern="0" spc="0" dirty="0">
                           <a:solidFill>
                             <a:schemeClr val="bg1">
                               <a:lumMod val="75000"/>
@@ -8599,18 +8549,8 @@
                           <a:latin typeface="나눔바른고딕" panose="020B0603020101020101" pitchFamily="50" charset="-127"/>
                           <a:ea typeface="나눔바른고딕" panose="020B0603020101020101" pitchFamily="50" charset="-127"/>
                         </a:rPr>
-                        <a:t>55</a:t>
+                        <a:t>’64</a:t>
                       </a:r>
-                      <a:endParaRPr lang="en-US" sz="1050" kern="0" spc="0">
-                        <a:solidFill>
-                          <a:schemeClr val="bg1">
-                            <a:lumMod val="75000"/>
-                          </a:schemeClr>
-                        </a:solidFill>
-                        <a:effectLst/>
-                        <a:latin typeface="나눔바른고딕" panose="020B0603020101020101" pitchFamily="50" charset="-127"/>
-                        <a:ea typeface="나눔바른고딕" panose="020B0603020101020101" pitchFamily="50" charset="-127"/>
-                      </a:endParaRPr>
                     </a:p>
                   </a:txBody>
                   <a:tcPr marL="36000" marR="36000" marT="15709" marB="15709" anchor="ctr">
@@ -9391,7 +9331,7 @@
                         </a:spcAft>
                       </a:pPr>
                       <a:r>
-                        <a:rPr lang="en-US" sz="1050" b="1" kern="0" spc="0">
+                        <a:rPr lang="en-US" sz="1050" kern="0" spc="0" dirty="0">
                           <a:solidFill>
                             <a:schemeClr val="bg1">
                               <a:lumMod val="75000"/>
@@ -9401,18 +9341,8 @@
                           <a:latin typeface="나눔바른고딕" panose="020B0603020101020101" pitchFamily="50" charset="-127"/>
                           <a:ea typeface="나눔바른고딕" panose="020B0603020101020101" pitchFamily="50" charset="-127"/>
                         </a:rPr>
-                        <a:t>28</a:t>
+                        <a:t>’91</a:t>
                       </a:r>
-                      <a:endParaRPr lang="en-US" sz="1050" kern="0" spc="0" dirty="0">
-                        <a:solidFill>
-                          <a:schemeClr val="bg1">
-                            <a:lumMod val="75000"/>
-                          </a:schemeClr>
-                        </a:solidFill>
-                        <a:effectLst/>
-                        <a:latin typeface="나눔바른고딕" panose="020B0603020101020101" pitchFamily="50" charset="-127"/>
-                        <a:ea typeface="나눔바른고딕" panose="020B0603020101020101" pitchFamily="50" charset="-127"/>
-                      </a:endParaRPr>
                     </a:p>
                   </a:txBody>
                   <a:tcPr marL="36000" marR="36000" marT="15709" marB="15709" anchor="ctr">
@@ -10193,7 +10123,7 @@
                         </a:spcAft>
                       </a:pPr>
                       <a:r>
-                        <a:rPr lang="en-US" sz="1050" b="1" kern="0" spc="0">
+                        <a:rPr lang="en-US" sz="1050" kern="0" spc="0" dirty="0">
                           <a:solidFill>
                             <a:schemeClr val="bg1">
                               <a:lumMod val="75000"/>
@@ -10203,18 +10133,8 @@
                           <a:latin typeface="나눔바른고딕" panose="020B0603020101020101" pitchFamily="50" charset="-127"/>
                           <a:ea typeface="나눔바른고딕" panose="020B0603020101020101" pitchFamily="50" charset="-127"/>
                         </a:rPr>
-                        <a:t>62</a:t>
+                        <a:t>’57</a:t>
                       </a:r>
-                      <a:endParaRPr lang="en-US" sz="1050" kern="0" spc="0" dirty="0">
-                        <a:solidFill>
-                          <a:schemeClr val="bg1">
-                            <a:lumMod val="75000"/>
-                          </a:schemeClr>
-                        </a:solidFill>
-                        <a:effectLst/>
-                        <a:latin typeface="나눔바른고딕" panose="020B0603020101020101" pitchFamily="50" charset="-127"/>
-                        <a:ea typeface="나눔바른고딕" panose="020B0603020101020101" pitchFamily="50" charset="-127"/>
-                      </a:endParaRPr>
                     </a:p>
                   </a:txBody>
                   <a:tcPr marL="36000" marR="36000" marT="15709" marB="15709" anchor="ctr">
@@ -10473,6 +10393,787 @@
                         <a:t>1.23</a:t>
                       </a:r>
                       <a:endParaRPr lang="en-US" sz="1050" kern="0" spc="0">
+                        <a:solidFill>
+                          <a:schemeClr val="bg1">
+                            <a:lumMod val="75000"/>
+                          </a:schemeClr>
+                        </a:solidFill>
+                        <a:effectLst/>
+                        <a:latin typeface="나눔바른고딕" panose="020B0603020101020101" pitchFamily="50" charset="-127"/>
+                        <a:ea typeface="나눔바른고딕" panose="020B0603020101020101" pitchFamily="50" charset="-127"/>
+                      </a:endParaRPr>
+                    </a:p>
+                  </a:txBody>
+                  <a:tcPr marL="36000" marR="36000" marT="15709" marB="15709" anchor="ctr">
+                    <a:lnL w="12700" cap="flat" cmpd="sng" algn="ctr">
+                      <a:solidFill>
+                        <a:schemeClr val="bg1">
+                          <a:lumMod val="50000"/>
+                        </a:schemeClr>
+                      </a:solidFill>
+                      <a:prstDash val="solid"/>
+                      <a:round/>
+                      <a:headEnd type="none" w="med" len="med"/>
+                      <a:tailEnd type="none" w="med" len="med"/>
+                    </a:lnL>
+                    <a:lnR w="12700" cap="flat" cmpd="sng" algn="ctr">
+                      <a:solidFill>
+                        <a:schemeClr val="bg1">
+                          <a:lumMod val="50000"/>
+                        </a:schemeClr>
+                      </a:solidFill>
+                      <a:prstDash val="solid"/>
+                      <a:round/>
+                      <a:headEnd type="none" w="med" len="med"/>
+                      <a:tailEnd type="none" w="med" len="med"/>
+                    </a:lnR>
+                    <a:lnT w="12700" cap="flat" cmpd="sng" algn="ctr">
+                      <a:solidFill>
+                        <a:schemeClr val="bg1">
+                          <a:lumMod val="50000"/>
+                        </a:schemeClr>
+                      </a:solidFill>
+                      <a:prstDash val="solid"/>
+                      <a:round/>
+                      <a:headEnd type="none" w="med" len="med"/>
+                      <a:tailEnd type="none" w="med" len="med"/>
+                    </a:lnT>
+                    <a:lnB w="12700" cap="flat" cmpd="sng" algn="ctr">
+                      <a:solidFill>
+                        <a:schemeClr val="bg1">
+                          <a:lumMod val="50000"/>
+                        </a:schemeClr>
+                      </a:solidFill>
+                      <a:prstDash val="solid"/>
+                      <a:round/>
+                      <a:headEnd type="none" w="med" len="med"/>
+                      <a:tailEnd type="none" w="med" len="med"/>
+                    </a:lnB>
+                    <a:noFill/>
+                  </a:tcPr>
+                </a:tc>
+                <a:tc>
+                  <a:txBody>
+                    <a:bodyPr/>
+                    <a:lstStyle/>
+                    <a:p>
+                      <a:pPr marL="0" marR="0" indent="0" algn="ctr" fontAlgn="base" latinLnBrk="0">
+                        <a:lnSpc>
+                          <a:spcPct val="100000"/>
+                        </a:lnSpc>
+                        <a:spcBef>
+                          <a:spcPts val="0"/>
+                        </a:spcBef>
+                        <a:spcAft>
+                          <a:spcPts val="0"/>
+                        </a:spcAft>
+                      </a:pPr>
+                      <a:r>
+                        <a:rPr lang="en-US" sz="1050" kern="0" spc="0" dirty="0">
+                          <a:solidFill>
+                            <a:schemeClr val="bg1">
+                              <a:lumMod val="75000"/>
+                            </a:schemeClr>
+                          </a:solidFill>
+                          <a:effectLst/>
+                          <a:latin typeface="나눔바른고딕" panose="020B0603020101020101" pitchFamily="50" charset="-127"/>
+                          <a:ea typeface="나눔바른고딕" panose="020B0603020101020101" pitchFamily="50" charset="-127"/>
+                          <a:cs typeface="+mn-cs"/>
+                        </a:rPr>
+                        <a:t>1.31</a:t>
+                      </a:r>
+                    </a:p>
+                  </a:txBody>
+                  <a:tcPr marL="36000" marR="36000" marT="15709" marB="15709" anchor="ctr">
+                    <a:lnL w="12700" cap="flat" cmpd="sng" algn="ctr">
+                      <a:solidFill>
+                        <a:schemeClr val="bg1">
+                          <a:lumMod val="50000"/>
+                        </a:schemeClr>
+                      </a:solidFill>
+                      <a:prstDash val="solid"/>
+                      <a:round/>
+                      <a:headEnd type="none" w="med" len="med"/>
+                      <a:tailEnd type="none" w="med" len="med"/>
+                    </a:lnL>
+                    <a:lnR w="12700" cap="flat" cmpd="sng" algn="ctr">
+                      <a:solidFill>
+                        <a:schemeClr val="bg1">
+                          <a:lumMod val="50000"/>
+                        </a:schemeClr>
+                      </a:solidFill>
+                      <a:prstDash val="solid"/>
+                      <a:round/>
+                      <a:headEnd type="none" w="med" len="med"/>
+                      <a:tailEnd type="none" w="med" len="med"/>
+                    </a:lnR>
+                    <a:lnT w="12700" cap="flat" cmpd="sng" algn="ctr">
+                      <a:solidFill>
+                        <a:schemeClr val="bg1">
+                          <a:lumMod val="50000"/>
+                        </a:schemeClr>
+                      </a:solidFill>
+                      <a:prstDash val="solid"/>
+                      <a:round/>
+                      <a:headEnd type="none" w="med" len="med"/>
+                      <a:tailEnd type="none" w="med" len="med"/>
+                    </a:lnT>
+                    <a:lnB w="12700" cap="flat" cmpd="sng" algn="ctr">
+                      <a:solidFill>
+                        <a:schemeClr val="bg1">
+                          <a:lumMod val="50000"/>
+                        </a:schemeClr>
+                      </a:solidFill>
+                      <a:prstDash val="solid"/>
+                      <a:round/>
+                      <a:headEnd type="none" w="med" len="med"/>
+                      <a:tailEnd type="none" w="med" len="med"/>
+                    </a:lnB>
+                    <a:noFill/>
+                  </a:tcPr>
+                </a:tc>
+                <a:tc>
+                  <a:txBody>
+                    <a:bodyPr/>
+                    <a:lstStyle/>
+                    <a:p>
+                      <a:pPr marL="0" marR="0" indent="0" algn="ctr" fontAlgn="base" latinLnBrk="0">
+                        <a:lnSpc>
+                          <a:spcPct val="100000"/>
+                        </a:lnSpc>
+                        <a:spcBef>
+                          <a:spcPts val="0"/>
+                        </a:spcBef>
+                        <a:spcAft>
+                          <a:spcPts val="0"/>
+                        </a:spcAft>
+                      </a:pPr>
+                      <a:r>
+                        <a:rPr lang="ko-KR" altLang="en-US" sz="1000" b="1" kern="0" spc="0">
+                          <a:solidFill>
+                            <a:schemeClr val="bg1">
+                              <a:lumMod val="75000"/>
+                            </a:schemeClr>
+                          </a:solidFill>
+                          <a:effectLst/>
+                          <a:latin typeface="나눔바른고딕" panose="020B0603020101020101" pitchFamily="50" charset="-127"/>
+                          <a:ea typeface="나눔바른고딕" panose="020B0603020101020101" pitchFamily="50" charset="-127"/>
+                          <a:cs typeface="+mn-cs"/>
+                        </a:rPr>
+                        <a:t>원광대병원</a:t>
+                      </a:r>
+                      <a:endParaRPr lang="ko-KR" altLang="en-US" sz="1000" b="1" kern="0" spc="0" dirty="0">
+                        <a:solidFill>
+                          <a:schemeClr val="bg1">
+                            <a:lumMod val="75000"/>
+                          </a:schemeClr>
+                        </a:solidFill>
+                        <a:effectLst/>
+                        <a:latin typeface="나눔바른고딕" panose="020B0603020101020101" pitchFamily="50" charset="-127"/>
+                        <a:ea typeface="나눔바른고딕" panose="020B0603020101020101" pitchFamily="50" charset="-127"/>
+                        <a:cs typeface="+mn-cs"/>
+                      </a:endParaRPr>
+                    </a:p>
+                  </a:txBody>
+                  <a:tcPr marL="36000" marR="36000" marT="15709" marB="15709" anchor="ctr">
+                    <a:lnL w="12700" cap="flat" cmpd="sng" algn="ctr">
+                      <a:solidFill>
+                        <a:schemeClr val="bg1">
+                          <a:lumMod val="50000"/>
+                        </a:schemeClr>
+                      </a:solidFill>
+                      <a:prstDash val="solid"/>
+                      <a:round/>
+                      <a:headEnd type="none" w="med" len="med"/>
+                      <a:tailEnd type="none" w="med" len="med"/>
+                    </a:lnL>
+                    <a:lnR w="12700" cap="flat" cmpd="sng" algn="ctr">
+                      <a:solidFill>
+                        <a:schemeClr val="bg1">
+                          <a:lumMod val="50000"/>
+                        </a:schemeClr>
+                      </a:solidFill>
+                      <a:prstDash val="solid"/>
+                      <a:round/>
+                      <a:headEnd type="none" w="med" len="med"/>
+                      <a:tailEnd type="none" w="med" len="med"/>
+                    </a:lnR>
+                    <a:lnT w="12700" cap="flat" cmpd="sng" algn="ctr">
+                      <a:solidFill>
+                        <a:schemeClr val="bg1">
+                          <a:lumMod val="50000"/>
+                        </a:schemeClr>
+                      </a:solidFill>
+                      <a:prstDash val="solid"/>
+                      <a:round/>
+                      <a:headEnd type="none" w="med" len="med"/>
+                      <a:tailEnd type="none" w="med" len="med"/>
+                    </a:lnT>
+                    <a:lnB w="12700" cap="flat" cmpd="sng" algn="ctr">
+                      <a:solidFill>
+                        <a:schemeClr val="bg1">
+                          <a:lumMod val="50000"/>
+                        </a:schemeClr>
+                      </a:solidFill>
+                      <a:prstDash val="solid"/>
+                      <a:round/>
+                      <a:headEnd type="none" w="med" len="med"/>
+                      <a:tailEnd type="none" w="med" len="med"/>
+                    </a:lnB>
+                    <a:noFill/>
+                  </a:tcPr>
+                </a:tc>
+                <a:tc>
+                  <a:txBody>
+                    <a:bodyPr/>
+                    <a:lstStyle/>
+                    <a:p>
+                      <a:pPr marL="0" marR="0" indent="0" algn="ctr" fontAlgn="base" latinLnBrk="0">
+                        <a:lnSpc>
+                          <a:spcPct val="100000"/>
+                        </a:lnSpc>
+                        <a:spcBef>
+                          <a:spcPts val="0"/>
+                        </a:spcBef>
+                        <a:spcAft>
+                          <a:spcPts val="0"/>
+                        </a:spcAft>
+                      </a:pPr>
+                      <a:r>
+                        <a:rPr lang="en-US" sz="1050" kern="0" spc="0" dirty="0">
+                          <a:solidFill>
+                            <a:schemeClr val="bg1">
+                              <a:lumMod val="75000"/>
+                            </a:schemeClr>
+                          </a:solidFill>
+                          <a:effectLst/>
+                          <a:latin typeface="나눔바른고딕" panose="020B0603020101020101" pitchFamily="50" charset="-127"/>
+                          <a:ea typeface="나눔바른고딕" panose="020B0603020101020101" pitchFamily="50" charset="-127"/>
+                        </a:rPr>
+                        <a:t>113</a:t>
+                      </a:r>
+                    </a:p>
+                  </a:txBody>
+                  <a:tcPr marL="36000" marR="36000" marT="15709" marB="15709" anchor="ctr">
+                    <a:lnL w="12700" cap="flat" cmpd="sng" algn="ctr">
+                      <a:solidFill>
+                        <a:schemeClr val="bg1">
+                          <a:lumMod val="50000"/>
+                        </a:schemeClr>
+                      </a:solidFill>
+                      <a:prstDash val="solid"/>
+                      <a:round/>
+                      <a:headEnd type="none" w="med" len="med"/>
+                      <a:tailEnd type="none" w="med" len="med"/>
+                    </a:lnL>
+                    <a:lnR w="12700" cap="flat" cmpd="sng" algn="ctr">
+                      <a:solidFill>
+                        <a:schemeClr val="bg1">
+                          <a:lumMod val="50000"/>
+                        </a:schemeClr>
+                      </a:solidFill>
+                      <a:prstDash val="solid"/>
+                      <a:round/>
+                      <a:headEnd type="none" w="med" len="med"/>
+                      <a:tailEnd type="none" w="med" len="med"/>
+                    </a:lnR>
+                    <a:lnT w="12700" cap="flat" cmpd="sng" algn="ctr">
+                      <a:solidFill>
+                        <a:schemeClr val="bg1">
+                          <a:lumMod val="50000"/>
+                        </a:schemeClr>
+                      </a:solidFill>
+                      <a:prstDash val="solid"/>
+                      <a:round/>
+                      <a:headEnd type="none" w="med" len="med"/>
+                      <a:tailEnd type="none" w="med" len="med"/>
+                    </a:lnT>
+                    <a:lnB w="12700" cap="flat" cmpd="sng" algn="ctr">
+                      <a:solidFill>
+                        <a:schemeClr val="bg1">
+                          <a:lumMod val="50000"/>
+                        </a:schemeClr>
+                      </a:solidFill>
+                      <a:prstDash val="solid"/>
+                      <a:round/>
+                      <a:headEnd type="none" w="med" len="med"/>
+                      <a:tailEnd type="none" w="med" len="med"/>
+                    </a:lnB>
+                    <a:noFill/>
+                  </a:tcPr>
+                </a:tc>
+                <a:extLst>
+                  <a:ext uri="{0D108BD9-81ED-4DB2-BD59-A6C34878D82A}">
+                    <a16:rowId xmlns:a16="http://schemas.microsoft.com/office/drawing/2014/main" val="1909014694"/>
+                  </a:ext>
+                </a:extLst>
+              </a:tr>
+              <a:tr h="288000">
+                <a:tc>
+                  <a:txBody>
+                    <a:bodyPr/>
+                    <a:lstStyle/>
+                    <a:p>
+                      <a:pPr marL="0" marR="0" indent="0" algn="ctr" fontAlgn="base" latinLnBrk="0">
+                        <a:lnSpc>
+                          <a:spcPct val="100000"/>
+                        </a:lnSpc>
+                        <a:spcBef>
+                          <a:spcPts val="0"/>
+                        </a:spcBef>
+                        <a:spcAft>
+                          <a:spcPts val="0"/>
+                        </a:spcAft>
+                      </a:pPr>
+                      <a:r>
+                        <a:rPr lang="en-US" sz="1050" b="1" kern="0" spc="0">
+                          <a:solidFill>
+                            <a:schemeClr val="bg1">
+                              <a:lumMod val="75000"/>
+                            </a:schemeClr>
+                          </a:solidFill>
+                          <a:effectLst/>
+                          <a:latin typeface="나눔바른고딕" panose="020B0603020101020101" pitchFamily="50" charset="-127"/>
+                          <a:ea typeface="나눔바른고딕" panose="020B0603020101020101" pitchFamily="50" charset="-127"/>
+                        </a:rPr>
+                        <a:t>9</a:t>
+                      </a:r>
+                      <a:endParaRPr lang="en-US" sz="1050" kern="0" spc="0">
+                        <a:solidFill>
+                          <a:schemeClr val="bg1">
+                            <a:lumMod val="75000"/>
+                          </a:schemeClr>
+                        </a:solidFill>
+                        <a:effectLst/>
+                        <a:latin typeface="나눔바른고딕" panose="020B0603020101020101" pitchFamily="50" charset="-127"/>
+                        <a:ea typeface="나눔바른고딕" panose="020B0603020101020101" pitchFamily="50" charset="-127"/>
+                      </a:endParaRPr>
+                    </a:p>
+                  </a:txBody>
+                  <a:tcPr marL="36000" marR="36000" marT="15709" marB="15709" anchor="ctr">
+                    <a:lnL w="12700" cap="flat" cmpd="sng" algn="ctr">
+                      <a:solidFill>
+                        <a:schemeClr val="bg1">
+                          <a:lumMod val="50000"/>
+                        </a:schemeClr>
+                      </a:solidFill>
+                      <a:prstDash val="solid"/>
+                      <a:round/>
+                      <a:headEnd type="none" w="med" len="med"/>
+                      <a:tailEnd type="none" w="med" len="med"/>
+                    </a:lnL>
+                    <a:lnR w="12700" cap="flat" cmpd="sng" algn="ctr">
+                      <a:solidFill>
+                        <a:schemeClr val="bg1">
+                          <a:lumMod val="50000"/>
+                        </a:schemeClr>
+                      </a:solidFill>
+                      <a:prstDash val="solid"/>
+                      <a:round/>
+                      <a:headEnd type="none" w="med" len="med"/>
+                      <a:tailEnd type="none" w="med" len="med"/>
+                    </a:lnR>
+                    <a:lnT w="12700" cap="flat" cmpd="sng" algn="ctr">
+                      <a:solidFill>
+                        <a:schemeClr val="bg1">
+                          <a:lumMod val="50000"/>
+                        </a:schemeClr>
+                      </a:solidFill>
+                      <a:prstDash val="solid"/>
+                      <a:round/>
+                      <a:headEnd type="none" w="med" len="med"/>
+                      <a:tailEnd type="none" w="med" len="med"/>
+                    </a:lnT>
+                    <a:lnB w="12700" cap="flat" cmpd="sng" algn="ctr">
+                      <a:solidFill>
+                        <a:schemeClr val="bg1">
+                          <a:lumMod val="50000"/>
+                        </a:schemeClr>
+                      </a:solidFill>
+                      <a:prstDash val="solid"/>
+                      <a:round/>
+                      <a:headEnd type="none" w="med" len="med"/>
+                      <a:tailEnd type="none" w="med" len="med"/>
+                    </a:lnB>
+                    <a:noFill/>
+                  </a:tcPr>
+                </a:tc>
+                <a:tc>
+                  <a:txBody>
+                    <a:bodyPr/>
+                    <a:lstStyle/>
+                    <a:p>
+                      <a:pPr marL="0" marR="0" indent="0" algn="ctr" fontAlgn="base" latinLnBrk="0">
+                        <a:lnSpc>
+                          <a:spcPct val="100000"/>
+                        </a:lnSpc>
+                        <a:spcBef>
+                          <a:spcPts val="0"/>
+                        </a:spcBef>
+                        <a:spcAft>
+                          <a:spcPts val="0"/>
+                        </a:spcAft>
+                      </a:pPr>
+                      <a:r>
+                        <a:rPr lang="ko-KR" altLang="en-US" sz="1050" b="1" kern="0" spc="0">
+                          <a:solidFill>
+                            <a:schemeClr val="bg1">
+                              <a:lumMod val="75000"/>
+                            </a:schemeClr>
+                          </a:solidFill>
+                          <a:effectLst/>
+                          <a:latin typeface="나눔바른고딕" panose="020B0603020101020101" pitchFamily="50" charset="-127"/>
+                          <a:ea typeface="나눔바른고딕" panose="020B0603020101020101" pitchFamily="50" charset="-127"/>
+                        </a:rPr>
+                        <a:t>여</a:t>
+                      </a:r>
+                      <a:endParaRPr lang="ko-KR" altLang="en-US" sz="1050" kern="0" spc="0">
+                        <a:solidFill>
+                          <a:schemeClr val="bg1">
+                            <a:lumMod val="75000"/>
+                          </a:schemeClr>
+                        </a:solidFill>
+                        <a:effectLst/>
+                        <a:latin typeface="나눔바른고딕" panose="020B0603020101020101" pitchFamily="50" charset="-127"/>
+                        <a:ea typeface="나눔바른고딕" panose="020B0603020101020101" pitchFamily="50" charset="-127"/>
+                      </a:endParaRPr>
+                    </a:p>
+                  </a:txBody>
+                  <a:tcPr marL="36000" marR="36000" marT="15709" marB="15709" anchor="ctr">
+                    <a:lnL w="12700" cap="flat" cmpd="sng" algn="ctr">
+                      <a:solidFill>
+                        <a:schemeClr val="bg1">
+                          <a:lumMod val="50000"/>
+                        </a:schemeClr>
+                      </a:solidFill>
+                      <a:prstDash val="solid"/>
+                      <a:round/>
+                      <a:headEnd type="none" w="med" len="med"/>
+                      <a:tailEnd type="none" w="med" len="med"/>
+                    </a:lnL>
+                    <a:lnR w="12700" cap="flat" cmpd="sng" algn="ctr">
+                      <a:solidFill>
+                        <a:schemeClr val="bg1">
+                          <a:lumMod val="50000"/>
+                        </a:schemeClr>
+                      </a:solidFill>
+                      <a:prstDash val="solid"/>
+                      <a:round/>
+                      <a:headEnd type="none" w="med" len="med"/>
+                      <a:tailEnd type="none" w="med" len="med"/>
+                    </a:lnR>
+                    <a:lnT w="12700" cap="flat" cmpd="sng" algn="ctr">
+                      <a:solidFill>
+                        <a:schemeClr val="bg1">
+                          <a:lumMod val="50000"/>
+                        </a:schemeClr>
+                      </a:solidFill>
+                      <a:prstDash val="solid"/>
+                      <a:round/>
+                      <a:headEnd type="none" w="med" len="med"/>
+                      <a:tailEnd type="none" w="med" len="med"/>
+                    </a:lnT>
+                    <a:lnB w="12700" cap="flat" cmpd="sng" algn="ctr">
+                      <a:solidFill>
+                        <a:schemeClr val="bg1">
+                          <a:lumMod val="50000"/>
+                        </a:schemeClr>
+                      </a:solidFill>
+                      <a:prstDash val="solid"/>
+                      <a:round/>
+                      <a:headEnd type="none" w="med" len="med"/>
+                      <a:tailEnd type="none" w="med" len="med"/>
+                    </a:lnB>
+                    <a:noFill/>
+                  </a:tcPr>
+                </a:tc>
+                <a:tc>
+                  <a:txBody>
+                    <a:bodyPr/>
+                    <a:lstStyle/>
+                    <a:p>
+                      <a:pPr marL="0" marR="0" indent="0" algn="ctr" fontAlgn="base" latinLnBrk="0">
+                        <a:lnSpc>
+                          <a:spcPct val="100000"/>
+                        </a:lnSpc>
+                        <a:spcBef>
+                          <a:spcPts val="0"/>
+                        </a:spcBef>
+                        <a:spcAft>
+                          <a:spcPts val="0"/>
+                        </a:spcAft>
+                      </a:pPr>
+                      <a:r>
+                        <a:rPr lang="en-US" sz="1050" kern="0" spc="0" dirty="0">
+                          <a:solidFill>
+                            <a:schemeClr val="bg1">
+                              <a:lumMod val="75000"/>
+                            </a:schemeClr>
+                          </a:solidFill>
+                          <a:effectLst/>
+                          <a:latin typeface="나눔바른고딕" panose="020B0603020101020101" pitchFamily="50" charset="-127"/>
+                          <a:ea typeface="나눔바른고딕" panose="020B0603020101020101" pitchFamily="50" charset="-127"/>
+                        </a:rPr>
+                        <a:t>’92</a:t>
+                      </a:r>
+                    </a:p>
+                  </a:txBody>
+                  <a:tcPr marL="36000" marR="36000" marT="15709" marB="15709" anchor="ctr">
+                    <a:lnL w="12700" cap="flat" cmpd="sng" algn="ctr">
+                      <a:solidFill>
+                        <a:schemeClr val="bg1">
+                          <a:lumMod val="50000"/>
+                        </a:schemeClr>
+                      </a:solidFill>
+                      <a:prstDash val="solid"/>
+                      <a:round/>
+                      <a:headEnd type="none" w="med" len="med"/>
+                      <a:tailEnd type="none" w="med" len="med"/>
+                    </a:lnL>
+                    <a:lnR w="12700" cap="flat" cmpd="sng" algn="ctr">
+                      <a:solidFill>
+                        <a:schemeClr val="bg1">
+                          <a:lumMod val="50000"/>
+                        </a:schemeClr>
+                      </a:solidFill>
+                      <a:prstDash val="solid"/>
+                      <a:round/>
+                      <a:headEnd type="none" w="med" len="med"/>
+                      <a:tailEnd type="none" w="med" len="med"/>
+                    </a:lnR>
+                    <a:lnT w="12700" cap="flat" cmpd="sng" algn="ctr">
+                      <a:solidFill>
+                        <a:schemeClr val="bg1">
+                          <a:lumMod val="50000"/>
+                        </a:schemeClr>
+                      </a:solidFill>
+                      <a:prstDash val="solid"/>
+                      <a:round/>
+                      <a:headEnd type="none" w="med" len="med"/>
+                      <a:tailEnd type="none" w="med" len="med"/>
+                    </a:lnT>
+                    <a:lnB w="12700" cap="flat" cmpd="sng" algn="ctr">
+                      <a:solidFill>
+                        <a:schemeClr val="bg1">
+                          <a:lumMod val="50000"/>
+                        </a:schemeClr>
+                      </a:solidFill>
+                      <a:prstDash val="solid"/>
+                      <a:round/>
+                      <a:headEnd type="none" w="med" len="med"/>
+                      <a:tailEnd type="none" w="med" len="med"/>
+                    </a:lnB>
+                    <a:noFill/>
+                  </a:tcPr>
+                </a:tc>
+                <a:tc>
+                  <a:txBody>
+                    <a:bodyPr/>
+                    <a:lstStyle/>
+                    <a:p>
+                      <a:pPr marL="0" marR="0" indent="0" algn="ctr" fontAlgn="base" latinLnBrk="0">
+                        <a:lnSpc>
+                          <a:spcPct val="100000"/>
+                        </a:lnSpc>
+                        <a:spcBef>
+                          <a:spcPts val="0"/>
+                        </a:spcBef>
+                        <a:spcAft>
+                          <a:spcPts val="0"/>
+                        </a:spcAft>
+                      </a:pPr>
+                      <a:r>
+                        <a:rPr lang="ko-KR" altLang="en-US" sz="1050" b="1" kern="0" spc="0">
+                          <a:solidFill>
+                            <a:schemeClr val="bg1">
+                              <a:lumMod val="75000"/>
+                            </a:schemeClr>
+                          </a:solidFill>
+                          <a:effectLst/>
+                          <a:latin typeface="나눔바른고딕" panose="020B0603020101020101" pitchFamily="50" charset="-127"/>
+                          <a:ea typeface="나눔바른고딕" panose="020B0603020101020101" pitchFamily="50" charset="-127"/>
+                        </a:rPr>
+                        <a:t>한국</a:t>
+                      </a:r>
+                      <a:endParaRPr lang="ko-KR" altLang="en-US" sz="1050" kern="0" spc="0">
+                        <a:solidFill>
+                          <a:schemeClr val="bg1">
+                            <a:lumMod val="75000"/>
+                          </a:schemeClr>
+                        </a:solidFill>
+                        <a:effectLst/>
+                        <a:latin typeface="나눔바른고딕" panose="020B0603020101020101" pitchFamily="50" charset="-127"/>
+                        <a:ea typeface="나눔바른고딕" panose="020B0603020101020101" pitchFamily="50" charset="-127"/>
+                      </a:endParaRPr>
+                    </a:p>
+                  </a:txBody>
+                  <a:tcPr marL="36000" marR="36000" marT="15709" marB="15709" anchor="ctr">
+                    <a:lnL w="12700" cap="flat" cmpd="sng" algn="ctr">
+                      <a:solidFill>
+                        <a:schemeClr val="bg1">
+                          <a:lumMod val="50000"/>
+                        </a:schemeClr>
+                      </a:solidFill>
+                      <a:prstDash val="solid"/>
+                      <a:round/>
+                      <a:headEnd type="none" w="med" len="med"/>
+                      <a:tailEnd type="none" w="med" len="med"/>
+                    </a:lnL>
+                    <a:lnR w="12700" cap="flat" cmpd="sng" algn="ctr">
+                      <a:solidFill>
+                        <a:schemeClr val="bg1">
+                          <a:lumMod val="50000"/>
+                        </a:schemeClr>
+                      </a:solidFill>
+                      <a:prstDash val="solid"/>
+                      <a:round/>
+                      <a:headEnd type="none" w="med" len="med"/>
+                      <a:tailEnd type="none" w="med" len="med"/>
+                    </a:lnR>
+                    <a:lnT w="12700" cap="flat" cmpd="sng" algn="ctr">
+                      <a:solidFill>
+                        <a:schemeClr val="bg1">
+                          <a:lumMod val="50000"/>
+                        </a:schemeClr>
+                      </a:solidFill>
+                      <a:prstDash val="solid"/>
+                      <a:round/>
+                      <a:headEnd type="none" w="med" len="med"/>
+                      <a:tailEnd type="none" w="med" len="med"/>
+                    </a:lnT>
+                    <a:lnB w="12700" cap="flat" cmpd="sng" algn="ctr">
+                      <a:solidFill>
+                        <a:schemeClr val="bg1">
+                          <a:lumMod val="50000"/>
+                        </a:schemeClr>
+                      </a:solidFill>
+                      <a:prstDash val="solid"/>
+                      <a:round/>
+                      <a:headEnd type="none" w="med" len="med"/>
+                      <a:tailEnd type="none" w="med" len="med"/>
+                    </a:lnB>
+                    <a:noFill/>
+                  </a:tcPr>
+                </a:tc>
+                <a:tc>
+                  <a:txBody>
+                    <a:bodyPr/>
+                    <a:lstStyle/>
+                    <a:p>
+                      <a:pPr marL="0" marR="0" indent="0" algn="ctr" fontAlgn="base" latinLnBrk="0">
+                        <a:lnSpc>
+                          <a:spcPct val="100000"/>
+                        </a:lnSpc>
+                        <a:spcBef>
+                          <a:spcPts val="0"/>
+                        </a:spcBef>
+                        <a:spcAft>
+                          <a:spcPts val="0"/>
+                        </a:spcAft>
+                      </a:pPr>
+                      <a:r>
+                        <a:rPr lang="en-US" sz="1050" b="1" kern="0" spc="0">
+                          <a:solidFill>
+                            <a:schemeClr val="bg1">
+                              <a:lumMod val="75000"/>
+                            </a:schemeClr>
+                          </a:solidFill>
+                          <a:effectLst/>
+                          <a:latin typeface="나눔바른고딕" panose="020B0603020101020101" pitchFamily="50" charset="-127"/>
+                          <a:ea typeface="나눔바른고딕" panose="020B0603020101020101" pitchFamily="50" charset="-127"/>
+                        </a:rPr>
+                        <a:t>X</a:t>
+                      </a:r>
+                      <a:endParaRPr lang="en-US" sz="1050" kern="0" spc="0">
+                        <a:solidFill>
+                          <a:schemeClr val="bg1">
+                            <a:lumMod val="75000"/>
+                          </a:schemeClr>
+                        </a:solidFill>
+                        <a:effectLst/>
+                        <a:latin typeface="나눔바른고딕" panose="020B0603020101020101" pitchFamily="50" charset="-127"/>
+                        <a:ea typeface="나눔바른고딕" panose="020B0603020101020101" pitchFamily="50" charset="-127"/>
+                      </a:endParaRPr>
+                    </a:p>
+                  </a:txBody>
+                  <a:tcPr marL="36000" marR="36000" marT="15709" marB="15709" anchor="ctr">
+                    <a:lnL w="12700" cap="flat" cmpd="sng" algn="ctr">
+                      <a:solidFill>
+                        <a:schemeClr val="bg1">
+                          <a:lumMod val="50000"/>
+                        </a:schemeClr>
+                      </a:solidFill>
+                      <a:prstDash val="solid"/>
+                      <a:round/>
+                      <a:headEnd type="none" w="med" len="med"/>
+                      <a:tailEnd type="none" w="med" len="med"/>
+                    </a:lnL>
+                    <a:lnR w="12700" cap="flat" cmpd="sng" algn="ctr">
+                      <a:solidFill>
+                        <a:schemeClr val="bg1">
+                          <a:lumMod val="50000"/>
+                        </a:schemeClr>
+                      </a:solidFill>
+                      <a:prstDash val="solid"/>
+                      <a:round/>
+                      <a:headEnd type="none" w="med" len="med"/>
+                      <a:tailEnd type="none" w="med" len="med"/>
+                    </a:lnR>
+                    <a:lnT w="12700" cap="flat" cmpd="sng" algn="ctr">
+                      <a:solidFill>
+                        <a:schemeClr val="bg1">
+                          <a:lumMod val="50000"/>
+                        </a:schemeClr>
+                      </a:solidFill>
+                      <a:prstDash val="solid"/>
+                      <a:round/>
+                      <a:headEnd type="none" w="med" len="med"/>
+                      <a:tailEnd type="none" w="med" len="med"/>
+                    </a:lnT>
+                    <a:lnB w="12700" cap="flat" cmpd="sng" algn="ctr">
+                      <a:solidFill>
+                        <a:schemeClr val="bg1">
+                          <a:lumMod val="50000"/>
+                        </a:schemeClr>
+                      </a:solidFill>
+                      <a:prstDash val="solid"/>
+                      <a:round/>
+                      <a:headEnd type="none" w="med" len="med"/>
+                      <a:tailEnd type="none" w="med" len="med"/>
+                    </a:lnB>
+                    <a:noFill/>
+                  </a:tcPr>
+                </a:tc>
+                <a:tc>
+                  <a:txBody>
+                    <a:bodyPr/>
+                    <a:lstStyle/>
+                    <a:p>
+                      <a:pPr marL="0" marR="0" indent="0" algn="ctr" fontAlgn="base" latinLnBrk="0">
+                        <a:lnSpc>
+                          <a:spcPct val="100000"/>
+                        </a:lnSpc>
+                        <a:spcBef>
+                          <a:spcPts val="0"/>
+                        </a:spcBef>
+                        <a:spcAft>
+                          <a:spcPts val="0"/>
+                        </a:spcAft>
+                      </a:pPr>
+                      <a:r>
+                        <a:rPr lang="en-US" sz="1050" b="1" kern="0" spc="0">
+                          <a:solidFill>
+                            <a:schemeClr val="bg1">
+                              <a:lumMod val="75000"/>
+                            </a:schemeClr>
+                          </a:solidFill>
+                          <a:effectLst/>
+                          <a:latin typeface="나눔바른고딕" panose="020B0603020101020101" pitchFamily="50" charset="-127"/>
+                          <a:ea typeface="나눔바른고딕" panose="020B0603020101020101" pitchFamily="50" charset="-127"/>
+                        </a:rPr>
+                        <a:t>-</a:t>
+                      </a:r>
+                      <a:endParaRPr lang="en-US" sz="1050" kern="0" spc="0" dirty="0">
                         <a:solidFill>
                           <a:schemeClr val="bg1">
                             <a:lumMod val="75000"/>
@@ -10651,7 +11352,7 @@
                           <a:ea typeface="나눔바른고딕" panose="020B0603020101020101" pitchFamily="50" charset="-127"/>
                           <a:cs typeface="+mn-cs"/>
                         </a:rPr>
-                        <a:t>원광대병원</a:t>
+                        <a:t>서울의료원</a:t>
                       </a:r>
                       <a:endParaRPr lang="ko-KR" altLang="en-US" sz="1000" b="1" kern="0" spc="0" dirty="0">
                         <a:solidFill>
@@ -10741,7 +11442,7 @@
                           <a:latin typeface="나눔바른고딕" panose="020B0603020101020101" pitchFamily="50" charset="-127"/>
                           <a:ea typeface="나눔바른고딕" panose="020B0603020101020101" pitchFamily="50" charset="-127"/>
                         </a:rPr>
-                        <a:t>113</a:t>
+                        <a:t>2</a:t>
                       </a:r>
                     </a:p>
                   </a:txBody>
@@ -10795,7 +11496,7 @@
                 </a:tc>
                 <a:extLst>
                   <a:ext uri="{0D108BD9-81ED-4DB2-BD59-A6C34878D82A}">
-                    <a16:rowId xmlns:a16="http://schemas.microsoft.com/office/drawing/2014/main" val="1909014694"/>
+                    <a16:rowId xmlns:a16="http://schemas.microsoft.com/office/drawing/2014/main" val="2621453899"/>
                   </a:ext>
                 </a:extLst>
               </a:tr>
@@ -10827,7 +11528,7 @@
                           <a:latin typeface="나눔바른고딕" panose="020B0603020101020101" pitchFamily="50" charset="-127"/>
                           <a:ea typeface="나눔바른고딕" panose="020B0603020101020101" pitchFamily="50" charset="-127"/>
                         </a:rPr>
-                        <a:t>9</a:t>
+                        <a:t>10</a:t>
                       </a:r>
                       <a:endParaRPr lang="en-US" sz="1050" kern="0" spc="0">
                         <a:solidFill>
@@ -10995,7 +11696,7 @@
                         </a:spcAft>
                       </a:pPr>
                       <a:r>
-                        <a:rPr lang="en-US" sz="1050" b="1" kern="0" spc="0">
+                        <a:rPr lang="en-US" sz="1050" kern="0" spc="0" dirty="0">
                           <a:solidFill>
                             <a:schemeClr val="bg1">
                               <a:lumMod val="75000"/>
@@ -11005,18 +11706,8 @@
                           <a:latin typeface="나눔바른고딕" panose="020B0603020101020101" pitchFamily="50" charset="-127"/>
                           <a:ea typeface="나눔바른고딕" panose="020B0603020101020101" pitchFamily="50" charset="-127"/>
                         </a:rPr>
-                        <a:t>28</a:t>
+                        <a:t>’66</a:t>
                       </a:r>
-                      <a:endParaRPr lang="en-US" sz="1050" kern="0" spc="0" dirty="0">
-                        <a:solidFill>
-                          <a:schemeClr val="bg1">
-                            <a:lumMod val="75000"/>
-                          </a:schemeClr>
-                        </a:solidFill>
-                        <a:effectLst/>
-                        <a:latin typeface="나눔바른고딕" panose="020B0603020101020101" pitchFamily="50" charset="-127"/>
-                        <a:ea typeface="나눔바른고딕" panose="020B0603020101020101" pitchFamily="50" charset="-127"/>
-                      </a:endParaRPr>
                     </a:p>
                   </a:txBody>
                   <a:tcPr marL="36000" marR="36000" marT="15709" marB="15709" anchor="ctr">
@@ -11453,7 +12144,7 @@
                           <a:ea typeface="나눔바른고딕" panose="020B0603020101020101" pitchFamily="50" charset="-127"/>
                           <a:cs typeface="+mn-cs"/>
                         </a:rPr>
-                        <a:t>서울의료원</a:t>
+                        <a:t>서울대병원</a:t>
                       </a:r>
                       <a:endParaRPr lang="ko-KR" altLang="en-US" sz="1000" b="1" kern="0" spc="0" dirty="0">
                         <a:solidFill>
@@ -11543,7 +12234,7 @@
                           <a:latin typeface="나눔바른고딕" panose="020B0603020101020101" pitchFamily="50" charset="-127"/>
                           <a:ea typeface="나눔바른고딕" panose="020B0603020101020101" pitchFamily="50" charset="-127"/>
                         </a:rPr>
-                        <a:t>2</a:t>
+                        <a:t>43</a:t>
                       </a:r>
                     </a:p>
                   </a:txBody>
@@ -11597,7 +12288,7 @@
                 </a:tc>
                 <a:extLst>
                   <a:ext uri="{0D108BD9-81ED-4DB2-BD59-A6C34878D82A}">
-                    <a16:rowId xmlns:a16="http://schemas.microsoft.com/office/drawing/2014/main" val="2621453899"/>
+                    <a16:rowId xmlns:a16="http://schemas.microsoft.com/office/drawing/2014/main" val="1727322252"/>
                   </a:ext>
                 </a:extLst>
               </a:tr>
@@ -11619,7 +12310,7 @@
                         </a:spcAft>
                       </a:pPr>
                       <a:r>
-                        <a:rPr lang="en-US" sz="1050" b="1" kern="0" spc="0">
+                        <a:rPr lang="en-US" sz="1050" b="1" kern="0" spc="0" dirty="0">
                           <a:solidFill>
                             <a:schemeClr val="bg1">
                               <a:lumMod val="75000"/>
@@ -11629,9 +12320,9 @@
                           <a:latin typeface="나눔바른고딕" panose="020B0603020101020101" pitchFamily="50" charset="-127"/>
                           <a:ea typeface="나눔바른고딕" panose="020B0603020101020101" pitchFamily="50" charset="-127"/>
                         </a:rPr>
-                        <a:t>10</a:t>
+                        <a:t>11</a:t>
                       </a:r>
-                      <a:endParaRPr lang="en-US" sz="1050" kern="0" spc="0">
+                      <a:endParaRPr lang="en-US" sz="1050" kern="0" spc="0" dirty="0">
                         <a:solidFill>
                           <a:schemeClr val="bg1">
                             <a:lumMod val="75000"/>
@@ -11718,7 +12409,7 @@
                           <a:latin typeface="나눔바른고딕" panose="020B0603020101020101" pitchFamily="50" charset="-127"/>
                           <a:ea typeface="나눔바른고딕" panose="020B0603020101020101" pitchFamily="50" charset="-127"/>
                         </a:rPr>
-                        <a:t>여</a:t>
+                        <a:t>남</a:t>
                       </a:r>
                       <a:endParaRPr lang="ko-KR" altLang="en-US" sz="1050" kern="0" spc="0">
                         <a:solidFill>
@@ -11797,7 +12488,7 @@
                         </a:spcAft>
                       </a:pPr>
                       <a:r>
-                        <a:rPr lang="en-US" sz="1050" b="1" kern="0" spc="0">
+                        <a:rPr lang="en-US" sz="1050" kern="0" spc="0" dirty="0">
                           <a:solidFill>
                             <a:schemeClr val="bg1">
                               <a:lumMod val="75000"/>
@@ -11807,18 +12498,8 @@
                           <a:latin typeface="나눔바른고딕" panose="020B0603020101020101" pitchFamily="50" charset="-127"/>
                           <a:ea typeface="나눔바른고딕" panose="020B0603020101020101" pitchFamily="50" charset="-127"/>
                         </a:rPr>
-                        <a:t>54</a:t>
+                        <a:t>’95</a:t>
                       </a:r>
-                      <a:endParaRPr lang="en-US" sz="1050" kern="0" spc="0" dirty="0">
-                        <a:solidFill>
-                          <a:schemeClr val="bg1">
-                            <a:lumMod val="75000"/>
-                          </a:schemeClr>
-                        </a:solidFill>
-                        <a:effectLst/>
-                        <a:latin typeface="나눔바른고딕" panose="020B0603020101020101" pitchFamily="50" charset="-127"/>
-                        <a:ea typeface="나눔바른고딕" panose="020B0603020101020101" pitchFamily="50" charset="-127"/>
-                      </a:endParaRPr>
                     </a:p>
                   </a:txBody>
                   <a:tcPr marL="36000" marR="36000" marT="15709" marB="15709" anchor="ctr">
@@ -12076,7 +12757,7 @@
                         </a:rPr>
                         <a:t>-</a:t>
                       </a:r>
-                      <a:endParaRPr lang="en-US" sz="1050" kern="0" spc="0" dirty="0">
+                      <a:endParaRPr lang="en-US" sz="1050" kern="0" spc="0">
                         <a:solidFill>
                           <a:schemeClr val="bg1">
                             <a:lumMod val="75000"/>
@@ -12335,7 +13016,7 @@
                         </a:spcAft>
                       </a:pPr>
                       <a:r>
-                        <a:rPr lang="en-US" sz="1050" kern="0" spc="0" dirty="0">
+                        <a:rPr lang="en-US" sz="1050" kern="0" spc="0">
                           <a:solidFill>
                             <a:schemeClr val="bg1">
                               <a:lumMod val="75000"/>
@@ -12345,8 +13026,18 @@
                           <a:latin typeface="나눔바른고딕" panose="020B0603020101020101" pitchFamily="50" charset="-127"/>
                           <a:ea typeface="나눔바른고딕" panose="020B0603020101020101" pitchFamily="50" charset="-127"/>
                         </a:rPr>
-                        <a:t>43</a:t>
+                        <a:t>0</a:t>
                       </a:r>
+                      <a:endParaRPr lang="en-US" sz="1050" kern="0" spc="0" dirty="0">
+                        <a:solidFill>
+                          <a:schemeClr val="bg1">
+                            <a:lumMod val="75000"/>
+                          </a:schemeClr>
+                        </a:solidFill>
+                        <a:effectLst/>
+                        <a:latin typeface="나눔바른고딕" panose="020B0603020101020101" pitchFamily="50" charset="-127"/>
+                        <a:ea typeface="나눔바른고딕" panose="020B0603020101020101" pitchFamily="50" charset="-127"/>
+                      </a:endParaRPr>
                     </a:p>
                   </a:txBody>
                   <a:tcPr marL="36000" marR="36000" marT="15709" marB="15709" anchor="ctr">
@@ -12399,7 +13090,7 @@
                 </a:tc>
                 <a:extLst>
                   <a:ext uri="{0D108BD9-81ED-4DB2-BD59-A6C34878D82A}">
-                    <a16:rowId xmlns:a16="http://schemas.microsoft.com/office/drawing/2014/main" val="1727322252"/>
+                    <a16:rowId xmlns:a16="http://schemas.microsoft.com/office/drawing/2014/main" val="1466450458"/>
                   </a:ext>
                 </a:extLst>
               </a:tr>
@@ -12421,7 +13112,7 @@
                         </a:spcAft>
                       </a:pPr>
                       <a:r>
-                        <a:rPr lang="en-US" sz="1050" b="1" kern="0" spc="0" dirty="0">
+                        <a:rPr lang="en-US" sz="1050" b="1" kern="0" spc="0">
                           <a:solidFill>
                             <a:schemeClr val="bg1">
                               <a:lumMod val="75000"/>
@@ -12431,9 +13122,9 @@
                           <a:latin typeface="나눔바른고딕" panose="020B0603020101020101" pitchFamily="50" charset="-127"/>
                           <a:ea typeface="나눔바른고딕" panose="020B0603020101020101" pitchFamily="50" charset="-127"/>
                         </a:rPr>
-                        <a:t>11</a:t>
+                        <a:t>12</a:t>
                       </a:r>
-                      <a:endParaRPr lang="en-US" sz="1050" kern="0" spc="0" dirty="0">
+                      <a:endParaRPr lang="en-US" sz="1050" kern="0" spc="0">
                         <a:solidFill>
                           <a:schemeClr val="bg1">
                             <a:lumMod val="75000"/>
@@ -12599,6 +13290,174 @@
                         </a:spcAft>
                       </a:pPr>
                       <a:r>
+                        <a:rPr lang="en-US" sz="1050" kern="0" spc="0" dirty="0">
+                          <a:solidFill>
+                            <a:schemeClr val="bg1">
+                              <a:lumMod val="75000"/>
+                            </a:schemeClr>
+                          </a:solidFill>
+                          <a:effectLst/>
+                          <a:latin typeface="나눔바른고딕" panose="020B0603020101020101" pitchFamily="50" charset="-127"/>
+                          <a:ea typeface="나눔바른고딕" panose="020B0603020101020101" pitchFamily="50" charset="-127"/>
+                        </a:rPr>
+                        <a:t>’71</a:t>
+                      </a:r>
+                    </a:p>
+                  </a:txBody>
+                  <a:tcPr marL="36000" marR="36000" marT="15709" marB="15709" anchor="ctr">
+                    <a:lnL w="12700" cap="flat" cmpd="sng" algn="ctr">
+                      <a:solidFill>
+                        <a:schemeClr val="bg1">
+                          <a:lumMod val="50000"/>
+                        </a:schemeClr>
+                      </a:solidFill>
+                      <a:prstDash val="solid"/>
+                      <a:round/>
+                      <a:headEnd type="none" w="med" len="med"/>
+                      <a:tailEnd type="none" w="med" len="med"/>
+                    </a:lnL>
+                    <a:lnR w="12700" cap="flat" cmpd="sng" algn="ctr">
+                      <a:solidFill>
+                        <a:schemeClr val="bg1">
+                          <a:lumMod val="50000"/>
+                        </a:schemeClr>
+                      </a:solidFill>
+                      <a:prstDash val="solid"/>
+                      <a:round/>
+                      <a:headEnd type="none" w="med" len="med"/>
+                      <a:tailEnd type="none" w="med" len="med"/>
+                    </a:lnR>
+                    <a:lnT w="12700" cap="flat" cmpd="sng" algn="ctr">
+                      <a:solidFill>
+                        <a:schemeClr val="bg1">
+                          <a:lumMod val="50000"/>
+                        </a:schemeClr>
+                      </a:solidFill>
+                      <a:prstDash val="solid"/>
+                      <a:round/>
+                      <a:headEnd type="none" w="med" len="med"/>
+                      <a:tailEnd type="none" w="med" len="med"/>
+                    </a:lnT>
+                    <a:lnB w="12700" cap="flat" cmpd="sng" algn="ctr">
+                      <a:solidFill>
+                        <a:schemeClr val="bg1">
+                          <a:lumMod val="50000"/>
+                        </a:schemeClr>
+                      </a:solidFill>
+                      <a:prstDash val="solid"/>
+                      <a:round/>
+                      <a:headEnd type="none" w="med" len="med"/>
+                      <a:tailEnd type="none" w="med" len="med"/>
+                    </a:lnB>
+                    <a:noFill/>
+                  </a:tcPr>
+                </a:tc>
+                <a:tc>
+                  <a:txBody>
+                    <a:bodyPr/>
+                    <a:lstStyle/>
+                    <a:p>
+                      <a:pPr marL="0" marR="0" indent="0" algn="ctr" fontAlgn="base" latinLnBrk="0">
+                        <a:lnSpc>
+                          <a:spcPct val="100000"/>
+                        </a:lnSpc>
+                        <a:spcBef>
+                          <a:spcPts val="0"/>
+                        </a:spcBef>
+                        <a:spcAft>
+                          <a:spcPts val="0"/>
+                        </a:spcAft>
+                      </a:pPr>
+                      <a:r>
+                        <a:rPr lang="ko-KR" altLang="en-US" sz="1050" b="1" kern="0" spc="0">
+                          <a:solidFill>
+                            <a:schemeClr val="bg1">
+                              <a:lumMod val="75000"/>
+                            </a:schemeClr>
+                          </a:solidFill>
+                          <a:effectLst/>
+                          <a:latin typeface="나눔바른고딕" panose="020B0603020101020101" pitchFamily="50" charset="-127"/>
+                          <a:ea typeface="나눔바른고딕" panose="020B0603020101020101" pitchFamily="50" charset="-127"/>
+                        </a:rPr>
+                        <a:t>중국</a:t>
+                      </a:r>
+                      <a:endParaRPr lang="ko-KR" altLang="en-US" sz="1050" kern="0" spc="0">
+                        <a:solidFill>
+                          <a:schemeClr val="bg1">
+                            <a:lumMod val="75000"/>
+                          </a:schemeClr>
+                        </a:solidFill>
+                        <a:effectLst/>
+                        <a:latin typeface="나눔바른고딕" panose="020B0603020101020101" pitchFamily="50" charset="-127"/>
+                        <a:ea typeface="나눔바른고딕" panose="020B0603020101020101" pitchFamily="50" charset="-127"/>
+                      </a:endParaRPr>
+                    </a:p>
+                  </a:txBody>
+                  <a:tcPr marL="36000" marR="36000" marT="15709" marB="15709" anchor="ctr">
+                    <a:lnL w="12700" cap="flat" cmpd="sng" algn="ctr">
+                      <a:solidFill>
+                        <a:schemeClr val="bg1">
+                          <a:lumMod val="50000"/>
+                        </a:schemeClr>
+                      </a:solidFill>
+                      <a:prstDash val="solid"/>
+                      <a:round/>
+                      <a:headEnd type="none" w="med" len="med"/>
+                      <a:tailEnd type="none" w="med" len="med"/>
+                    </a:lnL>
+                    <a:lnR w="12700" cap="flat" cmpd="sng" algn="ctr">
+                      <a:solidFill>
+                        <a:schemeClr val="bg1">
+                          <a:lumMod val="50000"/>
+                        </a:schemeClr>
+                      </a:solidFill>
+                      <a:prstDash val="solid"/>
+                      <a:round/>
+                      <a:headEnd type="none" w="med" len="med"/>
+                      <a:tailEnd type="none" w="med" len="med"/>
+                    </a:lnR>
+                    <a:lnT w="12700" cap="flat" cmpd="sng" algn="ctr">
+                      <a:solidFill>
+                        <a:schemeClr val="bg1">
+                          <a:lumMod val="50000"/>
+                        </a:schemeClr>
+                      </a:solidFill>
+                      <a:prstDash val="solid"/>
+                      <a:round/>
+                      <a:headEnd type="none" w="med" len="med"/>
+                      <a:tailEnd type="none" w="med" len="med"/>
+                    </a:lnT>
+                    <a:lnB w="12700" cap="flat" cmpd="sng" algn="ctr">
+                      <a:solidFill>
+                        <a:schemeClr val="bg1">
+                          <a:lumMod val="50000"/>
+                        </a:schemeClr>
+                      </a:solidFill>
+                      <a:prstDash val="solid"/>
+                      <a:round/>
+                      <a:headEnd type="none" w="med" len="med"/>
+                      <a:tailEnd type="none" w="med" len="med"/>
+                    </a:lnB>
+                    <a:noFill/>
+                  </a:tcPr>
+                </a:tc>
+                <a:tc>
+                  <a:txBody>
+                    <a:bodyPr/>
+                    <a:lstStyle/>
+                    <a:p>
+                      <a:pPr marL="0" marR="0" indent="0" algn="ctr" fontAlgn="base" latinLnBrk="0">
+                        <a:lnSpc>
+                          <a:spcPct val="100000"/>
+                        </a:lnSpc>
+                        <a:spcBef>
+                          <a:spcPts val="0"/>
+                        </a:spcBef>
+                        <a:spcAft>
+                          <a:spcPts val="0"/>
+                        </a:spcAft>
+                      </a:pPr>
+                      <a:r>
                         <a:rPr lang="en-US" sz="1050" b="1" kern="0" spc="0">
                           <a:solidFill>
                             <a:schemeClr val="bg1">
@@ -12609,7 +13468,185 @@
                           <a:latin typeface="나눔바른고딕" panose="020B0603020101020101" pitchFamily="50" charset="-127"/>
                           <a:ea typeface="나눔바른고딕" panose="020B0603020101020101" pitchFamily="50" charset="-127"/>
                         </a:rPr>
-                        <a:t>25</a:t>
+                        <a:t>X</a:t>
+                      </a:r>
+                      <a:endParaRPr lang="en-US" sz="1050" kern="0" spc="0">
+                        <a:solidFill>
+                          <a:schemeClr val="bg1">
+                            <a:lumMod val="75000"/>
+                          </a:schemeClr>
+                        </a:solidFill>
+                        <a:effectLst/>
+                        <a:latin typeface="나눔바른고딕" panose="020B0603020101020101" pitchFamily="50" charset="-127"/>
+                        <a:ea typeface="나눔바른고딕" panose="020B0603020101020101" pitchFamily="50" charset="-127"/>
+                      </a:endParaRPr>
+                    </a:p>
+                  </a:txBody>
+                  <a:tcPr marL="36000" marR="36000" marT="15709" marB="15709" anchor="ctr">
+                    <a:lnL w="12700" cap="flat" cmpd="sng" algn="ctr">
+                      <a:solidFill>
+                        <a:schemeClr val="bg1">
+                          <a:lumMod val="50000"/>
+                        </a:schemeClr>
+                      </a:solidFill>
+                      <a:prstDash val="solid"/>
+                      <a:round/>
+                      <a:headEnd type="none" w="med" len="med"/>
+                      <a:tailEnd type="none" w="med" len="med"/>
+                    </a:lnL>
+                    <a:lnR w="12700" cap="flat" cmpd="sng" algn="ctr">
+                      <a:solidFill>
+                        <a:schemeClr val="bg1">
+                          <a:lumMod val="50000"/>
+                        </a:schemeClr>
+                      </a:solidFill>
+                      <a:prstDash val="solid"/>
+                      <a:round/>
+                      <a:headEnd type="none" w="med" len="med"/>
+                      <a:tailEnd type="none" w="med" len="med"/>
+                    </a:lnR>
+                    <a:lnT w="12700" cap="flat" cmpd="sng" algn="ctr">
+                      <a:solidFill>
+                        <a:schemeClr val="bg1">
+                          <a:lumMod val="50000"/>
+                        </a:schemeClr>
+                      </a:solidFill>
+                      <a:prstDash val="solid"/>
+                      <a:round/>
+                      <a:headEnd type="none" w="med" len="med"/>
+                      <a:tailEnd type="none" w="med" len="med"/>
+                    </a:lnT>
+                    <a:lnB w="12700" cap="flat" cmpd="sng" algn="ctr">
+                      <a:solidFill>
+                        <a:schemeClr val="bg1">
+                          <a:lumMod val="50000"/>
+                        </a:schemeClr>
+                      </a:solidFill>
+                      <a:prstDash val="solid"/>
+                      <a:round/>
+                      <a:headEnd type="none" w="med" len="med"/>
+                      <a:tailEnd type="none" w="med" len="med"/>
+                    </a:lnB>
+                    <a:noFill/>
+                  </a:tcPr>
+                </a:tc>
+                <a:tc>
+                  <a:txBody>
+                    <a:bodyPr/>
+                    <a:lstStyle/>
+                    <a:p>
+                      <a:pPr marL="0" marR="0" indent="0" algn="ctr" fontAlgn="base" latinLnBrk="0">
+                        <a:lnSpc>
+                          <a:spcPct val="100000"/>
+                        </a:lnSpc>
+                        <a:spcBef>
+                          <a:spcPts val="0"/>
+                        </a:spcBef>
+                        <a:spcAft>
+                          <a:spcPts val="0"/>
+                        </a:spcAft>
+                      </a:pPr>
+                      <a:r>
+                        <a:rPr lang="en-US" sz="1050" b="1" kern="0" spc="0">
+                          <a:solidFill>
+                            <a:schemeClr val="bg1">
+                              <a:lumMod val="75000"/>
+                            </a:schemeClr>
+                          </a:solidFill>
+                          <a:effectLst/>
+                          <a:latin typeface="나눔바른고딕" panose="020B0603020101020101" pitchFamily="50" charset="-127"/>
+                          <a:ea typeface="나눔바른고딕" panose="020B0603020101020101" pitchFamily="50" charset="-127"/>
+                        </a:rPr>
+                        <a:t>1.19</a:t>
+                      </a:r>
+                      <a:endParaRPr lang="en-US" sz="1050" kern="0" spc="0">
+                        <a:solidFill>
+                          <a:schemeClr val="bg1">
+                            <a:lumMod val="75000"/>
+                          </a:schemeClr>
+                        </a:solidFill>
+                        <a:effectLst/>
+                        <a:latin typeface="나눔바른고딕" panose="020B0603020101020101" pitchFamily="50" charset="-127"/>
+                        <a:ea typeface="나눔바른고딕" panose="020B0603020101020101" pitchFamily="50" charset="-127"/>
+                      </a:endParaRPr>
+                    </a:p>
+                  </a:txBody>
+                  <a:tcPr marL="36000" marR="36000" marT="15709" marB="15709" anchor="ctr">
+                    <a:lnL w="12700" cap="flat" cmpd="sng" algn="ctr">
+                      <a:solidFill>
+                        <a:schemeClr val="bg1">
+                          <a:lumMod val="50000"/>
+                        </a:schemeClr>
+                      </a:solidFill>
+                      <a:prstDash val="solid"/>
+                      <a:round/>
+                      <a:headEnd type="none" w="med" len="med"/>
+                      <a:tailEnd type="none" w="med" len="med"/>
+                    </a:lnL>
+                    <a:lnR w="12700" cap="flat" cmpd="sng" algn="ctr">
+                      <a:solidFill>
+                        <a:schemeClr val="bg1">
+                          <a:lumMod val="50000"/>
+                        </a:schemeClr>
+                      </a:solidFill>
+                      <a:prstDash val="solid"/>
+                      <a:round/>
+                      <a:headEnd type="none" w="med" len="med"/>
+                      <a:tailEnd type="none" w="med" len="med"/>
+                    </a:lnR>
+                    <a:lnT w="12700" cap="flat" cmpd="sng" algn="ctr">
+                      <a:solidFill>
+                        <a:schemeClr val="bg1">
+                          <a:lumMod val="50000"/>
+                        </a:schemeClr>
+                      </a:solidFill>
+                      <a:prstDash val="solid"/>
+                      <a:round/>
+                      <a:headEnd type="none" w="med" len="med"/>
+                      <a:tailEnd type="none" w="med" len="med"/>
+                    </a:lnT>
+                    <a:lnB w="12700" cap="flat" cmpd="sng" algn="ctr">
+                      <a:solidFill>
+                        <a:schemeClr val="bg1">
+                          <a:lumMod val="50000"/>
+                        </a:schemeClr>
+                      </a:solidFill>
+                      <a:prstDash val="solid"/>
+                      <a:round/>
+                      <a:headEnd type="none" w="med" len="med"/>
+                      <a:tailEnd type="none" w="med" len="med"/>
+                    </a:lnB>
+                    <a:noFill/>
+                  </a:tcPr>
+                </a:tc>
+                <a:tc>
+                  <a:txBody>
+                    <a:bodyPr/>
+                    <a:lstStyle/>
+                    <a:p>
+                      <a:pPr marL="0" marR="0" indent="0" algn="ctr" fontAlgn="base" latinLnBrk="0">
+                        <a:lnSpc>
+                          <a:spcPct val="100000"/>
+                        </a:lnSpc>
+                        <a:spcBef>
+                          <a:spcPts val="0"/>
+                        </a:spcBef>
+                        <a:spcAft>
+                          <a:spcPts val="0"/>
+                        </a:spcAft>
+                      </a:pPr>
+                      <a:r>
+                        <a:rPr lang="en-US" sz="1050" kern="0" spc="0">
+                          <a:solidFill>
+                            <a:schemeClr val="bg1">
+                              <a:lumMod val="75000"/>
+                            </a:schemeClr>
+                          </a:solidFill>
+                          <a:effectLst/>
+                          <a:latin typeface="나눔바른고딕" panose="020B0603020101020101" pitchFamily="50" charset="-127"/>
+                          <a:ea typeface="나눔바른고딕" panose="020B0603020101020101" pitchFamily="50" charset="-127"/>
+                        </a:rPr>
+                        <a:t>2.1</a:t>
                       </a:r>
                       <a:endParaRPr lang="en-US" sz="1050" kern="0" spc="0" dirty="0">
                         <a:solidFill>
@@ -12621,6 +13658,429 @@
                         <a:latin typeface="나눔바른고딕" panose="020B0603020101020101" pitchFamily="50" charset="-127"/>
                         <a:ea typeface="나눔바른고딕" panose="020B0603020101020101" pitchFamily="50" charset="-127"/>
                       </a:endParaRPr>
+                    </a:p>
+                  </a:txBody>
+                  <a:tcPr marL="36000" marR="36000" marT="15709" marB="15709" anchor="ctr">
+                    <a:lnL w="12700" cap="flat" cmpd="sng" algn="ctr">
+                      <a:solidFill>
+                        <a:schemeClr val="bg1">
+                          <a:lumMod val="50000"/>
+                        </a:schemeClr>
+                      </a:solidFill>
+                      <a:prstDash val="solid"/>
+                      <a:round/>
+                      <a:headEnd type="none" w="med" len="med"/>
+                      <a:tailEnd type="none" w="med" len="med"/>
+                    </a:lnL>
+                    <a:lnR w="12700" cap="flat" cmpd="sng" algn="ctr">
+                      <a:solidFill>
+                        <a:schemeClr val="bg1">
+                          <a:lumMod val="50000"/>
+                        </a:schemeClr>
+                      </a:solidFill>
+                      <a:prstDash val="solid"/>
+                      <a:round/>
+                      <a:headEnd type="none" w="med" len="med"/>
+                      <a:tailEnd type="none" w="med" len="med"/>
+                    </a:lnR>
+                    <a:lnT w="12700" cap="flat" cmpd="sng" algn="ctr">
+                      <a:solidFill>
+                        <a:schemeClr val="bg1">
+                          <a:lumMod val="50000"/>
+                        </a:schemeClr>
+                      </a:solidFill>
+                      <a:prstDash val="solid"/>
+                      <a:round/>
+                      <a:headEnd type="none" w="med" len="med"/>
+                      <a:tailEnd type="none" w="med" len="med"/>
+                    </a:lnT>
+                    <a:lnB w="12700" cap="flat" cmpd="sng" algn="ctr">
+                      <a:solidFill>
+                        <a:schemeClr val="bg1">
+                          <a:lumMod val="50000"/>
+                        </a:schemeClr>
+                      </a:solidFill>
+                      <a:prstDash val="solid"/>
+                      <a:round/>
+                      <a:headEnd type="none" w="med" len="med"/>
+                      <a:tailEnd type="none" w="med" len="med"/>
+                    </a:lnB>
+                    <a:noFill/>
+                  </a:tcPr>
+                </a:tc>
+                <a:tc>
+                  <a:txBody>
+                    <a:bodyPr/>
+                    <a:lstStyle/>
+                    <a:p>
+                      <a:pPr marL="0" marR="0" indent="0" algn="ctr" fontAlgn="base" latinLnBrk="0">
+                        <a:lnSpc>
+                          <a:spcPct val="100000"/>
+                        </a:lnSpc>
+                        <a:spcBef>
+                          <a:spcPts val="0"/>
+                        </a:spcBef>
+                        <a:spcAft>
+                          <a:spcPts val="0"/>
+                        </a:spcAft>
+                      </a:pPr>
+                      <a:r>
+                        <a:rPr lang="ko-KR" altLang="en-US" sz="1000" b="1" kern="0" spc="0">
+                          <a:solidFill>
+                            <a:schemeClr val="bg1">
+                              <a:lumMod val="75000"/>
+                            </a:schemeClr>
+                          </a:solidFill>
+                          <a:effectLst/>
+                          <a:latin typeface="나눔바른고딕" panose="020B0603020101020101" pitchFamily="50" charset="-127"/>
+                          <a:ea typeface="나눔바른고딕" panose="020B0603020101020101" pitchFamily="50" charset="-127"/>
+                          <a:cs typeface="+mn-cs"/>
+                        </a:rPr>
+                        <a:t>분당서울대병원</a:t>
+                      </a:r>
+                    </a:p>
+                  </a:txBody>
+                  <a:tcPr marL="36000" marR="36000" marT="15709" marB="15709" anchor="ctr">
+                    <a:lnL w="12700" cap="flat" cmpd="sng" algn="ctr">
+                      <a:solidFill>
+                        <a:schemeClr val="bg1">
+                          <a:lumMod val="50000"/>
+                        </a:schemeClr>
+                      </a:solidFill>
+                      <a:prstDash val="solid"/>
+                      <a:round/>
+                      <a:headEnd type="none" w="med" len="med"/>
+                      <a:tailEnd type="none" w="med" len="med"/>
+                    </a:lnL>
+                    <a:lnR w="12700" cap="flat" cmpd="sng" algn="ctr">
+                      <a:solidFill>
+                        <a:schemeClr val="bg1">
+                          <a:lumMod val="50000"/>
+                        </a:schemeClr>
+                      </a:solidFill>
+                      <a:prstDash val="solid"/>
+                      <a:round/>
+                      <a:headEnd type="none" w="med" len="med"/>
+                      <a:tailEnd type="none" w="med" len="med"/>
+                    </a:lnR>
+                    <a:lnT w="12700" cap="flat" cmpd="sng" algn="ctr">
+                      <a:solidFill>
+                        <a:schemeClr val="bg1">
+                          <a:lumMod val="50000"/>
+                        </a:schemeClr>
+                      </a:solidFill>
+                      <a:prstDash val="solid"/>
+                      <a:round/>
+                      <a:headEnd type="none" w="med" len="med"/>
+                      <a:tailEnd type="none" w="med" len="med"/>
+                    </a:lnT>
+                    <a:lnB w="12700" cap="flat" cmpd="sng" algn="ctr">
+                      <a:solidFill>
+                        <a:schemeClr val="bg1">
+                          <a:lumMod val="50000"/>
+                        </a:schemeClr>
+                      </a:solidFill>
+                      <a:prstDash val="solid"/>
+                      <a:round/>
+                      <a:headEnd type="none" w="med" len="med"/>
+                      <a:tailEnd type="none" w="med" len="med"/>
+                    </a:lnB>
+                    <a:noFill/>
+                  </a:tcPr>
+                </a:tc>
+                <a:tc>
+                  <a:txBody>
+                    <a:bodyPr/>
+                    <a:lstStyle/>
+                    <a:p>
+                      <a:pPr marL="0" marR="0" indent="0" algn="ctr" fontAlgn="base" latinLnBrk="0">
+                        <a:lnSpc>
+                          <a:spcPct val="100000"/>
+                        </a:lnSpc>
+                        <a:spcBef>
+                          <a:spcPts val="0"/>
+                        </a:spcBef>
+                        <a:spcAft>
+                          <a:spcPts val="0"/>
+                        </a:spcAft>
+                      </a:pPr>
+                      <a:r>
+                        <a:rPr lang="en-US" sz="1050" kern="0" spc="0" dirty="0">
+                          <a:solidFill>
+                            <a:schemeClr val="bg1">
+                              <a:lumMod val="75000"/>
+                            </a:schemeClr>
+                          </a:solidFill>
+                          <a:effectLst/>
+                          <a:latin typeface="나눔바른고딕" panose="020B0603020101020101" pitchFamily="50" charset="-127"/>
+                          <a:ea typeface="나눔바른고딕" panose="020B0603020101020101" pitchFamily="50" charset="-127"/>
+                        </a:rPr>
+                        <a:t>42</a:t>
+                      </a:r>
+                    </a:p>
+                  </a:txBody>
+                  <a:tcPr marL="36000" marR="36000" marT="15709" marB="15709" anchor="ctr">
+                    <a:lnL w="12700" cap="flat" cmpd="sng" algn="ctr">
+                      <a:solidFill>
+                        <a:schemeClr val="bg1">
+                          <a:lumMod val="50000"/>
+                        </a:schemeClr>
+                      </a:solidFill>
+                      <a:prstDash val="solid"/>
+                      <a:round/>
+                      <a:headEnd type="none" w="med" len="med"/>
+                      <a:tailEnd type="none" w="med" len="med"/>
+                    </a:lnL>
+                    <a:lnR w="12700" cap="flat" cmpd="sng" algn="ctr">
+                      <a:solidFill>
+                        <a:schemeClr val="bg1">
+                          <a:lumMod val="50000"/>
+                        </a:schemeClr>
+                      </a:solidFill>
+                      <a:prstDash val="solid"/>
+                      <a:round/>
+                      <a:headEnd type="none" w="med" len="med"/>
+                      <a:tailEnd type="none" w="med" len="med"/>
+                    </a:lnR>
+                    <a:lnT w="12700" cap="flat" cmpd="sng" algn="ctr">
+                      <a:solidFill>
+                        <a:schemeClr val="bg1">
+                          <a:lumMod val="50000"/>
+                        </a:schemeClr>
+                      </a:solidFill>
+                      <a:prstDash val="solid"/>
+                      <a:round/>
+                      <a:headEnd type="none" w="med" len="med"/>
+                      <a:tailEnd type="none" w="med" len="med"/>
+                    </a:lnT>
+                    <a:lnB w="12700" cap="flat" cmpd="sng" algn="ctr">
+                      <a:solidFill>
+                        <a:schemeClr val="bg1">
+                          <a:lumMod val="50000"/>
+                        </a:schemeClr>
+                      </a:solidFill>
+                      <a:prstDash val="solid"/>
+                      <a:round/>
+                      <a:headEnd type="none" w="med" len="med"/>
+                      <a:tailEnd type="none" w="med" len="med"/>
+                    </a:lnB>
+                    <a:noFill/>
+                  </a:tcPr>
+                </a:tc>
+                <a:extLst>
+                  <a:ext uri="{0D108BD9-81ED-4DB2-BD59-A6C34878D82A}">
+                    <a16:rowId xmlns:a16="http://schemas.microsoft.com/office/drawing/2014/main" val="1758572221"/>
+                  </a:ext>
+                </a:extLst>
+              </a:tr>
+              <a:tr h="288000">
+                <a:tc>
+                  <a:txBody>
+                    <a:bodyPr/>
+                    <a:lstStyle/>
+                    <a:p>
+                      <a:pPr marL="0" marR="0" indent="0" algn="ctr" fontAlgn="base" latinLnBrk="0">
+                        <a:lnSpc>
+                          <a:spcPct val="100000"/>
+                        </a:lnSpc>
+                        <a:spcBef>
+                          <a:spcPts val="0"/>
+                        </a:spcBef>
+                        <a:spcAft>
+                          <a:spcPts val="0"/>
+                        </a:spcAft>
+                      </a:pPr>
+                      <a:r>
+                        <a:rPr lang="en-US" sz="1050" b="1" kern="0" spc="0">
+                          <a:solidFill>
+                            <a:schemeClr val="bg1">
+                              <a:lumMod val="75000"/>
+                            </a:schemeClr>
+                          </a:solidFill>
+                          <a:effectLst/>
+                          <a:latin typeface="나눔바른고딕" panose="020B0603020101020101" pitchFamily="50" charset="-127"/>
+                          <a:ea typeface="나눔바른고딕" panose="020B0603020101020101" pitchFamily="50" charset="-127"/>
+                        </a:rPr>
+                        <a:t>13</a:t>
+                      </a:r>
+                      <a:endParaRPr lang="en-US" sz="1050" kern="0" spc="0">
+                        <a:solidFill>
+                          <a:schemeClr val="bg1">
+                            <a:lumMod val="75000"/>
+                          </a:schemeClr>
+                        </a:solidFill>
+                        <a:effectLst/>
+                        <a:latin typeface="나눔바른고딕" panose="020B0603020101020101" pitchFamily="50" charset="-127"/>
+                        <a:ea typeface="나눔바른고딕" panose="020B0603020101020101" pitchFamily="50" charset="-127"/>
+                      </a:endParaRPr>
+                    </a:p>
+                  </a:txBody>
+                  <a:tcPr marL="36000" marR="36000" marT="15709" marB="15709" anchor="ctr">
+                    <a:lnL w="12700" cap="flat" cmpd="sng" algn="ctr">
+                      <a:solidFill>
+                        <a:schemeClr val="bg1">
+                          <a:lumMod val="50000"/>
+                        </a:schemeClr>
+                      </a:solidFill>
+                      <a:prstDash val="solid"/>
+                      <a:round/>
+                      <a:headEnd type="none" w="med" len="med"/>
+                      <a:tailEnd type="none" w="med" len="med"/>
+                    </a:lnL>
+                    <a:lnR w="12700" cap="flat" cmpd="sng" algn="ctr">
+                      <a:solidFill>
+                        <a:schemeClr val="bg1">
+                          <a:lumMod val="50000"/>
+                        </a:schemeClr>
+                      </a:solidFill>
+                      <a:prstDash val="solid"/>
+                      <a:round/>
+                      <a:headEnd type="none" w="med" len="med"/>
+                      <a:tailEnd type="none" w="med" len="med"/>
+                    </a:lnR>
+                    <a:lnT w="12700" cap="flat" cmpd="sng" algn="ctr">
+                      <a:solidFill>
+                        <a:schemeClr val="bg1">
+                          <a:lumMod val="50000"/>
+                        </a:schemeClr>
+                      </a:solidFill>
+                      <a:prstDash val="solid"/>
+                      <a:round/>
+                      <a:headEnd type="none" w="med" len="med"/>
+                      <a:tailEnd type="none" w="med" len="med"/>
+                    </a:lnT>
+                    <a:lnB w="12700" cap="flat" cmpd="sng" algn="ctr">
+                      <a:solidFill>
+                        <a:schemeClr val="bg1">
+                          <a:lumMod val="50000"/>
+                        </a:schemeClr>
+                      </a:solidFill>
+                      <a:prstDash val="solid"/>
+                      <a:round/>
+                      <a:headEnd type="none" w="med" len="med"/>
+                      <a:tailEnd type="none" w="med" len="med"/>
+                    </a:lnB>
+                    <a:noFill/>
+                  </a:tcPr>
+                </a:tc>
+                <a:tc>
+                  <a:txBody>
+                    <a:bodyPr/>
+                    <a:lstStyle/>
+                    <a:p>
+                      <a:pPr marL="0" marR="0" indent="0" algn="ctr" fontAlgn="base" latinLnBrk="0">
+                        <a:lnSpc>
+                          <a:spcPct val="100000"/>
+                        </a:lnSpc>
+                        <a:spcBef>
+                          <a:spcPts val="0"/>
+                        </a:spcBef>
+                        <a:spcAft>
+                          <a:spcPts val="0"/>
+                        </a:spcAft>
+                      </a:pPr>
+                      <a:r>
+                        <a:rPr lang="ko-KR" altLang="en-US" sz="1050" b="1" kern="0" spc="0">
+                          <a:solidFill>
+                            <a:schemeClr val="bg1">
+                              <a:lumMod val="75000"/>
+                            </a:schemeClr>
+                          </a:solidFill>
+                          <a:effectLst/>
+                          <a:latin typeface="나눔바른고딕" panose="020B0603020101020101" pitchFamily="50" charset="-127"/>
+                          <a:ea typeface="나눔바른고딕" panose="020B0603020101020101" pitchFamily="50" charset="-127"/>
+                        </a:rPr>
+                        <a:t>남</a:t>
+                      </a:r>
+                      <a:endParaRPr lang="ko-KR" altLang="en-US" sz="1050" kern="0" spc="0">
+                        <a:solidFill>
+                          <a:schemeClr val="bg1">
+                            <a:lumMod val="75000"/>
+                          </a:schemeClr>
+                        </a:solidFill>
+                        <a:effectLst/>
+                        <a:latin typeface="나눔바른고딕" panose="020B0603020101020101" pitchFamily="50" charset="-127"/>
+                        <a:ea typeface="나눔바른고딕" panose="020B0603020101020101" pitchFamily="50" charset="-127"/>
+                      </a:endParaRPr>
+                    </a:p>
+                  </a:txBody>
+                  <a:tcPr marL="36000" marR="36000" marT="15709" marB="15709" anchor="ctr">
+                    <a:lnL w="12700" cap="flat" cmpd="sng" algn="ctr">
+                      <a:solidFill>
+                        <a:schemeClr val="bg1">
+                          <a:lumMod val="50000"/>
+                        </a:schemeClr>
+                      </a:solidFill>
+                      <a:prstDash val="solid"/>
+                      <a:round/>
+                      <a:headEnd type="none" w="med" len="med"/>
+                      <a:tailEnd type="none" w="med" len="med"/>
+                    </a:lnL>
+                    <a:lnR w="12700" cap="flat" cmpd="sng" algn="ctr">
+                      <a:solidFill>
+                        <a:schemeClr val="bg1">
+                          <a:lumMod val="50000"/>
+                        </a:schemeClr>
+                      </a:solidFill>
+                      <a:prstDash val="solid"/>
+                      <a:round/>
+                      <a:headEnd type="none" w="med" len="med"/>
+                      <a:tailEnd type="none" w="med" len="med"/>
+                    </a:lnR>
+                    <a:lnT w="12700" cap="flat" cmpd="sng" algn="ctr">
+                      <a:solidFill>
+                        <a:schemeClr val="bg1">
+                          <a:lumMod val="50000"/>
+                        </a:schemeClr>
+                      </a:solidFill>
+                      <a:prstDash val="solid"/>
+                      <a:round/>
+                      <a:headEnd type="none" w="med" len="med"/>
+                      <a:tailEnd type="none" w="med" len="med"/>
+                    </a:lnT>
+                    <a:lnB w="12700" cap="flat" cmpd="sng" algn="ctr">
+                      <a:solidFill>
+                        <a:schemeClr val="bg1">
+                          <a:lumMod val="50000"/>
+                        </a:schemeClr>
+                      </a:solidFill>
+                      <a:prstDash val="solid"/>
+                      <a:round/>
+                      <a:headEnd type="none" w="med" len="med"/>
+                      <a:tailEnd type="none" w="med" len="med"/>
+                    </a:lnB>
+                    <a:noFill/>
+                  </a:tcPr>
+                </a:tc>
+                <a:tc>
+                  <a:txBody>
+                    <a:bodyPr/>
+                    <a:lstStyle/>
+                    <a:p>
+                      <a:pPr marL="0" marR="0" indent="0" algn="ctr" fontAlgn="base" latinLnBrk="0">
+                        <a:lnSpc>
+                          <a:spcPct val="100000"/>
+                        </a:lnSpc>
+                        <a:spcBef>
+                          <a:spcPts val="0"/>
+                        </a:spcBef>
+                        <a:spcAft>
+                          <a:spcPts val="0"/>
+                        </a:spcAft>
+                      </a:pPr>
+                      <a:r>
+                        <a:rPr lang="en-US" sz="1050" kern="0" spc="0" dirty="0">
+                          <a:solidFill>
+                            <a:schemeClr val="bg1">
+                              <a:lumMod val="75000"/>
+                            </a:schemeClr>
+                          </a:solidFill>
+                          <a:effectLst/>
+                          <a:latin typeface="나눔바른고딕" panose="020B0603020101020101" pitchFamily="50" charset="-127"/>
+                          <a:ea typeface="나눔바른고딕" panose="020B0603020101020101" pitchFamily="50" charset="-127"/>
+                        </a:rPr>
+                        <a:t>’92</a:t>
+                      </a:r>
                     </a:p>
                   </a:txBody>
                   <a:tcPr marL="36000" marR="36000" marT="15709" marB="15709" anchor="ctr">
@@ -12787,1607 +14247,6 @@
                           <a:latin typeface="나눔바른고딕" panose="020B0603020101020101" pitchFamily="50" charset="-127"/>
                           <a:ea typeface="나눔바른고딕" panose="020B0603020101020101" pitchFamily="50" charset="-127"/>
                         </a:rPr>
-                        <a:t>X</a:t>
-                      </a:r>
-                      <a:endParaRPr lang="en-US" sz="1050" kern="0" spc="0">
-                        <a:solidFill>
-                          <a:schemeClr val="bg1">
-                            <a:lumMod val="75000"/>
-                          </a:schemeClr>
-                        </a:solidFill>
-                        <a:effectLst/>
-                        <a:latin typeface="나눔바른고딕" panose="020B0603020101020101" pitchFamily="50" charset="-127"/>
-                        <a:ea typeface="나눔바른고딕" panose="020B0603020101020101" pitchFamily="50" charset="-127"/>
-                      </a:endParaRPr>
-                    </a:p>
-                  </a:txBody>
-                  <a:tcPr marL="36000" marR="36000" marT="15709" marB="15709" anchor="ctr">
-                    <a:lnL w="12700" cap="flat" cmpd="sng" algn="ctr">
-                      <a:solidFill>
-                        <a:schemeClr val="bg1">
-                          <a:lumMod val="50000"/>
-                        </a:schemeClr>
-                      </a:solidFill>
-                      <a:prstDash val="solid"/>
-                      <a:round/>
-                      <a:headEnd type="none" w="med" len="med"/>
-                      <a:tailEnd type="none" w="med" len="med"/>
-                    </a:lnL>
-                    <a:lnR w="12700" cap="flat" cmpd="sng" algn="ctr">
-                      <a:solidFill>
-                        <a:schemeClr val="bg1">
-                          <a:lumMod val="50000"/>
-                        </a:schemeClr>
-                      </a:solidFill>
-                      <a:prstDash val="solid"/>
-                      <a:round/>
-                      <a:headEnd type="none" w="med" len="med"/>
-                      <a:tailEnd type="none" w="med" len="med"/>
-                    </a:lnR>
-                    <a:lnT w="12700" cap="flat" cmpd="sng" algn="ctr">
-                      <a:solidFill>
-                        <a:schemeClr val="bg1">
-                          <a:lumMod val="50000"/>
-                        </a:schemeClr>
-                      </a:solidFill>
-                      <a:prstDash val="solid"/>
-                      <a:round/>
-                      <a:headEnd type="none" w="med" len="med"/>
-                      <a:tailEnd type="none" w="med" len="med"/>
-                    </a:lnT>
-                    <a:lnB w="12700" cap="flat" cmpd="sng" algn="ctr">
-                      <a:solidFill>
-                        <a:schemeClr val="bg1">
-                          <a:lumMod val="50000"/>
-                        </a:schemeClr>
-                      </a:solidFill>
-                      <a:prstDash val="solid"/>
-                      <a:round/>
-                      <a:headEnd type="none" w="med" len="med"/>
-                      <a:tailEnd type="none" w="med" len="med"/>
-                    </a:lnB>
-                    <a:noFill/>
-                  </a:tcPr>
-                </a:tc>
-                <a:tc>
-                  <a:txBody>
-                    <a:bodyPr/>
-                    <a:lstStyle/>
-                    <a:p>
-                      <a:pPr marL="0" marR="0" indent="0" algn="ctr" fontAlgn="base" latinLnBrk="0">
-                        <a:lnSpc>
-                          <a:spcPct val="100000"/>
-                        </a:lnSpc>
-                        <a:spcBef>
-                          <a:spcPts val="0"/>
-                        </a:spcBef>
-                        <a:spcAft>
-                          <a:spcPts val="0"/>
-                        </a:spcAft>
-                      </a:pPr>
-                      <a:r>
-                        <a:rPr lang="en-US" sz="1050" b="1" kern="0" spc="0">
-                          <a:solidFill>
-                            <a:schemeClr val="bg1">
-                              <a:lumMod val="75000"/>
-                            </a:schemeClr>
-                          </a:solidFill>
-                          <a:effectLst/>
-                          <a:latin typeface="나눔바른고딕" panose="020B0603020101020101" pitchFamily="50" charset="-127"/>
-                          <a:ea typeface="나눔바른고딕" panose="020B0603020101020101" pitchFamily="50" charset="-127"/>
-                        </a:rPr>
-                        <a:t>-</a:t>
-                      </a:r>
-                      <a:endParaRPr lang="en-US" sz="1050" kern="0" spc="0">
-                        <a:solidFill>
-                          <a:schemeClr val="bg1">
-                            <a:lumMod val="75000"/>
-                          </a:schemeClr>
-                        </a:solidFill>
-                        <a:effectLst/>
-                        <a:latin typeface="나눔바른고딕" panose="020B0603020101020101" pitchFamily="50" charset="-127"/>
-                        <a:ea typeface="나눔바른고딕" panose="020B0603020101020101" pitchFamily="50" charset="-127"/>
-                      </a:endParaRPr>
-                    </a:p>
-                  </a:txBody>
-                  <a:tcPr marL="36000" marR="36000" marT="15709" marB="15709" anchor="ctr">
-                    <a:lnL w="12700" cap="flat" cmpd="sng" algn="ctr">
-                      <a:solidFill>
-                        <a:schemeClr val="bg1">
-                          <a:lumMod val="50000"/>
-                        </a:schemeClr>
-                      </a:solidFill>
-                      <a:prstDash val="solid"/>
-                      <a:round/>
-                      <a:headEnd type="none" w="med" len="med"/>
-                      <a:tailEnd type="none" w="med" len="med"/>
-                    </a:lnL>
-                    <a:lnR w="12700" cap="flat" cmpd="sng" algn="ctr">
-                      <a:solidFill>
-                        <a:schemeClr val="bg1">
-                          <a:lumMod val="50000"/>
-                        </a:schemeClr>
-                      </a:solidFill>
-                      <a:prstDash val="solid"/>
-                      <a:round/>
-                      <a:headEnd type="none" w="med" len="med"/>
-                      <a:tailEnd type="none" w="med" len="med"/>
-                    </a:lnR>
-                    <a:lnT w="12700" cap="flat" cmpd="sng" algn="ctr">
-                      <a:solidFill>
-                        <a:schemeClr val="bg1">
-                          <a:lumMod val="50000"/>
-                        </a:schemeClr>
-                      </a:solidFill>
-                      <a:prstDash val="solid"/>
-                      <a:round/>
-                      <a:headEnd type="none" w="med" len="med"/>
-                      <a:tailEnd type="none" w="med" len="med"/>
-                    </a:lnT>
-                    <a:lnB w="12700" cap="flat" cmpd="sng" algn="ctr">
-                      <a:solidFill>
-                        <a:schemeClr val="bg1">
-                          <a:lumMod val="50000"/>
-                        </a:schemeClr>
-                      </a:solidFill>
-                      <a:prstDash val="solid"/>
-                      <a:round/>
-                      <a:headEnd type="none" w="med" len="med"/>
-                      <a:tailEnd type="none" w="med" len="med"/>
-                    </a:lnB>
-                    <a:noFill/>
-                  </a:tcPr>
-                </a:tc>
-                <a:tc>
-                  <a:txBody>
-                    <a:bodyPr/>
-                    <a:lstStyle/>
-                    <a:p>
-                      <a:pPr marL="0" marR="0" indent="0" algn="ctr" fontAlgn="base" latinLnBrk="0">
-                        <a:lnSpc>
-                          <a:spcPct val="100000"/>
-                        </a:lnSpc>
-                        <a:spcBef>
-                          <a:spcPts val="0"/>
-                        </a:spcBef>
-                        <a:spcAft>
-                          <a:spcPts val="0"/>
-                        </a:spcAft>
-                      </a:pPr>
-                      <a:r>
-                        <a:rPr lang="en-US" sz="1050" kern="0" spc="0">
-                          <a:solidFill>
-                            <a:schemeClr val="bg1">
-                              <a:lumMod val="75000"/>
-                            </a:schemeClr>
-                          </a:solidFill>
-                          <a:effectLst/>
-                          <a:latin typeface="나눔바른고딕" panose="020B0603020101020101" pitchFamily="50" charset="-127"/>
-                          <a:ea typeface="나눔바른고딕" panose="020B0603020101020101" pitchFamily="50" charset="-127"/>
-                          <a:cs typeface="+mn-cs"/>
-                        </a:rPr>
-                        <a:t>1.31</a:t>
-                      </a:r>
-                      <a:endParaRPr lang="en-US" sz="1050" kern="0" spc="0" dirty="0">
-                        <a:solidFill>
-                          <a:schemeClr val="bg1">
-                            <a:lumMod val="75000"/>
-                          </a:schemeClr>
-                        </a:solidFill>
-                        <a:effectLst/>
-                        <a:latin typeface="나눔바른고딕" panose="020B0603020101020101" pitchFamily="50" charset="-127"/>
-                        <a:ea typeface="나눔바른고딕" panose="020B0603020101020101" pitchFamily="50" charset="-127"/>
-                        <a:cs typeface="+mn-cs"/>
-                      </a:endParaRPr>
-                    </a:p>
-                  </a:txBody>
-                  <a:tcPr marL="36000" marR="36000" marT="15709" marB="15709" anchor="ctr">
-                    <a:lnL w="12700" cap="flat" cmpd="sng" algn="ctr">
-                      <a:solidFill>
-                        <a:schemeClr val="bg1">
-                          <a:lumMod val="50000"/>
-                        </a:schemeClr>
-                      </a:solidFill>
-                      <a:prstDash val="solid"/>
-                      <a:round/>
-                      <a:headEnd type="none" w="med" len="med"/>
-                      <a:tailEnd type="none" w="med" len="med"/>
-                    </a:lnL>
-                    <a:lnR w="12700" cap="flat" cmpd="sng" algn="ctr">
-                      <a:solidFill>
-                        <a:schemeClr val="bg1">
-                          <a:lumMod val="50000"/>
-                        </a:schemeClr>
-                      </a:solidFill>
-                      <a:prstDash val="solid"/>
-                      <a:round/>
-                      <a:headEnd type="none" w="med" len="med"/>
-                      <a:tailEnd type="none" w="med" len="med"/>
-                    </a:lnR>
-                    <a:lnT w="12700" cap="flat" cmpd="sng" algn="ctr">
-                      <a:solidFill>
-                        <a:schemeClr val="bg1">
-                          <a:lumMod val="50000"/>
-                        </a:schemeClr>
-                      </a:solidFill>
-                      <a:prstDash val="solid"/>
-                      <a:round/>
-                      <a:headEnd type="none" w="med" len="med"/>
-                      <a:tailEnd type="none" w="med" len="med"/>
-                    </a:lnT>
-                    <a:lnB w="12700" cap="flat" cmpd="sng" algn="ctr">
-                      <a:solidFill>
-                        <a:schemeClr val="bg1">
-                          <a:lumMod val="50000"/>
-                        </a:schemeClr>
-                      </a:solidFill>
-                      <a:prstDash val="solid"/>
-                      <a:round/>
-                      <a:headEnd type="none" w="med" len="med"/>
-                      <a:tailEnd type="none" w="med" len="med"/>
-                    </a:lnB>
-                    <a:noFill/>
-                  </a:tcPr>
-                </a:tc>
-                <a:tc>
-                  <a:txBody>
-                    <a:bodyPr/>
-                    <a:lstStyle/>
-                    <a:p>
-                      <a:pPr marL="0" marR="0" indent="0" algn="ctr" fontAlgn="base" latinLnBrk="0">
-                        <a:lnSpc>
-                          <a:spcPct val="100000"/>
-                        </a:lnSpc>
-                        <a:spcBef>
-                          <a:spcPts val="0"/>
-                        </a:spcBef>
-                        <a:spcAft>
-                          <a:spcPts val="0"/>
-                        </a:spcAft>
-                      </a:pPr>
-                      <a:r>
-                        <a:rPr lang="ko-KR" altLang="en-US" sz="1000" b="1" kern="0" spc="0">
-                          <a:solidFill>
-                            <a:schemeClr val="bg1">
-                              <a:lumMod val="75000"/>
-                            </a:schemeClr>
-                          </a:solidFill>
-                          <a:effectLst/>
-                          <a:latin typeface="나눔바른고딕" panose="020B0603020101020101" pitchFamily="50" charset="-127"/>
-                          <a:ea typeface="나눔바른고딕" panose="020B0603020101020101" pitchFamily="50" charset="-127"/>
-                          <a:cs typeface="+mn-cs"/>
-                        </a:rPr>
-                        <a:t>서울대병원</a:t>
-                      </a:r>
-                      <a:endParaRPr lang="ko-KR" altLang="en-US" sz="1000" b="1" kern="0" spc="0" dirty="0">
-                        <a:solidFill>
-                          <a:schemeClr val="bg1">
-                            <a:lumMod val="75000"/>
-                          </a:schemeClr>
-                        </a:solidFill>
-                        <a:effectLst/>
-                        <a:latin typeface="나눔바른고딕" panose="020B0603020101020101" pitchFamily="50" charset="-127"/>
-                        <a:ea typeface="나눔바른고딕" panose="020B0603020101020101" pitchFamily="50" charset="-127"/>
-                        <a:cs typeface="+mn-cs"/>
-                      </a:endParaRPr>
-                    </a:p>
-                  </a:txBody>
-                  <a:tcPr marL="36000" marR="36000" marT="15709" marB="15709" anchor="ctr">
-                    <a:lnL w="12700" cap="flat" cmpd="sng" algn="ctr">
-                      <a:solidFill>
-                        <a:schemeClr val="bg1">
-                          <a:lumMod val="50000"/>
-                        </a:schemeClr>
-                      </a:solidFill>
-                      <a:prstDash val="solid"/>
-                      <a:round/>
-                      <a:headEnd type="none" w="med" len="med"/>
-                      <a:tailEnd type="none" w="med" len="med"/>
-                    </a:lnL>
-                    <a:lnR w="12700" cap="flat" cmpd="sng" algn="ctr">
-                      <a:solidFill>
-                        <a:schemeClr val="bg1">
-                          <a:lumMod val="50000"/>
-                        </a:schemeClr>
-                      </a:solidFill>
-                      <a:prstDash val="solid"/>
-                      <a:round/>
-                      <a:headEnd type="none" w="med" len="med"/>
-                      <a:tailEnd type="none" w="med" len="med"/>
-                    </a:lnR>
-                    <a:lnT w="12700" cap="flat" cmpd="sng" algn="ctr">
-                      <a:solidFill>
-                        <a:schemeClr val="bg1">
-                          <a:lumMod val="50000"/>
-                        </a:schemeClr>
-                      </a:solidFill>
-                      <a:prstDash val="solid"/>
-                      <a:round/>
-                      <a:headEnd type="none" w="med" len="med"/>
-                      <a:tailEnd type="none" w="med" len="med"/>
-                    </a:lnT>
-                    <a:lnB w="12700" cap="flat" cmpd="sng" algn="ctr">
-                      <a:solidFill>
-                        <a:schemeClr val="bg1">
-                          <a:lumMod val="50000"/>
-                        </a:schemeClr>
-                      </a:solidFill>
-                      <a:prstDash val="solid"/>
-                      <a:round/>
-                      <a:headEnd type="none" w="med" len="med"/>
-                      <a:tailEnd type="none" w="med" len="med"/>
-                    </a:lnB>
-                    <a:noFill/>
-                  </a:tcPr>
-                </a:tc>
-                <a:tc>
-                  <a:txBody>
-                    <a:bodyPr/>
-                    <a:lstStyle/>
-                    <a:p>
-                      <a:pPr marL="0" marR="0" indent="0" algn="ctr" fontAlgn="base" latinLnBrk="0">
-                        <a:lnSpc>
-                          <a:spcPct val="100000"/>
-                        </a:lnSpc>
-                        <a:spcBef>
-                          <a:spcPts val="0"/>
-                        </a:spcBef>
-                        <a:spcAft>
-                          <a:spcPts val="0"/>
-                        </a:spcAft>
-                      </a:pPr>
-                      <a:r>
-                        <a:rPr lang="en-US" sz="1050" kern="0" spc="0">
-                          <a:solidFill>
-                            <a:schemeClr val="bg1">
-                              <a:lumMod val="75000"/>
-                            </a:schemeClr>
-                          </a:solidFill>
-                          <a:effectLst/>
-                          <a:latin typeface="나눔바른고딕" panose="020B0603020101020101" pitchFamily="50" charset="-127"/>
-                          <a:ea typeface="나눔바른고딕" panose="020B0603020101020101" pitchFamily="50" charset="-127"/>
-                        </a:rPr>
-                        <a:t>0</a:t>
-                      </a:r>
-                      <a:endParaRPr lang="en-US" sz="1050" kern="0" spc="0" dirty="0">
-                        <a:solidFill>
-                          <a:schemeClr val="bg1">
-                            <a:lumMod val="75000"/>
-                          </a:schemeClr>
-                        </a:solidFill>
-                        <a:effectLst/>
-                        <a:latin typeface="나눔바른고딕" panose="020B0603020101020101" pitchFamily="50" charset="-127"/>
-                        <a:ea typeface="나눔바른고딕" panose="020B0603020101020101" pitchFamily="50" charset="-127"/>
-                      </a:endParaRPr>
-                    </a:p>
-                  </a:txBody>
-                  <a:tcPr marL="36000" marR="36000" marT="15709" marB="15709" anchor="ctr">
-                    <a:lnL w="12700" cap="flat" cmpd="sng" algn="ctr">
-                      <a:solidFill>
-                        <a:schemeClr val="bg1">
-                          <a:lumMod val="50000"/>
-                        </a:schemeClr>
-                      </a:solidFill>
-                      <a:prstDash val="solid"/>
-                      <a:round/>
-                      <a:headEnd type="none" w="med" len="med"/>
-                      <a:tailEnd type="none" w="med" len="med"/>
-                    </a:lnL>
-                    <a:lnR w="12700" cap="flat" cmpd="sng" algn="ctr">
-                      <a:solidFill>
-                        <a:schemeClr val="bg1">
-                          <a:lumMod val="50000"/>
-                        </a:schemeClr>
-                      </a:solidFill>
-                      <a:prstDash val="solid"/>
-                      <a:round/>
-                      <a:headEnd type="none" w="med" len="med"/>
-                      <a:tailEnd type="none" w="med" len="med"/>
-                    </a:lnR>
-                    <a:lnT w="12700" cap="flat" cmpd="sng" algn="ctr">
-                      <a:solidFill>
-                        <a:schemeClr val="bg1">
-                          <a:lumMod val="50000"/>
-                        </a:schemeClr>
-                      </a:solidFill>
-                      <a:prstDash val="solid"/>
-                      <a:round/>
-                      <a:headEnd type="none" w="med" len="med"/>
-                      <a:tailEnd type="none" w="med" len="med"/>
-                    </a:lnT>
-                    <a:lnB w="12700" cap="flat" cmpd="sng" algn="ctr">
-                      <a:solidFill>
-                        <a:schemeClr val="bg1">
-                          <a:lumMod val="50000"/>
-                        </a:schemeClr>
-                      </a:solidFill>
-                      <a:prstDash val="solid"/>
-                      <a:round/>
-                      <a:headEnd type="none" w="med" len="med"/>
-                      <a:tailEnd type="none" w="med" len="med"/>
-                    </a:lnB>
-                    <a:noFill/>
-                  </a:tcPr>
-                </a:tc>
-                <a:extLst>
-                  <a:ext uri="{0D108BD9-81ED-4DB2-BD59-A6C34878D82A}">
-                    <a16:rowId xmlns:a16="http://schemas.microsoft.com/office/drawing/2014/main" val="1466450458"/>
-                  </a:ext>
-                </a:extLst>
-              </a:tr>
-              <a:tr h="288000">
-                <a:tc>
-                  <a:txBody>
-                    <a:bodyPr/>
-                    <a:lstStyle/>
-                    <a:p>
-                      <a:pPr marL="0" marR="0" indent="0" algn="ctr" fontAlgn="base" latinLnBrk="0">
-                        <a:lnSpc>
-                          <a:spcPct val="100000"/>
-                        </a:lnSpc>
-                        <a:spcBef>
-                          <a:spcPts val="0"/>
-                        </a:spcBef>
-                        <a:spcAft>
-                          <a:spcPts val="0"/>
-                        </a:spcAft>
-                      </a:pPr>
-                      <a:r>
-                        <a:rPr lang="en-US" sz="1050" b="1" kern="0" spc="0">
-                          <a:solidFill>
-                            <a:schemeClr val="bg1">
-                              <a:lumMod val="75000"/>
-                            </a:schemeClr>
-                          </a:solidFill>
-                          <a:effectLst/>
-                          <a:latin typeface="나눔바른고딕" panose="020B0603020101020101" pitchFamily="50" charset="-127"/>
-                          <a:ea typeface="나눔바른고딕" panose="020B0603020101020101" pitchFamily="50" charset="-127"/>
-                        </a:rPr>
-                        <a:t>12</a:t>
-                      </a:r>
-                      <a:endParaRPr lang="en-US" sz="1050" kern="0" spc="0">
-                        <a:solidFill>
-                          <a:schemeClr val="bg1">
-                            <a:lumMod val="75000"/>
-                          </a:schemeClr>
-                        </a:solidFill>
-                        <a:effectLst/>
-                        <a:latin typeface="나눔바른고딕" panose="020B0603020101020101" pitchFamily="50" charset="-127"/>
-                        <a:ea typeface="나눔바른고딕" panose="020B0603020101020101" pitchFamily="50" charset="-127"/>
-                      </a:endParaRPr>
-                    </a:p>
-                  </a:txBody>
-                  <a:tcPr marL="36000" marR="36000" marT="15709" marB="15709" anchor="ctr">
-                    <a:lnL w="12700" cap="flat" cmpd="sng" algn="ctr">
-                      <a:solidFill>
-                        <a:schemeClr val="bg1">
-                          <a:lumMod val="50000"/>
-                        </a:schemeClr>
-                      </a:solidFill>
-                      <a:prstDash val="solid"/>
-                      <a:round/>
-                      <a:headEnd type="none" w="med" len="med"/>
-                      <a:tailEnd type="none" w="med" len="med"/>
-                    </a:lnL>
-                    <a:lnR w="12700" cap="flat" cmpd="sng" algn="ctr">
-                      <a:solidFill>
-                        <a:schemeClr val="bg1">
-                          <a:lumMod val="50000"/>
-                        </a:schemeClr>
-                      </a:solidFill>
-                      <a:prstDash val="solid"/>
-                      <a:round/>
-                      <a:headEnd type="none" w="med" len="med"/>
-                      <a:tailEnd type="none" w="med" len="med"/>
-                    </a:lnR>
-                    <a:lnT w="12700" cap="flat" cmpd="sng" algn="ctr">
-                      <a:solidFill>
-                        <a:schemeClr val="bg1">
-                          <a:lumMod val="50000"/>
-                        </a:schemeClr>
-                      </a:solidFill>
-                      <a:prstDash val="solid"/>
-                      <a:round/>
-                      <a:headEnd type="none" w="med" len="med"/>
-                      <a:tailEnd type="none" w="med" len="med"/>
-                    </a:lnT>
-                    <a:lnB w="12700" cap="flat" cmpd="sng" algn="ctr">
-                      <a:solidFill>
-                        <a:schemeClr val="bg1">
-                          <a:lumMod val="50000"/>
-                        </a:schemeClr>
-                      </a:solidFill>
-                      <a:prstDash val="solid"/>
-                      <a:round/>
-                      <a:headEnd type="none" w="med" len="med"/>
-                      <a:tailEnd type="none" w="med" len="med"/>
-                    </a:lnB>
-                    <a:noFill/>
-                  </a:tcPr>
-                </a:tc>
-                <a:tc>
-                  <a:txBody>
-                    <a:bodyPr/>
-                    <a:lstStyle/>
-                    <a:p>
-                      <a:pPr marL="0" marR="0" indent="0" algn="ctr" fontAlgn="base" latinLnBrk="0">
-                        <a:lnSpc>
-                          <a:spcPct val="100000"/>
-                        </a:lnSpc>
-                        <a:spcBef>
-                          <a:spcPts val="0"/>
-                        </a:spcBef>
-                        <a:spcAft>
-                          <a:spcPts val="0"/>
-                        </a:spcAft>
-                      </a:pPr>
-                      <a:r>
-                        <a:rPr lang="ko-KR" altLang="en-US" sz="1050" b="1" kern="0" spc="0">
-                          <a:solidFill>
-                            <a:schemeClr val="bg1">
-                              <a:lumMod val="75000"/>
-                            </a:schemeClr>
-                          </a:solidFill>
-                          <a:effectLst/>
-                          <a:latin typeface="나눔바른고딕" panose="020B0603020101020101" pitchFamily="50" charset="-127"/>
-                          <a:ea typeface="나눔바른고딕" panose="020B0603020101020101" pitchFamily="50" charset="-127"/>
-                        </a:rPr>
-                        <a:t>남</a:t>
-                      </a:r>
-                      <a:endParaRPr lang="ko-KR" altLang="en-US" sz="1050" kern="0" spc="0">
-                        <a:solidFill>
-                          <a:schemeClr val="bg1">
-                            <a:lumMod val="75000"/>
-                          </a:schemeClr>
-                        </a:solidFill>
-                        <a:effectLst/>
-                        <a:latin typeface="나눔바른고딕" panose="020B0603020101020101" pitchFamily="50" charset="-127"/>
-                        <a:ea typeface="나눔바른고딕" panose="020B0603020101020101" pitchFamily="50" charset="-127"/>
-                      </a:endParaRPr>
-                    </a:p>
-                  </a:txBody>
-                  <a:tcPr marL="36000" marR="36000" marT="15709" marB="15709" anchor="ctr">
-                    <a:lnL w="12700" cap="flat" cmpd="sng" algn="ctr">
-                      <a:solidFill>
-                        <a:schemeClr val="bg1">
-                          <a:lumMod val="50000"/>
-                        </a:schemeClr>
-                      </a:solidFill>
-                      <a:prstDash val="solid"/>
-                      <a:round/>
-                      <a:headEnd type="none" w="med" len="med"/>
-                      <a:tailEnd type="none" w="med" len="med"/>
-                    </a:lnL>
-                    <a:lnR w="12700" cap="flat" cmpd="sng" algn="ctr">
-                      <a:solidFill>
-                        <a:schemeClr val="bg1">
-                          <a:lumMod val="50000"/>
-                        </a:schemeClr>
-                      </a:solidFill>
-                      <a:prstDash val="solid"/>
-                      <a:round/>
-                      <a:headEnd type="none" w="med" len="med"/>
-                      <a:tailEnd type="none" w="med" len="med"/>
-                    </a:lnR>
-                    <a:lnT w="12700" cap="flat" cmpd="sng" algn="ctr">
-                      <a:solidFill>
-                        <a:schemeClr val="bg1">
-                          <a:lumMod val="50000"/>
-                        </a:schemeClr>
-                      </a:solidFill>
-                      <a:prstDash val="solid"/>
-                      <a:round/>
-                      <a:headEnd type="none" w="med" len="med"/>
-                      <a:tailEnd type="none" w="med" len="med"/>
-                    </a:lnT>
-                    <a:lnB w="12700" cap="flat" cmpd="sng" algn="ctr">
-                      <a:solidFill>
-                        <a:schemeClr val="bg1">
-                          <a:lumMod val="50000"/>
-                        </a:schemeClr>
-                      </a:solidFill>
-                      <a:prstDash val="solid"/>
-                      <a:round/>
-                      <a:headEnd type="none" w="med" len="med"/>
-                      <a:tailEnd type="none" w="med" len="med"/>
-                    </a:lnB>
-                    <a:noFill/>
-                  </a:tcPr>
-                </a:tc>
-                <a:tc>
-                  <a:txBody>
-                    <a:bodyPr/>
-                    <a:lstStyle/>
-                    <a:p>
-                      <a:pPr marL="0" marR="0" indent="0" algn="ctr" fontAlgn="base" latinLnBrk="0">
-                        <a:lnSpc>
-                          <a:spcPct val="100000"/>
-                        </a:lnSpc>
-                        <a:spcBef>
-                          <a:spcPts val="0"/>
-                        </a:spcBef>
-                        <a:spcAft>
-                          <a:spcPts val="0"/>
-                        </a:spcAft>
-                      </a:pPr>
-                      <a:r>
-                        <a:rPr lang="en-US" sz="1050" b="1" kern="0" spc="0">
-                          <a:solidFill>
-                            <a:schemeClr val="bg1">
-                              <a:lumMod val="75000"/>
-                            </a:schemeClr>
-                          </a:solidFill>
-                          <a:effectLst/>
-                          <a:latin typeface="나눔바른고딕" panose="020B0603020101020101" pitchFamily="50" charset="-127"/>
-                          <a:ea typeface="나눔바른고딕" panose="020B0603020101020101" pitchFamily="50" charset="-127"/>
-                        </a:rPr>
-                        <a:t>48</a:t>
-                      </a:r>
-                      <a:endParaRPr lang="en-US" sz="1050" kern="0" spc="0" dirty="0">
-                        <a:solidFill>
-                          <a:schemeClr val="bg1">
-                            <a:lumMod val="75000"/>
-                          </a:schemeClr>
-                        </a:solidFill>
-                        <a:effectLst/>
-                        <a:latin typeface="나눔바른고딕" panose="020B0603020101020101" pitchFamily="50" charset="-127"/>
-                        <a:ea typeface="나눔바른고딕" panose="020B0603020101020101" pitchFamily="50" charset="-127"/>
-                      </a:endParaRPr>
-                    </a:p>
-                  </a:txBody>
-                  <a:tcPr marL="36000" marR="36000" marT="15709" marB="15709" anchor="ctr">
-                    <a:lnL w="12700" cap="flat" cmpd="sng" algn="ctr">
-                      <a:solidFill>
-                        <a:schemeClr val="bg1">
-                          <a:lumMod val="50000"/>
-                        </a:schemeClr>
-                      </a:solidFill>
-                      <a:prstDash val="solid"/>
-                      <a:round/>
-                      <a:headEnd type="none" w="med" len="med"/>
-                      <a:tailEnd type="none" w="med" len="med"/>
-                    </a:lnL>
-                    <a:lnR w="12700" cap="flat" cmpd="sng" algn="ctr">
-                      <a:solidFill>
-                        <a:schemeClr val="bg1">
-                          <a:lumMod val="50000"/>
-                        </a:schemeClr>
-                      </a:solidFill>
-                      <a:prstDash val="solid"/>
-                      <a:round/>
-                      <a:headEnd type="none" w="med" len="med"/>
-                      <a:tailEnd type="none" w="med" len="med"/>
-                    </a:lnR>
-                    <a:lnT w="12700" cap="flat" cmpd="sng" algn="ctr">
-                      <a:solidFill>
-                        <a:schemeClr val="bg1">
-                          <a:lumMod val="50000"/>
-                        </a:schemeClr>
-                      </a:solidFill>
-                      <a:prstDash val="solid"/>
-                      <a:round/>
-                      <a:headEnd type="none" w="med" len="med"/>
-                      <a:tailEnd type="none" w="med" len="med"/>
-                    </a:lnT>
-                    <a:lnB w="12700" cap="flat" cmpd="sng" algn="ctr">
-                      <a:solidFill>
-                        <a:schemeClr val="bg1">
-                          <a:lumMod val="50000"/>
-                        </a:schemeClr>
-                      </a:solidFill>
-                      <a:prstDash val="solid"/>
-                      <a:round/>
-                      <a:headEnd type="none" w="med" len="med"/>
-                      <a:tailEnd type="none" w="med" len="med"/>
-                    </a:lnB>
-                    <a:noFill/>
-                  </a:tcPr>
-                </a:tc>
-                <a:tc>
-                  <a:txBody>
-                    <a:bodyPr/>
-                    <a:lstStyle/>
-                    <a:p>
-                      <a:pPr marL="0" marR="0" indent="0" algn="ctr" fontAlgn="base" latinLnBrk="0">
-                        <a:lnSpc>
-                          <a:spcPct val="100000"/>
-                        </a:lnSpc>
-                        <a:spcBef>
-                          <a:spcPts val="0"/>
-                        </a:spcBef>
-                        <a:spcAft>
-                          <a:spcPts val="0"/>
-                        </a:spcAft>
-                      </a:pPr>
-                      <a:r>
-                        <a:rPr lang="ko-KR" altLang="en-US" sz="1050" b="1" kern="0" spc="0">
-                          <a:solidFill>
-                            <a:schemeClr val="bg1">
-                              <a:lumMod val="75000"/>
-                            </a:schemeClr>
-                          </a:solidFill>
-                          <a:effectLst/>
-                          <a:latin typeface="나눔바른고딕" panose="020B0603020101020101" pitchFamily="50" charset="-127"/>
-                          <a:ea typeface="나눔바른고딕" panose="020B0603020101020101" pitchFamily="50" charset="-127"/>
-                        </a:rPr>
-                        <a:t>중국</a:t>
-                      </a:r>
-                      <a:endParaRPr lang="ko-KR" altLang="en-US" sz="1050" kern="0" spc="0">
-                        <a:solidFill>
-                          <a:schemeClr val="bg1">
-                            <a:lumMod val="75000"/>
-                          </a:schemeClr>
-                        </a:solidFill>
-                        <a:effectLst/>
-                        <a:latin typeface="나눔바른고딕" panose="020B0603020101020101" pitchFamily="50" charset="-127"/>
-                        <a:ea typeface="나눔바른고딕" panose="020B0603020101020101" pitchFamily="50" charset="-127"/>
-                      </a:endParaRPr>
-                    </a:p>
-                  </a:txBody>
-                  <a:tcPr marL="36000" marR="36000" marT="15709" marB="15709" anchor="ctr">
-                    <a:lnL w="12700" cap="flat" cmpd="sng" algn="ctr">
-                      <a:solidFill>
-                        <a:schemeClr val="bg1">
-                          <a:lumMod val="50000"/>
-                        </a:schemeClr>
-                      </a:solidFill>
-                      <a:prstDash val="solid"/>
-                      <a:round/>
-                      <a:headEnd type="none" w="med" len="med"/>
-                      <a:tailEnd type="none" w="med" len="med"/>
-                    </a:lnL>
-                    <a:lnR w="12700" cap="flat" cmpd="sng" algn="ctr">
-                      <a:solidFill>
-                        <a:schemeClr val="bg1">
-                          <a:lumMod val="50000"/>
-                        </a:schemeClr>
-                      </a:solidFill>
-                      <a:prstDash val="solid"/>
-                      <a:round/>
-                      <a:headEnd type="none" w="med" len="med"/>
-                      <a:tailEnd type="none" w="med" len="med"/>
-                    </a:lnR>
-                    <a:lnT w="12700" cap="flat" cmpd="sng" algn="ctr">
-                      <a:solidFill>
-                        <a:schemeClr val="bg1">
-                          <a:lumMod val="50000"/>
-                        </a:schemeClr>
-                      </a:solidFill>
-                      <a:prstDash val="solid"/>
-                      <a:round/>
-                      <a:headEnd type="none" w="med" len="med"/>
-                      <a:tailEnd type="none" w="med" len="med"/>
-                    </a:lnT>
-                    <a:lnB w="12700" cap="flat" cmpd="sng" algn="ctr">
-                      <a:solidFill>
-                        <a:schemeClr val="bg1">
-                          <a:lumMod val="50000"/>
-                        </a:schemeClr>
-                      </a:solidFill>
-                      <a:prstDash val="solid"/>
-                      <a:round/>
-                      <a:headEnd type="none" w="med" len="med"/>
-                      <a:tailEnd type="none" w="med" len="med"/>
-                    </a:lnB>
-                    <a:noFill/>
-                  </a:tcPr>
-                </a:tc>
-                <a:tc>
-                  <a:txBody>
-                    <a:bodyPr/>
-                    <a:lstStyle/>
-                    <a:p>
-                      <a:pPr marL="0" marR="0" indent="0" algn="ctr" fontAlgn="base" latinLnBrk="0">
-                        <a:lnSpc>
-                          <a:spcPct val="100000"/>
-                        </a:lnSpc>
-                        <a:spcBef>
-                          <a:spcPts val="0"/>
-                        </a:spcBef>
-                        <a:spcAft>
-                          <a:spcPts val="0"/>
-                        </a:spcAft>
-                      </a:pPr>
-                      <a:r>
-                        <a:rPr lang="en-US" sz="1050" b="1" kern="0" spc="0">
-                          <a:solidFill>
-                            <a:schemeClr val="bg1">
-                              <a:lumMod val="75000"/>
-                            </a:schemeClr>
-                          </a:solidFill>
-                          <a:effectLst/>
-                          <a:latin typeface="나눔바른고딕" panose="020B0603020101020101" pitchFamily="50" charset="-127"/>
-                          <a:ea typeface="나눔바른고딕" panose="020B0603020101020101" pitchFamily="50" charset="-127"/>
-                        </a:rPr>
-                        <a:t>X</a:t>
-                      </a:r>
-                      <a:endParaRPr lang="en-US" sz="1050" kern="0" spc="0">
-                        <a:solidFill>
-                          <a:schemeClr val="bg1">
-                            <a:lumMod val="75000"/>
-                          </a:schemeClr>
-                        </a:solidFill>
-                        <a:effectLst/>
-                        <a:latin typeface="나눔바른고딕" panose="020B0603020101020101" pitchFamily="50" charset="-127"/>
-                        <a:ea typeface="나눔바른고딕" panose="020B0603020101020101" pitchFamily="50" charset="-127"/>
-                      </a:endParaRPr>
-                    </a:p>
-                  </a:txBody>
-                  <a:tcPr marL="36000" marR="36000" marT="15709" marB="15709" anchor="ctr">
-                    <a:lnL w="12700" cap="flat" cmpd="sng" algn="ctr">
-                      <a:solidFill>
-                        <a:schemeClr val="bg1">
-                          <a:lumMod val="50000"/>
-                        </a:schemeClr>
-                      </a:solidFill>
-                      <a:prstDash val="solid"/>
-                      <a:round/>
-                      <a:headEnd type="none" w="med" len="med"/>
-                      <a:tailEnd type="none" w="med" len="med"/>
-                    </a:lnL>
-                    <a:lnR w="12700" cap="flat" cmpd="sng" algn="ctr">
-                      <a:solidFill>
-                        <a:schemeClr val="bg1">
-                          <a:lumMod val="50000"/>
-                        </a:schemeClr>
-                      </a:solidFill>
-                      <a:prstDash val="solid"/>
-                      <a:round/>
-                      <a:headEnd type="none" w="med" len="med"/>
-                      <a:tailEnd type="none" w="med" len="med"/>
-                    </a:lnR>
-                    <a:lnT w="12700" cap="flat" cmpd="sng" algn="ctr">
-                      <a:solidFill>
-                        <a:schemeClr val="bg1">
-                          <a:lumMod val="50000"/>
-                        </a:schemeClr>
-                      </a:solidFill>
-                      <a:prstDash val="solid"/>
-                      <a:round/>
-                      <a:headEnd type="none" w="med" len="med"/>
-                      <a:tailEnd type="none" w="med" len="med"/>
-                    </a:lnT>
-                    <a:lnB w="12700" cap="flat" cmpd="sng" algn="ctr">
-                      <a:solidFill>
-                        <a:schemeClr val="bg1">
-                          <a:lumMod val="50000"/>
-                        </a:schemeClr>
-                      </a:solidFill>
-                      <a:prstDash val="solid"/>
-                      <a:round/>
-                      <a:headEnd type="none" w="med" len="med"/>
-                      <a:tailEnd type="none" w="med" len="med"/>
-                    </a:lnB>
-                    <a:noFill/>
-                  </a:tcPr>
-                </a:tc>
-                <a:tc>
-                  <a:txBody>
-                    <a:bodyPr/>
-                    <a:lstStyle/>
-                    <a:p>
-                      <a:pPr marL="0" marR="0" indent="0" algn="ctr" fontAlgn="base" latinLnBrk="0">
-                        <a:lnSpc>
-                          <a:spcPct val="100000"/>
-                        </a:lnSpc>
-                        <a:spcBef>
-                          <a:spcPts val="0"/>
-                        </a:spcBef>
-                        <a:spcAft>
-                          <a:spcPts val="0"/>
-                        </a:spcAft>
-                      </a:pPr>
-                      <a:r>
-                        <a:rPr lang="en-US" sz="1050" b="1" kern="0" spc="0">
-                          <a:solidFill>
-                            <a:schemeClr val="bg1">
-                              <a:lumMod val="75000"/>
-                            </a:schemeClr>
-                          </a:solidFill>
-                          <a:effectLst/>
-                          <a:latin typeface="나눔바른고딕" panose="020B0603020101020101" pitchFamily="50" charset="-127"/>
-                          <a:ea typeface="나눔바른고딕" panose="020B0603020101020101" pitchFamily="50" charset="-127"/>
-                        </a:rPr>
-                        <a:t>1.19</a:t>
-                      </a:r>
-                      <a:endParaRPr lang="en-US" sz="1050" kern="0" spc="0">
-                        <a:solidFill>
-                          <a:schemeClr val="bg1">
-                            <a:lumMod val="75000"/>
-                          </a:schemeClr>
-                        </a:solidFill>
-                        <a:effectLst/>
-                        <a:latin typeface="나눔바른고딕" panose="020B0603020101020101" pitchFamily="50" charset="-127"/>
-                        <a:ea typeface="나눔바른고딕" panose="020B0603020101020101" pitchFamily="50" charset="-127"/>
-                      </a:endParaRPr>
-                    </a:p>
-                  </a:txBody>
-                  <a:tcPr marL="36000" marR="36000" marT="15709" marB="15709" anchor="ctr">
-                    <a:lnL w="12700" cap="flat" cmpd="sng" algn="ctr">
-                      <a:solidFill>
-                        <a:schemeClr val="bg1">
-                          <a:lumMod val="50000"/>
-                        </a:schemeClr>
-                      </a:solidFill>
-                      <a:prstDash val="solid"/>
-                      <a:round/>
-                      <a:headEnd type="none" w="med" len="med"/>
-                      <a:tailEnd type="none" w="med" len="med"/>
-                    </a:lnL>
-                    <a:lnR w="12700" cap="flat" cmpd="sng" algn="ctr">
-                      <a:solidFill>
-                        <a:schemeClr val="bg1">
-                          <a:lumMod val="50000"/>
-                        </a:schemeClr>
-                      </a:solidFill>
-                      <a:prstDash val="solid"/>
-                      <a:round/>
-                      <a:headEnd type="none" w="med" len="med"/>
-                      <a:tailEnd type="none" w="med" len="med"/>
-                    </a:lnR>
-                    <a:lnT w="12700" cap="flat" cmpd="sng" algn="ctr">
-                      <a:solidFill>
-                        <a:schemeClr val="bg1">
-                          <a:lumMod val="50000"/>
-                        </a:schemeClr>
-                      </a:solidFill>
-                      <a:prstDash val="solid"/>
-                      <a:round/>
-                      <a:headEnd type="none" w="med" len="med"/>
-                      <a:tailEnd type="none" w="med" len="med"/>
-                    </a:lnT>
-                    <a:lnB w="12700" cap="flat" cmpd="sng" algn="ctr">
-                      <a:solidFill>
-                        <a:schemeClr val="bg1">
-                          <a:lumMod val="50000"/>
-                        </a:schemeClr>
-                      </a:solidFill>
-                      <a:prstDash val="solid"/>
-                      <a:round/>
-                      <a:headEnd type="none" w="med" len="med"/>
-                      <a:tailEnd type="none" w="med" len="med"/>
-                    </a:lnB>
-                    <a:noFill/>
-                  </a:tcPr>
-                </a:tc>
-                <a:tc>
-                  <a:txBody>
-                    <a:bodyPr/>
-                    <a:lstStyle/>
-                    <a:p>
-                      <a:pPr marL="0" marR="0" indent="0" algn="ctr" fontAlgn="base" latinLnBrk="0">
-                        <a:lnSpc>
-                          <a:spcPct val="100000"/>
-                        </a:lnSpc>
-                        <a:spcBef>
-                          <a:spcPts val="0"/>
-                        </a:spcBef>
-                        <a:spcAft>
-                          <a:spcPts val="0"/>
-                        </a:spcAft>
-                      </a:pPr>
-                      <a:r>
-                        <a:rPr lang="en-US" sz="1050" kern="0" spc="0">
-                          <a:solidFill>
-                            <a:schemeClr val="bg1">
-                              <a:lumMod val="75000"/>
-                            </a:schemeClr>
-                          </a:solidFill>
-                          <a:effectLst/>
-                          <a:latin typeface="나눔바른고딕" panose="020B0603020101020101" pitchFamily="50" charset="-127"/>
-                          <a:ea typeface="나눔바른고딕" panose="020B0603020101020101" pitchFamily="50" charset="-127"/>
-                        </a:rPr>
-                        <a:t>2.1</a:t>
-                      </a:r>
-                      <a:endParaRPr lang="en-US" sz="1050" kern="0" spc="0" dirty="0">
-                        <a:solidFill>
-                          <a:schemeClr val="bg1">
-                            <a:lumMod val="75000"/>
-                          </a:schemeClr>
-                        </a:solidFill>
-                        <a:effectLst/>
-                        <a:latin typeface="나눔바른고딕" panose="020B0603020101020101" pitchFamily="50" charset="-127"/>
-                        <a:ea typeface="나눔바른고딕" panose="020B0603020101020101" pitchFamily="50" charset="-127"/>
-                      </a:endParaRPr>
-                    </a:p>
-                  </a:txBody>
-                  <a:tcPr marL="36000" marR="36000" marT="15709" marB="15709" anchor="ctr">
-                    <a:lnL w="12700" cap="flat" cmpd="sng" algn="ctr">
-                      <a:solidFill>
-                        <a:schemeClr val="bg1">
-                          <a:lumMod val="50000"/>
-                        </a:schemeClr>
-                      </a:solidFill>
-                      <a:prstDash val="solid"/>
-                      <a:round/>
-                      <a:headEnd type="none" w="med" len="med"/>
-                      <a:tailEnd type="none" w="med" len="med"/>
-                    </a:lnL>
-                    <a:lnR w="12700" cap="flat" cmpd="sng" algn="ctr">
-                      <a:solidFill>
-                        <a:schemeClr val="bg1">
-                          <a:lumMod val="50000"/>
-                        </a:schemeClr>
-                      </a:solidFill>
-                      <a:prstDash val="solid"/>
-                      <a:round/>
-                      <a:headEnd type="none" w="med" len="med"/>
-                      <a:tailEnd type="none" w="med" len="med"/>
-                    </a:lnR>
-                    <a:lnT w="12700" cap="flat" cmpd="sng" algn="ctr">
-                      <a:solidFill>
-                        <a:schemeClr val="bg1">
-                          <a:lumMod val="50000"/>
-                        </a:schemeClr>
-                      </a:solidFill>
-                      <a:prstDash val="solid"/>
-                      <a:round/>
-                      <a:headEnd type="none" w="med" len="med"/>
-                      <a:tailEnd type="none" w="med" len="med"/>
-                    </a:lnT>
-                    <a:lnB w="12700" cap="flat" cmpd="sng" algn="ctr">
-                      <a:solidFill>
-                        <a:schemeClr val="bg1">
-                          <a:lumMod val="50000"/>
-                        </a:schemeClr>
-                      </a:solidFill>
-                      <a:prstDash val="solid"/>
-                      <a:round/>
-                      <a:headEnd type="none" w="med" len="med"/>
-                      <a:tailEnd type="none" w="med" len="med"/>
-                    </a:lnB>
-                    <a:noFill/>
-                  </a:tcPr>
-                </a:tc>
-                <a:tc>
-                  <a:txBody>
-                    <a:bodyPr/>
-                    <a:lstStyle/>
-                    <a:p>
-                      <a:pPr marL="0" marR="0" indent="0" algn="ctr" fontAlgn="base" latinLnBrk="0">
-                        <a:lnSpc>
-                          <a:spcPct val="100000"/>
-                        </a:lnSpc>
-                        <a:spcBef>
-                          <a:spcPts val="0"/>
-                        </a:spcBef>
-                        <a:spcAft>
-                          <a:spcPts val="0"/>
-                        </a:spcAft>
-                      </a:pPr>
-                      <a:r>
-                        <a:rPr lang="ko-KR" altLang="en-US" sz="1000" b="1" kern="0" spc="0">
-                          <a:solidFill>
-                            <a:schemeClr val="bg1">
-                              <a:lumMod val="75000"/>
-                            </a:schemeClr>
-                          </a:solidFill>
-                          <a:effectLst/>
-                          <a:latin typeface="나눔바른고딕" panose="020B0603020101020101" pitchFamily="50" charset="-127"/>
-                          <a:ea typeface="나눔바른고딕" panose="020B0603020101020101" pitchFamily="50" charset="-127"/>
-                          <a:cs typeface="+mn-cs"/>
-                        </a:rPr>
-                        <a:t>분당서울대병원</a:t>
-                      </a:r>
-                    </a:p>
-                  </a:txBody>
-                  <a:tcPr marL="36000" marR="36000" marT="15709" marB="15709" anchor="ctr">
-                    <a:lnL w="12700" cap="flat" cmpd="sng" algn="ctr">
-                      <a:solidFill>
-                        <a:schemeClr val="bg1">
-                          <a:lumMod val="50000"/>
-                        </a:schemeClr>
-                      </a:solidFill>
-                      <a:prstDash val="solid"/>
-                      <a:round/>
-                      <a:headEnd type="none" w="med" len="med"/>
-                      <a:tailEnd type="none" w="med" len="med"/>
-                    </a:lnL>
-                    <a:lnR w="12700" cap="flat" cmpd="sng" algn="ctr">
-                      <a:solidFill>
-                        <a:schemeClr val="bg1">
-                          <a:lumMod val="50000"/>
-                        </a:schemeClr>
-                      </a:solidFill>
-                      <a:prstDash val="solid"/>
-                      <a:round/>
-                      <a:headEnd type="none" w="med" len="med"/>
-                      <a:tailEnd type="none" w="med" len="med"/>
-                    </a:lnR>
-                    <a:lnT w="12700" cap="flat" cmpd="sng" algn="ctr">
-                      <a:solidFill>
-                        <a:schemeClr val="bg1">
-                          <a:lumMod val="50000"/>
-                        </a:schemeClr>
-                      </a:solidFill>
-                      <a:prstDash val="solid"/>
-                      <a:round/>
-                      <a:headEnd type="none" w="med" len="med"/>
-                      <a:tailEnd type="none" w="med" len="med"/>
-                    </a:lnT>
-                    <a:lnB w="12700" cap="flat" cmpd="sng" algn="ctr">
-                      <a:solidFill>
-                        <a:schemeClr val="bg1">
-                          <a:lumMod val="50000"/>
-                        </a:schemeClr>
-                      </a:solidFill>
-                      <a:prstDash val="solid"/>
-                      <a:round/>
-                      <a:headEnd type="none" w="med" len="med"/>
-                      <a:tailEnd type="none" w="med" len="med"/>
-                    </a:lnB>
-                    <a:noFill/>
-                  </a:tcPr>
-                </a:tc>
-                <a:tc>
-                  <a:txBody>
-                    <a:bodyPr/>
-                    <a:lstStyle/>
-                    <a:p>
-                      <a:pPr marL="0" marR="0" indent="0" algn="ctr" fontAlgn="base" latinLnBrk="0">
-                        <a:lnSpc>
-                          <a:spcPct val="100000"/>
-                        </a:lnSpc>
-                        <a:spcBef>
-                          <a:spcPts val="0"/>
-                        </a:spcBef>
-                        <a:spcAft>
-                          <a:spcPts val="0"/>
-                        </a:spcAft>
-                      </a:pPr>
-                      <a:r>
-                        <a:rPr lang="en-US" sz="1050" kern="0" spc="0" dirty="0">
-                          <a:solidFill>
-                            <a:schemeClr val="bg1">
-                              <a:lumMod val="75000"/>
-                            </a:schemeClr>
-                          </a:solidFill>
-                          <a:effectLst/>
-                          <a:latin typeface="나눔바른고딕" panose="020B0603020101020101" pitchFamily="50" charset="-127"/>
-                          <a:ea typeface="나눔바른고딕" panose="020B0603020101020101" pitchFamily="50" charset="-127"/>
-                        </a:rPr>
-                        <a:t>420</a:t>
-                      </a:r>
-                    </a:p>
-                  </a:txBody>
-                  <a:tcPr marL="36000" marR="36000" marT="15709" marB="15709" anchor="ctr">
-                    <a:lnL w="12700" cap="flat" cmpd="sng" algn="ctr">
-                      <a:solidFill>
-                        <a:schemeClr val="bg1">
-                          <a:lumMod val="50000"/>
-                        </a:schemeClr>
-                      </a:solidFill>
-                      <a:prstDash val="solid"/>
-                      <a:round/>
-                      <a:headEnd type="none" w="med" len="med"/>
-                      <a:tailEnd type="none" w="med" len="med"/>
-                    </a:lnL>
-                    <a:lnR w="12700" cap="flat" cmpd="sng" algn="ctr">
-                      <a:solidFill>
-                        <a:schemeClr val="bg1">
-                          <a:lumMod val="50000"/>
-                        </a:schemeClr>
-                      </a:solidFill>
-                      <a:prstDash val="solid"/>
-                      <a:round/>
-                      <a:headEnd type="none" w="med" len="med"/>
-                      <a:tailEnd type="none" w="med" len="med"/>
-                    </a:lnR>
-                    <a:lnT w="12700" cap="flat" cmpd="sng" algn="ctr">
-                      <a:solidFill>
-                        <a:schemeClr val="bg1">
-                          <a:lumMod val="50000"/>
-                        </a:schemeClr>
-                      </a:solidFill>
-                      <a:prstDash val="solid"/>
-                      <a:round/>
-                      <a:headEnd type="none" w="med" len="med"/>
-                      <a:tailEnd type="none" w="med" len="med"/>
-                    </a:lnT>
-                    <a:lnB w="12700" cap="flat" cmpd="sng" algn="ctr">
-                      <a:solidFill>
-                        <a:schemeClr val="bg1">
-                          <a:lumMod val="50000"/>
-                        </a:schemeClr>
-                      </a:solidFill>
-                      <a:prstDash val="solid"/>
-                      <a:round/>
-                      <a:headEnd type="none" w="med" len="med"/>
-                      <a:tailEnd type="none" w="med" len="med"/>
-                    </a:lnB>
-                    <a:noFill/>
-                  </a:tcPr>
-                </a:tc>
-                <a:extLst>
-                  <a:ext uri="{0D108BD9-81ED-4DB2-BD59-A6C34878D82A}">
-                    <a16:rowId xmlns:a16="http://schemas.microsoft.com/office/drawing/2014/main" val="1758572221"/>
-                  </a:ext>
-                </a:extLst>
-              </a:tr>
-              <a:tr h="288000">
-                <a:tc>
-                  <a:txBody>
-                    <a:bodyPr/>
-                    <a:lstStyle/>
-                    <a:p>
-                      <a:pPr marL="0" marR="0" indent="0" algn="ctr" fontAlgn="base" latinLnBrk="0">
-                        <a:lnSpc>
-                          <a:spcPct val="100000"/>
-                        </a:lnSpc>
-                        <a:spcBef>
-                          <a:spcPts val="0"/>
-                        </a:spcBef>
-                        <a:spcAft>
-                          <a:spcPts val="0"/>
-                        </a:spcAft>
-                      </a:pPr>
-                      <a:r>
-                        <a:rPr lang="en-US" sz="1050" b="1" kern="0" spc="0">
-                          <a:solidFill>
-                            <a:schemeClr val="bg1">
-                              <a:lumMod val="75000"/>
-                            </a:schemeClr>
-                          </a:solidFill>
-                          <a:effectLst/>
-                          <a:latin typeface="나눔바른고딕" panose="020B0603020101020101" pitchFamily="50" charset="-127"/>
-                          <a:ea typeface="나눔바른고딕" panose="020B0603020101020101" pitchFamily="50" charset="-127"/>
-                        </a:rPr>
-                        <a:t>13</a:t>
-                      </a:r>
-                      <a:endParaRPr lang="en-US" sz="1050" kern="0" spc="0">
-                        <a:solidFill>
-                          <a:schemeClr val="bg1">
-                            <a:lumMod val="75000"/>
-                          </a:schemeClr>
-                        </a:solidFill>
-                        <a:effectLst/>
-                        <a:latin typeface="나눔바른고딕" panose="020B0603020101020101" pitchFamily="50" charset="-127"/>
-                        <a:ea typeface="나눔바른고딕" panose="020B0603020101020101" pitchFamily="50" charset="-127"/>
-                      </a:endParaRPr>
-                    </a:p>
-                  </a:txBody>
-                  <a:tcPr marL="36000" marR="36000" marT="15709" marB="15709" anchor="ctr">
-                    <a:lnL w="12700" cap="flat" cmpd="sng" algn="ctr">
-                      <a:solidFill>
-                        <a:schemeClr val="bg1">
-                          <a:lumMod val="50000"/>
-                        </a:schemeClr>
-                      </a:solidFill>
-                      <a:prstDash val="solid"/>
-                      <a:round/>
-                      <a:headEnd type="none" w="med" len="med"/>
-                      <a:tailEnd type="none" w="med" len="med"/>
-                    </a:lnL>
-                    <a:lnR w="12700" cap="flat" cmpd="sng" algn="ctr">
-                      <a:solidFill>
-                        <a:schemeClr val="bg1">
-                          <a:lumMod val="50000"/>
-                        </a:schemeClr>
-                      </a:solidFill>
-                      <a:prstDash val="solid"/>
-                      <a:round/>
-                      <a:headEnd type="none" w="med" len="med"/>
-                      <a:tailEnd type="none" w="med" len="med"/>
-                    </a:lnR>
-                    <a:lnT w="12700" cap="flat" cmpd="sng" algn="ctr">
-                      <a:solidFill>
-                        <a:schemeClr val="bg1">
-                          <a:lumMod val="50000"/>
-                        </a:schemeClr>
-                      </a:solidFill>
-                      <a:prstDash val="solid"/>
-                      <a:round/>
-                      <a:headEnd type="none" w="med" len="med"/>
-                      <a:tailEnd type="none" w="med" len="med"/>
-                    </a:lnT>
-                    <a:lnB w="12700" cap="flat" cmpd="sng" algn="ctr">
-                      <a:solidFill>
-                        <a:schemeClr val="bg1">
-                          <a:lumMod val="50000"/>
-                        </a:schemeClr>
-                      </a:solidFill>
-                      <a:prstDash val="solid"/>
-                      <a:round/>
-                      <a:headEnd type="none" w="med" len="med"/>
-                      <a:tailEnd type="none" w="med" len="med"/>
-                    </a:lnB>
-                    <a:noFill/>
-                  </a:tcPr>
-                </a:tc>
-                <a:tc>
-                  <a:txBody>
-                    <a:bodyPr/>
-                    <a:lstStyle/>
-                    <a:p>
-                      <a:pPr marL="0" marR="0" indent="0" algn="ctr" fontAlgn="base" latinLnBrk="0">
-                        <a:lnSpc>
-                          <a:spcPct val="100000"/>
-                        </a:lnSpc>
-                        <a:spcBef>
-                          <a:spcPts val="0"/>
-                        </a:spcBef>
-                        <a:spcAft>
-                          <a:spcPts val="0"/>
-                        </a:spcAft>
-                      </a:pPr>
-                      <a:r>
-                        <a:rPr lang="ko-KR" altLang="en-US" sz="1050" b="1" kern="0" spc="0">
-                          <a:solidFill>
-                            <a:schemeClr val="bg1">
-                              <a:lumMod val="75000"/>
-                            </a:schemeClr>
-                          </a:solidFill>
-                          <a:effectLst/>
-                          <a:latin typeface="나눔바른고딕" panose="020B0603020101020101" pitchFamily="50" charset="-127"/>
-                          <a:ea typeface="나눔바른고딕" panose="020B0603020101020101" pitchFamily="50" charset="-127"/>
-                        </a:rPr>
-                        <a:t>남</a:t>
-                      </a:r>
-                      <a:endParaRPr lang="ko-KR" altLang="en-US" sz="1050" kern="0" spc="0">
-                        <a:solidFill>
-                          <a:schemeClr val="bg1">
-                            <a:lumMod val="75000"/>
-                          </a:schemeClr>
-                        </a:solidFill>
-                        <a:effectLst/>
-                        <a:latin typeface="나눔바른고딕" panose="020B0603020101020101" pitchFamily="50" charset="-127"/>
-                        <a:ea typeface="나눔바른고딕" panose="020B0603020101020101" pitchFamily="50" charset="-127"/>
-                      </a:endParaRPr>
-                    </a:p>
-                  </a:txBody>
-                  <a:tcPr marL="36000" marR="36000" marT="15709" marB="15709" anchor="ctr">
-                    <a:lnL w="12700" cap="flat" cmpd="sng" algn="ctr">
-                      <a:solidFill>
-                        <a:schemeClr val="bg1">
-                          <a:lumMod val="50000"/>
-                        </a:schemeClr>
-                      </a:solidFill>
-                      <a:prstDash val="solid"/>
-                      <a:round/>
-                      <a:headEnd type="none" w="med" len="med"/>
-                      <a:tailEnd type="none" w="med" len="med"/>
-                    </a:lnL>
-                    <a:lnR w="12700" cap="flat" cmpd="sng" algn="ctr">
-                      <a:solidFill>
-                        <a:schemeClr val="bg1">
-                          <a:lumMod val="50000"/>
-                        </a:schemeClr>
-                      </a:solidFill>
-                      <a:prstDash val="solid"/>
-                      <a:round/>
-                      <a:headEnd type="none" w="med" len="med"/>
-                      <a:tailEnd type="none" w="med" len="med"/>
-                    </a:lnR>
-                    <a:lnT w="12700" cap="flat" cmpd="sng" algn="ctr">
-                      <a:solidFill>
-                        <a:schemeClr val="bg1">
-                          <a:lumMod val="50000"/>
-                        </a:schemeClr>
-                      </a:solidFill>
-                      <a:prstDash val="solid"/>
-                      <a:round/>
-                      <a:headEnd type="none" w="med" len="med"/>
-                      <a:tailEnd type="none" w="med" len="med"/>
-                    </a:lnT>
-                    <a:lnB w="12700" cap="flat" cmpd="sng" algn="ctr">
-                      <a:solidFill>
-                        <a:schemeClr val="bg1">
-                          <a:lumMod val="50000"/>
-                        </a:schemeClr>
-                      </a:solidFill>
-                      <a:prstDash val="solid"/>
-                      <a:round/>
-                      <a:headEnd type="none" w="med" len="med"/>
-                      <a:tailEnd type="none" w="med" len="med"/>
-                    </a:lnB>
-                    <a:noFill/>
-                  </a:tcPr>
-                </a:tc>
-                <a:tc>
-                  <a:txBody>
-                    <a:bodyPr/>
-                    <a:lstStyle/>
-                    <a:p>
-                      <a:pPr marL="0" marR="0" indent="0" algn="ctr" fontAlgn="base" latinLnBrk="0">
-                        <a:lnSpc>
-                          <a:spcPct val="100000"/>
-                        </a:lnSpc>
-                        <a:spcBef>
-                          <a:spcPts val="0"/>
-                        </a:spcBef>
-                        <a:spcAft>
-                          <a:spcPts val="0"/>
-                        </a:spcAft>
-                      </a:pPr>
-                      <a:r>
-                        <a:rPr lang="en-US" sz="1050" b="1" kern="0" spc="0">
-                          <a:solidFill>
-                            <a:schemeClr val="bg1">
-                              <a:lumMod val="75000"/>
-                            </a:schemeClr>
-                          </a:solidFill>
-                          <a:effectLst/>
-                          <a:latin typeface="나눔바른고딕" panose="020B0603020101020101" pitchFamily="50" charset="-127"/>
-                          <a:ea typeface="나눔바른고딕" panose="020B0603020101020101" pitchFamily="50" charset="-127"/>
-                        </a:rPr>
-                        <a:t>28</a:t>
-                      </a:r>
-                      <a:endParaRPr lang="en-US" sz="1050" kern="0" spc="0">
-                        <a:solidFill>
-                          <a:schemeClr val="bg1">
-                            <a:lumMod val="75000"/>
-                          </a:schemeClr>
-                        </a:solidFill>
-                        <a:effectLst/>
-                        <a:latin typeface="나눔바른고딕" panose="020B0603020101020101" pitchFamily="50" charset="-127"/>
-                        <a:ea typeface="나눔바른고딕" panose="020B0603020101020101" pitchFamily="50" charset="-127"/>
-                      </a:endParaRPr>
-                    </a:p>
-                  </a:txBody>
-                  <a:tcPr marL="36000" marR="36000" marT="15709" marB="15709" anchor="ctr">
-                    <a:lnL w="12700" cap="flat" cmpd="sng" algn="ctr">
-                      <a:solidFill>
-                        <a:schemeClr val="bg1">
-                          <a:lumMod val="50000"/>
-                        </a:schemeClr>
-                      </a:solidFill>
-                      <a:prstDash val="solid"/>
-                      <a:round/>
-                      <a:headEnd type="none" w="med" len="med"/>
-                      <a:tailEnd type="none" w="med" len="med"/>
-                    </a:lnL>
-                    <a:lnR w="12700" cap="flat" cmpd="sng" algn="ctr">
-                      <a:solidFill>
-                        <a:schemeClr val="bg1">
-                          <a:lumMod val="50000"/>
-                        </a:schemeClr>
-                      </a:solidFill>
-                      <a:prstDash val="solid"/>
-                      <a:round/>
-                      <a:headEnd type="none" w="med" len="med"/>
-                      <a:tailEnd type="none" w="med" len="med"/>
-                    </a:lnR>
-                    <a:lnT w="12700" cap="flat" cmpd="sng" algn="ctr">
-                      <a:solidFill>
-                        <a:schemeClr val="bg1">
-                          <a:lumMod val="50000"/>
-                        </a:schemeClr>
-                      </a:solidFill>
-                      <a:prstDash val="solid"/>
-                      <a:round/>
-                      <a:headEnd type="none" w="med" len="med"/>
-                      <a:tailEnd type="none" w="med" len="med"/>
-                    </a:lnT>
-                    <a:lnB w="12700" cap="flat" cmpd="sng" algn="ctr">
-                      <a:solidFill>
-                        <a:schemeClr val="bg1">
-                          <a:lumMod val="50000"/>
-                        </a:schemeClr>
-                      </a:solidFill>
-                      <a:prstDash val="solid"/>
-                      <a:round/>
-                      <a:headEnd type="none" w="med" len="med"/>
-                      <a:tailEnd type="none" w="med" len="med"/>
-                    </a:lnB>
-                    <a:noFill/>
-                  </a:tcPr>
-                </a:tc>
-                <a:tc>
-                  <a:txBody>
-                    <a:bodyPr/>
-                    <a:lstStyle/>
-                    <a:p>
-                      <a:pPr marL="0" marR="0" indent="0" algn="ctr" fontAlgn="base" latinLnBrk="0">
-                        <a:lnSpc>
-                          <a:spcPct val="100000"/>
-                        </a:lnSpc>
-                        <a:spcBef>
-                          <a:spcPts val="0"/>
-                        </a:spcBef>
-                        <a:spcAft>
-                          <a:spcPts val="0"/>
-                        </a:spcAft>
-                      </a:pPr>
-                      <a:r>
-                        <a:rPr lang="ko-KR" altLang="en-US" sz="1050" b="1" kern="0" spc="0">
-                          <a:solidFill>
-                            <a:schemeClr val="bg1">
-                              <a:lumMod val="75000"/>
-                            </a:schemeClr>
-                          </a:solidFill>
-                          <a:effectLst/>
-                          <a:latin typeface="나눔바른고딕" panose="020B0603020101020101" pitchFamily="50" charset="-127"/>
-                          <a:ea typeface="나눔바른고딕" panose="020B0603020101020101" pitchFamily="50" charset="-127"/>
-                        </a:rPr>
-                        <a:t>한국</a:t>
-                      </a:r>
-                      <a:endParaRPr lang="ko-KR" altLang="en-US" sz="1050" kern="0" spc="0">
-                        <a:solidFill>
-                          <a:schemeClr val="bg1">
-                            <a:lumMod val="75000"/>
-                          </a:schemeClr>
-                        </a:solidFill>
-                        <a:effectLst/>
-                        <a:latin typeface="나눔바른고딕" panose="020B0603020101020101" pitchFamily="50" charset="-127"/>
-                        <a:ea typeface="나눔바른고딕" panose="020B0603020101020101" pitchFamily="50" charset="-127"/>
-                      </a:endParaRPr>
-                    </a:p>
-                  </a:txBody>
-                  <a:tcPr marL="36000" marR="36000" marT="15709" marB="15709" anchor="ctr">
-                    <a:lnL w="12700" cap="flat" cmpd="sng" algn="ctr">
-                      <a:solidFill>
-                        <a:schemeClr val="bg1">
-                          <a:lumMod val="50000"/>
-                        </a:schemeClr>
-                      </a:solidFill>
-                      <a:prstDash val="solid"/>
-                      <a:round/>
-                      <a:headEnd type="none" w="med" len="med"/>
-                      <a:tailEnd type="none" w="med" len="med"/>
-                    </a:lnL>
-                    <a:lnR w="12700" cap="flat" cmpd="sng" algn="ctr">
-                      <a:solidFill>
-                        <a:schemeClr val="bg1">
-                          <a:lumMod val="50000"/>
-                        </a:schemeClr>
-                      </a:solidFill>
-                      <a:prstDash val="solid"/>
-                      <a:round/>
-                      <a:headEnd type="none" w="med" len="med"/>
-                      <a:tailEnd type="none" w="med" len="med"/>
-                    </a:lnR>
-                    <a:lnT w="12700" cap="flat" cmpd="sng" algn="ctr">
-                      <a:solidFill>
-                        <a:schemeClr val="bg1">
-                          <a:lumMod val="50000"/>
-                        </a:schemeClr>
-                      </a:solidFill>
-                      <a:prstDash val="solid"/>
-                      <a:round/>
-                      <a:headEnd type="none" w="med" len="med"/>
-                      <a:tailEnd type="none" w="med" len="med"/>
-                    </a:lnT>
-                    <a:lnB w="12700" cap="flat" cmpd="sng" algn="ctr">
-                      <a:solidFill>
-                        <a:schemeClr val="bg1">
-                          <a:lumMod val="50000"/>
-                        </a:schemeClr>
-                      </a:solidFill>
-                      <a:prstDash val="solid"/>
-                      <a:round/>
-                      <a:headEnd type="none" w="med" len="med"/>
-                      <a:tailEnd type="none" w="med" len="med"/>
-                    </a:lnB>
-                    <a:noFill/>
-                  </a:tcPr>
-                </a:tc>
-                <a:tc>
-                  <a:txBody>
-                    <a:bodyPr/>
-                    <a:lstStyle/>
-                    <a:p>
-                      <a:pPr marL="0" marR="0" indent="0" algn="ctr" fontAlgn="base" latinLnBrk="0">
-                        <a:lnSpc>
-                          <a:spcPct val="100000"/>
-                        </a:lnSpc>
-                        <a:spcBef>
-                          <a:spcPts val="0"/>
-                        </a:spcBef>
-                        <a:spcAft>
-                          <a:spcPts val="0"/>
-                        </a:spcAft>
-                      </a:pPr>
-                      <a:r>
-                        <a:rPr lang="en-US" sz="1050" b="1" kern="0" spc="0">
-                          <a:solidFill>
-                            <a:schemeClr val="bg1">
-                              <a:lumMod val="75000"/>
-                            </a:schemeClr>
-                          </a:solidFill>
-                          <a:effectLst/>
-                          <a:latin typeface="나눔바른고딕" panose="020B0603020101020101" pitchFamily="50" charset="-127"/>
-                          <a:ea typeface="나눔바른고딕" panose="020B0603020101020101" pitchFamily="50" charset="-127"/>
-                        </a:rPr>
                         <a:t>O</a:t>
                       </a:r>
                       <a:endParaRPr lang="en-US" sz="1050" kern="0" spc="0">
@@ -14556,7 +14415,7 @@
                         </a:spcAft>
                       </a:pPr>
                       <a:r>
-                        <a:rPr lang="en-US" sz="1050" kern="0" spc="0">
+                        <a:rPr lang="en-US" sz="1050" kern="0" spc="0" dirty="0">
                           <a:solidFill>
                             <a:schemeClr val="bg1">
                               <a:lumMod val="75000"/>
@@ -14990,7 +14849,7 @@
                         </a:spcAft>
                       </a:pPr>
                       <a:r>
-                        <a:rPr lang="en-US" sz="1050" b="1" kern="0" spc="0">
+                        <a:rPr lang="en-US" sz="1050" kern="0" spc="0" dirty="0">
                           <a:solidFill>
                             <a:schemeClr val="bg1">
                               <a:lumMod val="75000"/>
@@ -15000,18 +14859,8 @@
                           <a:latin typeface="나눔바른고딕" panose="020B0603020101020101" pitchFamily="50" charset="-127"/>
                           <a:ea typeface="나눔바른고딕" panose="020B0603020101020101" pitchFamily="50" charset="-127"/>
                         </a:rPr>
-                        <a:t>40</a:t>
+                        <a:t>’80</a:t>
                       </a:r>
-                      <a:endParaRPr lang="en-US" sz="1050" kern="0" spc="0" dirty="0">
-                        <a:solidFill>
-                          <a:schemeClr val="bg1">
-                            <a:lumMod val="75000"/>
-                          </a:schemeClr>
-                        </a:solidFill>
-                        <a:effectLst/>
-                        <a:latin typeface="나눔바른고딕" panose="020B0603020101020101" pitchFamily="50" charset="-127"/>
-                        <a:ea typeface="나눔바른고딕" panose="020B0603020101020101" pitchFamily="50" charset="-127"/>
-                      </a:endParaRPr>
                     </a:p>
                   </a:txBody>
                   <a:tcPr marL="36000" marR="36000" marT="15709" marB="15709" anchor="ctr">
@@ -15773,7 +15622,7 @@
                         </a:spcAft>
                       </a:pPr>
                       <a:r>
-                        <a:rPr lang="en-US" sz="1050" b="1" kern="0" spc="0">
+                        <a:rPr lang="en-US" sz="1050" b="1" kern="0" spc="0" dirty="0">
                           <a:solidFill>
                             <a:schemeClr val="bg1">
                               <a:lumMod val="75000"/>
@@ -15784,19 +15633,8 @@
                           <a:ea typeface="나눔바른고딕" panose="020B0603020101020101" pitchFamily="50" charset="-127"/>
                           <a:cs typeface="+mn-cs"/>
                         </a:rPr>
-                        <a:t>43</a:t>
+                        <a:t>’77</a:t>
                       </a:r>
-                      <a:endParaRPr lang="en-US" sz="1050" b="1" kern="0" spc="0" dirty="0">
-                        <a:solidFill>
-                          <a:schemeClr val="bg1">
-                            <a:lumMod val="75000"/>
-                          </a:schemeClr>
-                        </a:solidFill>
-                        <a:effectLst/>
-                        <a:latin typeface="나눔바른고딕" panose="020B0603020101020101" pitchFamily="50" charset="-127"/>
-                        <a:ea typeface="나눔바른고딕" panose="020B0603020101020101" pitchFamily="50" charset="-127"/>
-                        <a:cs typeface="+mn-cs"/>
-                      </a:endParaRPr>
                     </a:p>
                   </a:txBody>
                   <a:tcPr marL="36000" marR="36000" marT="15709" marB="15709" anchor="ctr">
@@ -16566,7 +16404,7 @@
                         </a:spcAft>
                       </a:pPr>
                       <a:r>
-                        <a:rPr lang="en-US" sz="1050" b="1" kern="0" spc="0">
+                        <a:rPr lang="en-US" sz="1050" b="1" kern="0" spc="0" dirty="0">
                           <a:solidFill>
                             <a:schemeClr val="bg1">
                               <a:lumMod val="75000"/>
@@ -16577,19 +16415,8 @@
                           <a:ea typeface="나눔바른고딕" panose="020B0603020101020101" pitchFamily="50" charset="-127"/>
                           <a:cs typeface="+mn-cs"/>
                         </a:rPr>
-                        <a:t>42</a:t>
+                        <a:t>’77</a:t>
                       </a:r>
-                      <a:endParaRPr lang="en-US" sz="1050" b="1" kern="0" spc="0" dirty="0">
-                        <a:solidFill>
-                          <a:schemeClr val="bg1">
-                            <a:lumMod val="75000"/>
-                          </a:schemeClr>
-                        </a:solidFill>
-                        <a:effectLst/>
-                        <a:latin typeface="나눔바른고딕" panose="020B0603020101020101" pitchFamily="50" charset="-127"/>
-                        <a:ea typeface="나눔바른고딕" panose="020B0603020101020101" pitchFamily="50" charset="-127"/>
-                        <a:cs typeface="+mn-cs"/>
-                      </a:endParaRPr>
                     </a:p>
                   </a:txBody>
                   <a:tcPr marL="36000" marR="36000" marT="15709" marB="15709" anchor="ctr">
@@ -17101,7 +16928,7 @@
                           <a:ea typeface="나눔바른고딕" panose="020B0603020101020101" pitchFamily="50" charset="-127"/>
                           <a:cs typeface="+mn-cs"/>
                         </a:rPr>
-                        <a:t>438</a:t>
+                        <a:t>441</a:t>
                       </a:r>
                       <a:endParaRPr lang="ko-KR" altLang="en-US" sz="1050" b="1" kern="0" spc="0" dirty="0">
                         <a:solidFill>
@@ -17370,7 +17197,7 @@
                         </a:spcAft>
                       </a:pPr>
                       <a:r>
-                        <a:rPr lang="en-US" sz="1050" b="1" kern="0" spc="0">
+                        <a:rPr lang="en-US" sz="1050" b="1" kern="0" spc="0" dirty="0">
                           <a:solidFill>
                             <a:schemeClr val="bg1">
                               <a:lumMod val="75000"/>
@@ -17381,19 +17208,8 @@
                           <a:ea typeface="나눔바른고딕" panose="020B0603020101020101" pitchFamily="50" charset="-127"/>
                           <a:cs typeface="+mn-cs"/>
                         </a:rPr>
-                        <a:t>37</a:t>
+                        <a:t>’82</a:t>
                       </a:r>
-                      <a:endParaRPr lang="en-US" sz="1050" b="1" kern="0" spc="0" dirty="0">
-                        <a:solidFill>
-                          <a:schemeClr val="bg1">
-                            <a:lumMod val="75000"/>
-                          </a:schemeClr>
-                        </a:solidFill>
-                        <a:effectLst/>
-                        <a:latin typeface="나눔바른고딕" panose="020B0603020101020101" pitchFamily="50" charset="-127"/>
-                        <a:ea typeface="나눔바른고딕" panose="020B0603020101020101" pitchFamily="50" charset="-127"/>
-                        <a:cs typeface="+mn-cs"/>
-                      </a:endParaRPr>
                     </a:p>
                   </a:txBody>
                   <a:tcPr marL="36000" marR="36000" marT="15709" marB="15709" anchor="ctr">
@@ -18202,7 +18018,7 @@
                         </a:spcAft>
                       </a:pPr>
                       <a:r>
-                        <a:rPr lang="en-US" sz="1050" b="1" kern="0" spc="0">
+                        <a:rPr lang="en-US" sz="1050" b="1" kern="0" spc="0" dirty="0">
                           <a:solidFill>
                             <a:schemeClr val="bg1">
                               <a:lumMod val="75000"/>
@@ -18213,19 +18029,8 @@
                           <a:ea typeface="나눔바른고딕" panose="020B0603020101020101" pitchFamily="50" charset="-127"/>
                           <a:cs typeface="+mn-cs"/>
                         </a:rPr>
-                        <a:t>20</a:t>
+                        <a:t>’99</a:t>
                       </a:r>
-                      <a:endParaRPr lang="en-US" sz="1050" b="1" kern="0" spc="0" dirty="0">
-                        <a:solidFill>
-                          <a:schemeClr val="bg1">
-                            <a:lumMod val="75000"/>
-                          </a:schemeClr>
-                        </a:solidFill>
-                        <a:effectLst/>
-                        <a:latin typeface="나눔바른고딕" panose="020B0603020101020101" pitchFamily="50" charset="-127"/>
-                        <a:ea typeface="나눔바른고딕" panose="020B0603020101020101" pitchFamily="50" charset="-127"/>
-                        <a:cs typeface="+mn-cs"/>
-                      </a:endParaRPr>
                     </a:p>
                   </a:txBody>
                   <a:tcPr marL="36000" marR="36000" marT="15709" marB="15709" anchor="ctr">
@@ -18566,7 +18371,7 @@
                         </a:spcAft>
                       </a:pPr>
                       <a:r>
-                        <a:rPr lang="en-US" sz="1050" b="1" kern="0" spc="0">
+                        <a:rPr lang="en-US" sz="1050" b="1" kern="0" spc="0" dirty="0">
                           <a:solidFill>
                             <a:schemeClr val="bg1">
                               <a:lumMod val="75000"/>
@@ -18579,17 +18384,6 @@
                         </a:rPr>
                         <a:t>2.5</a:t>
                       </a:r>
-                      <a:endParaRPr lang="en-US" sz="1050" b="1" kern="0" spc="0" dirty="0">
-                        <a:solidFill>
-                          <a:schemeClr val="bg1">
-                            <a:lumMod val="75000"/>
-                          </a:schemeClr>
-                        </a:solidFill>
-                        <a:effectLst/>
-                        <a:latin typeface="나눔바른고딕" panose="020B0603020101020101" pitchFamily="50" charset="-127"/>
-                        <a:ea typeface="나눔바른고딕" panose="020B0603020101020101" pitchFamily="50" charset="-127"/>
-                        <a:cs typeface="+mn-cs"/>
-                      </a:endParaRPr>
                     </a:p>
                   </a:txBody>
                   <a:tcPr marL="36000" marR="36000" marT="15709" marB="15709" anchor="ctr">
@@ -19028,7 +18822,7 @@
                         </a:spcAft>
                       </a:pPr>
                       <a:r>
-                        <a:rPr lang="en-US" sz="1050" b="1" kern="0" spc="0">
+                        <a:rPr lang="en-US" sz="1050" b="1" kern="0" spc="0" dirty="0">
                           <a:solidFill>
                             <a:schemeClr val="bg1">
                               <a:lumMod val="75000"/>
@@ -19039,19 +18833,8 @@
                           <a:ea typeface="나눔바른고딕" panose="020B0603020101020101" pitchFamily="50" charset="-127"/>
                           <a:cs typeface="+mn-cs"/>
                         </a:rPr>
-                        <a:t>36</a:t>
+                        <a:t>’83</a:t>
                       </a:r>
-                      <a:endParaRPr lang="en-US" sz="1050" b="1" kern="0" spc="0" dirty="0">
-                        <a:solidFill>
-                          <a:schemeClr val="bg1">
-                            <a:lumMod val="75000"/>
-                          </a:schemeClr>
-                        </a:solidFill>
-                        <a:effectLst/>
-                        <a:latin typeface="나눔바른고딕" panose="020B0603020101020101" pitchFamily="50" charset="-127"/>
-                        <a:ea typeface="나눔바른고딕" panose="020B0603020101020101" pitchFamily="50" charset="-127"/>
-                        <a:cs typeface="+mn-cs"/>
-                      </a:endParaRPr>
                     </a:p>
                   </a:txBody>
                   <a:tcPr marL="36000" marR="36000" marT="15709" marB="15709" anchor="ctr">
@@ -19843,7 +19626,7 @@
                         </a:spcAft>
                       </a:pPr>
                       <a:r>
-                        <a:rPr lang="en-US" sz="1050" b="1" kern="0" spc="0">
+                        <a:rPr lang="en-US" sz="1050" b="1" kern="0" spc="0" dirty="0">
                           <a:solidFill>
                             <a:schemeClr val="bg1">
                               <a:lumMod val="75000"/>
@@ -19854,19 +19637,8 @@
                           <a:ea typeface="나눔바른고딕" panose="020B0603020101020101" pitchFamily="50" charset="-127"/>
                           <a:cs typeface="+mn-cs"/>
                         </a:rPr>
-                        <a:t>41</a:t>
+                        <a:t>’78</a:t>
                       </a:r>
-                      <a:endParaRPr lang="en-US" sz="1050" b="1" kern="0" spc="0" dirty="0">
-                        <a:solidFill>
-                          <a:schemeClr val="bg1">
-                            <a:lumMod val="75000"/>
-                          </a:schemeClr>
-                        </a:solidFill>
-                        <a:effectLst/>
-                        <a:latin typeface="나눔바른고딕" panose="020B0603020101020101" pitchFamily="50" charset="-127"/>
-                        <a:ea typeface="나눔바른고딕" panose="020B0603020101020101" pitchFamily="50" charset="-127"/>
-                        <a:cs typeface="+mn-cs"/>
-                      </a:endParaRPr>
                     </a:p>
                   </a:txBody>
                   <a:tcPr marL="36000" marR="36000" marT="15709" marB="15709" anchor="ctr">
@@ -20674,7 +20446,7 @@
                         </a:spcAft>
                       </a:pPr>
                       <a:r>
-                        <a:rPr lang="en-US" sz="1050" b="1" kern="0" spc="0">
+                        <a:rPr lang="en-US" sz="1050" b="1" kern="0" spc="0" dirty="0">
                           <a:solidFill>
                             <a:schemeClr val="bg1">
                               <a:lumMod val="75000"/>
@@ -20685,19 +20457,8 @@
                           <a:ea typeface="나눔바른고딕" panose="020B0603020101020101" pitchFamily="50" charset="-127"/>
                           <a:cs typeface="+mn-cs"/>
                         </a:rPr>
-                        <a:t>59</a:t>
+                        <a:t>’60</a:t>
                       </a:r>
-                      <a:endParaRPr lang="en-US" sz="1050" b="1" kern="0" spc="0" dirty="0">
-                        <a:solidFill>
-                          <a:schemeClr val="bg1">
-                            <a:lumMod val="75000"/>
-                          </a:schemeClr>
-                        </a:solidFill>
-                        <a:effectLst/>
-                        <a:latin typeface="나눔바른고딕" panose="020B0603020101020101" pitchFamily="50" charset="-127"/>
-                        <a:ea typeface="나눔바른고딕" panose="020B0603020101020101" pitchFamily="50" charset="-127"/>
-                        <a:cs typeface="+mn-cs"/>
-                      </a:endParaRPr>
                     </a:p>
                   </a:txBody>
                   <a:tcPr marL="36000" marR="36000" marT="15709" marB="15709" anchor="ctr">
@@ -21499,7 +21260,7 @@
                         </a:spcAft>
                       </a:pPr>
                       <a:r>
-                        <a:rPr lang="en-US" sz="1050" b="1" kern="0" spc="0">
+                        <a:rPr lang="en-US" sz="1050" b="1" kern="0" spc="0" dirty="0">
                           <a:solidFill>
                             <a:schemeClr val="bg1">
                               <a:lumMod val="75000"/>
@@ -21510,19 +21271,8 @@
                           <a:ea typeface="나눔바른고딕" panose="020B0603020101020101" pitchFamily="50" charset="-127"/>
                           <a:cs typeface="+mn-cs"/>
                         </a:rPr>
-                        <a:t>46</a:t>
+                        <a:t>‘73</a:t>
                       </a:r>
-                      <a:endParaRPr lang="en-US" sz="1050" b="1" kern="0" spc="0" dirty="0">
-                        <a:solidFill>
-                          <a:schemeClr val="bg1">
-                            <a:lumMod val="75000"/>
-                          </a:schemeClr>
-                        </a:solidFill>
-                        <a:effectLst/>
-                        <a:latin typeface="나눔바른고딕" panose="020B0603020101020101" pitchFamily="50" charset="-127"/>
-                        <a:ea typeface="나눔바른고딕" panose="020B0603020101020101" pitchFamily="50" charset="-127"/>
-                        <a:cs typeface="+mn-cs"/>
-                      </a:endParaRPr>
                     </a:p>
                   </a:txBody>
                   <a:tcPr marL="36000" marR="36000" marT="15709" marB="15709" anchor="ctr">
@@ -22313,7 +22063,7 @@
                         </a:spcAft>
                       </a:pPr>
                       <a:r>
-                        <a:rPr lang="en-US" sz="1050" b="1" kern="0" spc="0">
+                        <a:rPr lang="en-US" sz="1050" b="1" kern="0" spc="0" dirty="0">
                           <a:solidFill>
                             <a:schemeClr val="bg1">
                               <a:lumMod val="75000"/>
@@ -22324,19 +22074,8 @@
                           <a:ea typeface="나눔바른고딕" panose="020B0603020101020101" pitchFamily="50" charset="-127"/>
                           <a:cs typeface="+mn-cs"/>
                         </a:rPr>
-                        <a:t>57</a:t>
+                        <a:t>’62</a:t>
                       </a:r>
-                      <a:endParaRPr lang="en-US" sz="1050" b="1" kern="0" spc="0" dirty="0">
-                        <a:solidFill>
-                          <a:schemeClr val="bg1">
-                            <a:lumMod val="75000"/>
-                          </a:schemeClr>
-                        </a:solidFill>
-                        <a:effectLst/>
-                        <a:latin typeface="나눔바른고딕" panose="020B0603020101020101" pitchFamily="50" charset="-127"/>
-                        <a:ea typeface="나눔바른고딕" panose="020B0603020101020101" pitchFamily="50" charset="-127"/>
-                        <a:cs typeface="+mn-cs"/>
-                      </a:endParaRPr>
                     </a:p>
                   </a:txBody>
                   <a:tcPr marL="36000" marR="36000" marT="15709" marB="15709" anchor="ctr">
@@ -23144,7 +22883,7 @@
                         </a:spcAft>
                       </a:pPr>
                       <a:r>
-                        <a:rPr lang="en-US" sz="1050" b="1" kern="0" spc="0">
+                        <a:rPr lang="en-US" sz="1050" b="1" kern="0" spc="0" dirty="0">
                           <a:solidFill>
                             <a:schemeClr val="bg1">
                               <a:lumMod val="75000"/>
@@ -23155,19 +22894,8 @@
                           <a:ea typeface="나눔바른고딕" panose="020B0603020101020101" pitchFamily="50" charset="-127"/>
                           <a:cs typeface="+mn-cs"/>
                         </a:rPr>
-                        <a:t>28</a:t>
+                        <a:t>’92</a:t>
                       </a:r>
-                      <a:endParaRPr lang="en-US" sz="1050" b="1" kern="0" spc="0" dirty="0">
-                        <a:solidFill>
-                          <a:schemeClr val="bg1">
-                            <a:lumMod val="75000"/>
-                          </a:schemeClr>
-                        </a:solidFill>
-                        <a:effectLst/>
-                        <a:latin typeface="나눔바른고딕" panose="020B0603020101020101" pitchFamily="50" charset="-127"/>
-                        <a:ea typeface="나눔바른고딕" panose="020B0603020101020101" pitchFamily="50" charset="-127"/>
-                        <a:cs typeface="+mn-cs"/>
-                      </a:endParaRPr>
                     </a:p>
                   </a:txBody>
                   <a:tcPr marL="36000" marR="36000" marT="15709" marB="15709" anchor="ctr">
@@ -23514,7 +23242,7 @@
                         </a:spcAft>
                       </a:pPr>
                       <a:r>
-                        <a:rPr lang="en-US" sz="1050" b="1" kern="0" spc="0">
+                        <a:rPr lang="en-US" sz="1050" b="1" kern="0" spc="0" dirty="0">
                           <a:solidFill>
                             <a:schemeClr val="bg1">
                               <a:lumMod val="75000"/>
@@ -23527,17 +23255,6 @@
                         </a:rPr>
                         <a:t>2.6</a:t>
                       </a:r>
-                      <a:endParaRPr lang="en-US" sz="1050" b="1" kern="0" spc="0" dirty="0">
-                        <a:solidFill>
-                          <a:schemeClr val="bg1">
-                            <a:lumMod val="75000"/>
-                          </a:schemeClr>
-                        </a:solidFill>
-                        <a:effectLst/>
-                        <a:latin typeface="나눔바른고딕" panose="020B0603020101020101" pitchFamily="50" charset="-127"/>
-                        <a:ea typeface="나눔바른고딕" panose="020B0603020101020101" pitchFamily="50" charset="-127"/>
-                        <a:cs typeface="+mn-cs"/>
-                      </a:endParaRPr>
                     </a:p>
                   </a:txBody>
                   <a:tcPr marL="36000" marR="36000" marT="15709" marB="15709" anchor="ctr">
@@ -23971,7 +23688,7 @@
                         </a:spcAft>
                       </a:pPr>
                       <a:r>
-                        <a:rPr lang="en-US" sz="1050" b="1" kern="0" spc="0">
+                        <a:rPr lang="en-US" sz="1050" b="1" kern="0" spc="0" dirty="0">
                           <a:solidFill>
                             <a:schemeClr val="bg1">
                               <a:lumMod val="75000"/>
@@ -23982,19 +23699,8 @@
                           <a:ea typeface="나눔바른고딕" panose="020B0603020101020101" pitchFamily="50" charset="-127"/>
                           <a:cs typeface="+mn-cs"/>
                         </a:rPr>
-                        <a:t>73</a:t>
+                        <a:t>’46</a:t>
                       </a:r>
-                      <a:endParaRPr lang="en-US" sz="1050" b="1" kern="0" spc="0" dirty="0">
-                        <a:solidFill>
-                          <a:schemeClr val="bg1">
-                            <a:lumMod val="75000"/>
-                          </a:schemeClr>
-                        </a:solidFill>
-                        <a:effectLst/>
-                        <a:latin typeface="나눔바른고딕" panose="020B0603020101020101" pitchFamily="50" charset="-127"/>
-                        <a:ea typeface="나눔바른고딕" panose="020B0603020101020101" pitchFamily="50" charset="-127"/>
-                        <a:cs typeface="+mn-cs"/>
-                      </a:endParaRPr>
                     </a:p>
                   </a:txBody>
                   <a:tcPr marL="36000" marR="36000" marT="15709" marB="15709" anchor="ctr">
@@ -24518,7 +24224,7 @@
                           <a:ea typeface="나눔바른고딕" panose="020B0603020101020101" pitchFamily="50" charset="-127"/>
                           <a:cs typeface="+mn-cs"/>
                         </a:rPr>
-                        <a:t>11</a:t>
+                        <a:t>12</a:t>
                       </a:r>
                       <a:endParaRPr lang="ko-KR" altLang="en-US" sz="1050" b="1" kern="0" spc="0" dirty="0">
                         <a:solidFill>
@@ -24776,7 +24482,7 @@
                           <a:ea typeface="나눔바른고딕" panose="020B0603020101020101" pitchFamily="50" charset="-127"/>
                           <a:cs typeface="+mn-cs"/>
                         </a:rPr>
-                        <a:t>51</a:t>
+                        <a:t>’68</a:t>
                       </a:r>
                     </a:p>
                   </a:txBody>
@@ -25526,7 +25232,7 @@
                           <a:ea typeface="나눔바른고딕" panose="020B0603020101020101" pitchFamily="50" charset="-127"/>
                           <a:cs typeface="+mn-cs"/>
                         </a:rPr>
-                        <a:t>37</a:t>
+                        <a:t>’82</a:t>
                       </a:r>
                     </a:p>
                   </a:txBody>
@@ -26018,7 +25724,7 @@
                           <a:ea typeface="나눔바른고딕" panose="020B0603020101020101" pitchFamily="50" charset="-127"/>
                           <a:cs typeface="+mn-cs"/>
                         </a:rPr>
-                        <a:t>32</a:t>
+                        <a:t>34</a:t>
                       </a:r>
                       <a:endParaRPr lang="ko-KR" altLang="en-US" sz="1050" b="1" kern="0" spc="0" dirty="0">
                         <a:solidFill>
@@ -26084,6 +25790,756 @@
                 <a:extLst>
                   <a:ext uri="{0D108BD9-81ED-4DB2-BD59-A6C34878D82A}">
                     <a16:rowId xmlns:a16="http://schemas.microsoft.com/office/drawing/2014/main" val="680393749"/>
+                  </a:ext>
+                </a:extLst>
+              </a:tr>
+              <a:tr h="288000">
+                <a:tc>
+                  <a:txBody>
+                    <a:bodyPr/>
+                    <a:lstStyle/>
+                    <a:p>
+                      <a:pPr marL="0" marR="0" indent="0" algn="ctr" fontAlgn="base" latinLnBrk="0">
+                        <a:lnSpc>
+                          <a:spcPct val="100000"/>
+                        </a:lnSpc>
+                        <a:spcBef>
+                          <a:spcPts val="0"/>
+                        </a:spcBef>
+                        <a:spcAft>
+                          <a:spcPts val="0"/>
+                        </a:spcAft>
+                      </a:pPr>
+                      <a:r>
+                        <a:rPr lang="en-US" sz="1050" b="1" kern="0" spc="0" dirty="0">
+                          <a:solidFill>
+                            <a:schemeClr val="bg1">
+                              <a:lumMod val="75000"/>
+                            </a:schemeClr>
+                          </a:solidFill>
+                          <a:effectLst/>
+                          <a:latin typeface="나눔바른고딕" panose="020B0603020101020101" pitchFamily="50" charset="-127"/>
+                          <a:ea typeface="나눔바른고딕" panose="020B0603020101020101" pitchFamily="50" charset="-127"/>
+                          <a:cs typeface="+mn-cs"/>
+                        </a:rPr>
+                        <a:t>28</a:t>
+                      </a:r>
+                    </a:p>
+                  </a:txBody>
+                  <a:tcPr marL="36000" marR="36000" marT="15709" marB="15709" anchor="ctr">
+                    <a:lnL w="12700" cap="flat" cmpd="sng" algn="ctr">
+                      <a:solidFill>
+                        <a:schemeClr val="bg1">
+                          <a:lumMod val="50000"/>
+                        </a:schemeClr>
+                      </a:solidFill>
+                      <a:prstDash val="solid"/>
+                      <a:round/>
+                      <a:headEnd type="none" w="med" len="med"/>
+                      <a:tailEnd type="none" w="med" len="med"/>
+                    </a:lnL>
+                    <a:lnR w="12700" cap="flat" cmpd="sng" algn="ctr">
+                      <a:solidFill>
+                        <a:schemeClr val="bg1">
+                          <a:lumMod val="50000"/>
+                        </a:schemeClr>
+                      </a:solidFill>
+                      <a:prstDash val="solid"/>
+                      <a:round/>
+                      <a:headEnd type="none" w="med" len="med"/>
+                      <a:tailEnd type="none" w="med" len="med"/>
+                    </a:lnR>
+                    <a:lnT w="12700" cap="flat" cmpd="sng" algn="ctr">
+                      <a:solidFill>
+                        <a:schemeClr val="bg1">
+                          <a:lumMod val="50000"/>
+                        </a:schemeClr>
+                      </a:solidFill>
+                      <a:prstDash val="solid"/>
+                      <a:round/>
+                      <a:headEnd type="none" w="med" len="med"/>
+                      <a:tailEnd type="none" w="med" len="med"/>
+                    </a:lnT>
+                    <a:lnB w="12700" cap="flat" cmpd="sng" algn="ctr">
+                      <a:solidFill>
+                        <a:schemeClr val="bg1">
+                          <a:lumMod val="50000"/>
+                        </a:schemeClr>
+                      </a:solidFill>
+                      <a:prstDash val="solid"/>
+                      <a:round/>
+                      <a:headEnd type="none" w="med" len="med"/>
+                      <a:tailEnd type="none" w="med" len="med"/>
+                    </a:lnB>
+                    <a:noFill/>
+                  </a:tcPr>
+                </a:tc>
+                <a:tc>
+                  <a:txBody>
+                    <a:bodyPr/>
+                    <a:lstStyle/>
+                    <a:p>
+                      <a:pPr marL="0" marR="0" indent="0" algn="ctr" fontAlgn="base" latinLnBrk="0">
+                        <a:lnSpc>
+                          <a:spcPct val="100000"/>
+                        </a:lnSpc>
+                        <a:spcBef>
+                          <a:spcPts val="0"/>
+                        </a:spcBef>
+                        <a:spcAft>
+                          <a:spcPts val="0"/>
+                        </a:spcAft>
+                      </a:pPr>
+                      <a:r>
+                        <a:rPr lang="ko-KR" altLang="en-US" sz="1050" b="1" kern="0" spc="0" dirty="0">
+                          <a:solidFill>
+                            <a:schemeClr val="bg1">
+                              <a:lumMod val="75000"/>
+                            </a:schemeClr>
+                          </a:solidFill>
+                          <a:effectLst/>
+                          <a:latin typeface="나눔바른고딕" panose="020B0603020101020101" pitchFamily="50" charset="-127"/>
+                          <a:ea typeface="나눔바른고딕" panose="020B0603020101020101" pitchFamily="50" charset="-127"/>
+                          <a:cs typeface="+mn-cs"/>
+                        </a:rPr>
+                        <a:t>여</a:t>
+                      </a:r>
+                    </a:p>
+                  </a:txBody>
+                  <a:tcPr marL="36000" marR="36000" marT="15709" marB="15709" anchor="ctr">
+                    <a:lnL w="12700" cap="flat" cmpd="sng" algn="ctr">
+                      <a:solidFill>
+                        <a:schemeClr val="bg1">
+                          <a:lumMod val="50000"/>
+                        </a:schemeClr>
+                      </a:solidFill>
+                      <a:prstDash val="solid"/>
+                      <a:round/>
+                      <a:headEnd type="none" w="med" len="med"/>
+                      <a:tailEnd type="none" w="med" len="med"/>
+                    </a:lnL>
+                    <a:lnR w="12700" cap="flat" cmpd="sng" algn="ctr">
+                      <a:solidFill>
+                        <a:schemeClr val="bg1">
+                          <a:lumMod val="50000"/>
+                        </a:schemeClr>
+                      </a:solidFill>
+                      <a:prstDash val="solid"/>
+                      <a:round/>
+                      <a:headEnd type="none" w="med" len="med"/>
+                      <a:tailEnd type="none" w="med" len="med"/>
+                    </a:lnR>
+                    <a:lnT w="12700" cap="flat" cmpd="sng" algn="ctr">
+                      <a:solidFill>
+                        <a:schemeClr val="bg1">
+                          <a:lumMod val="50000"/>
+                        </a:schemeClr>
+                      </a:solidFill>
+                      <a:prstDash val="solid"/>
+                      <a:round/>
+                      <a:headEnd type="none" w="med" len="med"/>
+                      <a:tailEnd type="none" w="med" len="med"/>
+                    </a:lnT>
+                    <a:lnB w="12700" cap="flat" cmpd="sng" algn="ctr">
+                      <a:solidFill>
+                        <a:schemeClr val="bg1">
+                          <a:lumMod val="50000"/>
+                        </a:schemeClr>
+                      </a:solidFill>
+                      <a:prstDash val="solid"/>
+                      <a:round/>
+                      <a:headEnd type="none" w="med" len="med"/>
+                      <a:tailEnd type="none" w="med" len="med"/>
+                    </a:lnB>
+                    <a:noFill/>
+                  </a:tcPr>
+                </a:tc>
+                <a:tc>
+                  <a:txBody>
+                    <a:bodyPr/>
+                    <a:lstStyle/>
+                    <a:p>
+                      <a:pPr marL="0" marR="0" indent="0" algn="ctr" fontAlgn="base" latinLnBrk="0">
+                        <a:lnSpc>
+                          <a:spcPct val="100000"/>
+                        </a:lnSpc>
+                        <a:spcBef>
+                          <a:spcPts val="0"/>
+                        </a:spcBef>
+                        <a:spcAft>
+                          <a:spcPts val="0"/>
+                        </a:spcAft>
+                      </a:pPr>
+                      <a:r>
+                        <a:rPr lang="en-US" sz="1050" b="1" kern="0" spc="0" dirty="0">
+                          <a:solidFill>
+                            <a:schemeClr val="bg1">
+                              <a:lumMod val="75000"/>
+                            </a:schemeClr>
+                          </a:solidFill>
+                          <a:effectLst/>
+                          <a:latin typeface="나눔바른고딕" panose="020B0603020101020101" pitchFamily="50" charset="-127"/>
+                          <a:ea typeface="나눔바른고딕" panose="020B0603020101020101" pitchFamily="50" charset="-127"/>
+                          <a:cs typeface="+mn-cs"/>
+                        </a:rPr>
+                        <a:t>‘89</a:t>
+                      </a:r>
+                    </a:p>
+                  </a:txBody>
+                  <a:tcPr marL="36000" marR="36000" marT="15709" marB="15709" anchor="ctr">
+                    <a:lnL w="12700" cap="flat" cmpd="sng" algn="ctr">
+                      <a:solidFill>
+                        <a:schemeClr val="bg1">
+                          <a:lumMod val="50000"/>
+                        </a:schemeClr>
+                      </a:solidFill>
+                      <a:prstDash val="solid"/>
+                      <a:round/>
+                      <a:headEnd type="none" w="med" len="med"/>
+                      <a:tailEnd type="none" w="med" len="med"/>
+                    </a:lnL>
+                    <a:lnR w="12700" cap="flat" cmpd="sng" algn="ctr">
+                      <a:solidFill>
+                        <a:schemeClr val="bg1">
+                          <a:lumMod val="50000"/>
+                        </a:schemeClr>
+                      </a:solidFill>
+                      <a:prstDash val="solid"/>
+                      <a:round/>
+                      <a:headEnd type="none" w="med" len="med"/>
+                      <a:tailEnd type="none" w="med" len="med"/>
+                    </a:lnR>
+                    <a:lnT w="12700" cap="flat" cmpd="sng" algn="ctr">
+                      <a:solidFill>
+                        <a:schemeClr val="bg1">
+                          <a:lumMod val="50000"/>
+                        </a:schemeClr>
+                      </a:solidFill>
+                      <a:prstDash val="solid"/>
+                      <a:round/>
+                      <a:headEnd type="none" w="med" len="med"/>
+                      <a:tailEnd type="none" w="med" len="med"/>
+                    </a:lnT>
+                    <a:lnB w="12700" cap="flat" cmpd="sng" algn="ctr">
+                      <a:solidFill>
+                        <a:schemeClr val="bg1">
+                          <a:lumMod val="50000"/>
+                        </a:schemeClr>
+                      </a:solidFill>
+                      <a:prstDash val="solid"/>
+                      <a:round/>
+                      <a:headEnd type="none" w="med" len="med"/>
+                      <a:tailEnd type="none" w="med" len="med"/>
+                    </a:lnB>
+                    <a:noFill/>
+                  </a:tcPr>
+                </a:tc>
+                <a:tc>
+                  <a:txBody>
+                    <a:bodyPr/>
+                    <a:lstStyle/>
+                    <a:p>
+                      <a:pPr marL="0" marR="0" indent="0" algn="ctr" fontAlgn="base" latinLnBrk="0">
+                        <a:lnSpc>
+                          <a:spcPct val="100000"/>
+                        </a:lnSpc>
+                        <a:spcBef>
+                          <a:spcPts val="0"/>
+                        </a:spcBef>
+                        <a:spcAft>
+                          <a:spcPts val="0"/>
+                        </a:spcAft>
+                      </a:pPr>
+                      <a:r>
+                        <a:rPr lang="ko-KR" altLang="en-US" sz="1050" b="1" kern="0" spc="0" dirty="0">
+                          <a:solidFill>
+                            <a:schemeClr val="bg1">
+                              <a:lumMod val="75000"/>
+                            </a:schemeClr>
+                          </a:solidFill>
+                          <a:effectLst/>
+                          <a:latin typeface="나눔바른고딕" panose="020B0603020101020101" pitchFamily="50" charset="-127"/>
+                          <a:ea typeface="나눔바른고딕" panose="020B0603020101020101" pitchFamily="50" charset="-127"/>
+                          <a:cs typeface="+mn-cs"/>
+                        </a:rPr>
+                        <a:t>중국</a:t>
+                      </a:r>
+                    </a:p>
+                  </a:txBody>
+                  <a:tcPr marL="36000" marR="36000" marT="15709" marB="15709" anchor="ctr">
+                    <a:lnL w="12700" cap="flat" cmpd="sng" algn="ctr">
+                      <a:solidFill>
+                        <a:schemeClr val="bg1">
+                          <a:lumMod val="50000"/>
+                        </a:schemeClr>
+                      </a:solidFill>
+                      <a:prstDash val="solid"/>
+                      <a:round/>
+                      <a:headEnd type="none" w="med" len="med"/>
+                      <a:tailEnd type="none" w="med" len="med"/>
+                    </a:lnL>
+                    <a:lnR w="12700" cap="flat" cmpd="sng" algn="ctr">
+                      <a:solidFill>
+                        <a:schemeClr val="bg1">
+                          <a:lumMod val="50000"/>
+                        </a:schemeClr>
+                      </a:solidFill>
+                      <a:prstDash val="solid"/>
+                      <a:round/>
+                      <a:headEnd type="none" w="med" len="med"/>
+                      <a:tailEnd type="none" w="med" len="med"/>
+                    </a:lnR>
+                    <a:lnT w="12700" cap="flat" cmpd="sng" algn="ctr">
+                      <a:solidFill>
+                        <a:schemeClr val="bg1">
+                          <a:lumMod val="50000"/>
+                        </a:schemeClr>
+                      </a:solidFill>
+                      <a:prstDash val="solid"/>
+                      <a:round/>
+                      <a:headEnd type="none" w="med" len="med"/>
+                      <a:tailEnd type="none" w="med" len="med"/>
+                    </a:lnT>
+                    <a:lnB w="12700" cap="flat" cmpd="sng" algn="ctr">
+                      <a:solidFill>
+                        <a:schemeClr val="bg1">
+                          <a:lumMod val="50000"/>
+                        </a:schemeClr>
+                      </a:solidFill>
+                      <a:prstDash val="solid"/>
+                      <a:round/>
+                      <a:headEnd type="none" w="med" len="med"/>
+                      <a:tailEnd type="none" w="med" len="med"/>
+                    </a:lnB>
+                    <a:noFill/>
+                  </a:tcPr>
+                </a:tc>
+                <a:tc>
+                  <a:txBody>
+                    <a:bodyPr/>
+                    <a:lstStyle/>
+                    <a:p>
+                      <a:pPr marL="0" marR="0" indent="0" algn="ctr" defTabSz="914400" rtl="0" eaLnBrk="1" fontAlgn="base" latinLnBrk="0" hangingPunct="1">
+                        <a:lnSpc>
+                          <a:spcPct val="100000"/>
+                        </a:lnSpc>
+                        <a:spcBef>
+                          <a:spcPts val="0"/>
+                        </a:spcBef>
+                        <a:spcAft>
+                          <a:spcPts val="0"/>
+                        </a:spcAft>
+                        <a:buClrTx/>
+                        <a:buSzTx/>
+                        <a:buFontTx/>
+                        <a:buNone/>
+                        <a:tabLst/>
+                        <a:defRPr/>
+                      </a:pPr>
+                      <a:r>
+                        <a:rPr lang="en-US" altLang="ko-KR" sz="1050" b="1" kern="0" spc="0" dirty="0">
+                          <a:solidFill>
+                            <a:schemeClr val="bg1">
+                              <a:lumMod val="75000"/>
+                            </a:schemeClr>
+                          </a:solidFill>
+                          <a:effectLst/>
+                          <a:latin typeface="나눔바른고딕" panose="020B0603020101020101" pitchFamily="50" charset="-127"/>
+                          <a:ea typeface="나눔바른고딕" panose="020B0603020101020101" pitchFamily="50" charset="-127"/>
+                          <a:cs typeface="+mn-cs"/>
+                        </a:rPr>
+                        <a:t>O</a:t>
+                      </a:r>
+                    </a:p>
+                  </a:txBody>
+                  <a:tcPr marL="36000" marR="36000" marT="15709" marB="15709" anchor="ctr">
+                    <a:lnL w="12700" cap="flat" cmpd="sng" algn="ctr">
+                      <a:solidFill>
+                        <a:schemeClr val="bg1">
+                          <a:lumMod val="50000"/>
+                        </a:schemeClr>
+                      </a:solidFill>
+                      <a:prstDash val="solid"/>
+                      <a:round/>
+                      <a:headEnd type="none" w="med" len="med"/>
+                      <a:tailEnd type="none" w="med" len="med"/>
+                    </a:lnL>
+                    <a:lnR w="12700" cap="flat" cmpd="sng" algn="ctr">
+                      <a:solidFill>
+                        <a:schemeClr val="bg1">
+                          <a:lumMod val="50000"/>
+                        </a:schemeClr>
+                      </a:solidFill>
+                      <a:prstDash val="solid"/>
+                      <a:round/>
+                      <a:headEnd type="none" w="med" len="med"/>
+                      <a:tailEnd type="none" w="med" len="med"/>
+                    </a:lnR>
+                    <a:lnT w="12700" cap="flat" cmpd="sng" algn="ctr">
+                      <a:solidFill>
+                        <a:schemeClr val="bg1">
+                          <a:lumMod val="50000"/>
+                        </a:schemeClr>
+                      </a:solidFill>
+                      <a:prstDash val="solid"/>
+                      <a:round/>
+                      <a:headEnd type="none" w="med" len="med"/>
+                      <a:tailEnd type="none" w="med" len="med"/>
+                    </a:lnT>
+                    <a:lnB w="12700" cap="flat" cmpd="sng" algn="ctr">
+                      <a:solidFill>
+                        <a:schemeClr val="bg1">
+                          <a:lumMod val="50000"/>
+                        </a:schemeClr>
+                      </a:solidFill>
+                      <a:prstDash val="solid"/>
+                      <a:round/>
+                      <a:headEnd type="none" w="med" len="med"/>
+                      <a:tailEnd type="none" w="med" len="med"/>
+                    </a:lnB>
+                    <a:noFill/>
+                  </a:tcPr>
+                </a:tc>
+                <a:tc>
+                  <a:txBody>
+                    <a:bodyPr/>
+                    <a:lstStyle/>
+                    <a:p>
+                      <a:pPr marL="0" marR="0" indent="0" algn="ctr" fontAlgn="base" latinLnBrk="0">
+                        <a:lnSpc>
+                          <a:spcPct val="100000"/>
+                        </a:lnSpc>
+                        <a:spcBef>
+                          <a:spcPts val="0"/>
+                        </a:spcBef>
+                        <a:spcAft>
+                          <a:spcPts val="0"/>
+                        </a:spcAft>
+                      </a:pPr>
+                      <a:r>
+                        <a:rPr lang="en-US" sz="1050" b="1" kern="0" spc="0" dirty="0">
+                          <a:solidFill>
+                            <a:schemeClr val="bg1">
+                              <a:lumMod val="75000"/>
+                            </a:schemeClr>
+                          </a:solidFill>
+                          <a:effectLst/>
+                          <a:latin typeface="나눔바른고딕" panose="020B0603020101020101" pitchFamily="50" charset="-127"/>
+                          <a:ea typeface="나눔바른고딕" panose="020B0603020101020101" pitchFamily="50" charset="-127"/>
+                          <a:cs typeface="+mn-cs"/>
+                        </a:rPr>
+                        <a:t>1.20</a:t>
+                      </a:r>
+                    </a:p>
+                  </a:txBody>
+                  <a:tcPr marL="36000" marR="36000" marT="15709" marB="15709" anchor="ctr">
+                    <a:lnL w="12700" cap="flat" cmpd="sng" algn="ctr">
+                      <a:solidFill>
+                        <a:schemeClr val="bg1">
+                          <a:lumMod val="50000"/>
+                        </a:schemeClr>
+                      </a:solidFill>
+                      <a:prstDash val="solid"/>
+                      <a:round/>
+                      <a:headEnd type="none" w="med" len="med"/>
+                      <a:tailEnd type="none" w="med" len="med"/>
+                    </a:lnL>
+                    <a:lnR w="12700" cap="flat" cmpd="sng" algn="ctr">
+                      <a:solidFill>
+                        <a:schemeClr val="bg1">
+                          <a:lumMod val="50000"/>
+                        </a:schemeClr>
+                      </a:solidFill>
+                      <a:prstDash val="solid"/>
+                      <a:round/>
+                      <a:headEnd type="none" w="med" len="med"/>
+                      <a:tailEnd type="none" w="med" len="med"/>
+                    </a:lnR>
+                    <a:lnT w="12700" cap="flat" cmpd="sng" algn="ctr">
+                      <a:solidFill>
+                        <a:schemeClr val="bg1">
+                          <a:lumMod val="50000"/>
+                        </a:schemeClr>
+                      </a:solidFill>
+                      <a:prstDash val="solid"/>
+                      <a:round/>
+                      <a:headEnd type="none" w="med" len="med"/>
+                      <a:tailEnd type="none" w="med" len="med"/>
+                    </a:lnT>
+                    <a:lnB w="12700" cap="flat" cmpd="sng" algn="ctr">
+                      <a:solidFill>
+                        <a:schemeClr val="bg1">
+                          <a:lumMod val="50000"/>
+                        </a:schemeClr>
+                      </a:solidFill>
+                      <a:prstDash val="solid"/>
+                      <a:round/>
+                      <a:headEnd type="none" w="med" len="med"/>
+                      <a:tailEnd type="none" w="med" len="med"/>
+                    </a:lnB>
+                    <a:noFill/>
+                  </a:tcPr>
+                </a:tc>
+                <a:tc>
+                  <a:txBody>
+                    <a:bodyPr/>
+                    <a:lstStyle/>
+                    <a:p>
+                      <a:pPr marL="0" marR="0" indent="0" algn="ctr" fontAlgn="base" latinLnBrk="0">
+                        <a:lnSpc>
+                          <a:spcPct val="100000"/>
+                        </a:lnSpc>
+                        <a:spcBef>
+                          <a:spcPts val="0"/>
+                        </a:spcBef>
+                        <a:spcAft>
+                          <a:spcPts val="0"/>
+                        </a:spcAft>
+                      </a:pPr>
+                      <a:r>
+                        <a:rPr lang="en-US" sz="1050" b="1" kern="0" spc="0" dirty="0">
+                          <a:solidFill>
+                            <a:schemeClr val="bg1">
+                              <a:lumMod val="75000"/>
+                            </a:schemeClr>
+                          </a:solidFill>
+                          <a:effectLst/>
+                          <a:latin typeface="나눔바른고딕" panose="020B0603020101020101" pitchFamily="50" charset="-127"/>
+                          <a:ea typeface="나눔바른고딕" panose="020B0603020101020101" pitchFamily="50" charset="-127"/>
+                          <a:cs typeface="+mn-cs"/>
+                        </a:rPr>
+                        <a:t>2.10</a:t>
+                      </a:r>
+                    </a:p>
+                  </a:txBody>
+                  <a:tcPr marL="36000" marR="36000" marT="15709" marB="15709" anchor="ctr">
+                    <a:lnL w="12700" cap="flat" cmpd="sng" algn="ctr">
+                      <a:solidFill>
+                        <a:schemeClr val="bg1">
+                          <a:lumMod val="50000"/>
+                        </a:schemeClr>
+                      </a:solidFill>
+                      <a:prstDash val="solid"/>
+                      <a:round/>
+                      <a:headEnd type="none" w="med" len="med"/>
+                      <a:tailEnd type="none" w="med" len="med"/>
+                    </a:lnL>
+                    <a:lnR w="12700" cap="flat" cmpd="sng" algn="ctr">
+                      <a:solidFill>
+                        <a:schemeClr val="bg1">
+                          <a:lumMod val="50000"/>
+                        </a:schemeClr>
+                      </a:solidFill>
+                      <a:prstDash val="solid"/>
+                      <a:round/>
+                      <a:headEnd type="none" w="med" len="med"/>
+                      <a:tailEnd type="none" w="med" len="med"/>
+                    </a:lnR>
+                    <a:lnT w="12700" cap="flat" cmpd="sng" algn="ctr">
+                      <a:solidFill>
+                        <a:schemeClr val="bg1">
+                          <a:lumMod val="50000"/>
+                        </a:schemeClr>
+                      </a:solidFill>
+                      <a:prstDash val="solid"/>
+                      <a:round/>
+                      <a:headEnd type="none" w="med" len="med"/>
+                      <a:tailEnd type="none" w="med" len="med"/>
+                    </a:lnT>
+                    <a:lnB w="12700" cap="flat" cmpd="sng" algn="ctr">
+                      <a:solidFill>
+                        <a:schemeClr val="bg1">
+                          <a:lumMod val="50000"/>
+                        </a:schemeClr>
+                      </a:solidFill>
+                      <a:prstDash val="solid"/>
+                      <a:round/>
+                      <a:headEnd type="none" w="med" len="med"/>
+                      <a:tailEnd type="none" w="med" len="med"/>
+                    </a:lnB>
+                    <a:noFill/>
+                  </a:tcPr>
+                </a:tc>
+                <a:tc>
+                  <a:txBody>
+                    <a:bodyPr/>
+                    <a:lstStyle/>
+                    <a:p>
+                      <a:pPr marL="0" marR="0" indent="0" algn="ctr" defTabSz="914400" rtl="0" eaLnBrk="1" fontAlgn="base" latinLnBrk="0" hangingPunct="1">
+                        <a:lnSpc>
+                          <a:spcPct val="100000"/>
+                        </a:lnSpc>
+                        <a:spcBef>
+                          <a:spcPts val="0"/>
+                        </a:spcBef>
+                        <a:spcAft>
+                          <a:spcPts val="0"/>
+                        </a:spcAft>
+                        <a:buClrTx/>
+                        <a:buSzTx/>
+                        <a:buFontTx/>
+                        <a:buNone/>
+                        <a:tabLst/>
+                        <a:defRPr/>
+                      </a:pPr>
+                      <a:r>
+                        <a:rPr lang="ko-KR" altLang="en-US" sz="1000" b="1" kern="0" spc="0" dirty="0">
+                          <a:solidFill>
+                            <a:schemeClr val="bg1">
+                              <a:lumMod val="75000"/>
+                            </a:schemeClr>
+                          </a:solidFill>
+                          <a:effectLst/>
+                          <a:latin typeface="나눔바른고딕" panose="020B0603020101020101" pitchFamily="50" charset="-127"/>
+                          <a:ea typeface="나눔바른고딕" panose="020B0603020101020101" pitchFamily="50" charset="-127"/>
+                          <a:cs typeface="+mn-cs"/>
+                        </a:rPr>
+                        <a:t>명지병원</a:t>
+                      </a:r>
+                    </a:p>
+                  </a:txBody>
+                  <a:tcPr marL="36000" marR="36000" marT="15709" marB="15709" anchor="ctr">
+                    <a:lnL w="12700" cap="flat" cmpd="sng" algn="ctr">
+                      <a:solidFill>
+                        <a:schemeClr val="bg1">
+                          <a:lumMod val="50000"/>
+                        </a:schemeClr>
+                      </a:solidFill>
+                      <a:prstDash val="solid"/>
+                      <a:round/>
+                      <a:headEnd type="none" w="med" len="med"/>
+                      <a:tailEnd type="none" w="med" len="med"/>
+                    </a:lnL>
+                    <a:lnR w="12700" cap="flat" cmpd="sng" algn="ctr">
+                      <a:solidFill>
+                        <a:schemeClr val="bg1">
+                          <a:lumMod val="50000"/>
+                        </a:schemeClr>
+                      </a:solidFill>
+                      <a:prstDash val="solid"/>
+                      <a:round/>
+                      <a:headEnd type="none" w="med" len="med"/>
+                      <a:tailEnd type="none" w="med" len="med"/>
+                    </a:lnR>
+                    <a:lnT w="12700" cap="flat" cmpd="sng" algn="ctr">
+                      <a:solidFill>
+                        <a:schemeClr val="bg1">
+                          <a:lumMod val="50000"/>
+                        </a:schemeClr>
+                      </a:solidFill>
+                      <a:prstDash val="solid"/>
+                      <a:round/>
+                      <a:headEnd type="none" w="med" len="med"/>
+                      <a:tailEnd type="none" w="med" len="med"/>
+                    </a:lnT>
+                    <a:lnB w="12700" cap="flat" cmpd="sng" algn="ctr">
+                      <a:solidFill>
+                        <a:schemeClr val="bg1">
+                          <a:lumMod val="50000"/>
+                        </a:schemeClr>
+                      </a:solidFill>
+                      <a:prstDash val="solid"/>
+                      <a:round/>
+                      <a:headEnd type="none" w="med" len="med"/>
+                      <a:tailEnd type="none" w="med" len="med"/>
+                    </a:lnB>
+                    <a:noFill/>
+                  </a:tcPr>
+                </a:tc>
+                <a:tc>
+                  <a:txBody>
+                    <a:bodyPr/>
+                    <a:lstStyle/>
+                    <a:p>
+                      <a:pPr marL="0" marR="0" indent="0" algn="ctr" fontAlgn="base" latinLnBrk="0">
+                        <a:lnSpc>
+                          <a:spcPct val="100000"/>
+                        </a:lnSpc>
+                        <a:spcBef>
+                          <a:spcPts val="0"/>
+                        </a:spcBef>
+                        <a:spcAft>
+                          <a:spcPts val="0"/>
+                        </a:spcAft>
+                      </a:pPr>
+                      <a:r>
+                        <a:rPr lang="ko-KR" altLang="en-US" sz="1050" b="1" kern="0" spc="0" dirty="0" err="1">
+                          <a:solidFill>
+                            <a:schemeClr val="bg1">
+                              <a:lumMod val="75000"/>
+                            </a:schemeClr>
+                          </a:solidFill>
+                          <a:effectLst/>
+                          <a:latin typeface="나눔바른고딕" panose="020B0603020101020101" pitchFamily="50" charset="-127"/>
+                          <a:ea typeface="나눔바른고딕" panose="020B0603020101020101" pitchFamily="50" charset="-127"/>
+                          <a:cs typeface="+mn-cs"/>
+                        </a:rPr>
+                        <a:t>확인중</a:t>
+                      </a:r>
+                      <a:endParaRPr lang="ko-KR" altLang="en-US" sz="1050" b="1" kern="0" spc="0" dirty="0">
+                        <a:solidFill>
+                          <a:schemeClr val="bg1">
+                            <a:lumMod val="75000"/>
+                          </a:schemeClr>
+                        </a:solidFill>
+                        <a:effectLst/>
+                        <a:latin typeface="나눔바른고딕" panose="020B0603020101020101" pitchFamily="50" charset="-127"/>
+                        <a:ea typeface="나눔바른고딕" panose="020B0603020101020101" pitchFamily="50" charset="-127"/>
+                        <a:cs typeface="+mn-cs"/>
+                      </a:endParaRPr>
+                    </a:p>
+                  </a:txBody>
+                  <a:tcPr marL="36000" marR="36000" marT="15709" marB="15709" anchor="ctr">
+                    <a:lnL w="12700" cap="flat" cmpd="sng" algn="ctr">
+                      <a:solidFill>
+                        <a:schemeClr val="bg1">
+                          <a:lumMod val="50000"/>
+                        </a:schemeClr>
+                      </a:solidFill>
+                      <a:prstDash val="solid"/>
+                      <a:round/>
+                      <a:headEnd type="none" w="med" len="med"/>
+                      <a:tailEnd type="none" w="med" len="med"/>
+                    </a:lnL>
+                    <a:lnR w="12700" cap="flat" cmpd="sng" algn="ctr">
+                      <a:solidFill>
+                        <a:schemeClr val="bg1">
+                          <a:lumMod val="50000"/>
+                        </a:schemeClr>
+                      </a:solidFill>
+                      <a:prstDash val="solid"/>
+                      <a:round/>
+                      <a:headEnd type="none" w="med" len="med"/>
+                      <a:tailEnd type="none" w="med" len="med"/>
+                    </a:lnR>
+                    <a:lnT w="12700" cap="flat" cmpd="sng" algn="ctr">
+                      <a:solidFill>
+                        <a:schemeClr val="bg1">
+                          <a:lumMod val="50000"/>
+                        </a:schemeClr>
+                      </a:solidFill>
+                      <a:prstDash val="solid"/>
+                      <a:round/>
+                      <a:headEnd type="none" w="med" len="med"/>
+                      <a:tailEnd type="none" w="med" len="med"/>
+                    </a:lnT>
+                    <a:lnB w="12700" cap="flat" cmpd="sng" algn="ctr">
+                      <a:solidFill>
+                        <a:schemeClr val="bg1">
+                          <a:lumMod val="50000"/>
+                        </a:schemeClr>
+                      </a:solidFill>
+                      <a:prstDash val="solid"/>
+                      <a:round/>
+                      <a:headEnd type="none" w="med" len="med"/>
+                      <a:tailEnd type="none" w="med" len="med"/>
+                    </a:lnB>
+                    <a:noFill/>
+                  </a:tcPr>
+                </a:tc>
+                <a:extLst>
+                  <a:ext uri="{0D108BD9-81ED-4DB2-BD59-A6C34878D82A}">
+                    <a16:rowId xmlns:a16="http://schemas.microsoft.com/office/drawing/2014/main" val="1863771119"/>
                   </a:ext>
                 </a:extLst>
               </a:tr>

--- a/images/update.pptx
+++ b/images/update.pptx
@@ -259,7 +259,7 @@
           <a:p>
             <a:fld id="{429AE3F6-67A9-4E6B-958C-6331EFEB065E}" type="datetimeFigureOut">
               <a:rPr lang="ko-KR" altLang="en-US" smtClean="0"/>
-              <a:t>2020-02-11</a:t>
+              <a:t>2020-02-13</a:t>
             </a:fld>
             <a:endParaRPr lang="ko-KR" altLang="en-US"/>
           </a:p>
@@ -457,7 +457,7 @@
           <a:p>
             <a:fld id="{429AE3F6-67A9-4E6B-958C-6331EFEB065E}" type="datetimeFigureOut">
               <a:rPr lang="ko-KR" altLang="en-US" smtClean="0"/>
-              <a:t>2020-02-11</a:t>
+              <a:t>2020-02-13</a:t>
             </a:fld>
             <a:endParaRPr lang="ko-KR" altLang="en-US"/>
           </a:p>
@@ -665,7 +665,7 @@
           <a:p>
             <a:fld id="{429AE3F6-67A9-4E6B-958C-6331EFEB065E}" type="datetimeFigureOut">
               <a:rPr lang="ko-KR" altLang="en-US" smtClean="0"/>
-              <a:t>2020-02-11</a:t>
+              <a:t>2020-02-13</a:t>
             </a:fld>
             <a:endParaRPr lang="ko-KR" altLang="en-US"/>
           </a:p>
@@ -863,7 +863,7 @@
           <a:p>
             <a:fld id="{429AE3F6-67A9-4E6B-958C-6331EFEB065E}" type="datetimeFigureOut">
               <a:rPr lang="ko-KR" altLang="en-US" smtClean="0"/>
-              <a:t>2020-02-11</a:t>
+              <a:t>2020-02-13</a:t>
             </a:fld>
             <a:endParaRPr lang="ko-KR" altLang="en-US"/>
           </a:p>
@@ -1138,7 +1138,7 @@
           <a:p>
             <a:fld id="{429AE3F6-67A9-4E6B-958C-6331EFEB065E}" type="datetimeFigureOut">
               <a:rPr lang="ko-KR" altLang="en-US" smtClean="0"/>
-              <a:t>2020-02-11</a:t>
+              <a:t>2020-02-13</a:t>
             </a:fld>
             <a:endParaRPr lang="ko-KR" altLang="en-US"/>
           </a:p>
@@ -1403,7 +1403,7 @@
           <a:p>
             <a:fld id="{429AE3F6-67A9-4E6B-958C-6331EFEB065E}" type="datetimeFigureOut">
               <a:rPr lang="ko-KR" altLang="en-US" smtClean="0"/>
-              <a:t>2020-02-11</a:t>
+              <a:t>2020-02-13</a:t>
             </a:fld>
             <a:endParaRPr lang="ko-KR" altLang="en-US"/>
           </a:p>
@@ -1815,7 +1815,7 @@
           <a:p>
             <a:fld id="{429AE3F6-67A9-4E6B-958C-6331EFEB065E}" type="datetimeFigureOut">
               <a:rPr lang="ko-KR" altLang="en-US" smtClean="0"/>
-              <a:t>2020-02-11</a:t>
+              <a:t>2020-02-13</a:t>
             </a:fld>
             <a:endParaRPr lang="ko-KR" altLang="en-US"/>
           </a:p>
@@ -1956,7 +1956,7 @@
           <a:p>
             <a:fld id="{429AE3F6-67A9-4E6B-958C-6331EFEB065E}" type="datetimeFigureOut">
               <a:rPr lang="ko-KR" altLang="en-US" smtClean="0"/>
-              <a:t>2020-02-11</a:t>
+              <a:t>2020-02-13</a:t>
             </a:fld>
             <a:endParaRPr lang="ko-KR" altLang="en-US"/>
           </a:p>
@@ -2069,7 +2069,7 @@
           <a:p>
             <a:fld id="{429AE3F6-67A9-4E6B-958C-6331EFEB065E}" type="datetimeFigureOut">
               <a:rPr lang="ko-KR" altLang="en-US" smtClean="0"/>
-              <a:t>2020-02-11</a:t>
+              <a:t>2020-02-13</a:t>
             </a:fld>
             <a:endParaRPr lang="ko-KR" altLang="en-US"/>
           </a:p>
@@ -2380,7 +2380,7 @@
           <a:p>
             <a:fld id="{429AE3F6-67A9-4E6B-958C-6331EFEB065E}" type="datetimeFigureOut">
               <a:rPr lang="ko-KR" altLang="en-US" smtClean="0"/>
-              <a:t>2020-02-11</a:t>
+              <a:t>2020-02-13</a:t>
             </a:fld>
             <a:endParaRPr lang="ko-KR" altLang="en-US"/>
           </a:p>
@@ -2668,7 +2668,7 @@
           <a:p>
             <a:fld id="{429AE3F6-67A9-4E6B-958C-6331EFEB065E}" type="datetimeFigureOut">
               <a:rPr lang="ko-KR" altLang="en-US" smtClean="0"/>
-              <a:t>2020-02-11</a:t>
+              <a:t>2020-02-13</a:t>
             </a:fld>
             <a:endParaRPr lang="ko-KR" altLang="en-US"/>
           </a:p>
@@ -2909,7 +2909,7 @@
           <a:p>
             <a:fld id="{429AE3F6-67A9-4E6B-958C-6331EFEB065E}" type="datetimeFigureOut">
               <a:rPr lang="ko-KR" altLang="en-US" smtClean="0"/>
-              <a:t>2020-02-11</a:t>
+              <a:t>2020-02-13</a:t>
             </a:fld>
             <a:endParaRPr lang="ko-KR" altLang="en-US"/>
           </a:p>
@@ -3341,7 +3341,7 @@
           <p:nvPr>
             <p:extLst>
               <p:ext uri="{D42A27DB-BD31-4B8C-83A1-F6EECF244321}">
-                <p14:modId xmlns:p14="http://schemas.microsoft.com/office/powerpoint/2010/main" val="2656205535"/>
+                <p14:modId xmlns:p14="http://schemas.microsoft.com/office/powerpoint/2010/main" val="2093835296"/>
               </p:ext>
             </p:extLst>
           </p:nvPr>
@@ -4317,7 +4317,7 @@
                           <a:latin typeface="나눔바른고딕" panose="020B0603020101020101" pitchFamily="50" charset="-127"/>
                           <a:ea typeface="나눔바른고딕" panose="020B0603020101020101" pitchFamily="50" charset="-127"/>
                         </a:rPr>
-                        <a:t>(1,769</a:t>
+                        <a:t>(1,784</a:t>
                       </a:r>
                       <a:r>
                         <a:rPr lang="ko-KR" altLang="en-US" sz="1100" b="1" kern="0" spc="0" dirty="0">
@@ -13815,7 +13815,7 @@
                           <a:latin typeface="나눔바른고딕" panose="020B0603020101020101" pitchFamily="50" charset="-127"/>
                           <a:ea typeface="나눔바른고딕" panose="020B0603020101020101" pitchFamily="50" charset="-127"/>
                         </a:rPr>
-                        <a:t>42</a:t>
+                        <a:t>422</a:t>
                       </a:r>
                     </a:p>
                   </a:txBody>
@@ -16928,7 +16928,7 @@
                           <a:ea typeface="나눔바른고딕" panose="020B0603020101020101" pitchFamily="50" charset="-127"/>
                           <a:cs typeface="+mn-cs"/>
                         </a:rPr>
-                        <a:t>441</a:t>
+                        <a:t>450</a:t>
                       </a:r>
                       <a:endParaRPr lang="ko-KR" altLang="en-US" sz="1050" b="1" kern="0" spc="0" dirty="0">
                         <a:solidFill>
@@ -19368,7 +19368,7 @@
                           <a:ea typeface="나눔바른고딕" panose="020B0603020101020101" pitchFamily="50" charset="-127"/>
                           <a:cs typeface="+mn-cs"/>
                         </a:rPr>
-                        <a:t>67</a:t>
+                        <a:t>68</a:t>
                       </a:r>
                       <a:endParaRPr lang="ko-KR" altLang="en-US" sz="1050" b="1" kern="0" spc="0" dirty="0">
                         <a:solidFill>
@@ -25724,7 +25724,7 @@
                           <a:ea typeface="나눔바른고딕" panose="020B0603020101020101" pitchFamily="50" charset="-127"/>
                           <a:cs typeface="+mn-cs"/>
                         </a:rPr>
-                        <a:t>34</a:t>
+                        <a:t>37</a:t>
                       </a:r>
                       <a:endParaRPr lang="ko-KR" altLang="en-US" sz="1050" b="1" kern="0" spc="0" dirty="0">
                         <a:solidFill>
@@ -26463,7 +26463,7 @@
                         </a:spcAft>
                       </a:pPr>
                       <a:r>
-                        <a:rPr lang="ko-KR" altLang="en-US" sz="1050" b="1" kern="0" spc="0" dirty="0" err="1">
+                        <a:rPr lang="en-US" altLang="ko-KR" sz="1050" b="1" kern="0" spc="0" dirty="0">
                           <a:solidFill>
                             <a:schemeClr val="bg1">
                               <a:lumMod val="75000"/>
@@ -26474,7 +26474,7 @@
                           <a:ea typeface="나눔바른고딕" panose="020B0603020101020101" pitchFamily="50" charset="-127"/>
                           <a:cs typeface="+mn-cs"/>
                         </a:rPr>
-                        <a:t>확인중</a:t>
+                        <a:t>1</a:t>
                       </a:r>
                       <a:endParaRPr lang="ko-KR" altLang="en-US" sz="1050" b="1" kern="0" spc="0" dirty="0">
                         <a:solidFill>

--- a/images/update.pptx
+++ b/images/update.pptx
@@ -259,7 +259,7 @@
           <a:p>
             <a:fld id="{429AE3F6-67A9-4E6B-958C-6331EFEB065E}" type="datetimeFigureOut">
               <a:rPr lang="ko-KR" altLang="en-US" smtClean="0"/>
-              <a:t>2020-02-13</a:t>
+              <a:t>2020-02-17</a:t>
             </a:fld>
             <a:endParaRPr lang="ko-KR" altLang="en-US"/>
           </a:p>
@@ -457,7 +457,7 @@
           <a:p>
             <a:fld id="{429AE3F6-67A9-4E6B-958C-6331EFEB065E}" type="datetimeFigureOut">
               <a:rPr lang="ko-KR" altLang="en-US" smtClean="0"/>
-              <a:t>2020-02-13</a:t>
+              <a:t>2020-02-17</a:t>
             </a:fld>
             <a:endParaRPr lang="ko-KR" altLang="en-US"/>
           </a:p>
@@ -665,7 +665,7 @@
           <a:p>
             <a:fld id="{429AE3F6-67A9-4E6B-958C-6331EFEB065E}" type="datetimeFigureOut">
               <a:rPr lang="ko-KR" altLang="en-US" smtClean="0"/>
-              <a:t>2020-02-13</a:t>
+              <a:t>2020-02-17</a:t>
             </a:fld>
             <a:endParaRPr lang="ko-KR" altLang="en-US"/>
           </a:p>
@@ -863,7 +863,7 @@
           <a:p>
             <a:fld id="{429AE3F6-67A9-4E6B-958C-6331EFEB065E}" type="datetimeFigureOut">
               <a:rPr lang="ko-KR" altLang="en-US" smtClean="0"/>
-              <a:t>2020-02-13</a:t>
+              <a:t>2020-02-17</a:t>
             </a:fld>
             <a:endParaRPr lang="ko-KR" altLang="en-US"/>
           </a:p>
@@ -1138,7 +1138,7 @@
           <a:p>
             <a:fld id="{429AE3F6-67A9-4E6B-958C-6331EFEB065E}" type="datetimeFigureOut">
               <a:rPr lang="ko-KR" altLang="en-US" smtClean="0"/>
-              <a:t>2020-02-13</a:t>
+              <a:t>2020-02-17</a:t>
             </a:fld>
             <a:endParaRPr lang="ko-KR" altLang="en-US"/>
           </a:p>
@@ -1403,7 +1403,7 @@
           <a:p>
             <a:fld id="{429AE3F6-67A9-4E6B-958C-6331EFEB065E}" type="datetimeFigureOut">
               <a:rPr lang="ko-KR" altLang="en-US" smtClean="0"/>
-              <a:t>2020-02-13</a:t>
+              <a:t>2020-02-17</a:t>
             </a:fld>
             <a:endParaRPr lang="ko-KR" altLang="en-US"/>
           </a:p>
@@ -1815,7 +1815,7 @@
           <a:p>
             <a:fld id="{429AE3F6-67A9-4E6B-958C-6331EFEB065E}" type="datetimeFigureOut">
               <a:rPr lang="ko-KR" altLang="en-US" smtClean="0"/>
-              <a:t>2020-02-13</a:t>
+              <a:t>2020-02-17</a:t>
             </a:fld>
             <a:endParaRPr lang="ko-KR" altLang="en-US"/>
           </a:p>
@@ -1956,7 +1956,7 @@
           <a:p>
             <a:fld id="{429AE3F6-67A9-4E6B-958C-6331EFEB065E}" type="datetimeFigureOut">
               <a:rPr lang="ko-KR" altLang="en-US" smtClean="0"/>
-              <a:t>2020-02-13</a:t>
+              <a:t>2020-02-17</a:t>
             </a:fld>
             <a:endParaRPr lang="ko-KR" altLang="en-US"/>
           </a:p>
@@ -2069,7 +2069,7 @@
           <a:p>
             <a:fld id="{429AE3F6-67A9-4E6B-958C-6331EFEB065E}" type="datetimeFigureOut">
               <a:rPr lang="ko-KR" altLang="en-US" smtClean="0"/>
-              <a:t>2020-02-13</a:t>
+              <a:t>2020-02-17</a:t>
             </a:fld>
             <a:endParaRPr lang="ko-KR" altLang="en-US"/>
           </a:p>
@@ -2380,7 +2380,7 @@
           <a:p>
             <a:fld id="{429AE3F6-67A9-4E6B-958C-6331EFEB065E}" type="datetimeFigureOut">
               <a:rPr lang="ko-KR" altLang="en-US" smtClean="0"/>
-              <a:t>2020-02-13</a:t>
+              <a:t>2020-02-17</a:t>
             </a:fld>
             <a:endParaRPr lang="ko-KR" altLang="en-US"/>
           </a:p>
@@ -2668,7 +2668,7 @@
           <a:p>
             <a:fld id="{429AE3F6-67A9-4E6B-958C-6331EFEB065E}" type="datetimeFigureOut">
               <a:rPr lang="ko-KR" altLang="en-US" smtClean="0"/>
-              <a:t>2020-02-13</a:t>
+              <a:t>2020-02-17</a:t>
             </a:fld>
             <a:endParaRPr lang="ko-KR" altLang="en-US"/>
           </a:p>
@@ -2909,7 +2909,7 @@
           <a:p>
             <a:fld id="{429AE3F6-67A9-4E6B-958C-6331EFEB065E}" type="datetimeFigureOut">
               <a:rPr lang="ko-KR" altLang="en-US" smtClean="0"/>
-              <a:t>2020-02-13</a:t>
+              <a:t>2020-02-17</a:t>
             </a:fld>
             <a:endParaRPr lang="ko-KR" altLang="en-US"/>
           </a:p>
@@ -3341,77 +3341,77 @@
           <p:nvPr>
             <p:extLst>
               <p:ext uri="{D42A27DB-BD31-4B8C-83A1-F6EECF244321}">
-                <p14:modId xmlns:p14="http://schemas.microsoft.com/office/powerpoint/2010/main" val="2093835296"/>
+                <p14:modId xmlns:p14="http://schemas.microsoft.com/office/powerpoint/2010/main" val="3598310809"/>
               </p:ext>
             </p:extLst>
           </p:nvPr>
         </p:nvGraphicFramePr>
         <p:xfrm>
-          <a:off x="3813874" y="0"/>
-          <a:ext cx="5212897" cy="8518709"/>
+          <a:off x="3396344" y="0"/>
+          <a:ext cx="5630428" cy="9094709"/>
         </p:xfrm>
         <a:graphic>
           <a:graphicData uri="http://schemas.openxmlformats.org/drawingml/2006/table">
             <a:tbl>
               <a:tblPr/>
               <a:tblGrid>
-                <a:gridCol w="434629">
+                <a:gridCol w="469441">
                   <a:extLst>
                     <a:ext uri="{9D8B030D-6E8A-4147-A177-3AD203B41FA5}">
                       <a16:colId xmlns:a16="http://schemas.microsoft.com/office/drawing/2014/main" val="1158775166"/>
                     </a:ext>
                   </a:extLst>
                 </a:gridCol>
-                <a:gridCol w="412710">
+                <a:gridCol w="445766">
                   <a:extLst>
                     <a:ext uri="{9D8B030D-6E8A-4147-A177-3AD203B41FA5}">
                       <a16:colId xmlns:a16="http://schemas.microsoft.com/office/drawing/2014/main" val="2043008770"/>
                     </a:ext>
                   </a:extLst>
                 </a:gridCol>
-                <a:gridCol w="412710">
+                <a:gridCol w="445766">
                   <a:extLst>
                     <a:ext uri="{9D8B030D-6E8A-4147-A177-3AD203B41FA5}">
                       <a16:colId xmlns:a16="http://schemas.microsoft.com/office/drawing/2014/main" val="563148870"/>
                     </a:ext>
                   </a:extLst>
                 </a:gridCol>
-                <a:gridCol w="558666">
+                <a:gridCol w="603413">
                   <a:extLst>
                     <a:ext uri="{9D8B030D-6E8A-4147-A177-3AD203B41FA5}">
                       <a16:colId xmlns:a16="http://schemas.microsoft.com/office/drawing/2014/main" val="3860621261"/>
                     </a:ext>
                   </a:extLst>
                 </a:gridCol>
-                <a:gridCol w="452935">
+                <a:gridCol w="489213">
                   <a:extLst>
                     <a:ext uri="{9D8B030D-6E8A-4147-A177-3AD203B41FA5}">
                       <a16:colId xmlns:a16="http://schemas.microsoft.com/office/drawing/2014/main" val="4109762151"/>
                     </a:ext>
                   </a:extLst>
                 </a:gridCol>
-                <a:gridCol w="585531">
+                <a:gridCol w="632430">
                   <a:extLst>
                     <a:ext uri="{9D8B030D-6E8A-4147-A177-3AD203B41FA5}">
                       <a16:colId xmlns:a16="http://schemas.microsoft.com/office/drawing/2014/main" val="2003688482"/>
                     </a:ext>
                   </a:extLst>
                 </a:gridCol>
-                <a:gridCol w="585531">
+                <a:gridCol w="632430">
                   <a:extLst>
                     <a:ext uri="{9D8B030D-6E8A-4147-A177-3AD203B41FA5}">
                       <a16:colId xmlns:a16="http://schemas.microsoft.com/office/drawing/2014/main" val="3961368747"/>
                     </a:ext>
                   </a:extLst>
                 </a:gridCol>
-                <a:gridCol w="1090246">
+                <a:gridCol w="1177570">
                   <a:extLst>
                     <a:ext uri="{9D8B030D-6E8A-4147-A177-3AD203B41FA5}">
                       <a16:colId xmlns:a16="http://schemas.microsoft.com/office/drawing/2014/main" val="1959172409"/>
                     </a:ext>
                   </a:extLst>
                 </a:gridCol>
-                <a:gridCol w="679939">
+                <a:gridCol w="734399">
                   <a:extLst>
                     <a:ext uri="{9D8B030D-6E8A-4147-A177-3AD203B41FA5}">
                       <a16:colId xmlns:a16="http://schemas.microsoft.com/office/drawing/2014/main" val="4223562706"/>
@@ -4317,7 +4317,7 @@
                           <a:latin typeface="나눔바른고딕" panose="020B0603020101020101" pitchFamily="50" charset="-127"/>
                           <a:ea typeface="나눔바른고딕" panose="020B0603020101020101" pitchFamily="50" charset="-127"/>
                         </a:rPr>
-                        <a:t>(1,784</a:t>
+                        <a:t>(1,900</a:t>
                       </a:r>
                       <a:r>
                         <a:rPr lang="ko-KR" altLang="en-US" sz="1100" b="1" kern="0" spc="0" dirty="0">
@@ -5031,7 +5031,7 @@
                         </a:spcAft>
                       </a:pPr>
                       <a:r>
-                        <a:rPr lang="ko-KR" altLang="en-US" sz="1000" b="1" kern="0" spc="0">
+                        <a:rPr lang="ko-KR" altLang="en-US" sz="1000" b="1" kern="0" spc="0" dirty="0">
                           <a:solidFill>
                             <a:schemeClr val="bg1">
                               <a:lumMod val="75000"/>
@@ -5042,19 +5042,8 @@
                           <a:ea typeface="나눔바른고딕" panose="020B0603020101020101" pitchFamily="50" charset="-127"/>
                           <a:cs typeface="+mn-cs"/>
                         </a:rPr>
-                        <a:t>인천의료원</a:t>
-                      </a:r>
-                      <a:endParaRPr lang="ko-KR" altLang="en-US" sz="1000" b="1" kern="0" spc="0" dirty="0">
-                        <a:solidFill>
-                          <a:schemeClr val="bg1">
-                            <a:lumMod val="75000"/>
-                          </a:schemeClr>
-                        </a:solidFill>
-                        <a:effectLst/>
-                        <a:latin typeface="나눔바른고딕" panose="020B0603020101020101" pitchFamily="50" charset="-127"/>
-                        <a:ea typeface="나눔바른고딕" panose="020B0603020101020101" pitchFamily="50" charset="-127"/>
-                        <a:cs typeface="+mn-cs"/>
-                      </a:endParaRPr>
+                        <a:t>격리해제</a:t>
+                      </a:r>
                     </a:p>
                   </a:txBody>
                   <a:tcPr marL="36000" marR="36000" marT="15709" marB="15709" anchor="ctr">
@@ -5122,7 +5111,7 @@
                         </a:spcAft>
                       </a:pPr>
                       <a:r>
-                        <a:rPr lang="en-US" sz="1050" kern="0" spc="0">
+                        <a:rPr lang="en-US" sz="1050" kern="0" spc="0" dirty="0">
                           <a:solidFill>
                             <a:schemeClr val="bg1">
                               <a:lumMod val="75000"/>
@@ -5134,16 +5123,6 @@
                         </a:rPr>
                         <a:t>45</a:t>
                       </a:r>
-                      <a:endParaRPr lang="en-US" sz="1050" kern="0" spc="0" dirty="0">
-                        <a:solidFill>
-                          <a:schemeClr val="bg1">
-                            <a:lumMod val="75000"/>
-                          </a:schemeClr>
-                        </a:solidFill>
-                        <a:effectLst/>
-                        <a:latin typeface="나눔바른고딕" panose="020B0603020101020101" pitchFamily="50" charset="-127"/>
-                        <a:ea typeface="나눔바른고딕" panose="020B0603020101020101" pitchFamily="50" charset="-127"/>
-                      </a:endParaRPr>
                     </a:p>
                   </a:txBody>
                   <a:tcPr marL="36000" marR="36000" marT="15709" marB="15709" anchor="ctr">
@@ -5822,7 +5801,7 @@
                         </a:spcAft>
                       </a:pPr>
                       <a:r>
-                        <a:rPr lang="ko-KR" altLang="en-US" sz="1000" b="1" kern="0" spc="0">
+                        <a:rPr lang="ko-KR" altLang="en-US" sz="1000" b="1" kern="0" spc="0" dirty="0">
                           <a:solidFill>
                             <a:schemeClr val="bg1">
                               <a:lumMod val="75000"/>
@@ -5833,19 +5812,8 @@
                           <a:ea typeface="나눔바른고딕" panose="020B0603020101020101" pitchFamily="50" charset="-127"/>
                           <a:cs typeface="+mn-cs"/>
                         </a:rPr>
-                        <a:t>국립중앙의료원</a:t>
-                      </a:r>
-                      <a:endParaRPr lang="ko-KR" altLang="en-US" sz="1000" b="1" kern="0" spc="0" dirty="0">
-                        <a:solidFill>
-                          <a:schemeClr val="bg1">
-                            <a:lumMod val="75000"/>
-                          </a:schemeClr>
-                        </a:solidFill>
-                        <a:effectLst/>
-                        <a:latin typeface="나눔바른고딕" panose="020B0603020101020101" pitchFamily="50" charset="-127"/>
-                        <a:ea typeface="나눔바른고딕" panose="020B0603020101020101" pitchFamily="50" charset="-127"/>
-                        <a:cs typeface="+mn-cs"/>
-                      </a:endParaRPr>
+                        <a:t>격리해제</a:t>
+                      </a:r>
                     </a:p>
                   </a:txBody>
                   <a:tcPr marL="36000" marR="36000" marT="15709" marB="15709" anchor="ctr">
@@ -5913,7 +5881,7 @@
                         </a:spcAft>
                       </a:pPr>
                       <a:r>
-                        <a:rPr lang="en-US" sz="1050" kern="0" spc="0">
+                        <a:rPr lang="en-US" sz="1050" kern="0" spc="0" dirty="0">
                           <a:solidFill>
                             <a:schemeClr val="bg1">
                               <a:lumMod val="75000"/>
@@ -5925,16 +5893,6 @@
                         </a:rPr>
                         <a:t>75</a:t>
                       </a:r>
-                      <a:endParaRPr lang="en-US" sz="1050" kern="0" spc="0" dirty="0">
-                        <a:solidFill>
-                          <a:schemeClr val="bg1">
-                            <a:lumMod val="75000"/>
-                          </a:schemeClr>
-                        </a:solidFill>
-                        <a:effectLst/>
-                        <a:latin typeface="나눔바른고딕" panose="020B0603020101020101" pitchFamily="50" charset="-127"/>
-                        <a:ea typeface="나눔바른고딕" panose="020B0603020101020101" pitchFamily="50" charset="-127"/>
-                      </a:endParaRPr>
                     </a:p>
                   </a:txBody>
                   <a:tcPr marL="36000" marR="36000" marT="15709" marB="15709" anchor="ctr">
@@ -6613,7 +6571,7 @@
                         </a:spcAft>
                       </a:pPr>
                       <a:r>
-                        <a:rPr lang="ko-KR" altLang="en-US" sz="1000" b="1" kern="0" spc="0">
+                        <a:rPr lang="ko-KR" altLang="en-US" sz="1000" b="1" kern="0" spc="0" dirty="0">
                           <a:solidFill>
                             <a:schemeClr val="bg1">
                               <a:lumMod val="75000"/>
@@ -6624,7 +6582,7 @@
                           <a:ea typeface="나눔바른고딕" panose="020B0603020101020101" pitchFamily="50" charset="-127"/>
                           <a:cs typeface="+mn-cs"/>
                         </a:rPr>
-                        <a:t>명지병원</a:t>
+                        <a:t>격리해제</a:t>
                       </a:r>
                     </a:p>
                   </a:txBody>
@@ -6693,7 +6651,7 @@
                         </a:spcAft>
                       </a:pPr>
                       <a:r>
-                        <a:rPr lang="en-US" sz="1050" kern="0" spc="0">
+                        <a:rPr lang="en-US" sz="1050" kern="0" spc="0" dirty="0">
                           <a:solidFill>
                             <a:schemeClr val="bg1">
                               <a:lumMod val="75000"/>
@@ -6705,16 +6663,6 @@
                         </a:rPr>
                         <a:t>16</a:t>
                       </a:r>
-                      <a:endParaRPr lang="en-US" sz="1050" kern="0" spc="0" dirty="0">
-                        <a:solidFill>
-                          <a:schemeClr val="bg1">
-                            <a:lumMod val="75000"/>
-                          </a:schemeClr>
-                        </a:solidFill>
-                        <a:effectLst/>
-                        <a:latin typeface="나눔바른고딕" panose="020B0603020101020101" pitchFamily="50" charset="-127"/>
-                        <a:ea typeface="나눔바른고딕" panose="020B0603020101020101" pitchFamily="50" charset="-127"/>
-                      </a:endParaRPr>
                     </a:p>
                   </a:txBody>
                   <a:tcPr marL="36000" marR="36000" marT="15709" marB="15709" anchor="ctr">
@@ -7393,7 +7341,7 @@
                         </a:spcAft>
                       </a:pPr>
                       <a:r>
-                        <a:rPr lang="ko-KR" altLang="en-US" sz="1000" b="1" kern="0" spc="0">
+                        <a:rPr lang="ko-KR" altLang="en-US" sz="1000" b="1" kern="0" spc="0" dirty="0">
                           <a:solidFill>
                             <a:schemeClr val="bg1">
                               <a:lumMod val="75000"/>
@@ -7404,19 +7352,8 @@
                           <a:ea typeface="나눔바른고딕" panose="020B0603020101020101" pitchFamily="50" charset="-127"/>
                           <a:cs typeface="+mn-cs"/>
                         </a:rPr>
-                        <a:t>분당서울대병원</a:t>
-                      </a:r>
-                      <a:endParaRPr lang="ko-KR" altLang="en-US" sz="1000" b="1" kern="0" spc="0" dirty="0">
-                        <a:solidFill>
-                          <a:schemeClr val="bg1">
-                            <a:lumMod val="75000"/>
-                          </a:schemeClr>
-                        </a:solidFill>
-                        <a:effectLst/>
-                        <a:latin typeface="나눔바른고딕" panose="020B0603020101020101" pitchFamily="50" charset="-127"/>
-                        <a:ea typeface="나눔바른고딕" panose="020B0603020101020101" pitchFamily="50" charset="-127"/>
-                        <a:cs typeface="+mn-cs"/>
-                      </a:endParaRPr>
+                        <a:t>격리해제</a:t>
+                      </a:r>
                     </a:p>
                   </a:txBody>
                   <a:tcPr marL="36000" marR="36000" marT="15709" marB="15709" anchor="ctr">
@@ -7484,7 +7421,7 @@
                         </a:spcAft>
                       </a:pPr>
                       <a:r>
-                        <a:rPr lang="en-US" sz="1050" kern="0" spc="0">
+                        <a:rPr lang="en-US" sz="1050" kern="0" spc="0" dirty="0">
                           <a:solidFill>
                             <a:schemeClr val="bg1">
                               <a:lumMod val="75000"/>
@@ -7496,16 +7433,6 @@
                         </a:rPr>
                         <a:t>95</a:t>
                       </a:r>
-                      <a:endParaRPr lang="en-US" sz="1050" kern="0" spc="0" dirty="0">
-                        <a:solidFill>
-                          <a:schemeClr val="bg1">
-                            <a:lumMod val="75000"/>
-                          </a:schemeClr>
-                        </a:solidFill>
-                        <a:effectLst/>
-                        <a:latin typeface="나눔바른고딕" panose="020B0603020101020101" pitchFamily="50" charset="-127"/>
-                        <a:ea typeface="나눔바른고딕" panose="020B0603020101020101" pitchFamily="50" charset="-127"/>
-                      </a:endParaRPr>
                     </a:p>
                   </a:txBody>
                   <a:tcPr marL="36000" marR="36000" marT="15709" marB="15709" anchor="ctr">
@@ -9768,7 +9695,7 @@
                         </a:spcAft>
                       </a:pPr>
                       <a:r>
-                        <a:rPr lang="ko-KR" altLang="en-US" sz="1000" b="1" kern="0" spc="0">
+                        <a:rPr lang="ko-KR" altLang="en-US" sz="1000" b="1" kern="0" spc="0" dirty="0">
                           <a:solidFill>
                             <a:schemeClr val="bg1">
                               <a:lumMod val="75000"/>
@@ -9779,19 +9706,8 @@
                           <a:ea typeface="나눔바른고딕" panose="020B0603020101020101" pitchFamily="50" charset="-127"/>
                           <a:cs typeface="+mn-cs"/>
                         </a:rPr>
-                        <a:t>서울의료원</a:t>
-                      </a:r>
-                      <a:endParaRPr lang="ko-KR" altLang="en-US" sz="1000" b="1" kern="0" spc="0" dirty="0">
-                        <a:solidFill>
-                          <a:schemeClr val="bg1">
-                            <a:lumMod val="75000"/>
-                          </a:schemeClr>
-                        </a:solidFill>
-                        <a:effectLst/>
-                        <a:latin typeface="나눔바른고딕" panose="020B0603020101020101" pitchFamily="50" charset="-127"/>
-                        <a:ea typeface="나눔바른고딕" panose="020B0603020101020101" pitchFamily="50" charset="-127"/>
-                        <a:cs typeface="+mn-cs"/>
-                      </a:endParaRPr>
+                        <a:t>격리해제</a:t>
+                      </a:r>
                     </a:p>
                   </a:txBody>
                   <a:tcPr marL="36000" marR="36000" marT="15709" marB="15709" anchor="ctr">
@@ -10549,7 +10465,7 @@
                         </a:spcAft>
                       </a:pPr>
                       <a:r>
-                        <a:rPr lang="ko-KR" altLang="en-US" sz="1000" b="1" kern="0" spc="0">
+                        <a:rPr lang="ko-KR" altLang="en-US" sz="1000" b="1" kern="0" spc="0" dirty="0">
                           <a:solidFill>
                             <a:schemeClr val="bg1">
                               <a:lumMod val="75000"/>
@@ -10560,19 +10476,8 @@
                           <a:ea typeface="나눔바른고딕" panose="020B0603020101020101" pitchFamily="50" charset="-127"/>
                           <a:cs typeface="+mn-cs"/>
                         </a:rPr>
-                        <a:t>원광대병원</a:t>
-                      </a:r>
-                      <a:endParaRPr lang="ko-KR" altLang="en-US" sz="1000" b="1" kern="0" spc="0" dirty="0">
-                        <a:solidFill>
-                          <a:schemeClr val="bg1">
-                            <a:lumMod val="75000"/>
-                          </a:schemeClr>
-                        </a:solidFill>
-                        <a:effectLst/>
-                        <a:latin typeface="나눔바른고딕" panose="020B0603020101020101" pitchFamily="50" charset="-127"/>
-                        <a:ea typeface="나눔바른고딕" panose="020B0603020101020101" pitchFamily="50" charset="-127"/>
-                        <a:cs typeface="+mn-cs"/>
-                      </a:endParaRPr>
+                        <a:t>격리해제</a:t>
+                      </a:r>
                     </a:p>
                   </a:txBody>
                   <a:tcPr marL="36000" marR="36000" marT="15709" marB="15709" anchor="ctr">
@@ -12925,7 +12830,7 @@
                         </a:spcAft>
                       </a:pPr>
                       <a:r>
-                        <a:rPr lang="ko-KR" altLang="en-US" sz="1000" b="1" kern="0" spc="0">
+                        <a:rPr lang="ko-KR" altLang="en-US" sz="1000" b="1" kern="0" spc="0" dirty="0">
                           <a:solidFill>
                             <a:schemeClr val="bg1">
                               <a:lumMod val="75000"/>
@@ -12936,19 +12841,8 @@
                           <a:ea typeface="나눔바른고딕" panose="020B0603020101020101" pitchFamily="50" charset="-127"/>
                           <a:cs typeface="+mn-cs"/>
                         </a:rPr>
-                        <a:t>서울대병원</a:t>
-                      </a:r>
-                      <a:endParaRPr lang="ko-KR" altLang="en-US" sz="1000" b="1" kern="0" spc="0" dirty="0">
-                        <a:solidFill>
-                          <a:schemeClr val="bg1">
-                            <a:lumMod val="75000"/>
-                          </a:schemeClr>
-                        </a:solidFill>
-                        <a:effectLst/>
-                        <a:latin typeface="나눔바른고딕" panose="020B0603020101020101" pitchFamily="50" charset="-127"/>
-                        <a:ea typeface="나눔바른고딕" panose="020B0603020101020101" pitchFamily="50" charset="-127"/>
-                        <a:cs typeface="+mn-cs"/>
-                      </a:endParaRPr>
+                        <a:t>격리해제</a:t>
+                      </a:r>
                     </a:p>
                   </a:txBody>
                   <a:tcPr marL="36000" marR="36000" marT="15709" marB="15709" anchor="ctr">
@@ -13016,7 +12910,7 @@
                         </a:spcAft>
                       </a:pPr>
                       <a:r>
-                        <a:rPr lang="en-US" sz="1050" kern="0" spc="0">
+                        <a:rPr lang="en-US" sz="1050" kern="0" spc="0" dirty="0">
                           <a:solidFill>
                             <a:schemeClr val="bg1">
                               <a:lumMod val="75000"/>
@@ -13028,16 +12922,6 @@
                         </a:rPr>
                         <a:t>0</a:t>
                       </a:r>
-                      <a:endParaRPr lang="en-US" sz="1050" kern="0" spc="0" dirty="0">
-                        <a:solidFill>
-                          <a:schemeClr val="bg1">
-                            <a:lumMod val="75000"/>
-                          </a:schemeClr>
-                        </a:solidFill>
-                        <a:effectLst/>
-                        <a:latin typeface="나눔바른고딕" panose="020B0603020101020101" pitchFamily="50" charset="-127"/>
-                        <a:ea typeface="나눔바른고딕" panose="020B0603020101020101" pitchFamily="50" charset="-127"/>
-                      </a:endParaRPr>
                     </a:p>
                   </a:txBody>
                   <a:tcPr marL="36000" marR="36000" marT="15709" marB="15709" anchor="ctr">
@@ -17647,7 +17531,7 @@
                         </a:spcAft>
                       </a:pPr>
                       <a:r>
-                        <a:rPr lang="ko-KR" altLang="en-US" sz="1000" b="1" kern="0" spc="0">
+                        <a:rPr lang="ko-KR" altLang="en-US" sz="1000" b="1" kern="0" spc="0" dirty="0">
                           <a:solidFill>
                             <a:schemeClr val="bg1">
                               <a:lumMod val="75000"/>
@@ -17658,19 +17542,8 @@
                           <a:ea typeface="나눔바른고딕" panose="020B0603020101020101" pitchFamily="50" charset="-127"/>
                           <a:cs typeface="+mn-cs"/>
                         </a:rPr>
-                        <a:t>명지병원</a:t>
-                      </a:r>
-                      <a:endParaRPr lang="ko-KR" altLang="en-US" sz="1000" b="1" kern="0" spc="0" dirty="0">
-                        <a:solidFill>
-                          <a:schemeClr val="bg1">
-                            <a:lumMod val="75000"/>
-                          </a:schemeClr>
-                        </a:solidFill>
-                        <a:effectLst/>
-                        <a:latin typeface="나눔바른고딕" panose="020B0603020101020101" pitchFamily="50" charset="-127"/>
-                        <a:ea typeface="나눔바른고딕" panose="020B0603020101020101" pitchFamily="50" charset="-127"/>
-                        <a:cs typeface="+mn-cs"/>
-                      </a:endParaRPr>
+                        <a:t>격리해제</a:t>
+                      </a:r>
                     </a:p>
                   </a:txBody>
                   <a:tcPr marL="36000" marR="36000" marT="15709" marB="15709" anchor="ctr">
@@ -17738,7 +17611,7 @@
                         </a:spcAft>
                       </a:pPr>
                       <a:r>
-                        <a:rPr lang="en-US" altLang="ko-KR" sz="1050" b="1" kern="0" spc="0">
+                        <a:rPr lang="en-US" altLang="ko-KR" sz="1050" b="1" kern="0" spc="0" dirty="0">
                           <a:solidFill>
                             <a:schemeClr val="bg1">
                               <a:lumMod val="75000"/>
@@ -21692,7 +21565,7 @@
                         </a:spcAft>
                       </a:pPr>
                       <a:r>
-                        <a:rPr lang="ko-KR" altLang="en-US" sz="1000" b="1" kern="0" spc="0">
+                        <a:rPr lang="ko-KR" altLang="en-US" sz="1000" b="1" kern="0" spc="0" dirty="0">
                           <a:solidFill>
                             <a:schemeClr val="bg1">
                               <a:lumMod val="75000"/>
@@ -21703,19 +21576,8 @@
                           <a:ea typeface="나눔바른고딕" panose="020B0603020101020101" pitchFamily="50" charset="-127"/>
                           <a:cs typeface="+mn-cs"/>
                         </a:rPr>
-                        <a:t>조선대병원</a:t>
-                      </a:r>
-                      <a:endParaRPr lang="ko-KR" altLang="en-US" sz="1000" b="1" kern="0" spc="0" dirty="0">
-                        <a:solidFill>
-                          <a:schemeClr val="bg1">
-                            <a:lumMod val="75000"/>
-                          </a:schemeClr>
-                        </a:solidFill>
-                        <a:effectLst/>
-                        <a:latin typeface="나눔바른고딕" panose="020B0603020101020101" pitchFamily="50" charset="-127"/>
-                        <a:ea typeface="나눔바른고딕" panose="020B0603020101020101" pitchFamily="50" charset="-127"/>
-                        <a:cs typeface="+mn-cs"/>
-                      </a:endParaRPr>
+                        <a:t>격리해제</a:t>
+                      </a:r>
                     </a:p>
                   </a:txBody>
                   <a:tcPr marL="36000" marR="36000" marT="15709" marB="15709" anchor="ctr">
@@ -23419,7 +23281,7 @@
                         </a:spcAft>
                       </a:pPr>
                       <a:r>
-                        <a:rPr lang="en-US" altLang="ko-KR" sz="1050" b="1" kern="0" spc="0">
+                        <a:rPr lang="en-US" altLang="ko-KR" sz="1050" b="1" kern="0" spc="0" dirty="0">
                           <a:solidFill>
                             <a:schemeClr val="bg1">
                               <a:lumMod val="75000"/>
@@ -25724,7 +25586,7 @@
                           <a:ea typeface="나눔바른고딕" panose="020B0603020101020101" pitchFamily="50" charset="-127"/>
                           <a:cs typeface="+mn-cs"/>
                         </a:rPr>
-                        <a:t>37</a:t>
+                        <a:t>39</a:t>
                       </a:r>
                       <a:endParaRPr lang="ko-KR" altLang="en-US" sz="1050" b="1" kern="0" spc="0" dirty="0">
                         <a:solidFill>
@@ -26394,7 +26256,7 @@
                           <a:ea typeface="나눔바른고딕" panose="020B0603020101020101" pitchFamily="50" charset="-127"/>
                           <a:cs typeface="+mn-cs"/>
                         </a:rPr>
-                        <a:t>명지병원</a:t>
+                        <a:t>격리해제</a:t>
                       </a:r>
                     </a:p>
                   </a:txBody>
@@ -26540,6 +26402,1506 @@
                 <a:extLst>
                   <a:ext uri="{0D108BD9-81ED-4DB2-BD59-A6C34878D82A}">
                     <a16:rowId xmlns:a16="http://schemas.microsoft.com/office/drawing/2014/main" val="1863771119"/>
+                  </a:ext>
+                </a:extLst>
+              </a:tr>
+              <a:tr h="288000">
+                <a:tc>
+                  <a:txBody>
+                    <a:bodyPr/>
+                    <a:lstStyle/>
+                    <a:p>
+                      <a:pPr marL="0" marR="0" indent="0" algn="ctr" fontAlgn="base" latinLnBrk="0">
+                        <a:lnSpc>
+                          <a:spcPct val="100000"/>
+                        </a:lnSpc>
+                        <a:spcBef>
+                          <a:spcPts val="0"/>
+                        </a:spcBef>
+                        <a:spcAft>
+                          <a:spcPts val="0"/>
+                        </a:spcAft>
+                      </a:pPr>
+                      <a:r>
+                        <a:rPr lang="en-US" sz="1050" b="1" kern="0" spc="0" dirty="0">
+                          <a:solidFill>
+                            <a:schemeClr val="bg1">
+                              <a:lumMod val="75000"/>
+                            </a:schemeClr>
+                          </a:solidFill>
+                          <a:effectLst/>
+                          <a:latin typeface="나눔바른고딕" panose="020B0603020101020101" pitchFamily="50" charset="-127"/>
+                          <a:ea typeface="나눔바른고딕" panose="020B0603020101020101" pitchFamily="50" charset="-127"/>
+                          <a:cs typeface="+mn-cs"/>
+                        </a:rPr>
+                        <a:t>29</a:t>
+                      </a:r>
+                    </a:p>
+                  </a:txBody>
+                  <a:tcPr marL="36000" marR="36000" marT="15709" marB="15709" anchor="ctr">
+                    <a:lnL w="12700" cap="flat" cmpd="sng" algn="ctr">
+                      <a:solidFill>
+                        <a:schemeClr val="bg1">
+                          <a:lumMod val="50000"/>
+                        </a:schemeClr>
+                      </a:solidFill>
+                      <a:prstDash val="solid"/>
+                      <a:round/>
+                      <a:headEnd type="none" w="med" len="med"/>
+                      <a:tailEnd type="none" w="med" len="med"/>
+                    </a:lnL>
+                    <a:lnR w="12700" cap="flat" cmpd="sng" algn="ctr">
+                      <a:solidFill>
+                        <a:schemeClr val="bg1">
+                          <a:lumMod val="50000"/>
+                        </a:schemeClr>
+                      </a:solidFill>
+                      <a:prstDash val="solid"/>
+                      <a:round/>
+                      <a:headEnd type="none" w="med" len="med"/>
+                      <a:tailEnd type="none" w="med" len="med"/>
+                    </a:lnR>
+                    <a:lnT w="12700" cap="flat" cmpd="sng" algn="ctr">
+                      <a:solidFill>
+                        <a:schemeClr val="bg1">
+                          <a:lumMod val="50000"/>
+                        </a:schemeClr>
+                      </a:solidFill>
+                      <a:prstDash val="solid"/>
+                      <a:round/>
+                      <a:headEnd type="none" w="med" len="med"/>
+                      <a:tailEnd type="none" w="med" len="med"/>
+                    </a:lnT>
+                    <a:lnB w="12700" cap="flat" cmpd="sng" algn="ctr">
+                      <a:solidFill>
+                        <a:schemeClr val="bg1">
+                          <a:lumMod val="50000"/>
+                        </a:schemeClr>
+                      </a:solidFill>
+                      <a:prstDash val="solid"/>
+                      <a:round/>
+                      <a:headEnd type="none" w="med" len="med"/>
+                      <a:tailEnd type="none" w="med" len="med"/>
+                    </a:lnB>
+                    <a:noFill/>
+                  </a:tcPr>
+                </a:tc>
+                <a:tc>
+                  <a:txBody>
+                    <a:bodyPr/>
+                    <a:lstStyle/>
+                    <a:p>
+                      <a:pPr marL="0" marR="0" indent="0" algn="ctr" fontAlgn="base" latinLnBrk="0">
+                        <a:lnSpc>
+                          <a:spcPct val="100000"/>
+                        </a:lnSpc>
+                        <a:spcBef>
+                          <a:spcPts val="0"/>
+                        </a:spcBef>
+                        <a:spcAft>
+                          <a:spcPts val="0"/>
+                        </a:spcAft>
+                      </a:pPr>
+                      <a:r>
+                        <a:rPr lang="ko-KR" altLang="en-US" sz="1050" b="1" kern="0" spc="0" dirty="0">
+                          <a:solidFill>
+                            <a:schemeClr val="bg1">
+                              <a:lumMod val="75000"/>
+                            </a:schemeClr>
+                          </a:solidFill>
+                          <a:effectLst/>
+                          <a:latin typeface="나눔바른고딕" panose="020B0603020101020101" pitchFamily="50" charset="-127"/>
+                          <a:ea typeface="나눔바른고딕" panose="020B0603020101020101" pitchFamily="50" charset="-127"/>
+                          <a:cs typeface="+mn-cs"/>
+                        </a:rPr>
+                        <a:t>남</a:t>
+                      </a:r>
+                    </a:p>
+                  </a:txBody>
+                  <a:tcPr marL="36000" marR="36000" marT="15709" marB="15709" anchor="ctr">
+                    <a:lnL w="12700" cap="flat" cmpd="sng" algn="ctr">
+                      <a:solidFill>
+                        <a:schemeClr val="bg1">
+                          <a:lumMod val="50000"/>
+                        </a:schemeClr>
+                      </a:solidFill>
+                      <a:prstDash val="solid"/>
+                      <a:round/>
+                      <a:headEnd type="none" w="med" len="med"/>
+                      <a:tailEnd type="none" w="med" len="med"/>
+                    </a:lnL>
+                    <a:lnR w="12700" cap="flat" cmpd="sng" algn="ctr">
+                      <a:solidFill>
+                        <a:schemeClr val="bg1">
+                          <a:lumMod val="50000"/>
+                        </a:schemeClr>
+                      </a:solidFill>
+                      <a:prstDash val="solid"/>
+                      <a:round/>
+                      <a:headEnd type="none" w="med" len="med"/>
+                      <a:tailEnd type="none" w="med" len="med"/>
+                    </a:lnR>
+                    <a:lnT w="12700" cap="flat" cmpd="sng" algn="ctr">
+                      <a:solidFill>
+                        <a:schemeClr val="bg1">
+                          <a:lumMod val="50000"/>
+                        </a:schemeClr>
+                      </a:solidFill>
+                      <a:prstDash val="solid"/>
+                      <a:round/>
+                      <a:headEnd type="none" w="med" len="med"/>
+                      <a:tailEnd type="none" w="med" len="med"/>
+                    </a:lnT>
+                    <a:lnB w="12700" cap="flat" cmpd="sng" algn="ctr">
+                      <a:solidFill>
+                        <a:schemeClr val="bg1">
+                          <a:lumMod val="50000"/>
+                        </a:schemeClr>
+                      </a:solidFill>
+                      <a:prstDash val="solid"/>
+                      <a:round/>
+                      <a:headEnd type="none" w="med" len="med"/>
+                      <a:tailEnd type="none" w="med" len="med"/>
+                    </a:lnB>
+                    <a:noFill/>
+                  </a:tcPr>
+                </a:tc>
+                <a:tc>
+                  <a:txBody>
+                    <a:bodyPr/>
+                    <a:lstStyle/>
+                    <a:p>
+                      <a:pPr marL="0" marR="0" indent="0" algn="ctr" fontAlgn="base" latinLnBrk="0">
+                        <a:lnSpc>
+                          <a:spcPct val="100000"/>
+                        </a:lnSpc>
+                        <a:spcBef>
+                          <a:spcPts val="0"/>
+                        </a:spcBef>
+                        <a:spcAft>
+                          <a:spcPts val="0"/>
+                        </a:spcAft>
+                      </a:pPr>
+                      <a:r>
+                        <a:rPr lang="en-US" sz="1050" b="1" kern="0" spc="0" dirty="0">
+                          <a:solidFill>
+                            <a:schemeClr val="bg1">
+                              <a:lumMod val="75000"/>
+                            </a:schemeClr>
+                          </a:solidFill>
+                          <a:effectLst/>
+                          <a:latin typeface="나눔바른고딕" panose="020B0603020101020101" pitchFamily="50" charset="-127"/>
+                          <a:ea typeface="나눔바른고딕" panose="020B0603020101020101" pitchFamily="50" charset="-127"/>
+                          <a:cs typeface="+mn-cs"/>
+                        </a:rPr>
+                        <a:t>’38</a:t>
+                      </a:r>
+                    </a:p>
+                  </a:txBody>
+                  <a:tcPr marL="36000" marR="36000" marT="15709" marB="15709" anchor="ctr">
+                    <a:lnL w="12700" cap="flat" cmpd="sng" algn="ctr">
+                      <a:solidFill>
+                        <a:schemeClr val="bg1">
+                          <a:lumMod val="50000"/>
+                        </a:schemeClr>
+                      </a:solidFill>
+                      <a:prstDash val="solid"/>
+                      <a:round/>
+                      <a:headEnd type="none" w="med" len="med"/>
+                      <a:tailEnd type="none" w="med" len="med"/>
+                    </a:lnL>
+                    <a:lnR w="12700" cap="flat" cmpd="sng" algn="ctr">
+                      <a:solidFill>
+                        <a:schemeClr val="bg1">
+                          <a:lumMod val="50000"/>
+                        </a:schemeClr>
+                      </a:solidFill>
+                      <a:prstDash val="solid"/>
+                      <a:round/>
+                      <a:headEnd type="none" w="med" len="med"/>
+                      <a:tailEnd type="none" w="med" len="med"/>
+                    </a:lnR>
+                    <a:lnT w="12700" cap="flat" cmpd="sng" algn="ctr">
+                      <a:solidFill>
+                        <a:schemeClr val="bg1">
+                          <a:lumMod val="50000"/>
+                        </a:schemeClr>
+                      </a:solidFill>
+                      <a:prstDash val="solid"/>
+                      <a:round/>
+                      <a:headEnd type="none" w="med" len="med"/>
+                      <a:tailEnd type="none" w="med" len="med"/>
+                    </a:lnT>
+                    <a:lnB w="12700" cap="flat" cmpd="sng" algn="ctr">
+                      <a:solidFill>
+                        <a:schemeClr val="bg1">
+                          <a:lumMod val="50000"/>
+                        </a:schemeClr>
+                      </a:solidFill>
+                      <a:prstDash val="solid"/>
+                      <a:round/>
+                      <a:headEnd type="none" w="med" len="med"/>
+                      <a:tailEnd type="none" w="med" len="med"/>
+                    </a:lnB>
+                    <a:noFill/>
+                  </a:tcPr>
+                </a:tc>
+                <a:tc>
+                  <a:txBody>
+                    <a:bodyPr/>
+                    <a:lstStyle/>
+                    <a:p>
+                      <a:pPr marL="0" marR="0" indent="0" algn="ctr" fontAlgn="base" latinLnBrk="0">
+                        <a:lnSpc>
+                          <a:spcPct val="100000"/>
+                        </a:lnSpc>
+                        <a:spcBef>
+                          <a:spcPts val="0"/>
+                        </a:spcBef>
+                        <a:spcAft>
+                          <a:spcPts val="0"/>
+                        </a:spcAft>
+                      </a:pPr>
+                      <a:r>
+                        <a:rPr lang="ko-KR" altLang="en-US" sz="1050" b="1" kern="0" spc="0" dirty="0">
+                          <a:solidFill>
+                            <a:schemeClr val="bg1">
+                              <a:lumMod val="75000"/>
+                            </a:schemeClr>
+                          </a:solidFill>
+                          <a:effectLst/>
+                          <a:latin typeface="나눔바른고딕" panose="020B0603020101020101" pitchFamily="50" charset="-127"/>
+                          <a:ea typeface="나눔바른고딕" panose="020B0603020101020101" pitchFamily="50" charset="-127"/>
+                          <a:cs typeface="+mn-cs"/>
+                        </a:rPr>
+                        <a:t>한국</a:t>
+                      </a:r>
+                    </a:p>
+                  </a:txBody>
+                  <a:tcPr marL="36000" marR="36000" marT="15709" marB="15709" anchor="ctr">
+                    <a:lnL w="12700" cap="flat" cmpd="sng" algn="ctr">
+                      <a:solidFill>
+                        <a:schemeClr val="bg1">
+                          <a:lumMod val="50000"/>
+                        </a:schemeClr>
+                      </a:solidFill>
+                      <a:prstDash val="solid"/>
+                      <a:round/>
+                      <a:headEnd type="none" w="med" len="med"/>
+                      <a:tailEnd type="none" w="med" len="med"/>
+                    </a:lnL>
+                    <a:lnR w="12700" cap="flat" cmpd="sng" algn="ctr">
+                      <a:solidFill>
+                        <a:schemeClr val="bg1">
+                          <a:lumMod val="50000"/>
+                        </a:schemeClr>
+                      </a:solidFill>
+                      <a:prstDash val="solid"/>
+                      <a:round/>
+                      <a:headEnd type="none" w="med" len="med"/>
+                      <a:tailEnd type="none" w="med" len="med"/>
+                    </a:lnR>
+                    <a:lnT w="12700" cap="flat" cmpd="sng" algn="ctr">
+                      <a:solidFill>
+                        <a:schemeClr val="bg1">
+                          <a:lumMod val="50000"/>
+                        </a:schemeClr>
+                      </a:solidFill>
+                      <a:prstDash val="solid"/>
+                      <a:round/>
+                      <a:headEnd type="none" w="med" len="med"/>
+                      <a:tailEnd type="none" w="med" len="med"/>
+                    </a:lnT>
+                    <a:lnB w="12700" cap="flat" cmpd="sng" algn="ctr">
+                      <a:solidFill>
+                        <a:schemeClr val="bg1">
+                          <a:lumMod val="50000"/>
+                        </a:schemeClr>
+                      </a:solidFill>
+                      <a:prstDash val="solid"/>
+                      <a:round/>
+                      <a:headEnd type="none" w="med" len="med"/>
+                      <a:tailEnd type="none" w="med" len="med"/>
+                    </a:lnB>
+                    <a:noFill/>
+                  </a:tcPr>
+                </a:tc>
+                <a:tc>
+                  <a:txBody>
+                    <a:bodyPr/>
+                    <a:lstStyle/>
+                    <a:p>
+                      <a:pPr marL="0" marR="0" indent="0" algn="ctr" defTabSz="914400" rtl="0" eaLnBrk="1" fontAlgn="base" latinLnBrk="0" hangingPunct="1">
+                        <a:lnSpc>
+                          <a:spcPct val="100000"/>
+                        </a:lnSpc>
+                        <a:spcBef>
+                          <a:spcPts val="0"/>
+                        </a:spcBef>
+                        <a:spcAft>
+                          <a:spcPts val="0"/>
+                        </a:spcAft>
+                        <a:buClrTx/>
+                        <a:buSzTx/>
+                        <a:buFontTx/>
+                        <a:buNone/>
+                        <a:tabLst/>
+                        <a:defRPr/>
+                      </a:pPr>
+                      <a:r>
+                        <a:rPr lang="en-US" altLang="ko-KR" sz="1050" b="1" kern="0" spc="0" dirty="0">
+                          <a:solidFill>
+                            <a:schemeClr val="bg1">
+                              <a:lumMod val="75000"/>
+                            </a:schemeClr>
+                          </a:solidFill>
+                          <a:effectLst/>
+                          <a:latin typeface="나눔바른고딕" panose="020B0603020101020101" pitchFamily="50" charset="-127"/>
+                          <a:ea typeface="나눔바른고딕" panose="020B0603020101020101" pitchFamily="50" charset="-127"/>
+                          <a:cs typeface="+mn-cs"/>
+                        </a:rPr>
+                        <a:t>X</a:t>
+                      </a:r>
+                    </a:p>
+                  </a:txBody>
+                  <a:tcPr marL="36000" marR="36000" marT="15709" marB="15709" anchor="ctr">
+                    <a:lnL w="12700" cap="flat" cmpd="sng" algn="ctr">
+                      <a:solidFill>
+                        <a:schemeClr val="bg1">
+                          <a:lumMod val="50000"/>
+                        </a:schemeClr>
+                      </a:solidFill>
+                      <a:prstDash val="solid"/>
+                      <a:round/>
+                      <a:headEnd type="none" w="med" len="med"/>
+                      <a:tailEnd type="none" w="med" len="med"/>
+                    </a:lnL>
+                    <a:lnR w="12700" cap="flat" cmpd="sng" algn="ctr">
+                      <a:solidFill>
+                        <a:schemeClr val="bg1">
+                          <a:lumMod val="50000"/>
+                        </a:schemeClr>
+                      </a:solidFill>
+                      <a:prstDash val="solid"/>
+                      <a:round/>
+                      <a:headEnd type="none" w="med" len="med"/>
+                      <a:tailEnd type="none" w="med" len="med"/>
+                    </a:lnR>
+                    <a:lnT w="12700" cap="flat" cmpd="sng" algn="ctr">
+                      <a:solidFill>
+                        <a:schemeClr val="bg1">
+                          <a:lumMod val="50000"/>
+                        </a:schemeClr>
+                      </a:solidFill>
+                      <a:prstDash val="solid"/>
+                      <a:round/>
+                      <a:headEnd type="none" w="med" len="med"/>
+                      <a:tailEnd type="none" w="med" len="med"/>
+                    </a:lnT>
+                    <a:lnB w="12700" cap="flat" cmpd="sng" algn="ctr">
+                      <a:solidFill>
+                        <a:schemeClr val="bg1">
+                          <a:lumMod val="50000"/>
+                        </a:schemeClr>
+                      </a:solidFill>
+                      <a:prstDash val="solid"/>
+                      <a:round/>
+                      <a:headEnd type="none" w="med" len="med"/>
+                      <a:tailEnd type="none" w="med" len="med"/>
+                    </a:lnB>
+                    <a:noFill/>
+                  </a:tcPr>
+                </a:tc>
+                <a:tc>
+                  <a:txBody>
+                    <a:bodyPr/>
+                    <a:lstStyle/>
+                    <a:p>
+                      <a:pPr marL="0" marR="0" indent="0" algn="ctr" fontAlgn="base" latinLnBrk="0">
+                        <a:lnSpc>
+                          <a:spcPct val="100000"/>
+                        </a:lnSpc>
+                        <a:spcBef>
+                          <a:spcPts val="0"/>
+                        </a:spcBef>
+                        <a:spcAft>
+                          <a:spcPts val="0"/>
+                        </a:spcAft>
+                      </a:pPr>
+                      <a:r>
+                        <a:rPr lang="en-US" sz="1050" b="1" kern="0" spc="0" dirty="0">
+                          <a:solidFill>
+                            <a:schemeClr val="bg1">
+                              <a:lumMod val="75000"/>
+                            </a:schemeClr>
+                          </a:solidFill>
+                          <a:effectLst/>
+                          <a:latin typeface="나눔바른고딕" panose="020B0603020101020101" pitchFamily="50" charset="-127"/>
+                          <a:ea typeface="나눔바른고딕" panose="020B0603020101020101" pitchFamily="50" charset="-127"/>
+                          <a:cs typeface="+mn-cs"/>
+                        </a:rPr>
+                        <a:t>-</a:t>
+                      </a:r>
+                    </a:p>
+                  </a:txBody>
+                  <a:tcPr marL="36000" marR="36000" marT="15709" marB="15709" anchor="ctr">
+                    <a:lnL w="12700" cap="flat" cmpd="sng" algn="ctr">
+                      <a:solidFill>
+                        <a:schemeClr val="bg1">
+                          <a:lumMod val="50000"/>
+                        </a:schemeClr>
+                      </a:solidFill>
+                      <a:prstDash val="solid"/>
+                      <a:round/>
+                      <a:headEnd type="none" w="med" len="med"/>
+                      <a:tailEnd type="none" w="med" len="med"/>
+                    </a:lnL>
+                    <a:lnR w="12700" cap="flat" cmpd="sng" algn="ctr">
+                      <a:solidFill>
+                        <a:schemeClr val="bg1">
+                          <a:lumMod val="50000"/>
+                        </a:schemeClr>
+                      </a:solidFill>
+                      <a:prstDash val="solid"/>
+                      <a:round/>
+                      <a:headEnd type="none" w="med" len="med"/>
+                      <a:tailEnd type="none" w="med" len="med"/>
+                    </a:lnR>
+                    <a:lnT w="12700" cap="flat" cmpd="sng" algn="ctr">
+                      <a:solidFill>
+                        <a:schemeClr val="bg1">
+                          <a:lumMod val="50000"/>
+                        </a:schemeClr>
+                      </a:solidFill>
+                      <a:prstDash val="solid"/>
+                      <a:round/>
+                      <a:headEnd type="none" w="med" len="med"/>
+                      <a:tailEnd type="none" w="med" len="med"/>
+                    </a:lnT>
+                    <a:lnB w="12700" cap="flat" cmpd="sng" algn="ctr">
+                      <a:solidFill>
+                        <a:schemeClr val="bg1">
+                          <a:lumMod val="50000"/>
+                        </a:schemeClr>
+                      </a:solidFill>
+                      <a:prstDash val="solid"/>
+                      <a:round/>
+                      <a:headEnd type="none" w="med" len="med"/>
+                      <a:tailEnd type="none" w="med" len="med"/>
+                    </a:lnB>
+                    <a:noFill/>
+                  </a:tcPr>
+                </a:tc>
+                <a:tc>
+                  <a:txBody>
+                    <a:bodyPr/>
+                    <a:lstStyle/>
+                    <a:p>
+                      <a:pPr marL="0" marR="0" indent="0" algn="ctr" fontAlgn="base" latinLnBrk="0">
+                        <a:lnSpc>
+                          <a:spcPct val="100000"/>
+                        </a:lnSpc>
+                        <a:spcBef>
+                          <a:spcPts val="0"/>
+                        </a:spcBef>
+                        <a:spcAft>
+                          <a:spcPts val="0"/>
+                        </a:spcAft>
+                      </a:pPr>
+                      <a:r>
+                        <a:rPr lang="en-US" sz="1050" b="1" kern="0" spc="0" dirty="0">
+                          <a:solidFill>
+                            <a:schemeClr val="bg1">
+                              <a:lumMod val="75000"/>
+                            </a:schemeClr>
+                          </a:solidFill>
+                          <a:effectLst/>
+                          <a:latin typeface="나눔바른고딕" panose="020B0603020101020101" pitchFamily="50" charset="-127"/>
+                          <a:ea typeface="나눔바른고딕" panose="020B0603020101020101" pitchFamily="50" charset="-127"/>
+                          <a:cs typeface="+mn-cs"/>
+                        </a:rPr>
+                        <a:t>2.16</a:t>
+                      </a:r>
+                    </a:p>
+                  </a:txBody>
+                  <a:tcPr marL="36000" marR="36000" marT="15709" marB="15709" anchor="ctr">
+                    <a:lnL w="12700" cap="flat" cmpd="sng" algn="ctr">
+                      <a:solidFill>
+                        <a:schemeClr val="bg1">
+                          <a:lumMod val="50000"/>
+                        </a:schemeClr>
+                      </a:solidFill>
+                      <a:prstDash val="solid"/>
+                      <a:round/>
+                      <a:headEnd type="none" w="med" len="med"/>
+                      <a:tailEnd type="none" w="med" len="med"/>
+                    </a:lnL>
+                    <a:lnR w="12700" cap="flat" cmpd="sng" algn="ctr">
+                      <a:solidFill>
+                        <a:schemeClr val="bg1">
+                          <a:lumMod val="50000"/>
+                        </a:schemeClr>
+                      </a:solidFill>
+                      <a:prstDash val="solid"/>
+                      <a:round/>
+                      <a:headEnd type="none" w="med" len="med"/>
+                      <a:tailEnd type="none" w="med" len="med"/>
+                    </a:lnR>
+                    <a:lnT w="12700" cap="flat" cmpd="sng" algn="ctr">
+                      <a:solidFill>
+                        <a:schemeClr val="bg1">
+                          <a:lumMod val="50000"/>
+                        </a:schemeClr>
+                      </a:solidFill>
+                      <a:prstDash val="solid"/>
+                      <a:round/>
+                      <a:headEnd type="none" w="med" len="med"/>
+                      <a:tailEnd type="none" w="med" len="med"/>
+                    </a:lnT>
+                    <a:lnB w="12700" cap="flat" cmpd="sng" algn="ctr">
+                      <a:solidFill>
+                        <a:schemeClr val="bg1">
+                          <a:lumMod val="50000"/>
+                        </a:schemeClr>
+                      </a:solidFill>
+                      <a:prstDash val="solid"/>
+                      <a:round/>
+                      <a:headEnd type="none" w="med" len="med"/>
+                      <a:tailEnd type="none" w="med" len="med"/>
+                    </a:lnB>
+                    <a:noFill/>
+                  </a:tcPr>
+                </a:tc>
+                <a:tc>
+                  <a:txBody>
+                    <a:bodyPr/>
+                    <a:lstStyle/>
+                    <a:p>
+                      <a:pPr marL="0" marR="0" indent="0" algn="ctr" defTabSz="914400" rtl="0" eaLnBrk="1" fontAlgn="base" latinLnBrk="0" hangingPunct="1">
+                        <a:lnSpc>
+                          <a:spcPct val="100000"/>
+                        </a:lnSpc>
+                        <a:spcBef>
+                          <a:spcPts val="0"/>
+                        </a:spcBef>
+                        <a:spcAft>
+                          <a:spcPts val="0"/>
+                        </a:spcAft>
+                        <a:buClrTx/>
+                        <a:buSzTx/>
+                        <a:buFontTx/>
+                        <a:buNone/>
+                        <a:tabLst/>
+                        <a:defRPr/>
+                      </a:pPr>
+                      <a:r>
+                        <a:rPr lang="ko-KR" altLang="en-US" sz="1000" b="1" kern="0" spc="0" dirty="0">
+                          <a:solidFill>
+                            <a:schemeClr val="bg1">
+                              <a:lumMod val="75000"/>
+                            </a:schemeClr>
+                          </a:solidFill>
+                          <a:effectLst/>
+                          <a:latin typeface="나눔바른고딕" panose="020B0603020101020101" pitchFamily="50" charset="-127"/>
+                          <a:ea typeface="나눔바른고딕" panose="020B0603020101020101" pitchFamily="50" charset="-127"/>
+                          <a:cs typeface="+mn-cs"/>
+                        </a:rPr>
+                        <a:t>서울대병원</a:t>
+                      </a:r>
+                    </a:p>
+                  </a:txBody>
+                  <a:tcPr marL="36000" marR="36000" marT="15709" marB="15709" anchor="ctr">
+                    <a:lnL w="12700" cap="flat" cmpd="sng" algn="ctr">
+                      <a:solidFill>
+                        <a:schemeClr val="bg1">
+                          <a:lumMod val="50000"/>
+                        </a:schemeClr>
+                      </a:solidFill>
+                      <a:prstDash val="solid"/>
+                      <a:round/>
+                      <a:headEnd type="none" w="med" len="med"/>
+                      <a:tailEnd type="none" w="med" len="med"/>
+                    </a:lnL>
+                    <a:lnR w="12700" cap="flat" cmpd="sng" algn="ctr">
+                      <a:solidFill>
+                        <a:schemeClr val="bg1">
+                          <a:lumMod val="50000"/>
+                        </a:schemeClr>
+                      </a:solidFill>
+                      <a:prstDash val="solid"/>
+                      <a:round/>
+                      <a:headEnd type="none" w="med" len="med"/>
+                      <a:tailEnd type="none" w="med" len="med"/>
+                    </a:lnR>
+                    <a:lnT w="12700" cap="flat" cmpd="sng" algn="ctr">
+                      <a:solidFill>
+                        <a:schemeClr val="bg1">
+                          <a:lumMod val="50000"/>
+                        </a:schemeClr>
+                      </a:solidFill>
+                      <a:prstDash val="solid"/>
+                      <a:round/>
+                      <a:headEnd type="none" w="med" len="med"/>
+                      <a:tailEnd type="none" w="med" len="med"/>
+                    </a:lnT>
+                    <a:lnB w="12700" cap="flat" cmpd="sng" algn="ctr">
+                      <a:solidFill>
+                        <a:schemeClr val="bg1">
+                          <a:lumMod val="50000"/>
+                        </a:schemeClr>
+                      </a:solidFill>
+                      <a:prstDash val="solid"/>
+                      <a:round/>
+                      <a:headEnd type="none" w="med" len="med"/>
+                      <a:tailEnd type="none" w="med" len="med"/>
+                    </a:lnB>
+                    <a:noFill/>
+                  </a:tcPr>
+                </a:tc>
+                <a:tc>
+                  <a:txBody>
+                    <a:bodyPr/>
+                    <a:lstStyle/>
+                    <a:p>
+                      <a:pPr marL="0" marR="0" indent="0" algn="ctr" fontAlgn="base" latinLnBrk="0">
+                        <a:lnSpc>
+                          <a:spcPct val="100000"/>
+                        </a:lnSpc>
+                        <a:spcBef>
+                          <a:spcPts val="0"/>
+                        </a:spcBef>
+                        <a:spcAft>
+                          <a:spcPts val="0"/>
+                        </a:spcAft>
+                      </a:pPr>
+                      <a:r>
+                        <a:rPr lang="en-US" altLang="ko-KR" sz="1050" b="1" kern="0" spc="0" dirty="0">
+                          <a:solidFill>
+                            <a:schemeClr val="bg1">
+                              <a:lumMod val="75000"/>
+                            </a:schemeClr>
+                          </a:solidFill>
+                          <a:effectLst/>
+                          <a:latin typeface="나눔바른고딕" panose="020B0603020101020101" pitchFamily="50" charset="-127"/>
+                          <a:ea typeface="나눔바른고딕" panose="020B0603020101020101" pitchFamily="50" charset="-127"/>
+                          <a:cs typeface="+mn-cs"/>
+                        </a:rPr>
+                        <a:t>114</a:t>
+                      </a:r>
+                      <a:endParaRPr lang="ko-KR" altLang="en-US" sz="1050" b="1" kern="0" spc="0" dirty="0">
+                        <a:solidFill>
+                          <a:schemeClr val="bg1">
+                            <a:lumMod val="75000"/>
+                          </a:schemeClr>
+                        </a:solidFill>
+                        <a:effectLst/>
+                        <a:latin typeface="나눔바른고딕" panose="020B0603020101020101" pitchFamily="50" charset="-127"/>
+                        <a:ea typeface="나눔바른고딕" panose="020B0603020101020101" pitchFamily="50" charset="-127"/>
+                        <a:cs typeface="+mn-cs"/>
+                      </a:endParaRPr>
+                    </a:p>
+                  </a:txBody>
+                  <a:tcPr marL="36000" marR="36000" marT="15709" marB="15709" anchor="ctr">
+                    <a:lnL w="12700" cap="flat" cmpd="sng" algn="ctr">
+                      <a:solidFill>
+                        <a:schemeClr val="bg1">
+                          <a:lumMod val="50000"/>
+                        </a:schemeClr>
+                      </a:solidFill>
+                      <a:prstDash val="solid"/>
+                      <a:round/>
+                      <a:headEnd type="none" w="med" len="med"/>
+                      <a:tailEnd type="none" w="med" len="med"/>
+                    </a:lnL>
+                    <a:lnR w="12700" cap="flat" cmpd="sng" algn="ctr">
+                      <a:solidFill>
+                        <a:schemeClr val="bg1">
+                          <a:lumMod val="50000"/>
+                        </a:schemeClr>
+                      </a:solidFill>
+                      <a:prstDash val="solid"/>
+                      <a:round/>
+                      <a:headEnd type="none" w="med" len="med"/>
+                      <a:tailEnd type="none" w="med" len="med"/>
+                    </a:lnR>
+                    <a:lnT w="12700" cap="flat" cmpd="sng" algn="ctr">
+                      <a:solidFill>
+                        <a:schemeClr val="bg1">
+                          <a:lumMod val="50000"/>
+                        </a:schemeClr>
+                      </a:solidFill>
+                      <a:prstDash val="solid"/>
+                      <a:round/>
+                      <a:headEnd type="none" w="med" len="med"/>
+                      <a:tailEnd type="none" w="med" len="med"/>
+                    </a:lnT>
+                    <a:lnB w="12700" cap="flat" cmpd="sng" algn="ctr">
+                      <a:solidFill>
+                        <a:schemeClr val="bg1">
+                          <a:lumMod val="50000"/>
+                        </a:schemeClr>
+                      </a:solidFill>
+                      <a:prstDash val="solid"/>
+                      <a:round/>
+                      <a:headEnd type="none" w="med" len="med"/>
+                      <a:tailEnd type="none" w="med" len="med"/>
+                    </a:lnB>
+                    <a:noFill/>
+                  </a:tcPr>
+                </a:tc>
+                <a:extLst>
+                  <a:ext uri="{0D108BD9-81ED-4DB2-BD59-A6C34878D82A}">
+                    <a16:rowId xmlns:a16="http://schemas.microsoft.com/office/drawing/2014/main" val="3791711109"/>
+                  </a:ext>
+                </a:extLst>
+              </a:tr>
+              <a:tr h="288000">
+                <a:tc>
+                  <a:txBody>
+                    <a:bodyPr/>
+                    <a:lstStyle/>
+                    <a:p>
+                      <a:pPr marL="0" marR="0" indent="0" algn="ctr" fontAlgn="base" latinLnBrk="0">
+                        <a:lnSpc>
+                          <a:spcPct val="100000"/>
+                        </a:lnSpc>
+                        <a:spcBef>
+                          <a:spcPts val="0"/>
+                        </a:spcBef>
+                        <a:spcAft>
+                          <a:spcPts val="0"/>
+                        </a:spcAft>
+                      </a:pPr>
+                      <a:r>
+                        <a:rPr lang="en-US" sz="1050" b="1" kern="0" spc="0" dirty="0">
+                          <a:solidFill>
+                            <a:schemeClr val="bg1">
+                              <a:lumMod val="75000"/>
+                            </a:schemeClr>
+                          </a:solidFill>
+                          <a:effectLst/>
+                          <a:latin typeface="나눔바른고딕" panose="020B0603020101020101" pitchFamily="50" charset="-127"/>
+                          <a:ea typeface="나눔바른고딕" panose="020B0603020101020101" pitchFamily="50" charset="-127"/>
+                          <a:cs typeface="+mn-cs"/>
+                        </a:rPr>
+                        <a:t>30</a:t>
+                      </a:r>
+                    </a:p>
+                  </a:txBody>
+                  <a:tcPr marL="36000" marR="36000" marT="15709" marB="15709" anchor="ctr">
+                    <a:lnL w="12700" cap="flat" cmpd="sng" algn="ctr">
+                      <a:solidFill>
+                        <a:schemeClr val="bg1">
+                          <a:lumMod val="50000"/>
+                        </a:schemeClr>
+                      </a:solidFill>
+                      <a:prstDash val="solid"/>
+                      <a:round/>
+                      <a:headEnd type="none" w="med" len="med"/>
+                      <a:tailEnd type="none" w="med" len="med"/>
+                    </a:lnL>
+                    <a:lnR w="12700" cap="flat" cmpd="sng" algn="ctr">
+                      <a:solidFill>
+                        <a:schemeClr val="bg1">
+                          <a:lumMod val="50000"/>
+                        </a:schemeClr>
+                      </a:solidFill>
+                      <a:prstDash val="solid"/>
+                      <a:round/>
+                      <a:headEnd type="none" w="med" len="med"/>
+                      <a:tailEnd type="none" w="med" len="med"/>
+                    </a:lnR>
+                    <a:lnT w="12700" cap="flat" cmpd="sng" algn="ctr">
+                      <a:solidFill>
+                        <a:schemeClr val="bg1">
+                          <a:lumMod val="50000"/>
+                        </a:schemeClr>
+                      </a:solidFill>
+                      <a:prstDash val="solid"/>
+                      <a:round/>
+                      <a:headEnd type="none" w="med" len="med"/>
+                      <a:tailEnd type="none" w="med" len="med"/>
+                    </a:lnT>
+                    <a:lnB w="12700" cap="flat" cmpd="sng" algn="ctr">
+                      <a:solidFill>
+                        <a:schemeClr val="bg1">
+                          <a:lumMod val="50000"/>
+                        </a:schemeClr>
+                      </a:solidFill>
+                      <a:prstDash val="solid"/>
+                      <a:round/>
+                      <a:headEnd type="none" w="med" len="med"/>
+                      <a:tailEnd type="none" w="med" len="med"/>
+                    </a:lnB>
+                    <a:noFill/>
+                  </a:tcPr>
+                </a:tc>
+                <a:tc>
+                  <a:txBody>
+                    <a:bodyPr/>
+                    <a:lstStyle/>
+                    <a:p>
+                      <a:pPr marL="0" marR="0" indent="0" algn="ctr" fontAlgn="base" latinLnBrk="0">
+                        <a:lnSpc>
+                          <a:spcPct val="100000"/>
+                        </a:lnSpc>
+                        <a:spcBef>
+                          <a:spcPts val="0"/>
+                        </a:spcBef>
+                        <a:spcAft>
+                          <a:spcPts val="0"/>
+                        </a:spcAft>
+                      </a:pPr>
+                      <a:r>
+                        <a:rPr lang="ko-KR" altLang="en-US" sz="1050" b="1" kern="0" spc="0" dirty="0">
+                          <a:solidFill>
+                            <a:schemeClr val="bg1">
+                              <a:lumMod val="75000"/>
+                            </a:schemeClr>
+                          </a:solidFill>
+                          <a:effectLst/>
+                          <a:latin typeface="나눔바른고딕" panose="020B0603020101020101" pitchFamily="50" charset="-127"/>
+                          <a:ea typeface="나눔바른고딕" panose="020B0603020101020101" pitchFamily="50" charset="-127"/>
+                          <a:cs typeface="+mn-cs"/>
+                        </a:rPr>
+                        <a:t>여</a:t>
+                      </a:r>
+                    </a:p>
+                  </a:txBody>
+                  <a:tcPr marL="36000" marR="36000" marT="15709" marB="15709" anchor="ctr">
+                    <a:lnL w="12700" cap="flat" cmpd="sng" algn="ctr">
+                      <a:solidFill>
+                        <a:schemeClr val="bg1">
+                          <a:lumMod val="50000"/>
+                        </a:schemeClr>
+                      </a:solidFill>
+                      <a:prstDash val="solid"/>
+                      <a:round/>
+                      <a:headEnd type="none" w="med" len="med"/>
+                      <a:tailEnd type="none" w="med" len="med"/>
+                    </a:lnL>
+                    <a:lnR w="12700" cap="flat" cmpd="sng" algn="ctr">
+                      <a:solidFill>
+                        <a:schemeClr val="bg1">
+                          <a:lumMod val="50000"/>
+                        </a:schemeClr>
+                      </a:solidFill>
+                      <a:prstDash val="solid"/>
+                      <a:round/>
+                      <a:headEnd type="none" w="med" len="med"/>
+                      <a:tailEnd type="none" w="med" len="med"/>
+                    </a:lnR>
+                    <a:lnT w="12700" cap="flat" cmpd="sng" algn="ctr">
+                      <a:solidFill>
+                        <a:schemeClr val="bg1">
+                          <a:lumMod val="50000"/>
+                        </a:schemeClr>
+                      </a:solidFill>
+                      <a:prstDash val="solid"/>
+                      <a:round/>
+                      <a:headEnd type="none" w="med" len="med"/>
+                      <a:tailEnd type="none" w="med" len="med"/>
+                    </a:lnT>
+                    <a:lnB w="12700" cap="flat" cmpd="sng" algn="ctr">
+                      <a:solidFill>
+                        <a:schemeClr val="bg1">
+                          <a:lumMod val="50000"/>
+                        </a:schemeClr>
+                      </a:solidFill>
+                      <a:prstDash val="solid"/>
+                      <a:round/>
+                      <a:headEnd type="none" w="med" len="med"/>
+                      <a:tailEnd type="none" w="med" len="med"/>
+                    </a:lnB>
+                    <a:noFill/>
+                  </a:tcPr>
+                </a:tc>
+                <a:tc>
+                  <a:txBody>
+                    <a:bodyPr/>
+                    <a:lstStyle/>
+                    <a:p>
+                      <a:pPr marL="0" marR="0" indent="0" algn="ctr" fontAlgn="base" latinLnBrk="0">
+                        <a:lnSpc>
+                          <a:spcPct val="100000"/>
+                        </a:lnSpc>
+                        <a:spcBef>
+                          <a:spcPts val="0"/>
+                        </a:spcBef>
+                        <a:spcAft>
+                          <a:spcPts val="0"/>
+                        </a:spcAft>
+                      </a:pPr>
+                      <a:r>
+                        <a:rPr lang="en-US" sz="1050" b="1" kern="0" spc="0" dirty="0">
+                          <a:solidFill>
+                            <a:schemeClr val="bg1">
+                              <a:lumMod val="75000"/>
+                            </a:schemeClr>
+                          </a:solidFill>
+                          <a:effectLst/>
+                          <a:latin typeface="나눔바른고딕" panose="020B0603020101020101" pitchFamily="50" charset="-127"/>
+                          <a:ea typeface="나눔바른고딕" panose="020B0603020101020101" pitchFamily="50" charset="-127"/>
+                          <a:cs typeface="+mn-cs"/>
+                        </a:rPr>
+                        <a:t>‘52</a:t>
+                      </a:r>
+                    </a:p>
+                  </a:txBody>
+                  <a:tcPr marL="36000" marR="36000" marT="15709" marB="15709" anchor="ctr">
+                    <a:lnL w="12700" cap="flat" cmpd="sng" algn="ctr">
+                      <a:solidFill>
+                        <a:schemeClr val="bg1">
+                          <a:lumMod val="50000"/>
+                        </a:schemeClr>
+                      </a:solidFill>
+                      <a:prstDash val="solid"/>
+                      <a:round/>
+                      <a:headEnd type="none" w="med" len="med"/>
+                      <a:tailEnd type="none" w="med" len="med"/>
+                    </a:lnL>
+                    <a:lnR w="12700" cap="flat" cmpd="sng" algn="ctr">
+                      <a:solidFill>
+                        <a:schemeClr val="bg1">
+                          <a:lumMod val="50000"/>
+                        </a:schemeClr>
+                      </a:solidFill>
+                      <a:prstDash val="solid"/>
+                      <a:round/>
+                      <a:headEnd type="none" w="med" len="med"/>
+                      <a:tailEnd type="none" w="med" len="med"/>
+                    </a:lnR>
+                    <a:lnT w="12700" cap="flat" cmpd="sng" algn="ctr">
+                      <a:solidFill>
+                        <a:schemeClr val="bg1">
+                          <a:lumMod val="50000"/>
+                        </a:schemeClr>
+                      </a:solidFill>
+                      <a:prstDash val="solid"/>
+                      <a:round/>
+                      <a:headEnd type="none" w="med" len="med"/>
+                      <a:tailEnd type="none" w="med" len="med"/>
+                    </a:lnT>
+                    <a:lnB w="12700" cap="flat" cmpd="sng" algn="ctr">
+                      <a:solidFill>
+                        <a:schemeClr val="bg1">
+                          <a:lumMod val="50000"/>
+                        </a:schemeClr>
+                      </a:solidFill>
+                      <a:prstDash val="solid"/>
+                      <a:round/>
+                      <a:headEnd type="none" w="med" len="med"/>
+                      <a:tailEnd type="none" w="med" len="med"/>
+                    </a:lnB>
+                    <a:noFill/>
+                  </a:tcPr>
+                </a:tc>
+                <a:tc>
+                  <a:txBody>
+                    <a:bodyPr/>
+                    <a:lstStyle/>
+                    <a:p>
+                      <a:pPr marL="0" marR="0" indent="0" algn="ctr" fontAlgn="base" latinLnBrk="0">
+                        <a:lnSpc>
+                          <a:spcPct val="100000"/>
+                        </a:lnSpc>
+                        <a:spcBef>
+                          <a:spcPts val="0"/>
+                        </a:spcBef>
+                        <a:spcAft>
+                          <a:spcPts val="0"/>
+                        </a:spcAft>
+                      </a:pPr>
+                      <a:r>
+                        <a:rPr lang="ko-KR" altLang="en-US" sz="1050" b="1" kern="0" spc="0" dirty="0">
+                          <a:solidFill>
+                            <a:schemeClr val="bg1">
+                              <a:lumMod val="75000"/>
+                            </a:schemeClr>
+                          </a:solidFill>
+                          <a:effectLst/>
+                          <a:latin typeface="나눔바른고딕" panose="020B0603020101020101" pitchFamily="50" charset="-127"/>
+                          <a:ea typeface="나눔바른고딕" panose="020B0603020101020101" pitchFamily="50" charset="-127"/>
+                          <a:cs typeface="+mn-cs"/>
+                        </a:rPr>
+                        <a:t>한국</a:t>
+                      </a:r>
+                    </a:p>
+                  </a:txBody>
+                  <a:tcPr marL="36000" marR="36000" marT="15709" marB="15709" anchor="ctr">
+                    <a:lnL w="12700" cap="flat" cmpd="sng" algn="ctr">
+                      <a:solidFill>
+                        <a:schemeClr val="bg1">
+                          <a:lumMod val="50000"/>
+                        </a:schemeClr>
+                      </a:solidFill>
+                      <a:prstDash val="solid"/>
+                      <a:round/>
+                      <a:headEnd type="none" w="med" len="med"/>
+                      <a:tailEnd type="none" w="med" len="med"/>
+                    </a:lnL>
+                    <a:lnR w="12700" cap="flat" cmpd="sng" algn="ctr">
+                      <a:solidFill>
+                        <a:schemeClr val="bg1">
+                          <a:lumMod val="50000"/>
+                        </a:schemeClr>
+                      </a:solidFill>
+                      <a:prstDash val="solid"/>
+                      <a:round/>
+                      <a:headEnd type="none" w="med" len="med"/>
+                      <a:tailEnd type="none" w="med" len="med"/>
+                    </a:lnR>
+                    <a:lnT w="12700" cap="flat" cmpd="sng" algn="ctr">
+                      <a:solidFill>
+                        <a:schemeClr val="bg1">
+                          <a:lumMod val="50000"/>
+                        </a:schemeClr>
+                      </a:solidFill>
+                      <a:prstDash val="solid"/>
+                      <a:round/>
+                      <a:headEnd type="none" w="med" len="med"/>
+                      <a:tailEnd type="none" w="med" len="med"/>
+                    </a:lnT>
+                    <a:lnB w="12700" cap="flat" cmpd="sng" algn="ctr">
+                      <a:solidFill>
+                        <a:schemeClr val="bg1">
+                          <a:lumMod val="50000"/>
+                        </a:schemeClr>
+                      </a:solidFill>
+                      <a:prstDash val="solid"/>
+                      <a:round/>
+                      <a:headEnd type="none" w="med" len="med"/>
+                      <a:tailEnd type="none" w="med" len="med"/>
+                    </a:lnB>
+                    <a:noFill/>
+                  </a:tcPr>
+                </a:tc>
+                <a:tc>
+                  <a:txBody>
+                    <a:bodyPr/>
+                    <a:lstStyle/>
+                    <a:p>
+                      <a:pPr marL="0" marR="0" indent="0" algn="ctr" defTabSz="914400" rtl="0" eaLnBrk="1" fontAlgn="base" latinLnBrk="0" hangingPunct="1">
+                        <a:lnSpc>
+                          <a:spcPct val="100000"/>
+                        </a:lnSpc>
+                        <a:spcBef>
+                          <a:spcPts val="0"/>
+                        </a:spcBef>
+                        <a:spcAft>
+                          <a:spcPts val="0"/>
+                        </a:spcAft>
+                        <a:buClrTx/>
+                        <a:buSzTx/>
+                        <a:buFontTx/>
+                        <a:buNone/>
+                        <a:tabLst/>
+                        <a:defRPr/>
+                      </a:pPr>
+                      <a:r>
+                        <a:rPr lang="en-US" altLang="ko-KR" sz="1050" b="1" kern="0" spc="0" dirty="0">
+                          <a:solidFill>
+                            <a:schemeClr val="bg1">
+                              <a:lumMod val="75000"/>
+                            </a:schemeClr>
+                          </a:solidFill>
+                          <a:effectLst/>
+                          <a:latin typeface="나눔바른고딕" panose="020B0603020101020101" pitchFamily="50" charset="-127"/>
+                          <a:ea typeface="나눔바른고딕" panose="020B0603020101020101" pitchFamily="50" charset="-127"/>
+                          <a:cs typeface="+mn-cs"/>
+                        </a:rPr>
+                        <a:t>X</a:t>
+                      </a:r>
+                    </a:p>
+                  </a:txBody>
+                  <a:tcPr marL="36000" marR="36000" marT="15709" marB="15709" anchor="ctr">
+                    <a:lnL w="12700" cap="flat" cmpd="sng" algn="ctr">
+                      <a:solidFill>
+                        <a:schemeClr val="bg1">
+                          <a:lumMod val="50000"/>
+                        </a:schemeClr>
+                      </a:solidFill>
+                      <a:prstDash val="solid"/>
+                      <a:round/>
+                      <a:headEnd type="none" w="med" len="med"/>
+                      <a:tailEnd type="none" w="med" len="med"/>
+                    </a:lnL>
+                    <a:lnR w="12700" cap="flat" cmpd="sng" algn="ctr">
+                      <a:solidFill>
+                        <a:schemeClr val="bg1">
+                          <a:lumMod val="50000"/>
+                        </a:schemeClr>
+                      </a:solidFill>
+                      <a:prstDash val="solid"/>
+                      <a:round/>
+                      <a:headEnd type="none" w="med" len="med"/>
+                      <a:tailEnd type="none" w="med" len="med"/>
+                    </a:lnR>
+                    <a:lnT w="12700" cap="flat" cmpd="sng" algn="ctr">
+                      <a:solidFill>
+                        <a:schemeClr val="bg1">
+                          <a:lumMod val="50000"/>
+                        </a:schemeClr>
+                      </a:solidFill>
+                      <a:prstDash val="solid"/>
+                      <a:round/>
+                      <a:headEnd type="none" w="med" len="med"/>
+                      <a:tailEnd type="none" w="med" len="med"/>
+                    </a:lnT>
+                    <a:lnB w="12700" cap="flat" cmpd="sng" algn="ctr">
+                      <a:solidFill>
+                        <a:schemeClr val="bg1">
+                          <a:lumMod val="50000"/>
+                        </a:schemeClr>
+                      </a:solidFill>
+                      <a:prstDash val="solid"/>
+                      <a:round/>
+                      <a:headEnd type="none" w="med" len="med"/>
+                      <a:tailEnd type="none" w="med" len="med"/>
+                    </a:lnB>
+                    <a:noFill/>
+                  </a:tcPr>
+                </a:tc>
+                <a:tc>
+                  <a:txBody>
+                    <a:bodyPr/>
+                    <a:lstStyle/>
+                    <a:p>
+                      <a:pPr marL="0" marR="0" indent="0" algn="ctr" fontAlgn="base" latinLnBrk="0">
+                        <a:lnSpc>
+                          <a:spcPct val="100000"/>
+                        </a:lnSpc>
+                        <a:spcBef>
+                          <a:spcPts val="0"/>
+                        </a:spcBef>
+                        <a:spcAft>
+                          <a:spcPts val="0"/>
+                        </a:spcAft>
+                      </a:pPr>
+                      <a:r>
+                        <a:rPr lang="en-US" sz="1050" b="1" kern="0" spc="0" dirty="0">
+                          <a:solidFill>
+                            <a:schemeClr val="bg1">
+                              <a:lumMod val="75000"/>
+                            </a:schemeClr>
+                          </a:solidFill>
+                          <a:effectLst/>
+                          <a:latin typeface="나눔바른고딕" panose="020B0603020101020101" pitchFamily="50" charset="-127"/>
+                          <a:ea typeface="나눔바른고딕" panose="020B0603020101020101" pitchFamily="50" charset="-127"/>
+                          <a:cs typeface="+mn-cs"/>
+                        </a:rPr>
+                        <a:t>-</a:t>
+                      </a:r>
+                    </a:p>
+                  </a:txBody>
+                  <a:tcPr marL="36000" marR="36000" marT="15709" marB="15709" anchor="ctr">
+                    <a:lnL w="12700" cap="flat" cmpd="sng" algn="ctr">
+                      <a:solidFill>
+                        <a:schemeClr val="bg1">
+                          <a:lumMod val="50000"/>
+                        </a:schemeClr>
+                      </a:solidFill>
+                      <a:prstDash val="solid"/>
+                      <a:round/>
+                      <a:headEnd type="none" w="med" len="med"/>
+                      <a:tailEnd type="none" w="med" len="med"/>
+                    </a:lnL>
+                    <a:lnR w="12700" cap="flat" cmpd="sng" algn="ctr">
+                      <a:solidFill>
+                        <a:schemeClr val="bg1">
+                          <a:lumMod val="50000"/>
+                        </a:schemeClr>
+                      </a:solidFill>
+                      <a:prstDash val="solid"/>
+                      <a:round/>
+                      <a:headEnd type="none" w="med" len="med"/>
+                      <a:tailEnd type="none" w="med" len="med"/>
+                    </a:lnR>
+                    <a:lnT w="12700" cap="flat" cmpd="sng" algn="ctr">
+                      <a:solidFill>
+                        <a:schemeClr val="bg1">
+                          <a:lumMod val="50000"/>
+                        </a:schemeClr>
+                      </a:solidFill>
+                      <a:prstDash val="solid"/>
+                      <a:round/>
+                      <a:headEnd type="none" w="med" len="med"/>
+                      <a:tailEnd type="none" w="med" len="med"/>
+                    </a:lnT>
+                    <a:lnB w="12700" cap="flat" cmpd="sng" algn="ctr">
+                      <a:solidFill>
+                        <a:schemeClr val="bg1">
+                          <a:lumMod val="50000"/>
+                        </a:schemeClr>
+                      </a:solidFill>
+                      <a:prstDash val="solid"/>
+                      <a:round/>
+                      <a:headEnd type="none" w="med" len="med"/>
+                      <a:tailEnd type="none" w="med" len="med"/>
+                    </a:lnB>
+                    <a:noFill/>
+                  </a:tcPr>
+                </a:tc>
+                <a:tc>
+                  <a:txBody>
+                    <a:bodyPr/>
+                    <a:lstStyle/>
+                    <a:p>
+                      <a:pPr marL="0" marR="0" indent="0" algn="ctr" fontAlgn="base" latinLnBrk="0">
+                        <a:lnSpc>
+                          <a:spcPct val="100000"/>
+                        </a:lnSpc>
+                        <a:spcBef>
+                          <a:spcPts val="0"/>
+                        </a:spcBef>
+                        <a:spcAft>
+                          <a:spcPts val="0"/>
+                        </a:spcAft>
+                      </a:pPr>
+                      <a:r>
+                        <a:rPr lang="en-US" sz="1050" b="1" kern="0" spc="0" dirty="0">
+                          <a:solidFill>
+                            <a:schemeClr val="bg1">
+                              <a:lumMod val="75000"/>
+                            </a:schemeClr>
+                          </a:solidFill>
+                          <a:effectLst/>
+                          <a:latin typeface="나눔바른고딕" panose="020B0603020101020101" pitchFamily="50" charset="-127"/>
+                          <a:ea typeface="나눔바른고딕" panose="020B0603020101020101" pitchFamily="50" charset="-127"/>
+                          <a:cs typeface="+mn-cs"/>
+                        </a:rPr>
+                        <a:t>2.16</a:t>
+                      </a:r>
+                    </a:p>
+                  </a:txBody>
+                  <a:tcPr marL="36000" marR="36000" marT="15709" marB="15709" anchor="ctr">
+                    <a:lnL w="12700" cap="flat" cmpd="sng" algn="ctr">
+                      <a:solidFill>
+                        <a:schemeClr val="bg1">
+                          <a:lumMod val="50000"/>
+                        </a:schemeClr>
+                      </a:solidFill>
+                      <a:prstDash val="solid"/>
+                      <a:round/>
+                      <a:headEnd type="none" w="med" len="med"/>
+                      <a:tailEnd type="none" w="med" len="med"/>
+                    </a:lnL>
+                    <a:lnR w="12700" cap="flat" cmpd="sng" algn="ctr">
+                      <a:solidFill>
+                        <a:schemeClr val="bg1">
+                          <a:lumMod val="50000"/>
+                        </a:schemeClr>
+                      </a:solidFill>
+                      <a:prstDash val="solid"/>
+                      <a:round/>
+                      <a:headEnd type="none" w="med" len="med"/>
+                      <a:tailEnd type="none" w="med" len="med"/>
+                    </a:lnR>
+                    <a:lnT w="12700" cap="flat" cmpd="sng" algn="ctr">
+                      <a:solidFill>
+                        <a:schemeClr val="bg1">
+                          <a:lumMod val="50000"/>
+                        </a:schemeClr>
+                      </a:solidFill>
+                      <a:prstDash val="solid"/>
+                      <a:round/>
+                      <a:headEnd type="none" w="med" len="med"/>
+                      <a:tailEnd type="none" w="med" len="med"/>
+                    </a:lnT>
+                    <a:lnB w="12700" cap="flat" cmpd="sng" algn="ctr">
+                      <a:solidFill>
+                        <a:schemeClr val="bg1">
+                          <a:lumMod val="50000"/>
+                        </a:schemeClr>
+                      </a:solidFill>
+                      <a:prstDash val="solid"/>
+                      <a:round/>
+                      <a:headEnd type="none" w="med" len="med"/>
+                      <a:tailEnd type="none" w="med" len="med"/>
+                    </a:lnB>
+                    <a:noFill/>
+                  </a:tcPr>
+                </a:tc>
+                <a:tc>
+                  <a:txBody>
+                    <a:bodyPr/>
+                    <a:lstStyle/>
+                    <a:p>
+                      <a:pPr marL="0" marR="0" indent="0" algn="ctr" defTabSz="914400" rtl="0" eaLnBrk="1" fontAlgn="base" latinLnBrk="0" hangingPunct="1">
+                        <a:lnSpc>
+                          <a:spcPct val="100000"/>
+                        </a:lnSpc>
+                        <a:spcBef>
+                          <a:spcPts val="0"/>
+                        </a:spcBef>
+                        <a:spcAft>
+                          <a:spcPts val="0"/>
+                        </a:spcAft>
+                        <a:buClrTx/>
+                        <a:buSzTx/>
+                        <a:buFontTx/>
+                        <a:buNone/>
+                        <a:tabLst/>
+                        <a:defRPr/>
+                      </a:pPr>
+                      <a:r>
+                        <a:rPr lang="ko-KR" altLang="en-US" sz="1000" b="1" kern="0" spc="0" dirty="0">
+                          <a:solidFill>
+                            <a:schemeClr val="bg1">
+                              <a:lumMod val="75000"/>
+                            </a:schemeClr>
+                          </a:solidFill>
+                          <a:effectLst/>
+                          <a:latin typeface="나눔바른고딕" panose="020B0603020101020101" pitchFamily="50" charset="-127"/>
+                          <a:ea typeface="나눔바른고딕" panose="020B0603020101020101" pitchFamily="50" charset="-127"/>
+                          <a:cs typeface="+mn-cs"/>
+                        </a:rPr>
+                        <a:t>서울대병원</a:t>
+                      </a:r>
+                    </a:p>
+                  </a:txBody>
+                  <a:tcPr marL="36000" marR="36000" marT="15709" marB="15709" anchor="ctr">
+                    <a:lnL w="12700" cap="flat" cmpd="sng" algn="ctr">
+                      <a:solidFill>
+                        <a:schemeClr val="bg1">
+                          <a:lumMod val="50000"/>
+                        </a:schemeClr>
+                      </a:solidFill>
+                      <a:prstDash val="solid"/>
+                      <a:round/>
+                      <a:headEnd type="none" w="med" len="med"/>
+                      <a:tailEnd type="none" w="med" len="med"/>
+                    </a:lnL>
+                    <a:lnR w="12700" cap="flat" cmpd="sng" algn="ctr">
+                      <a:solidFill>
+                        <a:schemeClr val="bg1">
+                          <a:lumMod val="50000"/>
+                        </a:schemeClr>
+                      </a:solidFill>
+                      <a:prstDash val="solid"/>
+                      <a:round/>
+                      <a:headEnd type="none" w="med" len="med"/>
+                      <a:tailEnd type="none" w="med" len="med"/>
+                    </a:lnR>
+                    <a:lnT w="12700" cap="flat" cmpd="sng" algn="ctr">
+                      <a:solidFill>
+                        <a:schemeClr val="bg1">
+                          <a:lumMod val="50000"/>
+                        </a:schemeClr>
+                      </a:solidFill>
+                      <a:prstDash val="solid"/>
+                      <a:round/>
+                      <a:headEnd type="none" w="med" len="med"/>
+                      <a:tailEnd type="none" w="med" len="med"/>
+                    </a:lnT>
+                    <a:lnB w="12700" cap="flat" cmpd="sng" algn="ctr">
+                      <a:solidFill>
+                        <a:schemeClr val="bg1">
+                          <a:lumMod val="50000"/>
+                        </a:schemeClr>
+                      </a:solidFill>
+                      <a:prstDash val="solid"/>
+                      <a:round/>
+                      <a:headEnd type="none" w="med" len="med"/>
+                      <a:tailEnd type="none" w="med" len="med"/>
+                    </a:lnB>
+                    <a:noFill/>
+                  </a:tcPr>
+                </a:tc>
+                <a:tc>
+                  <a:txBody>
+                    <a:bodyPr/>
+                    <a:lstStyle/>
+                    <a:p>
+                      <a:pPr marL="0" marR="0" indent="0" algn="ctr" fontAlgn="base" latinLnBrk="0">
+                        <a:lnSpc>
+                          <a:spcPct val="100000"/>
+                        </a:lnSpc>
+                        <a:spcBef>
+                          <a:spcPts val="0"/>
+                        </a:spcBef>
+                        <a:spcAft>
+                          <a:spcPts val="0"/>
+                        </a:spcAft>
+                      </a:pPr>
+                      <a:r>
+                        <a:rPr lang="ko-KR" altLang="en-US" sz="1050" b="1" kern="0" spc="0" dirty="0" err="1">
+                          <a:solidFill>
+                            <a:schemeClr val="bg1">
+                              <a:lumMod val="75000"/>
+                            </a:schemeClr>
+                          </a:solidFill>
+                          <a:effectLst/>
+                          <a:latin typeface="나눔바른고딕" panose="020B0603020101020101" pitchFamily="50" charset="-127"/>
+                          <a:ea typeface="나눔바른고딕" panose="020B0603020101020101" pitchFamily="50" charset="-127"/>
+                          <a:cs typeface="+mn-cs"/>
+                        </a:rPr>
+                        <a:t>확인중</a:t>
+                      </a:r>
+                      <a:endParaRPr lang="ko-KR" altLang="en-US" sz="1050" b="1" kern="0" spc="0" dirty="0">
+                        <a:solidFill>
+                          <a:schemeClr val="bg1">
+                            <a:lumMod val="75000"/>
+                          </a:schemeClr>
+                        </a:solidFill>
+                        <a:effectLst/>
+                        <a:latin typeface="나눔바른고딕" panose="020B0603020101020101" pitchFamily="50" charset="-127"/>
+                        <a:ea typeface="나눔바른고딕" panose="020B0603020101020101" pitchFamily="50" charset="-127"/>
+                        <a:cs typeface="+mn-cs"/>
+                      </a:endParaRPr>
+                    </a:p>
+                  </a:txBody>
+                  <a:tcPr marL="36000" marR="36000" marT="15709" marB="15709" anchor="ctr">
+                    <a:lnL w="12700" cap="flat" cmpd="sng" algn="ctr">
+                      <a:solidFill>
+                        <a:schemeClr val="bg1">
+                          <a:lumMod val="50000"/>
+                        </a:schemeClr>
+                      </a:solidFill>
+                      <a:prstDash val="solid"/>
+                      <a:round/>
+                      <a:headEnd type="none" w="med" len="med"/>
+                      <a:tailEnd type="none" w="med" len="med"/>
+                    </a:lnL>
+                    <a:lnR w="12700" cap="flat" cmpd="sng" algn="ctr">
+                      <a:solidFill>
+                        <a:schemeClr val="bg1">
+                          <a:lumMod val="50000"/>
+                        </a:schemeClr>
+                      </a:solidFill>
+                      <a:prstDash val="solid"/>
+                      <a:round/>
+                      <a:headEnd type="none" w="med" len="med"/>
+                      <a:tailEnd type="none" w="med" len="med"/>
+                    </a:lnR>
+                    <a:lnT w="12700" cap="flat" cmpd="sng" algn="ctr">
+                      <a:solidFill>
+                        <a:schemeClr val="bg1">
+                          <a:lumMod val="50000"/>
+                        </a:schemeClr>
+                      </a:solidFill>
+                      <a:prstDash val="solid"/>
+                      <a:round/>
+                      <a:headEnd type="none" w="med" len="med"/>
+                      <a:tailEnd type="none" w="med" len="med"/>
+                    </a:lnT>
+                    <a:lnB w="12700" cap="flat" cmpd="sng" algn="ctr">
+                      <a:solidFill>
+                        <a:schemeClr val="bg1">
+                          <a:lumMod val="50000"/>
+                        </a:schemeClr>
+                      </a:solidFill>
+                      <a:prstDash val="solid"/>
+                      <a:round/>
+                      <a:headEnd type="none" w="med" len="med"/>
+                      <a:tailEnd type="none" w="med" len="med"/>
+                    </a:lnB>
+                    <a:noFill/>
+                  </a:tcPr>
+                </a:tc>
+                <a:extLst>
+                  <a:ext uri="{0D108BD9-81ED-4DB2-BD59-A6C34878D82A}">
+                    <a16:rowId xmlns:a16="http://schemas.microsoft.com/office/drawing/2014/main" val="1188020010"/>
                   </a:ext>
                 </a:extLst>
               </a:tr>

--- a/images/update.pptx
+++ b/images/update.pptx
@@ -259,7 +259,7 @@
           <a:p>
             <a:fld id="{429AE3F6-67A9-4E6B-958C-6331EFEB065E}" type="datetimeFigureOut">
               <a:rPr lang="ko-KR" altLang="en-US" smtClean="0"/>
-              <a:t>2020-02-17</a:t>
+              <a:t>2020-02-18</a:t>
             </a:fld>
             <a:endParaRPr lang="ko-KR" altLang="en-US"/>
           </a:p>
@@ -457,7 +457,7 @@
           <a:p>
             <a:fld id="{429AE3F6-67A9-4E6B-958C-6331EFEB065E}" type="datetimeFigureOut">
               <a:rPr lang="ko-KR" altLang="en-US" smtClean="0"/>
-              <a:t>2020-02-17</a:t>
+              <a:t>2020-02-18</a:t>
             </a:fld>
             <a:endParaRPr lang="ko-KR" altLang="en-US"/>
           </a:p>
@@ -665,7 +665,7 @@
           <a:p>
             <a:fld id="{429AE3F6-67A9-4E6B-958C-6331EFEB065E}" type="datetimeFigureOut">
               <a:rPr lang="ko-KR" altLang="en-US" smtClean="0"/>
-              <a:t>2020-02-17</a:t>
+              <a:t>2020-02-18</a:t>
             </a:fld>
             <a:endParaRPr lang="ko-KR" altLang="en-US"/>
           </a:p>
@@ -863,7 +863,7 @@
           <a:p>
             <a:fld id="{429AE3F6-67A9-4E6B-958C-6331EFEB065E}" type="datetimeFigureOut">
               <a:rPr lang="ko-KR" altLang="en-US" smtClean="0"/>
-              <a:t>2020-02-17</a:t>
+              <a:t>2020-02-18</a:t>
             </a:fld>
             <a:endParaRPr lang="ko-KR" altLang="en-US"/>
           </a:p>
@@ -1138,7 +1138,7 @@
           <a:p>
             <a:fld id="{429AE3F6-67A9-4E6B-958C-6331EFEB065E}" type="datetimeFigureOut">
               <a:rPr lang="ko-KR" altLang="en-US" smtClean="0"/>
-              <a:t>2020-02-17</a:t>
+              <a:t>2020-02-18</a:t>
             </a:fld>
             <a:endParaRPr lang="ko-KR" altLang="en-US"/>
           </a:p>
@@ -1403,7 +1403,7 @@
           <a:p>
             <a:fld id="{429AE3F6-67A9-4E6B-958C-6331EFEB065E}" type="datetimeFigureOut">
               <a:rPr lang="ko-KR" altLang="en-US" smtClean="0"/>
-              <a:t>2020-02-17</a:t>
+              <a:t>2020-02-18</a:t>
             </a:fld>
             <a:endParaRPr lang="ko-KR" altLang="en-US"/>
           </a:p>
@@ -1815,7 +1815,7 @@
           <a:p>
             <a:fld id="{429AE3F6-67A9-4E6B-958C-6331EFEB065E}" type="datetimeFigureOut">
               <a:rPr lang="ko-KR" altLang="en-US" smtClean="0"/>
-              <a:t>2020-02-17</a:t>
+              <a:t>2020-02-18</a:t>
             </a:fld>
             <a:endParaRPr lang="ko-KR" altLang="en-US"/>
           </a:p>
@@ -1956,7 +1956,7 @@
           <a:p>
             <a:fld id="{429AE3F6-67A9-4E6B-958C-6331EFEB065E}" type="datetimeFigureOut">
               <a:rPr lang="ko-KR" altLang="en-US" smtClean="0"/>
-              <a:t>2020-02-17</a:t>
+              <a:t>2020-02-18</a:t>
             </a:fld>
             <a:endParaRPr lang="ko-KR" altLang="en-US"/>
           </a:p>
@@ -2069,7 +2069,7 @@
           <a:p>
             <a:fld id="{429AE3F6-67A9-4E6B-958C-6331EFEB065E}" type="datetimeFigureOut">
               <a:rPr lang="ko-KR" altLang="en-US" smtClean="0"/>
-              <a:t>2020-02-17</a:t>
+              <a:t>2020-02-18</a:t>
             </a:fld>
             <a:endParaRPr lang="ko-KR" altLang="en-US"/>
           </a:p>
@@ -2380,7 +2380,7 @@
           <a:p>
             <a:fld id="{429AE3F6-67A9-4E6B-958C-6331EFEB065E}" type="datetimeFigureOut">
               <a:rPr lang="ko-KR" altLang="en-US" smtClean="0"/>
-              <a:t>2020-02-17</a:t>
+              <a:t>2020-02-18</a:t>
             </a:fld>
             <a:endParaRPr lang="ko-KR" altLang="en-US"/>
           </a:p>
@@ -2668,7 +2668,7 @@
           <a:p>
             <a:fld id="{429AE3F6-67A9-4E6B-958C-6331EFEB065E}" type="datetimeFigureOut">
               <a:rPr lang="ko-KR" altLang="en-US" smtClean="0"/>
-              <a:t>2020-02-17</a:t>
+              <a:t>2020-02-18</a:t>
             </a:fld>
             <a:endParaRPr lang="ko-KR" altLang="en-US"/>
           </a:p>
@@ -2909,7 +2909,7 @@
           <a:p>
             <a:fld id="{429AE3F6-67A9-4E6B-958C-6331EFEB065E}" type="datetimeFigureOut">
               <a:rPr lang="ko-KR" altLang="en-US" smtClean="0"/>
-              <a:t>2020-02-17</a:t>
+              <a:t>2020-02-18</a:t>
             </a:fld>
             <a:endParaRPr lang="ko-KR" altLang="en-US"/>
           </a:p>
@@ -3341,77 +3341,77 @@
           <p:nvPr>
             <p:extLst>
               <p:ext uri="{D42A27DB-BD31-4B8C-83A1-F6EECF244321}">
-                <p14:modId xmlns:p14="http://schemas.microsoft.com/office/powerpoint/2010/main" val="3598310809"/>
+                <p14:modId xmlns:p14="http://schemas.microsoft.com/office/powerpoint/2010/main" val="1193015891"/>
               </p:ext>
             </p:extLst>
           </p:nvPr>
         </p:nvGraphicFramePr>
         <p:xfrm>
-          <a:off x="3396344" y="0"/>
-          <a:ext cx="5630428" cy="9094709"/>
+          <a:off x="3396343" y="0"/>
+          <a:ext cx="5845626" cy="9382709"/>
         </p:xfrm>
         <a:graphic>
           <a:graphicData uri="http://schemas.openxmlformats.org/drawingml/2006/table">
             <a:tbl>
               <a:tblPr/>
               <a:tblGrid>
-                <a:gridCol w="469441">
+                <a:gridCol w="487383">
                   <a:extLst>
                     <a:ext uri="{9D8B030D-6E8A-4147-A177-3AD203B41FA5}">
                       <a16:colId xmlns:a16="http://schemas.microsoft.com/office/drawing/2014/main" val="1158775166"/>
                     </a:ext>
                   </a:extLst>
                 </a:gridCol>
-                <a:gridCol w="445766">
+                <a:gridCol w="462803">
                   <a:extLst>
                     <a:ext uri="{9D8B030D-6E8A-4147-A177-3AD203B41FA5}">
                       <a16:colId xmlns:a16="http://schemas.microsoft.com/office/drawing/2014/main" val="2043008770"/>
                     </a:ext>
                   </a:extLst>
                 </a:gridCol>
-                <a:gridCol w="445766">
+                <a:gridCol w="462803">
                   <a:extLst>
                     <a:ext uri="{9D8B030D-6E8A-4147-A177-3AD203B41FA5}">
                       <a16:colId xmlns:a16="http://schemas.microsoft.com/office/drawing/2014/main" val="563148870"/>
                     </a:ext>
                   </a:extLst>
                 </a:gridCol>
-                <a:gridCol w="603413">
+                <a:gridCol w="626476">
                   <a:extLst>
                     <a:ext uri="{9D8B030D-6E8A-4147-A177-3AD203B41FA5}">
                       <a16:colId xmlns:a16="http://schemas.microsoft.com/office/drawing/2014/main" val="3860621261"/>
                     </a:ext>
                   </a:extLst>
                 </a:gridCol>
-                <a:gridCol w="489213">
+                <a:gridCol w="507911">
                   <a:extLst>
                     <a:ext uri="{9D8B030D-6E8A-4147-A177-3AD203B41FA5}">
                       <a16:colId xmlns:a16="http://schemas.microsoft.com/office/drawing/2014/main" val="4109762151"/>
                     </a:ext>
                   </a:extLst>
                 </a:gridCol>
-                <a:gridCol w="632430">
+                <a:gridCol w="656602">
                   <a:extLst>
                     <a:ext uri="{9D8B030D-6E8A-4147-A177-3AD203B41FA5}">
                       <a16:colId xmlns:a16="http://schemas.microsoft.com/office/drawing/2014/main" val="2003688482"/>
                     </a:ext>
                   </a:extLst>
                 </a:gridCol>
-                <a:gridCol w="632430">
+                <a:gridCol w="656602">
                   <a:extLst>
                     <a:ext uri="{9D8B030D-6E8A-4147-A177-3AD203B41FA5}">
                       <a16:colId xmlns:a16="http://schemas.microsoft.com/office/drawing/2014/main" val="3961368747"/>
                     </a:ext>
                   </a:extLst>
                 </a:gridCol>
-                <a:gridCol w="1177570">
+                <a:gridCol w="1222578">
                   <a:extLst>
                     <a:ext uri="{9D8B030D-6E8A-4147-A177-3AD203B41FA5}">
                       <a16:colId xmlns:a16="http://schemas.microsoft.com/office/drawing/2014/main" val="1959172409"/>
                     </a:ext>
                   </a:extLst>
                 </a:gridCol>
-                <a:gridCol w="734399">
+                <a:gridCol w="762468">
                   <a:extLst>
                     <a:ext uri="{9D8B030D-6E8A-4147-A177-3AD203B41FA5}">
                       <a16:colId xmlns:a16="http://schemas.microsoft.com/office/drawing/2014/main" val="4223562706"/>
@@ -4317,7 +4317,7 @@
                           <a:latin typeface="나눔바른고딕" panose="020B0603020101020101" pitchFamily="50" charset="-127"/>
                           <a:ea typeface="나눔바른고딕" panose="020B0603020101020101" pitchFamily="50" charset="-127"/>
                         </a:rPr>
-                        <a:t>(1,900</a:t>
+                        <a:t>(1,921</a:t>
                       </a:r>
                       <a:r>
                         <a:rPr lang="ko-KR" altLang="en-US" sz="1100" b="1" kern="0" spc="0" dirty="0">
@@ -4427,7 +4427,7 @@
                         </a:spcAft>
                       </a:pPr>
                       <a:r>
-                        <a:rPr lang="en-US" sz="1050" b="1" kern="0" spc="0">
+                        <a:rPr lang="en-US" sz="1050" b="1" strike="sngStrike" kern="0" spc="0">
                           <a:solidFill>
                             <a:schemeClr val="bg1">
                               <a:lumMod val="75000"/>
@@ -4439,7 +4439,7 @@
                         </a:rPr>
                         <a:t>1</a:t>
                       </a:r>
-                      <a:endParaRPr lang="en-US" sz="1050" kern="0" spc="0" dirty="0">
+                      <a:endParaRPr lang="en-US" sz="1050" strike="sngStrike" kern="0" spc="0" dirty="0">
                         <a:solidFill>
                           <a:schemeClr val="bg1">
                             <a:lumMod val="75000"/>
@@ -4516,7 +4516,7 @@
                         </a:spcAft>
                       </a:pPr>
                       <a:r>
-                        <a:rPr lang="ko-KR" altLang="en-US" sz="1050" b="1" kern="0" spc="0">
+                        <a:rPr lang="ko-KR" altLang="en-US" sz="1050" b="1" strike="sngStrike" kern="0" spc="0">
                           <a:solidFill>
                             <a:schemeClr val="bg1">
                               <a:lumMod val="75000"/>
@@ -4528,7 +4528,7 @@
                         </a:rPr>
                         <a:t>여</a:t>
                       </a:r>
-                      <a:endParaRPr lang="ko-KR" altLang="en-US" sz="1050" kern="0" spc="0" dirty="0">
+                      <a:endParaRPr lang="ko-KR" altLang="en-US" sz="1050" strike="sngStrike" kern="0" spc="0" dirty="0">
                         <a:solidFill>
                           <a:schemeClr val="bg1">
                             <a:lumMod val="75000"/>
@@ -4605,7 +4605,7 @@
                         </a:spcAft>
                       </a:pPr>
                       <a:r>
-                        <a:rPr lang="en-US" sz="1050" kern="0" spc="0" dirty="0">
+                        <a:rPr lang="en-US" sz="1050" strike="sngStrike" kern="0" spc="0" dirty="0">
                           <a:solidFill>
                             <a:schemeClr val="bg1">
                               <a:lumMod val="75000"/>
@@ -4684,7 +4684,7 @@
                         </a:spcAft>
                       </a:pPr>
                       <a:r>
-                        <a:rPr lang="ko-KR" altLang="en-US" sz="1050" b="1" kern="0" spc="0">
+                        <a:rPr lang="ko-KR" altLang="en-US" sz="1050" b="1" strike="sngStrike" kern="0" spc="0">
                           <a:solidFill>
                             <a:schemeClr val="bg1">
                               <a:lumMod val="75000"/>
@@ -4696,7 +4696,7 @@
                         </a:rPr>
                         <a:t>중국</a:t>
                       </a:r>
-                      <a:endParaRPr lang="ko-KR" altLang="en-US" sz="1050" kern="0" spc="0">
+                      <a:endParaRPr lang="ko-KR" altLang="en-US" sz="1050" strike="sngStrike" kern="0" spc="0">
                         <a:solidFill>
                           <a:schemeClr val="bg1">
                             <a:lumMod val="75000"/>
@@ -4773,7 +4773,7 @@
                         </a:spcAft>
                       </a:pPr>
                       <a:r>
-                        <a:rPr lang="en-US" sz="1050" b="1" kern="0" spc="0">
+                        <a:rPr lang="en-US" sz="1050" b="1" strike="sngStrike" kern="0" spc="0">
                           <a:solidFill>
                             <a:schemeClr val="bg1">
                               <a:lumMod val="75000"/>
@@ -4785,7 +4785,7 @@
                         </a:rPr>
                         <a:t>O</a:t>
                       </a:r>
-                      <a:endParaRPr lang="en-US" sz="1050" kern="0" spc="0" dirty="0">
+                      <a:endParaRPr lang="en-US" sz="1050" strike="sngStrike" kern="0" spc="0" dirty="0">
                         <a:solidFill>
                           <a:schemeClr val="bg1">
                             <a:lumMod val="75000"/>
@@ -4862,7 +4862,7 @@
                         </a:spcAft>
                       </a:pPr>
                       <a:r>
-                        <a:rPr lang="en-US" sz="1050" b="1" kern="0" spc="0">
+                        <a:rPr lang="en-US" sz="1050" b="1" strike="sngStrike" kern="0" spc="0">
                           <a:solidFill>
                             <a:schemeClr val="bg1">
                               <a:lumMod val="75000"/>
@@ -4874,7 +4874,7 @@
                         </a:rPr>
                         <a:t>1.19</a:t>
                       </a:r>
-                      <a:endParaRPr lang="en-US" sz="1050" kern="0" spc="0">
+                      <a:endParaRPr lang="en-US" sz="1050" strike="sngStrike" kern="0" spc="0">
                         <a:solidFill>
                           <a:schemeClr val="bg1">
                             <a:lumMod val="75000"/>
@@ -4951,7 +4951,7 @@
                         </a:spcAft>
                       </a:pPr>
                       <a:r>
-                        <a:rPr lang="en-US" sz="1050" kern="0" spc="0" dirty="0">
+                        <a:rPr lang="en-US" sz="1050" strike="sngStrike" kern="0" spc="0" dirty="0">
                           <a:solidFill>
                             <a:schemeClr val="bg1">
                               <a:lumMod val="75000"/>
@@ -5031,7 +5031,7 @@
                         </a:spcAft>
                       </a:pPr>
                       <a:r>
-                        <a:rPr lang="ko-KR" altLang="en-US" sz="1000" b="1" kern="0" spc="0" dirty="0">
+                        <a:rPr lang="ko-KR" altLang="en-US" sz="1000" b="1" strike="sngStrike" kern="0" spc="0" dirty="0">
                           <a:solidFill>
                             <a:schemeClr val="bg1">
                               <a:lumMod val="75000"/>
@@ -5111,7 +5111,7 @@
                         </a:spcAft>
                       </a:pPr>
                       <a:r>
-                        <a:rPr lang="en-US" sz="1050" kern="0" spc="0" dirty="0">
+                        <a:rPr lang="en-US" sz="1050" strike="sngStrike" kern="0" spc="0" dirty="0">
                           <a:solidFill>
                             <a:schemeClr val="bg1">
                               <a:lumMod val="75000"/>
@@ -5197,7 +5197,7 @@
                         </a:spcAft>
                       </a:pPr>
                       <a:r>
-                        <a:rPr lang="en-US" sz="1050" b="1" kern="0" spc="0">
+                        <a:rPr lang="en-US" sz="1050" b="1" strike="sngStrike" kern="0" spc="0">
                           <a:solidFill>
                             <a:schemeClr val="bg1">
                               <a:lumMod val="75000"/>
@@ -5209,7 +5209,7 @@
                         </a:rPr>
                         <a:t>2</a:t>
                       </a:r>
-                      <a:endParaRPr lang="en-US" sz="1050" kern="0" spc="0">
+                      <a:endParaRPr lang="en-US" sz="1050" strike="sngStrike" kern="0" spc="0">
                         <a:solidFill>
                           <a:schemeClr val="bg1">
                             <a:lumMod val="75000"/>
@@ -5286,7 +5286,7 @@
                         </a:spcAft>
                       </a:pPr>
                       <a:r>
-                        <a:rPr lang="ko-KR" altLang="en-US" sz="1050" b="1" kern="0" spc="0">
+                        <a:rPr lang="ko-KR" altLang="en-US" sz="1050" b="1" strike="sngStrike" kern="0" spc="0">
                           <a:solidFill>
                             <a:schemeClr val="bg1">
                               <a:lumMod val="75000"/>
@@ -5298,7 +5298,7 @@
                         </a:rPr>
                         <a:t>남</a:t>
                       </a:r>
-                      <a:endParaRPr lang="ko-KR" altLang="en-US" sz="1050" kern="0" spc="0" dirty="0">
+                      <a:endParaRPr lang="ko-KR" altLang="en-US" sz="1050" strike="sngStrike" kern="0" spc="0" dirty="0">
                         <a:solidFill>
                           <a:schemeClr val="bg1">
                             <a:lumMod val="75000"/>
@@ -5375,7 +5375,7 @@
                         </a:spcAft>
                       </a:pPr>
                       <a:r>
-                        <a:rPr lang="en-US" sz="1050" kern="0" spc="0" dirty="0">
+                        <a:rPr lang="en-US" sz="1050" strike="sngStrike" kern="0" spc="0" dirty="0">
                           <a:solidFill>
                             <a:schemeClr val="bg1">
                               <a:lumMod val="75000"/>
@@ -5454,7 +5454,7 @@
                         </a:spcAft>
                       </a:pPr>
                       <a:r>
-                        <a:rPr lang="ko-KR" altLang="en-US" sz="1050" b="1" kern="0" spc="0">
+                        <a:rPr lang="ko-KR" altLang="en-US" sz="1050" b="1" strike="sngStrike" kern="0" spc="0">
                           <a:solidFill>
                             <a:schemeClr val="bg1">
                               <a:lumMod val="75000"/>
@@ -5466,7 +5466,7 @@
                         </a:rPr>
                         <a:t>한국</a:t>
                       </a:r>
-                      <a:endParaRPr lang="ko-KR" altLang="en-US" sz="1050" kern="0" spc="0" dirty="0">
+                      <a:endParaRPr lang="ko-KR" altLang="en-US" sz="1050" strike="sngStrike" kern="0" spc="0" dirty="0">
                         <a:solidFill>
                           <a:schemeClr val="bg1">
                             <a:lumMod val="75000"/>
@@ -5543,7 +5543,7 @@
                         </a:spcAft>
                       </a:pPr>
                       <a:r>
-                        <a:rPr lang="en-US" sz="1050" b="1" kern="0" spc="0">
+                        <a:rPr lang="en-US" sz="1050" b="1" strike="sngStrike" kern="0" spc="0">
                           <a:solidFill>
                             <a:schemeClr val="bg1">
                               <a:lumMod val="75000"/>
@@ -5555,7 +5555,7 @@
                         </a:rPr>
                         <a:t>O</a:t>
                       </a:r>
-                      <a:endParaRPr lang="en-US" sz="1050" kern="0" spc="0">
+                      <a:endParaRPr lang="en-US" sz="1050" strike="sngStrike" kern="0" spc="0">
                         <a:solidFill>
                           <a:schemeClr val="bg1">
                             <a:lumMod val="75000"/>
@@ -5632,7 +5632,7 @@
                         </a:spcAft>
                       </a:pPr>
                       <a:r>
-                        <a:rPr lang="en-US" sz="1050" b="1" kern="0" spc="0">
+                        <a:rPr lang="en-US" sz="1050" b="1" strike="sngStrike" kern="0" spc="0">
                           <a:solidFill>
                             <a:schemeClr val="bg1">
                               <a:lumMod val="75000"/>
@@ -5644,7 +5644,7 @@
                         </a:rPr>
                         <a:t>1.22</a:t>
                       </a:r>
-                      <a:endParaRPr lang="en-US" sz="1050" kern="0" spc="0">
+                      <a:endParaRPr lang="en-US" sz="1050" strike="sngStrike" kern="0" spc="0">
                         <a:solidFill>
                           <a:schemeClr val="bg1">
                             <a:lumMod val="75000"/>
@@ -5721,7 +5721,7 @@
                         </a:spcAft>
                       </a:pPr>
                       <a:r>
-                        <a:rPr lang="en-US" sz="1050" kern="0" spc="0">
+                        <a:rPr lang="en-US" sz="1050" strike="sngStrike" kern="0" spc="0">
                           <a:solidFill>
                             <a:schemeClr val="bg1">
                               <a:lumMod val="75000"/>
@@ -5801,7 +5801,7 @@
                         </a:spcAft>
                       </a:pPr>
                       <a:r>
-                        <a:rPr lang="ko-KR" altLang="en-US" sz="1000" b="1" kern="0" spc="0" dirty="0">
+                        <a:rPr lang="ko-KR" altLang="en-US" sz="1000" b="1" strike="sngStrike" kern="0" spc="0" dirty="0">
                           <a:solidFill>
                             <a:schemeClr val="bg1">
                               <a:lumMod val="75000"/>
@@ -5881,7 +5881,7 @@
                         </a:spcAft>
                       </a:pPr>
                       <a:r>
-                        <a:rPr lang="en-US" sz="1050" kern="0" spc="0" dirty="0">
+                        <a:rPr lang="en-US" sz="1050" strike="sngStrike" kern="0" spc="0" dirty="0">
                           <a:solidFill>
                             <a:schemeClr val="bg1">
                               <a:lumMod val="75000"/>
@@ -5967,7 +5967,7 @@
                         </a:spcAft>
                       </a:pPr>
                       <a:r>
-                        <a:rPr lang="en-US" sz="1050" b="1" kern="0" spc="0">
+                        <a:rPr lang="en-US" sz="1050" b="1" strike="sngStrike" kern="0" spc="0">
                           <a:solidFill>
                             <a:schemeClr val="bg1">
                               <a:lumMod val="75000"/>
@@ -5979,7 +5979,7 @@
                         </a:rPr>
                         <a:t>3</a:t>
                       </a:r>
-                      <a:endParaRPr lang="en-US" sz="1050" kern="0" spc="0">
+                      <a:endParaRPr lang="en-US" sz="1050" strike="sngStrike" kern="0" spc="0">
                         <a:solidFill>
                           <a:schemeClr val="bg1">
                             <a:lumMod val="75000"/>
@@ -6056,7 +6056,7 @@
                         </a:spcAft>
                       </a:pPr>
                       <a:r>
-                        <a:rPr lang="ko-KR" altLang="en-US" sz="1050" b="1" kern="0" spc="0">
+                        <a:rPr lang="ko-KR" altLang="en-US" sz="1050" b="1" strike="sngStrike" kern="0" spc="0">
                           <a:solidFill>
                             <a:schemeClr val="bg1">
                               <a:lumMod val="75000"/>
@@ -6068,7 +6068,7 @@
                         </a:rPr>
                         <a:t>남</a:t>
                       </a:r>
-                      <a:endParaRPr lang="ko-KR" altLang="en-US" sz="1050" kern="0" spc="0">
+                      <a:endParaRPr lang="ko-KR" altLang="en-US" sz="1050" strike="sngStrike" kern="0" spc="0">
                         <a:solidFill>
                           <a:schemeClr val="bg1">
                             <a:lumMod val="75000"/>
@@ -6145,7 +6145,7 @@
                         </a:spcAft>
                       </a:pPr>
                       <a:r>
-                        <a:rPr lang="en-US" sz="1050" kern="0" spc="0" dirty="0">
+                        <a:rPr lang="en-US" sz="1050" strike="sngStrike" kern="0" spc="0" dirty="0">
                           <a:solidFill>
                             <a:schemeClr val="bg1">
                               <a:lumMod val="75000"/>
@@ -6224,7 +6224,7 @@
                         </a:spcAft>
                       </a:pPr>
                       <a:r>
-                        <a:rPr lang="ko-KR" altLang="en-US" sz="1050" b="1" kern="0" spc="0">
+                        <a:rPr lang="ko-KR" altLang="en-US" sz="1050" b="1" strike="sngStrike" kern="0" spc="0">
                           <a:solidFill>
                             <a:schemeClr val="bg1">
                               <a:lumMod val="75000"/>
@@ -6236,7 +6236,7 @@
                         </a:rPr>
                         <a:t>한국</a:t>
                       </a:r>
-                      <a:endParaRPr lang="ko-KR" altLang="en-US" sz="1050" kern="0" spc="0" dirty="0">
+                      <a:endParaRPr lang="ko-KR" altLang="en-US" sz="1050" strike="sngStrike" kern="0" spc="0" dirty="0">
                         <a:solidFill>
                           <a:schemeClr val="bg1">
                             <a:lumMod val="75000"/>
@@ -6313,7 +6313,7 @@
                         </a:spcAft>
                       </a:pPr>
                       <a:r>
-                        <a:rPr lang="en-US" sz="1050" b="1" kern="0" spc="0">
+                        <a:rPr lang="en-US" sz="1050" b="1" strike="sngStrike" kern="0" spc="0">
                           <a:solidFill>
                             <a:schemeClr val="bg1">
                               <a:lumMod val="75000"/>
@@ -6325,7 +6325,7 @@
                         </a:rPr>
                         <a:t>O</a:t>
                       </a:r>
-                      <a:endParaRPr lang="en-US" sz="1050" kern="0" spc="0">
+                      <a:endParaRPr lang="en-US" sz="1050" strike="sngStrike" kern="0" spc="0">
                         <a:solidFill>
                           <a:schemeClr val="bg1">
                             <a:lumMod val="75000"/>
@@ -6402,7 +6402,7 @@
                         </a:spcAft>
                       </a:pPr>
                       <a:r>
-                        <a:rPr lang="en-US" sz="1050" b="1" kern="0" spc="0">
+                        <a:rPr lang="en-US" sz="1050" b="1" strike="sngStrike" kern="0" spc="0">
                           <a:solidFill>
                             <a:schemeClr val="bg1">
                               <a:lumMod val="75000"/>
@@ -6414,7 +6414,7 @@
                         </a:rPr>
                         <a:t>1.20</a:t>
                       </a:r>
-                      <a:endParaRPr lang="en-US" sz="1050" kern="0" spc="0">
+                      <a:endParaRPr lang="en-US" sz="1050" strike="sngStrike" kern="0" spc="0">
                         <a:solidFill>
                           <a:schemeClr val="bg1">
                             <a:lumMod val="75000"/>
@@ -6491,7 +6491,7 @@
                         </a:spcAft>
                       </a:pPr>
                       <a:r>
-                        <a:rPr lang="en-US" sz="1050" kern="0" spc="0">
+                        <a:rPr lang="en-US" sz="1050" strike="sngStrike" kern="0" spc="0">
                           <a:solidFill>
                             <a:schemeClr val="bg1">
                               <a:lumMod val="75000"/>
@@ -6571,7 +6571,7 @@
                         </a:spcAft>
                       </a:pPr>
                       <a:r>
-                        <a:rPr lang="ko-KR" altLang="en-US" sz="1000" b="1" kern="0" spc="0" dirty="0">
+                        <a:rPr lang="ko-KR" altLang="en-US" sz="1000" b="1" strike="sngStrike" kern="0" spc="0" dirty="0">
                           <a:solidFill>
                             <a:schemeClr val="bg1">
                               <a:lumMod val="75000"/>
@@ -6651,7 +6651,7 @@
                         </a:spcAft>
                       </a:pPr>
                       <a:r>
-                        <a:rPr lang="en-US" sz="1050" kern="0" spc="0" dirty="0">
+                        <a:rPr lang="en-US" sz="1050" strike="sngStrike" kern="0" spc="0" dirty="0">
                           <a:solidFill>
                             <a:schemeClr val="bg1">
                               <a:lumMod val="75000"/>
@@ -6737,7 +6737,7 @@
                         </a:spcAft>
                       </a:pPr>
                       <a:r>
-                        <a:rPr lang="en-US" sz="1050" b="1" kern="0" spc="0">
+                        <a:rPr lang="en-US" sz="1050" b="1" strike="sngStrike" kern="0" spc="0">
                           <a:solidFill>
                             <a:schemeClr val="bg1">
                               <a:lumMod val="75000"/>
@@ -6749,7 +6749,7 @@
                         </a:rPr>
                         <a:t>4</a:t>
                       </a:r>
-                      <a:endParaRPr lang="en-US" sz="1050" kern="0" spc="0">
+                      <a:endParaRPr lang="en-US" sz="1050" strike="sngStrike" kern="0" spc="0">
                         <a:solidFill>
                           <a:schemeClr val="bg1">
                             <a:lumMod val="75000"/>
@@ -6826,7 +6826,7 @@
                         </a:spcAft>
                       </a:pPr>
                       <a:r>
-                        <a:rPr lang="ko-KR" altLang="en-US" sz="1050" b="1" kern="0" spc="0">
+                        <a:rPr lang="ko-KR" altLang="en-US" sz="1050" b="1" strike="sngStrike" kern="0" spc="0">
                           <a:solidFill>
                             <a:schemeClr val="bg1">
                               <a:lumMod val="75000"/>
@@ -6838,7 +6838,7 @@
                         </a:rPr>
                         <a:t>남</a:t>
                       </a:r>
-                      <a:endParaRPr lang="ko-KR" altLang="en-US" sz="1050" kern="0" spc="0">
+                      <a:endParaRPr lang="ko-KR" altLang="en-US" sz="1050" strike="sngStrike" kern="0" spc="0">
                         <a:solidFill>
                           <a:schemeClr val="bg1">
                             <a:lumMod val="75000"/>
@@ -6915,7 +6915,7 @@
                         </a:spcAft>
                       </a:pPr>
                       <a:r>
-                        <a:rPr lang="en-US" sz="1050" kern="0" spc="0" dirty="0">
+                        <a:rPr lang="en-US" sz="1050" strike="sngStrike" kern="0" spc="0" dirty="0">
                           <a:solidFill>
                             <a:schemeClr val="bg1">
                               <a:lumMod val="75000"/>
@@ -6994,7 +6994,7 @@
                         </a:spcAft>
                       </a:pPr>
                       <a:r>
-                        <a:rPr lang="ko-KR" altLang="en-US" sz="1050" b="1" kern="0" spc="0">
+                        <a:rPr lang="ko-KR" altLang="en-US" sz="1050" b="1" strike="sngStrike" kern="0" spc="0">
                           <a:solidFill>
                             <a:schemeClr val="bg1">
                               <a:lumMod val="75000"/>
@@ -7006,7 +7006,7 @@
                         </a:rPr>
                         <a:t>한국</a:t>
                       </a:r>
-                      <a:endParaRPr lang="ko-KR" altLang="en-US" sz="1050" kern="0" spc="0">
+                      <a:endParaRPr lang="ko-KR" altLang="en-US" sz="1050" strike="sngStrike" kern="0" spc="0">
                         <a:solidFill>
                           <a:schemeClr val="bg1">
                             <a:lumMod val="75000"/>
@@ -7083,7 +7083,7 @@
                         </a:spcAft>
                       </a:pPr>
                       <a:r>
-                        <a:rPr lang="en-US" sz="1050" b="1" kern="0" spc="0">
+                        <a:rPr lang="en-US" sz="1050" b="1" strike="sngStrike" kern="0" spc="0">
                           <a:solidFill>
                             <a:schemeClr val="bg1">
                               <a:lumMod val="75000"/>
@@ -7095,7 +7095,7 @@
                         </a:rPr>
                         <a:t>O</a:t>
                       </a:r>
-                      <a:endParaRPr lang="en-US" sz="1050" kern="0" spc="0">
+                      <a:endParaRPr lang="en-US" sz="1050" strike="sngStrike" kern="0" spc="0">
                         <a:solidFill>
                           <a:schemeClr val="bg1">
                             <a:lumMod val="75000"/>
@@ -7172,7 +7172,7 @@
                         </a:spcAft>
                       </a:pPr>
                       <a:r>
-                        <a:rPr lang="en-US" sz="1050" b="1" kern="0" spc="0">
+                        <a:rPr lang="en-US" sz="1050" b="1" strike="sngStrike" kern="0" spc="0">
                           <a:solidFill>
                             <a:schemeClr val="bg1">
                               <a:lumMod val="75000"/>
@@ -7184,7 +7184,7 @@
                         </a:rPr>
                         <a:t>1.20</a:t>
                       </a:r>
-                      <a:endParaRPr lang="en-US" sz="1050" kern="0" spc="0">
+                      <a:endParaRPr lang="en-US" sz="1050" strike="sngStrike" kern="0" spc="0">
                         <a:solidFill>
                           <a:schemeClr val="bg1">
                             <a:lumMod val="75000"/>
@@ -7261,7 +7261,7 @@
                         </a:spcAft>
                       </a:pPr>
                       <a:r>
-                        <a:rPr lang="en-US" sz="1050" kern="0" spc="0">
+                        <a:rPr lang="en-US" sz="1050" strike="sngStrike" kern="0" spc="0">
                           <a:solidFill>
                             <a:schemeClr val="bg1">
                               <a:lumMod val="75000"/>
@@ -7341,7 +7341,7 @@
                         </a:spcAft>
                       </a:pPr>
                       <a:r>
-                        <a:rPr lang="ko-KR" altLang="en-US" sz="1000" b="1" kern="0" spc="0" dirty="0">
+                        <a:rPr lang="ko-KR" altLang="en-US" sz="1000" b="1" strike="sngStrike" kern="0" spc="0" dirty="0">
                           <a:solidFill>
                             <a:schemeClr val="bg1">
                               <a:lumMod val="75000"/>
@@ -7421,7 +7421,7 @@
                         </a:spcAft>
                       </a:pPr>
                       <a:r>
-                        <a:rPr lang="en-US" sz="1050" kern="0" spc="0" dirty="0">
+                        <a:rPr lang="en-US" sz="1050" strike="sngStrike" kern="0" spc="0" dirty="0">
                           <a:solidFill>
                             <a:schemeClr val="bg1">
                               <a:lumMod val="75000"/>
@@ -9080,7 +9080,7 @@
                         </a:spcAft>
                       </a:pPr>
                       <a:r>
-                        <a:rPr lang="en-US" sz="1050" b="1" kern="0" spc="0">
+                        <a:rPr lang="en-US" sz="1050" b="1" strike="sngStrike" kern="0" spc="0">
                           <a:solidFill>
                             <a:schemeClr val="bg1">
                               <a:lumMod val="75000"/>
@@ -9092,7 +9092,7 @@
                         </a:rPr>
                         <a:t>7</a:t>
                       </a:r>
-                      <a:endParaRPr lang="en-US" sz="1050" kern="0" spc="0">
+                      <a:endParaRPr lang="en-US" sz="1050" strike="sngStrike" kern="0" spc="0">
                         <a:solidFill>
                           <a:schemeClr val="bg1">
                             <a:lumMod val="75000"/>
@@ -9169,7 +9169,7 @@
                         </a:spcAft>
                       </a:pPr>
                       <a:r>
-                        <a:rPr lang="ko-KR" altLang="en-US" sz="1050" b="1" kern="0" spc="0">
+                        <a:rPr lang="ko-KR" altLang="en-US" sz="1050" b="1" strike="sngStrike" kern="0" spc="0">
                           <a:solidFill>
                             <a:schemeClr val="bg1">
                               <a:lumMod val="75000"/>
@@ -9181,7 +9181,7 @@
                         </a:rPr>
                         <a:t>남</a:t>
                       </a:r>
-                      <a:endParaRPr lang="ko-KR" altLang="en-US" sz="1050" kern="0" spc="0">
+                      <a:endParaRPr lang="ko-KR" altLang="en-US" sz="1050" strike="sngStrike" kern="0" spc="0">
                         <a:solidFill>
                           <a:schemeClr val="bg1">
                             <a:lumMod val="75000"/>
@@ -9258,7 +9258,7 @@
                         </a:spcAft>
                       </a:pPr>
                       <a:r>
-                        <a:rPr lang="en-US" sz="1050" kern="0" spc="0" dirty="0">
+                        <a:rPr lang="en-US" sz="1050" strike="sngStrike" kern="0" spc="0" dirty="0">
                           <a:solidFill>
                             <a:schemeClr val="bg1">
                               <a:lumMod val="75000"/>
@@ -9337,7 +9337,7 @@
                         </a:spcAft>
                       </a:pPr>
                       <a:r>
-                        <a:rPr lang="ko-KR" altLang="en-US" sz="1050" b="1" kern="0" spc="0">
+                        <a:rPr lang="ko-KR" altLang="en-US" sz="1050" b="1" strike="sngStrike" kern="0" spc="0">
                           <a:solidFill>
                             <a:schemeClr val="bg1">
                               <a:lumMod val="75000"/>
@@ -9349,7 +9349,7 @@
                         </a:rPr>
                         <a:t>한국</a:t>
                       </a:r>
-                      <a:endParaRPr lang="ko-KR" altLang="en-US" sz="1050" kern="0" spc="0">
+                      <a:endParaRPr lang="ko-KR" altLang="en-US" sz="1050" strike="sngStrike" kern="0" spc="0">
                         <a:solidFill>
                           <a:schemeClr val="bg1">
                             <a:lumMod val="75000"/>
@@ -9426,7 +9426,7 @@
                         </a:spcAft>
                       </a:pPr>
                       <a:r>
-                        <a:rPr lang="en-US" sz="1050" b="1" kern="0" spc="0">
+                        <a:rPr lang="en-US" sz="1050" b="1" strike="sngStrike" kern="0" spc="0">
                           <a:solidFill>
                             <a:schemeClr val="bg1">
                               <a:lumMod val="75000"/>
@@ -9438,7 +9438,7 @@
                         </a:rPr>
                         <a:t>O</a:t>
                       </a:r>
-                      <a:endParaRPr lang="en-US" sz="1050" kern="0" spc="0">
+                      <a:endParaRPr lang="en-US" sz="1050" strike="sngStrike" kern="0" spc="0">
                         <a:solidFill>
                           <a:schemeClr val="bg1">
                             <a:lumMod val="75000"/>
@@ -9515,7 +9515,7 @@
                         </a:spcAft>
                       </a:pPr>
                       <a:r>
-                        <a:rPr lang="en-US" sz="1050" b="1" kern="0" spc="0">
+                        <a:rPr lang="en-US" sz="1050" b="1" strike="sngStrike" kern="0" spc="0">
                           <a:solidFill>
                             <a:schemeClr val="bg1">
                               <a:lumMod val="75000"/>
@@ -9527,7 +9527,7 @@
                         </a:rPr>
                         <a:t>1.23</a:t>
                       </a:r>
-                      <a:endParaRPr lang="en-US" sz="1050" kern="0" spc="0" dirty="0">
+                      <a:endParaRPr lang="en-US" sz="1050" strike="sngStrike" kern="0" spc="0" dirty="0">
                         <a:solidFill>
                           <a:schemeClr val="bg1">
                             <a:lumMod val="75000"/>
@@ -9604,7 +9604,7 @@
                         </a:spcAft>
                       </a:pPr>
                       <a:r>
-                        <a:rPr lang="en-US" sz="1050" kern="0" spc="0">
+                        <a:rPr lang="en-US" sz="1050" strike="sngStrike" kern="0" spc="0">
                           <a:solidFill>
                             <a:schemeClr val="bg1">
                               <a:lumMod val="75000"/>
@@ -9617,7 +9617,7 @@
                         </a:rPr>
                         <a:t>1.30</a:t>
                       </a:r>
-                      <a:endParaRPr lang="en-US" sz="1050" kern="0" spc="0" dirty="0">
+                      <a:endParaRPr lang="en-US" sz="1050" strike="sngStrike" kern="0" spc="0" dirty="0">
                         <a:solidFill>
                           <a:schemeClr val="bg1">
                             <a:lumMod val="75000"/>
@@ -9695,7 +9695,7 @@
                         </a:spcAft>
                       </a:pPr>
                       <a:r>
-                        <a:rPr lang="ko-KR" altLang="en-US" sz="1000" b="1" kern="0" spc="0" dirty="0">
+                        <a:rPr lang="ko-KR" altLang="en-US" sz="1000" b="1" strike="sngStrike" kern="0" spc="0" dirty="0">
                           <a:solidFill>
                             <a:schemeClr val="bg1">
                               <a:lumMod val="75000"/>
@@ -9775,7 +9775,7 @@
                         </a:spcAft>
                       </a:pPr>
                       <a:r>
-                        <a:rPr lang="en-US" sz="1050" kern="0" spc="0" dirty="0">
+                        <a:rPr lang="en-US" sz="1050" strike="sngStrike" kern="0" spc="0" dirty="0">
                           <a:solidFill>
                             <a:schemeClr val="bg1">
                               <a:lumMod val="75000"/>
@@ -9861,7 +9861,7 @@
                         </a:spcAft>
                       </a:pPr>
                       <a:r>
-                        <a:rPr lang="en-US" sz="1050" b="1" kern="0" spc="0">
+                        <a:rPr lang="en-US" sz="1050" b="1" strike="sngStrike" kern="0" spc="0">
                           <a:solidFill>
                             <a:schemeClr val="bg1">
                               <a:lumMod val="75000"/>
@@ -9873,7 +9873,7 @@
                         </a:rPr>
                         <a:t>8</a:t>
                       </a:r>
-                      <a:endParaRPr lang="en-US" sz="1050" kern="0" spc="0">
+                      <a:endParaRPr lang="en-US" sz="1050" strike="sngStrike" kern="0" spc="0">
                         <a:solidFill>
                           <a:schemeClr val="bg1">
                             <a:lumMod val="75000"/>
@@ -9950,7 +9950,7 @@
                         </a:spcAft>
                       </a:pPr>
                       <a:r>
-                        <a:rPr lang="ko-KR" altLang="en-US" sz="1050" b="1" kern="0" spc="0">
+                        <a:rPr lang="ko-KR" altLang="en-US" sz="1050" b="1" strike="sngStrike" kern="0" spc="0">
                           <a:solidFill>
                             <a:schemeClr val="bg1">
                               <a:lumMod val="75000"/>
@@ -9962,7 +9962,7 @@
                         </a:rPr>
                         <a:t>여</a:t>
                       </a:r>
-                      <a:endParaRPr lang="ko-KR" altLang="en-US" sz="1050" kern="0" spc="0">
+                      <a:endParaRPr lang="ko-KR" altLang="en-US" sz="1050" strike="sngStrike" kern="0" spc="0">
                         <a:solidFill>
                           <a:schemeClr val="bg1">
                             <a:lumMod val="75000"/>
@@ -10039,7 +10039,7 @@
                         </a:spcAft>
                       </a:pPr>
                       <a:r>
-                        <a:rPr lang="en-US" sz="1050" kern="0" spc="0" dirty="0">
+                        <a:rPr lang="en-US" sz="1050" strike="sngStrike" kern="0" spc="0" dirty="0">
                           <a:solidFill>
                             <a:schemeClr val="bg1">
                               <a:lumMod val="75000"/>
@@ -10118,7 +10118,7 @@
                         </a:spcAft>
                       </a:pPr>
                       <a:r>
-                        <a:rPr lang="ko-KR" altLang="en-US" sz="1050" b="1" kern="0" spc="0">
+                        <a:rPr lang="ko-KR" altLang="en-US" sz="1050" b="1" strike="sngStrike" kern="0" spc="0">
                           <a:solidFill>
                             <a:schemeClr val="bg1">
                               <a:lumMod val="75000"/>
@@ -10130,7 +10130,7 @@
                         </a:rPr>
                         <a:t>한국</a:t>
                       </a:r>
-                      <a:endParaRPr lang="ko-KR" altLang="en-US" sz="1050" kern="0" spc="0">
+                      <a:endParaRPr lang="ko-KR" altLang="en-US" sz="1050" strike="sngStrike" kern="0" spc="0">
                         <a:solidFill>
                           <a:schemeClr val="bg1">
                             <a:lumMod val="75000"/>
@@ -10207,7 +10207,7 @@
                         </a:spcAft>
                       </a:pPr>
                       <a:r>
-                        <a:rPr lang="en-US" sz="1050" b="1" kern="0" spc="0">
+                        <a:rPr lang="en-US" sz="1050" b="1" strike="sngStrike" kern="0" spc="0">
                           <a:solidFill>
                             <a:schemeClr val="bg1">
                               <a:lumMod val="75000"/>
@@ -10219,7 +10219,7 @@
                         </a:rPr>
                         <a:t>O</a:t>
                       </a:r>
-                      <a:endParaRPr lang="en-US" sz="1050" kern="0" spc="0">
+                      <a:endParaRPr lang="en-US" sz="1050" strike="sngStrike" kern="0" spc="0">
                         <a:solidFill>
                           <a:schemeClr val="bg1">
                             <a:lumMod val="75000"/>
@@ -10296,7 +10296,7 @@
                         </a:spcAft>
                       </a:pPr>
                       <a:r>
-                        <a:rPr lang="en-US" sz="1050" b="1" kern="0" spc="0">
+                        <a:rPr lang="en-US" sz="1050" b="1" strike="sngStrike" kern="0" spc="0">
                           <a:solidFill>
                             <a:schemeClr val="bg1">
                               <a:lumMod val="75000"/>
@@ -10308,7 +10308,7 @@
                         </a:rPr>
                         <a:t>1.23</a:t>
                       </a:r>
-                      <a:endParaRPr lang="en-US" sz="1050" kern="0" spc="0">
+                      <a:endParaRPr lang="en-US" sz="1050" strike="sngStrike" kern="0" spc="0">
                         <a:solidFill>
                           <a:schemeClr val="bg1">
                             <a:lumMod val="75000"/>
@@ -10385,7 +10385,7 @@
                         </a:spcAft>
                       </a:pPr>
                       <a:r>
-                        <a:rPr lang="en-US" sz="1050" kern="0" spc="0" dirty="0">
+                        <a:rPr lang="en-US" sz="1050" strike="sngStrike" kern="0" spc="0" dirty="0">
                           <a:solidFill>
                             <a:schemeClr val="bg1">
                               <a:lumMod val="75000"/>
@@ -10465,7 +10465,7 @@
                         </a:spcAft>
                       </a:pPr>
                       <a:r>
-                        <a:rPr lang="ko-KR" altLang="en-US" sz="1000" b="1" kern="0" spc="0" dirty="0">
+                        <a:rPr lang="ko-KR" altLang="en-US" sz="1000" b="1" strike="sngStrike" kern="0" spc="0" dirty="0">
                           <a:solidFill>
                             <a:schemeClr val="bg1">
                               <a:lumMod val="75000"/>
@@ -10545,7 +10545,7 @@
                         </a:spcAft>
                       </a:pPr>
                       <a:r>
-                        <a:rPr lang="en-US" sz="1050" kern="0" spc="0" dirty="0">
+                        <a:rPr lang="en-US" sz="1050" strike="sngStrike" kern="0" spc="0" dirty="0">
                           <a:solidFill>
                             <a:schemeClr val="bg1">
                               <a:lumMod val="75000"/>
@@ -12215,7 +12215,7 @@
                         </a:spcAft>
                       </a:pPr>
                       <a:r>
-                        <a:rPr lang="en-US" sz="1050" b="1" kern="0" spc="0" dirty="0">
+                        <a:rPr lang="en-US" sz="1050" b="1" strike="sngStrike" kern="0" spc="0" dirty="0">
                           <a:solidFill>
                             <a:schemeClr val="bg1">
                               <a:lumMod val="75000"/>
@@ -12227,7 +12227,7 @@
                         </a:rPr>
                         <a:t>11</a:t>
                       </a:r>
-                      <a:endParaRPr lang="en-US" sz="1050" kern="0" spc="0" dirty="0">
+                      <a:endParaRPr lang="en-US" sz="1050" strike="sngStrike" kern="0" spc="0" dirty="0">
                         <a:solidFill>
                           <a:schemeClr val="bg1">
                             <a:lumMod val="75000"/>
@@ -12304,7 +12304,7 @@
                         </a:spcAft>
                       </a:pPr>
                       <a:r>
-                        <a:rPr lang="ko-KR" altLang="en-US" sz="1050" b="1" kern="0" spc="0">
+                        <a:rPr lang="ko-KR" altLang="en-US" sz="1050" b="1" strike="sngStrike" kern="0" spc="0">
                           <a:solidFill>
                             <a:schemeClr val="bg1">
                               <a:lumMod val="75000"/>
@@ -12316,7 +12316,7 @@
                         </a:rPr>
                         <a:t>남</a:t>
                       </a:r>
-                      <a:endParaRPr lang="ko-KR" altLang="en-US" sz="1050" kern="0" spc="0">
+                      <a:endParaRPr lang="ko-KR" altLang="en-US" sz="1050" strike="sngStrike" kern="0" spc="0">
                         <a:solidFill>
                           <a:schemeClr val="bg1">
                             <a:lumMod val="75000"/>
@@ -12393,7 +12393,7 @@
                         </a:spcAft>
                       </a:pPr>
                       <a:r>
-                        <a:rPr lang="en-US" sz="1050" kern="0" spc="0" dirty="0">
+                        <a:rPr lang="en-US" sz="1050" strike="sngStrike" kern="0" spc="0" dirty="0">
                           <a:solidFill>
                             <a:schemeClr val="bg1">
                               <a:lumMod val="75000"/>
@@ -12472,7 +12472,7 @@
                         </a:spcAft>
                       </a:pPr>
                       <a:r>
-                        <a:rPr lang="ko-KR" altLang="en-US" sz="1050" b="1" kern="0" spc="0">
+                        <a:rPr lang="ko-KR" altLang="en-US" sz="1050" b="1" strike="sngStrike" kern="0" spc="0">
                           <a:solidFill>
                             <a:schemeClr val="bg1">
                               <a:lumMod val="75000"/>
@@ -12484,7 +12484,7 @@
                         </a:rPr>
                         <a:t>한국</a:t>
                       </a:r>
-                      <a:endParaRPr lang="ko-KR" altLang="en-US" sz="1050" kern="0" spc="0">
+                      <a:endParaRPr lang="ko-KR" altLang="en-US" sz="1050" strike="sngStrike" kern="0" spc="0">
                         <a:solidFill>
                           <a:schemeClr val="bg1">
                             <a:lumMod val="75000"/>
@@ -12561,7 +12561,7 @@
                         </a:spcAft>
                       </a:pPr>
                       <a:r>
-                        <a:rPr lang="en-US" sz="1050" b="1" kern="0" spc="0">
+                        <a:rPr lang="en-US" sz="1050" b="1" strike="sngStrike" kern="0" spc="0">
                           <a:solidFill>
                             <a:schemeClr val="bg1">
                               <a:lumMod val="75000"/>
@@ -12573,7 +12573,7 @@
                         </a:rPr>
                         <a:t>X</a:t>
                       </a:r>
-                      <a:endParaRPr lang="en-US" sz="1050" kern="0" spc="0">
+                      <a:endParaRPr lang="en-US" sz="1050" strike="sngStrike" kern="0" spc="0">
                         <a:solidFill>
                           <a:schemeClr val="bg1">
                             <a:lumMod val="75000"/>
@@ -12650,7 +12650,7 @@
                         </a:spcAft>
                       </a:pPr>
                       <a:r>
-                        <a:rPr lang="en-US" sz="1050" b="1" kern="0" spc="0">
+                        <a:rPr lang="en-US" sz="1050" b="1" strike="sngStrike" kern="0" spc="0">
                           <a:solidFill>
                             <a:schemeClr val="bg1">
                               <a:lumMod val="75000"/>
@@ -12662,7 +12662,7 @@
                         </a:rPr>
                         <a:t>-</a:t>
                       </a:r>
-                      <a:endParaRPr lang="en-US" sz="1050" kern="0" spc="0">
+                      <a:endParaRPr lang="en-US" sz="1050" strike="sngStrike" kern="0" spc="0">
                         <a:solidFill>
                           <a:schemeClr val="bg1">
                             <a:lumMod val="75000"/>
@@ -12739,7 +12739,7 @@
                         </a:spcAft>
                       </a:pPr>
                       <a:r>
-                        <a:rPr lang="en-US" sz="1050" kern="0" spc="0">
+                        <a:rPr lang="en-US" sz="1050" strike="sngStrike" kern="0" spc="0">
                           <a:solidFill>
                             <a:schemeClr val="bg1">
                               <a:lumMod val="75000"/>
@@ -12752,7 +12752,7 @@
                         </a:rPr>
                         <a:t>1.31</a:t>
                       </a:r>
-                      <a:endParaRPr lang="en-US" sz="1050" kern="0" spc="0" dirty="0">
+                      <a:endParaRPr lang="en-US" sz="1050" strike="sngStrike" kern="0" spc="0" dirty="0">
                         <a:solidFill>
                           <a:schemeClr val="bg1">
                             <a:lumMod val="75000"/>
@@ -12830,7 +12830,7 @@
                         </a:spcAft>
                       </a:pPr>
                       <a:r>
-                        <a:rPr lang="ko-KR" altLang="en-US" sz="1000" b="1" kern="0" spc="0" dirty="0">
+                        <a:rPr lang="ko-KR" altLang="en-US" sz="1000" b="1" strike="sngStrike" kern="0" spc="0" dirty="0">
                           <a:solidFill>
                             <a:schemeClr val="bg1">
                               <a:lumMod val="75000"/>
@@ -12910,7 +12910,7 @@
                         </a:spcAft>
                       </a:pPr>
                       <a:r>
-                        <a:rPr lang="en-US" sz="1050" kern="0" spc="0" dirty="0">
+                        <a:rPr lang="en-US" sz="1050" strike="sngStrike" kern="0" spc="0" dirty="0">
                           <a:solidFill>
                             <a:schemeClr val="bg1">
                               <a:lumMod val="75000"/>
@@ -12996,7 +12996,7 @@
                         </a:spcAft>
                       </a:pPr>
                       <a:r>
-                        <a:rPr lang="en-US" sz="1050" b="1" kern="0" spc="0">
+                        <a:rPr lang="en-US" sz="1050" b="1" strike="sngStrike" kern="0" spc="0">
                           <a:solidFill>
                             <a:schemeClr val="bg1">
                               <a:lumMod val="75000"/>
@@ -13008,7 +13008,7 @@
                         </a:rPr>
                         <a:t>12</a:t>
                       </a:r>
-                      <a:endParaRPr lang="en-US" sz="1050" kern="0" spc="0">
+                      <a:endParaRPr lang="en-US" sz="1050" strike="sngStrike" kern="0" spc="0">
                         <a:solidFill>
                           <a:schemeClr val="bg1">
                             <a:lumMod val="75000"/>
@@ -13085,7 +13085,7 @@
                         </a:spcAft>
                       </a:pPr>
                       <a:r>
-                        <a:rPr lang="ko-KR" altLang="en-US" sz="1050" b="1" kern="0" spc="0">
+                        <a:rPr lang="ko-KR" altLang="en-US" sz="1050" b="1" strike="sngStrike" kern="0" spc="0">
                           <a:solidFill>
                             <a:schemeClr val="bg1">
                               <a:lumMod val="75000"/>
@@ -13097,7 +13097,7 @@
                         </a:rPr>
                         <a:t>남</a:t>
                       </a:r>
-                      <a:endParaRPr lang="ko-KR" altLang="en-US" sz="1050" kern="0" spc="0">
+                      <a:endParaRPr lang="ko-KR" altLang="en-US" sz="1050" strike="sngStrike" kern="0" spc="0">
                         <a:solidFill>
                           <a:schemeClr val="bg1">
                             <a:lumMod val="75000"/>
@@ -13174,7 +13174,7 @@
                         </a:spcAft>
                       </a:pPr>
                       <a:r>
-                        <a:rPr lang="en-US" sz="1050" kern="0" spc="0" dirty="0">
+                        <a:rPr lang="en-US" sz="1050" strike="sngStrike" kern="0" spc="0" dirty="0">
                           <a:solidFill>
                             <a:schemeClr val="bg1">
                               <a:lumMod val="75000"/>
@@ -13253,7 +13253,7 @@
                         </a:spcAft>
                       </a:pPr>
                       <a:r>
-                        <a:rPr lang="ko-KR" altLang="en-US" sz="1050" b="1" kern="0" spc="0">
+                        <a:rPr lang="ko-KR" altLang="en-US" sz="1050" b="1" strike="sngStrike" kern="0" spc="0">
                           <a:solidFill>
                             <a:schemeClr val="bg1">
                               <a:lumMod val="75000"/>
@@ -13265,7 +13265,7 @@
                         </a:rPr>
                         <a:t>중국</a:t>
                       </a:r>
-                      <a:endParaRPr lang="ko-KR" altLang="en-US" sz="1050" kern="0" spc="0">
+                      <a:endParaRPr lang="ko-KR" altLang="en-US" sz="1050" strike="sngStrike" kern="0" spc="0">
                         <a:solidFill>
                           <a:schemeClr val="bg1">
                             <a:lumMod val="75000"/>
@@ -13342,7 +13342,7 @@
                         </a:spcAft>
                       </a:pPr>
                       <a:r>
-                        <a:rPr lang="en-US" sz="1050" b="1" kern="0" spc="0">
+                        <a:rPr lang="en-US" sz="1050" b="1" strike="sngStrike" kern="0" spc="0">
                           <a:solidFill>
                             <a:schemeClr val="bg1">
                               <a:lumMod val="75000"/>
@@ -13354,7 +13354,7 @@
                         </a:rPr>
                         <a:t>X</a:t>
                       </a:r>
-                      <a:endParaRPr lang="en-US" sz="1050" kern="0" spc="0">
+                      <a:endParaRPr lang="en-US" sz="1050" strike="sngStrike" kern="0" spc="0">
                         <a:solidFill>
                           <a:schemeClr val="bg1">
                             <a:lumMod val="75000"/>
@@ -13431,7 +13431,7 @@
                         </a:spcAft>
                       </a:pPr>
                       <a:r>
-                        <a:rPr lang="en-US" sz="1050" b="1" kern="0" spc="0">
+                        <a:rPr lang="en-US" sz="1050" b="1" strike="sngStrike" kern="0" spc="0">
                           <a:solidFill>
                             <a:schemeClr val="bg1">
                               <a:lumMod val="75000"/>
@@ -13443,7 +13443,7 @@
                         </a:rPr>
                         <a:t>1.19</a:t>
                       </a:r>
-                      <a:endParaRPr lang="en-US" sz="1050" kern="0" spc="0">
+                      <a:endParaRPr lang="en-US" sz="1050" strike="sngStrike" kern="0" spc="0">
                         <a:solidFill>
                           <a:schemeClr val="bg1">
                             <a:lumMod val="75000"/>
@@ -13520,7 +13520,7 @@
                         </a:spcAft>
                       </a:pPr>
                       <a:r>
-                        <a:rPr lang="en-US" sz="1050" kern="0" spc="0">
+                        <a:rPr lang="en-US" sz="1050" strike="sngStrike" kern="0" spc="0">
                           <a:solidFill>
                             <a:schemeClr val="bg1">
                               <a:lumMod val="75000"/>
@@ -13532,7 +13532,7 @@
                         </a:rPr>
                         <a:t>2.1</a:t>
                       </a:r>
-                      <a:endParaRPr lang="en-US" sz="1050" kern="0" spc="0" dirty="0">
+                      <a:endParaRPr lang="en-US" sz="1050" strike="sngStrike" kern="0" spc="0" dirty="0">
                         <a:solidFill>
                           <a:schemeClr val="bg1">
                             <a:lumMod val="75000"/>
@@ -13609,7 +13609,7 @@
                         </a:spcAft>
                       </a:pPr>
                       <a:r>
-                        <a:rPr lang="ko-KR" altLang="en-US" sz="1000" b="1" kern="0" spc="0">
+                        <a:rPr lang="ko-KR" altLang="en-US" sz="1000" b="1" strike="sngStrike" kern="0" spc="0" dirty="0">
                           <a:solidFill>
                             <a:schemeClr val="bg1">
                               <a:lumMod val="75000"/>
@@ -13620,7 +13620,7 @@
                           <a:ea typeface="나눔바른고딕" panose="020B0603020101020101" pitchFamily="50" charset="-127"/>
                           <a:cs typeface="+mn-cs"/>
                         </a:rPr>
-                        <a:t>분당서울대병원</a:t>
+                        <a:t>격리해제</a:t>
                       </a:r>
                     </a:p>
                   </a:txBody>
@@ -13689,7 +13689,7 @@
                         </a:spcAft>
                       </a:pPr>
                       <a:r>
-                        <a:rPr lang="en-US" sz="1050" kern="0" spc="0" dirty="0">
+                        <a:rPr lang="en-US" sz="1050" strike="sngStrike" kern="0" spc="0" dirty="0">
                           <a:solidFill>
                             <a:schemeClr val="bg1">
                               <a:lumMod val="75000"/>
@@ -14555,7 +14555,7 @@
                         </a:spcAft>
                       </a:pPr>
                       <a:r>
-                        <a:rPr lang="en-US" sz="1050" b="1" kern="0" spc="0">
+                        <a:rPr lang="en-US" sz="1050" b="1" strike="sngStrike" kern="0" spc="0">
                           <a:solidFill>
                             <a:schemeClr val="bg1">
                               <a:lumMod val="75000"/>
@@ -14567,7 +14567,7 @@
                         </a:rPr>
                         <a:t>14</a:t>
                       </a:r>
-                      <a:endParaRPr lang="en-US" sz="1050" kern="0" spc="0" dirty="0">
+                      <a:endParaRPr lang="en-US" sz="1050" strike="sngStrike" kern="0" spc="0" dirty="0">
                         <a:solidFill>
                           <a:schemeClr val="bg1">
                             <a:lumMod val="75000"/>
@@ -14644,7 +14644,7 @@
                         </a:spcAft>
                       </a:pPr>
                       <a:r>
-                        <a:rPr lang="ko-KR" altLang="en-US" sz="1050" b="1" kern="0" spc="0">
+                        <a:rPr lang="ko-KR" altLang="en-US" sz="1050" b="1" strike="sngStrike" kern="0" spc="0">
                           <a:solidFill>
                             <a:schemeClr val="bg1">
                               <a:lumMod val="75000"/>
@@ -14656,7 +14656,7 @@
                         </a:rPr>
                         <a:t>여</a:t>
                       </a:r>
-                      <a:endParaRPr lang="ko-KR" altLang="en-US" sz="1050" kern="0" spc="0">
+                      <a:endParaRPr lang="ko-KR" altLang="en-US" sz="1050" strike="sngStrike" kern="0" spc="0">
                         <a:solidFill>
                           <a:schemeClr val="bg1">
                             <a:lumMod val="75000"/>
@@ -14733,7 +14733,7 @@
                         </a:spcAft>
                       </a:pPr>
                       <a:r>
-                        <a:rPr lang="en-US" sz="1050" kern="0" spc="0" dirty="0">
+                        <a:rPr lang="en-US" sz="1050" strike="sngStrike" kern="0" spc="0" dirty="0">
                           <a:solidFill>
                             <a:schemeClr val="bg1">
                               <a:lumMod val="75000"/>
@@ -14812,7 +14812,7 @@
                         </a:spcAft>
                       </a:pPr>
                       <a:r>
-                        <a:rPr lang="ko-KR" altLang="en-US" sz="1050" b="1" kern="0" spc="0">
+                        <a:rPr lang="ko-KR" altLang="en-US" sz="1050" b="1" strike="sngStrike" kern="0" spc="0">
                           <a:solidFill>
                             <a:schemeClr val="bg1">
                               <a:lumMod val="75000"/>
@@ -14824,7 +14824,7 @@
                         </a:rPr>
                         <a:t>중국</a:t>
                       </a:r>
-                      <a:endParaRPr lang="ko-KR" altLang="en-US" sz="1050" kern="0" spc="0" dirty="0">
+                      <a:endParaRPr lang="ko-KR" altLang="en-US" sz="1050" strike="sngStrike" kern="0" spc="0" dirty="0">
                         <a:solidFill>
                           <a:schemeClr val="bg1">
                             <a:lumMod val="75000"/>
@@ -14901,7 +14901,7 @@
                         </a:spcAft>
                       </a:pPr>
                       <a:r>
-                        <a:rPr lang="en-US" sz="1050" b="1" kern="0" spc="0">
+                        <a:rPr lang="en-US" sz="1050" b="1" strike="sngStrike" kern="0" spc="0">
                           <a:solidFill>
                             <a:schemeClr val="bg1">
                               <a:lumMod val="75000"/>
@@ -14913,7 +14913,7 @@
                         </a:rPr>
                         <a:t>X</a:t>
                       </a:r>
-                      <a:endParaRPr lang="en-US" sz="1050" kern="0" spc="0">
+                      <a:endParaRPr lang="en-US" sz="1050" strike="sngStrike" kern="0" spc="0">
                         <a:solidFill>
                           <a:schemeClr val="bg1">
                             <a:lumMod val="75000"/>
@@ -14990,7 +14990,7 @@
                         </a:spcAft>
                       </a:pPr>
                       <a:r>
-                        <a:rPr lang="en-US" sz="1050" b="1" kern="0" spc="0">
+                        <a:rPr lang="en-US" sz="1050" b="1" strike="sngStrike" kern="0" spc="0">
                           <a:solidFill>
                             <a:schemeClr val="bg1">
                               <a:lumMod val="75000"/>
@@ -15002,7 +15002,7 @@
                         </a:rPr>
                         <a:t>-</a:t>
                       </a:r>
-                      <a:endParaRPr lang="en-US" sz="1050" kern="0" spc="0" dirty="0">
+                      <a:endParaRPr lang="en-US" sz="1050" strike="sngStrike" kern="0" spc="0" dirty="0">
                         <a:solidFill>
                           <a:schemeClr val="bg1">
                             <a:lumMod val="75000"/>
@@ -15079,7 +15079,7 @@
                         </a:spcAft>
                       </a:pPr>
                       <a:r>
-                        <a:rPr lang="en-US" sz="1050" kern="0" spc="0">
+                        <a:rPr lang="en-US" sz="1050" strike="sngStrike" kern="0" spc="0">
                           <a:solidFill>
                             <a:schemeClr val="bg1">
                               <a:lumMod val="75000"/>
@@ -15158,7 +15158,7 @@
                         </a:spcAft>
                       </a:pPr>
                       <a:r>
-                        <a:rPr lang="ko-KR" altLang="en-US" sz="1000" b="1" kern="0" spc="0">
+                        <a:rPr lang="ko-KR" altLang="en-US" sz="1000" b="1" strike="sngStrike" kern="0" spc="0" dirty="0">
                           <a:solidFill>
                             <a:schemeClr val="bg1">
                               <a:lumMod val="75000"/>
@@ -15169,19 +15169,8 @@
                           <a:ea typeface="나눔바른고딕" panose="020B0603020101020101" pitchFamily="50" charset="-127"/>
                           <a:cs typeface="+mn-cs"/>
                         </a:rPr>
-                        <a:t>분당서울대병원</a:t>
-                      </a:r>
-                      <a:endParaRPr lang="ko-KR" altLang="en-US" sz="1000" b="1" kern="0" spc="0" dirty="0">
-                        <a:solidFill>
-                          <a:schemeClr val="bg1">
-                            <a:lumMod val="75000"/>
-                          </a:schemeClr>
-                        </a:solidFill>
-                        <a:effectLst/>
-                        <a:latin typeface="나눔바른고딕" panose="020B0603020101020101" pitchFamily="50" charset="-127"/>
-                        <a:ea typeface="나눔바른고딕" panose="020B0603020101020101" pitchFamily="50" charset="-127"/>
-                        <a:cs typeface="+mn-cs"/>
-                      </a:endParaRPr>
+                        <a:t>격리해제</a:t>
+                      </a:r>
                     </a:p>
                   </a:txBody>
                   <a:tcPr marL="36000" marR="36000" marT="15709" marB="15709" anchor="ctr">
@@ -15249,7 +15238,7 @@
                         </a:spcAft>
                       </a:pPr>
                       <a:r>
-                        <a:rPr lang="en-US" sz="1050" kern="0" spc="0" dirty="0">
+                        <a:rPr lang="en-US" sz="1050" strike="sngStrike" kern="0" spc="0" dirty="0">
                           <a:solidFill>
                             <a:schemeClr val="bg1">
                               <a:lumMod val="75000"/>
@@ -16899,7 +16888,7 @@
                         </a:spcAft>
                       </a:pPr>
                       <a:r>
-                        <a:rPr lang="en-US" sz="1050" b="1" kern="0" spc="0">
+                        <a:rPr lang="en-US" sz="1050" b="1" strike="sngStrike" kern="0" spc="0">
                           <a:solidFill>
                             <a:schemeClr val="bg1">
                               <a:lumMod val="75000"/>
@@ -16912,7 +16901,7 @@
                         </a:rPr>
                         <a:t>17</a:t>
                       </a:r>
-                      <a:endParaRPr lang="en-US" sz="1050" b="1" kern="0" spc="0" dirty="0">
+                      <a:endParaRPr lang="en-US" sz="1050" b="1" strike="sngStrike" kern="0" spc="0" dirty="0">
                         <a:solidFill>
                           <a:schemeClr val="bg1">
                             <a:lumMod val="75000"/>
@@ -16990,7 +16979,7 @@
                         </a:spcAft>
                       </a:pPr>
                       <a:r>
-                        <a:rPr lang="ko-KR" altLang="en-US" sz="1050" b="1" kern="0" spc="0">
+                        <a:rPr lang="ko-KR" altLang="en-US" sz="1050" b="1" strike="sngStrike" kern="0" spc="0">
                           <a:solidFill>
                             <a:schemeClr val="bg1">
                               <a:lumMod val="75000"/>
@@ -17003,7 +16992,7 @@
                         </a:rPr>
                         <a:t>남</a:t>
                       </a:r>
-                      <a:endParaRPr lang="ko-KR" altLang="en-US" sz="1050" b="1" kern="0" spc="0" dirty="0">
+                      <a:endParaRPr lang="ko-KR" altLang="en-US" sz="1050" b="1" strike="sngStrike" kern="0" spc="0" dirty="0">
                         <a:solidFill>
                           <a:schemeClr val="bg1">
                             <a:lumMod val="75000"/>
@@ -17081,7 +17070,7 @@
                         </a:spcAft>
                       </a:pPr>
                       <a:r>
-                        <a:rPr lang="en-US" sz="1050" b="1" kern="0" spc="0" dirty="0">
+                        <a:rPr lang="en-US" sz="1050" b="1" strike="sngStrike" kern="0" spc="0" dirty="0">
                           <a:solidFill>
                             <a:schemeClr val="bg1">
                               <a:lumMod val="75000"/>
@@ -17161,7 +17150,7 @@
                         </a:spcAft>
                       </a:pPr>
                       <a:r>
-                        <a:rPr lang="ko-KR" altLang="en-US" sz="1050" b="1" kern="0" spc="0">
+                        <a:rPr lang="ko-KR" altLang="en-US" sz="1050" b="1" strike="sngStrike" kern="0" spc="0">
                           <a:solidFill>
                             <a:schemeClr val="bg1">
                               <a:lumMod val="75000"/>
@@ -17174,7 +17163,7 @@
                         </a:rPr>
                         <a:t>한국</a:t>
                       </a:r>
-                      <a:endParaRPr lang="ko-KR" altLang="en-US" sz="1050" b="1" kern="0" spc="0" dirty="0">
+                      <a:endParaRPr lang="ko-KR" altLang="en-US" sz="1050" b="1" strike="sngStrike" kern="0" spc="0" dirty="0">
                         <a:solidFill>
                           <a:schemeClr val="bg1">
                             <a:lumMod val="75000"/>
@@ -17258,7 +17247,7 @@
                         <a:defRPr/>
                       </a:pPr>
                       <a:r>
-                        <a:rPr lang="en-US" altLang="ko-KR" sz="1050" b="1" kern="0" spc="0">
+                        <a:rPr lang="en-US" altLang="ko-KR" sz="1050" b="1" strike="sngStrike" kern="0" spc="0">
                           <a:solidFill>
                             <a:schemeClr val="bg1">
                               <a:lumMod val="75000"/>
@@ -17271,7 +17260,7 @@
                         </a:rPr>
                         <a:t>X</a:t>
                       </a:r>
-                      <a:endParaRPr lang="en-US" altLang="ko-KR" sz="1050" b="1" kern="0" spc="0" dirty="0">
+                      <a:endParaRPr lang="en-US" altLang="ko-KR" sz="1050" b="1" strike="sngStrike" kern="0" spc="0" dirty="0">
                         <a:solidFill>
                           <a:schemeClr val="bg1">
                             <a:lumMod val="75000"/>
@@ -17349,7 +17338,7 @@
                         </a:spcAft>
                       </a:pPr>
                       <a:r>
-                        <a:rPr lang="en-US" sz="1050" b="1" kern="0" spc="0">
+                        <a:rPr lang="en-US" sz="1050" b="1" strike="sngStrike" kern="0" spc="0">
                           <a:solidFill>
                             <a:schemeClr val="bg1">
                               <a:lumMod val="75000"/>
@@ -17362,7 +17351,7 @@
                         </a:rPr>
                         <a:t>1.24</a:t>
                       </a:r>
-                      <a:endParaRPr lang="en-US" sz="1050" b="1" kern="0" spc="0" dirty="0">
+                      <a:endParaRPr lang="en-US" sz="1050" b="1" strike="sngStrike" kern="0" spc="0" dirty="0">
                         <a:solidFill>
                           <a:schemeClr val="bg1">
                             <a:lumMod val="75000"/>
@@ -17440,7 +17429,7 @@
                         </a:spcAft>
                       </a:pPr>
                       <a:r>
-                        <a:rPr lang="en-US" sz="1050" b="1" kern="0" spc="0">
+                        <a:rPr lang="en-US" sz="1050" b="1" strike="sngStrike" kern="0" spc="0">
                           <a:solidFill>
                             <a:schemeClr val="bg1">
                               <a:lumMod val="75000"/>
@@ -17453,7 +17442,7 @@
                         </a:rPr>
                         <a:t>2.5</a:t>
                       </a:r>
-                      <a:endParaRPr lang="en-US" sz="1050" b="1" kern="0" spc="0" dirty="0">
+                      <a:endParaRPr lang="en-US" sz="1050" b="1" strike="sngStrike" kern="0" spc="0" dirty="0">
                         <a:solidFill>
                           <a:schemeClr val="bg1">
                             <a:lumMod val="75000"/>
@@ -17531,7 +17520,7 @@
                         </a:spcAft>
                       </a:pPr>
                       <a:r>
-                        <a:rPr lang="ko-KR" altLang="en-US" sz="1000" b="1" kern="0" spc="0" dirty="0">
+                        <a:rPr lang="ko-KR" altLang="en-US" sz="1000" b="1" strike="sngStrike" kern="0" spc="0" dirty="0">
                           <a:solidFill>
                             <a:schemeClr val="bg1">
                               <a:lumMod val="75000"/>
@@ -17611,7 +17600,7 @@
                         </a:spcAft>
                       </a:pPr>
                       <a:r>
-                        <a:rPr lang="en-US" altLang="ko-KR" sz="1050" b="1" kern="0" spc="0" dirty="0">
+                        <a:rPr lang="en-US" altLang="ko-KR" sz="1050" b="1" strike="sngStrike" kern="0" spc="0" dirty="0">
                           <a:solidFill>
                             <a:schemeClr val="bg1">
                               <a:lumMod val="75000"/>
@@ -17624,7 +17613,7 @@
                         </a:rPr>
                         <a:t>290</a:t>
                       </a:r>
-                      <a:endParaRPr lang="ko-KR" altLang="en-US" sz="1050" b="1" kern="0" spc="0" dirty="0">
+                      <a:endParaRPr lang="ko-KR" altLang="en-US" sz="1050" b="1" strike="sngStrike" kern="0" spc="0" dirty="0">
                         <a:solidFill>
                           <a:schemeClr val="bg1">
                             <a:lumMod val="75000"/>
@@ -20951,7 +20940,7 @@
                         </a:spcAft>
                       </a:pPr>
                       <a:r>
-                        <a:rPr lang="en-US" sz="1050" b="1" kern="0" spc="0">
+                        <a:rPr lang="en-US" sz="1050" b="1" strike="sngStrike" kern="0" spc="0">
                           <a:solidFill>
                             <a:schemeClr val="bg1">
                               <a:lumMod val="75000"/>
@@ -20964,7 +20953,7 @@
                         </a:rPr>
                         <a:t>22</a:t>
                       </a:r>
-                      <a:endParaRPr lang="en-US" sz="1050" b="1" kern="0" spc="0" dirty="0">
+                      <a:endParaRPr lang="en-US" sz="1050" b="1" strike="sngStrike" kern="0" spc="0" dirty="0">
                         <a:solidFill>
                           <a:schemeClr val="bg1">
                             <a:lumMod val="75000"/>
@@ -21042,7 +21031,7 @@
                         </a:spcAft>
                       </a:pPr>
                       <a:r>
-                        <a:rPr lang="ko-KR" altLang="en-US" sz="1050" b="1" kern="0" spc="0">
+                        <a:rPr lang="ko-KR" altLang="en-US" sz="1050" b="1" strike="sngStrike" kern="0" spc="0">
                           <a:solidFill>
                             <a:schemeClr val="bg1">
                               <a:lumMod val="75000"/>
@@ -21055,7 +21044,7 @@
                         </a:rPr>
                         <a:t>남</a:t>
                       </a:r>
-                      <a:endParaRPr lang="ko-KR" altLang="en-US" sz="1050" b="1" kern="0" spc="0" dirty="0">
+                      <a:endParaRPr lang="ko-KR" altLang="en-US" sz="1050" b="1" strike="sngStrike" kern="0" spc="0" dirty="0">
                         <a:solidFill>
                           <a:schemeClr val="bg1">
                             <a:lumMod val="75000"/>
@@ -21133,7 +21122,7 @@
                         </a:spcAft>
                       </a:pPr>
                       <a:r>
-                        <a:rPr lang="en-US" sz="1050" b="1" kern="0" spc="0" dirty="0">
+                        <a:rPr lang="en-US" sz="1050" b="1" strike="sngStrike" kern="0" spc="0" dirty="0">
                           <a:solidFill>
                             <a:schemeClr val="bg1">
                               <a:lumMod val="75000"/>
@@ -21213,7 +21202,7 @@
                         </a:spcAft>
                       </a:pPr>
                       <a:r>
-                        <a:rPr lang="ko-KR" altLang="en-US" sz="1050" b="1" kern="0" spc="0">
+                        <a:rPr lang="ko-KR" altLang="en-US" sz="1050" b="1" strike="sngStrike" kern="0" spc="0">
                           <a:solidFill>
                             <a:schemeClr val="bg1">
                               <a:lumMod val="75000"/>
@@ -21226,7 +21215,7 @@
                         </a:rPr>
                         <a:t>한국</a:t>
                       </a:r>
-                      <a:endParaRPr lang="ko-KR" altLang="en-US" sz="1050" b="1" kern="0" spc="0" dirty="0">
+                      <a:endParaRPr lang="ko-KR" altLang="en-US" sz="1050" b="1" strike="sngStrike" kern="0" spc="0" dirty="0">
                         <a:solidFill>
                           <a:schemeClr val="bg1">
                             <a:lumMod val="75000"/>
@@ -21304,7 +21293,7 @@
                         </a:spcAft>
                       </a:pPr>
                       <a:r>
-                        <a:rPr lang="en-US" altLang="ko-KR" sz="1050" b="1" kern="0" spc="0" dirty="0">
+                        <a:rPr lang="en-US" altLang="ko-KR" sz="1050" b="1" strike="sngStrike" kern="0" spc="0" dirty="0">
                           <a:solidFill>
                             <a:schemeClr val="bg1">
                               <a:lumMod val="75000"/>
@@ -21384,7 +21373,7 @@
                         </a:spcAft>
                       </a:pPr>
                       <a:r>
-                        <a:rPr lang="en-US" altLang="ko-KR" sz="1050" b="1" kern="0" spc="0" dirty="0">
+                        <a:rPr lang="en-US" altLang="ko-KR" sz="1050" b="1" strike="sngStrike" kern="0" spc="0" dirty="0">
                           <a:solidFill>
                             <a:schemeClr val="bg1">
                               <a:lumMod val="75000"/>
@@ -21396,7 +21385,7 @@
                         </a:rPr>
                         <a:t>-</a:t>
                       </a:r>
-                      <a:endParaRPr lang="en-US" sz="1050" b="1" kern="0" spc="0" dirty="0">
+                      <a:endParaRPr lang="en-US" sz="1050" b="1" strike="sngStrike" kern="0" spc="0" dirty="0">
                         <a:solidFill>
                           <a:schemeClr val="bg1">
                             <a:lumMod val="75000"/>
@@ -21474,7 +21463,7 @@
                         </a:spcAft>
                       </a:pPr>
                       <a:r>
-                        <a:rPr lang="en-US" sz="1050" b="1" kern="0" spc="0">
+                        <a:rPr lang="en-US" sz="1050" b="1" strike="sngStrike" kern="0" spc="0">
                           <a:solidFill>
                             <a:schemeClr val="bg1">
                               <a:lumMod val="75000"/>
@@ -21487,7 +21476,7 @@
                         </a:rPr>
                         <a:t>2.6</a:t>
                       </a:r>
-                      <a:endParaRPr lang="en-US" sz="1050" b="1" kern="0" spc="0" dirty="0">
+                      <a:endParaRPr lang="en-US" sz="1050" b="1" strike="sngStrike" kern="0" spc="0" dirty="0">
                         <a:solidFill>
                           <a:schemeClr val="bg1">
                             <a:lumMod val="75000"/>
@@ -21565,7 +21554,7 @@
                         </a:spcAft>
                       </a:pPr>
                       <a:r>
-                        <a:rPr lang="ko-KR" altLang="en-US" sz="1000" b="1" kern="0" spc="0" dirty="0">
+                        <a:rPr lang="ko-KR" altLang="en-US" sz="1000" b="1" strike="sngStrike" kern="0" spc="0" dirty="0">
                           <a:solidFill>
                             <a:schemeClr val="bg1">
                               <a:lumMod val="75000"/>
@@ -21645,7 +21634,7 @@
                         </a:spcAft>
                       </a:pPr>
                       <a:r>
-                        <a:rPr lang="en-US" altLang="ko-KR" sz="1050" b="1" kern="0" spc="0" dirty="0">
+                        <a:rPr lang="en-US" altLang="ko-KR" sz="1050" b="1" strike="sngStrike" kern="0" spc="0" dirty="0">
                           <a:solidFill>
                             <a:schemeClr val="bg1">
                               <a:lumMod val="75000"/>
@@ -21658,7 +21647,7 @@
                         </a:rPr>
                         <a:t>1</a:t>
                       </a:r>
-                      <a:endParaRPr lang="ko-KR" altLang="en-US" sz="1050" b="1" kern="0" spc="0" dirty="0">
+                      <a:endParaRPr lang="ko-KR" altLang="en-US" sz="1050" b="1" strike="sngStrike" kern="0" spc="0" dirty="0">
                         <a:solidFill>
                           <a:schemeClr val="bg1">
                             <a:lumMod val="75000"/>
@@ -25673,7 +25662,7 @@
                         </a:spcAft>
                       </a:pPr>
                       <a:r>
-                        <a:rPr lang="en-US" sz="1050" b="1" kern="0" spc="0" dirty="0">
+                        <a:rPr lang="en-US" sz="1050" b="1" strike="sngStrike" kern="0" spc="0" dirty="0">
                           <a:solidFill>
                             <a:schemeClr val="bg1">
                               <a:lumMod val="75000"/>
@@ -25753,7 +25742,7 @@
                         </a:spcAft>
                       </a:pPr>
                       <a:r>
-                        <a:rPr lang="ko-KR" altLang="en-US" sz="1050" b="1" kern="0" spc="0" dirty="0">
+                        <a:rPr lang="ko-KR" altLang="en-US" sz="1050" b="1" strike="sngStrike" kern="0" spc="0" dirty="0">
                           <a:solidFill>
                             <a:schemeClr val="bg1">
                               <a:lumMod val="75000"/>
@@ -25833,7 +25822,7 @@
                         </a:spcAft>
                       </a:pPr>
                       <a:r>
-                        <a:rPr lang="en-US" sz="1050" b="1" kern="0" spc="0" dirty="0">
+                        <a:rPr lang="en-US" sz="1050" b="1" strike="sngStrike" kern="0" spc="0" dirty="0">
                           <a:solidFill>
                             <a:schemeClr val="bg1">
                               <a:lumMod val="75000"/>
@@ -25913,7 +25902,7 @@
                         </a:spcAft>
                       </a:pPr>
                       <a:r>
-                        <a:rPr lang="ko-KR" altLang="en-US" sz="1050" b="1" kern="0" spc="0" dirty="0">
+                        <a:rPr lang="ko-KR" altLang="en-US" sz="1050" b="1" strike="sngStrike" kern="0" spc="0" dirty="0">
                           <a:solidFill>
                             <a:schemeClr val="bg1">
                               <a:lumMod val="75000"/>
@@ -25999,7 +25988,7 @@
                         <a:defRPr/>
                       </a:pPr>
                       <a:r>
-                        <a:rPr lang="en-US" altLang="ko-KR" sz="1050" b="1" kern="0" spc="0" dirty="0">
+                        <a:rPr lang="en-US" altLang="ko-KR" sz="1050" b="1" strike="sngStrike" kern="0" spc="0" dirty="0">
                           <a:solidFill>
                             <a:schemeClr val="bg1">
                               <a:lumMod val="75000"/>
@@ -26079,7 +26068,7 @@
                         </a:spcAft>
                       </a:pPr>
                       <a:r>
-                        <a:rPr lang="en-US" sz="1050" b="1" kern="0" spc="0" dirty="0">
+                        <a:rPr lang="en-US" sz="1050" b="1" strike="sngStrike" kern="0" spc="0" dirty="0">
                           <a:solidFill>
                             <a:schemeClr val="bg1">
                               <a:lumMod val="75000"/>
@@ -26159,7 +26148,7 @@
                         </a:spcAft>
                       </a:pPr>
                       <a:r>
-                        <a:rPr lang="en-US" sz="1050" b="1" kern="0" spc="0" dirty="0">
+                        <a:rPr lang="en-US" sz="1050" b="1" strike="sngStrike" kern="0" spc="0" dirty="0">
                           <a:solidFill>
                             <a:schemeClr val="bg1">
                               <a:lumMod val="75000"/>
@@ -26245,7 +26234,7 @@
                         <a:defRPr/>
                       </a:pPr>
                       <a:r>
-                        <a:rPr lang="ko-KR" altLang="en-US" sz="1000" b="1" kern="0" spc="0" dirty="0">
+                        <a:rPr lang="ko-KR" altLang="en-US" sz="1000" b="1" strike="sngStrike" kern="0" spc="0" dirty="0">
                           <a:solidFill>
                             <a:schemeClr val="bg1">
                               <a:lumMod val="75000"/>
@@ -26325,7 +26314,7 @@
                         </a:spcAft>
                       </a:pPr>
                       <a:r>
-                        <a:rPr lang="en-US" altLang="ko-KR" sz="1050" b="1" kern="0" spc="0" dirty="0">
+                        <a:rPr lang="en-US" altLang="ko-KR" sz="1050" b="1" strike="sngStrike" kern="0" spc="0" dirty="0">
                           <a:solidFill>
                             <a:schemeClr val="bg1">
                               <a:lumMod val="75000"/>
@@ -26338,7 +26327,7 @@
                         </a:rPr>
                         <a:t>1</a:t>
                       </a:r>
-                      <a:endParaRPr lang="ko-KR" altLang="en-US" sz="1050" b="1" kern="0" spc="0" dirty="0">
+                      <a:endParaRPr lang="ko-KR" altLang="en-US" sz="1050" b="1" strike="sngStrike" kern="0" spc="0" dirty="0">
                         <a:solidFill>
                           <a:schemeClr val="bg1">
                             <a:lumMod val="75000"/>
@@ -27086,7 +27075,7 @@
                           <a:ea typeface="나눔바른고딕" panose="020B0603020101020101" pitchFamily="50" charset="-127"/>
                           <a:cs typeface="+mn-cs"/>
                         </a:rPr>
-                        <a:t>114</a:t>
+                        <a:t>115</a:t>
                       </a:r>
                       <a:endParaRPr lang="ko-KR" altLang="en-US" sz="1050" b="1" kern="0" spc="0" dirty="0">
                         <a:solidFill>
@@ -27825,7 +27814,7 @@
                         </a:spcAft>
                       </a:pPr>
                       <a:r>
-                        <a:rPr lang="ko-KR" altLang="en-US" sz="1050" b="1" kern="0" spc="0" dirty="0" err="1">
+                        <a:rPr lang="en-US" altLang="ko-KR" sz="1050" b="1" kern="0" spc="0" dirty="0">
                           <a:solidFill>
                             <a:schemeClr val="bg1">
                               <a:lumMod val="75000"/>
@@ -27836,7 +27825,7 @@
                           <a:ea typeface="나눔바른고딕" panose="020B0603020101020101" pitchFamily="50" charset="-127"/>
                           <a:cs typeface="+mn-cs"/>
                         </a:rPr>
-                        <a:t>확인중</a:t>
+                        <a:t>20</a:t>
                       </a:r>
                       <a:endParaRPr lang="ko-KR" altLang="en-US" sz="1050" b="1" kern="0" spc="0" dirty="0">
                         <a:solidFill>
@@ -27902,6 +27891,745 @@
                 <a:extLst>
                   <a:ext uri="{0D108BD9-81ED-4DB2-BD59-A6C34878D82A}">
                     <a16:rowId xmlns:a16="http://schemas.microsoft.com/office/drawing/2014/main" val="1188020010"/>
+                  </a:ext>
+                </a:extLst>
+              </a:tr>
+              <a:tr h="288000">
+                <a:tc>
+                  <a:txBody>
+                    <a:bodyPr/>
+                    <a:lstStyle/>
+                    <a:p>
+                      <a:pPr marL="0" marR="0" indent="0" algn="ctr" fontAlgn="base" latinLnBrk="0">
+                        <a:lnSpc>
+                          <a:spcPct val="100000"/>
+                        </a:lnSpc>
+                        <a:spcBef>
+                          <a:spcPts val="0"/>
+                        </a:spcBef>
+                        <a:spcAft>
+                          <a:spcPts val="0"/>
+                        </a:spcAft>
+                      </a:pPr>
+                      <a:r>
+                        <a:rPr lang="en-US" sz="1050" b="1" kern="0" spc="0" dirty="0">
+                          <a:solidFill>
+                            <a:schemeClr val="bg1">
+                              <a:lumMod val="75000"/>
+                            </a:schemeClr>
+                          </a:solidFill>
+                          <a:effectLst/>
+                          <a:latin typeface="나눔바른고딕" panose="020B0603020101020101" pitchFamily="50" charset="-127"/>
+                          <a:ea typeface="나눔바른고딕" panose="020B0603020101020101" pitchFamily="50" charset="-127"/>
+                          <a:cs typeface="+mn-cs"/>
+                        </a:rPr>
+                        <a:t>31</a:t>
+                      </a:r>
+                    </a:p>
+                  </a:txBody>
+                  <a:tcPr marL="36000" marR="36000" marT="15709" marB="15709" anchor="ctr">
+                    <a:lnL w="12700" cap="flat" cmpd="sng" algn="ctr">
+                      <a:solidFill>
+                        <a:schemeClr val="bg1">
+                          <a:lumMod val="50000"/>
+                        </a:schemeClr>
+                      </a:solidFill>
+                      <a:prstDash val="solid"/>
+                      <a:round/>
+                      <a:headEnd type="none" w="med" len="med"/>
+                      <a:tailEnd type="none" w="med" len="med"/>
+                    </a:lnL>
+                    <a:lnR w="12700" cap="flat" cmpd="sng" algn="ctr">
+                      <a:solidFill>
+                        <a:schemeClr val="bg1">
+                          <a:lumMod val="50000"/>
+                        </a:schemeClr>
+                      </a:solidFill>
+                      <a:prstDash val="solid"/>
+                      <a:round/>
+                      <a:headEnd type="none" w="med" len="med"/>
+                      <a:tailEnd type="none" w="med" len="med"/>
+                    </a:lnR>
+                    <a:lnT w="12700" cap="flat" cmpd="sng" algn="ctr">
+                      <a:solidFill>
+                        <a:schemeClr val="bg1">
+                          <a:lumMod val="50000"/>
+                        </a:schemeClr>
+                      </a:solidFill>
+                      <a:prstDash val="solid"/>
+                      <a:round/>
+                      <a:headEnd type="none" w="med" len="med"/>
+                      <a:tailEnd type="none" w="med" len="med"/>
+                    </a:lnT>
+                    <a:lnB w="12700" cap="flat" cmpd="sng" algn="ctr">
+                      <a:solidFill>
+                        <a:schemeClr val="bg1">
+                          <a:lumMod val="50000"/>
+                        </a:schemeClr>
+                      </a:solidFill>
+                      <a:prstDash val="solid"/>
+                      <a:round/>
+                      <a:headEnd type="none" w="med" len="med"/>
+                      <a:tailEnd type="none" w="med" len="med"/>
+                    </a:lnB>
+                    <a:noFill/>
+                  </a:tcPr>
+                </a:tc>
+                <a:tc>
+                  <a:txBody>
+                    <a:bodyPr/>
+                    <a:lstStyle/>
+                    <a:p>
+                      <a:pPr marL="0" marR="0" indent="0" algn="ctr" fontAlgn="base" latinLnBrk="0">
+                        <a:lnSpc>
+                          <a:spcPct val="100000"/>
+                        </a:lnSpc>
+                        <a:spcBef>
+                          <a:spcPts val="0"/>
+                        </a:spcBef>
+                        <a:spcAft>
+                          <a:spcPts val="0"/>
+                        </a:spcAft>
+                      </a:pPr>
+                      <a:r>
+                        <a:rPr lang="ko-KR" altLang="en-US" sz="1050" b="1" kern="0" spc="0" dirty="0">
+                          <a:solidFill>
+                            <a:schemeClr val="bg1">
+                              <a:lumMod val="75000"/>
+                            </a:schemeClr>
+                          </a:solidFill>
+                          <a:effectLst/>
+                          <a:latin typeface="나눔바른고딕" panose="020B0603020101020101" pitchFamily="50" charset="-127"/>
+                          <a:ea typeface="나눔바른고딕" panose="020B0603020101020101" pitchFamily="50" charset="-127"/>
+                          <a:cs typeface="+mn-cs"/>
+                        </a:rPr>
+                        <a:t>여</a:t>
+                      </a:r>
+                    </a:p>
+                  </a:txBody>
+                  <a:tcPr marL="36000" marR="36000" marT="15709" marB="15709" anchor="ctr">
+                    <a:lnL w="12700" cap="flat" cmpd="sng" algn="ctr">
+                      <a:solidFill>
+                        <a:schemeClr val="bg1">
+                          <a:lumMod val="50000"/>
+                        </a:schemeClr>
+                      </a:solidFill>
+                      <a:prstDash val="solid"/>
+                      <a:round/>
+                      <a:headEnd type="none" w="med" len="med"/>
+                      <a:tailEnd type="none" w="med" len="med"/>
+                    </a:lnL>
+                    <a:lnR w="12700" cap="flat" cmpd="sng" algn="ctr">
+                      <a:solidFill>
+                        <a:schemeClr val="bg1">
+                          <a:lumMod val="50000"/>
+                        </a:schemeClr>
+                      </a:solidFill>
+                      <a:prstDash val="solid"/>
+                      <a:round/>
+                      <a:headEnd type="none" w="med" len="med"/>
+                      <a:tailEnd type="none" w="med" len="med"/>
+                    </a:lnR>
+                    <a:lnT w="12700" cap="flat" cmpd="sng" algn="ctr">
+                      <a:solidFill>
+                        <a:schemeClr val="bg1">
+                          <a:lumMod val="50000"/>
+                        </a:schemeClr>
+                      </a:solidFill>
+                      <a:prstDash val="solid"/>
+                      <a:round/>
+                      <a:headEnd type="none" w="med" len="med"/>
+                      <a:tailEnd type="none" w="med" len="med"/>
+                    </a:lnT>
+                    <a:lnB w="12700" cap="flat" cmpd="sng" algn="ctr">
+                      <a:solidFill>
+                        <a:schemeClr val="bg1">
+                          <a:lumMod val="50000"/>
+                        </a:schemeClr>
+                      </a:solidFill>
+                      <a:prstDash val="solid"/>
+                      <a:round/>
+                      <a:headEnd type="none" w="med" len="med"/>
+                      <a:tailEnd type="none" w="med" len="med"/>
+                    </a:lnB>
+                    <a:noFill/>
+                  </a:tcPr>
+                </a:tc>
+                <a:tc>
+                  <a:txBody>
+                    <a:bodyPr/>
+                    <a:lstStyle/>
+                    <a:p>
+                      <a:pPr marL="0" marR="0" indent="0" algn="ctr" fontAlgn="base" latinLnBrk="0">
+                        <a:lnSpc>
+                          <a:spcPct val="100000"/>
+                        </a:lnSpc>
+                        <a:spcBef>
+                          <a:spcPts val="0"/>
+                        </a:spcBef>
+                        <a:spcAft>
+                          <a:spcPts val="0"/>
+                        </a:spcAft>
+                      </a:pPr>
+                      <a:r>
+                        <a:rPr lang="en-US" sz="1050" b="1" kern="0" spc="0" dirty="0">
+                          <a:solidFill>
+                            <a:schemeClr val="bg1">
+                              <a:lumMod val="75000"/>
+                            </a:schemeClr>
+                          </a:solidFill>
+                          <a:effectLst/>
+                          <a:latin typeface="나눔바른고딕" panose="020B0603020101020101" pitchFamily="50" charset="-127"/>
+                          <a:ea typeface="나눔바른고딕" panose="020B0603020101020101" pitchFamily="50" charset="-127"/>
+                          <a:cs typeface="+mn-cs"/>
+                        </a:rPr>
+                        <a:t>’59</a:t>
+                      </a:r>
+                    </a:p>
+                  </a:txBody>
+                  <a:tcPr marL="36000" marR="36000" marT="15709" marB="15709" anchor="ctr">
+                    <a:lnL w="12700" cap="flat" cmpd="sng" algn="ctr">
+                      <a:solidFill>
+                        <a:schemeClr val="bg1">
+                          <a:lumMod val="50000"/>
+                        </a:schemeClr>
+                      </a:solidFill>
+                      <a:prstDash val="solid"/>
+                      <a:round/>
+                      <a:headEnd type="none" w="med" len="med"/>
+                      <a:tailEnd type="none" w="med" len="med"/>
+                    </a:lnL>
+                    <a:lnR w="12700" cap="flat" cmpd="sng" algn="ctr">
+                      <a:solidFill>
+                        <a:schemeClr val="bg1">
+                          <a:lumMod val="50000"/>
+                        </a:schemeClr>
+                      </a:solidFill>
+                      <a:prstDash val="solid"/>
+                      <a:round/>
+                      <a:headEnd type="none" w="med" len="med"/>
+                      <a:tailEnd type="none" w="med" len="med"/>
+                    </a:lnR>
+                    <a:lnT w="12700" cap="flat" cmpd="sng" algn="ctr">
+                      <a:solidFill>
+                        <a:schemeClr val="bg1">
+                          <a:lumMod val="50000"/>
+                        </a:schemeClr>
+                      </a:solidFill>
+                      <a:prstDash val="solid"/>
+                      <a:round/>
+                      <a:headEnd type="none" w="med" len="med"/>
+                      <a:tailEnd type="none" w="med" len="med"/>
+                    </a:lnT>
+                    <a:lnB w="12700" cap="flat" cmpd="sng" algn="ctr">
+                      <a:solidFill>
+                        <a:schemeClr val="bg1">
+                          <a:lumMod val="50000"/>
+                        </a:schemeClr>
+                      </a:solidFill>
+                      <a:prstDash val="solid"/>
+                      <a:round/>
+                      <a:headEnd type="none" w="med" len="med"/>
+                      <a:tailEnd type="none" w="med" len="med"/>
+                    </a:lnB>
+                    <a:noFill/>
+                  </a:tcPr>
+                </a:tc>
+                <a:tc>
+                  <a:txBody>
+                    <a:bodyPr/>
+                    <a:lstStyle/>
+                    <a:p>
+                      <a:pPr marL="0" marR="0" indent="0" algn="ctr" fontAlgn="base" latinLnBrk="0">
+                        <a:lnSpc>
+                          <a:spcPct val="100000"/>
+                        </a:lnSpc>
+                        <a:spcBef>
+                          <a:spcPts val="0"/>
+                        </a:spcBef>
+                        <a:spcAft>
+                          <a:spcPts val="0"/>
+                        </a:spcAft>
+                      </a:pPr>
+                      <a:r>
+                        <a:rPr lang="ko-KR" altLang="en-US" sz="1050" b="1" kern="0" spc="0" dirty="0">
+                          <a:solidFill>
+                            <a:schemeClr val="bg1">
+                              <a:lumMod val="75000"/>
+                            </a:schemeClr>
+                          </a:solidFill>
+                          <a:effectLst/>
+                          <a:latin typeface="나눔바른고딕" panose="020B0603020101020101" pitchFamily="50" charset="-127"/>
+                          <a:ea typeface="나눔바른고딕" panose="020B0603020101020101" pitchFamily="50" charset="-127"/>
+                          <a:cs typeface="+mn-cs"/>
+                        </a:rPr>
+                        <a:t>한국</a:t>
+                      </a:r>
+                    </a:p>
+                  </a:txBody>
+                  <a:tcPr marL="36000" marR="36000" marT="15709" marB="15709" anchor="ctr">
+                    <a:lnL w="12700" cap="flat" cmpd="sng" algn="ctr">
+                      <a:solidFill>
+                        <a:schemeClr val="bg1">
+                          <a:lumMod val="50000"/>
+                        </a:schemeClr>
+                      </a:solidFill>
+                      <a:prstDash val="solid"/>
+                      <a:round/>
+                      <a:headEnd type="none" w="med" len="med"/>
+                      <a:tailEnd type="none" w="med" len="med"/>
+                    </a:lnL>
+                    <a:lnR w="12700" cap="flat" cmpd="sng" algn="ctr">
+                      <a:solidFill>
+                        <a:schemeClr val="bg1">
+                          <a:lumMod val="50000"/>
+                        </a:schemeClr>
+                      </a:solidFill>
+                      <a:prstDash val="solid"/>
+                      <a:round/>
+                      <a:headEnd type="none" w="med" len="med"/>
+                      <a:tailEnd type="none" w="med" len="med"/>
+                    </a:lnR>
+                    <a:lnT w="12700" cap="flat" cmpd="sng" algn="ctr">
+                      <a:solidFill>
+                        <a:schemeClr val="bg1">
+                          <a:lumMod val="50000"/>
+                        </a:schemeClr>
+                      </a:solidFill>
+                      <a:prstDash val="solid"/>
+                      <a:round/>
+                      <a:headEnd type="none" w="med" len="med"/>
+                      <a:tailEnd type="none" w="med" len="med"/>
+                    </a:lnT>
+                    <a:lnB w="12700" cap="flat" cmpd="sng" algn="ctr">
+                      <a:solidFill>
+                        <a:schemeClr val="bg1">
+                          <a:lumMod val="50000"/>
+                        </a:schemeClr>
+                      </a:solidFill>
+                      <a:prstDash val="solid"/>
+                      <a:round/>
+                      <a:headEnd type="none" w="med" len="med"/>
+                      <a:tailEnd type="none" w="med" len="med"/>
+                    </a:lnB>
+                    <a:noFill/>
+                  </a:tcPr>
+                </a:tc>
+                <a:tc>
+                  <a:txBody>
+                    <a:bodyPr/>
+                    <a:lstStyle/>
+                    <a:p>
+                      <a:pPr marL="0" marR="0" indent="0" algn="ctr" defTabSz="914400" rtl="0" eaLnBrk="1" fontAlgn="base" latinLnBrk="0" hangingPunct="1">
+                        <a:lnSpc>
+                          <a:spcPct val="100000"/>
+                        </a:lnSpc>
+                        <a:spcBef>
+                          <a:spcPts val="0"/>
+                        </a:spcBef>
+                        <a:spcAft>
+                          <a:spcPts val="0"/>
+                        </a:spcAft>
+                        <a:buClrTx/>
+                        <a:buSzTx/>
+                        <a:buFontTx/>
+                        <a:buNone/>
+                        <a:tabLst/>
+                        <a:defRPr/>
+                      </a:pPr>
+                      <a:r>
+                        <a:rPr lang="en-US" altLang="ko-KR" sz="1050" b="1" kern="0" spc="0" dirty="0">
+                          <a:solidFill>
+                            <a:schemeClr val="bg1">
+                              <a:lumMod val="75000"/>
+                            </a:schemeClr>
+                          </a:solidFill>
+                          <a:effectLst/>
+                          <a:latin typeface="나눔바른고딕" panose="020B0603020101020101" pitchFamily="50" charset="-127"/>
+                          <a:ea typeface="나눔바른고딕" panose="020B0603020101020101" pitchFamily="50" charset="-127"/>
+                          <a:cs typeface="+mn-cs"/>
+                        </a:rPr>
+                        <a:t>X</a:t>
+                      </a:r>
+                    </a:p>
+                  </a:txBody>
+                  <a:tcPr marL="36000" marR="36000" marT="15709" marB="15709" anchor="ctr">
+                    <a:lnL w="12700" cap="flat" cmpd="sng" algn="ctr">
+                      <a:solidFill>
+                        <a:schemeClr val="bg1">
+                          <a:lumMod val="50000"/>
+                        </a:schemeClr>
+                      </a:solidFill>
+                      <a:prstDash val="solid"/>
+                      <a:round/>
+                      <a:headEnd type="none" w="med" len="med"/>
+                      <a:tailEnd type="none" w="med" len="med"/>
+                    </a:lnL>
+                    <a:lnR w="12700" cap="flat" cmpd="sng" algn="ctr">
+                      <a:solidFill>
+                        <a:schemeClr val="bg1">
+                          <a:lumMod val="50000"/>
+                        </a:schemeClr>
+                      </a:solidFill>
+                      <a:prstDash val="solid"/>
+                      <a:round/>
+                      <a:headEnd type="none" w="med" len="med"/>
+                      <a:tailEnd type="none" w="med" len="med"/>
+                    </a:lnR>
+                    <a:lnT w="12700" cap="flat" cmpd="sng" algn="ctr">
+                      <a:solidFill>
+                        <a:schemeClr val="bg1">
+                          <a:lumMod val="50000"/>
+                        </a:schemeClr>
+                      </a:solidFill>
+                      <a:prstDash val="solid"/>
+                      <a:round/>
+                      <a:headEnd type="none" w="med" len="med"/>
+                      <a:tailEnd type="none" w="med" len="med"/>
+                    </a:lnT>
+                    <a:lnB w="12700" cap="flat" cmpd="sng" algn="ctr">
+                      <a:solidFill>
+                        <a:schemeClr val="bg1">
+                          <a:lumMod val="50000"/>
+                        </a:schemeClr>
+                      </a:solidFill>
+                      <a:prstDash val="solid"/>
+                      <a:round/>
+                      <a:headEnd type="none" w="med" len="med"/>
+                      <a:tailEnd type="none" w="med" len="med"/>
+                    </a:lnB>
+                    <a:noFill/>
+                  </a:tcPr>
+                </a:tc>
+                <a:tc>
+                  <a:txBody>
+                    <a:bodyPr/>
+                    <a:lstStyle/>
+                    <a:p>
+                      <a:pPr marL="0" marR="0" indent="0" algn="ctr" fontAlgn="base" latinLnBrk="0">
+                        <a:lnSpc>
+                          <a:spcPct val="100000"/>
+                        </a:lnSpc>
+                        <a:spcBef>
+                          <a:spcPts val="0"/>
+                        </a:spcBef>
+                        <a:spcAft>
+                          <a:spcPts val="0"/>
+                        </a:spcAft>
+                      </a:pPr>
+                      <a:r>
+                        <a:rPr lang="en-US" sz="1050" b="1" kern="0" spc="0" dirty="0">
+                          <a:solidFill>
+                            <a:schemeClr val="bg1">
+                              <a:lumMod val="75000"/>
+                            </a:schemeClr>
+                          </a:solidFill>
+                          <a:effectLst/>
+                          <a:latin typeface="나눔바른고딕" panose="020B0603020101020101" pitchFamily="50" charset="-127"/>
+                          <a:ea typeface="나눔바른고딕" panose="020B0603020101020101" pitchFamily="50" charset="-127"/>
+                          <a:cs typeface="+mn-cs"/>
+                        </a:rPr>
+                        <a:t>-</a:t>
+                      </a:r>
+                    </a:p>
+                  </a:txBody>
+                  <a:tcPr marL="36000" marR="36000" marT="15709" marB="15709" anchor="ctr">
+                    <a:lnL w="12700" cap="flat" cmpd="sng" algn="ctr">
+                      <a:solidFill>
+                        <a:schemeClr val="bg1">
+                          <a:lumMod val="50000"/>
+                        </a:schemeClr>
+                      </a:solidFill>
+                      <a:prstDash val="solid"/>
+                      <a:round/>
+                      <a:headEnd type="none" w="med" len="med"/>
+                      <a:tailEnd type="none" w="med" len="med"/>
+                    </a:lnL>
+                    <a:lnR w="12700" cap="flat" cmpd="sng" algn="ctr">
+                      <a:solidFill>
+                        <a:schemeClr val="bg1">
+                          <a:lumMod val="50000"/>
+                        </a:schemeClr>
+                      </a:solidFill>
+                      <a:prstDash val="solid"/>
+                      <a:round/>
+                      <a:headEnd type="none" w="med" len="med"/>
+                      <a:tailEnd type="none" w="med" len="med"/>
+                    </a:lnR>
+                    <a:lnT w="12700" cap="flat" cmpd="sng" algn="ctr">
+                      <a:solidFill>
+                        <a:schemeClr val="bg1">
+                          <a:lumMod val="50000"/>
+                        </a:schemeClr>
+                      </a:solidFill>
+                      <a:prstDash val="solid"/>
+                      <a:round/>
+                      <a:headEnd type="none" w="med" len="med"/>
+                      <a:tailEnd type="none" w="med" len="med"/>
+                    </a:lnT>
+                    <a:lnB w="12700" cap="flat" cmpd="sng" algn="ctr">
+                      <a:solidFill>
+                        <a:schemeClr val="bg1">
+                          <a:lumMod val="50000"/>
+                        </a:schemeClr>
+                      </a:solidFill>
+                      <a:prstDash val="solid"/>
+                      <a:round/>
+                      <a:headEnd type="none" w="med" len="med"/>
+                      <a:tailEnd type="none" w="med" len="med"/>
+                    </a:lnB>
+                    <a:noFill/>
+                  </a:tcPr>
+                </a:tc>
+                <a:tc>
+                  <a:txBody>
+                    <a:bodyPr/>
+                    <a:lstStyle/>
+                    <a:p>
+                      <a:pPr marL="0" marR="0" indent="0" algn="ctr" fontAlgn="base" latinLnBrk="0">
+                        <a:lnSpc>
+                          <a:spcPct val="100000"/>
+                        </a:lnSpc>
+                        <a:spcBef>
+                          <a:spcPts val="0"/>
+                        </a:spcBef>
+                        <a:spcAft>
+                          <a:spcPts val="0"/>
+                        </a:spcAft>
+                      </a:pPr>
+                      <a:r>
+                        <a:rPr lang="en-US" sz="1050" b="1" kern="0" spc="0" dirty="0">
+                          <a:solidFill>
+                            <a:schemeClr val="bg1">
+                              <a:lumMod val="75000"/>
+                            </a:schemeClr>
+                          </a:solidFill>
+                          <a:effectLst/>
+                          <a:latin typeface="나눔바른고딕" panose="020B0603020101020101" pitchFamily="50" charset="-127"/>
+                          <a:ea typeface="나눔바른고딕" panose="020B0603020101020101" pitchFamily="50" charset="-127"/>
+                          <a:cs typeface="+mn-cs"/>
+                        </a:rPr>
+                        <a:t>2.18</a:t>
+                      </a:r>
+                    </a:p>
+                  </a:txBody>
+                  <a:tcPr marL="36000" marR="36000" marT="15709" marB="15709" anchor="ctr">
+                    <a:lnL w="12700" cap="flat" cmpd="sng" algn="ctr">
+                      <a:solidFill>
+                        <a:schemeClr val="bg1">
+                          <a:lumMod val="50000"/>
+                        </a:schemeClr>
+                      </a:solidFill>
+                      <a:prstDash val="solid"/>
+                      <a:round/>
+                      <a:headEnd type="none" w="med" len="med"/>
+                      <a:tailEnd type="none" w="med" len="med"/>
+                    </a:lnL>
+                    <a:lnR w="12700" cap="flat" cmpd="sng" algn="ctr">
+                      <a:solidFill>
+                        <a:schemeClr val="bg1">
+                          <a:lumMod val="50000"/>
+                        </a:schemeClr>
+                      </a:solidFill>
+                      <a:prstDash val="solid"/>
+                      <a:round/>
+                      <a:headEnd type="none" w="med" len="med"/>
+                      <a:tailEnd type="none" w="med" len="med"/>
+                    </a:lnR>
+                    <a:lnT w="12700" cap="flat" cmpd="sng" algn="ctr">
+                      <a:solidFill>
+                        <a:schemeClr val="bg1">
+                          <a:lumMod val="50000"/>
+                        </a:schemeClr>
+                      </a:solidFill>
+                      <a:prstDash val="solid"/>
+                      <a:round/>
+                      <a:headEnd type="none" w="med" len="med"/>
+                      <a:tailEnd type="none" w="med" len="med"/>
+                    </a:lnT>
+                    <a:lnB w="12700" cap="flat" cmpd="sng" algn="ctr">
+                      <a:solidFill>
+                        <a:schemeClr val="bg1">
+                          <a:lumMod val="50000"/>
+                        </a:schemeClr>
+                      </a:solidFill>
+                      <a:prstDash val="solid"/>
+                      <a:round/>
+                      <a:headEnd type="none" w="med" len="med"/>
+                      <a:tailEnd type="none" w="med" len="med"/>
+                    </a:lnB>
+                    <a:noFill/>
+                  </a:tcPr>
+                </a:tc>
+                <a:tc>
+                  <a:txBody>
+                    <a:bodyPr/>
+                    <a:lstStyle/>
+                    <a:p>
+                      <a:pPr marL="0" marR="0" indent="0" algn="ctr" defTabSz="914400" rtl="0" eaLnBrk="1" fontAlgn="base" latinLnBrk="0" hangingPunct="1">
+                        <a:lnSpc>
+                          <a:spcPct val="100000"/>
+                        </a:lnSpc>
+                        <a:spcBef>
+                          <a:spcPts val="0"/>
+                        </a:spcBef>
+                        <a:spcAft>
+                          <a:spcPts val="0"/>
+                        </a:spcAft>
+                        <a:buClrTx/>
+                        <a:buSzTx/>
+                        <a:buFontTx/>
+                        <a:buNone/>
+                        <a:tabLst/>
+                        <a:defRPr/>
+                      </a:pPr>
+                      <a:r>
+                        <a:rPr lang="ko-KR" altLang="en-US" sz="1000" b="1" kern="0" spc="0" dirty="0">
+                          <a:solidFill>
+                            <a:schemeClr val="bg1">
+                              <a:lumMod val="75000"/>
+                            </a:schemeClr>
+                          </a:solidFill>
+                          <a:effectLst/>
+                          <a:latin typeface="나눔바른고딕" panose="020B0603020101020101" pitchFamily="50" charset="-127"/>
+                          <a:ea typeface="나눔바른고딕" panose="020B0603020101020101" pitchFamily="50" charset="-127"/>
+                          <a:cs typeface="+mn-cs"/>
+                        </a:rPr>
+                        <a:t>대구의료원</a:t>
+                      </a:r>
+                    </a:p>
+                  </a:txBody>
+                  <a:tcPr marL="36000" marR="36000" marT="15709" marB="15709" anchor="ctr">
+                    <a:lnL w="12700" cap="flat" cmpd="sng" algn="ctr">
+                      <a:solidFill>
+                        <a:schemeClr val="bg1">
+                          <a:lumMod val="50000"/>
+                        </a:schemeClr>
+                      </a:solidFill>
+                      <a:prstDash val="solid"/>
+                      <a:round/>
+                      <a:headEnd type="none" w="med" len="med"/>
+                      <a:tailEnd type="none" w="med" len="med"/>
+                    </a:lnL>
+                    <a:lnR w="12700" cap="flat" cmpd="sng" algn="ctr">
+                      <a:solidFill>
+                        <a:schemeClr val="bg1">
+                          <a:lumMod val="50000"/>
+                        </a:schemeClr>
+                      </a:solidFill>
+                      <a:prstDash val="solid"/>
+                      <a:round/>
+                      <a:headEnd type="none" w="med" len="med"/>
+                      <a:tailEnd type="none" w="med" len="med"/>
+                    </a:lnR>
+                    <a:lnT w="12700" cap="flat" cmpd="sng" algn="ctr">
+                      <a:solidFill>
+                        <a:schemeClr val="bg1">
+                          <a:lumMod val="50000"/>
+                        </a:schemeClr>
+                      </a:solidFill>
+                      <a:prstDash val="solid"/>
+                      <a:round/>
+                      <a:headEnd type="none" w="med" len="med"/>
+                      <a:tailEnd type="none" w="med" len="med"/>
+                    </a:lnT>
+                    <a:lnB w="12700" cap="flat" cmpd="sng" algn="ctr">
+                      <a:solidFill>
+                        <a:schemeClr val="bg1">
+                          <a:lumMod val="50000"/>
+                        </a:schemeClr>
+                      </a:solidFill>
+                      <a:prstDash val="solid"/>
+                      <a:round/>
+                      <a:headEnd type="none" w="med" len="med"/>
+                      <a:tailEnd type="none" w="med" len="med"/>
+                    </a:lnB>
+                    <a:noFill/>
+                  </a:tcPr>
+                </a:tc>
+                <a:tc>
+                  <a:txBody>
+                    <a:bodyPr/>
+                    <a:lstStyle/>
+                    <a:p>
+                      <a:pPr marL="0" marR="0" indent="0" algn="ctr" fontAlgn="base" latinLnBrk="0">
+                        <a:lnSpc>
+                          <a:spcPct val="100000"/>
+                        </a:lnSpc>
+                        <a:spcBef>
+                          <a:spcPts val="0"/>
+                        </a:spcBef>
+                        <a:spcAft>
+                          <a:spcPts val="0"/>
+                        </a:spcAft>
+                      </a:pPr>
+                      <a:r>
+                        <a:rPr lang="ko-KR" altLang="en-US" sz="1050" b="1" kern="0" spc="0" dirty="0">
+                          <a:solidFill>
+                            <a:schemeClr val="bg1">
+                              <a:lumMod val="75000"/>
+                            </a:schemeClr>
+                          </a:solidFill>
+                          <a:effectLst/>
+                          <a:latin typeface="나눔바른고딕" panose="020B0603020101020101" pitchFamily="50" charset="-127"/>
+                          <a:ea typeface="나눔바른고딕" panose="020B0603020101020101" pitchFamily="50" charset="-127"/>
+                          <a:cs typeface="+mn-cs"/>
+                        </a:rPr>
+                        <a:t>확인 중</a:t>
+                      </a:r>
+                    </a:p>
+                  </a:txBody>
+                  <a:tcPr marL="36000" marR="36000" marT="15709" marB="15709" anchor="ctr">
+                    <a:lnL w="12700" cap="flat" cmpd="sng" algn="ctr">
+                      <a:solidFill>
+                        <a:schemeClr val="bg1">
+                          <a:lumMod val="50000"/>
+                        </a:schemeClr>
+                      </a:solidFill>
+                      <a:prstDash val="solid"/>
+                      <a:round/>
+                      <a:headEnd type="none" w="med" len="med"/>
+                      <a:tailEnd type="none" w="med" len="med"/>
+                    </a:lnL>
+                    <a:lnR w="12700" cap="flat" cmpd="sng" algn="ctr">
+                      <a:solidFill>
+                        <a:schemeClr val="bg1">
+                          <a:lumMod val="50000"/>
+                        </a:schemeClr>
+                      </a:solidFill>
+                      <a:prstDash val="solid"/>
+                      <a:round/>
+                      <a:headEnd type="none" w="med" len="med"/>
+                      <a:tailEnd type="none" w="med" len="med"/>
+                    </a:lnR>
+                    <a:lnT w="12700" cap="flat" cmpd="sng" algn="ctr">
+                      <a:solidFill>
+                        <a:schemeClr val="bg1">
+                          <a:lumMod val="50000"/>
+                        </a:schemeClr>
+                      </a:solidFill>
+                      <a:prstDash val="solid"/>
+                      <a:round/>
+                      <a:headEnd type="none" w="med" len="med"/>
+                      <a:tailEnd type="none" w="med" len="med"/>
+                    </a:lnT>
+                    <a:lnB w="12700" cap="flat" cmpd="sng" algn="ctr">
+                      <a:solidFill>
+                        <a:schemeClr val="bg1">
+                          <a:lumMod val="50000"/>
+                        </a:schemeClr>
+                      </a:solidFill>
+                      <a:prstDash val="solid"/>
+                      <a:round/>
+                      <a:headEnd type="none" w="med" len="med"/>
+                      <a:tailEnd type="none" w="med" len="med"/>
+                    </a:lnB>
+                    <a:noFill/>
+                  </a:tcPr>
+                </a:tc>
+                <a:extLst>
+                  <a:ext uri="{0D108BD9-81ED-4DB2-BD59-A6C34878D82A}">
+                    <a16:rowId xmlns:a16="http://schemas.microsoft.com/office/drawing/2014/main" val="462980313"/>
                   </a:ext>
                 </a:extLst>
               </a:tr>
